--- a/Ppt/Optimization.pptx
+++ b/Ppt/Optimization.pptx
@@ -24,6 +24,19 @@
     <p:sldId id="279" r:id="rId18"/>
     <p:sldId id="280" r:id="rId19"/>
     <p:sldId id="281" r:id="rId20"/>
+    <p:sldId id="282" r:id="rId21"/>
+    <p:sldId id="284" r:id="rId22"/>
+    <p:sldId id="285" r:id="rId23"/>
+    <p:sldId id="286" r:id="rId24"/>
+    <p:sldId id="287" r:id="rId25"/>
+    <p:sldId id="288" r:id="rId26"/>
+    <p:sldId id="289" r:id="rId27"/>
+    <p:sldId id="290" r:id="rId28"/>
+    <p:sldId id="295" r:id="rId29"/>
+    <p:sldId id="291" r:id="rId30"/>
+    <p:sldId id="292" r:id="rId31"/>
+    <p:sldId id="293" r:id="rId32"/>
+    <p:sldId id="294" r:id="rId33"/>
   </p:sldIdLst>
   <p:sldSz cx="12192000" cy="6858000"/>
   <p:notesSz cx="12192000" cy="6858000"/>
@@ -202,7 +215,7 @@
           <a:p>
             <a:fld id="{1D8BD707-D9CF-40AE-B4C6-C98DA3205C09}" type="datetimeFigureOut">
               <a:rPr lang="en-US"/>
-              <a:t>6/13/2025</a:t>
+              <a:t>6/14/2025</a:t>
             </a:fld>
             <a:endParaRPr lang="en-US"/>
           </a:p>
@@ -379,7 +392,7 @@
           <a:p>
             <a:fld id="{1D8BD707-D9CF-40AE-B4C6-C98DA3205C09}" type="datetimeFigureOut">
               <a:rPr lang="en-US"/>
-              <a:t>6/13/2025</a:t>
+              <a:t>6/14/2025</a:t>
             </a:fld>
             <a:endParaRPr lang="en-US"/>
           </a:p>
@@ -593,7 +606,7 @@
           <a:p>
             <a:fld id="{1D8BD707-D9CF-40AE-B4C6-C98DA3205C09}" type="datetimeFigureOut">
               <a:rPr lang="en-US"/>
-              <a:t>6/13/2025</a:t>
+              <a:t>6/14/2025</a:t>
             </a:fld>
             <a:endParaRPr lang="en-US"/>
           </a:p>
@@ -741,7 +754,7 @@
           <a:p>
             <a:fld id="{1D8BD707-D9CF-40AE-B4C6-C98DA3205C09}" type="datetimeFigureOut">
               <a:rPr lang="en-US"/>
-              <a:t>6/13/2025</a:t>
+              <a:t>6/14/2025</a:t>
             </a:fld>
             <a:endParaRPr lang="en-US"/>
           </a:p>
@@ -860,7 +873,7 @@
           <a:p>
             <a:fld id="{1D8BD707-D9CF-40AE-B4C6-C98DA3205C09}" type="datetimeFigureOut">
               <a:rPr lang="en-US"/>
-              <a:t>6/13/2025</a:t>
+              <a:t>6/14/2025</a:t>
             </a:fld>
             <a:endParaRPr lang="en-US"/>
           </a:p>
@@ -1157,7 +1170,7 @@
           <a:p>
             <a:fld id="{1D8BD707-D9CF-40AE-B4C6-C98DA3205C09}" type="datetimeFigureOut">
               <a:rPr lang="en-US"/>
-              <a:t>6/13/2025</a:t>
+              <a:t>6/14/2025</a:t>
             </a:fld>
             <a:endParaRPr lang="en-US"/>
           </a:p>
@@ -1428,7 +1441,7 @@
               </a:spcBef>
             </a:pPr>
             <a:r>
-              <a:rPr lang="it-IT" sz="1000" spc="-10" dirty="0">
+              <a:rPr lang="en-GB" sz="1000" spc="-10" noProof="0" dirty="0">
                 <a:solidFill>
                   <a:srgbClr val="426EB0"/>
                 </a:solidFill>
@@ -1437,7 +1450,7 @@
               </a:rPr>
               <a:t>Students</a:t>
             </a:r>
-            <a:endParaRPr sz="1000" dirty="0">
+            <a:endParaRPr lang="en-GB" sz="1000" noProof="0" dirty="0">
               <a:latin typeface="Franklin Gothic Medium"/>
               <a:cs typeface="Franklin Gothic Medium"/>
             </a:endParaRPr>
@@ -1449,7 +1462,7 @@
               </a:lnSpc>
             </a:pPr>
             <a:r>
-              <a:rPr lang="it-IT" sz="1600" dirty="0">
+              <a:rPr lang="en-GB" sz="1600" noProof="0" dirty="0">
                 <a:solidFill>
                   <a:srgbClr val="FFFFFF"/>
                 </a:solidFill>
@@ -1459,7 +1472,7 @@
               <a:t>Bolis Filippo Antonio (</a:t>
             </a:r>
             <a:r>
-              <a:rPr lang="it-IT" sz="1600" dirty="0" err="1">
+              <a:rPr lang="en-GB" sz="1600" noProof="0" dirty="0" err="1">
                 <a:solidFill>
                   <a:srgbClr val="FFFFFF"/>
                 </a:solidFill>
@@ -1469,7 +1482,7 @@
               <a:t>matr</a:t>
             </a:r>
             <a:r>
-              <a:rPr lang="it-IT" sz="1600" dirty="0">
+              <a:rPr lang="en-GB" sz="1600" noProof="0" dirty="0">
                 <a:solidFill>
                   <a:srgbClr val="FFFFFF"/>
                 </a:solidFill>
@@ -1478,7 +1491,7 @@
               </a:rPr>
               <a:t> 1079493)</a:t>
             </a:r>
-            <a:endParaRPr sz="1600" dirty="0">
+            <a:endParaRPr lang="en-GB" sz="1600" noProof="0" dirty="0">
               <a:latin typeface="Franklin Gothic Medium"/>
               <a:cs typeface="Franklin Gothic Medium"/>
             </a:endParaRPr>
@@ -1515,7 +1528,7 @@
               </a:spcBef>
             </a:pPr>
             <a:r>
-              <a:rPr sz="950" dirty="0">
+              <a:rPr lang="en-GB" sz="950" noProof="0" dirty="0" err="1">
                 <a:solidFill>
                   <a:srgbClr val="C96643"/>
                 </a:solidFill>
@@ -1525,7 +1538,7 @@
               <a:t>Ingegneria</a:t>
             </a:r>
             <a:r>
-              <a:rPr sz="950" spc="85" dirty="0">
+              <a:rPr lang="en-GB" sz="950" spc="85" noProof="0" dirty="0">
                 <a:solidFill>
                   <a:srgbClr val="C96643"/>
                 </a:solidFill>
@@ -1535,7 +1548,7 @@
               <a:t> </a:t>
             </a:r>
             <a:r>
-              <a:rPr sz="950" spc="-10" dirty="0">
+              <a:rPr lang="en-GB" sz="950" spc="-10" noProof="0" dirty="0">
                 <a:solidFill>
                   <a:srgbClr val="C96643"/>
                 </a:solidFill>
@@ -1544,7 +1557,7 @@
               </a:rPr>
               <a:t>Informatica</a:t>
             </a:r>
-            <a:endParaRPr sz="950" dirty="0">
+            <a:endParaRPr lang="en-GB" sz="950" noProof="0" dirty="0">
               <a:latin typeface="Franklin Gothic Medium"/>
               <a:cs typeface="Franklin Gothic Medium"/>
             </a:endParaRPr>
@@ -1585,26 +1598,16 @@
               </a:spcBef>
             </a:pPr>
             <a:r>
-              <a:rPr lang="it-IT" sz="3200" b="0" dirty="0" err="1">
+              <a:rPr lang="en-GB" sz="3200" b="0" noProof="0" dirty="0">
                 <a:solidFill>
                   <a:srgbClr val="FFFFFF"/>
                 </a:solidFill>
                 <a:latin typeface="Arial Black"/>
                 <a:cs typeface="Arial Black"/>
               </a:rPr>
-              <a:t>Optimization</a:t>
-            </a:r>
-            <a:r>
-              <a:rPr lang="it-IT" sz="3200" b="0" dirty="0">
-                <a:solidFill>
-                  <a:srgbClr val="FFFFFF"/>
-                </a:solidFill>
-                <a:latin typeface="Arial Black"/>
-                <a:cs typeface="Arial Black"/>
-              </a:rPr>
-              <a:t> Project</a:t>
-            </a:r>
-            <a:endParaRPr sz="3200" dirty="0">
+              <a:t>Optimization Project</a:t>
+            </a:r>
+            <a:endParaRPr lang="en-GB" sz="3200" noProof="0" dirty="0">
               <a:latin typeface="Arial Black"/>
               <a:cs typeface="Arial Black"/>
             </a:endParaRPr>
@@ -1641,7 +1644,7 @@
               </a:spcBef>
             </a:pPr>
             <a:r>
-              <a:rPr lang="it-IT" sz="2400" dirty="0">
+              <a:rPr lang="en-GB" sz="2400" noProof="0" dirty="0">
                 <a:solidFill>
                   <a:srgbClr val="FFFFFF"/>
                 </a:solidFill>
@@ -1650,7 +1653,7 @@
               </a:rPr>
               <a:t>2024/2025</a:t>
             </a:r>
-            <a:endParaRPr sz="2400" dirty="0">
+            <a:endParaRPr lang="en-GB" sz="2400" noProof="0" dirty="0">
               <a:latin typeface="Arial Black"/>
               <a:cs typeface="Arial Black"/>
             </a:endParaRPr>
@@ -1690,7 +1693,7 @@
               </a:lnSpc>
             </a:pPr>
             <a:r>
-              <a:rPr lang="it-IT" sz="1600" dirty="0">
+              <a:rPr lang="en-GB" sz="1600" noProof="0" dirty="0">
                 <a:solidFill>
                   <a:srgbClr val="FFFFFF"/>
                 </a:solidFill>
@@ -1700,7 +1703,7 @@
               <a:t>Mazzoleni Gabriele 	(</a:t>
             </a:r>
             <a:r>
-              <a:rPr lang="it-IT" sz="1600" dirty="0" err="1">
+              <a:rPr lang="en-GB" sz="1600" noProof="0" dirty="0" err="1">
                 <a:solidFill>
                   <a:srgbClr val="FFFFFF"/>
                 </a:solidFill>
@@ -1710,7 +1713,7 @@
               <a:t>matr</a:t>
             </a:r>
             <a:r>
-              <a:rPr lang="it-IT" sz="1600" dirty="0">
+              <a:rPr lang="en-GB" sz="1600" noProof="0" dirty="0">
                 <a:solidFill>
                   <a:srgbClr val="FFFFFF"/>
                 </a:solidFill>
@@ -1719,7 +1722,7 @@
               </a:rPr>
               <a:t> 1079514)</a:t>
             </a:r>
-            <a:endParaRPr sz="1600" dirty="0">
+            <a:endParaRPr lang="en-GB" sz="1600" noProof="0" dirty="0">
               <a:latin typeface="Franklin Gothic Medium"/>
               <a:cs typeface="Franklin Gothic Medium"/>
             </a:endParaRPr>
@@ -1784,20 +1787,11 @@
           <a:lstStyle/>
           <a:p>
             <a:r>
-              <a:rPr lang="it-IT" dirty="0">
+              <a:rPr lang="en-GB" noProof="0" dirty="0">
                 <a:latin typeface="Arial Black" panose="020B0A04020102020204" pitchFamily="34" charset="0"/>
               </a:rPr>
-              <a:t>Data </a:t>
-            </a:r>
-            <a:r>
-              <a:rPr lang="it-IT" dirty="0" err="1">
-                <a:latin typeface="Arial Black" panose="020B0A04020102020204" pitchFamily="34" charset="0"/>
-              </a:rPr>
-              <a:t>preparation</a:t>
-            </a:r>
-            <a:endParaRPr lang="it-IT" dirty="0">
-              <a:latin typeface="Arial Black" panose="020B0A04020102020204" pitchFamily="34" charset="0"/>
-            </a:endParaRPr>
+              <a:t>Data preparation</a:t>
+            </a:r>
           </a:p>
         </p:txBody>
       </p:sp>
@@ -1830,14 +1824,14 @@
           <a:lstStyle/>
           <a:p>
             <a:r>
-              <a:rPr lang="en-US" sz="2800" dirty="0">
+              <a:rPr lang="en-GB" sz="2800" noProof="0" dirty="0">
                 <a:latin typeface="Arial" panose="020B0604020202020204" pitchFamily="34" charset="0"/>
                 <a:cs typeface="Arial" panose="020B0604020202020204" pitchFamily="34" charset="0"/>
               </a:rPr>
               <a:t>Only </a:t>
             </a:r>
             <a:r>
-              <a:rPr lang="en-US" sz="2800" b="1" dirty="0">
+              <a:rPr lang="en-GB" sz="2800" b="1" noProof="0" dirty="0">
                 <a:solidFill>
                   <a:srgbClr val="FF0000"/>
                 </a:solidFill>
@@ -1847,27 +1841,27 @@
               <a:t>one variable</a:t>
             </a:r>
             <a:r>
-              <a:rPr lang="en-US" sz="2800" dirty="0">
+              <a:rPr lang="en-GB" sz="2800" noProof="0" dirty="0">
                 <a:latin typeface="Arial" panose="020B0604020202020204" pitchFamily="34" charset="0"/>
                 <a:cs typeface="Arial" panose="020B0604020202020204" pitchFamily="34" charset="0"/>
               </a:rPr>
               <a:t> presented missing values, but the proportion of missing entries was </a:t>
             </a:r>
             <a:r>
-              <a:rPr lang="en-US" sz="2800" b="1" dirty="0">
+              <a:rPr lang="en-GB" sz="2800" b="1" noProof="0" dirty="0">
                 <a:latin typeface="Arial" panose="020B0604020202020204" pitchFamily="34" charset="0"/>
                 <a:cs typeface="Arial" panose="020B0604020202020204" pitchFamily="34" charset="0"/>
               </a:rPr>
               <a:t>well below the exclusion limit</a:t>
             </a:r>
             <a:r>
-              <a:rPr lang="en-US" sz="2800" dirty="0">
+              <a:rPr lang="en-GB" sz="2800" noProof="0" dirty="0">
                 <a:latin typeface="Arial" panose="020B0604020202020204" pitchFamily="34" charset="0"/>
                 <a:cs typeface="Arial" panose="020B0604020202020204" pitchFamily="34" charset="0"/>
               </a:rPr>
               <a:t>.</a:t>
             </a:r>
-            <a:endParaRPr lang="it-IT" sz="2800" b="1" dirty="0">
+            <a:endParaRPr lang="en-GB" sz="2800" b="1" noProof="0" dirty="0">
               <a:solidFill>
                 <a:srgbClr val="FF0000"/>
               </a:solidFill>
@@ -1906,31 +1900,31 @@
           <a:lstStyle/>
           <a:p>
             <a:r>
-              <a:rPr lang="en-US" sz="2800" dirty="0"/>
+              <a:rPr lang="en-GB" sz="2800" noProof="0" dirty="0"/>
               <a:t>As a result, we applied a </a:t>
             </a:r>
             <a:r>
-              <a:rPr lang="en-US" sz="2800" b="1" dirty="0"/>
+              <a:rPr lang="en-GB" sz="2800" b="1" noProof="0" dirty="0"/>
               <a:t>row-wise deletion</a:t>
             </a:r>
             <a:r>
-              <a:rPr lang="en-US" sz="2800" dirty="0"/>
+              <a:rPr lang="en-GB" sz="2800" noProof="0" dirty="0"/>
               <a:t> strategy (</a:t>
             </a:r>
             <a:r>
-              <a:rPr lang="en-US" sz="2800" i="1" dirty="0" err="1"/>
+              <a:rPr lang="en-GB" sz="2800" i="1" noProof="0" dirty="0" err="1"/>
               <a:t>dropna</a:t>
             </a:r>
             <a:r>
-              <a:rPr lang="en-US" sz="2800" dirty="0"/>
+              <a:rPr lang="en-GB" sz="2800" noProof="0" dirty="0"/>
               <a:t>) to remove only the affected samples, ensuring a clean dataset </a:t>
             </a:r>
             <a:r>
-              <a:rPr lang="en-US" sz="2800" b="1" dirty="0"/>
+              <a:rPr lang="en-GB" sz="2800" b="1" noProof="0" dirty="0"/>
               <a:t>without discarding</a:t>
             </a:r>
             <a:r>
-              <a:rPr lang="en-US" sz="2800" dirty="0"/>
+              <a:rPr lang="en-GB" sz="2800" noProof="0" dirty="0"/>
               <a:t> useful variables. </a:t>
             </a:r>
           </a:p>
@@ -1999,14 +1993,11 @@
           <a:lstStyle/>
           <a:p>
             <a:r>
-              <a:rPr lang="it-IT">
+              <a:rPr lang="en-GB" noProof="0" dirty="0">
                 <a:latin typeface="Arial Black" panose="020B0A04020102020204" pitchFamily="34" charset="0"/>
               </a:rPr>
               <a:t>Data preparation</a:t>
             </a:r>
-            <a:endParaRPr lang="it-IT" dirty="0">
-              <a:latin typeface="Arial Black" panose="020B0A04020102020204" pitchFamily="34" charset="0"/>
-            </a:endParaRPr>
           </a:p>
         </p:txBody>
       </p:sp>
@@ -2039,20 +2030,20 @@
           <a:lstStyle/>
           <a:p>
             <a:r>
-              <a:rPr lang="en-US" sz="2800" dirty="0">
+              <a:rPr lang="en-GB" sz="2800" noProof="0" dirty="0">
                 <a:latin typeface="Arial" panose="020B0604020202020204" pitchFamily="34" charset="0"/>
                 <a:cs typeface="Arial" panose="020B0604020202020204" pitchFamily="34" charset="0"/>
               </a:rPr>
               <a:t>To better understand the data, we visualized the </a:t>
             </a:r>
             <a:r>
-              <a:rPr lang="en-US" sz="2800" b="1" dirty="0">
+              <a:rPr lang="en-GB" sz="2800" b="1" noProof="0" dirty="0">
                 <a:latin typeface="Arial" panose="020B0604020202020204" pitchFamily="34" charset="0"/>
                 <a:cs typeface="Arial" panose="020B0604020202020204" pitchFamily="34" charset="0"/>
               </a:rPr>
               <a:t>distribution of all numerical features:</a:t>
             </a:r>
-            <a:endParaRPr lang="it-IT" sz="2800" b="1" dirty="0">
+            <a:endParaRPr lang="en-GB" sz="2800" b="1" noProof="0" dirty="0">
               <a:solidFill>
                 <a:srgbClr val="FF0000"/>
               </a:solidFill>
@@ -2091,14 +2082,14 @@
           <a:lstStyle/>
           <a:p>
             <a:r>
-              <a:rPr lang="en-US" sz="2800" dirty="0">
+              <a:rPr lang="en-GB" sz="2800" noProof="0" dirty="0">
                 <a:latin typeface="Arial" panose="020B0604020202020204" pitchFamily="34" charset="0"/>
                 <a:cs typeface="Arial" panose="020B0604020202020204" pitchFamily="34" charset="0"/>
               </a:rPr>
               <a:t>Most variables showed distributions </a:t>
             </a:r>
             <a:r>
-              <a:rPr lang="en-US" sz="2800" b="1" dirty="0">
+              <a:rPr lang="en-GB" sz="2800" b="1" noProof="0" dirty="0">
                 <a:solidFill>
                   <a:srgbClr val="FF0000"/>
                 </a:solidFill>
@@ -2173,14 +2164,11 @@
           <a:lstStyle/>
           <a:p>
             <a:r>
-              <a:rPr lang="it-IT">
+              <a:rPr lang="en-GB" noProof="0" dirty="0">
                 <a:latin typeface="Arial Black" panose="020B0A04020102020204" pitchFamily="34" charset="0"/>
               </a:rPr>
               <a:t>Data preparation</a:t>
             </a:r>
-            <a:endParaRPr lang="it-IT" dirty="0">
-              <a:latin typeface="Arial Black" panose="020B0A04020102020204" pitchFamily="34" charset="0"/>
-            </a:endParaRPr>
           </a:p>
         </p:txBody>
       </p:sp>
@@ -2340,20 +2328,11 @@
           <a:lstStyle/>
           <a:p>
             <a:r>
-              <a:rPr lang="it-IT" dirty="0">
+              <a:rPr lang="en-GB" noProof="0" dirty="0">
                 <a:latin typeface="Arial Black" panose="020B0A04020102020204" pitchFamily="34" charset="0"/>
               </a:rPr>
-              <a:t>Data </a:t>
-            </a:r>
-            <a:r>
-              <a:rPr lang="it-IT" dirty="0" err="1">
-                <a:latin typeface="Arial Black" panose="020B0A04020102020204" pitchFamily="34" charset="0"/>
-              </a:rPr>
-              <a:t>preparation</a:t>
-            </a:r>
-            <a:endParaRPr lang="it-IT" dirty="0">
-              <a:latin typeface="Arial Black" panose="020B0A04020102020204" pitchFamily="34" charset="0"/>
-            </a:endParaRPr>
+              <a:t>Data preparation</a:t>
+            </a:r>
           </a:p>
         </p:txBody>
       </p:sp>
@@ -2386,28 +2365,28 @@
           <a:lstStyle/>
           <a:p>
             <a:r>
-              <a:rPr lang="en-US" sz="2800" dirty="0">
+              <a:rPr lang="en-GB" sz="2800" noProof="0" dirty="0">
                 <a:latin typeface="Arial" panose="020B0604020202020204" pitchFamily="34" charset="0"/>
                 <a:cs typeface="Arial" panose="020B0604020202020204" pitchFamily="34" charset="0"/>
               </a:rPr>
               <a:t>To better understand the </a:t>
             </a:r>
             <a:r>
-              <a:rPr lang="en-US" sz="2800" b="1" dirty="0">
+              <a:rPr lang="en-GB" sz="2800" b="1" noProof="0" dirty="0">
                 <a:latin typeface="Arial" panose="020B0604020202020204" pitchFamily="34" charset="0"/>
                 <a:cs typeface="Arial" panose="020B0604020202020204" pitchFamily="34" charset="0"/>
               </a:rPr>
               <a:t>correlation</a:t>
             </a:r>
             <a:r>
-              <a:rPr lang="en-US" sz="2800" dirty="0">
+              <a:rPr lang="en-GB" sz="2800" noProof="0" dirty="0">
                 <a:latin typeface="Arial" panose="020B0604020202020204" pitchFamily="34" charset="0"/>
                 <a:cs typeface="Arial" panose="020B0604020202020204" pitchFamily="34" charset="0"/>
               </a:rPr>
               <a:t> between the numerical variables in the dataset, we computed the </a:t>
             </a:r>
             <a:r>
-              <a:rPr lang="en-US" sz="2800" b="1" dirty="0">
+              <a:rPr lang="en-GB" sz="2800" b="1" noProof="0" dirty="0">
                 <a:solidFill>
                   <a:srgbClr val="FF0000"/>
                 </a:solidFill>
@@ -2416,13 +2395,6 @@
               </a:rPr>
               <a:t>correlation matrix.</a:t>
             </a:r>
-            <a:endParaRPr lang="it-IT" sz="2800" b="1" dirty="0">
-              <a:solidFill>
-                <a:srgbClr val="FF0000"/>
-              </a:solidFill>
-              <a:latin typeface="Arial" panose="020B0604020202020204" pitchFamily="34" charset="0"/>
-              <a:cs typeface="Arial" panose="020B0604020202020204" pitchFamily="34" charset="0"/>
-            </a:endParaRPr>
           </a:p>
         </p:txBody>
       </p:sp>
@@ -2489,38 +2461,11 @@
           <a:lstStyle/>
           <a:p>
             <a:r>
-              <a:rPr lang="it-IT" dirty="0" err="1">
+              <a:rPr lang="en-GB" noProof="0" dirty="0">
                 <a:latin typeface="Arial Black" panose="020B0A04020102020204" pitchFamily="34" charset="0"/>
               </a:rPr>
-              <a:t>Gradient</a:t>
-            </a:r>
-            <a:r>
-              <a:rPr lang="it-IT" dirty="0">
-                <a:latin typeface="Arial Black" panose="020B0A04020102020204" pitchFamily="34" charset="0"/>
-              </a:rPr>
-              <a:t> </a:t>
-            </a:r>
-            <a:r>
-              <a:rPr lang="it-IT" dirty="0" err="1">
-                <a:latin typeface="Arial Black" panose="020B0A04020102020204" pitchFamily="34" charset="0"/>
-              </a:rPr>
-              <a:t>Descent</a:t>
-            </a:r>
-            <a:r>
-              <a:rPr lang="it-IT" dirty="0">
-                <a:latin typeface="Arial Black" panose="020B0A04020102020204" pitchFamily="34" charset="0"/>
-              </a:rPr>
-              <a:t> - </a:t>
-            </a:r>
-            <a:r>
-              <a:rPr lang="it-IT" dirty="0" err="1">
-                <a:latin typeface="Arial Black" panose="020B0A04020102020204" pitchFamily="34" charset="0"/>
-              </a:rPr>
-              <a:t>Objective</a:t>
-            </a:r>
-            <a:endParaRPr lang="it-IT" dirty="0">
-              <a:latin typeface="Arial Black" panose="020B0A04020102020204" pitchFamily="34" charset="0"/>
-            </a:endParaRPr>
+              <a:t>Gradient Descent - Objective</a:t>
+            </a:r>
           </a:p>
         </p:txBody>
       </p:sp>
@@ -2553,35 +2498,35 @@
           <a:lstStyle/>
           <a:p>
             <a:r>
-              <a:rPr lang="en-US" sz="2800" dirty="0">
+              <a:rPr lang="en-GB" sz="2800" noProof="0" dirty="0">
                 <a:latin typeface="Arial" panose="020B0604020202020204" pitchFamily="34" charset="0"/>
                 <a:cs typeface="Arial" panose="020B0604020202020204" pitchFamily="34" charset="0"/>
               </a:rPr>
               <a:t>The objective of our work is </a:t>
             </a:r>
             <a:r>
-              <a:rPr lang="en-US" sz="2800" b="1" dirty="0">
+              <a:rPr lang="en-GB" sz="2800" b="1" noProof="0" dirty="0">
                 <a:latin typeface="Arial" panose="020B0604020202020204" pitchFamily="34" charset="0"/>
                 <a:cs typeface="Arial" panose="020B0604020202020204" pitchFamily="34" charset="0"/>
               </a:rPr>
               <a:t>to demonstrate</a:t>
             </a:r>
             <a:r>
-              <a:rPr lang="en-US" sz="2800" dirty="0">
+              <a:rPr lang="en-GB" sz="2800" noProof="0" dirty="0">
                 <a:latin typeface="Arial" panose="020B0604020202020204" pitchFamily="34" charset="0"/>
                 <a:cs typeface="Arial" panose="020B0604020202020204" pitchFamily="34" charset="0"/>
               </a:rPr>
               <a:t> how </a:t>
             </a:r>
             <a:r>
-              <a:rPr lang="en-US" sz="2800" u="sng" dirty="0">
+              <a:rPr lang="en-GB" sz="2800" u="sng" noProof="0" dirty="0">
                 <a:latin typeface="Arial" panose="020B0604020202020204" pitchFamily="34" charset="0"/>
                 <a:cs typeface="Arial" panose="020B0604020202020204" pitchFamily="34" charset="0"/>
               </a:rPr>
               <a:t>theoretical step‑size selection affects speed and stability of optimization</a:t>
             </a:r>
             <a:r>
-              <a:rPr lang="en-US" sz="2800" dirty="0">
+              <a:rPr lang="en-GB" sz="2800" noProof="0" dirty="0">
                 <a:latin typeface="Arial" panose="020B0604020202020204" pitchFamily="34" charset="0"/>
                 <a:cs typeface="Arial" panose="020B0604020202020204" pitchFamily="34" charset="0"/>
               </a:rPr>
@@ -2653,28 +2598,10 @@
           <a:lstStyle/>
           <a:p>
             <a:r>
-              <a:rPr lang="it-IT" dirty="0" err="1">
+              <a:rPr lang="en-GB" noProof="0" dirty="0">
                 <a:latin typeface="Arial Black" panose="020B0A04020102020204" pitchFamily="34" charset="0"/>
               </a:rPr>
-              <a:t>Gradient</a:t>
-            </a:r>
-            <a:r>
-              <a:rPr lang="it-IT" dirty="0">
-                <a:latin typeface="Arial Black" panose="020B0A04020102020204" pitchFamily="34" charset="0"/>
-              </a:rPr>
-              <a:t> </a:t>
-            </a:r>
-            <a:r>
-              <a:rPr lang="it-IT" dirty="0" err="1">
-                <a:latin typeface="Arial Black" panose="020B0A04020102020204" pitchFamily="34" charset="0"/>
-              </a:rPr>
-              <a:t>Descent</a:t>
-            </a:r>
-            <a:r>
-              <a:rPr lang="it-IT" dirty="0">
-                <a:latin typeface="Arial Black" panose="020B0A04020102020204" pitchFamily="34" charset="0"/>
-              </a:rPr>
-              <a:t> - Pipeline</a:t>
+              <a:t>Gradient Descent - Pipeline</a:t>
             </a:r>
           </a:p>
         </p:txBody>
@@ -2708,28 +2635,28 @@
           <a:lstStyle/>
           <a:p>
             <a:r>
-              <a:rPr lang="en-US" sz="2800" dirty="0">
+              <a:rPr lang="en-GB" sz="2800" noProof="0" dirty="0">
                 <a:latin typeface="Arial" panose="020B0604020202020204" pitchFamily="34" charset="0"/>
                 <a:cs typeface="Arial" panose="020B0604020202020204" pitchFamily="34" charset="0"/>
               </a:rPr>
               <a:t>We implemented a </a:t>
             </a:r>
             <a:r>
-              <a:rPr lang="en-US" sz="2800" b="1" dirty="0">
+              <a:rPr lang="en-GB" sz="2800" b="1" noProof="0" dirty="0">
                 <a:latin typeface="Arial" panose="020B0604020202020204" pitchFamily="34" charset="0"/>
                 <a:cs typeface="Arial" panose="020B0604020202020204" pitchFamily="34" charset="0"/>
               </a:rPr>
               <a:t>multivariate linear regression</a:t>
             </a:r>
             <a:r>
-              <a:rPr lang="en-US" sz="2800" dirty="0">
+              <a:rPr lang="en-GB" sz="2800" noProof="0" dirty="0">
                 <a:latin typeface="Arial" panose="020B0604020202020204" pitchFamily="34" charset="0"/>
                 <a:cs typeface="Arial" panose="020B0604020202020204" pitchFamily="34" charset="0"/>
               </a:rPr>
               <a:t> workflow driven by </a:t>
             </a:r>
             <a:r>
-              <a:rPr lang="en-US" sz="2800" b="1" dirty="0">
+              <a:rPr lang="en-GB" sz="2800" b="1" noProof="0" dirty="0">
                 <a:latin typeface="Arial" panose="020B0604020202020204" pitchFamily="34" charset="0"/>
                 <a:cs typeface="Arial" panose="020B0604020202020204" pitchFamily="34" charset="0"/>
               </a:rPr>
@@ -2737,14 +2664,14 @@
             </a:r>
           </a:p>
           <a:p>
-            <a:endParaRPr lang="en-US" sz="2800" b="1" dirty="0">
+            <a:endParaRPr lang="en-GB" sz="2800" b="1" noProof="0" dirty="0">
               <a:latin typeface="Arial" panose="020B0604020202020204" pitchFamily="34" charset="0"/>
               <a:cs typeface="Arial" panose="020B0604020202020204" pitchFamily="34" charset="0"/>
             </a:endParaRPr>
           </a:p>
           <a:p>
             <a:r>
-              <a:rPr lang="en-US" sz="2800" dirty="0">
+              <a:rPr lang="en-GB" sz="2800" noProof="0" dirty="0">
                 <a:latin typeface="Arial" panose="020B0604020202020204" pitchFamily="34" charset="0"/>
                 <a:cs typeface="Arial" panose="020B0604020202020204" pitchFamily="34" charset="0"/>
               </a:rPr>
@@ -2752,7 +2679,7 @@
             </a:r>
           </a:p>
           <a:p>
-            <a:endParaRPr lang="en-US" sz="2800" dirty="0">
+            <a:endParaRPr lang="en-GB" sz="2800" noProof="0" dirty="0">
               <a:latin typeface="Arial" panose="020B0604020202020204" pitchFamily="34" charset="0"/>
               <a:cs typeface="Arial" panose="020B0604020202020204" pitchFamily="34" charset="0"/>
             </a:endParaRPr>
@@ -2763,7 +2690,7 @@
               <a:buChar char="•"/>
             </a:pPr>
             <a:r>
-              <a:rPr lang="en-US" sz="2800" b="1" dirty="0">
+              <a:rPr lang="en-GB" sz="2800" b="1" noProof="0" dirty="0">
                 <a:solidFill>
                   <a:srgbClr val="0070C0"/>
                 </a:solidFill>
@@ -2773,7 +2700,7 @@
               <a:t>standardize</a:t>
             </a:r>
             <a:r>
-              <a:rPr lang="en-US" sz="2800" dirty="0">
+              <a:rPr lang="en-GB" sz="2800" noProof="0" dirty="0">
                 <a:latin typeface="Arial" panose="020B0604020202020204" pitchFamily="34" charset="0"/>
                 <a:cs typeface="Arial" panose="020B0604020202020204" pitchFamily="34" charset="0"/>
               </a:rPr>
@@ -2786,7 +2713,7 @@
               <a:buChar char="•"/>
             </a:pPr>
             <a:r>
-              <a:rPr lang="en-US" sz="2800" b="1" dirty="0">
+              <a:rPr lang="en-GB" sz="2800" b="1" noProof="0" dirty="0">
                 <a:solidFill>
                   <a:srgbClr val="0070C0"/>
                 </a:solidFill>
@@ -2796,14 +2723,14 @@
               <a:t>build</a:t>
             </a:r>
             <a:r>
-              <a:rPr lang="en-US" sz="2800" dirty="0">
+              <a:rPr lang="en-GB" sz="2800" noProof="0" dirty="0">
                 <a:latin typeface="Arial" panose="020B0604020202020204" pitchFamily="34" charset="0"/>
                 <a:cs typeface="Arial" panose="020B0604020202020204" pitchFamily="34" charset="0"/>
               </a:rPr>
               <a:t> a design matrix with an </a:t>
             </a:r>
             <a:r>
-              <a:rPr lang="en-US" sz="2800" b="1" dirty="0">
+              <a:rPr lang="en-GB" sz="2800" b="1" noProof="0" dirty="0">
                 <a:solidFill>
                   <a:srgbClr val="0070C0"/>
                 </a:solidFill>
@@ -2813,7 +2740,7 @@
               <a:t>intercept</a:t>
             </a:r>
             <a:r>
-              <a:rPr lang="en-US" sz="2800" dirty="0">
+              <a:rPr lang="en-GB" sz="2800" noProof="0" dirty="0">
                 <a:solidFill>
                   <a:srgbClr val="0070C0"/>
                 </a:solidFill>
@@ -2829,7 +2756,7 @@
               <a:buChar char="•"/>
             </a:pPr>
             <a:r>
-              <a:rPr lang="en-US" sz="2800" b="1" dirty="0">
+              <a:rPr lang="en-GB" sz="2800" b="1" noProof="0" dirty="0">
                 <a:solidFill>
                   <a:srgbClr val="0070C0"/>
                 </a:solidFill>
@@ -2839,14 +2766,14 @@
               <a:t>run GD variants</a:t>
             </a:r>
             <a:r>
-              <a:rPr lang="en-US" sz="2800" b="1" i="1" dirty="0">
+              <a:rPr lang="en-GB" sz="2800" b="1" i="1" noProof="0" dirty="0">
                 <a:latin typeface="Arial" panose="020B0604020202020204" pitchFamily="34" charset="0"/>
                 <a:cs typeface="Arial" panose="020B0604020202020204" pitchFamily="34" charset="0"/>
               </a:rPr>
               <a:t> </a:t>
             </a:r>
             <a:r>
-              <a:rPr lang="en-US" sz="2800" dirty="0">
+              <a:rPr lang="en-GB" sz="2800" noProof="0" dirty="0">
                 <a:latin typeface="Arial" panose="020B0604020202020204" pitchFamily="34" charset="0"/>
                 <a:cs typeface="Arial" panose="020B0604020202020204" pitchFamily="34" charset="0"/>
               </a:rPr>
@@ -2859,7 +2786,7 @@
               <a:buChar char="•"/>
             </a:pPr>
             <a:r>
-              <a:rPr lang="en-US" sz="2800" b="1" dirty="0">
+              <a:rPr lang="en-GB" sz="2800" b="1" noProof="0" dirty="0">
                 <a:solidFill>
                   <a:srgbClr val="0070C0"/>
                 </a:solidFill>
@@ -2869,14 +2796,14 @@
               <a:t>compare</a:t>
             </a:r>
             <a:r>
-              <a:rPr lang="en-US" sz="2800" b="1" dirty="0">
+              <a:rPr lang="en-GB" sz="2800" b="1" noProof="0" dirty="0">
                 <a:latin typeface="Arial" panose="020B0604020202020204" pitchFamily="34" charset="0"/>
                 <a:cs typeface="Arial" panose="020B0604020202020204" pitchFamily="34" charset="0"/>
               </a:rPr>
               <a:t> </a:t>
             </a:r>
             <a:r>
-              <a:rPr lang="en-US" sz="2800" dirty="0">
+              <a:rPr lang="en-GB" sz="2800" noProof="0" dirty="0">
                 <a:latin typeface="Arial" panose="020B0604020202020204" pitchFamily="34" charset="0"/>
                 <a:cs typeface="Arial" panose="020B0604020202020204" pitchFamily="34" charset="0"/>
               </a:rPr>
@@ -2948,22 +2875,10 @@
           <a:lstStyle/>
           <a:p>
             <a:r>
-              <a:rPr lang="it-IT" dirty="0">
+              <a:rPr lang="en-GB" noProof="0" dirty="0">
                 <a:latin typeface="Arial Black" panose="020B0A04020102020204" pitchFamily="34" charset="0"/>
               </a:rPr>
-              <a:t>Data </a:t>
-            </a:r>
-            <a:r>
-              <a:rPr lang="it-IT" dirty="0" err="1">
-                <a:latin typeface="Arial Black" panose="020B0A04020102020204" pitchFamily="34" charset="0"/>
-              </a:rPr>
-              <a:t>Standardization</a:t>
-            </a:r>
-            <a:r>
-              <a:rPr lang="it-IT" dirty="0">
-                <a:latin typeface="Arial Black" panose="020B0A04020102020204" pitchFamily="34" charset="0"/>
-              </a:rPr>
-              <a:t> &amp; Design Matrix</a:t>
+              <a:t>Data Standardization &amp; Design Matrix</a:t>
             </a:r>
           </a:p>
         </p:txBody>
@@ -2999,7 +2914,7 @@
               <a:lstStyle/>
               <a:p>
                 <a:r>
-                  <a:rPr lang="en-US" sz="2800" dirty="0">
+                  <a:rPr lang="en-GB" sz="2800" noProof="0" dirty="0">
                     <a:latin typeface="Arial" panose="020B0604020202020204" pitchFamily="34" charset="0"/>
                     <a:cs typeface="Arial" panose="020B0604020202020204" pitchFamily="34" charset="0"/>
                   </a:rPr>
@@ -3010,7 +2925,7 @@
                     <m:sSub>
                       <m:sSubPr>
                         <m:ctrlPr>
-                          <a:rPr lang="pt-BR" sz="2800" i="1" smtClean="0">
+                          <a:rPr lang="en-GB" sz="2800" i="1" noProof="0" smtClean="0">
                             <a:latin typeface="Cambria Math" panose="02040503050406030204" pitchFamily="18" charset="0"/>
                             <a:cs typeface="Arial" panose="020B0604020202020204" pitchFamily="34" charset="0"/>
                           </a:rPr>
@@ -3018,7 +2933,7 @@
                       </m:sSubPr>
                       <m:e>
                         <m:r>
-                          <a:rPr lang="it-IT" sz="2800" b="0" i="1" smtClean="0">
+                          <a:rPr lang="en-GB" sz="2800" b="0" i="1" noProof="0" smtClean="0">
                             <a:latin typeface="Cambria Math" panose="02040503050406030204" pitchFamily="18" charset="0"/>
                             <a:cs typeface="Arial" panose="020B0604020202020204" pitchFamily="34" charset="0"/>
                           </a:rPr>
@@ -3027,7 +2942,7 @@
                       </m:e>
                       <m:sub>
                         <m:r>
-                          <a:rPr lang="it-IT" sz="2800" b="0" i="1" smtClean="0">
+                          <a:rPr lang="en-GB" sz="2800" b="0" i="1" noProof="0" smtClean="0">
                             <a:latin typeface="Cambria Math" panose="02040503050406030204" pitchFamily="18" charset="0"/>
                             <a:cs typeface="Arial" panose="020B0604020202020204" pitchFamily="34" charset="0"/>
                           </a:rPr>
@@ -3038,7 +2953,7 @@
                   </m:oMath>
                 </a14:m>
                 <a:r>
-                  <a:rPr lang="en-US" sz="2800" dirty="0">
+                  <a:rPr lang="en-GB" sz="2800" noProof="0" dirty="0">
                     <a:latin typeface="Arial" panose="020B0604020202020204" pitchFamily="34" charset="0"/>
                     <a:cs typeface="Arial" panose="020B0604020202020204" pitchFamily="34" charset="0"/>
                   </a:rPr>
@@ -3049,7 +2964,7 @@
                     <m:sSub>
                       <m:sSubPr>
                         <m:ctrlPr>
-                          <a:rPr lang="pt-BR" sz="2800" i="1" smtClean="0">
+                          <a:rPr lang="en-GB" sz="2800" i="1" noProof="0" smtClean="0">
                             <a:solidFill>
                               <a:schemeClr val="tx1"/>
                             </a:solidFill>
@@ -3059,7 +2974,7 @@
                       </m:sSubPr>
                       <m:e>
                         <m:r>
-                          <a:rPr lang="pt-BR" sz="2800" i="1" smtClean="0">
+                          <a:rPr lang="en-GB" sz="2800" i="1" noProof="0" smtClean="0">
                             <a:solidFill>
                               <a:schemeClr val="tx1"/>
                             </a:solidFill>
@@ -3070,7 +2985,7 @@
                       </m:e>
                       <m:sub>
                         <m:r>
-                          <a:rPr lang="pt-BR" sz="2800" i="1" smtClean="0">
+                          <a:rPr lang="en-GB" sz="2800" i="1" noProof="0" smtClean="0">
                             <a:solidFill>
                               <a:schemeClr val="tx1"/>
                             </a:solidFill>
@@ -3081,7 +2996,7 @@
                       </m:sub>
                     </m:sSub>
                     <m:r>
-                      <a:rPr lang="it-IT" sz="2800" b="0" i="1" smtClean="0">
+                      <a:rPr lang="en-GB" sz="2800" b="0" i="1" noProof="0" smtClean="0">
                         <a:solidFill>
                           <a:schemeClr val="tx1"/>
                         </a:solidFill>
@@ -3092,7 +3007,7 @@
                     <m:f>
                       <m:fPr>
                         <m:ctrlPr>
-                          <a:rPr lang="pt-BR" sz="2800" i="1" smtClean="0">
+                          <a:rPr lang="en-GB" sz="2800" i="1" noProof="0" smtClean="0">
                             <a:solidFill>
                               <a:schemeClr val="tx1"/>
                             </a:solidFill>
@@ -3104,7 +3019,7 @@
                         <m:d>
                           <m:dPr>
                             <m:ctrlPr>
-                              <a:rPr lang="pt-BR" sz="2800" i="1" smtClean="0">
+                              <a:rPr lang="en-GB" sz="2800" i="1" noProof="0" smtClean="0">
                                 <a:solidFill>
                                   <a:schemeClr val="tx1"/>
                                 </a:solidFill>
@@ -3116,7 +3031,7 @@
                             <m:sSub>
                               <m:sSubPr>
                                 <m:ctrlPr>
-                                  <a:rPr lang="pt-BR" sz="2800" i="1" smtClean="0">
+                                  <a:rPr lang="en-GB" sz="2800" i="1" noProof="0" smtClean="0">
                                     <a:solidFill>
                                       <a:schemeClr val="tx1"/>
                                     </a:solidFill>
@@ -3126,7 +3041,7 @@
                               </m:sSubPr>
                               <m:e>
                                 <m:r>
-                                  <a:rPr lang="pt-BR" sz="2800" i="1" smtClean="0">
+                                  <a:rPr lang="en-GB" sz="2800" i="1" noProof="0" smtClean="0">
                                     <a:solidFill>
                                       <a:schemeClr val="tx1"/>
                                     </a:solidFill>
@@ -3137,7 +3052,7 @@
                               </m:e>
                               <m:sub>
                                 <m:r>
-                                  <a:rPr lang="pt-BR" sz="2800" i="1" smtClean="0">
+                                  <a:rPr lang="en-GB" sz="2800" i="1" noProof="0" smtClean="0">
                                     <a:solidFill>
                                       <a:schemeClr val="tx1"/>
                                     </a:solidFill>
@@ -3148,7 +3063,7 @@
                               </m:sub>
                             </m:sSub>
                             <m:r>
-                              <a:rPr lang="pt-BR" sz="2800" i="1" smtClean="0">
+                              <a:rPr lang="en-GB" sz="2800" i="1" noProof="0" smtClean="0">
                                 <a:solidFill>
                                   <a:schemeClr val="tx1"/>
                                 </a:solidFill>
@@ -3159,7 +3074,7 @@
                             <m:sSub>
                               <m:sSubPr>
                                 <m:ctrlPr>
-                                  <a:rPr lang="pt-BR" sz="2800" i="1" smtClean="0">
+                                  <a:rPr lang="en-GB" sz="2800" i="1" noProof="0" smtClean="0">
                                     <a:solidFill>
                                       <a:schemeClr val="tx1"/>
                                     </a:solidFill>
@@ -3169,7 +3084,7 @@
                               </m:sSubPr>
                               <m:e>
                                 <m:r>
-                                  <a:rPr lang="pt-BR" sz="2800" i="1" smtClean="0">
+                                  <a:rPr lang="en-GB" sz="2800" i="1" noProof="0" smtClean="0">
                                     <a:solidFill>
                                       <a:schemeClr val="tx1"/>
                                     </a:solidFill>
@@ -3180,7 +3095,7 @@
                               </m:e>
                               <m:sub>
                                 <m:r>
-                                  <a:rPr lang="pt-BR" sz="2800" i="1" smtClean="0">
+                                  <a:rPr lang="en-GB" sz="2800" i="1" noProof="0" smtClean="0">
                                     <a:solidFill>
                                       <a:schemeClr val="tx1"/>
                                     </a:solidFill>
@@ -3197,7 +3112,7 @@
                         <m:sSub>
                           <m:sSubPr>
                             <m:ctrlPr>
-                              <a:rPr lang="pt-BR" sz="2800" i="1" smtClean="0">
+                              <a:rPr lang="en-GB" sz="2800" i="1" noProof="0" smtClean="0">
                                 <a:solidFill>
                                   <a:schemeClr val="tx1"/>
                                 </a:solidFill>
@@ -3207,7 +3122,7 @@
                           </m:sSubPr>
                           <m:e>
                             <m:r>
-                              <a:rPr lang="pt-BR" sz="2800" i="1" smtClean="0">
+                              <a:rPr lang="en-GB" sz="2800" i="1" noProof="0" smtClean="0">
                                 <a:solidFill>
                                   <a:schemeClr val="tx1"/>
                                 </a:solidFill>
@@ -3218,7 +3133,7 @@
                           </m:e>
                           <m:sub>
                             <m:r>
-                              <a:rPr lang="pt-BR" sz="2800" i="1" smtClean="0">
+                              <a:rPr lang="en-GB" sz="2800" i="1" noProof="0" smtClean="0">
                                 <a:solidFill>
                                   <a:schemeClr val="tx1"/>
                                 </a:solidFill>
@@ -3231,7 +3146,7 @@
                       </m:den>
                     </m:f>
                     <m:r>
-                      <a:rPr lang="pt-BR" sz="2800" i="1" smtClean="0">
+                      <a:rPr lang="en-GB" sz="2800" i="1" noProof="0" smtClean="0">
                         <a:latin typeface="Cambria Math" panose="02040503050406030204" pitchFamily="18" charset="0"/>
                       </a:rPr>
                       <m:t> </m:t>
@@ -3239,14 +3154,14 @@
                   </m:oMath>
                 </a14:m>
                 <a:r>
-                  <a:rPr lang="en-US" sz="2800" dirty="0">
+                  <a:rPr lang="en-GB" sz="2800" noProof="0" dirty="0">
                     <a:latin typeface="Arial" panose="020B0604020202020204" pitchFamily="34" charset="0"/>
                     <a:cs typeface="Arial" panose="020B0604020202020204" pitchFamily="34" charset="0"/>
                   </a:rPr>
-                  <a:t>​ so all columns have </a:t>
+                  <a:t>​ so that all columns have </a:t>
                 </a:r>
                 <a:r>
-                  <a:rPr lang="en-US" sz="2800" b="1" dirty="0">
+                  <a:rPr lang="en-GB" sz="2800" b="1" noProof="0" dirty="0">
                     <a:solidFill>
                       <a:srgbClr val="FF0000"/>
                     </a:solidFill>
@@ -3256,14 +3171,14 @@
                   <a:t>zero mean </a:t>
                 </a:r>
                 <a:r>
-                  <a:rPr lang="en-US" sz="2800" dirty="0">
+                  <a:rPr lang="en-GB" sz="2800" noProof="0" dirty="0">
                     <a:latin typeface="Arial" panose="020B0604020202020204" pitchFamily="34" charset="0"/>
                     <a:cs typeface="Arial" panose="020B0604020202020204" pitchFamily="34" charset="0"/>
                   </a:rPr>
                   <a:t>and </a:t>
                 </a:r>
                 <a:r>
-                  <a:rPr lang="en-US" sz="2800" b="1" dirty="0">
+                  <a:rPr lang="en-GB" sz="2800" b="1" noProof="0" dirty="0">
                     <a:solidFill>
                       <a:srgbClr val="FF0000"/>
                     </a:solidFill>
@@ -3273,7 +3188,7 @@
                   <a:t>unit variance</a:t>
                 </a:r>
                 <a:r>
-                  <a:rPr lang="en-US" sz="2800" dirty="0">
+                  <a:rPr lang="en-GB" sz="2800" noProof="0" dirty="0">
                     <a:latin typeface="Arial" panose="020B0604020202020204" pitchFamily="34" charset="0"/>
                     <a:cs typeface="Arial" panose="020B0604020202020204" pitchFamily="34" charset="0"/>
                   </a:rPr>
@@ -3359,29 +3274,13 @@
               <a:lstStyle/>
               <a:p>
                 <a:r>
-                  <a:rPr lang="it-IT" sz="2800" dirty="0"/>
-                  <a:t>We </a:t>
-                </a:r>
-                <a:r>
-                  <a:rPr lang="it-IT" sz="2800" dirty="0" err="1"/>
-                  <a:t>then</a:t>
-                </a:r>
-                <a:r>
-                  <a:rPr lang="it-IT" sz="2800" dirty="0"/>
-                  <a:t> create </a:t>
-                </a:r>
-                <a:r>
-                  <a:rPr lang="it-IT" sz="2800" dirty="0" err="1"/>
-                  <a:t>matrix</a:t>
-                </a:r>
-                <a:r>
-                  <a:rPr lang="it-IT" sz="2800" dirty="0"/>
-                  <a:t> </a:t>
+                  <a:rPr lang="en-GB" sz="2800" noProof="0" dirty="0"/>
+                  <a:t>We then create matrix </a:t>
                 </a:r>
                 <a14:m>
                   <m:oMath xmlns:m="http://schemas.openxmlformats.org/officeDocument/2006/math">
                     <m:r>
-                      <a:rPr lang="en-US" sz="2800" i="1" dirty="0" smtClean="0">
+                      <a:rPr lang="en-GB" sz="2800" i="1" noProof="0" smtClean="0">
                         <a:solidFill>
                           <a:schemeClr val="tx1"/>
                         </a:solidFill>
@@ -3390,7 +3289,7 @@
                       <m:t>𝐴</m:t>
                     </m:r>
                     <m:r>
-                      <a:rPr lang="en-US" sz="2800" i="0" dirty="0">
+                      <a:rPr lang="en-GB" sz="2800" i="0" noProof="0" smtClean="0">
                         <a:solidFill>
                           <a:schemeClr val="tx1"/>
                         </a:solidFill>
@@ -3403,7 +3302,7 @@
                         <m:begChr m:val="["/>
                         <m:endChr m:val="]"/>
                         <m:ctrlPr>
-                          <a:rPr lang="en-US" sz="2800" i="1" dirty="0">
+                          <a:rPr lang="en-GB" sz="2800" i="1" noProof="0" smtClean="0">
                             <a:solidFill>
                               <a:schemeClr val="tx1"/>
                             </a:solidFill>
@@ -3413,7 +3312,7 @@
                       </m:dPr>
                       <m:e>
                         <m:r>
-                          <a:rPr lang="en-US" sz="2800" i="0" dirty="0">
+                          <a:rPr lang="en-GB" sz="2800" i="0" noProof="0" smtClean="0">
                             <a:solidFill>
                               <a:schemeClr val="tx1"/>
                             </a:solidFill>
@@ -3422,7 +3321,7 @@
                           <m:t>1</m:t>
                         </m:r>
                         <m:r>
-                          <a:rPr lang="it-IT" sz="2800" b="0" i="0" dirty="0" smtClean="0">
+                          <a:rPr lang="en-GB" sz="2800" b="0" i="0" noProof="0" smtClean="0">
                             <a:solidFill>
                               <a:schemeClr val="tx1"/>
                             </a:solidFill>
@@ -3431,7 +3330,7 @@
                           <m:t> </m:t>
                         </m:r>
                         <m:r>
-                          <a:rPr lang="it-IT" sz="2800" b="0" i="1" dirty="0" smtClean="0">
+                          <a:rPr lang="en-GB" sz="2800" b="0" i="1" noProof="0" smtClean="0">
                             <a:solidFill>
                               <a:schemeClr val="tx1"/>
                             </a:solidFill>
@@ -3440,7 +3339,7 @@
                           <m:t>| </m:t>
                         </m:r>
                         <m:r>
-                          <a:rPr lang="it-IT" sz="2800" b="0" i="1" dirty="0" smtClean="0">
+                          <a:rPr lang="en-GB" sz="2800" b="0" i="1" noProof="0" smtClean="0">
                             <a:solidFill>
                               <a:schemeClr val="tx1"/>
                             </a:solidFill>
@@ -3453,26 +3352,26 @@
                   </m:oMath>
                 </a14:m>
                 <a:r>
-                  <a:rPr lang="en-US" sz="2800" dirty="0">
+                  <a:rPr lang="en-GB" sz="2800" noProof="0" dirty="0">
                     <a:latin typeface="Arial" panose="020B0604020202020204" pitchFamily="34" charset="0"/>
                     <a:cs typeface="Arial" panose="020B0604020202020204" pitchFamily="34" charset="0"/>
                   </a:rPr>
                   <a:t> and </a:t>
                 </a:r>
                 <a:r>
-                  <a:rPr lang="en-US" sz="2800" dirty="0"/>
+                  <a:rPr lang="en-GB" sz="2800" noProof="0" dirty="0"/>
                   <a:t>vector </a:t>
                 </a:r>
                 <a14:m>
                   <m:oMath xmlns:m="http://schemas.openxmlformats.org/officeDocument/2006/math">
                     <m:r>
-                      <a:rPr lang="it-IT" sz="2800" b="0" i="1" smtClean="0">
+                      <a:rPr lang="en-GB" sz="2800" b="0" i="1" noProof="0" smtClean="0">
                         <a:latin typeface="Cambria Math" panose="02040503050406030204" pitchFamily="18" charset="0"/>
                       </a:rPr>
                       <m:t>𝑏</m:t>
                     </m:r>
                     <m:r>
-                      <a:rPr lang="en-US" sz="2800" i="1" smtClean="0">
+                      <a:rPr lang="en-GB" sz="2800" i="1" noProof="0" smtClean="0">
                         <a:latin typeface="Cambria Math" panose="02040503050406030204" pitchFamily="18" charset="0"/>
                       </a:rPr>
                       <m:t>=</m:t>
@@ -3480,10 +3379,10 @@
                   </m:oMath>
                 </a14:m>
                 <a:r>
-                  <a:rPr lang="en-US" sz="2800" dirty="0"/>
+                  <a:rPr lang="en-GB" sz="2800" noProof="0" dirty="0"/>
                   <a:t> standardized exam score.</a:t>
                 </a:r>
-                <a:endParaRPr lang="en-US" sz="2800" dirty="0">
+                <a:endParaRPr lang="en-GB" sz="2800" noProof="0" dirty="0">
                   <a:latin typeface="Arial" panose="020B0604020202020204" pitchFamily="34" charset="0"/>
                   <a:cs typeface="Arial" panose="020B0604020202020204" pitchFamily="34" charset="0"/>
                 </a:endParaRPr>
@@ -3565,19 +3464,19 @@
           <a:lstStyle/>
           <a:p>
             <a:r>
-              <a:rPr lang="en-US" sz="2800" dirty="0"/>
+              <a:rPr lang="en-GB" sz="2800" noProof="0" dirty="0"/>
               <a:t>Standardization </a:t>
             </a:r>
             <a:r>
-              <a:rPr lang="en-US" sz="2800" b="1" dirty="0"/>
+              <a:rPr lang="en-GB" sz="2800" b="1" noProof="0" dirty="0"/>
               <a:t>removes scale effects</a:t>
             </a:r>
             <a:r>
-              <a:rPr lang="en-US" sz="2800" dirty="0"/>
+              <a:rPr lang="en-GB" sz="2800" noProof="0" dirty="0"/>
               <a:t>, letting us use a </a:t>
             </a:r>
             <a:r>
-              <a:rPr lang="en-US" sz="2800" b="1" dirty="0">
+              <a:rPr lang="en-GB" sz="2800" b="1" noProof="0" dirty="0">
                 <a:solidFill>
                   <a:srgbClr val="FF0000"/>
                 </a:solidFill>
@@ -3585,10 +3484,10 @@
               <a:t>single learning rate</a:t>
             </a:r>
             <a:r>
-              <a:rPr lang="en-US" sz="2800" dirty="0"/>
+              <a:rPr lang="en-GB" sz="2800" noProof="0" dirty="0"/>
               <a:t> across all coefficients.</a:t>
             </a:r>
-            <a:endParaRPr lang="en-US" sz="2800" dirty="0">
+            <a:endParaRPr lang="en-GB" sz="2800" noProof="0" dirty="0">
               <a:latin typeface="Arial" panose="020B0604020202020204" pitchFamily="34" charset="0"/>
               <a:cs typeface="Arial" panose="020B0604020202020204" pitchFamily="34" charset="0"/>
             </a:endParaRPr>
@@ -3658,34 +3557,10 @@
           <a:lstStyle/>
           <a:p>
             <a:r>
-              <a:rPr lang="it-IT" dirty="0">
+              <a:rPr lang="en-GB" noProof="0" dirty="0">
                 <a:latin typeface="Arial Black" panose="020B0A04020102020204" pitchFamily="34" charset="0"/>
               </a:rPr>
-              <a:t> </a:t>
-            </a:r>
-            <a:r>
-              <a:rPr lang="it-IT" dirty="0" err="1">
-                <a:latin typeface="Arial Black" panose="020B0A04020102020204" pitchFamily="34" charset="0"/>
-              </a:rPr>
-              <a:t>Exploratory</a:t>
-            </a:r>
-            <a:r>
-              <a:rPr lang="it-IT" dirty="0">
-                <a:latin typeface="Arial Black" panose="020B0A04020102020204" pitchFamily="34" charset="0"/>
-              </a:rPr>
-              <a:t> </a:t>
-            </a:r>
-            <a:r>
-              <a:rPr lang="it-IT" dirty="0" err="1">
-                <a:latin typeface="Arial Black" panose="020B0A04020102020204" pitchFamily="34" charset="0"/>
-              </a:rPr>
-              <a:t>Scatter</a:t>
-            </a:r>
-            <a:r>
-              <a:rPr lang="it-IT" dirty="0">
-                <a:latin typeface="Arial Black" panose="020B0A04020102020204" pitchFamily="34" charset="0"/>
-              </a:rPr>
-              <a:t> Plots</a:t>
+              <a:t> Exploratory Scatter Plots</a:t>
             </a:r>
           </a:p>
         </p:txBody>
@@ -3783,20 +3658,11 @@
           <a:lstStyle/>
           <a:p>
             <a:r>
-              <a:rPr lang="it-IT" dirty="0">
+              <a:rPr lang="en-GB" noProof="0" dirty="0">
                 <a:latin typeface="Arial Black" panose="020B0A04020102020204" pitchFamily="34" charset="0"/>
               </a:rPr>
-              <a:t>Core GD </a:t>
-            </a:r>
-            <a:r>
-              <a:rPr lang="it-IT" dirty="0" err="1">
-                <a:latin typeface="Arial Black" panose="020B0A04020102020204" pitchFamily="34" charset="0"/>
-              </a:rPr>
-              <a:t>Implementation</a:t>
-            </a:r>
-            <a:endParaRPr lang="it-IT" dirty="0">
-              <a:latin typeface="Arial Black" panose="020B0A04020102020204" pitchFamily="34" charset="0"/>
-            </a:endParaRPr>
+              <a:t>Core GD Implementation</a:t>
+            </a:r>
           </a:p>
         </p:txBody>
       </p:sp>
@@ -3829,14 +3695,14 @@
           <a:lstStyle/>
           <a:p>
             <a:r>
-              <a:rPr lang="en-US" sz="2800" dirty="0">
+              <a:rPr lang="en-GB" sz="2800" noProof="0" dirty="0">
                 <a:latin typeface="Arial" panose="020B0604020202020204" pitchFamily="34" charset="0"/>
                 <a:cs typeface="Arial" panose="020B0604020202020204" pitchFamily="34" charset="0"/>
               </a:rPr>
               <a:t>We decided to pick the following </a:t>
             </a:r>
             <a:r>
-              <a:rPr lang="en-US" sz="2800" b="1" dirty="0">
+              <a:rPr lang="en-GB" sz="2800" b="1" noProof="0" dirty="0">
                 <a:solidFill>
                   <a:srgbClr val="FF0000"/>
                 </a:solidFill>
@@ -3846,37 +3712,21 @@
               <a:t>loss function</a:t>
             </a:r>
             <a:r>
-              <a:rPr lang="en-US" sz="2800" dirty="0">
+              <a:rPr lang="en-GB" sz="2800" noProof="0" dirty="0">
                 <a:latin typeface="Arial" panose="020B0604020202020204" pitchFamily="34" charset="0"/>
                 <a:cs typeface="Arial" panose="020B0604020202020204" pitchFamily="34" charset="0"/>
               </a:rPr>
               <a:t> as our objective function for this analysis (</a:t>
             </a:r>
             <a:r>
-              <a:rPr lang="it-IT" sz="2800" i="1" dirty="0" err="1"/>
-              <a:t>Ordinary</a:t>
-            </a:r>
-            <a:r>
-              <a:rPr lang="it-IT" sz="2800" i="1" dirty="0"/>
-              <a:t> </a:t>
-            </a:r>
-            <a:r>
-              <a:rPr lang="it-IT" sz="2800" i="1" dirty="0" err="1"/>
-              <a:t>Least</a:t>
-            </a:r>
-            <a:r>
-              <a:rPr lang="it-IT" sz="2800" i="1" dirty="0"/>
-              <a:t> </a:t>
-            </a:r>
-            <a:r>
-              <a:rPr lang="it-IT" sz="2800" i="1" dirty="0" err="1"/>
-              <a:t>Squares</a:t>
-            </a:r>
-            <a:r>
-              <a:rPr lang="it-IT" sz="2800" dirty="0"/>
+              <a:rPr lang="en-GB" sz="2800" i="1" noProof="0" dirty="0"/>
+              <a:t>Ordinary Least Squares</a:t>
+            </a:r>
+            <a:r>
+              <a:rPr lang="en-GB" sz="2800" noProof="0" dirty="0"/>
               <a:t>):</a:t>
             </a:r>
-            <a:endParaRPr lang="en-US" sz="2800" dirty="0">
+            <a:endParaRPr lang="en-GB" sz="2800" noProof="0" dirty="0">
               <a:latin typeface="Arial" panose="020B0604020202020204" pitchFamily="34" charset="0"/>
               <a:cs typeface="Arial" panose="020B0604020202020204" pitchFamily="34" charset="0"/>
             </a:endParaRPr>
@@ -3913,6 +3763,7 @@
               </a:bodyPr>
               <a:lstStyle/>
               <a:p>
+                <a:pPr/>
                 <a14:m>
                   <m:oMathPara xmlns:m="http://schemas.openxmlformats.org/officeDocument/2006/math">
                     <m:oMathParaPr>
@@ -3920,7 +3771,7 @@
                     </m:oMathParaPr>
                     <m:oMath xmlns:m="http://schemas.openxmlformats.org/officeDocument/2006/math">
                       <m:r>
-                        <a:rPr lang="en-US" sz="2800" i="1" dirty="0" smtClean="0">
+                        <a:rPr lang="en-GB" sz="2800" i="1" noProof="0" smtClean="0">
                           <a:solidFill>
                             <a:schemeClr val="tx1"/>
                           </a:solidFill>
@@ -3931,7 +3782,7 @@
                       <m:d>
                         <m:dPr>
                           <m:ctrlPr>
-                            <a:rPr lang="en-US" sz="2800" i="1" dirty="0" smtClean="0">
+                            <a:rPr lang="en-GB" sz="2800" i="1" noProof="0" smtClean="0">
                               <a:solidFill>
                                 <a:schemeClr val="tx1"/>
                               </a:solidFill>
@@ -3941,7 +3792,7 @@
                         </m:dPr>
                         <m:e>
                           <m:r>
-                            <a:rPr lang="en-US" sz="2800" i="1" dirty="0" smtClean="0">
+                            <a:rPr lang="en-GB" sz="2800" i="1" noProof="0" smtClean="0">
                               <a:solidFill>
                                 <a:schemeClr val="tx1"/>
                               </a:solidFill>
@@ -3952,7 +3803,7 @@
                         </m:e>
                       </m:d>
                       <m:r>
-                        <a:rPr lang="en-US" sz="2800" i="0" dirty="0" smtClean="0">
+                        <a:rPr lang="en-GB" sz="2800" i="0" noProof="0" smtClean="0">
                           <a:solidFill>
                             <a:schemeClr val="tx1"/>
                           </a:solidFill>
@@ -3963,7 +3814,7 @@
                       <m:f>
                         <m:fPr>
                           <m:ctrlPr>
-                            <a:rPr lang="en-US" sz="2800" i="1" dirty="0" smtClean="0">
+                            <a:rPr lang="en-GB" sz="2800" i="1" noProof="0" smtClean="0">
                               <a:solidFill>
                                 <a:schemeClr val="tx1"/>
                               </a:solidFill>
@@ -3973,7 +3824,7 @@
                         </m:fPr>
                         <m:num>
                           <m:r>
-                            <a:rPr lang="en-US" sz="2800" i="0" dirty="0" smtClean="0">
+                            <a:rPr lang="en-GB" sz="2800" i="0" noProof="0" smtClean="0">
                               <a:solidFill>
                                 <a:schemeClr val="tx1"/>
                               </a:solidFill>
@@ -3984,7 +3835,7 @@
                         </m:num>
                         <m:den>
                           <m:r>
-                            <a:rPr lang="en-US" sz="2800" i="0" dirty="0" smtClean="0">
+                            <a:rPr lang="en-GB" sz="2800" i="0" noProof="0" smtClean="0">
                               <a:solidFill>
                                 <a:schemeClr val="tx1"/>
                               </a:solidFill>
@@ -3997,7 +3848,7 @@
                       <m:sSup>
                         <m:sSupPr>
                           <m:ctrlPr>
-                            <a:rPr lang="en-US" sz="2800" i="1" dirty="0" smtClean="0">
+                            <a:rPr lang="en-GB" sz="2800" i="1" noProof="0" smtClean="0">
                               <a:solidFill>
                                 <a:schemeClr val="tx1"/>
                               </a:solidFill>
@@ -4011,7 +3862,7 @@
                               <m:begChr m:val="‖"/>
                               <m:endChr m:val="‖"/>
                               <m:ctrlPr>
-                                <a:rPr lang="en-US" sz="2800" i="1" dirty="0" smtClean="0">
+                                <a:rPr lang="en-GB" sz="2800" i="1" noProof="0" smtClean="0">
                                   <a:solidFill>
                                     <a:schemeClr val="tx1"/>
                                   </a:solidFill>
@@ -4021,7 +3872,7 @@
                             </m:dPr>
                             <m:e>
                               <m:r>
-                                <a:rPr lang="en-US" sz="2800" i="1" dirty="0" smtClean="0">
+                                <a:rPr lang="en-GB" sz="2800" i="1" noProof="0" smtClean="0">
                                   <a:solidFill>
                                     <a:schemeClr val="tx1"/>
                                   </a:solidFill>
@@ -4030,7 +3881,7 @@
                                 <m:t>𝐴𝑥</m:t>
                               </m:r>
                               <m:r>
-                                <a:rPr lang="en-US" sz="2800" i="0" dirty="0" smtClean="0">
+                                <a:rPr lang="en-GB" sz="2800" i="0" noProof="0" smtClean="0">
                                   <a:solidFill>
                                     <a:schemeClr val="tx1"/>
                                   </a:solidFill>
@@ -4039,7 +3890,7 @@
                                 <m:t>−</m:t>
                               </m:r>
                               <m:r>
-                                <a:rPr lang="it-IT" sz="2800" b="0" i="1" dirty="0" smtClean="0">
+                                <a:rPr lang="en-GB" sz="2800" b="0" i="1" noProof="0" smtClean="0">
                                   <a:solidFill>
                                     <a:schemeClr val="tx1"/>
                                   </a:solidFill>
@@ -4052,7 +3903,7 @@
                         </m:e>
                         <m:sup>
                           <m:r>
-                            <a:rPr lang="en-US" sz="2800" i="0" dirty="0" smtClean="0">
+                            <a:rPr lang="en-GB" sz="2800" i="0" noProof="0" smtClean="0">
                               <a:solidFill>
                                 <a:schemeClr val="tx1"/>
                               </a:solidFill>
@@ -4065,7 +3916,7 @@
                     </m:oMath>
                   </m:oMathPara>
                 </a14:m>
-                <a:endParaRPr lang="en-US" sz="2800" dirty="0">
+                <a:endParaRPr lang="en-GB" sz="2800" noProof="0" dirty="0">
                   <a:solidFill>
                     <a:schemeClr val="tx1"/>
                   </a:solidFill>
@@ -4184,34 +4035,10 @@
           <a:lstStyle/>
           <a:p>
             <a:r>
-              <a:rPr lang="it-IT" dirty="0">
+              <a:rPr lang="en-GB" noProof="0" dirty="0">
                 <a:latin typeface="Arial Black" panose="020B0A04020102020204" pitchFamily="34" charset="0"/>
               </a:rPr>
-              <a:t>First </a:t>
-            </a:r>
-            <a:r>
-              <a:rPr lang="it-IT" dirty="0" err="1">
-                <a:latin typeface="Arial Black" panose="020B0A04020102020204" pitchFamily="34" charset="0"/>
-              </a:rPr>
-              <a:t>variant</a:t>
-            </a:r>
-            <a:r>
-              <a:rPr lang="it-IT" dirty="0">
-                <a:latin typeface="Arial Black" panose="020B0A04020102020204" pitchFamily="34" charset="0"/>
-              </a:rPr>
-              <a:t>: </a:t>
-            </a:r>
-            <a:r>
-              <a:rPr lang="it-IT" dirty="0" err="1">
-                <a:latin typeface="Arial Black" panose="020B0A04020102020204" pitchFamily="34" charset="0"/>
-              </a:rPr>
-              <a:t>Naive</a:t>
-            </a:r>
-            <a:r>
-              <a:rPr lang="it-IT" dirty="0">
-                <a:latin typeface="Arial Black" panose="020B0A04020102020204" pitchFamily="34" charset="0"/>
-              </a:rPr>
-              <a:t> Step</a:t>
+              <a:t>First variant: Naive Test</a:t>
             </a:r>
           </a:p>
         </p:txBody>
@@ -4247,14 +4074,14 @@
               <a:lstStyle/>
               <a:p>
                 <a:r>
-                  <a:rPr lang="en-US" sz="2800" dirty="0">
+                  <a:rPr lang="en-GB" sz="2800" noProof="0" dirty="0">
                     <a:latin typeface="Arial" panose="020B0604020202020204" pitchFamily="34" charset="0"/>
                     <a:cs typeface="Arial" panose="020B0604020202020204" pitchFamily="34" charset="0"/>
                   </a:rPr>
                   <a:t>We set an </a:t>
                 </a:r>
                 <a:r>
-                  <a:rPr lang="en-US" sz="2800" b="1" dirty="0">
+                  <a:rPr lang="en-GB" sz="2800" b="1" noProof="0" dirty="0">
                     <a:solidFill>
                       <a:srgbClr val="FF0000"/>
                     </a:solidFill>
@@ -4264,7 +4091,7 @@
                   <a:t>empirical</a:t>
                 </a:r>
                 <a:r>
-                  <a:rPr lang="en-US" sz="2800" dirty="0">
+                  <a:rPr lang="en-GB" sz="2800" noProof="0" dirty="0">
                     <a:latin typeface="Arial" panose="020B0604020202020204" pitchFamily="34" charset="0"/>
                     <a:cs typeface="Arial" panose="020B0604020202020204" pitchFamily="34" charset="0"/>
                   </a:rPr>
@@ -4273,7 +4100,7 @@
                 <a14:m>
                   <m:oMath xmlns:m="http://schemas.openxmlformats.org/officeDocument/2006/math">
                     <m:r>
-                      <a:rPr lang="en-US" sz="2800" i="1" smtClean="0">
+                      <a:rPr lang="en-GB" sz="2800" i="1" noProof="0" smtClean="0">
                         <a:latin typeface="Cambria Math" panose="02040503050406030204" pitchFamily="18" charset="0"/>
                         <a:ea typeface="Cambria Math" panose="02040503050406030204" pitchFamily="18" charset="0"/>
                         <a:cs typeface="Arial" panose="020B0604020202020204" pitchFamily="34" charset="0"/>
@@ -4282,7 +4109,7 @@
                     </m:r>
                   </m:oMath>
                 </a14:m>
-                <a:endParaRPr lang="en-US" sz="2800" dirty="0">
+                <a:endParaRPr lang="en-GB" sz="2800" noProof="0" dirty="0">
                   <a:latin typeface="Arial" panose="020B0604020202020204" pitchFamily="34" charset="0"/>
                   <a:cs typeface="Arial" panose="020B0604020202020204" pitchFamily="34" charset="0"/>
                 </a:endParaRPr>
@@ -4368,7 +4195,7 @@
                 <a14:m>
                   <m:oMath xmlns:m="http://schemas.openxmlformats.org/officeDocument/2006/math">
                     <m:r>
-                      <a:rPr lang="en-US" sz="2800" i="1" smtClean="0">
+                      <a:rPr lang="en-GB" sz="2800" i="1" noProof="0" smtClean="0">
                         <a:latin typeface="Cambria Math" panose="02040503050406030204" pitchFamily="18" charset="0"/>
                         <a:ea typeface="Cambria Math" panose="02040503050406030204" pitchFamily="18" charset="0"/>
                         <a:cs typeface="Arial" panose="020B0604020202020204" pitchFamily="34" charset="0"/>
@@ -4376,7 +4203,7 @@
                       <m:t>𝛾</m:t>
                     </m:r>
                     <m:r>
-                      <a:rPr lang="it-IT" sz="2800" b="0" i="1" smtClean="0">
+                      <a:rPr lang="en-GB" sz="2800" b="0" i="1" noProof="0" smtClean="0">
                         <a:latin typeface="Cambria Math" panose="02040503050406030204" pitchFamily="18" charset="0"/>
                         <a:ea typeface="Cambria Math" panose="02040503050406030204" pitchFamily="18" charset="0"/>
                         <a:cs typeface="Arial" panose="020B0604020202020204" pitchFamily="34" charset="0"/>
@@ -4384,7 +4211,7 @@
                       <m:t>=</m:t>
                     </m:r>
                     <m:r>
-                      <a:rPr lang="it-IT" sz="2800" i="1">
+                      <a:rPr lang="en-GB" sz="2800" i="1" noProof="0" smtClean="0">
                         <a:latin typeface="Cambria Math" panose="02040503050406030204" pitchFamily="18" charset="0"/>
                         <a:ea typeface="Cambria Math" panose="02040503050406030204" pitchFamily="18" charset="0"/>
                         <a:cs typeface="Arial" panose="020B0604020202020204" pitchFamily="34" charset="0"/>
@@ -4394,21 +4221,21 @@
                   </m:oMath>
                 </a14:m>
                 <a:r>
-                  <a:rPr lang="en-US" sz="2800" dirty="0">
+                  <a:rPr lang="en-GB" sz="2800" noProof="0" dirty="0">
                     <a:latin typeface="Arial" panose="020B0604020202020204" pitchFamily="34" charset="0"/>
                     <a:cs typeface="Arial" panose="020B0604020202020204" pitchFamily="34" charset="0"/>
                   </a:rPr>
                   <a:t> </a:t>
                 </a:r>
                 <a:r>
-                  <a:rPr lang="en-US" sz="2800" dirty="0">
+                  <a:rPr lang="en-GB" sz="2800" noProof="0" dirty="0">
                     <a:latin typeface="Arial" panose="020B0604020202020204" pitchFamily="34" charset="0"/>
                     <a:cs typeface="Arial" panose="020B0604020202020204" pitchFamily="34" charset="0"/>
                     <a:sym typeface="Wingdings" panose="05000000000000000000" pitchFamily="2" charset="2"/>
                   </a:rPr>
                   <a:t></a:t>
                 </a:r>
-                <a:endParaRPr lang="en-US" sz="2800" dirty="0">
+                <a:endParaRPr lang="en-GB" sz="2800" noProof="0" dirty="0">
                   <a:latin typeface="Arial" panose="020B0604020202020204" pitchFamily="34" charset="0"/>
                   <a:cs typeface="Arial" panose="020B0604020202020204" pitchFamily="34" charset="0"/>
                 </a:endParaRPr>
@@ -4492,7 +4319,7 @@
               <a:lstStyle/>
               <a:p>
                 <a:r>
-                  <a:rPr lang="en-US" sz="2800" dirty="0">
+                  <a:rPr lang="en-GB" sz="2800" noProof="0" dirty="0">
                     <a:ea typeface="Cambria Math" panose="02040503050406030204" pitchFamily="18" charset="0"/>
                     <a:cs typeface="Arial" panose="020B0604020202020204" pitchFamily="34" charset="0"/>
                   </a:rPr>
@@ -4501,7 +4328,7 @@
                 <a14:m>
                   <m:oMath xmlns:m="http://schemas.openxmlformats.org/officeDocument/2006/math">
                     <m:r>
-                      <a:rPr lang="en-US" sz="2800" i="1" smtClean="0">
+                      <a:rPr lang="en-GB" sz="2800" i="1" noProof="0" smtClean="0">
                         <a:latin typeface="Cambria Math" panose="02040503050406030204" pitchFamily="18" charset="0"/>
                         <a:ea typeface="Cambria Math" panose="02040503050406030204" pitchFamily="18" charset="0"/>
                         <a:cs typeface="Arial" panose="020B0604020202020204" pitchFamily="34" charset="0"/>
@@ -4509,7 +4336,7 @@
                       <m:t>𝛾</m:t>
                     </m:r>
                     <m:r>
-                      <a:rPr lang="it-IT" sz="2800" b="0" i="1" smtClean="0">
+                      <a:rPr lang="en-GB" sz="2800" b="0" i="1" noProof="0" smtClean="0">
                         <a:latin typeface="Cambria Math" panose="02040503050406030204" pitchFamily="18" charset="0"/>
                         <a:ea typeface="Cambria Math" panose="02040503050406030204" pitchFamily="18" charset="0"/>
                         <a:cs typeface="Arial" panose="020B0604020202020204" pitchFamily="34" charset="0"/>
@@ -4517,7 +4344,7 @@
                       <m:t>=</m:t>
                     </m:r>
                     <m:r>
-                      <a:rPr lang="it-IT" sz="2800" i="1">
+                      <a:rPr lang="en-GB" sz="2800" i="1" noProof="0" smtClean="0">
                         <a:latin typeface="Cambria Math" panose="02040503050406030204" pitchFamily="18" charset="0"/>
                         <a:ea typeface="Cambria Math" panose="02040503050406030204" pitchFamily="18" charset="0"/>
                         <a:cs typeface="Arial" panose="020B0604020202020204" pitchFamily="34" charset="0"/>
@@ -4525,7 +4352,7 @@
                       <m:t>0.01</m:t>
                     </m:r>
                     <m:r>
-                      <a:rPr lang="it-IT" sz="2800" b="0" i="0" smtClean="0">
+                      <a:rPr lang="en-GB" sz="2800" b="0" i="0" noProof="0" smtClean="0">
                         <a:latin typeface="Cambria Math" panose="02040503050406030204" pitchFamily="18" charset="0"/>
                         <a:ea typeface="Cambria Math" panose="02040503050406030204" pitchFamily="18" charset="0"/>
                         <a:cs typeface="Arial" panose="020B0604020202020204" pitchFamily="34" charset="0"/>
@@ -4535,7 +4362,7 @@
                   </m:oMath>
                 </a14:m>
                 <a:r>
-                  <a:rPr lang="en-US" sz="2800" dirty="0">
+                  <a:rPr lang="en-GB" sz="2800" noProof="0" dirty="0">
                     <a:latin typeface="Arial" panose="020B0604020202020204" pitchFamily="34" charset="0"/>
                     <a:cs typeface="Arial" panose="020B0604020202020204" pitchFamily="34" charset="0"/>
                     <a:sym typeface="Wingdings" panose="05000000000000000000" pitchFamily="2" charset="2"/>
@@ -4543,14 +4370,14 @@
                   <a:t> </a:t>
                 </a:r>
                 <a:r>
-                  <a:rPr lang="en-US" sz="2800" i="1" dirty="0">
+                  <a:rPr lang="en-GB" sz="2800" i="1" noProof="0" dirty="0">
                     <a:latin typeface="Arial" panose="020B0604020202020204" pitchFamily="34" charset="0"/>
                     <a:cs typeface="Arial" panose="020B0604020202020204" pitchFamily="34" charset="0"/>
                     <a:sym typeface="Wingdings" panose="05000000000000000000" pitchFamily="2" charset="2"/>
                   </a:rPr>
                   <a:t>diverge)</a:t>
                 </a:r>
-                <a:endParaRPr lang="en-US" sz="2800" i="1" dirty="0">
+                <a:endParaRPr lang="en-GB" sz="2800" i="1" noProof="0" dirty="0">
                   <a:latin typeface="Arial" panose="020B0604020202020204" pitchFamily="34" charset="0"/>
                   <a:cs typeface="Arial" panose="020B0604020202020204" pitchFamily="34" charset="0"/>
                 </a:endParaRPr>
@@ -4702,20 +4529,11 @@
           <a:lstStyle/>
           <a:p>
             <a:r>
-              <a:rPr lang="it-IT" dirty="0">
+              <a:rPr lang="en-GB" noProof="0" dirty="0">
                 <a:latin typeface="Arial Black" panose="020B0A04020102020204" pitchFamily="34" charset="0"/>
               </a:rPr>
-              <a:t>Dataset </a:t>
-            </a:r>
-            <a:r>
-              <a:rPr lang="it-IT" dirty="0" err="1">
-                <a:latin typeface="Arial Black" panose="020B0A04020102020204" pitchFamily="34" charset="0"/>
-              </a:rPr>
-              <a:t>presentation</a:t>
-            </a:r>
-            <a:endParaRPr lang="it-IT" dirty="0">
-              <a:latin typeface="Arial Black" panose="020B0A04020102020204" pitchFamily="34" charset="0"/>
-            </a:endParaRPr>
+              <a:t>Dataset presentation</a:t>
+            </a:r>
           </a:p>
         </p:txBody>
       </p:sp>
@@ -4748,42 +4566,42 @@
           <a:lstStyle/>
           <a:p>
             <a:r>
-              <a:rPr lang="en-US" sz="2800" dirty="0">
+              <a:rPr lang="en-GB" sz="2800" noProof="0" dirty="0">
                 <a:latin typeface="Arial" panose="020B0604020202020204" pitchFamily="34" charset="0"/>
                 <a:cs typeface="Arial" panose="020B0604020202020204" pitchFamily="34" charset="0"/>
               </a:rPr>
               <a:t>The dataset under analysis contains information related to </a:t>
             </a:r>
             <a:r>
-              <a:rPr lang="en-US" sz="2800" b="1" dirty="0">
+              <a:rPr lang="en-GB" sz="2800" b="1" noProof="0" dirty="0">
                 <a:latin typeface="Arial" panose="020B0604020202020204" pitchFamily="34" charset="0"/>
                 <a:cs typeface="Arial" panose="020B0604020202020204" pitchFamily="34" charset="0"/>
               </a:rPr>
               <a:t>students' daily habits</a:t>
             </a:r>
             <a:r>
-              <a:rPr lang="en-US" sz="2800" dirty="0">
+              <a:rPr lang="en-GB" sz="2800" noProof="0" dirty="0">
                 <a:latin typeface="Arial" panose="020B0604020202020204" pitchFamily="34" charset="0"/>
                 <a:cs typeface="Arial" panose="020B0604020202020204" pitchFamily="34" charset="0"/>
               </a:rPr>
               <a:t> and </a:t>
             </a:r>
             <a:r>
-              <a:rPr lang="en-US" sz="2800" b="1" dirty="0">
+              <a:rPr lang="en-GB" sz="2800" b="1" noProof="0" dirty="0">
                 <a:latin typeface="Arial" panose="020B0604020202020204" pitchFamily="34" charset="0"/>
                 <a:cs typeface="Arial" panose="020B0604020202020204" pitchFamily="34" charset="0"/>
               </a:rPr>
               <a:t>personal characteristics</a:t>
             </a:r>
             <a:r>
-              <a:rPr lang="en-US" sz="2800" dirty="0">
+              <a:rPr lang="en-GB" sz="2800" noProof="0" dirty="0">
                 <a:latin typeface="Arial" panose="020B0604020202020204" pitchFamily="34" charset="0"/>
                 <a:cs typeface="Arial" panose="020B0604020202020204" pitchFamily="34" charset="0"/>
               </a:rPr>
               <a:t>, with the objective of investigating potential correlations with </a:t>
             </a:r>
             <a:r>
-              <a:rPr lang="en-US" sz="2800" b="1" dirty="0">
+              <a:rPr lang="en-GB" sz="2800" b="1" noProof="0" dirty="0">
                 <a:solidFill>
                   <a:srgbClr val="FF0000"/>
                 </a:solidFill>
@@ -4792,13 +4610,6 @@
               </a:rPr>
               <a:t>academic performance.</a:t>
             </a:r>
-            <a:endParaRPr lang="it-IT" sz="2800" b="1" dirty="0">
-              <a:solidFill>
-                <a:srgbClr val="FF0000"/>
-              </a:solidFill>
-              <a:latin typeface="Arial" panose="020B0604020202020204" pitchFamily="34" charset="0"/>
-              <a:cs typeface="Arial" panose="020B0604020202020204" pitchFamily="34" charset="0"/>
-            </a:endParaRPr>
           </a:p>
         </p:txBody>
       </p:sp>
@@ -4831,19 +4642,19 @@
           <a:lstStyle/>
           <a:p>
             <a:r>
-              <a:rPr lang="en-US" sz="2800" dirty="0"/>
+              <a:rPr lang="en-GB" sz="2800" noProof="0" dirty="0"/>
               <a:t>It includes 16 variables, of which: </a:t>
             </a:r>
             <a:r>
-              <a:rPr lang="it-IT" sz="2800" b="1" dirty="0"/>
+              <a:rPr lang="en-GB" sz="2800" b="1" noProof="0" dirty="0"/>
               <a:t>9</a:t>
             </a:r>
             <a:r>
-              <a:rPr lang="it-IT" sz="2800" dirty="0"/>
+              <a:rPr lang="en-GB" sz="2800" noProof="0" dirty="0"/>
               <a:t> are </a:t>
             </a:r>
             <a:r>
-              <a:rPr lang="it-IT" sz="2800" b="1" dirty="0" err="1">
+              <a:rPr lang="en-GB" sz="2800" b="1" noProof="0" dirty="0">
                 <a:solidFill>
                   <a:schemeClr val="tx1"/>
                 </a:solidFill>
@@ -4851,7 +4662,7 @@
               <a:t>numerical</a:t>
             </a:r>
             <a:r>
-              <a:rPr lang="it-IT" sz="2800" i="1" dirty="0">
+              <a:rPr lang="en-GB" sz="2800" i="1" noProof="0" dirty="0">
                 <a:solidFill>
                   <a:schemeClr val="tx1"/>
                 </a:solidFill>
@@ -4859,7 +4670,7 @@
               <a:t> </a:t>
             </a:r>
             <a:r>
-              <a:rPr lang="it-IT" sz="2800" dirty="0">
+              <a:rPr lang="en-GB" sz="2800" noProof="0" dirty="0">
                 <a:solidFill>
                   <a:schemeClr val="tx1"/>
                 </a:solidFill>
@@ -4867,7 +4678,7 @@
               <a:t>and</a:t>
             </a:r>
             <a:r>
-              <a:rPr lang="it-IT" sz="2800" i="1" dirty="0">
+              <a:rPr lang="en-GB" sz="2800" i="1" noProof="0" dirty="0">
                 <a:solidFill>
                   <a:schemeClr val="tx1"/>
                 </a:solidFill>
@@ -4875,7 +4686,7 @@
               <a:t> </a:t>
             </a:r>
             <a:r>
-              <a:rPr lang="it-IT" sz="2800" b="1" dirty="0">
+              <a:rPr lang="en-GB" sz="2800" b="1" noProof="0" dirty="0">
                 <a:solidFill>
                   <a:schemeClr val="tx1"/>
                 </a:solidFill>
@@ -4883,18 +4694,18 @@
               <a:t>7</a:t>
             </a:r>
             <a:r>
-              <a:rPr lang="it-IT" sz="2800" dirty="0"/>
+              <a:rPr lang="en-GB" sz="2800" noProof="0" dirty="0"/>
               <a:t> are </a:t>
             </a:r>
             <a:r>
-              <a:rPr lang="it-IT" sz="2800" b="1" dirty="0" err="1">
+              <a:rPr lang="en-GB" sz="2800" b="1" noProof="0" dirty="0">
                 <a:solidFill>
                   <a:schemeClr val="tx1"/>
                 </a:solidFill>
               </a:rPr>
               <a:t>categorical</a:t>
             </a:r>
-            <a:endParaRPr lang="it-IT" sz="2800" b="1" dirty="0">
+            <a:endParaRPr lang="en-GB" sz="2800" b="1" noProof="0" dirty="0">
               <a:solidFill>
                 <a:schemeClr val="tx1"/>
               </a:solidFill>
@@ -4908,6 +4719,2413 @@
     <p:extLst>
       <p:ext uri="{BB962C8B-B14F-4D97-AF65-F5344CB8AC3E}">
         <p14:creationId xmlns:p14="http://schemas.microsoft.com/office/powerpoint/2010/main" val="204895617"/>
+      </p:ext>
+    </p:extLst>
+  </p:cSld>
+  <p:clrMapOvr>
+    <a:masterClrMapping/>
+  </p:clrMapOvr>
+</p:sld>
+</file>
+
+<file path=ppt/slides/slide20.xml><?xml version="1.0" encoding="utf-8"?>
+<p:sld xmlns:a="http://schemas.openxmlformats.org/drawingml/2006/main" xmlns:r="http://schemas.openxmlformats.org/officeDocument/2006/relationships" xmlns:p="http://schemas.openxmlformats.org/presentationml/2006/main">
+  <p:cSld>
+    <p:spTree>
+      <p:nvGrpSpPr>
+        <p:cNvPr id="1" name=""/>
+        <p:cNvGrpSpPr/>
+        <p:nvPr/>
+      </p:nvGrpSpPr>
+      <p:grpSpPr>
+        <a:xfrm>
+          <a:off x="0" y="0"/>
+          <a:ext cx="0" cy="0"/>
+          <a:chOff x="0" y="0"/>
+          <a:chExt cx="0" cy="0"/>
+        </a:xfrm>
+      </p:grpSpPr>
+      <p:sp>
+        <p:nvSpPr>
+          <p:cNvPr id="2" name="Titolo 1">
+            <a:extLst>
+              <a:ext uri="{FF2B5EF4-FFF2-40B4-BE49-F238E27FC236}">
+                <a16:creationId xmlns:a16="http://schemas.microsoft.com/office/drawing/2014/main" id="{2E0CC293-8CDD-53FD-70B5-44E77F8B96F3}"/>
+              </a:ext>
+            </a:extLst>
+          </p:cNvPr>
+          <p:cNvSpPr>
+            <a:spLocks noGrp="1"/>
+          </p:cNvSpPr>
+          <p:nvPr>
+            <p:ph type="title"/>
+          </p:nvPr>
+        </p:nvSpPr>
+        <p:spPr>
+          <a:xfrm>
+            <a:off x="1651547" y="65532"/>
+            <a:ext cx="7619763" cy="538609"/>
+          </a:xfrm>
+        </p:spPr>
+        <p:txBody>
+          <a:bodyPr/>
+          <a:lstStyle/>
+          <a:p>
+            <a:endParaRPr lang="en-GB" noProof="0" dirty="0"/>
+          </a:p>
+        </p:txBody>
+      </p:sp>
+      <p:sp>
+        <p:nvSpPr>
+          <p:cNvPr id="3" name="Segnaposto testo 2">
+            <a:extLst>
+              <a:ext uri="{FF2B5EF4-FFF2-40B4-BE49-F238E27FC236}">
+                <a16:creationId xmlns:a16="http://schemas.microsoft.com/office/drawing/2014/main" id="{A34AEE52-9308-0F7E-A4DF-D28FCFC82612}"/>
+              </a:ext>
+            </a:extLst>
+          </p:cNvPr>
+          <p:cNvSpPr>
+            <a:spLocks noGrp="1"/>
+          </p:cNvSpPr>
+          <p:nvPr>
+            <p:ph type="body" idx="1"/>
+          </p:nvPr>
+        </p:nvSpPr>
+        <p:spPr>
+          <a:xfrm>
+            <a:off x="1284024" y="2064003"/>
+            <a:ext cx="9448165" cy="430887"/>
+          </a:xfrm>
+        </p:spPr>
+        <p:txBody>
+          <a:bodyPr/>
+          <a:lstStyle/>
+          <a:p>
+            <a:r>
+              <a:rPr lang="en-GB" noProof="0" dirty="0"/>
+              <a:t>SLIDE VUOTA DI SPAZIO</a:t>
+            </a:r>
+          </a:p>
+        </p:txBody>
+      </p:sp>
+    </p:spTree>
+    <p:extLst>
+      <p:ext uri="{BB962C8B-B14F-4D97-AF65-F5344CB8AC3E}">
+        <p14:creationId xmlns:p14="http://schemas.microsoft.com/office/powerpoint/2010/main" val="2857122030"/>
+      </p:ext>
+    </p:extLst>
+  </p:cSld>
+  <p:clrMapOvr>
+    <a:masterClrMapping/>
+  </p:clrMapOvr>
+</p:sld>
+</file>
+
+<file path=ppt/slides/slide21.xml><?xml version="1.0" encoding="utf-8"?>
+<p:sld xmlns:a="http://schemas.openxmlformats.org/drawingml/2006/main" xmlns:r="http://schemas.openxmlformats.org/officeDocument/2006/relationships" xmlns:p="http://schemas.openxmlformats.org/presentationml/2006/main">
+  <p:cSld>
+    <p:spTree>
+      <p:nvGrpSpPr>
+        <p:cNvPr id="1" name="">
+          <a:extLst>
+            <a:ext uri="{FF2B5EF4-FFF2-40B4-BE49-F238E27FC236}">
+              <a16:creationId xmlns:a16="http://schemas.microsoft.com/office/drawing/2014/main" id="{277CB5D3-2361-52BD-659F-827776EF1B2B}"/>
+            </a:ext>
+          </a:extLst>
+        </p:cNvPr>
+        <p:cNvGrpSpPr/>
+        <p:nvPr/>
+      </p:nvGrpSpPr>
+      <p:grpSpPr>
+        <a:xfrm>
+          <a:off x="0" y="0"/>
+          <a:ext cx="0" cy="0"/>
+          <a:chOff x="0" y="0"/>
+          <a:chExt cx="0" cy="0"/>
+        </a:xfrm>
+      </p:grpSpPr>
+      <p:sp>
+        <p:nvSpPr>
+          <p:cNvPr id="10" name="Titolo 9">
+            <a:extLst>
+              <a:ext uri="{FF2B5EF4-FFF2-40B4-BE49-F238E27FC236}">
+                <a16:creationId xmlns:a16="http://schemas.microsoft.com/office/drawing/2014/main" id="{A025AFCE-D10B-CABB-98F3-20394620F938}"/>
+              </a:ext>
+            </a:extLst>
+          </p:cNvPr>
+          <p:cNvSpPr>
+            <a:spLocks noGrp="1"/>
+          </p:cNvSpPr>
+          <p:nvPr>
+            <p:ph type="title"/>
+          </p:nvPr>
+        </p:nvSpPr>
+        <p:spPr>
+          <a:xfrm>
+            <a:off x="762000" y="457200"/>
+            <a:ext cx="6400800" cy="538609"/>
+          </a:xfrm>
+        </p:spPr>
+        <p:txBody>
+          <a:bodyPr/>
+          <a:lstStyle/>
+          <a:p>
+            <a:r>
+              <a:rPr lang="en-GB" noProof="0" dirty="0">
+                <a:latin typeface="Arial Black" panose="020B0A04020102020204" pitchFamily="34" charset="0"/>
+              </a:rPr>
+              <a:t>Stochastic GD</a:t>
+            </a:r>
+          </a:p>
+        </p:txBody>
+      </p:sp>
+      <p:sp>
+        <p:nvSpPr>
+          <p:cNvPr id="4" name="CasellaDiTesto 3">
+            <a:extLst>
+              <a:ext uri="{FF2B5EF4-FFF2-40B4-BE49-F238E27FC236}">
+                <a16:creationId xmlns:a16="http://schemas.microsoft.com/office/drawing/2014/main" id="{F18BDCA7-D4C8-E6FD-096F-171610FE9C2F}"/>
+              </a:ext>
+            </a:extLst>
+          </p:cNvPr>
+          <p:cNvSpPr txBox="1"/>
+          <p:nvPr/>
+        </p:nvSpPr>
+        <p:spPr>
+          <a:xfrm>
+            <a:off x="762000" y="1600200"/>
+            <a:ext cx="10287000" cy="2677656"/>
+          </a:xfrm>
+          <a:prstGeom prst="rect">
+            <a:avLst/>
+          </a:prstGeom>
+          <a:noFill/>
+        </p:spPr>
+        <p:txBody>
+          <a:bodyPr wrap="square">
+            <a:spAutoFit/>
+          </a:bodyPr>
+          <a:lstStyle/>
+          <a:p>
+            <a:r>
+              <a:rPr lang="en-GB" sz="2800" noProof="0" dirty="0">
+                <a:latin typeface="Arial" panose="020B0604020202020204" pitchFamily="34" charset="0"/>
+                <a:cs typeface="Arial" panose="020B0604020202020204" pitchFamily="34" charset="0"/>
+              </a:rPr>
+              <a:t>We wanted to evaluate how Stochastic Gradient Descent methods compare to core GD methods in reaching the optimum convergence.</a:t>
+            </a:r>
+          </a:p>
+          <a:p>
+            <a:endParaRPr lang="en-GB" sz="2800" noProof="0" dirty="0">
+              <a:latin typeface="Arial" panose="020B0604020202020204" pitchFamily="34" charset="0"/>
+              <a:cs typeface="Arial" panose="020B0604020202020204" pitchFamily="34" charset="0"/>
+            </a:endParaRPr>
+          </a:p>
+          <a:p>
+            <a:r>
+              <a:rPr lang="en-GB" sz="2800" noProof="0" dirty="0">
+                <a:latin typeface="Arial" panose="020B0604020202020204" pitchFamily="34" charset="0"/>
+                <a:cs typeface="Arial" panose="020B0604020202020204" pitchFamily="34" charset="0"/>
+              </a:rPr>
+              <a:t>For the first round of tests, we chose to use a single observation stochastic gradient, meaning the batch size used is equal to 1.</a:t>
+            </a:r>
+          </a:p>
+        </p:txBody>
+      </p:sp>
+    </p:spTree>
+    <p:extLst>
+      <p:ext uri="{BB962C8B-B14F-4D97-AF65-F5344CB8AC3E}">
+        <p14:creationId xmlns:p14="http://schemas.microsoft.com/office/powerpoint/2010/main" val="1482871828"/>
+      </p:ext>
+    </p:extLst>
+  </p:cSld>
+  <p:clrMapOvr>
+    <a:masterClrMapping/>
+  </p:clrMapOvr>
+</p:sld>
+</file>
+
+<file path=ppt/slides/slide22.xml><?xml version="1.0" encoding="utf-8"?>
+<p:sld xmlns:a="http://schemas.openxmlformats.org/drawingml/2006/main" xmlns:r="http://schemas.openxmlformats.org/officeDocument/2006/relationships" xmlns:p="http://schemas.openxmlformats.org/presentationml/2006/main">
+  <p:cSld>
+    <p:spTree>
+      <p:nvGrpSpPr>
+        <p:cNvPr id="1" name="">
+          <a:extLst>
+            <a:ext uri="{FF2B5EF4-FFF2-40B4-BE49-F238E27FC236}">
+              <a16:creationId xmlns:a16="http://schemas.microsoft.com/office/drawing/2014/main" id="{7F38284B-2262-EBF5-99EA-9FCDD9BA1EE4}"/>
+            </a:ext>
+          </a:extLst>
+        </p:cNvPr>
+        <p:cNvGrpSpPr/>
+        <p:nvPr/>
+      </p:nvGrpSpPr>
+      <p:grpSpPr>
+        <a:xfrm>
+          <a:off x="0" y="0"/>
+          <a:ext cx="0" cy="0"/>
+          <a:chOff x="0" y="0"/>
+          <a:chExt cx="0" cy="0"/>
+        </a:xfrm>
+      </p:grpSpPr>
+      <p:sp>
+        <p:nvSpPr>
+          <p:cNvPr id="10" name="Titolo 9">
+            <a:extLst>
+              <a:ext uri="{FF2B5EF4-FFF2-40B4-BE49-F238E27FC236}">
+                <a16:creationId xmlns:a16="http://schemas.microsoft.com/office/drawing/2014/main" id="{F10C9DA7-F1EF-3E55-5CB2-6704F24DD675}"/>
+              </a:ext>
+            </a:extLst>
+          </p:cNvPr>
+          <p:cNvSpPr>
+            <a:spLocks noGrp="1"/>
+          </p:cNvSpPr>
+          <p:nvPr>
+            <p:ph type="title"/>
+          </p:nvPr>
+        </p:nvSpPr>
+        <p:spPr>
+          <a:xfrm>
+            <a:off x="762000" y="457200"/>
+            <a:ext cx="7162800" cy="1077218"/>
+          </a:xfrm>
+        </p:spPr>
+        <p:txBody>
+          <a:bodyPr/>
+          <a:lstStyle/>
+          <a:p>
+            <a:r>
+              <a:rPr lang="en-GB" noProof="0" dirty="0">
+                <a:latin typeface="Arial Black" panose="020B0A04020102020204" pitchFamily="34" charset="0"/>
+              </a:rPr>
+              <a:t>Stochastic GD – Naive test</a:t>
+            </a:r>
+          </a:p>
+        </p:txBody>
+      </p:sp>
+      <mc:AlternateContent xmlns:mc="http://schemas.openxmlformats.org/markup-compatibility/2006">
+        <mc:Choice xmlns:a14="http://schemas.microsoft.com/office/drawing/2010/main" Requires="a14">
+          <p:sp>
+            <p:nvSpPr>
+              <p:cNvPr id="2" name="CasellaDiTesto 1">
+                <a:extLst>
+                  <a:ext uri="{FF2B5EF4-FFF2-40B4-BE49-F238E27FC236}">
+                    <a16:creationId xmlns:a16="http://schemas.microsoft.com/office/drawing/2014/main" id="{C65DF945-7B20-33BC-0CA3-BAA6408C0849}"/>
+                  </a:ext>
+                </a:extLst>
+              </p:cNvPr>
+              <p:cNvSpPr txBox="1"/>
+              <p:nvPr/>
+            </p:nvSpPr>
+            <p:spPr>
+              <a:xfrm>
+                <a:off x="762000" y="1285553"/>
+                <a:ext cx="10515600" cy="523220"/>
+              </a:xfrm>
+              <a:prstGeom prst="rect">
+                <a:avLst/>
+              </a:prstGeom>
+              <a:noFill/>
+            </p:spPr>
+            <p:txBody>
+              <a:bodyPr wrap="square">
+                <a:spAutoFit/>
+              </a:bodyPr>
+              <a:lstStyle/>
+              <a:p>
+                <a:r>
+                  <a:rPr lang="en-GB" sz="2800" noProof="0" dirty="0">
+                    <a:latin typeface="Arial" panose="020B0604020202020204" pitchFamily="34" charset="0"/>
+                    <a:cs typeface="Arial" panose="020B0604020202020204" pitchFamily="34" charset="0"/>
+                  </a:rPr>
+                  <a:t>We set an </a:t>
+                </a:r>
+                <a:r>
+                  <a:rPr lang="en-GB" sz="2800" b="1" noProof="0" dirty="0">
+                    <a:solidFill>
+                      <a:srgbClr val="FF0000"/>
+                    </a:solidFill>
+                    <a:latin typeface="Arial" panose="020B0604020202020204" pitchFamily="34" charset="0"/>
+                    <a:cs typeface="Arial" panose="020B0604020202020204" pitchFamily="34" charset="0"/>
+                  </a:rPr>
+                  <a:t>empirical</a:t>
+                </a:r>
+                <a:r>
+                  <a:rPr lang="en-GB" sz="2800" noProof="0" dirty="0">
+                    <a:latin typeface="Arial" panose="020B0604020202020204" pitchFamily="34" charset="0"/>
+                    <a:cs typeface="Arial" panose="020B0604020202020204" pitchFamily="34" charset="0"/>
+                  </a:rPr>
+                  <a:t> </a:t>
+                </a:r>
+                <a14:m>
+                  <m:oMath xmlns:m="http://schemas.openxmlformats.org/officeDocument/2006/math">
+                    <m:r>
+                      <a:rPr lang="en-GB" sz="2800" i="1" noProof="0" smtClean="0">
+                        <a:latin typeface="Cambria Math" panose="02040503050406030204" pitchFamily="18" charset="0"/>
+                        <a:ea typeface="Cambria Math" panose="02040503050406030204" pitchFamily="18" charset="0"/>
+                        <a:cs typeface="Arial" panose="020B0604020202020204" pitchFamily="34" charset="0"/>
+                      </a:rPr>
+                      <m:t>𝛾</m:t>
+                    </m:r>
+                  </m:oMath>
+                </a14:m>
+                <a:r>
+                  <a:rPr lang="en-GB" sz="2800" noProof="0" dirty="0">
+                    <a:latin typeface="Arial" panose="020B0604020202020204" pitchFamily="34" charset="0"/>
+                    <a:cs typeface="Arial" panose="020B0604020202020204" pitchFamily="34" charset="0"/>
+                  </a:rPr>
+                  <a:t> and max number of epochs = 20.</a:t>
+                </a:r>
+              </a:p>
+            </p:txBody>
+          </p:sp>
+        </mc:Choice>
+        <mc:Fallback>
+          <p:sp>
+            <p:nvSpPr>
+              <p:cNvPr id="2" name="CasellaDiTesto 1">
+                <a:extLst>
+                  <a:ext uri="{FF2B5EF4-FFF2-40B4-BE49-F238E27FC236}">
+                    <a16:creationId xmlns:a16="http://schemas.microsoft.com/office/drawing/2014/main" id="{C65DF945-7B20-33BC-0CA3-BAA6408C0849}"/>
+                  </a:ext>
+                </a:extLst>
+              </p:cNvPr>
+              <p:cNvSpPr txBox="1">
+                <a:spLocks noRot="1" noChangeAspect="1" noMove="1" noResize="1" noEditPoints="1" noAdjustHandles="1" noChangeArrowheads="1" noChangeShapeType="1" noTextEdit="1"/>
+              </p:cNvSpPr>
+              <p:nvPr/>
+            </p:nvSpPr>
+            <p:spPr>
+              <a:xfrm>
+                <a:off x="762000" y="1285553"/>
+                <a:ext cx="10515600" cy="523220"/>
+              </a:xfrm>
+              <a:prstGeom prst="rect">
+                <a:avLst/>
+              </a:prstGeom>
+              <a:blipFill>
+                <a:blip r:embed="rId2"/>
+                <a:stretch>
+                  <a:fillRect l="-1159" t="-12791" b="-31395"/>
+                </a:stretch>
+              </a:blipFill>
+            </p:spPr>
+            <p:txBody>
+              <a:bodyPr/>
+              <a:lstStyle/>
+              <a:p>
+                <a:r>
+                  <a:rPr lang="it-IT">
+                    <a:noFill/>
+                  </a:rPr>
+                  <a:t> </a:t>
+                </a:r>
+              </a:p>
+            </p:txBody>
+          </p:sp>
+        </mc:Fallback>
+      </mc:AlternateContent>
+      <mc:AlternateContent xmlns:mc="http://schemas.openxmlformats.org/markup-compatibility/2006">
+        <mc:Choice xmlns:a14="http://schemas.microsoft.com/office/drawing/2010/main" Requires="a14">
+          <p:sp>
+            <p:nvSpPr>
+              <p:cNvPr id="3" name="CasellaDiTesto 2">
+                <a:extLst>
+                  <a:ext uri="{FF2B5EF4-FFF2-40B4-BE49-F238E27FC236}">
+                    <a16:creationId xmlns:a16="http://schemas.microsoft.com/office/drawing/2014/main" id="{5C1EEEAF-7504-202D-DA14-B6E1C1237CD0}"/>
+                  </a:ext>
+                </a:extLst>
+              </p:cNvPr>
+              <p:cNvSpPr txBox="1"/>
+              <p:nvPr/>
+            </p:nvSpPr>
+            <p:spPr>
+              <a:xfrm>
+                <a:off x="762000" y="1915180"/>
+                <a:ext cx="2389762" cy="523220"/>
+              </a:xfrm>
+              <a:prstGeom prst="rect">
+                <a:avLst/>
+              </a:prstGeom>
+              <a:noFill/>
+            </p:spPr>
+            <p:txBody>
+              <a:bodyPr wrap="square">
+                <a:spAutoFit/>
+              </a:bodyPr>
+              <a:lstStyle/>
+              <a:p>
+                <a14:m>
+                  <m:oMath xmlns:m="http://schemas.openxmlformats.org/officeDocument/2006/math">
+                    <m:r>
+                      <a:rPr lang="en-GB" sz="2800" i="1" noProof="0" smtClean="0">
+                        <a:latin typeface="Cambria Math" panose="02040503050406030204" pitchFamily="18" charset="0"/>
+                        <a:ea typeface="Cambria Math" panose="02040503050406030204" pitchFamily="18" charset="0"/>
+                        <a:cs typeface="Arial" panose="020B0604020202020204" pitchFamily="34" charset="0"/>
+                      </a:rPr>
+                      <m:t>𝛾</m:t>
+                    </m:r>
+                    <m:r>
+                      <a:rPr lang="en-GB" sz="2800" b="0" i="1" noProof="0" smtClean="0">
+                        <a:latin typeface="Cambria Math" panose="02040503050406030204" pitchFamily="18" charset="0"/>
+                        <a:ea typeface="Cambria Math" panose="02040503050406030204" pitchFamily="18" charset="0"/>
+                        <a:cs typeface="Arial" panose="020B0604020202020204" pitchFamily="34" charset="0"/>
+                      </a:rPr>
+                      <m:t>=</m:t>
+                    </m:r>
+                    <m:r>
+                      <a:rPr lang="en-GB" sz="2800" i="1" noProof="0" smtClean="0">
+                        <a:latin typeface="Cambria Math" panose="02040503050406030204" pitchFamily="18" charset="0"/>
+                        <a:ea typeface="Cambria Math" panose="02040503050406030204" pitchFamily="18" charset="0"/>
+                        <a:cs typeface="Arial" panose="020B0604020202020204" pitchFamily="34" charset="0"/>
+                      </a:rPr>
+                      <m:t>0.01</m:t>
+                    </m:r>
+                  </m:oMath>
+                </a14:m>
+                <a:r>
+                  <a:rPr lang="en-GB" sz="2800" noProof="0" dirty="0">
+                    <a:latin typeface="Arial" panose="020B0604020202020204" pitchFamily="34" charset="0"/>
+                    <a:cs typeface="Arial" panose="020B0604020202020204" pitchFamily="34" charset="0"/>
+                  </a:rPr>
+                  <a:t> </a:t>
+                </a:r>
+                <a:r>
+                  <a:rPr lang="en-GB" sz="2800" noProof="0" dirty="0">
+                    <a:latin typeface="Arial" panose="020B0604020202020204" pitchFamily="34" charset="0"/>
+                    <a:cs typeface="Arial" panose="020B0604020202020204" pitchFamily="34" charset="0"/>
+                    <a:sym typeface="Wingdings" panose="05000000000000000000" pitchFamily="2" charset="2"/>
+                  </a:rPr>
+                  <a:t></a:t>
+                </a:r>
+                <a:endParaRPr lang="en-GB" sz="2800" noProof="0" dirty="0">
+                  <a:latin typeface="Arial" panose="020B0604020202020204" pitchFamily="34" charset="0"/>
+                  <a:cs typeface="Arial" panose="020B0604020202020204" pitchFamily="34" charset="0"/>
+                </a:endParaRPr>
+              </a:p>
+            </p:txBody>
+          </p:sp>
+        </mc:Choice>
+        <mc:Fallback>
+          <p:sp>
+            <p:nvSpPr>
+              <p:cNvPr id="3" name="CasellaDiTesto 2">
+                <a:extLst>
+                  <a:ext uri="{FF2B5EF4-FFF2-40B4-BE49-F238E27FC236}">
+                    <a16:creationId xmlns:a16="http://schemas.microsoft.com/office/drawing/2014/main" id="{5C1EEEAF-7504-202D-DA14-B6E1C1237CD0}"/>
+                  </a:ext>
+                </a:extLst>
+              </p:cNvPr>
+              <p:cNvSpPr txBox="1">
+                <a:spLocks noRot="1" noChangeAspect="1" noMove="1" noResize="1" noEditPoints="1" noAdjustHandles="1" noChangeArrowheads="1" noChangeShapeType="1" noTextEdit="1"/>
+              </p:cNvSpPr>
+              <p:nvPr/>
+            </p:nvSpPr>
+            <p:spPr>
+              <a:xfrm>
+                <a:off x="762000" y="1915180"/>
+                <a:ext cx="2389762" cy="523220"/>
+              </a:xfrm>
+              <a:prstGeom prst="rect">
+                <a:avLst/>
+              </a:prstGeom>
+              <a:blipFill>
+                <a:blip r:embed="rId3"/>
+                <a:stretch>
+                  <a:fillRect t="-11628" b="-31395"/>
+                </a:stretch>
+              </a:blipFill>
+            </p:spPr>
+            <p:txBody>
+              <a:bodyPr/>
+              <a:lstStyle/>
+              <a:p>
+                <a:r>
+                  <a:rPr lang="it-IT">
+                    <a:noFill/>
+                  </a:rPr>
+                  <a:t> </a:t>
+                </a:r>
+              </a:p>
+            </p:txBody>
+          </p:sp>
+        </mc:Fallback>
+      </mc:AlternateContent>
+      <p:pic>
+        <p:nvPicPr>
+          <p:cNvPr id="6" name="Immagine 5" descr="Immagine che contiene testo, schermata, libro, bianco e nero&#10;&#10;Il contenuto generato dall'IA potrebbe non essere corretto.">
+            <a:extLst>
+              <a:ext uri="{FF2B5EF4-FFF2-40B4-BE49-F238E27FC236}">
+                <a16:creationId xmlns:a16="http://schemas.microsoft.com/office/drawing/2014/main" id="{C56C03A4-A109-4119-7AB8-15F09BFA38AD}"/>
+              </a:ext>
+            </a:extLst>
+          </p:cNvPr>
+          <p:cNvPicPr>
+            <a:picLocks noChangeAspect="1"/>
+          </p:cNvPicPr>
+          <p:nvPr/>
+        </p:nvPicPr>
+        <p:blipFill>
+          <a:blip r:embed="rId4">
+            <a:extLst>
+              <a:ext uri="{28A0092B-C50C-407E-A947-70E740481C1C}">
+                <a14:useLocalDpi xmlns:a14="http://schemas.microsoft.com/office/drawing/2010/main" val="0"/>
+              </a:ext>
+            </a:extLst>
+          </a:blip>
+          <a:stretch>
+            <a:fillRect/>
+          </a:stretch>
+        </p:blipFill>
+        <p:spPr>
+          <a:xfrm>
+            <a:off x="2895600" y="1989667"/>
+            <a:ext cx="5334000" cy="3962937"/>
+          </a:xfrm>
+          <a:prstGeom prst="rect">
+            <a:avLst/>
+          </a:prstGeom>
+        </p:spPr>
+      </p:pic>
+    </p:spTree>
+    <p:extLst>
+      <p:ext uri="{BB962C8B-B14F-4D97-AF65-F5344CB8AC3E}">
+        <p14:creationId xmlns:p14="http://schemas.microsoft.com/office/powerpoint/2010/main" val="2287017957"/>
+      </p:ext>
+    </p:extLst>
+  </p:cSld>
+  <p:clrMapOvr>
+    <a:masterClrMapping/>
+  </p:clrMapOvr>
+</p:sld>
+</file>
+
+<file path=ppt/slides/slide23.xml><?xml version="1.0" encoding="utf-8"?>
+<p:sld xmlns:a="http://schemas.openxmlformats.org/drawingml/2006/main" xmlns:r="http://schemas.openxmlformats.org/officeDocument/2006/relationships" xmlns:p="http://schemas.openxmlformats.org/presentationml/2006/main">
+  <p:cSld>
+    <p:spTree>
+      <p:nvGrpSpPr>
+        <p:cNvPr id="1" name="">
+          <a:extLst>
+            <a:ext uri="{FF2B5EF4-FFF2-40B4-BE49-F238E27FC236}">
+              <a16:creationId xmlns:a16="http://schemas.microsoft.com/office/drawing/2014/main" id="{C0EA279F-A412-52B9-F821-416007D33110}"/>
+            </a:ext>
+          </a:extLst>
+        </p:cNvPr>
+        <p:cNvGrpSpPr/>
+        <p:nvPr/>
+      </p:nvGrpSpPr>
+      <p:grpSpPr>
+        <a:xfrm>
+          <a:off x="0" y="0"/>
+          <a:ext cx="0" cy="0"/>
+          <a:chOff x="0" y="0"/>
+          <a:chExt cx="0" cy="0"/>
+        </a:xfrm>
+      </p:grpSpPr>
+      <p:sp>
+        <p:nvSpPr>
+          <p:cNvPr id="10" name="Titolo 9">
+            <a:extLst>
+              <a:ext uri="{FF2B5EF4-FFF2-40B4-BE49-F238E27FC236}">
+                <a16:creationId xmlns:a16="http://schemas.microsoft.com/office/drawing/2014/main" id="{B420A2D0-C1C9-F163-B257-811DEA0B82ED}"/>
+              </a:ext>
+            </a:extLst>
+          </p:cNvPr>
+          <p:cNvSpPr>
+            <a:spLocks noGrp="1"/>
+          </p:cNvSpPr>
+          <p:nvPr>
+            <p:ph type="title"/>
+          </p:nvPr>
+        </p:nvSpPr>
+        <p:spPr>
+          <a:xfrm>
+            <a:off x="762000" y="457200"/>
+            <a:ext cx="10668000" cy="1077218"/>
+          </a:xfrm>
+        </p:spPr>
+        <p:txBody>
+          <a:bodyPr/>
+          <a:lstStyle/>
+          <a:p>
+            <a:r>
+              <a:rPr lang="en-GB" noProof="0" dirty="0">
+                <a:latin typeface="Arial Black" panose="020B0A04020102020204" pitchFamily="34" charset="0"/>
+              </a:rPr>
+              <a:t>Convergence rate – Naïve vs optimal value </a:t>
+            </a:r>
+          </a:p>
+        </p:txBody>
+      </p:sp>
+      <p:pic>
+        <p:nvPicPr>
+          <p:cNvPr id="5" name="Immagine 4">
+            <a:extLst>
+              <a:ext uri="{FF2B5EF4-FFF2-40B4-BE49-F238E27FC236}">
+                <a16:creationId xmlns:a16="http://schemas.microsoft.com/office/drawing/2014/main" id="{94F124CA-63C2-8ED5-945F-B146FF210656}"/>
+              </a:ext>
+            </a:extLst>
+          </p:cNvPr>
+          <p:cNvPicPr>
+            <a:picLocks noChangeAspect="1"/>
+          </p:cNvPicPr>
+          <p:nvPr/>
+        </p:nvPicPr>
+        <p:blipFill>
+          <a:blip r:embed="rId2"/>
+          <a:stretch>
+            <a:fillRect/>
+          </a:stretch>
+        </p:blipFill>
+        <p:spPr>
+          <a:xfrm>
+            <a:off x="770467" y="1345984"/>
+            <a:ext cx="5477933" cy="4458351"/>
+          </a:xfrm>
+          <a:prstGeom prst="rect">
+            <a:avLst/>
+          </a:prstGeom>
+        </p:spPr>
+      </p:pic>
+      <mc:AlternateContent xmlns:mc="http://schemas.openxmlformats.org/markup-compatibility/2006">
+        <mc:Choice xmlns:a14="http://schemas.microsoft.com/office/drawing/2010/main" Requires="a14">
+          <p:sp>
+            <p:nvSpPr>
+              <p:cNvPr id="8" name="CasellaDiTesto 7">
+                <a:extLst>
+                  <a:ext uri="{FF2B5EF4-FFF2-40B4-BE49-F238E27FC236}">
+                    <a16:creationId xmlns:a16="http://schemas.microsoft.com/office/drawing/2014/main" id="{3114AC94-1097-AEB8-3CCF-D0D7245B2515}"/>
+                  </a:ext>
+                </a:extLst>
+              </p:cNvPr>
+              <p:cNvSpPr txBox="1"/>
+              <p:nvPr/>
+            </p:nvSpPr>
+            <p:spPr>
+              <a:xfrm>
+                <a:off x="6553200" y="1600200"/>
+                <a:ext cx="4648200" cy="3539430"/>
+              </a:xfrm>
+              <a:prstGeom prst="rect">
+                <a:avLst/>
+              </a:prstGeom>
+              <a:noFill/>
+            </p:spPr>
+            <p:txBody>
+              <a:bodyPr wrap="square">
+                <a:spAutoFit/>
+              </a:bodyPr>
+              <a:lstStyle/>
+              <a:p>
+                <a:pPr algn="l"/>
+                <a:r>
+                  <a:rPr lang="en-GB" sz="2800" noProof="0" dirty="0">
+                    <a:latin typeface="Arial" panose="020B0604020202020204" pitchFamily="34" charset="0"/>
+                    <a:cs typeface="Arial" panose="020B0604020202020204" pitchFamily="34" charset="0"/>
+                  </a:rPr>
+                  <a:t>With the</a:t>
+                </a:r>
+                <a:r>
+                  <a:rPr lang="en-GB" sz="2800" noProof="0" dirty="0"/>
+                  <a:t> arbitrary</a:t>
+                </a:r>
+              </a:p>
+              <a:p>
+                <a:pPr algn="l"/>
+                <a:r>
+                  <a:rPr lang="en-GB" sz="2800" noProof="0" dirty="0">
+                    <a:latin typeface="Arial" panose="020B0604020202020204" pitchFamily="34" charset="0"/>
+                    <a:cs typeface="Arial" panose="020B0604020202020204" pitchFamily="34" charset="0"/>
+                  </a:rPr>
+                  <a:t> </a:t>
+                </a:r>
+                <a14:m>
+                  <m:oMath xmlns:m="http://schemas.openxmlformats.org/officeDocument/2006/math">
+                    <m:r>
+                      <a:rPr lang="en-GB" sz="2800" i="1" noProof="0" smtClean="0">
+                        <a:latin typeface="Cambria Math" panose="02040503050406030204" pitchFamily="18" charset="0"/>
+                        <a:ea typeface="Cambria Math" panose="02040503050406030204" pitchFamily="18" charset="0"/>
+                        <a:cs typeface="Arial" panose="020B0604020202020204" pitchFamily="34" charset="0"/>
+                      </a:rPr>
+                      <m:t>𝛾</m:t>
+                    </m:r>
+                  </m:oMath>
+                </a14:m>
+                <a:r>
+                  <a:rPr lang="en-GB" sz="2800" noProof="0" dirty="0">
+                    <a:latin typeface="Arial" panose="020B0604020202020204" pitchFamily="34" charset="0"/>
+                    <a:cs typeface="Arial" panose="020B0604020202020204" pitchFamily="34" charset="0"/>
+                  </a:rPr>
+                  <a:t> the algorithm oscillates near the optimum, but never quite reaches it.</a:t>
+                </a:r>
+              </a:p>
+              <a:p>
+                <a:pPr algn="l"/>
+                <a:r>
+                  <a:rPr lang="en-GB" sz="2800" dirty="0">
+                    <a:latin typeface="Arial" panose="020B0604020202020204" pitchFamily="34" charset="0"/>
+                    <a:cs typeface="Arial" panose="020B0604020202020204" pitchFamily="34" charset="0"/>
+                  </a:rPr>
+                  <a:t>This is not too surprising, as with this value of</a:t>
+                </a:r>
+                <a:r>
+                  <a:rPr lang="en-GB" sz="2800" noProof="0" dirty="0">
+                    <a:latin typeface="Arial" panose="020B0604020202020204" pitchFamily="34" charset="0"/>
+                    <a:cs typeface="Arial" panose="020B0604020202020204" pitchFamily="34" charset="0"/>
+                  </a:rPr>
+                  <a:t> </a:t>
+                </a:r>
+                <a14:m>
+                  <m:oMath xmlns:m="http://schemas.openxmlformats.org/officeDocument/2006/math">
+                    <m:r>
+                      <a:rPr lang="en-GB" sz="2800" i="1" noProof="0" smtClean="0">
+                        <a:latin typeface="Cambria Math" panose="02040503050406030204" pitchFamily="18" charset="0"/>
+                        <a:ea typeface="Cambria Math" panose="02040503050406030204" pitchFamily="18" charset="0"/>
+                        <a:cs typeface="Arial" panose="020B0604020202020204" pitchFamily="34" charset="0"/>
+                      </a:rPr>
+                      <m:t>𝛾</m:t>
+                    </m:r>
+                  </m:oMath>
+                </a14:m>
+                <a:r>
+                  <a:rPr lang="en-GB" sz="2800" noProof="0" dirty="0">
+                    <a:latin typeface="Arial" panose="020B0604020202020204" pitchFamily="34" charset="0"/>
+                    <a:cs typeface="Arial" panose="020B0604020202020204" pitchFamily="34" charset="0"/>
+                  </a:rPr>
+                  <a:t> </a:t>
+                </a:r>
+                <a:r>
+                  <a:rPr lang="en-GB" sz="2800" dirty="0">
+                    <a:latin typeface="Arial" panose="020B0604020202020204" pitchFamily="34" charset="0"/>
+                    <a:cs typeface="Arial" panose="020B0604020202020204" pitchFamily="34" charset="0"/>
+                  </a:rPr>
+                  <a:t>not even core gradient descent reached convergence.</a:t>
+                </a:r>
+                <a:endParaRPr lang="en-GB" sz="2800" noProof="0" dirty="0">
+                  <a:latin typeface="Arial" panose="020B0604020202020204" pitchFamily="34" charset="0"/>
+                  <a:cs typeface="Arial" panose="020B0604020202020204" pitchFamily="34" charset="0"/>
+                </a:endParaRPr>
+              </a:p>
+            </p:txBody>
+          </p:sp>
+        </mc:Choice>
+        <mc:Fallback>
+          <p:sp>
+            <p:nvSpPr>
+              <p:cNvPr id="8" name="CasellaDiTesto 7">
+                <a:extLst>
+                  <a:ext uri="{FF2B5EF4-FFF2-40B4-BE49-F238E27FC236}">
+                    <a16:creationId xmlns:a16="http://schemas.microsoft.com/office/drawing/2014/main" id="{3114AC94-1097-AEB8-3CCF-D0D7245B2515}"/>
+                  </a:ext>
+                </a:extLst>
+              </p:cNvPr>
+              <p:cNvSpPr txBox="1">
+                <a:spLocks noRot="1" noChangeAspect="1" noMove="1" noResize="1" noEditPoints="1" noAdjustHandles="1" noChangeArrowheads="1" noChangeShapeType="1" noTextEdit="1"/>
+              </p:cNvSpPr>
+              <p:nvPr/>
+            </p:nvSpPr>
+            <p:spPr>
+              <a:xfrm>
+                <a:off x="6553200" y="1600200"/>
+                <a:ext cx="4648200" cy="3539430"/>
+              </a:xfrm>
+              <a:prstGeom prst="rect">
+                <a:avLst/>
+              </a:prstGeom>
+              <a:blipFill>
+                <a:blip r:embed="rId3"/>
+                <a:stretch>
+                  <a:fillRect l="-2621" t="-1897" r="-4456" b="-3793"/>
+                </a:stretch>
+              </a:blipFill>
+            </p:spPr>
+            <p:txBody>
+              <a:bodyPr/>
+              <a:lstStyle/>
+              <a:p>
+                <a:r>
+                  <a:rPr lang="it-IT">
+                    <a:noFill/>
+                  </a:rPr>
+                  <a:t> </a:t>
+                </a:r>
+              </a:p>
+            </p:txBody>
+          </p:sp>
+        </mc:Fallback>
+      </mc:AlternateContent>
+    </p:spTree>
+    <p:extLst>
+      <p:ext uri="{BB962C8B-B14F-4D97-AF65-F5344CB8AC3E}">
+        <p14:creationId xmlns:p14="http://schemas.microsoft.com/office/powerpoint/2010/main" val="1889985645"/>
+      </p:ext>
+    </p:extLst>
+  </p:cSld>
+  <p:clrMapOvr>
+    <a:masterClrMapping/>
+  </p:clrMapOvr>
+</p:sld>
+</file>
+
+<file path=ppt/slides/slide24.xml><?xml version="1.0" encoding="utf-8"?>
+<p:sld xmlns:a="http://schemas.openxmlformats.org/drawingml/2006/main" xmlns:r="http://schemas.openxmlformats.org/officeDocument/2006/relationships" xmlns:p="http://schemas.openxmlformats.org/presentationml/2006/main">
+  <p:cSld>
+    <p:spTree>
+      <p:nvGrpSpPr>
+        <p:cNvPr id="1" name="">
+          <a:extLst>
+            <a:ext uri="{FF2B5EF4-FFF2-40B4-BE49-F238E27FC236}">
+              <a16:creationId xmlns:a16="http://schemas.microsoft.com/office/drawing/2014/main" id="{2D88CD0F-A9DC-8466-A17C-A06559043AF8}"/>
+            </a:ext>
+          </a:extLst>
+        </p:cNvPr>
+        <p:cNvGrpSpPr/>
+        <p:nvPr/>
+      </p:nvGrpSpPr>
+      <p:grpSpPr>
+        <a:xfrm>
+          <a:off x="0" y="0"/>
+          <a:ext cx="0" cy="0"/>
+          <a:chOff x="0" y="0"/>
+          <a:chExt cx="0" cy="0"/>
+        </a:xfrm>
+      </p:grpSpPr>
+      <p:sp>
+        <p:nvSpPr>
+          <p:cNvPr id="10" name="Titolo 9">
+            <a:extLst>
+              <a:ext uri="{FF2B5EF4-FFF2-40B4-BE49-F238E27FC236}">
+                <a16:creationId xmlns:a16="http://schemas.microsoft.com/office/drawing/2014/main" id="{E54DF643-02BA-7B66-F4EF-94F971DF59A4}"/>
+              </a:ext>
+            </a:extLst>
+          </p:cNvPr>
+          <p:cNvSpPr>
+            <a:spLocks noGrp="1"/>
+          </p:cNvSpPr>
+          <p:nvPr>
+            <p:ph type="title"/>
+          </p:nvPr>
+        </p:nvSpPr>
+        <p:spPr>
+          <a:xfrm>
+            <a:off x="762000" y="457200"/>
+            <a:ext cx="10668000" cy="538609"/>
+          </a:xfrm>
+        </p:spPr>
+        <p:txBody>
+          <a:bodyPr/>
+          <a:lstStyle/>
+          <a:p>
+            <a:r>
+              <a:rPr lang="en-US" noProof="0" dirty="0">
+                <a:latin typeface="Arial Black" panose="020B0A04020102020204" pitchFamily="34" charset="0"/>
+              </a:rPr>
+              <a:t>SGD assuming bounded gradients</a:t>
+            </a:r>
+            <a:endParaRPr lang="en-GB" noProof="0" dirty="0">
+              <a:latin typeface="Arial Black" panose="020B0A04020102020204" pitchFamily="34" charset="0"/>
+            </a:endParaRPr>
+          </a:p>
+        </p:txBody>
+      </p:sp>
+      <mc:AlternateContent xmlns:mc="http://schemas.openxmlformats.org/markup-compatibility/2006">
+        <mc:Choice xmlns:a14="http://schemas.microsoft.com/office/drawing/2010/main" Requires="a14">
+          <p:sp>
+            <p:nvSpPr>
+              <p:cNvPr id="8" name="CasellaDiTesto 7">
+                <a:extLst>
+                  <a:ext uri="{FF2B5EF4-FFF2-40B4-BE49-F238E27FC236}">
+                    <a16:creationId xmlns:a16="http://schemas.microsoft.com/office/drawing/2014/main" id="{79C90F72-7DB9-0AC5-EC6B-6E6246A8947E}"/>
+                  </a:ext>
+                </a:extLst>
+              </p:cNvPr>
+              <p:cNvSpPr txBox="1"/>
+              <p:nvPr/>
+            </p:nvSpPr>
+            <p:spPr>
+              <a:xfrm>
+                <a:off x="762000" y="1295400"/>
+                <a:ext cx="5181600" cy="5452455"/>
+              </a:xfrm>
+              <a:prstGeom prst="rect">
+                <a:avLst/>
+              </a:prstGeom>
+              <a:noFill/>
+            </p:spPr>
+            <p:txBody>
+              <a:bodyPr wrap="square">
+                <a:spAutoFit/>
+              </a:bodyPr>
+              <a:lstStyle/>
+              <a:p>
+                <a:r>
+                  <a:rPr lang="en-US" sz="2800" dirty="0"/>
+                  <a:t>We assumed we were moving in a bounded region </a:t>
+                </a:r>
+              </a:p>
+              <a:p>
+                <a:r>
+                  <a:rPr lang="en-US" sz="2800" dirty="0"/>
+                  <a:t>|| x</a:t>
+                </a:r>
+                <a:r>
+                  <a:rPr lang="en-US" sz="1200" dirty="0"/>
+                  <a:t>0</a:t>
+                </a:r>
+                <a:r>
+                  <a:rPr lang="en-US" sz="2800" dirty="0"/>
+                  <a:t> – x*||&lt;R for simplicity. </a:t>
+                </a:r>
+              </a:p>
+              <a:p>
+                <a:endParaRPr lang="en-US" sz="2800" dirty="0"/>
+              </a:p>
+              <a:p>
+                <a:r>
+                  <a:rPr lang="en-US" sz="2800" dirty="0"/>
+                  <a:t>We considered:</a:t>
+                </a:r>
+              </a:p>
+              <a:p>
+                <a:pPr marL="457200" indent="-457200">
+                  <a:buFont typeface="Arial" panose="020B0604020202020204" pitchFamily="34" charset="0"/>
+                  <a:buChar char="•"/>
+                </a:pPr>
+                <a:r>
+                  <a:rPr lang="en-US" sz="2800" dirty="0"/>
+                  <a:t>R = 25</a:t>
+                </a:r>
+              </a:p>
+              <a:p>
+                <a:pPr marL="457200" indent="-457200">
+                  <a:buFont typeface="Arial" panose="020B0604020202020204" pitchFamily="34" charset="0"/>
+                  <a:buChar char="•"/>
+                </a:pPr>
+                <a:r>
+                  <a:rPr lang="en-US" sz="2800" dirty="0"/>
+                  <a:t>B = Lipschitz constant (the same one used in GD)</a:t>
+                </a:r>
+              </a:p>
+              <a:p>
+                <a:pPr marL="457200" indent="-457200">
+                  <a:buFont typeface="Arial" panose="020B0604020202020204" pitchFamily="34" charset="0"/>
+                  <a:buChar char="•"/>
+                </a:pPr>
+                <a:r>
+                  <a:rPr lang="en-US" sz="2800" dirty="0"/>
+                  <a:t>T = total iterations</a:t>
+                </a:r>
+              </a:p>
+              <a:p>
+                <a:pPr marL="457200" indent="-457200">
+                  <a:buFont typeface="Arial" panose="020B0604020202020204" pitchFamily="34" charset="0"/>
+                  <a:buChar char="•"/>
+                </a:pPr>
+                <a14:m>
+                  <m:oMath xmlns:m="http://schemas.openxmlformats.org/officeDocument/2006/math">
+                    <m:r>
+                      <a:rPr lang="en-GB" sz="2800" i="1" noProof="0" smtClean="0">
+                        <a:latin typeface="Cambria Math" panose="02040503050406030204" pitchFamily="18" charset="0"/>
+                        <a:ea typeface="Cambria Math" panose="02040503050406030204" pitchFamily="18" charset="0"/>
+                        <a:cs typeface="Arial" panose="020B0604020202020204" pitchFamily="34" charset="0"/>
+                      </a:rPr>
+                      <m:t>𝛾</m:t>
+                    </m:r>
+                  </m:oMath>
+                </a14:m>
+                <a:r>
+                  <a:rPr lang="en-US" sz="2800" dirty="0"/>
+                  <a:t> = </a:t>
+                </a:r>
+                <a14:m>
+                  <m:oMath xmlns:m="http://schemas.openxmlformats.org/officeDocument/2006/math">
+                    <m:f>
+                      <m:fPr>
+                        <m:ctrlPr>
+                          <a:rPr lang="it-IT" sz="2800" b="0" i="1" smtClean="0">
+                            <a:latin typeface="Cambria Math" panose="02040503050406030204" pitchFamily="18" charset="0"/>
+                          </a:rPr>
+                        </m:ctrlPr>
+                      </m:fPr>
+                      <m:num>
+                        <m:r>
+                          <a:rPr lang="it-IT" sz="2800" b="0" i="1" smtClean="0">
+                            <a:latin typeface="Cambria Math" panose="02040503050406030204" pitchFamily="18" charset="0"/>
+                          </a:rPr>
+                          <m:t>𝑅</m:t>
+                        </m:r>
+                      </m:num>
+                      <m:den>
+                        <m:r>
+                          <a:rPr lang="it-IT" sz="2800" b="0" i="1" smtClean="0">
+                            <a:latin typeface="Cambria Math" panose="02040503050406030204" pitchFamily="18" charset="0"/>
+                          </a:rPr>
+                          <m:t>𝐵</m:t>
+                        </m:r>
+                        <m:r>
+                          <a:rPr lang="it-IT" sz="2800" b="0" i="1" smtClean="0">
+                            <a:latin typeface="Cambria Math" panose="02040503050406030204" pitchFamily="18" charset="0"/>
+                            <a:ea typeface="Cambria Math" panose="02040503050406030204" pitchFamily="18" charset="0"/>
+                          </a:rPr>
+                          <m:t>√</m:t>
+                        </m:r>
+                        <m:r>
+                          <a:rPr lang="it-IT" sz="2800" b="0" i="1" smtClean="0">
+                            <a:latin typeface="Cambria Math" panose="02040503050406030204" pitchFamily="18" charset="0"/>
+                            <a:ea typeface="Cambria Math" panose="02040503050406030204" pitchFamily="18" charset="0"/>
+                          </a:rPr>
+                          <m:t>𝑇</m:t>
+                        </m:r>
+                      </m:den>
+                    </m:f>
+                  </m:oMath>
+                </a14:m>
+                <a:endParaRPr lang="en-US" sz="2800" dirty="0"/>
+              </a:p>
+              <a:p>
+                <a:pPr marL="457200" indent="-457200">
+                  <a:buFont typeface="Arial" panose="020B0604020202020204" pitchFamily="34" charset="0"/>
+                  <a:buChar char="•"/>
+                </a:pPr>
+                <a:endParaRPr lang="en-US" sz="2800" dirty="0"/>
+              </a:p>
+              <a:p>
+                <a:endParaRPr lang="en-US" sz="2800" dirty="0"/>
+              </a:p>
+            </p:txBody>
+          </p:sp>
+        </mc:Choice>
+        <mc:Fallback>
+          <p:sp>
+            <p:nvSpPr>
+              <p:cNvPr id="8" name="CasellaDiTesto 7">
+                <a:extLst>
+                  <a:ext uri="{FF2B5EF4-FFF2-40B4-BE49-F238E27FC236}">
+                    <a16:creationId xmlns:a16="http://schemas.microsoft.com/office/drawing/2014/main" id="{79C90F72-7DB9-0AC5-EC6B-6E6246A8947E}"/>
+                  </a:ext>
+                </a:extLst>
+              </p:cNvPr>
+              <p:cNvSpPr txBox="1">
+                <a:spLocks noRot="1" noChangeAspect="1" noMove="1" noResize="1" noEditPoints="1" noAdjustHandles="1" noChangeArrowheads="1" noChangeShapeType="1" noTextEdit="1"/>
+              </p:cNvSpPr>
+              <p:nvPr/>
+            </p:nvSpPr>
+            <p:spPr>
+              <a:xfrm>
+                <a:off x="762000" y="1295400"/>
+                <a:ext cx="5181600" cy="5452455"/>
+              </a:xfrm>
+              <a:prstGeom prst="rect">
+                <a:avLst/>
+              </a:prstGeom>
+              <a:blipFill>
+                <a:blip r:embed="rId2"/>
+                <a:stretch>
+                  <a:fillRect l="-2353" t="-1230"/>
+                </a:stretch>
+              </a:blipFill>
+            </p:spPr>
+            <p:txBody>
+              <a:bodyPr/>
+              <a:lstStyle/>
+              <a:p>
+                <a:r>
+                  <a:rPr lang="it-IT">
+                    <a:noFill/>
+                  </a:rPr>
+                  <a:t> </a:t>
+                </a:r>
+              </a:p>
+            </p:txBody>
+          </p:sp>
+        </mc:Fallback>
+      </mc:AlternateContent>
+      <p:pic>
+        <p:nvPicPr>
+          <p:cNvPr id="3" name="Immagine 2" descr="Immagine che contiene testo, schermata, libro, bianco e nero&#10;&#10;Il contenuto generato dall'IA potrebbe non essere corretto.">
+            <a:extLst>
+              <a:ext uri="{FF2B5EF4-FFF2-40B4-BE49-F238E27FC236}">
+                <a16:creationId xmlns:a16="http://schemas.microsoft.com/office/drawing/2014/main" id="{05AA012E-FC44-3D44-43C9-B1FACD28CDBC}"/>
+              </a:ext>
+            </a:extLst>
+          </p:cNvPr>
+          <p:cNvPicPr>
+            <a:picLocks noChangeAspect="1"/>
+          </p:cNvPicPr>
+          <p:nvPr/>
+        </p:nvPicPr>
+        <p:blipFill>
+          <a:blip r:embed="rId3">
+            <a:extLst>
+              <a:ext uri="{28A0092B-C50C-407E-A947-70E740481C1C}">
+                <a14:useLocalDpi xmlns:a14="http://schemas.microsoft.com/office/drawing/2010/main" val="0"/>
+              </a:ext>
+            </a:extLst>
+          </a:blip>
+          <a:stretch>
+            <a:fillRect/>
+          </a:stretch>
+        </p:blipFill>
+        <p:spPr>
+          <a:xfrm>
+            <a:off x="6019799" y="1447800"/>
+            <a:ext cx="5413649" cy="4038600"/>
+          </a:xfrm>
+          <a:prstGeom prst="rect">
+            <a:avLst/>
+          </a:prstGeom>
+        </p:spPr>
+      </p:pic>
+    </p:spTree>
+    <p:extLst>
+      <p:ext uri="{BB962C8B-B14F-4D97-AF65-F5344CB8AC3E}">
+        <p14:creationId xmlns:p14="http://schemas.microsoft.com/office/powerpoint/2010/main" val="1437594286"/>
+      </p:ext>
+    </p:extLst>
+  </p:cSld>
+  <p:clrMapOvr>
+    <a:masterClrMapping/>
+  </p:clrMapOvr>
+</p:sld>
+</file>
+
+<file path=ppt/slides/slide25.xml><?xml version="1.0" encoding="utf-8"?>
+<p:sld xmlns:a="http://schemas.openxmlformats.org/drawingml/2006/main" xmlns:r="http://schemas.openxmlformats.org/officeDocument/2006/relationships" xmlns:p="http://schemas.openxmlformats.org/presentationml/2006/main">
+  <p:cSld>
+    <p:spTree>
+      <p:nvGrpSpPr>
+        <p:cNvPr id="1" name="">
+          <a:extLst>
+            <a:ext uri="{FF2B5EF4-FFF2-40B4-BE49-F238E27FC236}">
+              <a16:creationId xmlns:a16="http://schemas.microsoft.com/office/drawing/2014/main" id="{5EA97F04-3934-1EF0-8974-478E12015F85}"/>
+            </a:ext>
+          </a:extLst>
+        </p:cNvPr>
+        <p:cNvGrpSpPr/>
+        <p:nvPr/>
+      </p:nvGrpSpPr>
+      <p:grpSpPr>
+        <a:xfrm>
+          <a:off x="0" y="0"/>
+          <a:ext cx="0" cy="0"/>
+          <a:chOff x="0" y="0"/>
+          <a:chExt cx="0" cy="0"/>
+        </a:xfrm>
+      </p:grpSpPr>
+      <p:sp>
+        <p:nvSpPr>
+          <p:cNvPr id="10" name="Titolo 9">
+            <a:extLst>
+              <a:ext uri="{FF2B5EF4-FFF2-40B4-BE49-F238E27FC236}">
+                <a16:creationId xmlns:a16="http://schemas.microsoft.com/office/drawing/2014/main" id="{860B90BE-DFE6-C8DB-4034-342FAD860AA0}"/>
+              </a:ext>
+            </a:extLst>
+          </p:cNvPr>
+          <p:cNvSpPr>
+            <a:spLocks noGrp="1"/>
+          </p:cNvSpPr>
+          <p:nvPr>
+            <p:ph type="title"/>
+          </p:nvPr>
+        </p:nvSpPr>
+        <p:spPr>
+          <a:xfrm>
+            <a:off x="762000" y="457200"/>
+            <a:ext cx="10668000" cy="538609"/>
+          </a:xfrm>
+        </p:spPr>
+        <p:txBody>
+          <a:bodyPr/>
+          <a:lstStyle/>
+          <a:p>
+            <a:r>
+              <a:rPr lang="en-GB" noProof="0" dirty="0">
+                <a:latin typeface="Arial Black" panose="020B0A04020102020204" pitchFamily="34" charset="0"/>
+              </a:rPr>
+              <a:t>Convergence rate – Naïve vs Bounded</a:t>
+            </a:r>
+          </a:p>
+        </p:txBody>
+      </p:sp>
+      <p:sp>
+        <p:nvSpPr>
+          <p:cNvPr id="8" name="CasellaDiTesto 7">
+            <a:extLst>
+              <a:ext uri="{FF2B5EF4-FFF2-40B4-BE49-F238E27FC236}">
+                <a16:creationId xmlns:a16="http://schemas.microsoft.com/office/drawing/2014/main" id="{EDB159EB-4DB4-D3E1-E84E-85DF98FE6B19}"/>
+              </a:ext>
+            </a:extLst>
+          </p:cNvPr>
+          <p:cNvSpPr txBox="1"/>
+          <p:nvPr/>
+        </p:nvSpPr>
+        <p:spPr>
+          <a:xfrm>
+            <a:off x="6553200" y="1600200"/>
+            <a:ext cx="4648200" cy="3108543"/>
+          </a:xfrm>
+          <a:prstGeom prst="rect">
+            <a:avLst/>
+          </a:prstGeom>
+          <a:noFill/>
+        </p:spPr>
+        <p:txBody>
+          <a:bodyPr wrap="square">
+            <a:spAutoFit/>
+          </a:bodyPr>
+          <a:lstStyle/>
+          <a:p>
+            <a:pPr algn="l"/>
+            <a:r>
+              <a:rPr lang="en-GB" sz="2800" noProof="0" dirty="0">
+                <a:latin typeface="Arial" panose="020B0604020202020204" pitchFamily="34" charset="0"/>
+                <a:cs typeface="Arial" panose="020B0604020202020204" pitchFamily="34" charset="0"/>
+              </a:rPr>
+              <a:t>The step size used for bounded stochastic gradient causes the algorithm to get closer to the optimum, but on average it’s still very similar to the previous method.  </a:t>
+            </a:r>
+          </a:p>
+        </p:txBody>
+      </p:sp>
+      <p:pic>
+        <p:nvPicPr>
+          <p:cNvPr id="3" name="Immagine 2">
+            <a:extLst>
+              <a:ext uri="{FF2B5EF4-FFF2-40B4-BE49-F238E27FC236}">
+                <a16:creationId xmlns:a16="http://schemas.microsoft.com/office/drawing/2014/main" id="{D162F8BA-A6B1-E60F-03FC-BCB5FE09DFED}"/>
+              </a:ext>
+            </a:extLst>
+          </p:cNvPr>
+          <p:cNvPicPr>
+            <a:picLocks noChangeAspect="1"/>
+          </p:cNvPicPr>
+          <p:nvPr/>
+        </p:nvPicPr>
+        <p:blipFill>
+          <a:blip r:embed="rId2"/>
+          <a:stretch>
+            <a:fillRect/>
+          </a:stretch>
+        </p:blipFill>
+        <p:spPr>
+          <a:xfrm>
+            <a:off x="762000" y="1295400"/>
+            <a:ext cx="5629275" cy="4581525"/>
+          </a:xfrm>
+          <a:prstGeom prst="rect">
+            <a:avLst/>
+          </a:prstGeom>
+        </p:spPr>
+      </p:pic>
+    </p:spTree>
+    <p:extLst>
+      <p:ext uri="{BB962C8B-B14F-4D97-AF65-F5344CB8AC3E}">
+        <p14:creationId xmlns:p14="http://schemas.microsoft.com/office/powerpoint/2010/main" val="878909848"/>
+      </p:ext>
+    </p:extLst>
+  </p:cSld>
+  <p:clrMapOvr>
+    <a:masterClrMapping/>
+  </p:clrMapOvr>
+</p:sld>
+</file>
+
+<file path=ppt/slides/slide26.xml><?xml version="1.0" encoding="utf-8"?>
+<p:sld xmlns:a="http://schemas.openxmlformats.org/drawingml/2006/main" xmlns:r="http://schemas.openxmlformats.org/officeDocument/2006/relationships" xmlns:p="http://schemas.openxmlformats.org/presentationml/2006/main">
+  <p:cSld>
+    <p:spTree>
+      <p:nvGrpSpPr>
+        <p:cNvPr id="1" name="">
+          <a:extLst>
+            <a:ext uri="{FF2B5EF4-FFF2-40B4-BE49-F238E27FC236}">
+              <a16:creationId xmlns:a16="http://schemas.microsoft.com/office/drawing/2014/main" id="{B5A9872B-1211-5B44-0B8A-399D231474E2}"/>
+            </a:ext>
+          </a:extLst>
+        </p:cNvPr>
+        <p:cNvGrpSpPr/>
+        <p:nvPr/>
+      </p:nvGrpSpPr>
+      <p:grpSpPr>
+        <a:xfrm>
+          <a:off x="0" y="0"/>
+          <a:ext cx="0" cy="0"/>
+          <a:chOff x="0" y="0"/>
+          <a:chExt cx="0" cy="0"/>
+        </a:xfrm>
+      </p:grpSpPr>
+      <p:sp>
+        <p:nvSpPr>
+          <p:cNvPr id="10" name="Titolo 9">
+            <a:extLst>
+              <a:ext uri="{FF2B5EF4-FFF2-40B4-BE49-F238E27FC236}">
+                <a16:creationId xmlns:a16="http://schemas.microsoft.com/office/drawing/2014/main" id="{7064E723-01DF-A388-DD5D-7C86B759C3E7}"/>
+              </a:ext>
+            </a:extLst>
+          </p:cNvPr>
+          <p:cNvSpPr>
+            <a:spLocks noGrp="1"/>
+          </p:cNvSpPr>
+          <p:nvPr>
+            <p:ph type="title"/>
+          </p:nvPr>
+        </p:nvSpPr>
+        <p:spPr>
+          <a:xfrm>
+            <a:off x="762000" y="457200"/>
+            <a:ext cx="10668000" cy="538609"/>
+          </a:xfrm>
+        </p:spPr>
+        <p:txBody>
+          <a:bodyPr/>
+          <a:lstStyle/>
+          <a:p>
+            <a:r>
+              <a:rPr lang="en-US" noProof="0" dirty="0">
+                <a:latin typeface="Arial Black" panose="020B0A04020102020204" pitchFamily="34" charset="0"/>
+              </a:rPr>
+              <a:t>SGD using Strong Convexity</a:t>
+            </a:r>
+            <a:endParaRPr lang="en-GB" noProof="0" dirty="0">
+              <a:latin typeface="Arial Black" panose="020B0A04020102020204" pitchFamily="34" charset="0"/>
+            </a:endParaRPr>
+          </a:p>
+        </p:txBody>
+      </p:sp>
+      <mc:AlternateContent xmlns:mc="http://schemas.openxmlformats.org/markup-compatibility/2006">
+        <mc:Choice xmlns:a14="http://schemas.microsoft.com/office/drawing/2010/main" Requires="a14">
+          <p:sp>
+            <p:nvSpPr>
+              <p:cNvPr id="2" name="CasellaDiTesto 1">
+                <a:extLst>
+                  <a:ext uri="{FF2B5EF4-FFF2-40B4-BE49-F238E27FC236}">
+                    <a16:creationId xmlns:a16="http://schemas.microsoft.com/office/drawing/2014/main" id="{1C1B4B02-F1A2-1A5B-2A30-2C153E127AF2}"/>
+                  </a:ext>
+                </a:extLst>
+              </p:cNvPr>
+              <p:cNvSpPr txBox="1"/>
+              <p:nvPr/>
+            </p:nvSpPr>
+            <p:spPr>
+              <a:xfrm>
+                <a:off x="762000" y="1143000"/>
+                <a:ext cx="5334000" cy="5676747"/>
+              </a:xfrm>
+              <a:prstGeom prst="rect">
+                <a:avLst/>
+              </a:prstGeom>
+              <a:noFill/>
+            </p:spPr>
+            <p:txBody>
+              <a:bodyPr wrap="square">
+                <a:spAutoFit/>
+              </a:bodyPr>
+              <a:lstStyle/>
+              <a:p>
+                <a:r>
+                  <a:rPr lang="en-US" sz="2800" dirty="0"/>
+                  <a:t>We recalled the fact that the chosen objective function is strongly convex w. parameter </a:t>
+                </a:r>
+                <a14:m>
+                  <m:oMath xmlns:m="http://schemas.openxmlformats.org/officeDocument/2006/math">
+                    <m:r>
+                      <a:rPr lang="it-IT" sz="2800" b="0" i="1" smtClean="0">
+                        <a:latin typeface="Cambria Math" panose="02040503050406030204" pitchFamily="18" charset="0"/>
+                        <a:ea typeface="Cambria Math" panose="02040503050406030204" pitchFamily="18" charset="0"/>
+                      </a:rPr>
+                      <m:t>𝜇</m:t>
+                    </m:r>
+                  </m:oMath>
+                </a14:m>
+                <a:r>
+                  <a:rPr lang="en-US" sz="2800" dirty="0"/>
+                  <a:t>;</a:t>
+                </a:r>
+              </a:p>
+              <a:p>
+                <a:r>
+                  <a:rPr lang="en-US" sz="2800" dirty="0"/>
+                  <a:t>In this case, we could have used</a:t>
+                </a:r>
+              </a:p>
+              <a:p>
+                <a:pPr/>
+                <a14:m>
+                  <m:oMath xmlns:m="http://schemas.openxmlformats.org/officeDocument/2006/math">
+                    <m:r>
+                      <a:rPr lang="en-US" sz="2800" i="1" smtClean="0">
+                        <a:latin typeface="Cambria Math" panose="02040503050406030204" pitchFamily="18" charset="0"/>
+                        <a:ea typeface="Cambria Math" panose="02040503050406030204" pitchFamily="18" charset="0"/>
+                      </a:rPr>
+                      <m:t>𝛾</m:t>
+                    </m:r>
+                    <m:r>
+                      <a:rPr lang="it-IT" sz="2800" b="0" i="1" smtClean="0">
+                        <a:latin typeface="Cambria Math" panose="02040503050406030204" pitchFamily="18" charset="0"/>
+                        <a:ea typeface="Cambria Math" panose="02040503050406030204" pitchFamily="18" charset="0"/>
+                      </a:rPr>
+                      <m:t>= </m:t>
+                    </m:r>
+                    <m:f>
+                      <m:fPr>
+                        <m:ctrlPr>
+                          <a:rPr lang="it-IT" sz="2800" b="0" i="1" smtClean="0">
+                            <a:latin typeface="Cambria Math" panose="02040503050406030204" pitchFamily="18" charset="0"/>
+                            <a:ea typeface="Cambria Math" panose="02040503050406030204" pitchFamily="18" charset="0"/>
+                          </a:rPr>
+                        </m:ctrlPr>
+                      </m:fPr>
+                      <m:num>
+                        <m:r>
+                          <a:rPr lang="it-IT" sz="2800" b="0" i="1" smtClean="0">
+                            <a:latin typeface="Cambria Math" panose="02040503050406030204" pitchFamily="18" charset="0"/>
+                            <a:ea typeface="Cambria Math" panose="02040503050406030204" pitchFamily="18" charset="0"/>
+                          </a:rPr>
+                          <m:t>2</m:t>
+                        </m:r>
+                      </m:num>
+                      <m:den>
+                        <m:r>
+                          <a:rPr lang="it-IT" sz="2800" b="0" i="1" smtClean="0">
+                            <a:latin typeface="Cambria Math" panose="02040503050406030204" pitchFamily="18" charset="0"/>
+                            <a:ea typeface="Cambria Math" panose="02040503050406030204" pitchFamily="18" charset="0"/>
+                          </a:rPr>
+                          <m:t>𝜇</m:t>
+                        </m:r>
+                        <m:r>
+                          <a:rPr lang="it-IT" sz="2800" b="0" i="1" smtClean="0">
+                            <a:latin typeface="Cambria Math" panose="02040503050406030204" pitchFamily="18" charset="0"/>
+                            <a:ea typeface="Cambria Math" panose="02040503050406030204" pitchFamily="18" charset="0"/>
+                          </a:rPr>
+                          <m:t>∗(</m:t>
+                        </m:r>
+                        <m:r>
+                          <a:rPr lang="it-IT" sz="2800" b="0" i="1" smtClean="0">
+                            <a:latin typeface="Cambria Math" panose="02040503050406030204" pitchFamily="18" charset="0"/>
+                            <a:ea typeface="Cambria Math" panose="02040503050406030204" pitchFamily="18" charset="0"/>
+                          </a:rPr>
+                          <m:t>𝑡</m:t>
+                        </m:r>
+                        <m:r>
+                          <a:rPr lang="it-IT" sz="2800" b="0" i="1" smtClean="0">
+                            <a:latin typeface="Cambria Math" panose="02040503050406030204" pitchFamily="18" charset="0"/>
+                            <a:ea typeface="Cambria Math" panose="02040503050406030204" pitchFamily="18" charset="0"/>
+                          </a:rPr>
+                          <m:t>+1)</m:t>
+                        </m:r>
+                      </m:den>
+                    </m:f>
+                  </m:oMath>
+                </a14:m>
+                <a:r>
+                  <a:rPr lang="en-US" sz="2800" dirty="0"/>
+                  <a:t> , but the resulting step size would have been too small to ever reach the optimum.</a:t>
+                </a:r>
+              </a:p>
+              <a:p>
+                <a:pPr/>
+                <a:r>
+                  <a:rPr lang="en-US" sz="2800" dirty="0"/>
+                  <a:t>For that reason, we chose to apply </a:t>
+                </a:r>
+                <a14:m>
+                  <m:oMath xmlns:m="http://schemas.openxmlformats.org/officeDocument/2006/math">
+                    <m:r>
+                      <a:rPr lang="en-US" sz="2800" i="1" smtClean="0">
+                        <a:latin typeface="Cambria Math" panose="02040503050406030204" pitchFamily="18" charset="0"/>
+                        <a:ea typeface="Cambria Math" panose="02040503050406030204" pitchFamily="18" charset="0"/>
+                      </a:rPr>
+                      <m:t>𝛾</m:t>
+                    </m:r>
+                    <m:r>
+                      <a:rPr lang="it-IT" sz="2800" b="0" i="1" smtClean="0">
+                        <a:latin typeface="Cambria Math" panose="02040503050406030204" pitchFamily="18" charset="0"/>
+                        <a:ea typeface="Cambria Math" panose="02040503050406030204" pitchFamily="18" charset="0"/>
+                      </a:rPr>
+                      <m:t>= </m:t>
+                    </m:r>
+                    <m:f>
+                      <m:fPr>
+                        <m:ctrlPr>
+                          <a:rPr lang="it-IT" sz="2800" b="0" i="1" smtClean="0">
+                            <a:latin typeface="Cambria Math" panose="02040503050406030204" pitchFamily="18" charset="0"/>
+                            <a:ea typeface="Cambria Math" panose="02040503050406030204" pitchFamily="18" charset="0"/>
+                          </a:rPr>
+                        </m:ctrlPr>
+                      </m:fPr>
+                      <m:num>
+                        <m:r>
+                          <a:rPr lang="it-IT" sz="2800" b="0" i="1" smtClean="0">
+                            <a:latin typeface="Cambria Math" panose="02040503050406030204" pitchFamily="18" charset="0"/>
+                            <a:ea typeface="Cambria Math" panose="02040503050406030204" pitchFamily="18" charset="0"/>
+                          </a:rPr>
+                          <m:t>1</m:t>
+                        </m:r>
+                      </m:num>
+                      <m:den>
+                        <m:r>
+                          <a:rPr lang="it-IT" sz="2800" b="0" i="1" smtClean="0">
+                            <a:latin typeface="Cambria Math" panose="02040503050406030204" pitchFamily="18" charset="0"/>
+                            <a:ea typeface="Cambria Math" panose="02040503050406030204" pitchFamily="18" charset="0"/>
+                          </a:rPr>
+                          <m:t>𝐿</m:t>
+                        </m:r>
+                      </m:den>
+                    </m:f>
+                  </m:oMath>
+                </a14:m>
+                <a:r>
+                  <a:rPr lang="en-US" sz="2800" dirty="0"/>
+                  <a:t> , obtaining:</a:t>
+                </a:r>
+              </a:p>
+              <a:p>
+                <a:pPr marL="457200" indent="-457200">
+                  <a:buFont typeface="Arial" panose="020B0604020202020204" pitchFamily="34" charset="0"/>
+                  <a:buChar char="•"/>
+                </a:pPr>
+                <a:endParaRPr lang="en-US" sz="2800" dirty="0"/>
+              </a:p>
+              <a:p>
+                <a:endParaRPr lang="en-US" sz="2800" dirty="0"/>
+              </a:p>
+            </p:txBody>
+          </p:sp>
+        </mc:Choice>
+        <mc:Fallback>
+          <p:sp>
+            <p:nvSpPr>
+              <p:cNvPr id="2" name="CasellaDiTesto 1">
+                <a:extLst>
+                  <a:ext uri="{FF2B5EF4-FFF2-40B4-BE49-F238E27FC236}">
+                    <a16:creationId xmlns:a16="http://schemas.microsoft.com/office/drawing/2014/main" id="{1C1B4B02-F1A2-1A5B-2A30-2C153E127AF2}"/>
+                  </a:ext>
+                </a:extLst>
+              </p:cNvPr>
+              <p:cNvSpPr txBox="1">
+                <a:spLocks noRot="1" noChangeAspect="1" noMove="1" noResize="1" noEditPoints="1" noAdjustHandles="1" noChangeArrowheads="1" noChangeShapeType="1" noTextEdit="1"/>
+              </p:cNvSpPr>
+              <p:nvPr/>
+            </p:nvSpPr>
+            <p:spPr>
+              <a:xfrm>
+                <a:off x="762000" y="1143000"/>
+                <a:ext cx="5334000" cy="5676747"/>
+              </a:xfrm>
+              <a:prstGeom prst="rect">
+                <a:avLst/>
+              </a:prstGeom>
+              <a:blipFill>
+                <a:blip r:embed="rId2"/>
+                <a:stretch>
+                  <a:fillRect l="-2286" t="-1182" r="-1943"/>
+                </a:stretch>
+              </a:blipFill>
+            </p:spPr>
+            <p:txBody>
+              <a:bodyPr/>
+              <a:lstStyle/>
+              <a:p>
+                <a:r>
+                  <a:rPr lang="it-IT">
+                    <a:noFill/>
+                  </a:rPr>
+                  <a:t> </a:t>
+                </a:r>
+              </a:p>
+            </p:txBody>
+          </p:sp>
+        </mc:Fallback>
+      </mc:AlternateContent>
+      <p:pic>
+        <p:nvPicPr>
+          <p:cNvPr id="5" name="Immagine 4" descr="Immagine che contiene testo, schermata, libro, menu&#10;&#10;Il contenuto generato dall'IA potrebbe non essere corretto.">
+            <a:extLst>
+              <a:ext uri="{FF2B5EF4-FFF2-40B4-BE49-F238E27FC236}">
+                <a16:creationId xmlns:a16="http://schemas.microsoft.com/office/drawing/2014/main" id="{3DA46B4F-BA79-F0BB-1841-8B2349C1C7E5}"/>
+              </a:ext>
+            </a:extLst>
+          </p:cNvPr>
+          <p:cNvPicPr>
+            <a:picLocks noChangeAspect="1"/>
+          </p:cNvPicPr>
+          <p:nvPr/>
+        </p:nvPicPr>
+        <p:blipFill>
+          <a:blip r:embed="rId3">
+            <a:extLst>
+              <a:ext uri="{28A0092B-C50C-407E-A947-70E740481C1C}">
+                <a14:useLocalDpi xmlns:a14="http://schemas.microsoft.com/office/drawing/2010/main" val="0"/>
+              </a:ext>
+            </a:extLst>
+          </a:blip>
+          <a:stretch>
+            <a:fillRect/>
+          </a:stretch>
+        </p:blipFill>
+        <p:spPr>
+          <a:xfrm>
+            <a:off x="6248399" y="1371600"/>
+            <a:ext cx="5467083" cy="4114800"/>
+          </a:xfrm>
+          <a:prstGeom prst="rect">
+            <a:avLst/>
+          </a:prstGeom>
+        </p:spPr>
+      </p:pic>
+    </p:spTree>
+    <p:extLst>
+      <p:ext uri="{BB962C8B-B14F-4D97-AF65-F5344CB8AC3E}">
+        <p14:creationId xmlns:p14="http://schemas.microsoft.com/office/powerpoint/2010/main" val="3825528164"/>
+      </p:ext>
+    </p:extLst>
+  </p:cSld>
+  <p:clrMapOvr>
+    <a:masterClrMapping/>
+  </p:clrMapOvr>
+</p:sld>
+</file>
+
+<file path=ppt/slides/slide27.xml><?xml version="1.0" encoding="utf-8"?>
+<p:sld xmlns:a="http://schemas.openxmlformats.org/drawingml/2006/main" xmlns:r="http://schemas.openxmlformats.org/officeDocument/2006/relationships" xmlns:p="http://schemas.openxmlformats.org/presentationml/2006/main">
+  <p:cSld>
+    <p:spTree>
+      <p:nvGrpSpPr>
+        <p:cNvPr id="1" name="">
+          <a:extLst>
+            <a:ext uri="{FF2B5EF4-FFF2-40B4-BE49-F238E27FC236}">
+              <a16:creationId xmlns:a16="http://schemas.microsoft.com/office/drawing/2014/main" id="{C7024D91-6308-A98B-A663-30169506CADF}"/>
+            </a:ext>
+          </a:extLst>
+        </p:cNvPr>
+        <p:cNvGrpSpPr/>
+        <p:nvPr/>
+      </p:nvGrpSpPr>
+      <p:grpSpPr>
+        <a:xfrm>
+          <a:off x="0" y="0"/>
+          <a:ext cx="0" cy="0"/>
+          <a:chOff x="0" y="0"/>
+          <a:chExt cx="0" cy="0"/>
+        </a:xfrm>
+      </p:grpSpPr>
+      <p:sp>
+        <p:nvSpPr>
+          <p:cNvPr id="10" name="Titolo 9">
+            <a:extLst>
+              <a:ext uri="{FF2B5EF4-FFF2-40B4-BE49-F238E27FC236}">
+                <a16:creationId xmlns:a16="http://schemas.microsoft.com/office/drawing/2014/main" id="{1FA34042-2DC6-7DEC-293C-30C816FD36E1}"/>
+              </a:ext>
+            </a:extLst>
+          </p:cNvPr>
+          <p:cNvSpPr>
+            <a:spLocks noGrp="1"/>
+          </p:cNvSpPr>
+          <p:nvPr>
+            <p:ph type="title"/>
+          </p:nvPr>
+        </p:nvSpPr>
+        <p:spPr>
+          <a:xfrm>
+            <a:off x="762000" y="457200"/>
+            <a:ext cx="10668000" cy="538609"/>
+          </a:xfrm>
+        </p:spPr>
+        <p:txBody>
+          <a:bodyPr/>
+          <a:lstStyle/>
+          <a:p>
+            <a:r>
+              <a:rPr lang="en-GB" noProof="0" dirty="0">
+                <a:latin typeface="Arial Black" panose="020B0A04020102020204" pitchFamily="34" charset="0"/>
+              </a:rPr>
+              <a:t>Convergence rate – comparing results </a:t>
+            </a:r>
+          </a:p>
+        </p:txBody>
+      </p:sp>
+      <mc:AlternateContent xmlns:mc="http://schemas.openxmlformats.org/markup-compatibility/2006">
+        <mc:Choice xmlns:a14="http://schemas.microsoft.com/office/drawing/2010/main" Requires="a14">
+          <p:sp>
+            <p:nvSpPr>
+              <p:cNvPr id="8" name="CasellaDiTesto 7">
+                <a:extLst>
+                  <a:ext uri="{FF2B5EF4-FFF2-40B4-BE49-F238E27FC236}">
+                    <a16:creationId xmlns:a16="http://schemas.microsoft.com/office/drawing/2014/main" id="{93C4A554-D928-6A11-6EEC-D25BB4D634C6}"/>
+                  </a:ext>
+                </a:extLst>
+              </p:cNvPr>
+              <p:cNvSpPr txBox="1"/>
+              <p:nvPr/>
+            </p:nvSpPr>
+            <p:spPr>
+              <a:xfrm>
+                <a:off x="6553200" y="1600200"/>
+                <a:ext cx="4648200" cy="3286028"/>
+              </a:xfrm>
+              <a:prstGeom prst="rect">
+                <a:avLst/>
+              </a:prstGeom>
+              <a:noFill/>
+            </p:spPr>
+            <p:txBody>
+              <a:bodyPr wrap="square">
+                <a:spAutoFit/>
+              </a:bodyPr>
+              <a:lstStyle/>
+              <a:p>
+                <a:r>
+                  <a:rPr lang="en-US" sz="2800" dirty="0"/>
+                  <a:t>The distance from the optimal objective is much smaller using step size </a:t>
+                </a:r>
+                <a:endParaRPr lang="it-IT" sz="2800" i="1" dirty="0">
+                  <a:latin typeface="Cambria Math" panose="02040503050406030204" pitchFamily="18" charset="0"/>
+                  <a:ea typeface="Cambria Math" panose="02040503050406030204" pitchFamily="18" charset="0"/>
+                </a:endParaRPr>
+              </a:p>
+              <a:p>
+                <a14:m>
+                  <m:oMath xmlns:m="http://schemas.openxmlformats.org/officeDocument/2006/math">
+                    <m:r>
+                      <a:rPr lang="en-US" sz="2800" i="1" smtClean="0">
+                        <a:latin typeface="Cambria Math" panose="02040503050406030204" pitchFamily="18" charset="0"/>
+                        <a:ea typeface="Cambria Math" panose="02040503050406030204" pitchFamily="18" charset="0"/>
+                      </a:rPr>
+                      <m:t>𝛾</m:t>
+                    </m:r>
+                    <m:r>
+                      <a:rPr lang="it-IT" sz="2800" b="0" i="1" smtClean="0">
+                        <a:latin typeface="Cambria Math" panose="02040503050406030204" pitchFamily="18" charset="0"/>
+                        <a:ea typeface="Cambria Math" panose="02040503050406030204" pitchFamily="18" charset="0"/>
+                      </a:rPr>
+                      <m:t>= </m:t>
+                    </m:r>
+                    <m:f>
+                      <m:fPr>
+                        <m:ctrlPr>
+                          <a:rPr lang="it-IT" sz="2800" b="0" i="1" smtClean="0">
+                            <a:latin typeface="Cambria Math" panose="02040503050406030204" pitchFamily="18" charset="0"/>
+                            <a:ea typeface="Cambria Math" panose="02040503050406030204" pitchFamily="18" charset="0"/>
+                          </a:rPr>
+                        </m:ctrlPr>
+                      </m:fPr>
+                      <m:num>
+                        <m:r>
+                          <a:rPr lang="it-IT" sz="2800" b="0" i="1" smtClean="0">
+                            <a:latin typeface="Cambria Math" panose="02040503050406030204" pitchFamily="18" charset="0"/>
+                            <a:ea typeface="Cambria Math" panose="02040503050406030204" pitchFamily="18" charset="0"/>
+                          </a:rPr>
+                          <m:t>1</m:t>
+                        </m:r>
+                      </m:num>
+                      <m:den>
+                        <m:r>
+                          <a:rPr lang="it-IT" sz="2800" b="0" i="1" smtClean="0">
+                            <a:latin typeface="Cambria Math" panose="02040503050406030204" pitchFamily="18" charset="0"/>
+                            <a:ea typeface="Cambria Math" panose="02040503050406030204" pitchFamily="18" charset="0"/>
+                          </a:rPr>
+                          <m:t>𝐿</m:t>
+                        </m:r>
+                      </m:den>
+                    </m:f>
+                  </m:oMath>
+                </a14:m>
+                <a:r>
+                  <a:rPr lang="en-US" sz="2800" dirty="0"/>
+                  <a:t>, even though the rate of convergence is slightly slower compared to the other two methods used.</a:t>
+                </a:r>
+              </a:p>
+            </p:txBody>
+          </p:sp>
+        </mc:Choice>
+        <mc:Fallback>
+          <p:sp>
+            <p:nvSpPr>
+              <p:cNvPr id="8" name="CasellaDiTesto 7">
+                <a:extLst>
+                  <a:ext uri="{FF2B5EF4-FFF2-40B4-BE49-F238E27FC236}">
+                    <a16:creationId xmlns:a16="http://schemas.microsoft.com/office/drawing/2014/main" id="{93C4A554-D928-6A11-6EEC-D25BB4D634C6}"/>
+                  </a:ext>
+                </a:extLst>
+              </p:cNvPr>
+              <p:cNvSpPr txBox="1">
+                <a:spLocks noRot="1" noChangeAspect="1" noMove="1" noResize="1" noEditPoints="1" noAdjustHandles="1" noChangeArrowheads="1" noChangeShapeType="1" noTextEdit="1"/>
+              </p:cNvSpPr>
+              <p:nvPr/>
+            </p:nvSpPr>
+            <p:spPr>
+              <a:xfrm>
+                <a:off x="6553200" y="1600200"/>
+                <a:ext cx="4648200" cy="3286028"/>
+              </a:xfrm>
+              <a:prstGeom prst="rect">
+                <a:avLst/>
+              </a:prstGeom>
+              <a:blipFill>
+                <a:blip r:embed="rId2"/>
+                <a:stretch>
+                  <a:fillRect l="-2621" t="-2041" r="-2359" b="-4082"/>
+                </a:stretch>
+              </a:blipFill>
+            </p:spPr>
+            <p:txBody>
+              <a:bodyPr/>
+              <a:lstStyle/>
+              <a:p>
+                <a:r>
+                  <a:rPr lang="it-IT">
+                    <a:noFill/>
+                  </a:rPr>
+                  <a:t> </a:t>
+                </a:r>
+              </a:p>
+            </p:txBody>
+          </p:sp>
+        </mc:Fallback>
+      </mc:AlternateContent>
+      <p:pic>
+        <p:nvPicPr>
+          <p:cNvPr id="4" name="Immagine 3">
+            <a:extLst>
+              <a:ext uri="{FF2B5EF4-FFF2-40B4-BE49-F238E27FC236}">
+                <a16:creationId xmlns:a16="http://schemas.microsoft.com/office/drawing/2014/main" id="{B35BAA16-8F71-E907-29BD-91C4D5A4C476}"/>
+              </a:ext>
+            </a:extLst>
+          </p:cNvPr>
+          <p:cNvPicPr>
+            <a:picLocks noChangeAspect="1"/>
+          </p:cNvPicPr>
+          <p:nvPr/>
+        </p:nvPicPr>
+        <p:blipFill>
+          <a:blip r:embed="rId3"/>
+          <a:stretch>
+            <a:fillRect/>
+          </a:stretch>
+        </p:blipFill>
+        <p:spPr>
+          <a:xfrm>
+            <a:off x="762001" y="1219200"/>
+            <a:ext cx="5604650" cy="4500562"/>
+          </a:xfrm>
+          <a:prstGeom prst="rect">
+            <a:avLst/>
+          </a:prstGeom>
+        </p:spPr>
+      </p:pic>
+    </p:spTree>
+    <p:extLst>
+      <p:ext uri="{BB962C8B-B14F-4D97-AF65-F5344CB8AC3E}">
+        <p14:creationId xmlns:p14="http://schemas.microsoft.com/office/powerpoint/2010/main" val="4037498109"/>
+      </p:ext>
+    </p:extLst>
+  </p:cSld>
+  <p:clrMapOvr>
+    <a:masterClrMapping/>
+  </p:clrMapOvr>
+</p:sld>
+</file>
+
+<file path=ppt/slides/slide28.xml><?xml version="1.0" encoding="utf-8"?>
+<p:sld xmlns:a="http://schemas.openxmlformats.org/drawingml/2006/main" xmlns:r="http://schemas.openxmlformats.org/officeDocument/2006/relationships" xmlns:p="http://schemas.openxmlformats.org/presentationml/2006/main">
+  <p:cSld>
+    <p:spTree>
+      <p:nvGrpSpPr>
+        <p:cNvPr id="1" name="">
+          <a:extLst>
+            <a:ext uri="{FF2B5EF4-FFF2-40B4-BE49-F238E27FC236}">
+              <a16:creationId xmlns:a16="http://schemas.microsoft.com/office/drawing/2014/main" id="{3ED2BC46-2096-F3E0-20B3-97C2762FEB78}"/>
+            </a:ext>
+          </a:extLst>
+        </p:cNvPr>
+        <p:cNvGrpSpPr/>
+        <p:nvPr/>
+      </p:nvGrpSpPr>
+      <p:grpSpPr>
+        <a:xfrm>
+          <a:off x="0" y="0"/>
+          <a:ext cx="0" cy="0"/>
+          <a:chOff x="0" y="0"/>
+          <a:chExt cx="0" cy="0"/>
+        </a:xfrm>
+      </p:grpSpPr>
+      <p:sp>
+        <p:nvSpPr>
+          <p:cNvPr id="10" name="Titolo 9">
+            <a:extLst>
+              <a:ext uri="{FF2B5EF4-FFF2-40B4-BE49-F238E27FC236}">
+                <a16:creationId xmlns:a16="http://schemas.microsoft.com/office/drawing/2014/main" id="{CA174CA1-2B78-2A7D-DD7C-2F67C4A2991A}"/>
+              </a:ext>
+            </a:extLst>
+          </p:cNvPr>
+          <p:cNvSpPr>
+            <a:spLocks noGrp="1"/>
+          </p:cNvSpPr>
+          <p:nvPr>
+            <p:ph type="title"/>
+          </p:nvPr>
+        </p:nvSpPr>
+        <p:spPr>
+          <a:xfrm>
+            <a:off x="762000" y="457200"/>
+            <a:ext cx="10668000" cy="538609"/>
+          </a:xfrm>
+        </p:spPr>
+        <p:txBody>
+          <a:bodyPr/>
+          <a:lstStyle/>
+          <a:p>
+            <a:r>
+              <a:rPr lang="en-US" dirty="0">
+                <a:latin typeface="Arial Black" panose="020B0A04020102020204" pitchFamily="34" charset="0"/>
+              </a:rPr>
+              <a:t>Other stochastic gradient based methods</a:t>
+            </a:r>
+            <a:endParaRPr lang="en-GB" noProof="0" dirty="0">
+              <a:latin typeface="Arial Black" panose="020B0A04020102020204" pitchFamily="34" charset="0"/>
+            </a:endParaRPr>
+          </a:p>
+        </p:txBody>
+      </p:sp>
+      <mc:AlternateContent xmlns:mc="http://schemas.openxmlformats.org/markup-compatibility/2006">
+        <mc:Choice xmlns:a14="http://schemas.microsoft.com/office/drawing/2010/main" Requires="a14">
+          <p:sp>
+            <p:nvSpPr>
+              <p:cNvPr id="2" name="CasellaDiTesto 1">
+                <a:extLst>
+                  <a:ext uri="{FF2B5EF4-FFF2-40B4-BE49-F238E27FC236}">
+                    <a16:creationId xmlns:a16="http://schemas.microsoft.com/office/drawing/2014/main" id="{B9F3DAA7-E9DF-3F79-B384-A17F2F754D1F}"/>
+                  </a:ext>
+                </a:extLst>
+              </p:cNvPr>
+              <p:cNvSpPr txBox="1"/>
+              <p:nvPr/>
+            </p:nvSpPr>
+            <p:spPr>
+              <a:xfrm>
+                <a:off x="762000" y="1143000"/>
+                <a:ext cx="10668000" cy="5009577"/>
+              </a:xfrm>
+              <a:prstGeom prst="rect">
+                <a:avLst/>
+              </a:prstGeom>
+              <a:noFill/>
+            </p:spPr>
+            <p:txBody>
+              <a:bodyPr wrap="square">
+                <a:spAutoFit/>
+              </a:bodyPr>
+              <a:lstStyle/>
+              <a:p>
+                <a:r>
+                  <a:rPr lang="en-US" sz="2800" dirty="0">
+                    <a:latin typeface="Arial" panose="020B0604020202020204" pitchFamily="34" charset="0"/>
+                    <a:cs typeface="Arial" panose="020B0604020202020204" pitchFamily="34" charset="0"/>
+                  </a:rPr>
+                  <a:t>We then computed other stochastic gradient based optimization methods: </a:t>
+                </a:r>
+                <a:r>
+                  <a:rPr lang="en-US" sz="2800" b="1" dirty="0">
+                    <a:latin typeface="Arial" panose="020B0604020202020204" pitchFamily="34" charset="0"/>
+                    <a:cs typeface="Arial" panose="020B0604020202020204" pitchFamily="34" charset="0"/>
+                  </a:rPr>
+                  <a:t>ADAGRAD</a:t>
+                </a:r>
+                <a:r>
+                  <a:rPr lang="en-US" sz="2800" dirty="0">
+                    <a:latin typeface="Arial" panose="020B0604020202020204" pitchFamily="34" charset="0"/>
+                    <a:cs typeface="Arial" panose="020B0604020202020204" pitchFamily="34" charset="0"/>
+                  </a:rPr>
+                  <a:t>, </a:t>
+                </a:r>
+                <a:r>
+                  <a:rPr lang="en-US" sz="2800" b="1" dirty="0">
+                    <a:latin typeface="Arial" panose="020B0604020202020204" pitchFamily="34" charset="0"/>
+                    <a:cs typeface="Arial" panose="020B0604020202020204" pitchFamily="34" charset="0"/>
+                  </a:rPr>
+                  <a:t>ADAM</a:t>
+                </a:r>
+                <a:r>
+                  <a:rPr lang="en-US" sz="2800" dirty="0">
+                    <a:latin typeface="Arial" panose="020B0604020202020204" pitchFamily="34" charset="0"/>
+                    <a:cs typeface="Arial" panose="020B0604020202020204" pitchFamily="34" charset="0"/>
+                  </a:rPr>
+                  <a:t> and </a:t>
+                </a:r>
+                <a:r>
+                  <a:rPr lang="en-US" sz="2800" b="1" dirty="0">
+                    <a:latin typeface="Arial" panose="020B0604020202020204" pitchFamily="34" charset="0"/>
+                    <a:cs typeface="Arial" panose="020B0604020202020204" pitchFamily="34" charset="0"/>
+                  </a:rPr>
+                  <a:t>Sign SGD</a:t>
+                </a:r>
+                <a:r>
+                  <a:rPr lang="en-US" sz="2800" dirty="0">
+                    <a:latin typeface="Arial" panose="020B0604020202020204" pitchFamily="34" charset="0"/>
+                    <a:cs typeface="Arial" panose="020B0604020202020204" pitchFamily="34" charset="0"/>
+                  </a:rPr>
+                  <a:t>, with the objective to compare the effectiveness and speed of these algorithms in this problem.</a:t>
+                </a:r>
+              </a:p>
+              <a:p>
+                <a:endParaRPr lang="en-US" sz="2800" dirty="0">
+                  <a:latin typeface="Arial" panose="020B0604020202020204" pitchFamily="34" charset="0"/>
+                  <a:cs typeface="Arial" panose="020B0604020202020204" pitchFamily="34" charset="0"/>
+                </a:endParaRPr>
+              </a:p>
+              <a:p>
+                <a:r>
+                  <a:rPr lang="en-US" sz="2800" dirty="0">
+                    <a:latin typeface="Arial" panose="020B0604020202020204" pitchFamily="34" charset="0"/>
+                    <a:cs typeface="Arial" panose="020B0604020202020204" pitchFamily="34" charset="0"/>
+                  </a:rPr>
+                  <a:t>First, we re-computed Stochastic Gradient Descent using step size </a:t>
+                </a:r>
+                <a14:m>
+                  <m:oMath xmlns:m="http://schemas.openxmlformats.org/officeDocument/2006/math">
+                    <m:r>
+                      <a:rPr lang="en-US" sz="2800" i="1" smtClean="0">
+                        <a:latin typeface="Cambria Math" panose="02040503050406030204" pitchFamily="18" charset="0"/>
+                        <a:ea typeface="Cambria Math" panose="02040503050406030204" pitchFamily="18" charset="0"/>
+                      </a:rPr>
+                      <m:t>𝛾</m:t>
+                    </m:r>
+                    <m:r>
+                      <a:rPr lang="it-IT" sz="2800" b="0" i="1" smtClean="0">
+                        <a:latin typeface="Cambria Math" panose="02040503050406030204" pitchFamily="18" charset="0"/>
+                        <a:ea typeface="Cambria Math" panose="02040503050406030204" pitchFamily="18" charset="0"/>
+                      </a:rPr>
+                      <m:t>= </m:t>
+                    </m:r>
+                    <m:f>
+                      <m:fPr>
+                        <m:ctrlPr>
+                          <a:rPr lang="it-IT" sz="2800" b="0" i="1" smtClean="0">
+                            <a:latin typeface="Cambria Math" panose="02040503050406030204" pitchFamily="18" charset="0"/>
+                            <a:ea typeface="Cambria Math" panose="02040503050406030204" pitchFamily="18" charset="0"/>
+                          </a:rPr>
+                        </m:ctrlPr>
+                      </m:fPr>
+                      <m:num>
+                        <m:r>
+                          <a:rPr lang="it-IT" sz="2800" b="0" i="1" smtClean="0">
+                            <a:latin typeface="Cambria Math" panose="02040503050406030204" pitchFamily="18" charset="0"/>
+                            <a:ea typeface="Cambria Math" panose="02040503050406030204" pitchFamily="18" charset="0"/>
+                          </a:rPr>
+                          <m:t>1</m:t>
+                        </m:r>
+                      </m:num>
+                      <m:den>
+                        <m:r>
+                          <a:rPr lang="it-IT" sz="2800" b="0" i="1" smtClean="0">
+                            <a:latin typeface="Cambria Math" panose="02040503050406030204" pitchFamily="18" charset="0"/>
+                            <a:ea typeface="Cambria Math" panose="02040503050406030204" pitchFamily="18" charset="0"/>
+                          </a:rPr>
+                          <m:t>𝐿</m:t>
+                        </m:r>
+                      </m:den>
+                    </m:f>
+                  </m:oMath>
+                </a14:m>
+                <a:r>
+                  <a:rPr lang="en-US" sz="2800" dirty="0">
+                    <a:latin typeface="Arial" panose="020B0604020202020204" pitchFamily="34" charset="0"/>
+                    <a:cs typeface="Arial" panose="020B0604020202020204" pitchFamily="34" charset="0"/>
+                  </a:rPr>
+                  <a:t> , this time extending the max number of iterations to 100 and utilizing a minibatch size of 32 (the same values we were going to use for the other methods)</a:t>
+                </a:r>
+              </a:p>
+              <a:p>
+                <a:endParaRPr lang="en-US" sz="2800" dirty="0"/>
+              </a:p>
+              <a:p>
+                <a:endParaRPr lang="en-US" sz="2800" dirty="0"/>
+              </a:p>
+            </p:txBody>
+          </p:sp>
+        </mc:Choice>
+        <mc:Fallback>
+          <p:sp>
+            <p:nvSpPr>
+              <p:cNvPr id="2" name="CasellaDiTesto 1">
+                <a:extLst>
+                  <a:ext uri="{FF2B5EF4-FFF2-40B4-BE49-F238E27FC236}">
+                    <a16:creationId xmlns:a16="http://schemas.microsoft.com/office/drawing/2014/main" id="{B9F3DAA7-E9DF-3F79-B384-A17F2F754D1F}"/>
+                  </a:ext>
+                </a:extLst>
+              </p:cNvPr>
+              <p:cNvSpPr txBox="1">
+                <a:spLocks noRot="1" noChangeAspect="1" noMove="1" noResize="1" noEditPoints="1" noAdjustHandles="1" noChangeArrowheads="1" noChangeShapeType="1" noTextEdit="1"/>
+              </p:cNvSpPr>
+              <p:nvPr/>
+            </p:nvSpPr>
+            <p:spPr>
+              <a:xfrm>
+                <a:off x="762000" y="1143000"/>
+                <a:ext cx="10668000" cy="5009577"/>
+              </a:xfrm>
+              <a:prstGeom prst="rect">
+                <a:avLst/>
+              </a:prstGeom>
+              <a:blipFill>
+                <a:blip r:embed="rId2"/>
+                <a:stretch>
+                  <a:fillRect l="-1143" t="-1340" r="-1314"/>
+                </a:stretch>
+              </a:blipFill>
+            </p:spPr>
+            <p:txBody>
+              <a:bodyPr/>
+              <a:lstStyle/>
+              <a:p>
+                <a:r>
+                  <a:rPr lang="it-IT">
+                    <a:noFill/>
+                  </a:rPr>
+                  <a:t> </a:t>
+                </a:r>
+              </a:p>
+            </p:txBody>
+          </p:sp>
+        </mc:Fallback>
+      </mc:AlternateContent>
+    </p:spTree>
+    <p:extLst>
+      <p:ext uri="{BB962C8B-B14F-4D97-AF65-F5344CB8AC3E}">
+        <p14:creationId xmlns:p14="http://schemas.microsoft.com/office/powerpoint/2010/main" val="3800581746"/>
+      </p:ext>
+    </p:extLst>
+  </p:cSld>
+  <p:clrMapOvr>
+    <a:masterClrMapping/>
+  </p:clrMapOvr>
+</p:sld>
+</file>
+
+<file path=ppt/slides/slide29.xml><?xml version="1.0" encoding="utf-8"?>
+<p:sld xmlns:a="http://schemas.openxmlformats.org/drawingml/2006/main" xmlns:r="http://schemas.openxmlformats.org/officeDocument/2006/relationships" xmlns:p="http://schemas.openxmlformats.org/presentationml/2006/main">
+  <p:cSld>
+    <p:spTree>
+      <p:nvGrpSpPr>
+        <p:cNvPr id="1" name="">
+          <a:extLst>
+            <a:ext uri="{FF2B5EF4-FFF2-40B4-BE49-F238E27FC236}">
+              <a16:creationId xmlns:a16="http://schemas.microsoft.com/office/drawing/2014/main" id="{39A90FAA-6C42-C212-7A2C-BFE29026A776}"/>
+            </a:ext>
+          </a:extLst>
+        </p:cNvPr>
+        <p:cNvGrpSpPr/>
+        <p:nvPr/>
+      </p:nvGrpSpPr>
+      <p:grpSpPr>
+        <a:xfrm>
+          <a:off x="0" y="0"/>
+          <a:ext cx="0" cy="0"/>
+          <a:chOff x="0" y="0"/>
+          <a:chExt cx="0" cy="0"/>
+        </a:xfrm>
+      </p:grpSpPr>
+      <p:sp>
+        <p:nvSpPr>
+          <p:cNvPr id="10" name="Titolo 9">
+            <a:extLst>
+              <a:ext uri="{FF2B5EF4-FFF2-40B4-BE49-F238E27FC236}">
+                <a16:creationId xmlns:a16="http://schemas.microsoft.com/office/drawing/2014/main" id="{DE75F0EE-65CC-CF95-4A8A-27CDC5EC36DA}"/>
+              </a:ext>
+            </a:extLst>
+          </p:cNvPr>
+          <p:cNvSpPr>
+            <a:spLocks noGrp="1"/>
+          </p:cNvSpPr>
+          <p:nvPr>
+            <p:ph type="title"/>
+          </p:nvPr>
+        </p:nvSpPr>
+        <p:spPr>
+          <a:xfrm>
+            <a:off x="762000" y="457200"/>
+            <a:ext cx="10668000" cy="538609"/>
+          </a:xfrm>
+        </p:spPr>
+        <p:txBody>
+          <a:bodyPr/>
+          <a:lstStyle/>
+          <a:p>
+            <a:r>
+              <a:rPr lang="en-US" dirty="0">
+                <a:latin typeface="Arial Black" panose="020B0A04020102020204" pitchFamily="34" charset="0"/>
+              </a:rPr>
+              <a:t>ADAGRAD</a:t>
+            </a:r>
+            <a:endParaRPr lang="en-GB" noProof="0" dirty="0">
+              <a:latin typeface="Arial Black" panose="020B0A04020102020204" pitchFamily="34" charset="0"/>
+            </a:endParaRPr>
+          </a:p>
+        </p:txBody>
+      </p:sp>
+      <mc:AlternateContent xmlns:mc="http://schemas.openxmlformats.org/markup-compatibility/2006">
+        <mc:Choice xmlns:a14="http://schemas.microsoft.com/office/drawing/2010/main" Requires="a14">
+          <p:sp>
+            <p:nvSpPr>
+              <p:cNvPr id="2" name="CasellaDiTesto 1">
+                <a:extLst>
+                  <a:ext uri="{FF2B5EF4-FFF2-40B4-BE49-F238E27FC236}">
+                    <a16:creationId xmlns:a16="http://schemas.microsoft.com/office/drawing/2014/main" id="{22F3EDD1-454B-AAE5-A9D0-37FD23CDB9E8}"/>
+                  </a:ext>
+                </a:extLst>
+              </p:cNvPr>
+              <p:cNvSpPr txBox="1"/>
+              <p:nvPr/>
+            </p:nvSpPr>
+            <p:spPr>
+              <a:xfrm>
+                <a:off x="762000" y="1143000"/>
+                <a:ext cx="10668000" cy="3539430"/>
+              </a:xfrm>
+              <a:prstGeom prst="rect">
+                <a:avLst/>
+              </a:prstGeom>
+              <a:noFill/>
+            </p:spPr>
+            <p:txBody>
+              <a:bodyPr wrap="square">
+                <a:spAutoFit/>
+              </a:bodyPr>
+              <a:lstStyle/>
+              <a:p>
+                <a:r>
+                  <a:rPr lang="en-US" sz="2800" dirty="0"/>
+                  <a:t>ADAGRAD adapts the learning rate for each parameter based on the accumulated squared gradients. Parameters with larger gradients in the past get smaller learning rates over time, while parameters with smaller gradients keep relatively higher learning rates.</a:t>
+                </a:r>
+              </a:p>
+              <a:p>
+                <a:r>
+                  <a:rPr lang="en-US" sz="2800" dirty="0"/>
+                  <a:t>Using </a:t>
+                </a:r>
+                <a14:m>
+                  <m:oMath xmlns:m="http://schemas.openxmlformats.org/officeDocument/2006/math">
+                    <m:r>
+                      <a:rPr lang="en-US" sz="2800" i="1" smtClean="0">
+                        <a:latin typeface="Cambria Math" panose="02040503050406030204" pitchFamily="18" charset="0"/>
+                        <a:ea typeface="Cambria Math" panose="02040503050406030204" pitchFamily="18" charset="0"/>
+                      </a:rPr>
+                      <m:t>𝛾</m:t>
+                    </m:r>
+                    <m:r>
+                      <a:rPr lang="it-IT" sz="2800" b="0" i="1" smtClean="0">
+                        <a:latin typeface="Cambria Math" panose="02040503050406030204" pitchFamily="18" charset="0"/>
+                        <a:ea typeface="Cambria Math" panose="02040503050406030204" pitchFamily="18" charset="0"/>
+                      </a:rPr>
+                      <m:t>=</m:t>
+                    </m:r>
+                    <m:r>
+                      <a:rPr lang="it-IT" sz="2800" b="0" i="1" smtClean="0">
+                        <a:latin typeface="Cambria Math" panose="02040503050406030204" pitchFamily="18" charset="0"/>
+                        <a:ea typeface="Cambria Math" panose="02040503050406030204" pitchFamily="18" charset="0"/>
+                      </a:rPr>
+                      <m:t>0.001</m:t>
+                    </m:r>
+                  </m:oMath>
+                </a14:m>
+                <a:r>
+                  <a:rPr lang="en-US" sz="2800" dirty="0"/>
+                  <a:t>, we obtained:</a:t>
+                </a:r>
+              </a:p>
+              <a:p>
+                <a:endParaRPr lang="en-US" sz="2800" dirty="0"/>
+              </a:p>
+              <a:p>
+                <a:endParaRPr lang="en-US" sz="2800" dirty="0"/>
+              </a:p>
+            </p:txBody>
+          </p:sp>
+        </mc:Choice>
+        <mc:Fallback>
+          <p:sp>
+            <p:nvSpPr>
+              <p:cNvPr id="2" name="CasellaDiTesto 1">
+                <a:extLst>
+                  <a:ext uri="{FF2B5EF4-FFF2-40B4-BE49-F238E27FC236}">
+                    <a16:creationId xmlns:a16="http://schemas.microsoft.com/office/drawing/2014/main" id="{22F3EDD1-454B-AAE5-A9D0-37FD23CDB9E8}"/>
+                  </a:ext>
+                </a:extLst>
+              </p:cNvPr>
+              <p:cNvSpPr txBox="1">
+                <a:spLocks noRot="1" noChangeAspect="1" noMove="1" noResize="1" noEditPoints="1" noAdjustHandles="1" noChangeArrowheads="1" noChangeShapeType="1" noTextEdit="1"/>
+              </p:cNvSpPr>
+              <p:nvPr/>
+            </p:nvSpPr>
+            <p:spPr>
+              <a:xfrm>
+                <a:off x="762000" y="1143000"/>
+                <a:ext cx="10668000" cy="3539430"/>
+              </a:xfrm>
+              <a:prstGeom prst="rect">
+                <a:avLst/>
+              </a:prstGeom>
+              <a:blipFill>
+                <a:blip r:embed="rId2"/>
+                <a:stretch>
+                  <a:fillRect l="-1143" t="-1897" r="-114"/>
+                </a:stretch>
+              </a:blipFill>
+            </p:spPr>
+            <p:txBody>
+              <a:bodyPr/>
+              <a:lstStyle/>
+              <a:p>
+                <a:r>
+                  <a:rPr lang="it-IT">
+                    <a:noFill/>
+                  </a:rPr>
+                  <a:t> </a:t>
+                </a:r>
+              </a:p>
+            </p:txBody>
+          </p:sp>
+        </mc:Fallback>
+      </mc:AlternateContent>
+      <p:pic>
+        <p:nvPicPr>
+          <p:cNvPr id="4" name="Immagine 3" descr="Immagine che contiene testo, Carattere, schermata, nero&#10;&#10;Il contenuto generato dall'IA potrebbe non essere corretto.">
+            <a:extLst>
+              <a:ext uri="{FF2B5EF4-FFF2-40B4-BE49-F238E27FC236}">
+                <a16:creationId xmlns:a16="http://schemas.microsoft.com/office/drawing/2014/main" id="{1D9DE5DF-8186-479F-30F8-2B91AE5C05EC}"/>
+              </a:ext>
+            </a:extLst>
+          </p:cNvPr>
+          <p:cNvPicPr>
+            <a:picLocks noChangeAspect="1"/>
+          </p:cNvPicPr>
+          <p:nvPr/>
+        </p:nvPicPr>
+        <p:blipFill>
+          <a:blip r:embed="rId3">
+            <a:extLst>
+              <a:ext uri="{28A0092B-C50C-407E-A947-70E740481C1C}">
+                <a14:useLocalDpi xmlns:a14="http://schemas.microsoft.com/office/drawing/2010/main" val="0"/>
+              </a:ext>
+            </a:extLst>
+          </a:blip>
+          <a:stretch>
+            <a:fillRect/>
+          </a:stretch>
+        </p:blipFill>
+        <p:spPr>
+          <a:xfrm>
+            <a:off x="787400" y="4343400"/>
+            <a:ext cx="8436310" cy="1219200"/>
+          </a:xfrm>
+          <a:prstGeom prst="rect">
+            <a:avLst/>
+          </a:prstGeom>
+        </p:spPr>
+      </p:pic>
+    </p:spTree>
+    <p:extLst>
+      <p:ext uri="{BB962C8B-B14F-4D97-AF65-F5344CB8AC3E}">
+        <p14:creationId xmlns:p14="http://schemas.microsoft.com/office/powerpoint/2010/main" val="368207245"/>
       </p:ext>
     </p:extLst>
   </p:cSld>
@@ -4967,20 +7185,11 @@
           <a:lstStyle/>
           <a:p>
             <a:r>
-              <a:rPr lang="it-IT" dirty="0">
+              <a:rPr lang="en-GB" noProof="0" dirty="0">
                 <a:latin typeface="Arial Black" panose="020B0A04020102020204" pitchFamily="34" charset="0"/>
               </a:rPr>
-              <a:t>Dataset </a:t>
-            </a:r>
-            <a:r>
-              <a:rPr lang="it-IT" dirty="0" err="1">
-                <a:latin typeface="Arial Black" panose="020B0A04020102020204" pitchFamily="34" charset="0"/>
-              </a:rPr>
-              <a:t>presentation</a:t>
-            </a:r>
-            <a:endParaRPr lang="it-IT" dirty="0">
-              <a:latin typeface="Arial Black" panose="020B0A04020102020204" pitchFamily="34" charset="0"/>
-            </a:endParaRPr>
+              <a:t>Dataset presentation</a:t>
+            </a:r>
           </a:p>
         </p:txBody>
       </p:sp>
@@ -5013,14 +7222,14 @@
           <a:lstStyle/>
           <a:p>
             <a:r>
-              <a:rPr lang="en-US" sz="2800" dirty="0">
+              <a:rPr lang="en-GB" sz="2800" noProof="0" dirty="0">
                 <a:latin typeface="Arial" panose="020B0604020202020204" pitchFamily="34" charset="0"/>
                 <a:cs typeface="Arial" panose="020B0604020202020204" pitchFamily="34" charset="0"/>
               </a:rPr>
               <a:t>The 7 </a:t>
             </a:r>
             <a:r>
-              <a:rPr lang="en-US" sz="2800" b="1" dirty="0">
+              <a:rPr lang="en-GB" sz="2800" b="1" noProof="0" dirty="0">
                 <a:solidFill>
                   <a:srgbClr val="FF0000"/>
                 </a:solidFill>
@@ -5030,13 +7239,13 @@
               <a:t>categorial</a:t>
             </a:r>
             <a:r>
-              <a:rPr lang="en-US" sz="2800" dirty="0">
+              <a:rPr lang="en-GB" sz="2800" noProof="0" dirty="0">
                 <a:latin typeface="Arial" panose="020B0604020202020204" pitchFamily="34" charset="0"/>
                 <a:cs typeface="Arial" panose="020B0604020202020204" pitchFamily="34" charset="0"/>
               </a:rPr>
               <a:t> are:</a:t>
             </a:r>
-            <a:endParaRPr lang="it-IT" sz="2800" b="1" dirty="0">
+            <a:endParaRPr lang="en-GB" sz="2800" b="1" noProof="0" dirty="0">
               <a:solidFill>
                 <a:srgbClr val="FF0000"/>
               </a:solidFill>
@@ -5079,7 +7288,7 @@
               <a:buChar char="•"/>
             </a:pPr>
             <a:r>
-              <a:rPr lang="it-IT" sz="2800" b="1" i="1" dirty="0" err="1">
+              <a:rPr lang="en-GB" sz="2800" b="1" i="1" noProof="0" dirty="0" err="1">
                 <a:solidFill>
                   <a:schemeClr val="tx1"/>
                 </a:solidFill>
@@ -5089,7 +7298,7 @@
               <a:t>Student_id</a:t>
             </a:r>
             <a:r>
-              <a:rPr lang="it-IT" sz="2800" i="1" dirty="0">
+              <a:rPr lang="en-GB" sz="2800" i="1" noProof="0" dirty="0">
                 <a:solidFill>
                   <a:schemeClr val="tx1"/>
                 </a:solidFill>
@@ -5099,7 +7308,7 @@
               <a:t>: </a:t>
             </a:r>
             <a:r>
-              <a:rPr lang="en-US" sz="2800" dirty="0">
+              <a:rPr lang="en-GB" sz="2800" noProof="0" dirty="0">
                 <a:latin typeface="Arial" panose="020B0604020202020204" pitchFamily="34" charset="0"/>
                 <a:cs typeface="Arial" panose="020B0604020202020204" pitchFamily="34" charset="0"/>
               </a:rPr>
@@ -5111,7 +7320,7 @@
               <a:buFont typeface="Arial" panose="020B0604020202020204" pitchFamily="34" charset="0"/>
               <a:buChar char="•"/>
             </a:pPr>
-            <a:endParaRPr lang="en-US" sz="2800" dirty="0">
+            <a:endParaRPr lang="en-GB" sz="2800" noProof="0" dirty="0">
               <a:latin typeface="Arial" panose="020B0604020202020204" pitchFamily="34" charset="0"/>
               <a:cs typeface="Arial" panose="020B0604020202020204" pitchFamily="34" charset="0"/>
             </a:endParaRPr>
@@ -5122,7 +7331,7 @@
               <a:buChar char="•"/>
             </a:pPr>
             <a:r>
-              <a:rPr lang="en-US" sz="2800" b="1" i="1" dirty="0">
+              <a:rPr lang="en-GB" sz="2800" b="1" i="1" noProof="0" dirty="0">
                 <a:solidFill>
                   <a:schemeClr val="tx1"/>
                 </a:solidFill>
@@ -5132,7 +7341,7 @@
               <a:t>Gender</a:t>
             </a:r>
             <a:r>
-              <a:rPr lang="en-US" sz="2800" i="1" dirty="0">
+              <a:rPr lang="en-GB" sz="2800" i="1" noProof="0" dirty="0">
                 <a:solidFill>
                   <a:schemeClr val="tx1"/>
                 </a:solidFill>
@@ -5142,35 +7351,35 @@
               <a:t>: </a:t>
             </a:r>
             <a:r>
-              <a:rPr lang="en-US" sz="2800" dirty="0">
+              <a:rPr lang="en-GB" sz="2800" noProof="0" dirty="0">
                 <a:latin typeface="Arial" panose="020B0604020202020204" pitchFamily="34" charset="0"/>
                 <a:cs typeface="Arial" panose="020B0604020202020204" pitchFamily="34" charset="0"/>
               </a:rPr>
               <a:t>Student's gender {</a:t>
             </a:r>
             <a:r>
-              <a:rPr lang="en-US" sz="2800" u="sng" dirty="0">
+              <a:rPr lang="en-GB" sz="2800" u="sng" noProof="0" dirty="0">
                 <a:latin typeface="Arial" panose="020B0604020202020204" pitchFamily="34" charset="0"/>
                 <a:cs typeface="Arial" panose="020B0604020202020204" pitchFamily="34" charset="0"/>
               </a:rPr>
               <a:t>Male</a:t>
             </a:r>
             <a:r>
-              <a:rPr lang="en-US" sz="2800" dirty="0">
+              <a:rPr lang="en-GB" sz="2800" noProof="0" dirty="0">
                 <a:latin typeface="Arial" panose="020B0604020202020204" pitchFamily="34" charset="0"/>
                 <a:cs typeface="Arial" panose="020B0604020202020204" pitchFamily="34" charset="0"/>
               </a:rPr>
               <a:t>, </a:t>
             </a:r>
             <a:r>
-              <a:rPr lang="en-US" sz="2800" u="sng" dirty="0">
+              <a:rPr lang="en-GB" sz="2800" u="sng" noProof="0" dirty="0">
                 <a:latin typeface="Arial" panose="020B0604020202020204" pitchFamily="34" charset="0"/>
                 <a:cs typeface="Arial" panose="020B0604020202020204" pitchFamily="34" charset="0"/>
               </a:rPr>
               <a:t>Female</a:t>
             </a:r>
             <a:r>
-              <a:rPr lang="en-US" sz="2800" dirty="0">
+              <a:rPr lang="en-GB" sz="2800" noProof="0" dirty="0">
                 <a:latin typeface="Arial" panose="020B0604020202020204" pitchFamily="34" charset="0"/>
                 <a:cs typeface="Arial" panose="020B0604020202020204" pitchFamily="34" charset="0"/>
               </a:rPr>
@@ -5182,7 +7391,7 @@
               <a:buFont typeface="Arial" panose="020B0604020202020204" pitchFamily="34" charset="0"/>
               <a:buChar char="•"/>
             </a:pPr>
-            <a:endParaRPr lang="en-US" sz="2800" dirty="0">
+            <a:endParaRPr lang="en-GB" sz="2800" noProof="0" dirty="0">
               <a:latin typeface="Arial" panose="020B0604020202020204" pitchFamily="34" charset="0"/>
               <a:cs typeface="Arial" panose="020B0604020202020204" pitchFamily="34" charset="0"/>
             </a:endParaRPr>
@@ -5193,7 +7402,7 @@
               <a:buChar char="•"/>
             </a:pPr>
             <a:r>
-              <a:rPr lang="it-IT" sz="2800" b="1" i="1" dirty="0">
+              <a:rPr lang="en-GB" sz="2800" b="1" i="1" noProof="0" dirty="0">
                 <a:solidFill>
                   <a:schemeClr val="tx1"/>
                 </a:solidFill>
@@ -5203,7 +7412,7 @@
               <a:t>Part time job</a:t>
             </a:r>
             <a:r>
-              <a:rPr lang="it-IT" sz="2800" i="1" dirty="0">
+              <a:rPr lang="en-GB" sz="2800" i="1" noProof="0" dirty="0">
                 <a:solidFill>
                   <a:schemeClr val="tx1"/>
                 </a:solidFill>
@@ -5213,23 +7422,23 @@
               <a:t>: </a:t>
             </a:r>
             <a:r>
-              <a:rPr lang="en-US" sz="2800" dirty="0"/>
+              <a:rPr lang="en-GB" sz="2800" noProof="0" dirty="0"/>
               <a:t>Indicates whether the student has a job alongside studies {</a:t>
             </a:r>
             <a:r>
-              <a:rPr lang="en-US" sz="2800" u="sng" dirty="0"/>
+              <a:rPr lang="en-GB" sz="2800" u="sng" noProof="0" dirty="0"/>
               <a:t>Yes</a:t>
             </a:r>
             <a:r>
-              <a:rPr lang="en-US" sz="2800" dirty="0"/>
+              <a:rPr lang="en-GB" sz="2800" noProof="0" dirty="0"/>
               <a:t>, </a:t>
             </a:r>
             <a:r>
-              <a:rPr lang="en-US" sz="2800" u="sng" dirty="0"/>
+              <a:rPr lang="en-GB" sz="2800" u="sng" noProof="0" dirty="0"/>
               <a:t>No</a:t>
             </a:r>
             <a:r>
-              <a:rPr lang="en-US" sz="2800" dirty="0"/>
+              <a:rPr lang="en-GB" sz="2800" noProof="0" dirty="0"/>
               <a:t>}.</a:t>
             </a:r>
           </a:p>
@@ -5238,7 +7447,7 @@
               <a:buFont typeface="Arial" panose="020B0604020202020204" pitchFamily="34" charset="0"/>
               <a:buChar char="•"/>
             </a:pPr>
-            <a:endParaRPr lang="en-US" sz="2800" dirty="0"/>
+            <a:endParaRPr lang="en-GB" sz="2800" noProof="0" dirty="0"/>
           </a:p>
           <a:p>
             <a:pPr marL="514350" indent="-514350">
@@ -5246,7 +7455,7 @@
               <a:buChar char="•"/>
             </a:pPr>
             <a:r>
-              <a:rPr lang="en-US" sz="2800" b="1" i="1" dirty="0">
+              <a:rPr lang="en-GB" sz="2800" b="1" i="1" noProof="0" dirty="0">
                 <a:solidFill>
                   <a:schemeClr val="tx1"/>
                 </a:solidFill>
@@ -5256,7 +7465,7 @@
               <a:t>Diet quality: </a:t>
             </a:r>
             <a:r>
-              <a:rPr lang="en-US" sz="2800" dirty="0">
+              <a:rPr lang="en-GB" sz="2800" noProof="0" dirty="0">
                 <a:solidFill>
                   <a:schemeClr val="tx1"/>
                 </a:solidFill>
@@ -5266,7 +7475,7 @@
               <a:t>observed dietary quality {</a:t>
             </a:r>
             <a:r>
-              <a:rPr lang="en-US" sz="2800" u="sng" dirty="0">
+              <a:rPr lang="en-GB" sz="2800" u="sng" noProof="0" dirty="0">
                 <a:solidFill>
                   <a:schemeClr val="tx1"/>
                 </a:solidFill>
@@ -5276,7 +7485,7 @@
               <a:t>Poor</a:t>
             </a:r>
             <a:r>
-              <a:rPr lang="en-US" sz="2800" dirty="0">
+              <a:rPr lang="en-GB" sz="2800" noProof="0" dirty="0">
                 <a:solidFill>
                   <a:schemeClr val="tx1"/>
                 </a:solidFill>
@@ -5286,7 +7495,7 @@
               <a:t>, </a:t>
             </a:r>
             <a:r>
-              <a:rPr lang="en-US" sz="2800" u="sng" dirty="0">
+              <a:rPr lang="en-GB" sz="2800" u="sng" noProof="0" dirty="0">
                 <a:solidFill>
                   <a:schemeClr val="tx1"/>
                 </a:solidFill>
@@ -5296,7 +7505,7 @@
               <a:t>Fair</a:t>
             </a:r>
             <a:r>
-              <a:rPr lang="en-US" sz="2800" dirty="0">
+              <a:rPr lang="en-GB" sz="2800" noProof="0" dirty="0">
                 <a:solidFill>
                   <a:schemeClr val="tx1"/>
                 </a:solidFill>
@@ -5306,7 +7515,7 @@
               <a:t>, </a:t>
             </a:r>
             <a:r>
-              <a:rPr lang="en-US" sz="2800" u="sng" dirty="0">
+              <a:rPr lang="en-GB" sz="2800" u="sng" noProof="0" dirty="0">
                 <a:solidFill>
                   <a:schemeClr val="tx1"/>
                 </a:solidFill>
@@ -5316,7 +7525,7 @@
               <a:t>Good</a:t>
             </a:r>
             <a:r>
-              <a:rPr lang="en-US" sz="2800" dirty="0">
+              <a:rPr lang="en-GB" sz="2800" noProof="0" dirty="0">
                 <a:solidFill>
                   <a:schemeClr val="tx1"/>
                 </a:solidFill>
@@ -5332,6 +7541,613 @@
     <p:extLst>
       <p:ext uri="{BB962C8B-B14F-4D97-AF65-F5344CB8AC3E}">
         <p14:creationId xmlns:p14="http://schemas.microsoft.com/office/powerpoint/2010/main" val="3236379767"/>
+      </p:ext>
+    </p:extLst>
+  </p:cSld>
+  <p:clrMapOvr>
+    <a:masterClrMapping/>
+  </p:clrMapOvr>
+</p:sld>
+</file>
+
+<file path=ppt/slides/slide30.xml><?xml version="1.0" encoding="utf-8"?>
+<p:sld xmlns:a="http://schemas.openxmlformats.org/drawingml/2006/main" xmlns:r="http://schemas.openxmlformats.org/officeDocument/2006/relationships" xmlns:p="http://schemas.openxmlformats.org/presentationml/2006/main">
+  <p:cSld>
+    <p:spTree>
+      <p:nvGrpSpPr>
+        <p:cNvPr id="1" name="">
+          <a:extLst>
+            <a:ext uri="{FF2B5EF4-FFF2-40B4-BE49-F238E27FC236}">
+              <a16:creationId xmlns:a16="http://schemas.microsoft.com/office/drawing/2014/main" id="{91EBAD49-9D59-4B65-01E5-E84475D7A510}"/>
+            </a:ext>
+          </a:extLst>
+        </p:cNvPr>
+        <p:cNvGrpSpPr/>
+        <p:nvPr/>
+      </p:nvGrpSpPr>
+      <p:grpSpPr>
+        <a:xfrm>
+          <a:off x="0" y="0"/>
+          <a:ext cx="0" cy="0"/>
+          <a:chOff x="0" y="0"/>
+          <a:chExt cx="0" cy="0"/>
+        </a:xfrm>
+      </p:grpSpPr>
+      <p:sp>
+        <p:nvSpPr>
+          <p:cNvPr id="10" name="Titolo 9">
+            <a:extLst>
+              <a:ext uri="{FF2B5EF4-FFF2-40B4-BE49-F238E27FC236}">
+                <a16:creationId xmlns:a16="http://schemas.microsoft.com/office/drawing/2014/main" id="{6EC64C4F-4F3C-DA03-17C9-9092C1DA23A2}"/>
+              </a:ext>
+            </a:extLst>
+          </p:cNvPr>
+          <p:cNvSpPr>
+            <a:spLocks noGrp="1"/>
+          </p:cNvSpPr>
+          <p:nvPr>
+            <p:ph type="title"/>
+          </p:nvPr>
+        </p:nvSpPr>
+        <p:spPr>
+          <a:xfrm>
+            <a:off x="762000" y="457200"/>
+            <a:ext cx="10668000" cy="538609"/>
+          </a:xfrm>
+        </p:spPr>
+        <p:txBody>
+          <a:bodyPr/>
+          <a:lstStyle/>
+          <a:p>
+            <a:r>
+              <a:rPr lang="en-US" dirty="0">
+                <a:latin typeface="Arial Black" panose="020B0A04020102020204" pitchFamily="34" charset="0"/>
+              </a:rPr>
+              <a:t>ADAM</a:t>
+            </a:r>
+            <a:endParaRPr lang="en-GB" noProof="0" dirty="0">
+              <a:latin typeface="Arial Black" panose="020B0A04020102020204" pitchFamily="34" charset="0"/>
+            </a:endParaRPr>
+          </a:p>
+        </p:txBody>
+      </p:sp>
+      <p:sp>
+        <p:nvSpPr>
+          <p:cNvPr id="2" name="CasellaDiTesto 1">
+            <a:extLst>
+              <a:ext uri="{FF2B5EF4-FFF2-40B4-BE49-F238E27FC236}">
+                <a16:creationId xmlns:a16="http://schemas.microsoft.com/office/drawing/2014/main" id="{8CFB12FC-C790-ED0D-35C9-A6F04845B5F6}"/>
+              </a:ext>
+            </a:extLst>
+          </p:cNvPr>
+          <p:cNvSpPr txBox="1"/>
+          <p:nvPr/>
+        </p:nvSpPr>
+        <p:spPr>
+          <a:xfrm>
+            <a:off x="762000" y="1143000"/>
+            <a:ext cx="10668000" cy="5262979"/>
+          </a:xfrm>
+          <a:prstGeom prst="rect">
+            <a:avLst/>
+          </a:prstGeom>
+          <a:noFill/>
+        </p:spPr>
+        <p:txBody>
+          <a:bodyPr wrap="square">
+            <a:spAutoFit/>
+          </a:bodyPr>
+          <a:lstStyle/>
+          <a:p>
+            <a:r>
+              <a:rPr lang="en-US" sz="2800" dirty="0"/>
+              <a:t>Adam is an adaptive optimization algorithm that maintains exponentially decaying averages of past gradients (first moment) and squared gradients (second moment), which are used to adapt the learning rate for each parameter individually.</a:t>
+            </a:r>
+            <a:br>
+              <a:rPr lang="en-US" sz="2800" dirty="0"/>
+            </a:br>
+            <a:r>
+              <a:rPr lang="en-US" sz="2800" dirty="0"/>
+              <a:t>Using parameters (as commonly used, for example by </a:t>
+            </a:r>
+            <a:r>
+              <a:rPr lang="en-US" sz="2800" dirty="0" err="1"/>
+              <a:t>Keras</a:t>
+            </a:r>
+            <a:r>
+              <a:rPr lang="en-US" sz="2800" dirty="0"/>
+              <a:t>)</a:t>
+            </a:r>
+          </a:p>
+          <a:p>
+            <a:r>
+              <a:rPr lang="en-US" sz="2800" dirty="0"/>
+              <a:t>β</a:t>
+            </a:r>
+            <a:r>
+              <a:rPr lang="en-US" sz="1600" dirty="0"/>
+              <a:t>1 </a:t>
+            </a:r>
+            <a:r>
+              <a:rPr lang="en-US" sz="2800" dirty="0"/>
+              <a:t>=</a:t>
+            </a:r>
+            <a:r>
+              <a:rPr lang="en-US" sz="1600" dirty="0"/>
+              <a:t> </a:t>
+            </a:r>
+            <a:r>
+              <a:rPr lang="it-IT" sz="1600" dirty="0"/>
+              <a:t> </a:t>
+            </a:r>
+            <a:r>
+              <a:rPr lang="it-IT" sz="2800" dirty="0"/>
+              <a:t>0.9	(</a:t>
+            </a:r>
+            <a:r>
+              <a:rPr lang="it-IT" sz="2800" dirty="0" err="1"/>
+              <a:t>hyperparameter</a:t>
+            </a:r>
+            <a:r>
+              <a:rPr lang="it-IT" sz="2800" dirty="0"/>
+              <a:t> </a:t>
+            </a:r>
+            <a:r>
+              <a:rPr lang="it-IT" sz="2800" dirty="0" err="1"/>
+              <a:t>used</a:t>
+            </a:r>
+            <a:r>
+              <a:rPr lang="it-IT" sz="2800" dirty="0"/>
+              <a:t> for first moment)</a:t>
+            </a:r>
+            <a:endParaRPr lang="en-US" sz="2800" dirty="0"/>
+          </a:p>
+          <a:p>
+            <a:r>
+              <a:rPr lang="el-GR" sz="2800" dirty="0"/>
+              <a:t>β</a:t>
+            </a:r>
+            <a:r>
+              <a:rPr lang="en-US" sz="1600" dirty="0"/>
+              <a:t>2 </a:t>
+            </a:r>
+            <a:r>
+              <a:rPr lang="en-US" sz="2800" dirty="0"/>
+              <a:t>=</a:t>
+            </a:r>
+            <a:r>
+              <a:rPr lang="en-US" sz="1600" dirty="0"/>
+              <a:t> </a:t>
+            </a:r>
+            <a:r>
+              <a:rPr lang="it-IT" sz="2800" dirty="0"/>
+              <a:t>0.999	(</a:t>
+            </a:r>
+            <a:r>
+              <a:rPr lang="it-IT" sz="2800" dirty="0" err="1"/>
+              <a:t>hyperparameter</a:t>
+            </a:r>
+            <a:r>
+              <a:rPr lang="it-IT" sz="2800" dirty="0"/>
+              <a:t> </a:t>
+            </a:r>
+            <a:r>
+              <a:rPr lang="it-IT" sz="2800" dirty="0" err="1"/>
+              <a:t>used</a:t>
+            </a:r>
+            <a:r>
+              <a:rPr lang="it-IT" sz="2800" dirty="0"/>
+              <a:t> for second moment)</a:t>
+            </a:r>
+            <a:endParaRPr lang="en-US" sz="2800" dirty="0"/>
+          </a:p>
+          <a:p>
+            <a:br>
+              <a:rPr lang="en-US" sz="2800" dirty="0"/>
+            </a:br>
+            <a:endParaRPr lang="en-US" sz="2800" dirty="0"/>
+          </a:p>
+          <a:p>
+            <a:endParaRPr lang="en-US" sz="2800" dirty="0"/>
+          </a:p>
+          <a:p>
+            <a:endParaRPr lang="en-US" sz="2800" dirty="0"/>
+          </a:p>
+          <a:p>
+            <a:endParaRPr lang="en-US" sz="2800" dirty="0"/>
+          </a:p>
+        </p:txBody>
+      </p:sp>
+      <p:pic>
+        <p:nvPicPr>
+          <p:cNvPr id="4" name="Immagine 3" descr="Immagine che contiene testo, Carattere, schermata, nero&#10;&#10;Il contenuto generato dall'IA potrebbe non essere corretto.">
+            <a:extLst>
+              <a:ext uri="{FF2B5EF4-FFF2-40B4-BE49-F238E27FC236}">
+                <a16:creationId xmlns:a16="http://schemas.microsoft.com/office/drawing/2014/main" id="{8786E521-F9C1-7470-4912-5B9530268FAB}"/>
+              </a:ext>
+            </a:extLst>
+          </p:cNvPr>
+          <p:cNvPicPr>
+            <a:picLocks noChangeAspect="1"/>
+          </p:cNvPicPr>
+          <p:nvPr/>
+        </p:nvPicPr>
+        <p:blipFill>
+          <a:blip r:embed="rId2">
+            <a:extLst>
+              <a:ext uri="{28A0092B-C50C-407E-A947-70E740481C1C}">
+                <a14:useLocalDpi xmlns:a14="http://schemas.microsoft.com/office/drawing/2010/main" val="0"/>
+              </a:ext>
+            </a:extLst>
+          </a:blip>
+          <a:stretch>
+            <a:fillRect/>
+          </a:stretch>
+        </p:blipFill>
+        <p:spPr>
+          <a:xfrm>
+            <a:off x="745067" y="4640148"/>
+            <a:ext cx="8779933" cy="1158773"/>
+          </a:xfrm>
+          <a:prstGeom prst="rect">
+            <a:avLst/>
+          </a:prstGeom>
+        </p:spPr>
+      </p:pic>
+    </p:spTree>
+    <p:extLst>
+      <p:ext uri="{BB962C8B-B14F-4D97-AF65-F5344CB8AC3E}">
+        <p14:creationId xmlns:p14="http://schemas.microsoft.com/office/powerpoint/2010/main" val="3772026732"/>
+      </p:ext>
+    </p:extLst>
+  </p:cSld>
+  <p:clrMapOvr>
+    <a:masterClrMapping/>
+  </p:clrMapOvr>
+</p:sld>
+</file>
+
+<file path=ppt/slides/slide31.xml><?xml version="1.0" encoding="utf-8"?>
+<p:sld xmlns:a="http://schemas.openxmlformats.org/drawingml/2006/main" xmlns:r="http://schemas.openxmlformats.org/officeDocument/2006/relationships" xmlns:p="http://schemas.openxmlformats.org/presentationml/2006/main">
+  <p:cSld>
+    <p:spTree>
+      <p:nvGrpSpPr>
+        <p:cNvPr id="1" name="">
+          <a:extLst>
+            <a:ext uri="{FF2B5EF4-FFF2-40B4-BE49-F238E27FC236}">
+              <a16:creationId xmlns:a16="http://schemas.microsoft.com/office/drawing/2014/main" id="{351E5B7B-9C9A-97FB-7D79-4BB55C81B98D}"/>
+            </a:ext>
+          </a:extLst>
+        </p:cNvPr>
+        <p:cNvGrpSpPr/>
+        <p:nvPr/>
+      </p:nvGrpSpPr>
+      <p:grpSpPr>
+        <a:xfrm>
+          <a:off x="0" y="0"/>
+          <a:ext cx="0" cy="0"/>
+          <a:chOff x="0" y="0"/>
+          <a:chExt cx="0" cy="0"/>
+        </a:xfrm>
+      </p:grpSpPr>
+      <p:sp>
+        <p:nvSpPr>
+          <p:cNvPr id="10" name="Titolo 9">
+            <a:extLst>
+              <a:ext uri="{FF2B5EF4-FFF2-40B4-BE49-F238E27FC236}">
+                <a16:creationId xmlns:a16="http://schemas.microsoft.com/office/drawing/2014/main" id="{C6AF178D-89A9-E17A-0974-7905DBF4B43E}"/>
+              </a:ext>
+            </a:extLst>
+          </p:cNvPr>
+          <p:cNvSpPr>
+            <a:spLocks noGrp="1"/>
+          </p:cNvSpPr>
+          <p:nvPr>
+            <p:ph type="title"/>
+          </p:nvPr>
+        </p:nvSpPr>
+        <p:spPr>
+          <a:xfrm>
+            <a:off x="762000" y="457200"/>
+            <a:ext cx="10668000" cy="538609"/>
+          </a:xfrm>
+        </p:spPr>
+        <p:txBody>
+          <a:bodyPr/>
+          <a:lstStyle/>
+          <a:p>
+            <a:r>
+              <a:rPr lang="en-US" dirty="0">
+                <a:latin typeface="Arial Black" panose="020B0A04020102020204" pitchFamily="34" charset="0"/>
+              </a:rPr>
+              <a:t>Sign SGD</a:t>
+            </a:r>
+            <a:endParaRPr lang="en-GB" noProof="0" dirty="0">
+              <a:latin typeface="Arial Black" panose="020B0A04020102020204" pitchFamily="34" charset="0"/>
+            </a:endParaRPr>
+          </a:p>
+        </p:txBody>
+      </p:sp>
+      <p:sp>
+        <p:nvSpPr>
+          <p:cNvPr id="2" name="CasellaDiTesto 1">
+            <a:extLst>
+              <a:ext uri="{FF2B5EF4-FFF2-40B4-BE49-F238E27FC236}">
+                <a16:creationId xmlns:a16="http://schemas.microsoft.com/office/drawing/2014/main" id="{13656213-CA07-0A75-34E1-68D071EFBB22}"/>
+              </a:ext>
+            </a:extLst>
+          </p:cNvPr>
+          <p:cNvSpPr txBox="1"/>
+          <p:nvPr/>
+        </p:nvSpPr>
+        <p:spPr>
+          <a:xfrm>
+            <a:off x="762000" y="1143000"/>
+            <a:ext cx="10668000" cy="3539430"/>
+          </a:xfrm>
+          <a:prstGeom prst="rect">
+            <a:avLst/>
+          </a:prstGeom>
+          <a:noFill/>
+        </p:spPr>
+        <p:txBody>
+          <a:bodyPr wrap="square">
+            <a:spAutoFit/>
+          </a:bodyPr>
+          <a:lstStyle/>
+          <a:p>
+            <a:r>
+              <a:rPr lang="en-US" sz="2800" dirty="0"/>
+              <a:t>Sign SGD operates in a much more similar way to basic SGD but uses the sign of the gradient for each parameter as step direction instead of its value.</a:t>
+            </a:r>
+          </a:p>
+          <a:p>
+            <a:endParaRPr lang="en-US" sz="2800" dirty="0"/>
+          </a:p>
+          <a:p>
+            <a:r>
+              <a:rPr lang="en-US" sz="2800" dirty="0"/>
+              <a:t>As for ADAGRAD and ADAM we used step size 0.001.</a:t>
+            </a:r>
+          </a:p>
+          <a:p>
+            <a:endParaRPr lang="en-US" sz="2800" dirty="0"/>
+          </a:p>
+          <a:p>
+            <a:pPr marL="457200" indent="-457200">
+              <a:buFont typeface="Arial" panose="020B0604020202020204" pitchFamily="34" charset="0"/>
+              <a:buChar char="•"/>
+            </a:pPr>
+            <a:endParaRPr lang="en-US" sz="2800" dirty="0"/>
+          </a:p>
+          <a:p>
+            <a:endParaRPr lang="en-US" sz="2800" dirty="0"/>
+          </a:p>
+        </p:txBody>
+      </p:sp>
+      <p:pic>
+        <p:nvPicPr>
+          <p:cNvPr id="4" name="Immagine 3" descr="Immagine che contiene testo, Carattere, schermata, bianco e nero&#10;&#10;Il contenuto generato dall'IA potrebbe non essere corretto.">
+            <a:extLst>
+              <a:ext uri="{FF2B5EF4-FFF2-40B4-BE49-F238E27FC236}">
+                <a16:creationId xmlns:a16="http://schemas.microsoft.com/office/drawing/2014/main" id="{F3F6A7D5-AF3B-2B64-B29D-9EC807CBA7F6}"/>
+              </a:ext>
+            </a:extLst>
+          </p:cNvPr>
+          <p:cNvPicPr>
+            <a:picLocks noChangeAspect="1"/>
+          </p:cNvPicPr>
+          <p:nvPr/>
+        </p:nvPicPr>
+        <p:blipFill>
+          <a:blip r:embed="rId2">
+            <a:extLst>
+              <a:ext uri="{28A0092B-C50C-407E-A947-70E740481C1C}">
+                <a14:useLocalDpi xmlns:a14="http://schemas.microsoft.com/office/drawing/2010/main" val="0"/>
+              </a:ext>
+            </a:extLst>
+          </a:blip>
+          <a:stretch>
+            <a:fillRect/>
+          </a:stretch>
+        </p:blipFill>
+        <p:spPr>
+          <a:xfrm>
+            <a:off x="762000" y="4648200"/>
+            <a:ext cx="8267697" cy="1066800"/>
+          </a:xfrm>
+          <a:prstGeom prst="rect">
+            <a:avLst/>
+          </a:prstGeom>
+        </p:spPr>
+      </p:pic>
+    </p:spTree>
+    <p:extLst>
+      <p:ext uri="{BB962C8B-B14F-4D97-AF65-F5344CB8AC3E}">
+        <p14:creationId xmlns:p14="http://schemas.microsoft.com/office/powerpoint/2010/main" val="4271704887"/>
+      </p:ext>
+    </p:extLst>
+  </p:cSld>
+  <p:clrMapOvr>
+    <a:masterClrMapping/>
+  </p:clrMapOvr>
+</p:sld>
+</file>
+
+<file path=ppt/slides/slide32.xml><?xml version="1.0" encoding="utf-8"?>
+<p:sld xmlns:a="http://schemas.openxmlformats.org/drawingml/2006/main" xmlns:r="http://schemas.openxmlformats.org/officeDocument/2006/relationships" xmlns:p="http://schemas.openxmlformats.org/presentationml/2006/main">
+  <p:cSld>
+    <p:spTree>
+      <p:nvGrpSpPr>
+        <p:cNvPr id="1" name="">
+          <a:extLst>
+            <a:ext uri="{FF2B5EF4-FFF2-40B4-BE49-F238E27FC236}">
+              <a16:creationId xmlns:a16="http://schemas.microsoft.com/office/drawing/2014/main" id="{7D4B58FB-6B1B-5A9D-09B7-45AA2F4FAD7E}"/>
+            </a:ext>
+          </a:extLst>
+        </p:cNvPr>
+        <p:cNvGrpSpPr/>
+        <p:nvPr/>
+      </p:nvGrpSpPr>
+      <p:grpSpPr>
+        <a:xfrm>
+          <a:off x="0" y="0"/>
+          <a:ext cx="0" cy="0"/>
+          <a:chOff x="0" y="0"/>
+          <a:chExt cx="0" cy="0"/>
+        </a:xfrm>
+      </p:grpSpPr>
+      <p:sp>
+        <p:nvSpPr>
+          <p:cNvPr id="10" name="Titolo 9">
+            <a:extLst>
+              <a:ext uri="{FF2B5EF4-FFF2-40B4-BE49-F238E27FC236}">
+                <a16:creationId xmlns:a16="http://schemas.microsoft.com/office/drawing/2014/main" id="{48BE955F-A6EF-78CD-8BE5-DA20284E14A9}"/>
+              </a:ext>
+            </a:extLst>
+          </p:cNvPr>
+          <p:cNvSpPr>
+            <a:spLocks noGrp="1"/>
+          </p:cNvSpPr>
+          <p:nvPr>
+            <p:ph type="title"/>
+          </p:nvPr>
+        </p:nvSpPr>
+        <p:spPr>
+          <a:xfrm>
+            <a:off x="762000" y="457200"/>
+            <a:ext cx="10668000" cy="538609"/>
+          </a:xfrm>
+        </p:spPr>
+        <p:txBody>
+          <a:bodyPr/>
+          <a:lstStyle/>
+          <a:p>
+            <a:r>
+              <a:rPr lang="en-GB" noProof="0" dirty="0">
+                <a:latin typeface="Arial Black" panose="020B0A04020102020204" pitchFamily="34" charset="0"/>
+              </a:rPr>
+              <a:t>Comparing all Stochastic methods</a:t>
+            </a:r>
+          </a:p>
+        </p:txBody>
+      </p:sp>
+      <p:sp>
+        <p:nvSpPr>
+          <p:cNvPr id="8" name="CasellaDiTesto 7">
+            <a:extLst>
+              <a:ext uri="{FF2B5EF4-FFF2-40B4-BE49-F238E27FC236}">
+                <a16:creationId xmlns:a16="http://schemas.microsoft.com/office/drawing/2014/main" id="{C0439029-5579-F0BA-22D8-9A8DC810A82F}"/>
+              </a:ext>
+            </a:extLst>
+          </p:cNvPr>
+          <p:cNvSpPr txBox="1"/>
+          <p:nvPr/>
+        </p:nvSpPr>
+        <p:spPr>
+          <a:xfrm>
+            <a:off x="6477000" y="1143000"/>
+            <a:ext cx="4648200" cy="4524315"/>
+          </a:xfrm>
+          <a:prstGeom prst="rect">
+            <a:avLst/>
+          </a:prstGeom>
+          <a:noFill/>
+        </p:spPr>
+        <p:txBody>
+          <a:bodyPr wrap="square">
+            <a:spAutoFit/>
+          </a:bodyPr>
+          <a:lstStyle/>
+          <a:p>
+            <a:pPr marL="457200" indent="-457200">
+              <a:buFont typeface="Arial" panose="020B0604020202020204" pitchFamily="34" charset="0"/>
+              <a:buChar char="•"/>
+            </a:pPr>
+            <a:r>
+              <a:rPr lang="en-US" sz="1600" dirty="0"/>
+              <a:t>ADAM is the fastest method out of the four, as it adapts the learning rate of each parameter using momentum, resulting in "smarter" adjustments;</a:t>
+            </a:r>
+          </a:p>
+          <a:p>
+            <a:endParaRPr lang="en-US" sz="1600" dirty="0"/>
+          </a:p>
+          <a:p>
+            <a:pPr marL="457200" indent="-457200">
+              <a:buFont typeface="Arial" panose="020B0604020202020204" pitchFamily="34" charset="0"/>
+              <a:buChar char="•"/>
+            </a:pPr>
+            <a:r>
+              <a:rPr lang="en-US" sz="1600" dirty="0"/>
+              <a:t>Sign SGD is the second fastest, as it applies simple constant updates always in the same direction;</a:t>
+            </a:r>
+          </a:p>
+          <a:p>
+            <a:pPr marL="457200" indent="-457200">
+              <a:buFont typeface="Arial" panose="020B0604020202020204" pitchFamily="34" charset="0"/>
+              <a:buChar char="•"/>
+            </a:pPr>
+            <a:endParaRPr lang="en-US" sz="1600" dirty="0"/>
+          </a:p>
+          <a:p>
+            <a:pPr marL="457200" indent="-457200">
+              <a:buFont typeface="Arial" panose="020B0604020202020204" pitchFamily="34" charset="0"/>
+              <a:buChar char="•"/>
+            </a:pPr>
+            <a:r>
+              <a:rPr lang="en-US" sz="1600" dirty="0"/>
+              <a:t>Minibatch Gradient Descent is relatively slower, as calculating the gradient stochastically may result in less decisive steps, requiring more iterations;</a:t>
+            </a:r>
+          </a:p>
+          <a:p>
+            <a:endParaRPr lang="en-US" sz="1600" dirty="0"/>
+          </a:p>
+          <a:p>
+            <a:pPr marL="457200" indent="-457200">
+              <a:buFont typeface="Arial" panose="020B0604020202020204" pitchFamily="34" charset="0"/>
+              <a:buChar char="•"/>
+            </a:pPr>
+            <a:r>
+              <a:rPr lang="en-US" sz="1600" dirty="0"/>
+              <a:t>ADAGRAD is the slowest, as the step size is inversely proportional to the gradient values, resulting in small updates that get smaller and smaller.</a:t>
+            </a:r>
+          </a:p>
+        </p:txBody>
+      </p:sp>
+      <p:pic>
+        <p:nvPicPr>
+          <p:cNvPr id="3" name="Immagine 2">
+            <a:extLst>
+              <a:ext uri="{FF2B5EF4-FFF2-40B4-BE49-F238E27FC236}">
+                <a16:creationId xmlns:a16="http://schemas.microsoft.com/office/drawing/2014/main" id="{078F5DD4-8380-99AB-B37B-C395E2CCD4DD}"/>
+              </a:ext>
+            </a:extLst>
+          </p:cNvPr>
+          <p:cNvPicPr>
+            <a:picLocks noChangeAspect="1"/>
+          </p:cNvPicPr>
+          <p:nvPr/>
+        </p:nvPicPr>
+        <p:blipFill>
+          <a:blip r:embed="rId2"/>
+          <a:stretch>
+            <a:fillRect/>
+          </a:stretch>
+        </p:blipFill>
+        <p:spPr>
+          <a:xfrm>
+            <a:off x="762000" y="1143000"/>
+            <a:ext cx="5029201" cy="4789379"/>
+          </a:xfrm>
+          <a:prstGeom prst="rect">
+            <a:avLst/>
+          </a:prstGeom>
+        </p:spPr>
+      </p:pic>
+    </p:spTree>
+    <p:extLst>
+      <p:ext uri="{BB962C8B-B14F-4D97-AF65-F5344CB8AC3E}">
+        <p14:creationId xmlns:p14="http://schemas.microsoft.com/office/powerpoint/2010/main" val="3912129253"/>
       </p:ext>
     </p:extLst>
   </p:cSld>
@@ -5391,20 +8207,11 @@
           <a:lstStyle/>
           <a:p>
             <a:r>
-              <a:rPr lang="it-IT" dirty="0">
+              <a:rPr lang="en-GB" noProof="0" dirty="0">
                 <a:latin typeface="Arial Black" panose="020B0A04020102020204" pitchFamily="34" charset="0"/>
               </a:rPr>
-              <a:t>Dataset </a:t>
-            </a:r>
-            <a:r>
-              <a:rPr lang="it-IT" dirty="0" err="1">
-                <a:latin typeface="Arial Black" panose="020B0A04020102020204" pitchFamily="34" charset="0"/>
-              </a:rPr>
-              <a:t>presentation</a:t>
-            </a:r>
-            <a:endParaRPr lang="it-IT" dirty="0">
-              <a:latin typeface="Arial Black" panose="020B0A04020102020204" pitchFamily="34" charset="0"/>
-            </a:endParaRPr>
+              <a:t>Dataset presentation</a:t>
+            </a:r>
           </a:p>
         </p:txBody>
       </p:sp>
@@ -5437,14 +8244,14 @@
           <a:lstStyle/>
           <a:p>
             <a:r>
-              <a:rPr lang="en-US" sz="2800" dirty="0">
+              <a:rPr lang="en-GB" sz="2800" noProof="0" dirty="0">
                 <a:latin typeface="Arial" panose="020B0604020202020204" pitchFamily="34" charset="0"/>
                 <a:cs typeface="Arial" panose="020B0604020202020204" pitchFamily="34" charset="0"/>
               </a:rPr>
               <a:t>The 7 </a:t>
             </a:r>
             <a:r>
-              <a:rPr lang="en-US" sz="2800" b="1" dirty="0">
+              <a:rPr lang="en-GB" sz="2800" b="1" noProof="0" dirty="0">
                 <a:solidFill>
                   <a:srgbClr val="FF0000"/>
                 </a:solidFill>
@@ -5454,13 +8261,13 @@
               <a:t>categorial</a:t>
             </a:r>
             <a:r>
-              <a:rPr lang="en-US" sz="2800" dirty="0">
+              <a:rPr lang="en-GB" sz="2800" noProof="0" dirty="0">
                 <a:latin typeface="Arial" panose="020B0604020202020204" pitchFamily="34" charset="0"/>
                 <a:cs typeface="Arial" panose="020B0604020202020204" pitchFamily="34" charset="0"/>
               </a:rPr>
               <a:t> are:</a:t>
             </a:r>
-            <a:endParaRPr lang="it-IT" sz="2800" b="1" dirty="0">
+            <a:endParaRPr lang="en-GB" sz="2800" b="1" noProof="0" dirty="0">
               <a:solidFill>
                 <a:srgbClr val="FF0000"/>
               </a:solidFill>
@@ -5503,7 +8310,7 @@
               <a:buChar char="•"/>
             </a:pPr>
             <a:r>
-              <a:rPr lang="en-US" sz="2800" b="1" i="1" dirty="0">
+              <a:rPr lang="en-GB" sz="2800" b="1" i="1" noProof="0" dirty="0">
                 <a:solidFill>
                   <a:schemeClr val="tx1"/>
                 </a:solidFill>
@@ -5513,63 +8320,63 @@
               <a:t>Parental education level: </a:t>
             </a:r>
             <a:r>
-              <a:rPr lang="en-US" sz="2800" dirty="0">
+              <a:rPr lang="en-GB" sz="2800" noProof="0" dirty="0">
                 <a:latin typeface="Arial" panose="020B0604020202020204" pitchFamily="34" charset="0"/>
                 <a:cs typeface="Arial" panose="020B0604020202020204" pitchFamily="34" charset="0"/>
               </a:rPr>
               <a:t>Highest level of education attained by the student’s parents {</a:t>
             </a:r>
             <a:r>
-              <a:rPr lang="en-US" sz="2800" u="sng" dirty="0">
+              <a:rPr lang="en-GB" sz="2800" u="sng" noProof="0" dirty="0">
                 <a:latin typeface="Arial" panose="020B0604020202020204" pitchFamily="34" charset="0"/>
                 <a:cs typeface="Arial" panose="020B0604020202020204" pitchFamily="34" charset="0"/>
               </a:rPr>
               <a:t>High School</a:t>
             </a:r>
             <a:r>
-              <a:rPr lang="en-US" sz="2800" dirty="0">
+              <a:rPr lang="en-GB" sz="2800" noProof="0" dirty="0">
                 <a:latin typeface="Arial" panose="020B0604020202020204" pitchFamily="34" charset="0"/>
                 <a:cs typeface="Arial" panose="020B0604020202020204" pitchFamily="34" charset="0"/>
               </a:rPr>
               <a:t>, </a:t>
             </a:r>
             <a:r>
-              <a:rPr lang="en-US" sz="2800" u="sng" dirty="0">
+              <a:rPr lang="en-GB" sz="2800" u="sng" noProof="0" dirty="0">
                 <a:latin typeface="Arial" panose="020B0604020202020204" pitchFamily="34" charset="0"/>
                 <a:cs typeface="Arial" panose="020B0604020202020204" pitchFamily="34" charset="0"/>
               </a:rPr>
               <a:t>Bachelor</a:t>
             </a:r>
             <a:r>
-              <a:rPr lang="en-US" sz="2800" dirty="0">
+              <a:rPr lang="en-GB" sz="2800" noProof="0" dirty="0">
                 <a:latin typeface="Arial" panose="020B0604020202020204" pitchFamily="34" charset="0"/>
                 <a:cs typeface="Arial" panose="020B0604020202020204" pitchFamily="34" charset="0"/>
               </a:rPr>
               <a:t>, </a:t>
             </a:r>
             <a:r>
-              <a:rPr lang="en-US" sz="2800" u="sng" dirty="0">
+              <a:rPr lang="en-GB" sz="2800" u="sng" noProof="0" dirty="0">
                 <a:latin typeface="Arial" panose="020B0604020202020204" pitchFamily="34" charset="0"/>
                 <a:cs typeface="Arial" panose="020B0604020202020204" pitchFamily="34" charset="0"/>
               </a:rPr>
               <a:t>Master</a:t>
             </a:r>
             <a:r>
-              <a:rPr lang="en-US" sz="2800" dirty="0">
+              <a:rPr lang="en-GB" sz="2800" noProof="0" dirty="0">
                 <a:latin typeface="Arial" panose="020B0604020202020204" pitchFamily="34" charset="0"/>
                 <a:cs typeface="Arial" panose="020B0604020202020204" pitchFamily="34" charset="0"/>
               </a:rPr>
               <a:t>, </a:t>
             </a:r>
             <a:r>
-              <a:rPr lang="en-US" sz="2800" u="sng" dirty="0">
+              <a:rPr lang="en-GB" sz="2800" u="sng" noProof="0" dirty="0">
                 <a:latin typeface="Arial" panose="020B0604020202020204" pitchFamily="34" charset="0"/>
                 <a:cs typeface="Arial" panose="020B0604020202020204" pitchFamily="34" charset="0"/>
               </a:rPr>
               <a:t>PhD</a:t>
             </a:r>
             <a:r>
-              <a:rPr lang="en-US" sz="2800" dirty="0">
+              <a:rPr lang="en-GB" sz="2800" noProof="0" dirty="0">
                 <a:latin typeface="Arial" panose="020B0604020202020204" pitchFamily="34" charset="0"/>
                 <a:cs typeface="Arial" panose="020B0604020202020204" pitchFamily="34" charset="0"/>
               </a:rPr>
@@ -5581,7 +8388,7 @@
               <a:buFont typeface="Arial" panose="020B0604020202020204" pitchFamily="34" charset="0"/>
               <a:buChar char="•"/>
             </a:pPr>
-            <a:endParaRPr lang="en-US" sz="2800" dirty="0">
+            <a:endParaRPr lang="en-GB" sz="2800" noProof="0" dirty="0">
               <a:latin typeface="Arial" panose="020B0604020202020204" pitchFamily="34" charset="0"/>
               <a:cs typeface="Arial" panose="020B0604020202020204" pitchFamily="34" charset="0"/>
             </a:endParaRPr>
@@ -5592,7 +8399,7 @@
               <a:buChar char="•"/>
             </a:pPr>
             <a:r>
-              <a:rPr lang="en-US" sz="2800" b="1" i="1" dirty="0">
+              <a:rPr lang="en-GB" sz="2800" b="1" i="1" noProof="0" dirty="0">
                 <a:solidFill>
                   <a:schemeClr val="tx1"/>
                 </a:solidFill>
@@ -5602,49 +8409,49 @@
               <a:t>Internet quality: </a:t>
             </a:r>
             <a:r>
-              <a:rPr lang="en-US" sz="2800" dirty="0">
+              <a:rPr lang="en-GB" sz="2800" noProof="0" dirty="0">
                 <a:latin typeface="Arial" panose="020B0604020202020204" pitchFamily="34" charset="0"/>
                 <a:cs typeface="Arial" panose="020B0604020202020204" pitchFamily="34" charset="0"/>
               </a:rPr>
               <a:t>Perceived internet connection quality at home {</a:t>
             </a:r>
             <a:r>
-              <a:rPr lang="en-US" sz="2800" u="sng" dirty="0">
+              <a:rPr lang="en-GB" sz="2800" u="sng" noProof="0" dirty="0">
                 <a:latin typeface="Arial" panose="020B0604020202020204" pitchFamily="34" charset="0"/>
                 <a:cs typeface="Arial" panose="020B0604020202020204" pitchFamily="34" charset="0"/>
               </a:rPr>
               <a:t>Poor</a:t>
             </a:r>
             <a:r>
-              <a:rPr lang="en-US" sz="2800" dirty="0">
+              <a:rPr lang="en-GB" sz="2800" noProof="0" dirty="0">
                 <a:latin typeface="Arial" panose="020B0604020202020204" pitchFamily="34" charset="0"/>
                 <a:cs typeface="Arial" panose="020B0604020202020204" pitchFamily="34" charset="0"/>
               </a:rPr>
               <a:t>, </a:t>
             </a:r>
             <a:r>
-              <a:rPr lang="en-US" sz="2800" u="sng" dirty="0">
+              <a:rPr lang="en-GB" sz="2800" u="sng" noProof="0" dirty="0">
                 <a:latin typeface="Arial" panose="020B0604020202020204" pitchFamily="34" charset="0"/>
                 <a:cs typeface="Arial" panose="020B0604020202020204" pitchFamily="34" charset="0"/>
               </a:rPr>
               <a:t>Average</a:t>
             </a:r>
             <a:r>
-              <a:rPr lang="en-US" sz="2800" dirty="0">
+              <a:rPr lang="en-GB" sz="2800" noProof="0" dirty="0">
                 <a:latin typeface="Arial" panose="020B0604020202020204" pitchFamily="34" charset="0"/>
                 <a:cs typeface="Arial" panose="020B0604020202020204" pitchFamily="34" charset="0"/>
               </a:rPr>
               <a:t>, </a:t>
             </a:r>
             <a:r>
-              <a:rPr lang="en-US" sz="2800" u="sng" dirty="0">
+              <a:rPr lang="en-GB" sz="2800" u="sng" noProof="0" dirty="0">
                 <a:latin typeface="Arial" panose="020B0604020202020204" pitchFamily="34" charset="0"/>
                 <a:cs typeface="Arial" panose="020B0604020202020204" pitchFamily="34" charset="0"/>
               </a:rPr>
               <a:t>Good</a:t>
             </a:r>
             <a:r>
-              <a:rPr lang="en-US" sz="2800" dirty="0">
+              <a:rPr lang="en-GB" sz="2800" noProof="0" dirty="0">
                 <a:latin typeface="Arial" panose="020B0604020202020204" pitchFamily="34" charset="0"/>
                 <a:cs typeface="Arial" panose="020B0604020202020204" pitchFamily="34" charset="0"/>
               </a:rPr>
@@ -5656,7 +8463,7 @@
               <a:buFont typeface="Arial" panose="020B0604020202020204" pitchFamily="34" charset="0"/>
               <a:buChar char="•"/>
             </a:pPr>
-            <a:endParaRPr lang="en-US" sz="2800" dirty="0">
+            <a:endParaRPr lang="en-GB" sz="2800" noProof="0" dirty="0">
               <a:latin typeface="Arial" panose="020B0604020202020204" pitchFamily="34" charset="0"/>
               <a:cs typeface="Arial" panose="020B0604020202020204" pitchFamily="34" charset="0"/>
             </a:endParaRPr>
@@ -5667,7 +8474,7 @@
               <a:buChar char="•"/>
             </a:pPr>
             <a:r>
-              <a:rPr lang="en-US" sz="2800" b="1" i="1" dirty="0">
+              <a:rPr lang="en-GB" sz="2800" b="1" i="1" noProof="0" dirty="0">
                 <a:solidFill>
                   <a:schemeClr val="tx1"/>
                 </a:solidFill>
@@ -5677,7 +8484,7 @@
               <a:t>Extracurricular participation:</a:t>
             </a:r>
             <a:r>
-              <a:rPr lang="en-US" sz="2800" i="1" dirty="0">
+              <a:rPr lang="en-GB" sz="2800" i="1" noProof="0" dirty="0">
                 <a:solidFill>
                   <a:schemeClr val="tx1"/>
                 </a:solidFill>
@@ -5687,7 +8494,7 @@
               <a:t> </a:t>
             </a:r>
             <a:r>
-              <a:rPr lang="en-US" sz="2800" dirty="0">
+              <a:rPr lang="en-GB" sz="2800" noProof="0" dirty="0">
                 <a:solidFill>
                   <a:schemeClr val="tx1"/>
                 </a:solidFill>
@@ -5697,7 +8504,7 @@
               <a:t>Whether the student participates in extracurricular activities {</a:t>
             </a:r>
             <a:r>
-              <a:rPr lang="en-US" sz="2800" u="sng" dirty="0">
+              <a:rPr lang="en-GB" sz="2800" u="sng" noProof="0" dirty="0">
                 <a:solidFill>
                   <a:schemeClr val="tx1"/>
                 </a:solidFill>
@@ -5707,7 +8514,7 @@
               <a:t>Yes</a:t>
             </a:r>
             <a:r>
-              <a:rPr lang="en-US" sz="2800" dirty="0">
+              <a:rPr lang="en-GB" sz="2800" noProof="0" dirty="0">
                 <a:solidFill>
                   <a:schemeClr val="tx1"/>
                 </a:solidFill>
@@ -5717,7 +8524,7 @@
               <a:t>, </a:t>
             </a:r>
             <a:r>
-              <a:rPr lang="en-US" sz="2800" u="sng" dirty="0">
+              <a:rPr lang="en-GB" sz="2800" u="sng" noProof="0" dirty="0">
                 <a:solidFill>
                   <a:schemeClr val="tx1"/>
                 </a:solidFill>
@@ -5727,7 +8534,7 @@
               <a:t>No</a:t>
             </a:r>
             <a:r>
-              <a:rPr lang="en-US" sz="2800" dirty="0">
+              <a:rPr lang="en-GB" sz="2800" noProof="0" dirty="0">
                 <a:solidFill>
                   <a:schemeClr val="tx1"/>
                 </a:solidFill>
@@ -5736,13 +8543,6 @@
               </a:rPr>
               <a:t>}.</a:t>
             </a:r>
-            <a:endParaRPr lang="it-IT" sz="2800" dirty="0">
-              <a:solidFill>
-                <a:schemeClr val="tx1"/>
-              </a:solidFill>
-              <a:latin typeface="Arial" panose="020B0604020202020204" pitchFamily="34" charset="0"/>
-              <a:cs typeface="Arial" panose="020B0604020202020204" pitchFamily="34" charset="0"/>
-            </a:endParaRPr>
           </a:p>
         </p:txBody>
       </p:sp>
@@ -5809,20 +8609,11 @@
           <a:lstStyle/>
           <a:p>
             <a:r>
-              <a:rPr lang="it-IT" dirty="0">
+              <a:rPr lang="en-GB" noProof="0" dirty="0">
                 <a:latin typeface="Arial Black" panose="020B0A04020102020204" pitchFamily="34" charset="0"/>
               </a:rPr>
-              <a:t>Dataset </a:t>
-            </a:r>
-            <a:r>
-              <a:rPr lang="it-IT" dirty="0" err="1">
-                <a:latin typeface="Arial Black" panose="020B0A04020102020204" pitchFamily="34" charset="0"/>
-              </a:rPr>
-              <a:t>presentation</a:t>
-            </a:r>
-            <a:endParaRPr lang="it-IT" dirty="0">
-              <a:latin typeface="Arial Black" panose="020B0A04020102020204" pitchFamily="34" charset="0"/>
-            </a:endParaRPr>
+              <a:t>Dataset presentation</a:t>
+            </a:r>
           </a:p>
         </p:txBody>
       </p:sp>
@@ -5855,14 +8646,14 @@
           <a:lstStyle/>
           <a:p>
             <a:r>
-              <a:rPr lang="en-US" sz="2800" dirty="0">
+              <a:rPr lang="en-GB" sz="2800" noProof="0" dirty="0">
                 <a:latin typeface="Arial" panose="020B0604020202020204" pitchFamily="34" charset="0"/>
                 <a:cs typeface="Arial" panose="020B0604020202020204" pitchFamily="34" charset="0"/>
               </a:rPr>
               <a:t>The 9 </a:t>
             </a:r>
             <a:r>
-              <a:rPr lang="en-US" sz="2800" b="1" dirty="0">
+              <a:rPr lang="en-GB" sz="2800" b="1" noProof="0" dirty="0">
                 <a:solidFill>
                   <a:srgbClr val="FF0000"/>
                 </a:solidFill>
@@ -5872,13 +8663,13 @@
               <a:t>numerical</a:t>
             </a:r>
             <a:r>
-              <a:rPr lang="en-US" sz="2800" dirty="0">
+              <a:rPr lang="en-GB" sz="2800" noProof="0" dirty="0">
                 <a:latin typeface="Arial" panose="020B0604020202020204" pitchFamily="34" charset="0"/>
                 <a:cs typeface="Arial" panose="020B0604020202020204" pitchFamily="34" charset="0"/>
               </a:rPr>
               <a:t> are:</a:t>
             </a:r>
-            <a:endParaRPr lang="it-IT" sz="2800" b="1" dirty="0">
+            <a:endParaRPr lang="en-GB" sz="2800" b="1" noProof="0" dirty="0">
               <a:solidFill>
                 <a:srgbClr val="FF0000"/>
               </a:solidFill>
@@ -5921,7 +8712,7 @@
               <a:buChar char="•"/>
             </a:pPr>
             <a:r>
-              <a:rPr lang="en-US" sz="2800" b="1" i="1" dirty="0">
+              <a:rPr lang="en-GB" sz="2800" b="1" i="1" noProof="0" dirty="0">
                 <a:solidFill>
                   <a:schemeClr val="tx1"/>
                 </a:solidFill>
@@ -5931,14 +8722,14 @@
               <a:t>Age </a:t>
             </a:r>
             <a:r>
-              <a:rPr lang="en-US" sz="2800" b="1" i="1" dirty="0">
+              <a:rPr lang="en-GB" sz="2800" b="1" i="1" noProof="0" dirty="0">
                 <a:latin typeface="Arial" panose="020B0604020202020204" pitchFamily="34" charset="0"/>
                 <a:cs typeface="Arial" panose="020B0604020202020204" pitchFamily="34" charset="0"/>
               </a:rPr>
               <a:t>[years]</a:t>
             </a:r>
             <a:r>
-              <a:rPr lang="en-US" sz="2800" b="1" i="1" dirty="0">
+              <a:rPr lang="en-GB" sz="2800" b="1" i="1" noProof="0" dirty="0">
                 <a:solidFill>
                   <a:schemeClr val="tx1"/>
                 </a:solidFill>
@@ -5948,7 +8739,7 @@
               <a:t>: </a:t>
             </a:r>
             <a:r>
-              <a:rPr lang="en-US" sz="2800" dirty="0">
+              <a:rPr lang="en-GB" sz="2800" noProof="0" dirty="0">
                 <a:latin typeface="Arial" panose="020B0604020202020204" pitchFamily="34" charset="0"/>
                 <a:cs typeface="Arial" panose="020B0604020202020204" pitchFamily="34" charset="0"/>
               </a:rPr>
@@ -5960,7 +8751,7 @@
               <a:buFont typeface="Arial" panose="020B0604020202020204" pitchFamily="34" charset="0"/>
               <a:buChar char="•"/>
             </a:pPr>
-            <a:endParaRPr lang="en-US" sz="2800" dirty="0">
+            <a:endParaRPr lang="en-GB" sz="2800" noProof="0" dirty="0">
               <a:latin typeface="Arial" panose="020B0604020202020204" pitchFamily="34" charset="0"/>
               <a:cs typeface="Arial" panose="020B0604020202020204" pitchFamily="34" charset="0"/>
             </a:endParaRPr>
@@ -5971,7 +8762,7 @@
               <a:buChar char="•"/>
             </a:pPr>
             <a:r>
-              <a:rPr lang="en-US" sz="2800" b="1" i="1" dirty="0">
+              <a:rPr lang="en-GB" sz="2800" b="1" i="1" noProof="0" dirty="0">
                 <a:solidFill>
                   <a:schemeClr val="tx1"/>
                 </a:solidFill>
@@ -5981,7 +8772,7 @@
               <a:t>Study hours per day: </a:t>
             </a:r>
             <a:r>
-              <a:rPr lang="en-US" sz="2800" dirty="0">
+              <a:rPr lang="en-GB" sz="2800" noProof="0" dirty="0">
                 <a:latin typeface="Arial" panose="020B0604020202020204" pitchFamily="34" charset="0"/>
                 <a:cs typeface="Arial" panose="020B0604020202020204" pitchFamily="34" charset="0"/>
               </a:rPr>
@@ -5989,7 +8780,7 @@
             </a:r>
           </a:p>
           <a:p>
-            <a:endParaRPr lang="en-US" sz="2800" dirty="0">
+            <a:endParaRPr lang="en-GB" sz="2800" noProof="0" dirty="0">
               <a:latin typeface="Arial" panose="020B0604020202020204" pitchFamily="34" charset="0"/>
               <a:cs typeface="Arial" panose="020B0604020202020204" pitchFamily="34" charset="0"/>
             </a:endParaRPr>
@@ -6000,7 +8791,7 @@
               <a:buChar char="•"/>
             </a:pPr>
             <a:r>
-              <a:rPr lang="en-US" sz="2800" b="1" i="1" dirty="0">
+              <a:rPr lang="en-GB" sz="2800" b="1" i="1" noProof="0" dirty="0">
                 <a:solidFill>
                   <a:schemeClr val="tx1"/>
                 </a:solidFill>
@@ -6010,7 +8801,7 @@
               <a:t>Social media hours:</a:t>
             </a:r>
             <a:r>
-              <a:rPr lang="en-US" sz="2800" i="1" dirty="0">
+              <a:rPr lang="en-GB" sz="2800" i="1" noProof="0" dirty="0">
                 <a:solidFill>
                   <a:schemeClr val="tx1"/>
                 </a:solidFill>
@@ -6020,10 +8811,10 @@
               <a:t> </a:t>
             </a:r>
             <a:r>
-              <a:rPr lang="en-US" sz="2800" dirty="0"/>
+              <a:rPr lang="en-GB" sz="2800" noProof="0" dirty="0"/>
               <a:t>Daily time spent on social media platforms.</a:t>
             </a:r>
-            <a:endParaRPr lang="it-IT" sz="2800" dirty="0">
+            <a:endParaRPr lang="en-GB" sz="2800" noProof="0" dirty="0">
               <a:solidFill>
                 <a:schemeClr val="tx1"/>
               </a:solidFill>
@@ -6096,20 +8887,11 @@
           <a:lstStyle/>
           <a:p>
             <a:r>
-              <a:rPr lang="it-IT" dirty="0">
+              <a:rPr lang="en-GB" noProof="0" dirty="0">
                 <a:latin typeface="Arial Black" panose="020B0A04020102020204" pitchFamily="34" charset="0"/>
               </a:rPr>
-              <a:t>Dataset </a:t>
-            </a:r>
-            <a:r>
-              <a:rPr lang="it-IT" dirty="0" err="1">
-                <a:latin typeface="Arial Black" panose="020B0A04020102020204" pitchFamily="34" charset="0"/>
-              </a:rPr>
-              <a:t>presentation</a:t>
-            </a:r>
-            <a:endParaRPr lang="it-IT" dirty="0">
-              <a:latin typeface="Arial Black" panose="020B0A04020102020204" pitchFamily="34" charset="0"/>
-            </a:endParaRPr>
+              <a:t>Dataset presentation</a:t>
+            </a:r>
           </a:p>
         </p:txBody>
       </p:sp>
@@ -6142,14 +8924,14 @@
           <a:lstStyle/>
           <a:p>
             <a:r>
-              <a:rPr lang="en-US" sz="2800" dirty="0">
+              <a:rPr lang="en-GB" sz="2800" noProof="0" dirty="0">
                 <a:latin typeface="Arial" panose="020B0604020202020204" pitchFamily="34" charset="0"/>
                 <a:cs typeface="Arial" panose="020B0604020202020204" pitchFamily="34" charset="0"/>
               </a:rPr>
               <a:t>The 9 </a:t>
             </a:r>
             <a:r>
-              <a:rPr lang="en-US" sz="2800" b="1" dirty="0">
+              <a:rPr lang="en-GB" sz="2800" b="1" noProof="0" dirty="0">
                 <a:solidFill>
                   <a:srgbClr val="FF0000"/>
                 </a:solidFill>
@@ -6159,13 +8941,13 @@
               <a:t>numerical</a:t>
             </a:r>
             <a:r>
-              <a:rPr lang="en-US" sz="2800" dirty="0">
+              <a:rPr lang="en-GB" sz="2800" noProof="0" dirty="0">
                 <a:latin typeface="Arial" panose="020B0604020202020204" pitchFamily="34" charset="0"/>
                 <a:cs typeface="Arial" panose="020B0604020202020204" pitchFamily="34" charset="0"/>
               </a:rPr>
               <a:t> are:</a:t>
             </a:r>
-            <a:endParaRPr lang="it-IT" sz="2800" b="1" dirty="0">
+            <a:endParaRPr lang="en-GB" sz="2800" b="1" noProof="0" dirty="0">
               <a:solidFill>
                 <a:srgbClr val="FF0000"/>
               </a:solidFill>
@@ -6208,7 +8990,7 @@
               <a:buChar char="•"/>
             </a:pPr>
             <a:r>
-              <a:rPr lang="en-US" sz="2800" b="1" i="1" dirty="0">
+              <a:rPr lang="en-GB" sz="2800" b="1" i="1" noProof="0" dirty="0">
                 <a:solidFill>
                   <a:schemeClr val="tx1"/>
                 </a:solidFill>
@@ -6218,10 +9000,10 @@
               <a:t>Netflix hours: </a:t>
             </a:r>
             <a:r>
-              <a:rPr lang="en-US" sz="2800" dirty="0"/>
+              <a:rPr lang="en-GB" sz="2800" noProof="0" dirty="0"/>
               <a:t>Daily time spent watching Netflix or similar platforms.</a:t>
             </a:r>
-            <a:endParaRPr lang="en-US" sz="2800" dirty="0">
+            <a:endParaRPr lang="en-GB" sz="2800" noProof="0" dirty="0">
               <a:latin typeface="Arial" panose="020B0604020202020204" pitchFamily="34" charset="0"/>
               <a:cs typeface="Arial" panose="020B0604020202020204" pitchFamily="34" charset="0"/>
             </a:endParaRPr>
@@ -6231,7 +9013,7 @@
               <a:buFont typeface="Arial" panose="020B0604020202020204" pitchFamily="34" charset="0"/>
               <a:buChar char="•"/>
             </a:pPr>
-            <a:endParaRPr lang="en-US" sz="2800" dirty="0">
+            <a:endParaRPr lang="en-GB" sz="2800" noProof="0" dirty="0">
               <a:latin typeface="Arial" panose="020B0604020202020204" pitchFamily="34" charset="0"/>
               <a:cs typeface="Arial" panose="020B0604020202020204" pitchFamily="34" charset="0"/>
             </a:endParaRPr>
@@ -6242,7 +9024,7 @@
               <a:buChar char="•"/>
             </a:pPr>
             <a:r>
-              <a:rPr lang="en-US" sz="2800" b="1" i="1" dirty="0">
+              <a:rPr lang="en-GB" sz="2800" b="1" i="1" noProof="0" dirty="0">
                 <a:solidFill>
                   <a:schemeClr val="tx1"/>
                 </a:solidFill>
@@ -6252,7 +9034,7 @@
               <a:t>Attendance percentage: </a:t>
             </a:r>
             <a:r>
-              <a:rPr lang="en-US" sz="2800" dirty="0">
+              <a:rPr lang="en-GB" sz="2800" noProof="0" dirty="0">
                 <a:latin typeface="Arial" panose="020B0604020202020204" pitchFamily="34" charset="0"/>
                 <a:cs typeface="Arial" panose="020B0604020202020204" pitchFamily="34" charset="0"/>
               </a:rPr>
@@ -6264,7 +9046,7 @@
               <a:buFont typeface="Arial" panose="020B0604020202020204" pitchFamily="34" charset="0"/>
               <a:buChar char="•"/>
             </a:pPr>
-            <a:endParaRPr lang="en-US" sz="2800" dirty="0">
+            <a:endParaRPr lang="en-GB" sz="2800" noProof="0" dirty="0">
               <a:latin typeface="Arial" panose="020B0604020202020204" pitchFamily="34" charset="0"/>
               <a:cs typeface="Arial" panose="020B0604020202020204" pitchFamily="34" charset="0"/>
             </a:endParaRPr>
@@ -6275,7 +9057,7 @@
               <a:buChar char="•"/>
             </a:pPr>
             <a:r>
-              <a:rPr lang="en-US" sz="2800" b="1" i="1" dirty="0">
+              <a:rPr lang="en-GB" sz="2800" b="1" i="1" noProof="0" dirty="0">
                 <a:solidFill>
                   <a:schemeClr val="tx1"/>
                 </a:solidFill>
@@ -6285,7 +9067,7 @@
               <a:t>sleep hours:</a:t>
             </a:r>
             <a:r>
-              <a:rPr lang="en-US" sz="2800" i="1" dirty="0">
+              <a:rPr lang="en-GB" sz="2800" i="1" noProof="0" dirty="0">
                 <a:solidFill>
                   <a:schemeClr val="tx1"/>
                 </a:solidFill>
@@ -6295,10 +9077,10 @@
               <a:t> </a:t>
             </a:r>
             <a:r>
-              <a:rPr lang="en-US" sz="2800" dirty="0"/>
+              <a:rPr lang="en-GB" sz="2800" noProof="0" dirty="0"/>
               <a:t>Average number of hours of sleep per night.</a:t>
             </a:r>
-            <a:endParaRPr lang="it-IT" sz="2800" dirty="0">
+            <a:endParaRPr lang="en-GB" sz="2800" noProof="0" dirty="0">
               <a:solidFill>
                 <a:schemeClr val="tx1"/>
               </a:solidFill>
@@ -6371,20 +9153,11 @@
           <a:lstStyle/>
           <a:p>
             <a:r>
-              <a:rPr lang="it-IT" dirty="0">
+              <a:rPr lang="en-GB" noProof="0" dirty="0">
                 <a:latin typeface="Arial Black" panose="020B0A04020102020204" pitchFamily="34" charset="0"/>
               </a:rPr>
-              <a:t>Dataset </a:t>
-            </a:r>
-            <a:r>
-              <a:rPr lang="it-IT" dirty="0" err="1">
-                <a:latin typeface="Arial Black" panose="020B0A04020102020204" pitchFamily="34" charset="0"/>
-              </a:rPr>
-              <a:t>presentation</a:t>
-            </a:r>
-            <a:endParaRPr lang="it-IT" dirty="0">
-              <a:latin typeface="Arial Black" panose="020B0A04020102020204" pitchFamily="34" charset="0"/>
-            </a:endParaRPr>
+              <a:t>Dataset presentation</a:t>
+            </a:r>
           </a:p>
         </p:txBody>
       </p:sp>
@@ -6417,14 +9190,14 @@
           <a:lstStyle/>
           <a:p>
             <a:r>
-              <a:rPr lang="en-US" sz="2800" dirty="0">
+              <a:rPr lang="en-GB" sz="2800" noProof="0" dirty="0">
                 <a:latin typeface="Arial" panose="020B0604020202020204" pitchFamily="34" charset="0"/>
                 <a:cs typeface="Arial" panose="020B0604020202020204" pitchFamily="34" charset="0"/>
               </a:rPr>
               <a:t>The 9 </a:t>
             </a:r>
             <a:r>
-              <a:rPr lang="en-US" sz="2800" b="1" dirty="0">
+              <a:rPr lang="en-GB" sz="2800" b="1" noProof="0" dirty="0">
                 <a:solidFill>
                   <a:srgbClr val="FF0000"/>
                 </a:solidFill>
@@ -6434,13 +9207,13 @@
               <a:t>numerical</a:t>
             </a:r>
             <a:r>
-              <a:rPr lang="en-US" sz="2800" dirty="0">
+              <a:rPr lang="en-GB" sz="2800" noProof="0" dirty="0">
                 <a:latin typeface="Arial" panose="020B0604020202020204" pitchFamily="34" charset="0"/>
                 <a:cs typeface="Arial" panose="020B0604020202020204" pitchFamily="34" charset="0"/>
               </a:rPr>
               <a:t> are:</a:t>
             </a:r>
-            <a:endParaRPr lang="it-IT" sz="2800" b="1" dirty="0">
+            <a:endParaRPr lang="en-GB" sz="2800" b="1" noProof="0" dirty="0">
               <a:solidFill>
                 <a:srgbClr val="FF0000"/>
               </a:solidFill>
@@ -6483,7 +9256,7 @@
               <a:buChar char="•"/>
             </a:pPr>
             <a:r>
-              <a:rPr lang="en-US" sz="2800" b="1" i="1" dirty="0">
+              <a:rPr lang="en-GB" sz="2800" b="1" i="1" noProof="0" dirty="0">
                 <a:solidFill>
                   <a:schemeClr val="tx1"/>
                 </a:solidFill>
@@ -6493,10 +9266,10 @@
               <a:t>exercise frequency [times/week]: </a:t>
             </a:r>
             <a:r>
-              <a:rPr lang="en-US" sz="2800" dirty="0"/>
+              <a:rPr lang="en-GB" sz="2800" noProof="0" dirty="0"/>
               <a:t>Number of times per week the student engages in physical activity.</a:t>
             </a:r>
-            <a:endParaRPr lang="en-US" sz="2800" dirty="0">
+            <a:endParaRPr lang="en-GB" sz="2800" noProof="0" dirty="0">
               <a:latin typeface="Arial" panose="020B0604020202020204" pitchFamily="34" charset="0"/>
               <a:cs typeface="Arial" panose="020B0604020202020204" pitchFamily="34" charset="0"/>
             </a:endParaRPr>
@@ -6506,7 +9279,7 @@
               <a:buFont typeface="Arial" panose="020B0604020202020204" pitchFamily="34" charset="0"/>
               <a:buChar char="•"/>
             </a:pPr>
-            <a:endParaRPr lang="en-US" sz="2800" dirty="0">
+            <a:endParaRPr lang="en-GB" sz="2800" noProof="0" dirty="0">
               <a:latin typeface="Arial" panose="020B0604020202020204" pitchFamily="34" charset="0"/>
               <a:cs typeface="Arial" panose="020B0604020202020204" pitchFamily="34" charset="0"/>
             </a:endParaRPr>
@@ -6517,7 +9290,7 @@
               <a:buChar char="•"/>
             </a:pPr>
             <a:r>
-              <a:rPr lang="en-US" sz="2800" b="1" i="1" dirty="0">
+              <a:rPr lang="en-GB" sz="2800" b="1" i="1" noProof="0" dirty="0">
                 <a:solidFill>
                   <a:schemeClr val="tx1"/>
                 </a:solidFill>
@@ -6527,7 +9300,7 @@
               <a:t>mental health rating [scale 1–10]: </a:t>
             </a:r>
             <a:r>
-              <a:rPr lang="en-US" sz="2800" dirty="0">
+              <a:rPr lang="en-GB" sz="2800" noProof="0" dirty="0">
                 <a:latin typeface="Arial" panose="020B0604020202020204" pitchFamily="34" charset="0"/>
                 <a:cs typeface="Arial" panose="020B0604020202020204" pitchFamily="34" charset="0"/>
               </a:rPr>
@@ -6539,7 +9312,7 @@
               <a:buFont typeface="Arial" panose="020B0604020202020204" pitchFamily="34" charset="0"/>
               <a:buChar char="•"/>
             </a:pPr>
-            <a:endParaRPr lang="en-US" sz="2800" dirty="0">
+            <a:endParaRPr lang="en-GB" sz="2800" noProof="0" dirty="0">
               <a:latin typeface="Arial" panose="020B0604020202020204" pitchFamily="34" charset="0"/>
               <a:cs typeface="Arial" panose="020B0604020202020204" pitchFamily="34" charset="0"/>
             </a:endParaRPr>
@@ -6550,7 +9323,7 @@
               <a:buChar char="•"/>
             </a:pPr>
             <a:r>
-              <a:rPr lang="en-US" sz="2800" b="1" i="1" dirty="0">
+              <a:rPr lang="en-GB" sz="2800" b="1" i="1" noProof="0" dirty="0">
                 <a:solidFill>
                   <a:srgbClr val="0070C0"/>
                 </a:solidFill>
@@ -6560,7 +9333,7 @@
               <a:t>exam score [scale 1–10]:</a:t>
             </a:r>
             <a:r>
-              <a:rPr lang="en-US" sz="2800" i="1" dirty="0">
+              <a:rPr lang="en-GB" sz="2800" i="1" noProof="0" dirty="0">
                 <a:solidFill>
                   <a:schemeClr val="tx1"/>
                 </a:solidFill>
@@ -6570,10 +9343,10 @@
               <a:t> N</a:t>
             </a:r>
             <a:r>
-              <a:rPr lang="en-US" sz="2800" dirty="0"/>
+              <a:rPr lang="en-GB" sz="2800" noProof="0" dirty="0"/>
               <a:t>umerical score obtained in a key exam.</a:t>
             </a:r>
-            <a:endParaRPr lang="it-IT" sz="2800" dirty="0">
+            <a:endParaRPr lang="en-GB" sz="2800" noProof="0" dirty="0">
               <a:solidFill>
                 <a:schemeClr val="tx1"/>
               </a:solidFill>
@@ -6646,20 +9419,11 @@
           <a:lstStyle/>
           <a:p>
             <a:r>
-              <a:rPr lang="it-IT" dirty="0">
+              <a:rPr lang="en-GB" noProof="0" dirty="0">
                 <a:latin typeface="Arial Black" panose="020B0A04020102020204" pitchFamily="34" charset="0"/>
               </a:rPr>
-              <a:t>Dataset </a:t>
-            </a:r>
-            <a:r>
-              <a:rPr lang="it-IT" dirty="0" err="1">
-                <a:latin typeface="Arial Black" panose="020B0A04020102020204" pitchFamily="34" charset="0"/>
-              </a:rPr>
-              <a:t>presentation</a:t>
-            </a:r>
-            <a:endParaRPr lang="it-IT" dirty="0">
-              <a:latin typeface="Arial Black" panose="020B0A04020102020204" pitchFamily="34" charset="0"/>
-            </a:endParaRPr>
+              <a:t>Dataset presentation</a:t>
+            </a:r>
           </a:p>
         </p:txBody>
       </p:sp>
@@ -6692,14 +9456,14 @@
           <a:lstStyle/>
           <a:p>
             <a:r>
-              <a:rPr lang="en-US" sz="2800" dirty="0">
+              <a:rPr lang="en-GB" sz="2800" noProof="0" dirty="0">
                 <a:latin typeface="Arial" panose="020B0604020202020204" pitchFamily="34" charset="0"/>
                 <a:cs typeface="Arial" panose="020B0604020202020204" pitchFamily="34" charset="0"/>
               </a:rPr>
               <a:t>The 9 </a:t>
             </a:r>
             <a:r>
-              <a:rPr lang="en-US" sz="2800" b="1" dirty="0">
+              <a:rPr lang="en-GB" sz="2800" b="1" noProof="0" dirty="0">
                 <a:solidFill>
                   <a:srgbClr val="FF0000"/>
                 </a:solidFill>
@@ -6709,13 +9473,13 @@
               <a:t>numerical</a:t>
             </a:r>
             <a:r>
-              <a:rPr lang="en-US" sz="2800" dirty="0">
+              <a:rPr lang="en-GB" sz="2800" noProof="0" dirty="0">
                 <a:latin typeface="Arial" panose="020B0604020202020204" pitchFamily="34" charset="0"/>
                 <a:cs typeface="Arial" panose="020B0604020202020204" pitchFamily="34" charset="0"/>
               </a:rPr>
               <a:t> are:</a:t>
             </a:r>
-            <a:endParaRPr lang="it-IT" sz="2800" b="1" dirty="0">
+            <a:endParaRPr lang="en-GB" sz="2800" b="1" noProof="0" dirty="0">
               <a:solidFill>
                 <a:srgbClr val="FF0000"/>
               </a:solidFill>
@@ -6758,7 +9522,7 @@
               <a:buChar char="•"/>
             </a:pPr>
             <a:r>
-              <a:rPr lang="en-US" sz="2800" b="1" i="1" dirty="0">
+              <a:rPr lang="en-GB" sz="2800" b="1" i="1" noProof="0" dirty="0">
                 <a:solidFill>
                   <a:schemeClr val="tx1"/>
                 </a:solidFill>
@@ -6768,10 +9532,10 @@
               <a:t>exercise frequency [times/week]: </a:t>
             </a:r>
             <a:r>
-              <a:rPr lang="en-US" sz="2800" dirty="0"/>
+              <a:rPr lang="en-GB" sz="2800" noProof="0" dirty="0"/>
               <a:t>Number of times per week the student engages in physical activity.</a:t>
             </a:r>
-            <a:endParaRPr lang="en-US" sz="2800" dirty="0">
+            <a:endParaRPr lang="en-GB" sz="2800" noProof="0" dirty="0">
               <a:latin typeface="Arial" panose="020B0604020202020204" pitchFamily="34" charset="0"/>
               <a:cs typeface="Arial" panose="020B0604020202020204" pitchFamily="34" charset="0"/>
             </a:endParaRPr>
@@ -6781,7 +9545,7 @@
               <a:buFont typeface="Arial" panose="020B0604020202020204" pitchFamily="34" charset="0"/>
               <a:buChar char="•"/>
             </a:pPr>
-            <a:endParaRPr lang="en-US" sz="2800" dirty="0">
+            <a:endParaRPr lang="en-GB" sz="2800" noProof="0" dirty="0">
               <a:latin typeface="Arial" panose="020B0604020202020204" pitchFamily="34" charset="0"/>
               <a:cs typeface="Arial" panose="020B0604020202020204" pitchFamily="34" charset="0"/>
             </a:endParaRPr>
@@ -6792,7 +9556,7 @@
               <a:buChar char="•"/>
             </a:pPr>
             <a:r>
-              <a:rPr lang="en-US" sz="2800" b="1" i="1" dirty="0">
+              <a:rPr lang="en-GB" sz="2800" b="1" i="1" noProof="0" dirty="0">
                 <a:solidFill>
                   <a:schemeClr val="tx1"/>
                 </a:solidFill>
@@ -6802,7 +9566,7 @@
               <a:t>mental health rating [scale 1–10]: </a:t>
             </a:r>
             <a:r>
-              <a:rPr lang="en-US" sz="2800" dirty="0">
+              <a:rPr lang="en-GB" sz="2800" noProof="0" dirty="0">
                 <a:latin typeface="Arial" panose="020B0604020202020204" pitchFamily="34" charset="0"/>
                 <a:cs typeface="Arial" panose="020B0604020202020204" pitchFamily="34" charset="0"/>
               </a:rPr>
@@ -6814,7 +9578,7 @@
               <a:buFont typeface="Arial" panose="020B0604020202020204" pitchFamily="34" charset="0"/>
               <a:buChar char="•"/>
             </a:pPr>
-            <a:endParaRPr lang="en-US" sz="2800" dirty="0">
+            <a:endParaRPr lang="en-GB" sz="2800" noProof="0" dirty="0">
               <a:latin typeface="Arial" panose="020B0604020202020204" pitchFamily="34" charset="0"/>
               <a:cs typeface="Arial" panose="020B0604020202020204" pitchFamily="34" charset="0"/>
             </a:endParaRPr>
@@ -6825,7 +9589,7 @@
               <a:buChar char="•"/>
             </a:pPr>
             <a:r>
-              <a:rPr lang="en-US" sz="2800" b="1" i="1" dirty="0">
+              <a:rPr lang="en-GB" sz="2800" b="1" i="1" noProof="0" dirty="0">
                 <a:solidFill>
                   <a:srgbClr val="0070C0"/>
                 </a:solidFill>
@@ -6835,7 +9599,7 @@
               <a:t>exam score [scale 1–10]:</a:t>
             </a:r>
             <a:r>
-              <a:rPr lang="en-US" sz="2800" i="1" dirty="0">
+              <a:rPr lang="en-GB" sz="2800" i="1" noProof="0" dirty="0">
                 <a:solidFill>
                   <a:schemeClr val="tx1"/>
                 </a:solidFill>
@@ -6845,10 +9609,10 @@
               <a:t> N</a:t>
             </a:r>
             <a:r>
-              <a:rPr lang="en-US" sz="2800" dirty="0"/>
+              <a:rPr lang="en-GB" sz="2800" noProof="0" dirty="0"/>
               <a:t>umerical score obtained in a key exam.</a:t>
             </a:r>
-            <a:endParaRPr lang="it-IT" sz="2800" dirty="0">
+            <a:endParaRPr lang="en-GB" sz="2800" noProof="0" dirty="0">
               <a:solidFill>
                 <a:schemeClr val="tx1"/>
               </a:solidFill>
@@ -6921,20 +9685,11 @@
           <a:lstStyle/>
           <a:p>
             <a:r>
-              <a:rPr lang="it-IT" dirty="0">
+              <a:rPr lang="en-GB" noProof="0" dirty="0">
                 <a:latin typeface="Arial Black" panose="020B0A04020102020204" pitchFamily="34" charset="0"/>
               </a:rPr>
-              <a:t>Data </a:t>
-            </a:r>
-            <a:r>
-              <a:rPr lang="it-IT" dirty="0" err="1">
-                <a:latin typeface="Arial Black" panose="020B0A04020102020204" pitchFamily="34" charset="0"/>
-              </a:rPr>
-              <a:t>preparation</a:t>
-            </a:r>
-            <a:endParaRPr lang="it-IT" dirty="0">
-              <a:latin typeface="Arial Black" panose="020B0A04020102020204" pitchFamily="34" charset="0"/>
-            </a:endParaRPr>
+              <a:t>Data preparation</a:t>
+            </a:r>
           </a:p>
         </p:txBody>
       </p:sp>
@@ -6967,28 +9722,24 @@
           <a:lstStyle/>
           <a:p>
             <a:r>
-              <a:rPr lang="en-US" sz="2800" dirty="0">
+              <a:rPr lang="en-GB" sz="2800" noProof="0" dirty="0">
                 <a:latin typeface="Arial" panose="020B0604020202020204" pitchFamily="34" charset="0"/>
                 <a:cs typeface="Arial" panose="020B0604020202020204" pitchFamily="34" charset="0"/>
               </a:rPr>
               <a:t>The dataset contain roughly </a:t>
             </a:r>
             <a:r>
-              <a:rPr lang="en-US" sz="2800" b="1" dirty="0">
+              <a:rPr lang="en-GB" sz="2800" b="1" noProof="0" dirty="0">
                 <a:latin typeface="Arial" panose="020B0604020202020204" pitchFamily="34" charset="0"/>
                 <a:cs typeface="Arial" panose="020B0604020202020204" pitchFamily="34" charset="0"/>
               </a:rPr>
               <a:t>1000 </a:t>
             </a:r>
             <a:r>
-              <a:rPr lang="it-IT" sz="2800" b="1" dirty="0" err="1"/>
-              <a:t>rows</a:t>
-            </a:r>
-            <a:r>
-              <a:rPr lang="it-IT" sz="2800" b="1" dirty="0"/>
-              <a:t>.</a:t>
-            </a:r>
-            <a:endParaRPr lang="it-IT" sz="2800" b="1" dirty="0">
+              <a:rPr lang="en-GB" sz="2800" b="1" noProof="0" dirty="0"/>
+              <a:t>rows.</a:t>
+            </a:r>
+            <a:endParaRPr lang="en-GB" sz="2800" b="1" noProof="0" dirty="0">
               <a:solidFill>
                 <a:srgbClr val="FF0000"/>
               </a:solidFill>
@@ -7027,11 +9778,11 @@
           <a:lstStyle/>
           <a:p>
             <a:r>
-              <a:rPr lang="en-US" sz="2800" dirty="0"/>
+              <a:rPr lang="en-GB" sz="2800" noProof="0" dirty="0"/>
               <a:t>We conducted a </a:t>
             </a:r>
             <a:r>
-              <a:rPr lang="en-US" sz="2800" b="1" dirty="0">
+              <a:rPr lang="en-GB" sz="2800" b="1" noProof="0" dirty="0">
                 <a:solidFill>
                   <a:srgbClr val="FF0000"/>
                 </a:solidFill>
@@ -7039,40 +9790,40 @@
               <a:t>missing data analysis</a:t>
             </a:r>
             <a:r>
-              <a:rPr lang="en-US" sz="2800" dirty="0"/>
+              <a:rPr lang="en-GB" sz="2800" noProof="0" dirty="0"/>
               <a:t>, computing the percentage of missing values for each feature. </a:t>
             </a:r>
           </a:p>
           <a:p>
             <a:r>
-              <a:rPr lang="en-US" sz="2800" dirty="0"/>
+              <a:rPr lang="en-GB" sz="2800" noProof="0" dirty="0"/>
               <a:t>We set a </a:t>
             </a:r>
             <a:r>
-              <a:rPr lang="en-US" sz="2800" b="1" dirty="0"/>
+              <a:rPr lang="en-GB" sz="2800" b="1" noProof="0" dirty="0"/>
               <a:t>threshold of 30% </a:t>
             </a:r>
             <a:r>
-              <a:rPr lang="en-US" sz="2800" dirty="0"/>
+              <a:rPr lang="en-GB" sz="2800" noProof="0" dirty="0"/>
               <a:t>missingness to </a:t>
             </a:r>
             <a:r>
-              <a:rPr lang="en-US" sz="2800" b="1" dirty="0"/>
+              <a:rPr lang="en-GB" sz="2800" b="1" noProof="0" dirty="0"/>
               <a:t>eliminate</a:t>
             </a:r>
             <a:r>
-              <a:rPr lang="en-US" sz="2800" dirty="0"/>
+              <a:rPr lang="en-GB" sz="2800" noProof="0" dirty="0"/>
               <a:t> any variable whose proportion of missing data </a:t>
             </a:r>
             <a:r>
-              <a:rPr lang="en-US" sz="2800" b="1" dirty="0"/>
+              <a:rPr lang="en-GB" sz="2800" b="1" noProof="0" dirty="0"/>
               <a:t>exceeded this limit</a:t>
             </a:r>
             <a:r>
-              <a:rPr lang="en-US" sz="2800" dirty="0"/>
+              <a:rPr lang="en-GB" sz="2800" noProof="0" dirty="0"/>
               <a:t>.</a:t>
             </a:r>
-            <a:endParaRPr lang="it-IT" sz="2800" b="1" dirty="0">
+            <a:endParaRPr lang="en-GB" sz="2800" b="1" noProof="0" dirty="0">
               <a:solidFill>
                 <a:schemeClr val="tx1"/>
               </a:solidFill>

--- a/Ppt/Optimization.pptx
+++ b/Ppt/Optimization.pptx
@@ -4,6 +4,9 @@
   <p:sldMasterIdLst>
     <p:sldMasterId id="2147483648" r:id="rId1"/>
   </p:sldMasterIdLst>
+  <p:notesMasterIdLst>
+    <p:notesMasterId r:id="rId39"/>
+  </p:notesMasterIdLst>
   <p:sldIdLst>
     <p:sldId id="256" r:id="rId2"/>
     <p:sldId id="262" r:id="rId3"/>
@@ -37,6 +40,11 @@
     <p:sldId id="292" r:id="rId31"/>
     <p:sldId id="293" r:id="rId32"/>
     <p:sldId id="294" r:id="rId33"/>
+    <p:sldId id="296" r:id="rId34"/>
+    <p:sldId id="297" r:id="rId35"/>
+    <p:sldId id="298" r:id="rId36"/>
+    <p:sldId id="299" r:id="rId37"/>
+    <p:sldId id="300" r:id="rId38"/>
   </p:sldIdLst>
   <p:sldSz cx="12192000" cy="6858000"/>
   <p:notesSz cx="12192000" cy="6858000"/>
@@ -62,6 +70,439 @@
     </p:ext>
   </p:extLst>
 </p:presentation>
+</file>
+
+<file path=ppt/notesMasters/notesMaster1.xml><?xml version="1.0" encoding="utf-8"?>
+<p:notesMaster xmlns:a="http://schemas.openxmlformats.org/drawingml/2006/main" xmlns:r="http://schemas.openxmlformats.org/officeDocument/2006/relationships" xmlns:p="http://schemas.openxmlformats.org/presentationml/2006/main">
+  <p:cSld>
+    <p:bg>
+      <p:bgRef idx="1001">
+        <a:schemeClr val="bg1"/>
+      </p:bgRef>
+    </p:bg>
+    <p:spTree>
+      <p:nvGrpSpPr>
+        <p:cNvPr id="1" name=""/>
+        <p:cNvGrpSpPr/>
+        <p:nvPr/>
+      </p:nvGrpSpPr>
+      <p:grpSpPr>
+        <a:xfrm>
+          <a:off x="0" y="0"/>
+          <a:ext cx="0" cy="0"/>
+          <a:chOff x="0" y="0"/>
+          <a:chExt cx="0" cy="0"/>
+        </a:xfrm>
+      </p:grpSpPr>
+      <p:sp>
+        <p:nvSpPr>
+          <p:cNvPr id="2" name="Segnaposto intestazione 1"/>
+          <p:cNvSpPr>
+            <a:spLocks noGrp="1"/>
+          </p:cNvSpPr>
+          <p:nvPr>
+            <p:ph type="hdr" sz="quarter"/>
+          </p:nvPr>
+        </p:nvSpPr>
+        <p:spPr>
+          <a:xfrm>
+            <a:off x="0" y="0"/>
+            <a:ext cx="5283200" cy="344488"/>
+          </a:xfrm>
+          <a:prstGeom prst="rect">
+            <a:avLst/>
+          </a:prstGeom>
+        </p:spPr>
+        <p:txBody>
+          <a:bodyPr vert="horz" lIns="91440" tIns="45720" rIns="91440" bIns="45720" rtlCol="0"/>
+          <a:lstStyle>
+            <a:lvl1pPr algn="l">
+              <a:defRPr sz="1200"/>
+            </a:lvl1pPr>
+          </a:lstStyle>
+          <a:p>
+            <a:endParaRPr lang="it-IT"/>
+          </a:p>
+        </p:txBody>
+      </p:sp>
+      <p:sp>
+        <p:nvSpPr>
+          <p:cNvPr id="3" name="Segnaposto data 2"/>
+          <p:cNvSpPr>
+            <a:spLocks noGrp="1"/>
+          </p:cNvSpPr>
+          <p:nvPr>
+            <p:ph type="dt" idx="1"/>
+          </p:nvPr>
+        </p:nvSpPr>
+        <p:spPr>
+          <a:xfrm>
+            <a:off x="6905625" y="0"/>
+            <a:ext cx="5283200" cy="344488"/>
+          </a:xfrm>
+          <a:prstGeom prst="rect">
+            <a:avLst/>
+          </a:prstGeom>
+        </p:spPr>
+        <p:txBody>
+          <a:bodyPr vert="horz" lIns="91440" tIns="45720" rIns="91440" bIns="45720" rtlCol="0"/>
+          <a:lstStyle>
+            <a:lvl1pPr algn="r">
+              <a:defRPr sz="1200"/>
+            </a:lvl1pPr>
+          </a:lstStyle>
+          <a:p>
+            <a:fld id="{52CF3C78-BFF9-4137-8833-13E3D0B09D8B}" type="datetimeFigureOut">
+              <a:rPr lang="it-IT" smtClean="0"/>
+              <a:t>14/06/2025</a:t>
+            </a:fld>
+            <a:endParaRPr lang="it-IT"/>
+          </a:p>
+        </p:txBody>
+      </p:sp>
+      <p:sp>
+        <p:nvSpPr>
+          <p:cNvPr id="4" name="Segnaposto immagine diapositiva 3"/>
+          <p:cNvSpPr>
+            <a:spLocks noGrp="1" noRot="1" noChangeAspect="1"/>
+          </p:cNvSpPr>
+          <p:nvPr>
+            <p:ph type="sldImg" idx="2"/>
+          </p:nvPr>
+        </p:nvSpPr>
+        <p:spPr>
+          <a:xfrm>
+            <a:off x="4038600" y="857250"/>
+            <a:ext cx="4114800" cy="2314575"/>
+          </a:xfrm>
+          <a:prstGeom prst="rect">
+            <a:avLst/>
+          </a:prstGeom>
+          <a:noFill/>
+          <a:ln w="12700">
+            <a:solidFill>
+              <a:prstClr val="black"/>
+            </a:solidFill>
+          </a:ln>
+        </p:spPr>
+        <p:txBody>
+          <a:bodyPr vert="horz" lIns="91440" tIns="45720" rIns="91440" bIns="45720" rtlCol="0" anchor="ctr"/>
+          <a:lstStyle/>
+          <a:p>
+            <a:endParaRPr lang="it-IT"/>
+          </a:p>
+        </p:txBody>
+      </p:sp>
+      <p:sp>
+        <p:nvSpPr>
+          <p:cNvPr id="5" name="Segnaposto note 4"/>
+          <p:cNvSpPr>
+            <a:spLocks noGrp="1"/>
+          </p:cNvSpPr>
+          <p:nvPr>
+            <p:ph type="body" sz="quarter" idx="3"/>
+          </p:nvPr>
+        </p:nvSpPr>
+        <p:spPr>
+          <a:xfrm>
+            <a:off x="1219200" y="3300413"/>
+            <a:ext cx="9753600" cy="2700337"/>
+          </a:xfrm>
+          <a:prstGeom prst="rect">
+            <a:avLst/>
+          </a:prstGeom>
+        </p:spPr>
+        <p:txBody>
+          <a:bodyPr vert="horz" lIns="91440" tIns="45720" rIns="91440" bIns="45720" rtlCol="0"/>
+          <a:lstStyle/>
+          <a:p>
+            <a:pPr lvl="0"/>
+            <a:r>
+              <a:rPr lang="it-IT"/>
+              <a:t>Fare clic per modificare gli stili del testo dello schema</a:t>
+            </a:r>
+          </a:p>
+          <a:p>
+            <a:pPr lvl="1"/>
+            <a:r>
+              <a:rPr lang="it-IT"/>
+              <a:t>Secondo livello</a:t>
+            </a:r>
+          </a:p>
+          <a:p>
+            <a:pPr lvl="2"/>
+            <a:r>
+              <a:rPr lang="it-IT"/>
+              <a:t>Terzo livello</a:t>
+            </a:r>
+          </a:p>
+          <a:p>
+            <a:pPr lvl="3"/>
+            <a:r>
+              <a:rPr lang="it-IT"/>
+              <a:t>Quarto livello</a:t>
+            </a:r>
+          </a:p>
+          <a:p>
+            <a:pPr lvl="4"/>
+            <a:r>
+              <a:rPr lang="it-IT"/>
+              <a:t>Quinto livello</a:t>
+            </a:r>
+          </a:p>
+        </p:txBody>
+      </p:sp>
+      <p:sp>
+        <p:nvSpPr>
+          <p:cNvPr id="6" name="Segnaposto piè di pagina 5"/>
+          <p:cNvSpPr>
+            <a:spLocks noGrp="1"/>
+          </p:cNvSpPr>
+          <p:nvPr>
+            <p:ph type="ftr" sz="quarter" idx="4"/>
+          </p:nvPr>
+        </p:nvSpPr>
+        <p:spPr>
+          <a:xfrm>
+            <a:off x="0" y="6513513"/>
+            <a:ext cx="5283200" cy="344487"/>
+          </a:xfrm>
+          <a:prstGeom prst="rect">
+            <a:avLst/>
+          </a:prstGeom>
+        </p:spPr>
+        <p:txBody>
+          <a:bodyPr vert="horz" lIns="91440" tIns="45720" rIns="91440" bIns="45720" rtlCol="0" anchor="b"/>
+          <a:lstStyle>
+            <a:lvl1pPr algn="l">
+              <a:defRPr sz="1200"/>
+            </a:lvl1pPr>
+          </a:lstStyle>
+          <a:p>
+            <a:endParaRPr lang="it-IT"/>
+          </a:p>
+        </p:txBody>
+      </p:sp>
+      <p:sp>
+        <p:nvSpPr>
+          <p:cNvPr id="7" name="Segnaposto numero diapositiva 6"/>
+          <p:cNvSpPr>
+            <a:spLocks noGrp="1"/>
+          </p:cNvSpPr>
+          <p:nvPr>
+            <p:ph type="sldNum" sz="quarter" idx="5"/>
+          </p:nvPr>
+        </p:nvSpPr>
+        <p:spPr>
+          <a:xfrm>
+            <a:off x="6905625" y="6513513"/>
+            <a:ext cx="5283200" cy="344487"/>
+          </a:xfrm>
+          <a:prstGeom prst="rect">
+            <a:avLst/>
+          </a:prstGeom>
+        </p:spPr>
+        <p:txBody>
+          <a:bodyPr vert="horz" lIns="91440" tIns="45720" rIns="91440" bIns="45720" rtlCol="0" anchor="b"/>
+          <a:lstStyle>
+            <a:lvl1pPr algn="r">
+              <a:defRPr sz="1200"/>
+            </a:lvl1pPr>
+          </a:lstStyle>
+          <a:p>
+            <a:fld id="{6218F9A5-25D9-4BE4-92E4-0A5AF102D313}" type="slidenum">
+              <a:rPr lang="it-IT" smtClean="0"/>
+              <a:t>‹N›</a:t>
+            </a:fld>
+            <a:endParaRPr lang="it-IT"/>
+          </a:p>
+        </p:txBody>
+      </p:sp>
+    </p:spTree>
+    <p:extLst>
+      <p:ext uri="{BB962C8B-B14F-4D97-AF65-F5344CB8AC3E}">
+        <p14:creationId xmlns:p14="http://schemas.microsoft.com/office/powerpoint/2010/main" val="3669277591"/>
+      </p:ext>
+    </p:extLst>
+  </p:cSld>
+  <p:clrMap bg1="lt1" tx1="dk1" bg2="lt2" tx2="dk2" accent1="accent1" accent2="accent2" accent3="accent3" accent4="accent4" accent5="accent5" accent6="accent6" hlink="hlink" folHlink="folHlink"/>
+  <p:notesStyle>
+    <a:lvl1pPr marL="0" algn="l" defTabSz="914400" rtl="0" eaLnBrk="1" latinLnBrk="0" hangingPunct="1">
+      <a:defRPr sz="1200" kern="1200">
+        <a:solidFill>
+          <a:schemeClr val="tx1"/>
+        </a:solidFill>
+        <a:latin typeface="+mn-lt"/>
+        <a:ea typeface="+mn-ea"/>
+        <a:cs typeface="+mn-cs"/>
+      </a:defRPr>
+    </a:lvl1pPr>
+    <a:lvl2pPr marL="457200" algn="l" defTabSz="914400" rtl="0" eaLnBrk="1" latinLnBrk="0" hangingPunct="1">
+      <a:defRPr sz="1200" kern="1200">
+        <a:solidFill>
+          <a:schemeClr val="tx1"/>
+        </a:solidFill>
+        <a:latin typeface="+mn-lt"/>
+        <a:ea typeface="+mn-ea"/>
+        <a:cs typeface="+mn-cs"/>
+      </a:defRPr>
+    </a:lvl2pPr>
+    <a:lvl3pPr marL="914400" algn="l" defTabSz="914400" rtl="0" eaLnBrk="1" latinLnBrk="0" hangingPunct="1">
+      <a:defRPr sz="1200" kern="1200">
+        <a:solidFill>
+          <a:schemeClr val="tx1"/>
+        </a:solidFill>
+        <a:latin typeface="+mn-lt"/>
+        <a:ea typeface="+mn-ea"/>
+        <a:cs typeface="+mn-cs"/>
+      </a:defRPr>
+    </a:lvl3pPr>
+    <a:lvl4pPr marL="1371600" algn="l" defTabSz="914400" rtl="0" eaLnBrk="1" latinLnBrk="0" hangingPunct="1">
+      <a:defRPr sz="1200" kern="1200">
+        <a:solidFill>
+          <a:schemeClr val="tx1"/>
+        </a:solidFill>
+        <a:latin typeface="+mn-lt"/>
+        <a:ea typeface="+mn-ea"/>
+        <a:cs typeface="+mn-cs"/>
+      </a:defRPr>
+    </a:lvl4pPr>
+    <a:lvl5pPr marL="1828800" algn="l" defTabSz="914400" rtl="0" eaLnBrk="1" latinLnBrk="0" hangingPunct="1">
+      <a:defRPr sz="1200" kern="1200">
+        <a:solidFill>
+          <a:schemeClr val="tx1"/>
+        </a:solidFill>
+        <a:latin typeface="+mn-lt"/>
+        <a:ea typeface="+mn-ea"/>
+        <a:cs typeface="+mn-cs"/>
+      </a:defRPr>
+    </a:lvl5pPr>
+    <a:lvl6pPr marL="2286000" algn="l" defTabSz="914400" rtl="0" eaLnBrk="1" latinLnBrk="0" hangingPunct="1">
+      <a:defRPr sz="1200" kern="1200">
+        <a:solidFill>
+          <a:schemeClr val="tx1"/>
+        </a:solidFill>
+        <a:latin typeface="+mn-lt"/>
+        <a:ea typeface="+mn-ea"/>
+        <a:cs typeface="+mn-cs"/>
+      </a:defRPr>
+    </a:lvl6pPr>
+    <a:lvl7pPr marL="2743200" algn="l" defTabSz="914400" rtl="0" eaLnBrk="1" latinLnBrk="0" hangingPunct="1">
+      <a:defRPr sz="1200" kern="1200">
+        <a:solidFill>
+          <a:schemeClr val="tx1"/>
+        </a:solidFill>
+        <a:latin typeface="+mn-lt"/>
+        <a:ea typeface="+mn-ea"/>
+        <a:cs typeface="+mn-cs"/>
+      </a:defRPr>
+    </a:lvl7pPr>
+    <a:lvl8pPr marL="3200400" algn="l" defTabSz="914400" rtl="0" eaLnBrk="1" latinLnBrk="0" hangingPunct="1">
+      <a:defRPr sz="1200" kern="1200">
+        <a:solidFill>
+          <a:schemeClr val="tx1"/>
+        </a:solidFill>
+        <a:latin typeface="+mn-lt"/>
+        <a:ea typeface="+mn-ea"/>
+        <a:cs typeface="+mn-cs"/>
+      </a:defRPr>
+    </a:lvl8pPr>
+    <a:lvl9pPr marL="3657600" algn="l" defTabSz="914400" rtl="0" eaLnBrk="1" latinLnBrk="0" hangingPunct="1">
+      <a:defRPr sz="1200" kern="1200">
+        <a:solidFill>
+          <a:schemeClr val="tx1"/>
+        </a:solidFill>
+        <a:latin typeface="+mn-lt"/>
+        <a:ea typeface="+mn-ea"/>
+        <a:cs typeface="+mn-cs"/>
+      </a:defRPr>
+    </a:lvl9pPr>
+  </p:notesStyle>
+</p:notesMaster>
+</file>
+
+<file path=ppt/notesSlides/notesSlide1.xml><?xml version="1.0" encoding="utf-8"?>
+<p:notes xmlns:a="http://schemas.openxmlformats.org/drawingml/2006/main" xmlns:r="http://schemas.openxmlformats.org/officeDocument/2006/relationships" xmlns:p="http://schemas.openxmlformats.org/presentationml/2006/main">
+  <p:cSld>
+    <p:spTree>
+      <p:nvGrpSpPr>
+        <p:cNvPr id="1" name=""/>
+        <p:cNvGrpSpPr/>
+        <p:nvPr/>
+      </p:nvGrpSpPr>
+      <p:grpSpPr>
+        <a:xfrm>
+          <a:off x="0" y="0"/>
+          <a:ext cx="0" cy="0"/>
+          <a:chOff x="0" y="0"/>
+          <a:chExt cx="0" cy="0"/>
+        </a:xfrm>
+      </p:grpSpPr>
+      <p:sp>
+        <p:nvSpPr>
+          <p:cNvPr id="2" name="Segnaposto immagine diapositiva 1"/>
+          <p:cNvSpPr>
+            <a:spLocks noGrp="1" noRot="1" noChangeAspect="1"/>
+          </p:cNvSpPr>
+          <p:nvPr>
+            <p:ph type="sldImg"/>
+          </p:nvPr>
+        </p:nvSpPr>
+        <p:spPr/>
+      </p:sp>
+      <p:sp>
+        <p:nvSpPr>
+          <p:cNvPr id="3" name="Segnaposto note 2"/>
+          <p:cNvSpPr>
+            <a:spLocks noGrp="1"/>
+          </p:cNvSpPr>
+          <p:nvPr>
+            <p:ph type="body" idx="1"/>
+          </p:nvPr>
+        </p:nvSpPr>
+        <p:spPr/>
+        <p:txBody>
+          <a:bodyPr/>
+          <a:lstStyle/>
+          <a:p>
+            <a:endParaRPr lang="it-IT" dirty="0"/>
+          </a:p>
+        </p:txBody>
+      </p:sp>
+      <p:sp>
+        <p:nvSpPr>
+          <p:cNvPr id="4" name="Segnaposto numero diapositiva 3"/>
+          <p:cNvSpPr>
+            <a:spLocks noGrp="1"/>
+          </p:cNvSpPr>
+          <p:nvPr>
+            <p:ph type="sldNum" sz="quarter" idx="5"/>
+          </p:nvPr>
+        </p:nvSpPr>
+        <p:spPr/>
+        <p:txBody>
+          <a:bodyPr/>
+          <a:lstStyle/>
+          <a:p>
+            <a:fld id="{6218F9A5-25D9-4BE4-92E4-0A5AF102D313}" type="slidenum">
+              <a:rPr lang="it-IT" smtClean="0"/>
+              <a:t>37</a:t>
+            </a:fld>
+            <a:endParaRPr lang="it-IT"/>
+          </a:p>
+        </p:txBody>
+      </p:sp>
+    </p:spTree>
+    <p:extLst>
+      <p:ext uri="{BB962C8B-B14F-4D97-AF65-F5344CB8AC3E}">
+        <p14:creationId xmlns:p14="http://schemas.microsoft.com/office/powerpoint/2010/main" val="898911774"/>
+      </p:ext>
+    </p:extLst>
+  </p:cSld>
+  <p:clrMapOvr>
+    <a:masterClrMapping/>
+  </p:clrMapOvr>
+</p:notes>
 </file>
 
 <file path=ppt/slideLayouts/slideLayout1.xml><?xml version="1.0" encoding="utf-8"?>
@@ -2883,8 +3324,8 @@
           </a:p>
         </p:txBody>
       </p:sp>
-      <mc:AlternateContent xmlns:mc="http://schemas.openxmlformats.org/markup-compatibility/2006">
-        <mc:Choice xmlns:a14="http://schemas.microsoft.com/office/drawing/2010/main" Requires="a14">
+      <mc:AlternateContent xmlns:mc="http://schemas.openxmlformats.org/markup-compatibility/2006" xmlns:a14="http://schemas.microsoft.com/office/drawing/2010/main">
+        <mc:Choice Requires="a14">
           <p:sp>
             <p:nvSpPr>
               <p:cNvPr id="4" name="CasellaDiTesto 3">
@@ -3198,7 +3639,7 @@
             </p:txBody>
           </p:sp>
         </mc:Choice>
-        <mc:Fallback>
+        <mc:Fallback xmlns="">
           <p:sp>
             <p:nvSpPr>
               <p:cNvPr id="4" name="CasellaDiTesto 3">
@@ -3243,8 +3684,8 @@
           </p:sp>
         </mc:Fallback>
       </mc:AlternateContent>
-      <mc:AlternateContent xmlns:mc="http://schemas.openxmlformats.org/markup-compatibility/2006">
-        <mc:Choice xmlns:a14="http://schemas.microsoft.com/office/drawing/2010/main" Requires="a14">
+      <mc:AlternateContent xmlns:mc="http://schemas.openxmlformats.org/markup-compatibility/2006" xmlns:a14="http://schemas.microsoft.com/office/drawing/2010/main">
+        <mc:Choice Requires="a14">
           <p:sp>
             <p:nvSpPr>
               <p:cNvPr id="2" name="CasellaDiTesto 1">
@@ -3390,7 +3831,7 @@
             </p:txBody>
           </p:sp>
         </mc:Choice>
-        <mc:Fallback>
+        <mc:Fallback xmlns="">
           <p:sp>
             <p:nvSpPr>
               <p:cNvPr id="2" name="CasellaDiTesto 1">
@@ -3733,8 +4174,8 @@
           </a:p>
         </p:txBody>
       </p:sp>
-      <mc:AlternateContent xmlns:mc="http://schemas.openxmlformats.org/markup-compatibility/2006">
-        <mc:Choice xmlns:a14="http://schemas.microsoft.com/office/drawing/2010/main" Requires="a14">
+      <mc:AlternateContent xmlns:mc="http://schemas.openxmlformats.org/markup-compatibility/2006" xmlns:a14="http://schemas.microsoft.com/office/drawing/2010/main">
+        <mc:Choice Requires="a14">
           <p:sp>
             <p:nvSpPr>
               <p:cNvPr id="2" name="CasellaDiTesto 1">
@@ -3927,7 +4368,7 @@
             </p:txBody>
           </p:sp>
         </mc:Choice>
-        <mc:Fallback>
+        <mc:Fallback xmlns="">
           <p:sp>
             <p:nvSpPr>
               <p:cNvPr id="2" name="CasellaDiTesto 1">
@@ -4043,8 +4484,8 @@
           </a:p>
         </p:txBody>
       </p:sp>
-      <mc:AlternateContent xmlns:mc="http://schemas.openxmlformats.org/markup-compatibility/2006">
-        <mc:Choice xmlns:a14="http://schemas.microsoft.com/office/drawing/2010/main" Requires="a14">
+      <mc:AlternateContent xmlns:mc="http://schemas.openxmlformats.org/markup-compatibility/2006" xmlns:a14="http://schemas.microsoft.com/office/drawing/2010/main">
+        <mc:Choice Requires="a14">
           <p:sp>
             <p:nvSpPr>
               <p:cNvPr id="4" name="CasellaDiTesto 3">
@@ -4117,7 +4558,7 @@
             </p:txBody>
           </p:sp>
         </mc:Choice>
-        <mc:Fallback>
+        <mc:Fallback xmlns="">
           <p:sp>
             <p:nvSpPr>
               <p:cNvPr id="4" name="CasellaDiTesto 3">
@@ -4162,8 +4603,8 @@
           </p:sp>
         </mc:Fallback>
       </mc:AlternateContent>
-      <mc:AlternateContent xmlns:mc="http://schemas.openxmlformats.org/markup-compatibility/2006">
-        <mc:Choice xmlns:a14="http://schemas.microsoft.com/office/drawing/2010/main" Requires="a14">
+      <mc:AlternateContent xmlns:mc="http://schemas.openxmlformats.org/markup-compatibility/2006" xmlns:a14="http://schemas.microsoft.com/office/drawing/2010/main">
+        <mc:Choice Requires="a14">
           <p:sp>
             <p:nvSpPr>
               <p:cNvPr id="6" name="CasellaDiTesto 5">
@@ -4243,7 +4684,7 @@
             </p:txBody>
           </p:sp>
         </mc:Choice>
-        <mc:Fallback>
+        <mc:Fallback xmlns="">
           <p:sp>
             <p:nvSpPr>
               <p:cNvPr id="6" name="CasellaDiTesto 5">
@@ -4288,8 +4729,8 @@
           </p:sp>
         </mc:Fallback>
       </mc:AlternateContent>
-      <mc:AlternateContent xmlns:mc="http://schemas.openxmlformats.org/markup-compatibility/2006">
-        <mc:Choice xmlns:a14="http://schemas.microsoft.com/office/drawing/2010/main" Requires="a14">
+      <mc:AlternateContent xmlns:mc="http://schemas.openxmlformats.org/markup-compatibility/2006" xmlns:a14="http://schemas.microsoft.com/office/drawing/2010/main">
+        <mc:Choice Requires="a14">
           <p:sp>
             <p:nvSpPr>
               <p:cNvPr id="7" name="CasellaDiTesto 6">
@@ -4385,7 +4826,7 @@
             </p:txBody>
           </p:sp>
         </mc:Choice>
-        <mc:Fallback>
+        <mc:Fallback xmlns="">
           <p:sp>
             <p:nvSpPr>
               <p:cNvPr id="7" name="CasellaDiTesto 6">
@@ -4912,7 +5353,7 @@
                 <a:latin typeface="Arial" panose="020B0604020202020204" pitchFamily="34" charset="0"/>
                 <a:cs typeface="Arial" panose="020B0604020202020204" pitchFamily="34" charset="0"/>
               </a:rPr>
-              <a:t>We wanted to evaluate how Stochastic Gradient Descent methods compare to core GD methods in reaching the optimum convergence.</a:t>
+              <a:t>We wanted to evaluate how Stochastic Gradient Descent methods compare to GD methods in reaching the optimum convergence.</a:t>
             </a:r>
           </a:p>
           <a:p>
@@ -5003,8 +5444,8 @@
           </a:p>
         </p:txBody>
       </p:sp>
-      <mc:AlternateContent xmlns:mc="http://schemas.openxmlformats.org/markup-compatibility/2006">
-        <mc:Choice xmlns:a14="http://schemas.microsoft.com/office/drawing/2010/main" Requires="a14">
+      <mc:AlternateContent xmlns:mc="http://schemas.openxmlformats.org/markup-compatibility/2006" xmlns:a14="http://schemas.microsoft.com/office/drawing/2010/main">
+        <mc:Choice Requires="a14">
           <p:sp>
             <p:nvSpPr>
               <p:cNvPr id="2" name="CasellaDiTesto 1">
@@ -5080,7 +5521,7 @@
             </p:txBody>
           </p:sp>
         </mc:Choice>
-        <mc:Fallback>
+        <mc:Fallback xmlns="">
           <p:sp>
             <p:nvSpPr>
               <p:cNvPr id="2" name="CasellaDiTesto 1">
@@ -5125,8 +5566,8 @@
           </p:sp>
         </mc:Fallback>
       </mc:AlternateContent>
-      <mc:AlternateContent xmlns:mc="http://schemas.openxmlformats.org/markup-compatibility/2006">
-        <mc:Choice xmlns:a14="http://schemas.microsoft.com/office/drawing/2010/main" Requires="a14">
+      <mc:AlternateContent xmlns:mc="http://schemas.openxmlformats.org/markup-compatibility/2006" xmlns:a14="http://schemas.microsoft.com/office/drawing/2010/main">
+        <mc:Choice Requires="a14">
           <p:sp>
             <p:nvSpPr>
               <p:cNvPr id="3" name="CasellaDiTesto 2">
@@ -5206,7 +5647,7 @@
             </p:txBody>
           </p:sp>
         </mc:Choice>
-        <mc:Fallback>
+        <mc:Fallback xmlns="">
           <p:sp>
             <p:nvSpPr>
               <p:cNvPr id="3" name="CasellaDiTesto 2">
@@ -5428,7 +5869,15 @@
                 </a:r>
                 <a:r>
                   <a:rPr lang="en-GB" sz="2800" noProof="0" dirty="0"/>
-                  <a:t> arbitrary</a:t>
+                  <a:t> </a:t>
+                </a:r>
+                <a:r>
+                  <a:rPr lang="en-GB" sz="2800" b="1" noProof="0" dirty="0">
+                    <a:solidFill>
+                      <a:srgbClr val="FF0000"/>
+                    </a:solidFill>
+                  </a:rPr>
+                  <a:t>arbitrary</a:t>
                 </a:r>
               </a:p>
               <a:p>
@@ -5661,10 +6110,110 @@
               <a:p>
                 <a:r>
                   <a:rPr lang="en-US" sz="2800" dirty="0"/>
-                  <a:t>We assumed we were moving in a bounded region </a:t>
+                  <a:t>Under the assumption that we had </a:t>
+                </a:r>
+                <a:r>
+                  <a:rPr lang="en-US" sz="2800" b="1" dirty="0">
+                    <a:solidFill>
+                      <a:srgbClr val="FF0000"/>
+                    </a:solidFill>
+                  </a:rPr>
+                  <a:t>bounded gradients</a:t>
                 </a:r>
               </a:p>
               <a:p>
+                <a14:m>
+                  <m:oMathPara xmlns:m="http://schemas.openxmlformats.org/officeDocument/2006/math">
+                    <m:oMathParaPr>
+                      <m:jc m:val="centerGroup"/>
+                    </m:oMathParaPr>
+                    <m:oMath xmlns:m="http://schemas.openxmlformats.org/officeDocument/2006/math">
+                      <m:d>
+                        <m:dPr>
+                          <m:begChr m:val="‖"/>
+                          <m:endChr m:val="‖"/>
+                          <m:ctrlPr>
+                            <a:rPr lang="en-US" sz="2800" i="1" smtClean="0">
+                              <a:latin typeface="Cambria Math" panose="02040503050406030204" pitchFamily="18" charset="0"/>
+                            </a:rPr>
+                          </m:ctrlPr>
+                        </m:dPr>
+                        <m:e>
+                          <m:r>
+                            <m:rPr>
+                              <m:sty m:val="p"/>
+                            </m:rPr>
+                            <a:rPr lang="en-US" sz="2800" i="1" smtClean="0">
+                              <a:latin typeface="Cambria Math" panose="02040503050406030204" pitchFamily="18" charset="0"/>
+                              <a:ea typeface="Cambria Math" panose="02040503050406030204" pitchFamily="18" charset="0"/>
+                            </a:rPr>
+                            <m:t>∇</m:t>
+                          </m:r>
+                          <m:r>
+                            <a:rPr lang="it-IT" sz="2800" b="0" i="1" smtClean="0">
+                              <a:latin typeface="Cambria Math" panose="02040503050406030204" pitchFamily="18" charset="0"/>
+                              <a:ea typeface="Cambria Math" panose="02040503050406030204" pitchFamily="18" charset="0"/>
+                            </a:rPr>
+                            <m:t>𝑓</m:t>
+                          </m:r>
+                          <m:r>
+                            <a:rPr lang="it-IT" sz="2800" b="0" i="1" smtClean="0">
+                              <a:latin typeface="Cambria Math" panose="02040503050406030204" pitchFamily="18" charset="0"/>
+                              <a:ea typeface="Cambria Math" panose="02040503050406030204" pitchFamily="18" charset="0"/>
+                            </a:rPr>
+                            <m:t>(</m:t>
+                          </m:r>
+                          <m:r>
+                            <a:rPr lang="it-IT" sz="2800" b="0" i="1" smtClean="0">
+                              <a:latin typeface="Cambria Math" panose="02040503050406030204" pitchFamily="18" charset="0"/>
+                              <a:ea typeface="Cambria Math" panose="02040503050406030204" pitchFamily="18" charset="0"/>
+                            </a:rPr>
+                            <m:t>𝑥</m:t>
+                          </m:r>
+                          <m:r>
+                            <a:rPr lang="it-IT" sz="2800" b="0" i="1" smtClean="0">
+                              <a:latin typeface="Cambria Math" panose="02040503050406030204" pitchFamily="18" charset="0"/>
+                              <a:ea typeface="Cambria Math" panose="02040503050406030204" pitchFamily="18" charset="0"/>
+                            </a:rPr>
+                            <m:t>)</m:t>
+                          </m:r>
+                        </m:e>
+                      </m:d>
+                      <m:r>
+                        <a:rPr lang="en-US" sz="2800" i="1" smtClean="0">
+                          <a:latin typeface="Cambria Math" panose="02040503050406030204" pitchFamily="18" charset="0"/>
+                          <a:ea typeface="Cambria Math" panose="02040503050406030204" pitchFamily="18" charset="0"/>
+                        </a:rPr>
+                        <m:t>≤</m:t>
+                      </m:r>
+                      <m:r>
+                        <a:rPr lang="it-IT" sz="2800" b="0" i="1" smtClean="0">
+                          <a:latin typeface="Cambria Math" panose="02040503050406030204" pitchFamily="18" charset="0"/>
+                          <a:ea typeface="Cambria Math" panose="02040503050406030204" pitchFamily="18" charset="0"/>
+                        </a:rPr>
+                        <m:t>𝐵</m:t>
+                      </m:r>
+                    </m:oMath>
+                  </m:oMathPara>
+                </a14:m>
+                <a:endParaRPr lang="it-IT" sz="2800" dirty="0">
+                  <a:ea typeface="Cambria Math" panose="02040503050406030204" pitchFamily="18" charset="0"/>
+                </a:endParaRPr>
+              </a:p>
+              <a:p>
+                <a:endParaRPr lang="en-US" sz="2800" dirty="0"/>
+              </a:p>
+              <a:p>
+                <a:r>
+                  <a:rPr lang="en-US" sz="2800" dirty="0"/>
+                  <a:t>we considered:</a:t>
+                </a:r>
+              </a:p>
+              <a:p>
+                <a:pPr marL="457200" indent="-457200">
+                  <a:buFont typeface="Arial" panose="020B0604020202020204" pitchFamily="34" charset="0"/>
+                  <a:buChar char="•"/>
+                </a:pPr>
                 <a:r>
                   <a:rPr lang="en-US" sz="2800" dirty="0"/>
                   <a:t>|| x</a:t>
@@ -5675,26 +6224,7 @@
                 </a:r>
                 <a:r>
                   <a:rPr lang="en-US" sz="2800" dirty="0"/>
-                  <a:t> – x*||&lt;R for simplicity. </a:t>
-                </a:r>
-              </a:p>
-              <a:p>
-                <a:endParaRPr lang="en-US" sz="2800" dirty="0"/>
-              </a:p>
-              <a:p>
-                <a:r>
-                  <a:rPr lang="en-US" sz="2800" dirty="0"/>
-                  <a:t>We considered:</a:t>
-                </a:r>
-              </a:p>
-              <a:p>
-                <a:pPr marL="457200" indent="-457200">
-                  <a:buFont typeface="Arial" panose="020B0604020202020204" pitchFamily="34" charset="0"/>
-                  <a:buChar char="•"/>
-                </a:pPr>
-                <a:r>
-                  <a:rPr lang="en-US" sz="2800" dirty="0"/>
-                  <a:t>R = 25</a:t>
+                  <a:t> – x*||&lt;R  = 25</a:t>
                 </a:r>
               </a:p>
               <a:p>
@@ -5982,7 +6512,24 @@
                 <a:latin typeface="Arial" panose="020B0604020202020204" pitchFamily="34" charset="0"/>
                 <a:cs typeface="Arial" panose="020B0604020202020204" pitchFamily="34" charset="0"/>
               </a:rPr>
-              <a:t>The step size used for bounded stochastic gradient causes the algorithm to get closer to the optimum, but on average it’s still very similar to the previous method.  </a:t>
+              <a:t>The step size used for bounded stochastic gradient causes the algorithm to get closer to the optimum, but on average it’s still </a:t>
+            </a:r>
+            <a:r>
+              <a:rPr lang="en-GB" sz="2800" b="1" noProof="0" dirty="0">
+                <a:solidFill>
+                  <a:srgbClr val="FF0000"/>
+                </a:solidFill>
+                <a:latin typeface="Arial" panose="020B0604020202020204" pitchFamily="34" charset="0"/>
+                <a:cs typeface="Arial" panose="020B0604020202020204" pitchFamily="34" charset="0"/>
+              </a:rPr>
+              <a:t>very similar </a:t>
+            </a:r>
+            <a:r>
+              <a:rPr lang="en-GB" sz="2800" noProof="0" dirty="0">
+                <a:latin typeface="Arial" panose="020B0604020202020204" pitchFamily="34" charset="0"/>
+                <a:cs typeface="Arial" panose="020B0604020202020204" pitchFamily="34" charset="0"/>
+              </a:rPr>
+              <a:t>to the previous method.  </a:t>
             </a:r>
           </a:p>
         </p:txBody>
@@ -6107,8 +6654,8 @@
             </p:nvSpPr>
             <p:spPr>
               <a:xfrm>
-                <a:off x="762000" y="1143000"/>
-                <a:ext cx="5334000" cy="5676747"/>
+                <a:off x="761999" y="1143000"/>
+                <a:ext cx="5638801" cy="4814972"/>
               </a:xfrm>
               <a:prstGeom prst="rect">
                 <a:avLst/>
@@ -6123,7 +6670,19 @@
               <a:p>
                 <a:r>
                   <a:rPr lang="en-US" sz="2800" dirty="0"/>
-                  <a:t>We recalled the fact that the chosen objective function is strongly convex w. parameter </a:t>
+                  <a:t>We recalled the fact that the chosen objective function is </a:t>
+                </a:r>
+                <a:r>
+                  <a:rPr lang="en-US" sz="2800" b="1" dirty="0">
+                    <a:solidFill>
+                      <a:srgbClr val="FF0000"/>
+                    </a:solidFill>
+                  </a:rPr>
+                  <a:t>strongly convex </a:t>
+                </a:r>
+                <a:r>
+                  <a:rPr lang="en-US" sz="2800" dirty="0"/>
+                  <a:t>w. parameter </a:t>
                 </a:r>
                 <a14:m>
                   <m:oMath xmlns:m="http://schemas.openxmlformats.org/officeDocument/2006/math">
@@ -6134,12 +6693,21 @@
                       </a:rPr>
                       <m:t>𝜇</m:t>
                     </m:r>
+                    <m:r>
+                      <a:rPr lang="it-IT" sz="2800" b="0" i="0" smtClean="0">
+                        <a:latin typeface="Cambria Math" panose="02040503050406030204" pitchFamily="18" charset="0"/>
+                        <a:ea typeface="Cambria Math" panose="02040503050406030204" pitchFamily="18" charset="0"/>
+                      </a:rPr>
+                      <m:t>.</m:t>
+                    </m:r>
                   </m:oMath>
                 </a14:m>
-                <a:r>
-                  <a:rPr lang="en-US" sz="2800" dirty="0"/>
-                  <a:t>;</a:t>
-                </a:r>
+                <a:endParaRPr lang="it-IT" sz="2800" b="0" dirty="0">
+                  <a:ea typeface="Cambria Math" panose="02040503050406030204" pitchFamily="18" charset="0"/>
+                </a:endParaRPr>
+              </a:p>
+              <a:p>
+                <a:endParaRPr lang="en-US" sz="2800" dirty="0"/>
               </a:p>
               <a:p>
                 <a:r>
@@ -6148,7 +6716,6 @@
                 </a:r>
               </a:p>
               <a:p>
-                <a:pPr/>
                 <a14:m>
                   <m:oMath xmlns:m="http://schemas.openxmlformats.org/officeDocument/2006/math">
                     <m:r>
@@ -6218,14 +6785,19 @@
                 </a14:m>
                 <a:r>
                   <a:rPr lang="en-US" sz="2800" dirty="0"/>
-                  <a:t> , but the resulting step size would have been too small to ever reach the optimum.</a:t>
+                  <a:t>  </a:t>
                 </a:r>
               </a:p>
               <a:p>
-                <a:pPr/>
                 <a:r>
                   <a:rPr lang="en-US" sz="2800" dirty="0"/>
-                  <a:t>For that reason, we chose to apply </a:t>
+                  <a:t>but the resulting step size would have been too small.</a:t>
+                </a:r>
+              </a:p>
+              <a:p>
+                <a:r>
+                  <a:rPr lang="en-US" sz="2800" dirty="0"/>
+                  <a:t>We chose to apply </a:t>
                 </a:r>
                 <a14:m>
                   <m:oMath xmlns:m="http://schemas.openxmlformats.org/officeDocument/2006/math">
@@ -6273,16 +6845,6 @@
                     </m:f>
                   </m:oMath>
                 </a14:m>
-                <a:r>
-                  <a:rPr lang="en-US" sz="2800" dirty="0"/>
-                  <a:t> , obtaining:</a:t>
-                </a:r>
-              </a:p>
-              <a:p>
-                <a:pPr marL="457200" indent="-457200">
-                  <a:buFont typeface="Arial" panose="020B0604020202020204" pitchFamily="34" charset="0"/>
-                  <a:buChar char="•"/>
-                </a:pPr>
                 <a:endParaRPr lang="en-US" sz="2800" dirty="0"/>
               </a:p>
               <a:p>
@@ -6308,8 +6870,8 @@
             </p:nvSpPr>
             <p:spPr>
               <a:xfrm>
-                <a:off x="762000" y="1143000"/>
-                <a:ext cx="5334000" cy="5676747"/>
+                <a:off x="761999" y="1143000"/>
+                <a:ext cx="5638801" cy="4814972"/>
               </a:xfrm>
               <a:prstGeom prst="rect">
                 <a:avLst/>
@@ -6317,7 +6879,7 @@
               <a:blipFill>
                 <a:blip r:embed="rId2"/>
                 <a:stretch>
-                  <a:fillRect l="-2286" t="-1182" r="-1943"/>
+                  <a:fillRect l="-2162" t="-1394"/>
                 </a:stretch>
               </a:blipFill>
             </p:spPr>
@@ -6364,8 +6926,8 @@
         </p:blipFill>
         <p:spPr>
           <a:xfrm>
-            <a:off x="6248399" y="1371600"/>
-            <a:ext cx="5467083" cy="4114800"/>
+            <a:off x="6349642" y="1295400"/>
+            <a:ext cx="5264599" cy="3962400"/>
           </a:xfrm>
           <a:prstGeom prst="rect">
             <a:avLst/>
@@ -6475,7 +7037,19 @@
               <a:p>
                 <a:r>
                   <a:rPr lang="en-US" sz="2800" dirty="0"/>
-                  <a:t>The distance from the optimal objective is much smaller using step size </a:t>
+                  <a:t>The distance from the optimal objective is </a:t>
+                </a:r>
+                <a:r>
+                  <a:rPr lang="en-US" sz="2800" b="1" dirty="0">
+                    <a:solidFill>
+                      <a:srgbClr val="FF0000"/>
+                    </a:solidFill>
+                  </a:rPr>
+                  <a:t>much smaller </a:t>
+                </a:r>
+                <a:r>
+                  <a:rPr lang="en-US" sz="2800" dirty="0"/>
+                  <a:t>using step size </a:t>
                 </a:r>
                 <a:endParaRPr lang="it-IT" sz="2800" i="1" dirty="0">
                   <a:latin typeface="Cambria Math" panose="02040503050406030204" pitchFamily="18" charset="0"/>
@@ -6725,6 +7299,9 @@
                 </a:r>
                 <a:r>
                   <a:rPr lang="en-US" sz="2800" b="1" dirty="0">
+                    <a:solidFill>
+                      <a:srgbClr val="FF0000"/>
+                    </a:solidFill>
                     <a:latin typeface="Arial" panose="020B0604020202020204" pitchFamily="34" charset="0"/>
                     <a:cs typeface="Arial" panose="020B0604020202020204" pitchFamily="34" charset="0"/>
                   </a:rPr>
@@ -6739,6 +7316,9 @@
                 </a:r>
                 <a:r>
                   <a:rPr lang="en-US" sz="2800" b="1" dirty="0">
+                    <a:solidFill>
+                      <a:srgbClr val="FF0000"/>
+                    </a:solidFill>
                     <a:latin typeface="Arial" panose="020B0604020202020204" pitchFamily="34" charset="0"/>
                     <a:cs typeface="Arial" panose="020B0604020202020204" pitchFamily="34" charset="0"/>
                   </a:rPr>
@@ -6753,6 +7333,9 @@
                 </a:r>
                 <a:r>
                   <a:rPr lang="en-US" sz="2800" b="1" dirty="0">
+                    <a:solidFill>
+                      <a:srgbClr val="FF0000"/>
+                    </a:solidFill>
                     <a:latin typeface="Arial" panose="020B0604020202020204" pitchFamily="34" charset="0"/>
                     <a:cs typeface="Arial" panose="020B0604020202020204" pitchFamily="34" charset="0"/>
                   </a:rPr>
@@ -6831,7 +7414,41 @@
                     <a:latin typeface="Arial" panose="020B0604020202020204" pitchFamily="34" charset="0"/>
                     <a:cs typeface="Arial" panose="020B0604020202020204" pitchFamily="34" charset="0"/>
                   </a:rPr>
-                  <a:t> , this time extending the max number of iterations to 100 and utilizing a minibatch size of 32 (the same values we were going to use for the other methods)</a:t>
+                  <a:t> , this time extending the max number of iterations to 100 and utilizing a </a:t>
+                </a:r>
+                <a:r>
+                  <a:rPr lang="en-US" sz="2800" b="1" dirty="0">
+                    <a:solidFill>
+                      <a:srgbClr val="FF0000"/>
+                    </a:solidFill>
+                    <a:latin typeface="Arial" panose="020B0604020202020204" pitchFamily="34" charset="0"/>
+                    <a:cs typeface="Arial" panose="020B0604020202020204" pitchFamily="34" charset="0"/>
+                  </a:rPr>
+                  <a:t>minibatch size</a:t>
+                </a:r>
+                <a:r>
+                  <a:rPr lang="en-US" sz="2800" dirty="0">
+                    <a:latin typeface="Arial" panose="020B0604020202020204" pitchFamily="34" charset="0"/>
+                    <a:cs typeface="Arial" panose="020B0604020202020204" pitchFamily="34" charset="0"/>
+                  </a:rPr>
+                  <a:t> of </a:t>
+                </a:r>
+                <a:r>
+                  <a:rPr lang="en-US" sz="2800" b="1" dirty="0">
+                    <a:solidFill>
+                      <a:srgbClr val="FF0000"/>
+                    </a:solidFill>
+                    <a:latin typeface="Arial" panose="020B0604020202020204" pitchFamily="34" charset="0"/>
+                    <a:cs typeface="Arial" panose="020B0604020202020204" pitchFamily="34" charset="0"/>
+                  </a:rPr>
+                  <a:t>32</a:t>
+                </a:r>
+                <a:r>
+                  <a:rPr lang="en-US" sz="2800" dirty="0">
+                    <a:latin typeface="Arial" panose="020B0604020202020204" pitchFamily="34" charset="0"/>
+                    <a:cs typeface="Arial" panose="020B0604020202020204" pitchFamily="34" charset="0"/>
+                  </a:rPr>
+                  <a:t> (the same values we were going to use for the other methods)</a:t>
                 </a:r>
               </a:p>
               <a:p>
@@ -6994,7 +7611,19 @@
               <a:p>
                 <a:r>
                   <a:rPr lang="en-US" sz="2800" dirty="0"/>
-                  <a:t>ADAGRAD adapts the learning rate for each parameter based on the accumulated squared gradients. Parameters with larger gradients in the past get smaller learning rates over time, while parameters with smaller gradients keep relatively higher learning rates.</a:t>
+                  <a:t>ADAGRAD adapts the learning rate for each parameter based on the </a:t>
+                </a:r>
+                <a:r>
+                  <a:rPr lang="en-US" sz="2800" b="1" dirty="0">
+                    <a:solidFill>
+                      <a:srgbClr val="FF0000"/>
+                    </a:solidFill>
+                  </a:rPr>
+                  <a:t>accumulated squared gradients</a:t>
+                </a:r>
+                <a:r>
+                  <a:rPr lang="en-US" sz="2800" dirty="0"/>
+                  <a:t>. Parameters with larger gradients in the past get smaller learning rates over time, while parameters with smaller gradients keep relatively higher learning rates.</a:t>
                 </a:r>
               </a:p>
               <a:p>
@@ -7016,14 +7645,7 @@
                         <a:latin typeface="Cambria Math" panose="02040503050406030204" pitchFamily="18" charset="0"/>
                         <a:ea typeface="Cambria Math" panose="02040503050406030204" pitchFamily="18" charset="0"/>
                       </a:rPr>
-                      <m:t>=</m:t>
-                    </m:r>
-                    <m:r>
-                      <a:rPr lang="it-IT" sz="2800" b="0" i="1" smtClean="0">
-                        <a:latin typeface="Cambria Math" panose="02040503050406030204" pitchFamily="18" charset="0"/>
-                        <a:ea typeface="Cambria Math" panose="02040503050406030204" pitchFamily="18" charset="0"/>
-                      </a:rPr>
-                      <m:t>0.001</m:t>
+                      <m:t>=0.001</m:t>
                     </m:r>
                   </m:oMath>
                 </a14:m>
@@ -7641,7 +8263,19 @@
           <a:p>
             <a:r>
               <a:rPr lang="en-US" sz="2800" dirty="0"/>
-              <a:t>Adam is an adaptive optimization algorithm that maintains exponentially decaying averages of past gradients (first moment) and squared gradients (second moment), which are used to adapt the learning rate for each parameter individually.</a:t>
+              <a:t>Adam is an </a:t>
+            </a:r>
+            <a:r>
+              <a:rPr lang="en-US" sz="2800" b="1" dirty="0">
+                <a:solidFill>
+                  <a:srgbClr val="FF0000"/>
+                </a:solidFill>
+              </a:rPr>
+              <a:t>adaptive optimization </a:t>
+            </a:r>
+            <a:r>
+              <a:rPr lang="en-US" sz="2800" dirty="0"/>
+              <a:t>algorithm that maintains exponentially decaying averages of past gradients (first moment) and squared gradients (second moment), which are used to adapt the learning rate for each parameter individually.</a:t>
             </a:r>
             <a:br>
               <a:rPr lang="en-US" sz="2800" dirty="0"/>
@@ -7898,7 +8532,19 @@
           <a:p>
             <a:r>
               <a:rPr lang="en-US" sz="2800" dirty="0"/>
-              <a:t>Sign SGD operates in a much more similar way to basic SGD but uses the sign of the gradient for each parameter as step direction instead of its value.</a:t>
+              <a:t>Sign SGD operates in a much more similar way to basic SGD but uses the </a:t>
+            </a:r>
+            <a:r>
+              <a:rPr lang="en-US" sz="2800" b="1" dirty="0">
+                <a:solidFill>
+                  <a:srgbClr val="FF0000"/>
+                </a:solidFill>
+              </a:rPr>
+              <a:t>sign of the gradient </a:t>
+            </a:r>
+            <a:r>
+              <a:rPr lang="en-US" sz="2800" dirty="0"/>
+              <a:t>for each parameter as step direction instead of its value.</a:t>
             </a:r>
           </a:p>
           <a:p>
@@ -8065,8 +8711,16 @@
               <a:buChar char="•"/>
             </a:pPr>
             <a:r>
+              <a:rPr lang="en-US" sz="1600" b="1" dirty="0">
+                <a:solidFill>
+                  <a:srgbClr val="00B050"/>
+                </a:solidFill>
+              </a:rPr>
+              <a:t>ADAM</a:t>
+            </a:r>
+            <a:r>
               <a:rPr lang="en-US" sz="1600" dirty="0"/>
-              <a:t>ADAM is the fastest method out of the four, as it adapts the learning rate of each parameter using momentum, resulting in "smarter" adjustments;</a:t>
+              <a:t> is the fastest method out of the four, as it adapts the learning rate of each parameter using momentum, resulting in "smarter" adjustments;</a:t>
             </a:r>
           </a:p>
           <a:p>
@@ -8078,8 +8732,12 @@
               <a:buChar char="•"/>
             </a:pPr>
             <a:r>
+              <a:rPr lang="en-US" sz="1600" b="1" dirty="0"/>
+              <a:t>Sign SGD </a:t>
+            </a:r>
+            <a:r>
               <a:rPr lang="en-US" sz="1600" dirty="0"/>
-              <a:t>Sign SGD is the second fastest, as it applies simple constant updates always in the same direction;</a:t>
+              <a:t>is the second fastest, as it applies simple constant updates always in the same direction;</a:t>
             </a:r>
           </a:p>
           <a:p>
@@ -8095,8 +8753,16 @@
               <a:buChar char="•"/>
             </a:pPr>
             <a:r>
+              <a:rPr lang="en-US" sz="1600" b="1" dirty="0">
+                <a:solidFill>
+                  <a:srgbClr val="FF0000"/>
+                </a:solidFill>
+              </a:rPr>
+              <a:t>Minibatch Gradient Descent </a:t>
+            </a:r>
+            <a:r>
               <a:rPr lang="en-US" sz="1600" dirty="0"/>
-              <a:t>Minibatch Gradient Descent is relatively slower, as calculating the gradient stochastically may result in less decisive steps, requiring more iterations;</a:t>
+              <a:t>is relatively slower, as calculating the gradient stochastically may result in less decisive steps, requiring more iterations;</a:t>
             </a:r>
           </a:p>
           <a:p>
@@ -8108,8 +8774,16 @@
               <a:buChar char="•"/>
             </a:pPr>
             <a:r>
+              <a:rPr lang="en-US" sz="1600" b="1" dirty="0">
+                <a:solidFill>
+                  <a:srgbClr val="0070C0"/>
+                </a:solidFill>
+              </a:rPr>
+              <a:t>ADAGRAD</a:t>
+            </a:r>
+            <a:r>
               <a:rPr lang="en-US" sz="1600" dirty="0"/>
-              <a:t>ADAGRAD is the slowest, as the step size is inversely proportional to the gradient values, resulting in small updates that get smaller and smaller.</a:t>
+              <a:t> is the slowest, as the step size is inversely proportional to the gradient values, resulting in small updates that get smaller and smaller.</a:t>
             </a:r>
           </a:p>
         </p:txBody>
@@ -8148,6 +8822,1481 @@
     <p:extLst>
       <p:ext uri="{BB962C8B-B14F-4D97-AF65-F5344CB8AC3E}">
         <p14:creationId xmlns:p14="http://schemas.microsoft.com/office/powerpoint/2010/main" val="3912129253"/>
+      </p:ext>
+    </p:extLst>
+  </p:cSld>
+  <p:clrMapOvr>
+    <a:masterClrMapping/>
+  </p:clrMapOvr>
+</p:sld>
+</file>
+
+<file path=ppt/slides/slide33.xml><?xml version="1.0" encoding="utf-8"?>
+<p:sld xmlns:a="http://schemas.openxmlformats.org/drawingml/2006/main" xmlns:r="http://schemas.openxmlformats.org/officeDocument/2006/relationships" xmlns:p="http://schemas.openxmlformats.org/presentationml/2006/main">
+  <p:cSld>
+    <p:spTree>
+      <p:nvGrpSpPr>
+        <p:cNvPr id="1" name="">
+          <a:extLst>
+            <a:ext uri="{FF2B5EF4-FFF2-40B4-BE49-F238E27FC236}">
+              <a16:creationId xmlns:a16="http://schemas.microsoft.com/office/drawing/2014/main" id="{80523AA1-7560-6545-17CF-D48BAF413D5D}"/>
+            </a:ext>
+          </a:extLst>
+        </p:cNvPr>
+        <p:cNvGrpSpPr/>
+        <p:nvPr/>
+      </p:nvGrpSpPr>
+      <p:grpSpPr>
+        <a:xfrm>
+          <a:off x="0" y="0"/>
+          <a:ext cx="0" cy="0"/>
+          <a:chOff x="0" y="0"/>
+          <a:chExt cx="0" cy="0"/>
+        </a:xfrm>
+      </p:grpSpPr>
+      <p:sp>
+        <p:nvSpPr>
+          <p:cNvPr id="10" name="Titolo 9">
+            <a:extLst>
+              <a:ext uri="{FF2B5EF4-FFF2-40B4-BE49-F238E27FC236}">
+                <a16:creationId xmlns:a16="http://schemas.microsoft.com/office/drawing/2014/main" id="{149251A8-42BB-FD35-2075-CF7F7037DA96}"/>
+              </a:ext>
+            </a:extLst>
+          </p:cNvPr>
+          <p:cNvSpPr>
+            <a:spLocks noGrp="1"/>
+          </p:cNvSpPr>
+          <p:nvPr>
+            <p:ph type="title"/>
+          </p:nvPr>
+        </p:nvSpPr>
+        <p:spPr>
+          <a:xfrm>
+            <a:off x="762000" y="457200"/>
+            <a:ext cx="6400800" cy="538609"/>
+          </a:xfrm>
+        </p:spPr>
+        <p:txBody>
+          <a:bodyPr/>
+          <a:lstStyle/>
+          <a:p>
+            <a:r>
+              <a:rPr lang="en-GB" noProof="0" dirty="0">
+                <a:latin typeface="Arial Black" panose="020B0A04020102020204" pitchFamily="34" charset="0"/>
+              </a:rPr>
+              <a:t>Coordinate descent</a:t>
+            </a:r>
+          </a:p>
+        </p:txBody>
+      </p:sp>
+      <mc:AlternateContent xmlns:mc="http://schemas.openxmlformats.org/markup-compatibility/2006">
+        <mc:Choice xmlns:a14="http://schemas.microsoft.com/office/drawing/2010/main" Requires="a14">
+          <p:sp>
+            <p:nvSpPr>
+              <p:cNvPr id="4" name="CasellaDiTesto 3">
+                <a:extLst>
+                  <a:ext uri="{FF2B5EF4-FFF2-40B4-BE49-F238E27FC236}">
+                    <a16:creationId xmlns:a16="http://schemas.microsoft.com/office/drawing/2014/main" id="{860283F7-FBB7-B47A-F2E5-16EF1CF1B194}"/>
+                  </a:ext>
+                </a:extLst>
+              </p:cNvPr>
+              <p:cNvSpPr txBox="1"/>
+              <p:nvPr/>
+            </p:nvSpPr>
+            <p:spPr>
+              <a:xfrm>
+                <a:off x="762000" y="1600200"/>
+                <a:ext cx="10287000" cy="3286028"/>
+              </a:xfrm>
+              <a:prstGeom prst="rect">
+                <a:avLst/>
+              </a:prstGeom>
+              <a:noFill/>
+            </p:spPr>
+            <p:txBody>
+              <a:bodyPr wrap="square">
+                <a:spAutoFit/>
+              </a:bodyPr>
+              <a:lstStyle/>
+              <a:p>
+                <a:r>
+                  <a:rPr lang="en-US" sz="2800" dirty="0"/>
+                  <a:t>The next step of the analysis was to compare the different possible techniques used for coordinate gradient descent, that consists in </a:t>
+                </a:r>
+                <a:r>
+                  <a:rPr lang="en-US" sz="2800" b="1" dirty="0"/>
+                  <a:t>updating</a:t>
+                </a:r>
+                <a:r>
+                  <a:rPr lang="en-US" sz="2800" dirty="0"/>
+                  <a:t> only </a:t>
+                </a:r>
+                <a:r>
+                  <a:rPr lang="en-US" sz="2800" b="1" dirty="0"/>
+                  <a:t>one dimension </a:t>
+                </a:r>
+                <a:r>
+                  <a:rPr lang="en-US" sz="2800" dirty="0"/>
+                  <a:t>of the feature array x  for each step.</a:t>
+                </a:r>
+              </a:p>
+              <a:p>
+                <a:endParaRPr lang="en-US" sz="2800" dirty="0"/>
+              </a:p>
+              <a:p>
+                <a:r>
+                  <a:rPr lang="en-US" sz="2800" dirty="0"/>
+                  <a:t>For testing we will use step size </a:t>
+                </a:r>
+                <a14:m>
+                  <m:oMath xmlns:m="http://schemas.openxmlformats.org/officeDocument/2006/math">
+                    <m:r>
+                      <a:rPr lang="en-US" sz="2800" i="1" smtClean="0">
+                        <a:latin typeface="Cambria Math" panose="02040503050406030204" pitchFamily="18" charset="0"/>
+                        <a:ea typeface="Cambria Math" panose="02040503050406030204" pitchFamily="18" charset="0"/>
+                      </a:rPr>
+                      <m:t>𝛾</m:t>
+                    </m:r>
+                    <m:r>
+                      <a:rPr lang="it-IT" sz="2800" b="0" i="1" smtClean="0">
+                        <a:latin typeface="Cambria Math" panose="02040503050406030204" pitchFamily="18" charset="0"/>
+                        <a:ea typeface="Cambria Math" panose="02040503050406030204" pitchFamily="18" charset="0"/>
+                      </a:rPr>
+                      <m:t>= </m:t>
+                    </m:r>
+                    <m:f>
+                      <m:fPr>
+                        <m:ctrlPr>
+                          <a:rPr lang="it-IT" sz="2800" b="0" i="1" smtClean="0">
+                            <a:latin typeface="Cambria Math" panose="02040503050406030204" pitchFamily="18" charset="0"/>
+                            <a:ea typeface="Cambria Math" panose="02040503050406030204" pitchFamily="18" charset="0"/>
+                          </a:rPr>
+                        </m:ctrlPr>
+                      </m:fPr>
+                      <m:num>
+                        <m:r>
+                          <a:rPr lang="it-IT" sz="2800" b="0" i="1" smtClean="0">
+                            <a:latin typeface="Cambria Math" panose="02040503050406030204" pitchFamily="18" charset="0"/>
+                            <a:ea typeface="Cambria Math" panose="02040503050406030204" pitchFamily="18" charset="0"/>
+                          </a:rPr>
+                          <m:t>1</m:t>
+                        </m:r>
+                      </m:num>
+                      <m:den>
+                        <m:r>
+                          <a:rPr lang="it-IT" sz="2800" b="0" i="1" smtClean="0">
+                            <a:latin typeface="Cambria Math" panose="02040503050406030204" pitchFamily="18" charset="0"/>
+                            <a:ea typeface="Cambria Math" panose="02040503050406030204" pitchFamily="18" charset="0"/>
+                          </a:rPr>
+                          <m:t>𝐿</m:t>
+                        </m:r>
+                      </m:den>
+                    </m:f>
+                  </m:oMath>
+                </a14:m>
+                <a:r>
+                  <a:rPr lang="en-US" sz="2800" dirty="0"/>
+                  <a:t>,with L being the Lipschitz constant. </a:t>
+                </a:r>
+              </a:p>
+            </p:txBody>
+          </p:sp>
+        </mc:Choice>
+        <mc:Fallback>
+          <p:sp>
+            <p:nvSpPr>
+              <p:cNvPr id="4" name="CasellaDiTesto 3">
+                <a:extLst>
+                  <a:ext uri="{FF2B5EF4-FFF2-40B4-BE49-F238E27FC236}">
+                    <a16:creationId xmlns:a16="http://schemas.microsoft.com/office/drawing/2014/main" id="{860283F7-FBB7-B47A-F2E5-16EF1CF1B194}"/>
+                  </a:ext>
+                </a:extLst>
+              </p:cNvPr>
+              <p:cNvSpPr txBox="1">
+                <a:spLocks noRot="1" noChangeAspect="1" noMove="1" noResize="1" noEditPoints="1" noAdjustHandles="1" noChangeArrowheads="1" noChangeShapeType="1" noTextEdit="1"/>
+              </p:cNvSpPr>
+              <p:nvPr/>
+            </p:nvSpPr>
+            <p:spPr>
+              <a:xfrm>
+                <a:off x="762000" y="1600200"/>
+                <a:ext cx="10287000" cy="3286028"/>
+              </a:xfrm>
+              <a:prstGeom prst="rect">
+                <a:avLst/>
+              </a:prstGeom>
+              <a:blipFill>
+                <a:blip r:embed="rId2"/>
+                <a:stretch>
+                  <a:fillRect l="-1185" t="-2041" r="-2133" b="-4082"/>
+                </a:stretch>
+              </a:blipFill>
+            </p:spPr>
+            <p:txBody>
+              <a:bodyPr/>
+              <a:lstStyle/>
+              <a:p>
+                <a:r>
+                  <a:rPr lang="it-IT">
+                    <a:noFill/>
+                  </a:rPr>
+                  <a:t> </a:t>
+                </a:r>
+              </a:p>
+            </p:txBody>
+          </p:sp>
+        </mc:Fallback>
+      </mc:AlternateContent>
+    </p:spTree>
+    <p:extLst>
+      <p:ext uri="{BB962C8B-B14F-4D97-AF65-F5344CB8AC3E}">
+        <p14:creationId xmlns:p14="http://schemas.microsoft.com/office/powerpoint/2010/main" val="247652570"/>
+      </p:ext>
+    </p:extLst>
+  </p:cSld>
+  <p:clrMapOvr>
+    <a:masterClrMapping/>
+  </p:clrMapOvr>
+</p:sld>
+</file>
+
+<file path=ppt/slides/slide34.xml><?xml version="1.0" encoding="utf-8"?>
+<p:sld xmlns:a="http://schemas.openxmlformats.org/drawingml/2006/main" xmlns:r="http://schemas.openxmlformats.org/officeDocument/2006/relationships" xmlns:p="http://schemas.openxmlformats.org/presentationml/2006/main">
+  <p:cSld>
+    <p:spTree>
+      <p:nvGrpSpPr>
+        <p:cNvPr id="1" name="">
+          <a:extLst>
+            <a:ext uri="{FF2B5EF4-FFF2-40B4-BE49-F238E27FC236}">
+              <a16:creationId xmlns:a16="http://schemas.microsoft.com/office/drawing/2014/main" id="{209FC820-5EBA-437B-CD8B-EEF818714D9A}"/>
+            </a:ext>
+          </a:extLst>
+        </p:cNvPr>
+        <p:cNvGrpSpPr/>
+        <p:nvPr/>
+      </p:nvGrpSpPr>
+      <p:grpSpPr>
+        <a:xfrm>
+          <a:off x="0" y="0"/>
+          <a:ext cx="0" cy="0"/>
+          <a:chOff x="0" y="0"/>
+          <a:chExt cx="0" cy="0"/>
+        </a:xfrm>
+      </p:grpSpPr>
+      <p:sp>
+        <p:nvSpPr>
+          <p:cNvPr id="10" name="Titolo 9">
+            <a:extLst>
+              <a:ext uri="{FF2B5EF4-FFF2-40B4-BE49-F238E27FC236}">
+                <a16:creationId xmlns:a16="http://schemas.microsoft.com/office/drawing/2014/main" id="{53262397-875B-CC9D-ECAF-E7E9066A497F}"/>
+              </a:ext>
+            </a:extLst>
+          </p:cNvPr>
+          <p:cNvSpPr>
+            <a:spLocks noGrp="1"/>
+          </p:cNvSpPr>
+          <p:nvPr>
+            <p:ph type="title"/>
+          </p:nvPr>
+        </p:nvSpPr>
+        <p:spPr>
+          <a:xfrm>
+            <a:off x="762000" y="457200"/>
+            <a:ext cx="10287000" cy="538609"/>
+          </a:xfrm>
+        </p:spPr>
+        <p:txBody>
+          <a:bodyPr/>
+          <a:lstStyle/>
+          <a:p>
+            <a:r>
+              <a:rPr lang="en-GB" dirty="0">
+                <a:latin typeface="Arial Black" panose="020B0A04020102020204" pitchFamily="34" charset="0"/>
+              </a:rPr>
+              <a:t>Random c</a:t>
+            </a:r>
+            <a:r>
+              <a:rPr lang="en-GB" noProof="0" dirty="0" err="1">
+                <a:latin typeface="Arial Black" panose="020B0A04020102020204" pitchFamily="34" charset="0"/>
+              </a:rPr>
+              <a:t>oordinate</a:t>
+            </a:r>
+            <a:r>
+              <a:rPr lang="en-GB" noProof="0" dirty="0">
+                <a:latin typeface="Arial Black" panose="020B0A04020102020204" pitchFamily="34" charset="0"/>
+              </a:rPr>
+              <a:t> descent</a:t>
+            </a:r>
+          </a:p>
+        </p:txBody>
+      </p:sp>
+      <mc:AlternateContent xmlns:mc="http://schemas.openxmlformats.org/markup-compatibility/2006">
+        <mc:Choice xmlns:a14="http://schemas.microsoft.com/office/drawing/2010/main" Requires="a14">
+          <p:sp>
+            <p:nvSpPr>
+              <p:cNvPr id="4" name="CasellaDiTesto 3">
+                <a:extLst>
+                  <a:ext uri="{FF2B5EF4-FFF2-40B4-BE49-F238E27FC236}">
+                    <a16:creationId xmlns:a16="http://schemas.microsoft.com/office/drawing/2014/main" id="{CE25D19C-60CE-48EA-0BE0-0FDDEA00095D}"/>
+                  </a:ext>
+                </a:extLst>
+              </p:cNvPr>
+              <p:cNvSpPr txBox="1"/>
+              <p:nvPr/>
+            </p:nvSpPr>
+            <p:spPr>
+              <a:xfrm>
+                <a:off x="762000" y="1524000"/>
+                <a:ext cx="10287000" cy="2677656"/>
+              </a:xfrm>
+              <a:prstGeom prst="rect">
+                <a:avLst/>
+              </a:prstGeom>
+              <a:noFill/>
+            </p:spPr>
+            <p:txBody>
+              <a:bodyPr wrap="square">
+                <a:spAutoFit/>
+              </a:bodyPr>
+              <a:lstStyle/>
+              <a:p>
+                <a:r>
+                  <a:rPr lang="en-US" sz="2800" dirty="0"/>
+                  <a:t>In this variation of coordinate descent, the direction picked at any given step, </a:t>
+                </a:r>
+                <a14:m>
+                  <m:oMath xmlns:m="http://schemas.openxmlformats.org/officeDocument/2006/math">
+                    <m:r>
+                      <a:rPr lang="it-IT" sz="2800" b="0" i="1" smtClean="0">
+                        <a:latin typeface="Cambria Math" panose="02040503050406030204" pitchFamily="18" charset="0"/>
+                      </a:rPr>
+                      <m:t>𝑖</m:t>
+                    </m:r>
+                  </m:oMath>
+                </a14:m>
+                <a:r>
+                  <a:rPr lang="en-US" sz="2800" dirty="0"/>
+                  <a:t>, is </a:t>
+                </a:r>
+                <a:r>
+                  <a:rPr lang="en-US" sz="2800" b="1" dirty="0">
+                    <a:solidFill>
+                      <a:srgbClr val="FF0000"/>
+                    </a:solidFill>
+                  </a:rPr>
+                  <a:t>completely random</a:t>
+                </a:r>
+                <a:r>
+                  <a:rPr lang="en-US" sz="2800" dirty="0"/>
+                  <a:t>.</a:t>
+                </a:r>
+              </a:p>
+              <a:p>
+                <a:endParaRPr lang="en-US" sz="2800" dirty="0"/>
+              </a:p>
+              <a:p>
+                <a:r>
+                  <a:rPr lang="en-US" sz="2800" dirty="0"/>
+                  <a:t>This results in the algorithm reaching the optimum, but with a different number of steps at each execution</a:t>
+                </a:r>
+              </a:p>
+              <a:p>
+                <a:endParaRPr lang="en-US" sz="2800" dirty="0"/>
+              </a:p>
+            </p:txBody>
+          </p:sp>
+        </mc:Choice>
+        <mc:Fallback>
+          <p:sp>
+            <p:nvSpPr>
+              <p:cNvPr id="4" name="CasellaDiTesto 3">
+                <a:extLst>
+                  <a:ext uri="{FF2B5EF4-FFF2-40B4-BE49-F238E27FC236}">
+                    <a16:creationId xmlns:a16="http://schemas.microsoft.com/office/drawing/2014/main" id="{CE25D19C-60CE-48EA-0BE0-0FDDEA00095D}"/>
+                  </a:ext>
+                </a:extLst>
+              </p:cNvPr>
+              <p:cNvSpPr txBox="1">
+                <a:spLocks noRot="1" noChangeAspect="1" noMove="1" noResize="1" noEditPoints="1" noAdjustHandles="1" noChangeArrowheads="1" noChangeShapeType="1" noTextEdit="1"/>
+              </p:cNvSpPr>
+              <p:nvPr/>
+            </p:nvSpPr>
+            <p:spPr>
+              <a:xfrm>
+                <a:off x="762000" y="1524000"/>
+                <a:ext cx="10287000" cy="2677656"/>
+              </a:xfrm>
+              <a:prstGeom prst="rect">
+                <a:avLst/>
+              </a:prstGeom>
+              <a:blipFill>
+                <a:blip r:embed="rId2"/>
+                <a:stretch>
+                  <a:fillRect l="-1185" t="-2278"/>
+                </a:stretch>
+              </a:blipFill>
+            </p:spPr>
+            <p:txBody>
+              <a:bodyPr/>
+              <a:lstStyle/>
+              <a:p>
+                <a:r>
+                  <a:rPr lang="it-IT">
+                    <a:noFill/>
+                  </a:rPr>
+                  <a:t> </a:t>
+                </a:r>
+              </a:p>
+            </p:txBody>
+          </p:sp>
+        </mc:Fallback>
+      </mc:AlternateContent>
+      <p:pic>
+        <p:nvPicPr>
+          <p:cNvPr id="6" name="Immagine 5" descr="Immagine che contiene testo, schermata, bianco e nero, design&#10;&#10;Il contenuto generato dall'IA potrebbe non essere corretto.">
+            <a:extLst>
+              <a:ext uri="{FF2B5EF4-FFF2-40B4-BE49-F238E27FC236}">
+                <a16:creationId xmlns:a16="http://schemas.microsoft.com/office/drawing/2014/main" id="{903916F1-5DA1-C7DD-7E1B-BD545FA41FCC}"/>
+              </a:ext>
+            </a:extLst>
+          </p:cNvPr>
+          <p:cNvPicPr>
+            <a:picLocks noChangeAspect="1"/>
+          </p:cNvPicPr>
+          <p:nvPr/>
+        </p:nvPicPr>
+        <p:blipFill>
+          <a:blip r:embed="rId3">
+            <a:extLst>
+              <a:ext uri="{28A0092B-C50C-407E-A947-70E740481C1C}">
+                <a14:useLocalDpi xmlns:a14="http://schemas.microsoft.com/office/drawing/2010/main" val="0"/>
+              </a:ext>
+            </a:extLst>
+          </a:blip>
+          <a:srcRect t="82926"/>
+          <a:stretch>
+            <a:fillRect/>
+          </a:stretch>
+        </p:blipFill>
+        <p:spPr>
+          <a:xfrm>
+            <a:off x="838200" y="3979087"/>
+            <a:ext cx="8245555" cy="750760"/>
+          </a:xfrm>
+          <a:prstGeom prst="rect">
+            <a:avLst/>
+          </a:prstGeom>
+        </p:spPr>
+      </p:pic>
+      <p:sp>
+        <p:nvSpPr>
+          <p:cNvPr id="7" name="CasellaDiTesto 6">
+            <a:extLst>
+              <a:ext uri="{FF2B5EF4-FFF2-40B4-BE49-F238E27FC236}">
+                <a16:creationId xmlns:a16="http://schemas.microsoft.com/office/drawing/2014/main" id="{379B1FEA-0F11-F87A-67B9-D4E3776EA341}"/>
+              </a:ext>
+            </a:extLst>
+          </p:cNvPr>
+          <p:cNvSpPr txBox="1"/>
+          <p:nvPr/>
+        </p:nvSpPr>
+        <p:spPr>
+          <a:xfrm>
+            <a:off x="762000" y="4856946"/>
+            <a:ext cx="10287000" cy="954107"/>
+          </a:xfrm>
+          <a:prstGeom prst="rect">
+            <a:avLst/>
+          </a:prstGeom>
+          <a:noFill/>
+        </p:spPr>
+        <p:txBody>
+          <a:bodyPr wrap="square">
+            <a:spAutoFit/>
+          </a:bodyPr>
+          <a:lstStyle/>
+          <a:p>
+            <a:r>
+              <a:rPr lang="en-US" sz="2800" dirty="0"/>
+              <a:t>The final steps are always the same, though, as convergence is eventually reached.</a:t>
+            </a:r>
+          </a:p>
+        </p:txBody>
+      </p:sp>
+    </p:spTree>
+    <p:extLst>
+      <p:ext uri="{BB962C8B-B14F-4D97-AF65-F5344CB8AC3E}">
+        <p14:creationId xmlns:p14="http://schemas.microsoft.com/office/powerpoint/2010/main" val="1907456549"/>
+      </p:ext>
+    </p:extLst>
+  </p:cSld>
+  <p:clrMapOvr>
+    <a:masterClrMapping/>
+  </p:clrMapOvr>
+</p:sld>
+</file>
+
+<file path=ppt/slides/slide35.xml><?xml version="1.0" encoding="utf-8"?>
+<p:sld xmlns:a="http://schemas.openxmlformats.org/drawingml/2006/main" xmlns:r="http://schemas.openxmlformats.org/officeDocument/2006/relationships" xmlns:p="http://schemas.openxmlformats.org/presentationml/2006/main">
+  <p:cSld>
+    <p:spTree>
+      <p:nvGrpSpPr>
+        <p:cNvPr id="1" name="">
+          <a:extLst>
+            <a:ext uri="{FF2B5EF4-FFF2-40B4-BE49-F238E27FC236}">
+              <a16:creationId xmlns:a16="http://schemas.microsoft.com/office/drawing/2014/main" id="{AD850FD7-B30E-C391-ECF2-9F6433AA4389}"/>
+            </a:ext>
+          </a:extLst>
+        </p:cNvPr>
+        <p:cNvGrpSpPr/>
+        <p:nvPr/>
+      </p:nvGrpSpPr>
+      <p:grpSpPr>
+        <a:xfrm>
+          <a:off x="0" y="0"/>
+          <a:ext cx="0" cy="0"/>
+          <a:chOff x="0" y="0"/>
+          <a:chExt cx="0" cy="0"/>
+        </a:xfrm>
+      </p:grpSpPr>
+      <p:sp>
+        <p:nvSpPr>
+          <p:cNvPr id="10" name="Titolo 9">
+            <a:extLst>
+              <a:ext uri="{FF2B5EF4-FFF2-40B4-BE49-F238E27FC236}">
+                <a16:creationId xmlns:a16="http://schemas.microsoft.com/office/drawing/2014/main" id="{031586E8-EE9A-903C-4BA1-BBC4B8EF5FD9}"/>
+              </a:ext>
+            </a:extLst>
+          </p:cNvPr>
+          <p:cNvSpPr>
+            <a:spLocks noGrp="1"/>
+          </p:cNvSpPr>
+          <p:nvPr>
+            <p:ph type="title"/>
+          </p:nvPr>
+        </p:nvSpPr>
+        <p:spPr>
+          <a:xfrm>
+            <a:off x="762000" y="457200"/>
+            <a:ext cx="10287000" cy="538609"/>
+          </a:xfrm>
+        </p:spPr>
+        <p:txBody>
+          <a:bodyPr/>
+          <a:lstStyle/>
+          <a:p>
+            <a:r>
+              <a:rPr lang="en-GB" dirty="0">
+                <a:latin typeface="Arial Black" panose="020B0A04020102020204" pitchFamily="34" charset="0"/>
+              </a:rPr>
+              <a:t>Importance sampling c</a:t>
+            </a:r>
+            <a:r>
+              <a:rPr lang="en-GB" noProof="0" dirty="0" err="1">
+                <a:latin typeface="Arial Black" panose="020B0A04020102020204" pitchFamily="34" charset="0"/>
+              </a:rPr>
+              <a:t>oordinate</a:t>
+            </a:r>
+            <a:r>
+              <a:rPr lang="en-GB" noProof="0" dirty="0">
+                <a:latin typeface="Arial Black" panose="020B0A04020102020204" pitchFamily="34" charset="0"/>
+              </a:rPr>
+              <a:t> descent</a:t>
+            </a:r>
+          </a:p>
+        </p:txBody>
+      </p:sp>
+      <mc:AlternateContent xmlns:mc="http://schemas.openxmlformats.org/markup-compatibility/2006">
+        <mc:Choice xmlns:a14="http://schemas.microsoft.com/office/drawing/2010/main" Requires="a14">
+          <p:sp>
+            <p:nvSpPr>
+              <p:cNvPr id="2" name="CasellaDiTesto 1">
+                <a:extLst>
+                  <a:ext uri="{FF2B5EF4-FFF2-40B4-BE49-F238E27FC236}">
+                    <a16:creationId xmlns:a16="http://schemas.microsoft.com/office/drawing/2014/main" id="{9F4B4920-0019-9287-D4AB-06AF61EDE749}"/>
+                  </a:ext>
+                </a:extLst>
+              </p:cNvPr>
+              <p:cNvSpPr txBox="1"/>
+              <p:nvPr/>
+            </p:nvSpPr>
+            <p:spPr>
+              <a:xfrm>
+                <a:off x="762000" y="1447800"/>
+                <a:ext cx="10287000" cy="4064126"/>
+              </a:xfrm>
+              <a:prstGeom prst="rect">
+                <a:avLst/>
+              </a:prstGeom>
+              <a:noFill/>
+            </p:spPr>
+            <p:txBody>
+              <a:bodyPr wrap="square">
+                <a:spAutoFit/>
+              </a:bodyPr>
+              <a:lstStyle/>
+              <a:p>
+                <a:r>
+                  <a:rPr lang="en-US" sz="2800" dirty="0"/>
+                  <a:t>In this variation, the choice of which coordinate </a:t>
+                </a:r>
+                <a14:m>
+                  <m:oMath xmlns:m="http://schemas.openxmlformats.org/officeDocument/2006/math">
+                    <m:r>
+                      <a:rPr lang="it-IT" sz="2800" b="0" i="1" smtClean="0">
+                        <a:latin typeface="Cambria Math" panose="02040503050406030204" pitchFamily="18" charset="0"/>
+                      </a:rPr>
+                      <m:t>𝑖</m:t>
+                    </m:r>
+                  </m:oMath>
+                </a14:m>
+                <a:r>
+                  <a:rPr lang="en-US" sz="2800" dirty="0"/>
+                  <a:t> will be used for each step is still </a:t>
+                </a:r>
+                <a:r>
+                  <a:rPr lang="en-US" sz="2800" b="1" dirty="0">
+                    <a:solidFill>
+                      <a:srgbClr val="FF0000"/>
+                    </a:solidFill>
+                  </a:rPr>
+                  <a:t>random</a:t>
+                </a:r>
+                <a:r>
+                  <a:rPr lang="en-US" sz="2800" dirty="0"/>
+                  <a:t>, but the probability distribution </a:t>
+                </a:r>
+                <a14:m>
+                  <m:oMath xmlns:m="http://schemas.openxmlformats.org/officeDocument/2006/math">
+                    <m:r>
+                      <a:rPr lang="it-IT" sz="2800" b="0" i="1" smtClean="0">
+                        <a:latin typeface="Cambria Math" panose="02040503050406030204" pitchFamily="18" charset="0"/>
+                      </a:rPr>
+                      <m:t>𝑝</m:t>
+                    </m:r>
+                    <m:r>
+                      <a:rPr lang="it-IT" sz="2800" b="0" i="1" smtClean="0">
+                        <a:latin typeface="Cambria Math" panose="02040503050406030204" pitchFamily="18" charset="0"/>
+                      </a:rPr>
+                      <m:t> </m:t>
+                    </m:r>
+                  </m:oMath>
+                </a14:m>
+                <a:r>
+                  <a:rPr lang="en-US" sz="2800" dirty="0"/>
+                  <a:t>is based on the </a:t>
+                </a:r>
+                <a:r>
+                  <a:rPr lang="en-US" sz="2800" b="1" dirty="0">
+                    <a:solidFill>
+                      <a:srgbClr val="FF0000"/>
+                    </a:solidFill>
+                  </a:rPr>
+                  <a:t>smoothness constant </a:t>
+                </a:r>
+                <a14:m>
+                  <m:oMath xmlns:m="http://schemas.openxmlformats.org/officeDocument/2006/math">
+                    <m:sSub>
+                      <m:sSubPr>
+                        <m:ctrlPr>
+                          <a:rPr lang="en-US" sz="2800" i="1" smtClean="0">
+                            <a:latin typeface="Cambria Math" panose="02040503050406030204" pitchFamily="18" charset="0"/>
+                          </a:rPr>
+                        </m:ctrlPr>
+                      </m:sSubPr>
+                      <m:e>
+                        <m:r>
+                          <a:rPr lang="it-IT" sz="2800" b="0" i="1" smtClean="0">
+                            <a:latin typeface="Cambria Math" panose="02040503050406030204" pitchFamily="18" charset="0"/>
+                          </a:rPr>
+                          <m:t>𝐿</m:t>
+                        </m:r>
+                      </m:e>
+                      <m:sub>
+                        <m:r>
+                          <a:rPr lang="it-IT" sz="2800" b="0" i="1" smtClean="0">
+                            <a:latin typeface="Cambria Math" panose="02040503050406030204" pitchFamily="18" charset="0"/>
+                          </a:rPr>
+                          <m:t>𝑖</m:t>
+                        </m:r>
+                        <m:r>
+                          <a:rPr lang="it-IT" sz="2800" b="0" i="1" smtClean="0">
+                            <a:latin typeface="Cambria Math" panose="02040503050406030204" pitchFamily="18" charset="0"/>
+                          </a:rPr>
+                          <m:t> </m:t>
+                        </m:r>
+                      </m:sub>
+                    </m:sSub>
+                  </m:oMath>
+                </a14:m>
+                <a:r>
+                  <a:rPr lang="en-US" sz="2800" dirty="0"/>
+                  <a:t>associated with every coordinate:</a:t>
+                </a:r>
+              </a:p>
+              <a:p>
+                <a:pPr/>
+                <a14:m>
+                  <m:oMathPara xmlns:m="http://schemas.openxmlformats.org/officeDocument/2006/math">
+                    <m:oMathParaPr>
+                      <m:jc m:val="left"/>
+                    </m:oMathParaPr>
+                    <m:oMath xmlns:m="http://schemas.openxmlformats.org/officeDocument/2006/math">
+                      <m:sSub>
+                        <m:sSubPr>
+                          <m:ctrlPr>
+                            <a:rPr lang="it-IT" sz="2800" b="0" i="1" smtClean="0">
+                              <a:latin typeface="Cambria Math" panose="02040503050406030204" pitchFamily="18" charset="0"/>
+                            </a:rPr>
+                          </m:ctrlPr>
+                        </m:sSubPr>
+                        <m:e>
+                          <m:r>
+                            <a:rPr lang="it-IT" sz="2800" b="0" i="1" smtClean="0">
+                              <a:latin typeface="Cambria Math" panose="02040503050406030204" pitchFamily="18" charset="0"/>
+                            </a:rPr>
+                            <m:t>𝑝</m:t>
+                          </m:r>
+                        </m:e>
+                        <m:sub>
+                          <m:r>
+                            <a:rPr lang="it-IT" sz="2800" b="0" i="1" smtClean="0">
+                              <a:latin typeface="Cambria Math" panose="02040503050406030204" pitchFamily="18" charset="0"/>
+                            </a:rPr>
+                            <m:t>𝑖</m:t>
+                          </m:r>
+                        </m:sub>
+                      </m:sSub>
+                      <m:r>
+                        <a:rPr lang="it-IT" sz="2800" b="0" i="1" smtClean="0">
+                          <a:latin typeface="Cambria Math" panose="02040503050406030204" pitchFamily="18" charset="0"/>
+                        </a:rPr>
+                        <m:t>= </m:t>
+                      </m:r>
+                      <m:f>
+                        <m:fPr>
+                          <m:ctrlPr>
+                            <a:rPr lang="it-IT" sz="2800" b="0" i="1" smtClean="0">
+                              <a:latin typeface="Cambria Math" panose="02040503050406030204" pitchFamily="18" charset="0"/>
+                            </a:rPr>
+                          </m:ctrlPr>
+                        </m:fPr>
+                        <m:num>
+                          <m:sSub>
+                            <m:sSubPr>
+                              <m:ctrlPr>
+                                <a:rPr lang="it-IT" sz="2800" b="0" i="1" smtClean="0">
+                                  <a:latin typeface="Cambria Math" panose="02040503050406030204" pitchFamily="18" charset="0"/>
+                                </a:rPr>
+                              </m:ctrlPr>
+                            </m:sSubPr>
+                            <m:e>
+                              <m:r>
+                                <a:rPr lang="it-IT" sz="2800" b="0" i="1" smtClean="0">
+                                  <a:latin typeface="Cambria Math" panose="02040503050406030204" pitchFamily="18" charset="0"/>
+                                </a:rPr>
+                                <m:t>𝐿</m:t>
+                              </m:r>
+                            </m:e>
+                            <m:sub>
+                              <m:r>
+                                <a:rPr lang="it-IT" sz="2800" b="0" i="1" smtClean="0">
+                                  <a:latin typeface="Cambria Math" panose="02040503050406030204" pitchFamily="18" charset="0"/>
+                                </a:rPr>
+                                <m:t>𝑖</m:t>
+                              </m:r>
+                            </m:sub>
+                          </m:sSub>
+                        </m:num>
+                        <m:den>
+                          <m:nary>
+                            <m:naryPr>
+                              <m:chr m:val="∑"/>
+                              <m:ctrlPr>
+                                <a:rPr lang="it-IT" sz="2800" b="0" i="1" smtClean="0">
+                                  <a:latin typeface="Cambria Math" panose="02040503050406030204" pitchFamily="18" charset="0"/>
+                                </a:rPr>
+                              </m:ctrlPr>
+                            </m:naryPr>
+                            <m:sub>
+                              <m:r>
+                                <m:rPr>
+                                  <m:brk m:alnAt="23"/>
+                                </m:rPr>
+                                <a:rPr lang="it-IT" sz="2800" b="0" i="1" smtClean="0">
+                                  <a:latin typeface="Cambria Math" panose="02040503050406030204" pitchFamily="18" charset="0"/>
+                                </a:rPr>
+                                <m:t>𝑗</m:t>
+                              </m:r>
+                              <m:r>
+                                <a:rPr lang="it-IT" sz="2800" b="0" i="1" smtClean="0">
+                                  <a:latin typeface="Cambria Math" panose="02040503050406030204" pitchFamily="18" charset="0"/>
+                                </a:rPr>
+                                <m:t>=1</m:t>
+                              </m:r>
+                            </m:sub>
+                            <m:sup>
+                              <m:r>
+                                <a:rPr lang="it-IT" sz="2800" b="0" i="1" smtClean="0">
+                                  <a:latin typeface="Cambria Math" panose="02040503050406030204" pitchFamily="18" charset="0"/>
+                                </a:rPr>
+                                <m:t>𝑛</m:t>
+                              </m:r>
+                            </m:sup>
+                            <m:e>
+                              <m:sSub>
+                                <m:sSubPr>
+                                  <m:ctrlPr>
+                                    <a:rPr lang="it-IT" sz="2800" b="0" i="1" smtClean="0">
+                                      <a:latin typeface="Cambria Math" panose="02040503050406030204" pitchFamily="18" charset="0"/>
+                                    </a:rPr>
+                                  </m:ctrlPr>
+                                </m:sSubPr>
+                                <m:e>
+                                  <m:r>
+                                    <a:rPr lang="it-IT" sz="2800" b="0" i="1" smtClean="0">
+                                      <a:latin typeface="Cambria Math" panose="02040503050406030204" pitchFamily="18" charset="0"/>
+                                    </a:rPr>
+                                    <m:t>𝐿</m:t>
+                                  </m:r>
+                                </m:e>
+                                <m:sub>
+                                  <m:r>
+                                    <a:rPr lang="it-IT" sz="2800" b="0" i="1" smtClean="0">
+                                      <a:latin typeface="Cambria Math" panose="02040503050406030204" pitchFamily="18" charset="0"/>
+                                    </a:rPr>
+                                    <m:t>𝑗</m:t>
+                                  </m:r>
+                                </m:sub>
+                              </m:sSub>
+                            </m:e>
+                          </m:nary>
+                        </m:den>
+                      </m:f>
+                    </m:oMath>
+                  </m:oMathPara>
+                </a14:m>
+                <a:endParaRPr lang="en-US" sz="2800" dirty="0"/>
+              </a:p>
+              <a:p>
+                <a:pPr/>
+                <a:endParaRPr lang="en-US" sz="2800" dirty="0"/>
+              </a:p>
+              <a:p>
+                <a:pPr/>
+                <a:r>
+                  <a:rPr lang="en-US" sz="2800" dirty="0"/>
+                  <a:t>With the choice being still randomized, the number of steps necessary for reaching the optimum change at every execution.</a:t>
+                </a:r>
+              </a:p>
+            </p:txBody>
+          </p:sp>
+        </mc:Choice>
+        <mc:Fallback>
+          <p:sp>
+            <p:nvSpPr>
+              <p:cNvPr id="2" name="CasellaDiTesto 1">
+                <a:extLst>
+                  <a:ext uri="{FF2B5EF4-FFF2-40B4-BE49-F238E27FC236}">
+                    <a16:creationId xmlns:a16="http://schemas.microsoft.com/office/drawing/2014/main" id="{9F4B4920-0019-9287-D4AB-06AF61EDE749}"/>
+                  </a:ext>
+                </a:extLst>
+              </p:cNvPr>
+              <p:cNvSpPr txBox="1">
+                <a:spLocks noRot="1" noChangeAspect="1" noMove="1" noResize="1" noEditPoints="1" noAdjustHandles="1" noChangeArrowheads="1" noChangeShapeType="1" noTextEdit="1"/>
+              </p:cNvSpPr>
+              <p:nvPr/>
+            </p:nvSpPr>
+            <p:spPr>
+              <a:xfrm>
+                <a:off x="762000" y="1447800"/>
+                <a:ext cx="10287000" cy="4064126"/>
+              </a:xfrm>
+              <a:prstGeom prst="rect">
+                <a:avLst/>
+              </a:prstGeom>
+              <a:blipFill>
+                <a:blip r:embed="rId2"/>
+                <a:stretch>
+                  <a:fillRect l="-1185" t="-1652" r="-1896" b="-3153"/>
+                </a:stretch>
+              </a:blipFill>
+            </p:spPr>
+            <p:txBody>
+              <a:bodyPr/>
+              <a:lstStyle/>
+              <a:p>
+                <a:r>
+                  <a:rPr lang="it-IT">
+                    <a:noFill/>
+                  </a:rPr>
+                  <a:t> </a:t>
+                </a:r>
+              </a:p>
+            </p:txBody>
+          </p:sp>
+        </mc:Fallback>
+      </mc:AlternateContent>
+    </p:spTree>
+    <p:extLst>
+      <p:ext uri="{BB962C8B-B14F-4D97-AF65-F5344CB8AC3E}">
+        <p14:creationId xmlns:p14="http://schemas.microsoft.com/office/powerpoint/2010/main" val="438545480"/>
+      </p:ext>
+    </p:extLst>
+  </p:cSld>
+  <p:clrMapOvr>
+    <a:masterClrMapping/>
+  </p:clrMapOvr>
+</p:sld>
+</file>
+
+<file path=ppt/slides/slide36.xml><?xml version="1.0" encoding="utf-8"?>
+<p:sld xmlns:a="http://schemas.openxmlformats.org/drawingml/2006/main" xmlns:r="http://schemas.openxmlformats.org/officeDocument/2006/relationships" xmlns:p="http://schemas.openxmlformats.org/presentationml/2006/main">
+  <p:cSld>
+    <p:spTree>
+      <p:nvGrpSpPr>
+        <p:cNvPr id="1" name="">
+          <a:extLst>
+            <a:ext uri="{FF2B5EF4-FFF2-40B4-BE49-F238E27FC236}">
+              <a16:creationId xmlns:a16="http://schemas.microsoft.com/office/drawing/2014/main" id="{14CB45F4-D347-D7AC-392E-763F8EBDA478}"/>
+            </a:ext>
+          </a:extLst>
+        </p:cNvPr>
+        <p:cNvGrpSpPr/>
+        <p:nvPr/>
+      </p:nvGrpSpPr>
+      <p:grpSpPr>
+        <a:xfrm>
+          <a:off x="0" y="0"/>
+          <a:ext cx="0" cy="0"/>
+          <a:chOff x="0" y="0"/>
+          <a:chExt cx="0" cy="0"/>
+        </a:xfrm>
+      </p:grpSpPr>
+      <p:sp>
+        <p:nvSpPr>
+          <p:cNvPr id="10" name="Titolo 9">
+            <a:extLst>
+              <a:ext uri="{FF2B5EF4-FFF2-40B4-BE49-F238E27FC236}">
+                <a16:creationId xmlns:a16="http://schemas.microsoft.com/office/drawing/2014/main" id="{7890310C-1465-1BB6-C3C1-16C81E684BAA}"/>
+              </a:ext>
+            </a:extLst>
+          </p:cNvPr>
+          <p:cNvSpPr>
+            <a:spLocks noGrp="1"/>
+          </p:cNvSpPr>
+          <p:nvPr>
+            <p:ph type="title"/>
+          </p:nvPr>
+        </p:nvSpPr>
+        <p:spPr>
+          <a:xfrm>
+            <a:off x="762000" y="457200"/>
+            <a:ext cx="10287000" cy="1077218"/>
+          </a:xfrm>
+        </p:spPr>
+        <p:txBody>
+          <a:bodyPr/>
+          <a:lstStyle/>
+          <a:p>
+            <a:r>
+              <a:rPr lang="en-GB" dirty="0">
+                <a:latin typeface="Arial Black" panose="020B0A04020102020204" pitchFamily="34" charset="0"/>
+              </a:rPr>
+              <a:t>Steepest c</a:t>
+            </a:r>
+            <a:r>
+              <a:rPr lang="en-GB" noProof="0" dirty="0" err="1">
+                <a:latin typeface="Arial Black" panose="020B0A04020102020204" pitchFamily="34" charset="0"/>
+              </a:rPr>
+              <a:t>oordinate</a:t>
+            </a:r>
+            <a:r>
+              <a:rPr lang="en-GB" noProof="0" dirty="0">
+                <a:latin typeface="Arial Black" panose="020B0A04020102020204" pitchFamily="34" charset="0"/>
+              </a:rPr>
+              <a:t> descent</a:t>
+            </a:r>
+          </a:p>
+        </p:txBody>
+      </p:sp>
+      <mc:AlternateContent xmlns:mc="http://schemas.openxmlformats.org/markup-compatibility/2006">
+        <mc:Choice xmlns:a14="http://schemas.microsoft.com/office/drawing/2010/main" Requires="a14">
+          <p:sp>
+            <p:nvSpPr>
+              <p:cNvPr id="4" name="CasellaDiTesto 3">
+                <a:extLst>
+                  <a:ext uri="{FF2B5EF4-FFF2-40B4-BE49-F238E27FC236}">
+                    <a16:creationId xmlns:a16="http://schemas.microsoft.com/office/drawing/2014/main" id="{B7E17309-62F6-6FAF-76C3-890E31FE712E}"/>
+                  </a:ext>
+                </a:extLst>
+              </p:cNvPr>
+              <p:cNvSpPr txBox="1"/>
+              <p:nvPr/>
+            </p:nvSpPr>
+            <p:spPr>
+              <a:xfrm>
+                <a:off x="762000" y="1600200"/>
+                <a:ext cx="10287000" cy="4401205"/>
+              </a:xfrm>
+              <a:prstGeom prst="rect">
+                <a:avLst/>
+              </a:prstGeom>
+              <a:noFill/>
+            </p:spPr>
+            <p:txBody>
+              <a:bodyPr wrap="square">
+                <a:spAutoFit/>
+              </a:bodyPr>
+              <a:lstStyle/>
+              <a:p>
+                <a:r>
+                  <a:rPr lang="en-US" sz="2800" dirty="0"/>
+                  <a:t>This method, unlike the previous two, is </a:t>
+                </a:r>
+                <a:r>
+                  <a:rPr lang="en-US" sz="2800" b="1" dirty="0">
+                    <a:solidFill>
+                      <a:srgbClr val="FF0000"/>
+                    </a:solidFill>
+                  </a:rPr>
+                  <a:t>deterministic</a:t>
+                </a:r>
+                <a:r>
+                  <a:rPr lang="en-US" sz="2800" dirty="0"/>
+                  <a:t>: the direction chosen for each iteration is the one with the </a:t>
+                </a:r>
+                <a:r>
+                  <a:rPr lang="en-US" sz="2800" b="1" dirty="0">
+                    <a:solidFill>
+                      <a:srgbClr val="FF0000"/>
+                    </a:solidFill>
+                  </a:rPr>
+                  <a:t>largest absolute value </a:t>
+                </a:r>
+                <a:r>
+                  <a:rPr lang="en-US" sz="2800" dirty="0"/>
+                  <a:t>of the </a:t>
+                </a:r>
+                <a:r>
+                  <a:rPr lang="en-US" sz="2800" b="1" dirty="0">
+                    <a:solidFill>
+                      <a:srgbClr val="FF0000"/>
+                    </a:solidFill>
+                  </a:rPr>
+                  <a:t>gradient</a:t>
+                </a:r>
+                <a:r>
+                  <a:rPr lang="en-US" sz="2800" dirty="0"/>
+                  <a:t>.</a:t>
+                </a:r>
+              </a:p>
+              <a:p>
+                <a:endParaRPr lang="en-US" sz="2800" dirty="0"/>
+              </a:p>
+              <a:p>
+                <a:pPr/>
+                <a14:m>
+                  <m:oMathPara xmlns:m="http://schemas.openxmlformats.org/officeDocument/2006/math">
+                    <m:oMathParaPr>
+                      <m:jc m:val="left"/>
+                    </m:oMathParaPr>
+                    <m:oMath xmlns:m="http://schemas.openxmlformats.org/officeDocument/2006/math">
+                      <m:sSub>
+                        <m:sSubPr>
+                          <m:ctrlPr>
+                            <a:rPr lang="it-IT" sz="2800" b="0" i="1" smtClean="0">
+                              <a:latin typeface="Cambria Math" panose="02040503050406030204" pitchFamily="18" charset="0"/>
+                            </a:rPr>
+                          </m:ctrlPr>
+                        </m:sSubPr>
+                        <m:e>
+                          <m:r>
+                            <a:rPr lang="it-IT" sz="2800" b="0" i="1" smtClean="0">
+                              <a:latin typeface="Cambria Math" panose="02040503050406030204" pitchFamily="18" charset="0"/>
+                            </a:rPr>
+                            <m:t>𝑖</m:t>
+                          </m:r>
+                        </m:e>
+                        <m:sub>
+                          <m:r>
+                            <a:rPr lang="it-IT" sz="2800" b="0" i="1" smtClean="0">
+                              <a:latin typeface="Cambria Math" panose="02040503050406030204" pitchFamily="18" charset="0"/>
+                            </a:rPr>
+                            <m:t>𝑡</m:t>
+                          </m:r>
+                        </m:sub>
+                      </m:sSub>
+                      <m:r>
+                        <a:rPr lang="it-IT" sz="2800" b="0" i="1" smtClean="0">
+                          <a:latin typeface="Cambria Math" panose="02040503050406030204" pitchFamily="18" charset="0"/>
+                        </a:rPr>
+                        <m:t>=</m:t>
+                      </m:r>
+                      <m:r>
+                        <a:rPr lang="it-IT" sz="2800" b="0" i="1" smtClean="0">
+                          <a:latin typeface="Cambria Math" panose="02040503050406030204" pitchFamily="18" charset="0"/>
+                        </a:rPr>
+                        <m:t>𝑎𝑟𝑔𝑀𝑎𝑥</m:t>
+                      </m:r>
+                      <m:d>
+                        <m:dPr>
+                          <m:begChr m:val="|"/>
+                          <m:endChr m:val="|"/>
+                          <m:ctrlPr>
+                            <a:rPr lang="it-IT" sz="2800" b="0" i="1" smtClean="0">
+                              <a:latin typeface="Cambria Math" panose="02040503050406030204" pitchFamily="18" charset="0"/>
+                            </a:rPr>
+                          </m:ctrlPr>
+                        </m:dPr>
+                        <m:e>
+                          <m:sSub>
+                            <m:sSubPr>
+                              <m:ctrlPr>
+                                <a:rPr lang="it-IT" sz="2800" b="0" i="1" smtClean="0">
+                                  <a:latin typeface="Cambria Math" panose="02040503050406030204" pitchFamily="18" charset="0"/>
+                                </a:rPr>
+                              </m:ctrlPr>
+                            </m:sSubPr>
+                            <m:e>
+                              <m:r>
+                                <m:rPr>
+                                  <m:sty m:val="p"/>
+                                </m:rPr>
+                                <a:rPr lang="it-IT" sz="2800" b="0" i="1" smtClean="0">
+                                  <a:latin typeface="Cambria Math" panose="02040503050406030204" pitchFamily="18" charset="0"/>
+                                  <a:ea typeface="Cambria Math" panose="02040503050406030204" pitchFamily="18" charset="0"/>
+                                </a:rPr>
+                                <m:t>∇</m:t>
+                              </m:r>
+                            </m:e>
+                            <m:sub>
+                              <m:r>
+                                <a:rPr lang="it-IT" sz="2800" b="0" i="1" smtClean="0">
+                                  <a:latin typeface="Cambria Math" panose="02040503050406030204" pitchFamily="18" charset="0"/>
+                                </a:rPr>
+                                <m:t>𝑖</m:t>
+                              </m:r>
+                            </m:sub>
+                          </m:sSub>
+                          <m:r>
+                            <a:rPr lang="it-IT" sz="2800" b="0" i="1" smtClean="0">
+                              <a:latin typeface="Cambria Math" panose="02040503050406030204" pitchFamily="18" charset="0"/>
+                              <a:ea typeface="Cambria Math" panose="02040503050406030204" pitchFamily="18" charset="0"/>
+                            </a:rPr>
+                            <m:t>𝑓</m:t>
+                          </m:r>
+                          <m:r>
+                            <a:rPr lang="it-IT" sz="2800" b="0" i="1" smtClean="0">
+                              <a:latin typeface="Cambria Math" panose="02040503050406030204" pitchFamily="18" charset="0"/>
+                              <a:ea typeface="Cambria Math" panose="02040503050406030204" pitchFamily="18" charset="0"/>
+                            </a:rPr>
+                            <m:t>(</m:t>
+                          </m:r>
+                          <m:sSub>
+                            <m:sSubPr>
+                              <m:ctrlPr>
+                                <a:rPr lang="it-IT" sz="2800" b="0" i="1" smtClean="0">
+                                  <a:latin typeface="Cambria Math" panose="02040503050406030204" pitchFamily="18" charset="0"/>
+                                  <a:ea typeface="Cambria Math" panose="02040503050406030204" pitchFamily="18" charset="0"/>
+                                </a:rPr>
+                              </m:ctrlPr>
+                            </m:sSubPr>
+                            <m:e>
+                              <m:r>
+                                <a:rPr lang="it-IT" sz="2800" b="0" i="1" smtClean="0">
+                                  <a:latin typeface="Cambria Math" panose="02040503050406030204" pitchFamily="18" charset="0"/>
+                                  <a:ea typeface="Cambria Math" panose="02040503050406030204" pitchFamily="18" charset="0"/>
+                                </a:rPr>
+                                <m:t>𝑥</m:t>
+                              </m:r>
+                            </m:e>
+                            <m:sub>
+                              <m:r>
+                                <a:rPr lang="it-IT" sz="2800" b="0" i="1" smtClean="0">
+                                  <a:latin typeface="Cambria Math" panose="02040503050406030204" pitchFamily="18" charset="0"/>
+                                  <a:ea typeface="Cambria Math" panose="02040503050406030204" pitchFamily="18" charset="0"/>
+                                </a:rPr>
+                                <m:t>𝑡</m:t>
+                              </m:r>
+                            </m:sub>
+                          </m:sSub>
+                          <m:r>
+                            <a:rPr lang="it-IT" sz="2800" b="0" i="1" smtClean="0">
+                              <a:latin typeface="Cambria Math" panose="02040503050406030204" pitchFamily="18" charset="0"/>
+                              <a:ea typeface="Cambria Math" panose="02040503050406030204" pitchFamily="18" charset="0"/>
+                            </a:rPr>
+                            <m:t>)</m:t>
+                          </m:r>
+                        </m:e>
+                      </m:d>
+                    </m:oMath>
+                  </m:oMathPara>
+                </a14:m>
+                <a:endParaRPr lang="en-US" sz="2800" dirty="0"/>
+              </a:p>
+              <a:p>
+                <a:pPr/>
+                <a:endParaRPr lang="en-US" sz="2800" dirty="0"/>
+              </a:p>
+              <a:p>
+                <a:pPr/>
+                <a:r>
+                  <a:rPr lang="en-US" sz="2800" dirty="0"/>
+                  <a:t>In this problem, the optimum value with this method is always reached in about 26 steps.</a:t>
+                </a:r>
+              </a:p>
+              <a:p>
+                <a:endParaRPr lang="en-US" sz="2800" dirty="0"/>
+              </a:p>
+              <a:p>
+                <a:endParaRPr lang="en-US" sz="2800" dirty="0"/>
+              </a:p>
+            </p:txBody>
+          </p:sp>
+        </mc:Choice>
+        <mc:Fallback>
+          <p:sp>
+            <p:nvSpPr>
+              <p:cNvPr id="4" name="CasellaDiTesto 3">
+                <a:extLst>
+                  <a:ext uri="{FF2B5EF4-FFF2-40B4-BE49-F238E27FC236}">
+                    <a16:creationId xmlns:a16="http://schemas.microsoft.com/office/drawing/2014/main" id="{B7E17309-62F6-6FAF-76C3-890E31FE712E}"/>
+                  </a:ext>
+                </a:extLst>
+              </p:cNvPr>
+              <p:cNvSpPr txBox="1">
+                <a:spLocks noRot="1" noChangeAspect="1" noMove="1" noResize="1" noEditPoints="1" noAdjustHandles="1" noChangeArrowheads="1" noChangeShapeType="1" noTextEdit="1"/>
+              </p:cNvSpPr>
+              <p:nvPr/>
+            </p:nvSpPr>
+            <p:spPr>
+              <a:xfrm>
+                <a:off x="762000" y="1600200"/>
+                <a:ext cx="10287000" cy="4401205"/>
+              </a:xfrm>
+              <a:prstGeom prst="rect">
+                <a:avLst/>
+              </a:prstGeom>
+              <a:blipFill>
+                <a:blip r:embed="rId2"/>
+                <a:stretch>
+                  <a:fillRect l="-1185" t="-1526"/>
+                </a:stretch>
+              </a:blipFill>
+            </p:spPr>
+            <p:txBody>
+              <a:bodyPr/>
+              <a:lstStyle/>
+              <a:p>
+                <a:r>
+                  <a:rPr lang="it-IT">
+                    <a:noFill/>
+                  </a:rPr>
+                  <a:t> </a:t>
+                </a:r>
+              </a:p>
+            </p:txBody>
+          </p:sp>
+        </mc:Fallback>
+      </mc:AlternateContent>
+    </p:spTree>
+    <p:extLst>
+      <p:ext uri="{BB962C8B-B14F-4D97-AF65-F5344CB8AC3E}">
+        <p14:creationId xmlns:p14="http://schemas.microsoft.com/office/powerpoint/2010/main" val="2955788668"/>
+      </p:ext>
+    </p:extLst>
+  </p:cSld>
+  <p:clrMapOvr>
+    <a:masterClrMapping/>
+  </p:clrMapOvr>
+</p:sld>
+</file>
+
+<file path=ppt/slides/slide37.xml><?xml version="1.0" encoding="utf-8"?>
+<p:sld xmlns:a="http://schemas.openxmlformats.org/drawingml/2006/main" xmlns:r="http://schemas.openxmlformats.org/officeDocument/2006/relationships" xmlns:p="http://schemas.openxmlformats.org/presentationml/2006/main">
+  <p:cSld>
+    <p:spTree>
+      <p:nvGrpSpPr>
+        <p:cNvPr id="1" name="">
+          <a:extLst>
+            <a:ext uri="{FF2B5EF4-FFF2-40B4-BE49-F238E27FC236}">
+              <a16:creationId xmlns:a16="http://schemas.microsoft.com/office/drawing/2014/main" id="{9977519D-AC93-C92C-1CD0-888CB3A06D99}"/>
+            </a:ext>
+          </a:extLst>
+        </p:cNvPr>
+        <p:cNvGrpSpPr/>
+        <p:nvPr/>
+      </p:nvGrpSpPr>
+      <p:grpSpPr>
+        <a:xfrm>
+          <a:off x="0" y="0"/>
+          <a:ext cx="0" cy="0"/>
+          <a:chOff x="0" y="0"/>
+          <a:chExt cx="0" cy="0"/>
+        </a:xfrm>
+      </p:grpSpPr>
+      <p:sp>
+        <p:nvSpPr>
+          <p:cNvPr id="10" name="Titolo 9">
+            <a:extLst>
+              <a:ext uri="{FF2B5EF4-FFF2-40B4-BE49-F238E27FC236}">
+                <a16:creationId xmlns:a16="http://schemas.microsoft.com/office/drawing/2014/main" id="{87F6892E-72FA-1B3A-4E94-DAC2BE34D699}"/>
+              </a:ext>
+            </a:extLst>
+          </p:cNvPr>
+          <p:cNvSpPr>
+            <a:spLocks noGrp="1"/>
+          </p:cNvSpPr>
+          <p:nvPr>
+            <p:ph type="title"/>
+          </p:nvPr>
+        </p:nvSpPr>
+        <p:spPr>
+          <a:xfrm>
+            <a:off x="762000" y="457200"/>
+            <a:ext cx="10287000" cy="538609"/>
+          </a:xfrm>
+        </p:spPr>
+        <p:txBody>
+          <a:bodyPr/>
+          <a:lstStyle/>
+          <a:p>
+            <a:r>
+              <a:rPr lang="en-GB" dirty="0">
+                <a:latin typeface="Arial Black" panose="020B0A04020102020204" pitchFamily="34" charset="0"/>
+              </a:rPr>
+              <a:t>Comparing the coordinate techniques</a:t>
+            </a:r>
+            <a:endParaRPr lang="en-GB" noProof="0" dirty="0">
+              <a:latin typeface="Arial Black" panose="020B0A04020102020204" pitchFamily="34" charset="0"/>
+            </a:endParaRPr>
+          </a:p>
+        </p:txBody>
+      </p:sp>
+      <p:sp>
+        <p:nvSpPr>
+          <p:cNvPr id="4" name="CasellaDiTesto 3">
+            <a:extLst>
+              <a:ext uri="{FF2B5EF4-FFF2-40B4-BE49-F238E27FC236}">
+                <a16:creationId xmlns:a16="http://schemas.microsoft.com/office/drawing/2014/main" id="{A79574F0-925A-DBC4-7C30-2DDC510C91D0}"/>
+              </a:ext>
+            </a:extLst>
+          </p:cNvPr>
+          <p:cNvSpPr txBox="1"/>
+          <p:nvPr/>
+        </p:nvSpPr>
+        <p:spPr>
+          <a:xfrm>
+            <a:off x="5867400" y="1466195"/>
+            <a:ext cx="5181600" cy="3970318"/>
+          </a:xfrm>
+          <a:prstGeom prst="rect">
+            <a:avLst/>
+          </a:prstGeom>
+          <a:noFill/>
+        </p:spPr>
+        <p:txBody>
+          <a:bodyPr wrap="square">
+            <a:spAutoFit/>
+          </a:bodyPr>
+          <a:lstStyle/>
+          <a:p>
+            <a:r>
+              <a:rPr lang="en-US" sz="2800" dirty="0"/>
+              <a:t>All three converge in less than 40 steps.</a:t>
+            </a:r>
+          </a:p>
+          <a:p>
+            <a:pPr marL="457200" indent="-457200">
+              <a:buFont typeface="Arial" panose="020B0604020202020204" pitchFamily="34" charset="0"/>
+              <a:buChar char="•"/>
+            </a:pPr>
+            <a:r>
+              <a:rPr lang="en-US" sz="2800" b="1" dirty="0">
+                <a:solidFill>
+                  <a:srgbClr val="00B050"/>
+                </a:solidFill>
+              </a:rPr>
+              <a:t>Steepest Coordinate</a:t>
+            </a:r>
+            <a:r>
+              <a:rPr lang="en-US" sz="2800" dirty="0"/>
+              <a:t> is by far the fastest method;</a:t>
+            </a:r>
+          </a:p>
+          <a:p>
+            <a:pPr marL="457200" indent="-457200">
+              <a:buFont typeface="Arial" panose="020B0604020202020204" pitchFamily="34" charset="0"/>
+              <a:buChar char="•"/>
+            </a:pPr>
+            <a:r>
+              <a:rPr lang="en-US" sz="2800" b="1" dirty="0">
+                <a:solidFill>
+                  <a:schemeClr val="tx2"/>
+                </a:solidFill>
+              </a:rPr>
+              <a:t>Importance Sampling </a:t>
+            </a:r>
+            <a:r>
+              <a:rPr lang="en-US" sz="2800" dirty="0"/>
+              <a:t>is slower;</a:t>
+            </a:r>
+          </a:p>
+          <a:p>
+            <a:pPr marL="457200" indent="-457200">
+              <a:buFont typeface="Arial" panose="020B0604020202020204" pitchFamily="34" charset="0"/>
+              <a:buChar char="•"/>
+            </a:pPr>
+            <a:r>
+              <a:rPr lang="en-US" sz="2800" b="1" dirty="0">
+                <a:solidFill>
+                  <a:srgbClr val="FF0000"/>
+                </a:solidFill>
+              </a:rPr>
+              <a:t>Random Coordinate </a:t>
+            </a:r>
+            <a:r>
+              <a:rPr lang="en-US" sz="2800" dirty="0"/>
+              <a:t>has the most variance in its results.</a:t>
+            </a:r>
+          </a:p>
+        </p:txBody>
+      </p:sp>
+      <p:pic>
+        <p:nvPicPr>
+          <p:cNvPr id="6" name="Immagine 5">
+            <a:extLst>
+              <a:ext uri="{FF2B5EF4-FFF2-40B4-BE49-F238E27FC236}">
+                <a16:creationId xmlns:a16="http://schemas.microsoft.com/office/drawing/2014/main" id="{A4BD3B59-B383-7A6F-5371-0FACAAA23802}"/>
+              </a:ext>
+            </a:extLst>
+          </p:cNvPr>
+          <p:cNvPicPr>
+            <a:picLocks noChangeAspect="1"/>
+          </p:cNvPicPr>
+          <p:nvPr/>
+        </p:nvPicPr>
+        <p:blipFill>
+          <a:blip r:embed="rId3"/>
+          <a:stretch>
+            <a:fillRect/>
+          </a:stretch>
+        </p:blipFill>
+        <p:spPr>
+          <a:xfrm>
+            <a:off x="762000" y="1466195"/>
+            <a:ext cx="4734725" cy="4566588"/>
+          </a:xfrm>
+          <a:prstGeom prst="rect">
+            <a:avLst/>
+          </a:prstGeom>
+        </p:spPr>
+      </p:pic>
+    </p:spTree>
+    <p:extLst>
+      <p:ext uri="{BB962C8B-B14F-4D97-AF65-F5344CB8AC3E}">
+        <p14:creationId xmlns:p14="http://schemas.microsoft.com/office/powerpoint/2010/main" val="3910780867"/>
       </p:ext>
     </p:extLst>
   </p:cSld>
@@ -10127,4 +12276,319 @@
   <a:objectDefaults/>
   <a:extraClrSchemeLst/>
 </a:theme>
+</file>
+
+<file path=ppt/theme/theme2.xml><?xml version="1.0" encoding="utf-8"?>
+<a:theme xmlns:a="http://schemas.openxmlformats.org/drawingml/2006/main" name="Tema di Office">
+  <a:themeElements>
+    <a:clrScheme name="Office">
+      <a:dk1>
+        <a:sysClr val="windowText" lastClr="000000"/>
+      </a:dk1>
+      <a:lt1>
+        <a:sysClr val="window" lastClr="FFFFFF"/>
+      </a:lt1>
+      <a:dk2>
+        <a:srgbClr val="0E2841"/>
+      </a:dk2>
+      <a:lt2>
+        <a:srgbClr val="E8E8E8"/>
+      </a:lt2>
+      <a:accent1>
+        <a:srgbClr val="156082"/>
+      </a:accent1>
+      <a:accent2>
+        <a:srgbClr val="E97132"/>
+      </a:accent2>
+      <a:accent3>
+        <a:srgbClr val="196B24"/>
+      </a:accent3>
+      <a:accent4>
+        <a:srgbClr val="0F9ED5"/>
+      </a:accent4>
+      <a:accent5>
+        <a:srgbClr val="A02B93"/>
+      </a:accent5>
+      <a:accent6>
+        <a:srgbClr val="4EA72E"/>
+      </a:accent6>
+      <a:hlink>
+        <a:srgbClr val="467886"/>
+      </a:hlink>
+      <a:folHlink>
+        <a:srgbClr val="96607D"/>
+      </a:folHlink>
+    </a:clrScheme>
+    <a:fontScheme name="Office">
+      <a:majorFont>
+        <a:latin typeface="Aptos Display" panose="02110004020202020204"/>
+        <a:ea typeface=""/>
+        <a:cs typeface=""/>
+        <a:font script="Jpan" typeface="游ゴシック Light"/>
+        <a:font script="Hang" typeface="맑은 고딕"/>
+        <a:font script="Hans" typeface="等线 Light"/>
+        <a:font script="Hant" typeface="新細明體"/>
+        <a:font script="Arab" typeface="Times New Roman"/>
+        <a:font script="Hebr" typeface="Times New Roman"/>
+        <a:font script="Thai" typeface="Angsana New"/>
+        <a:font script="Ethi" typeface="Nyala"/>
+        <a:font script="Beng" typeface="Vrinda"/>
+        <a:font script="Gujr" typeface="Shruti"/>
+        <a:font script="Khmr" typeface="MoolBoran"/>
+        <a:font script="Knda" typeface="Tunga"/>
+        <a:font script="Guru" typeface="Raavi"/>
+        <a:font script="Cans" typeface="Euphemia"/>
+        <a:font script="Cher" typeface="Plantagenet Cherokee"/>
+        <a:font script="Yiii" typeface="Microsoft Yi Baiti"/>
+        <a:font script="Tibt" typeface="Microsoft Himalaya"/>
+        <a:font script="Thaa" typeface="MV Boli"/>
+        <a:font script="Deva" typeface="Mangal"/>
+        <a:font script="Telu" typeface="Gautami"/>
+        <a:font script="Taml" typeface="Latha"/>
+        <a:font script="Syrc" typeface="Estrangelo Edessa"/>
+        <a:font script="Orya" typeface="Kalinga"/>
+        <a:font script="Mlym" typeface="Kartika"/>
+        <a:font script="Laoo" typeface="DokChampa"/>
+        <a:font script="Sinh" typeface="Iskoola Pota"/>
+        <a:font script="Mong" typeface="Mongolian Baiti"/>
+        <a:font script="Viet" typeface="Times New Roman"/>
+        <a:font script="Uigh" typeface="Microsoft Uighur"/>
+        <a:font script="Geor" typeface="Sylfaen"/>
+        <a:font script="Armn" typeface="Arial"/>
+        <a:font script="Bugi" typeface="Leelawadee UI"/>
+        <a:font script="Bopo" typeface="Microsoft JhengHei"/>
+        <a:font script="Java" typeface="Javanese Text"/>
+        <a:font script="Lisu" typeface="Segoe UI"/>
+        <a:font script="Mymr" typeface="Myanmar Text"/>
+        <a:font script="Nkoo" typeface="Ebrima"/>
+        <a:font script="Olck" typeface="Nirmala UI"/>
+        <a:font script="Osma" typeface="Ebrima"/>
+        <a:font script="Phag" typeface="Phagspa"/>
+        <a:font script="Syrn" typeface="Estrangelo Edessa"/>
+        <a:font script="Syrj" typeface="Estrangelo Edessa"/>
+        <a:font script="Syre" typeface="Estrangelo Edessa"/>
+        <a:font script="Sora" typeface="Nirmala UI"/>
+        <a:font script="Tale" typeface="Microsoft Tai Le"/>
+        <a:font script="Talu" typeface="Microsoft New Tai Lue"/>
+        <a:font script="Tfng" typeface="Ebrima"/>
+      </a:majorFont>
+      <a:minorFont>
+        <a:latin typeface="Aptos" panose="02110004020202020204"/>
+        <a:ea typeface=""/>
+        <a:cs typeface=""/>
+        <a:font script="Jpan" typeface="游ゴシック"/>
+        <a:font script="Hang" typeface="맑은 고딕"/>
+        <a:font script="Hans" typeface="等线"/>
+        <a:font script="Hant" typeface="新細明體"/>
+        <a:font script="Arab" typeface="Arial"/>
+        <a:font script="Hebr" typeface="Arial"/>
+        <a:font script="Thai" typeface="Cordia New"/>
+        <a:font script="Ethi" typeface="Nyala"/>
+        <a:font script="Beng" typeface="Vrinda"/>
+        <a:font script="Gujr" typeface="Shruti"/>
+        <a:font script="Khmr" typeface="DaunPenh"/>
+        <a:font script="Knda" typeface="Tunga"/>
+        <a:font script="Guru" typeface="Raavi"/>
+        <a:font script="Cans" typeface="Euphemia"/>
+        <a:font script="Cher" typeface="Plantagenet Cherokee"/>
+        <a:font script="Yiii" typeface="Microsoft Yi Baiti"/>
+        <a:font script="Tibt" typeface="Microsoft Himalaya"/>
+        <a:font script="Thaa" typeface="MV Boli"/>
+        <a:font script="Deva" typeface="Mangal"/>
+        <a:font script="Telu" typeface="Gautami"/>
+        <a:font script="Taml" typeface="Latha"/>
+        <a:font script="Syrc" typeface="Estrangelo Edessa"/>
+        <a:font script="Orya" typeface="Kalinga"/>
+        <a:font script="Mlym" typeface="Kartika"/>
+        <a:font script="Laoo" typeface="DokChampa"/>
+        <a:font script="Sinh" typeface="Iskoola Pota"/>
+        <a:font script="Mong" typeface="Mongolian Baiti"/>
+        <a:font script="Viet" typeface="Arial"/>
+        <a:font script="Uigh" typeface="Microsoft Uighur"/>
+        <a:font script="Geor" typeface="Sylfaen"/>
+        <a:font script="Armn" typeface="Arial"/>
+        <a:font script="Bugi" typeface="Leelawadee UI"/>
+        <a:font script="Bopo" typeface="Microsoft JhengHei"/>
+        <a:font script="Java" typeface="Javanese Text"/>
+        <a:font script="Lisu" typeface="Segoe UI"/>
+        <a:font script="Mymr" typeface="Myanmar Text"/>
+        <a:font script="Nkoo" typeface="Ebrima"/>
+        <a:font script="Olck" typeface="Nirmala UI"/>
+        <a:font script="Osma" typeface="Ebrima"/>
+        <a:font script="Phag" typeface="Phagspa"/>
+        <a:font script="Syrn" typeface="Estrangelo Edessa"/>
+        <a:font script="Syrj" typeface="Estrangelo Edessa"/>
+        <a:font script="Syre" typeface="Estrangelo Edessa"/>
+        <a:font script="Sora" typeface="Nirmala UI"/>
+        <a:font script="Tale" typeface="Microsoft Tai Le"/>
+        <a:font script="Talu" typeface="Microsoft New Tai Lue"/>
+        <a:font script="Tfng" typeface="Ebrima"/>
+      </a:minorFont>
+    </a:fontScheme>
+    <a:fmtScheme name="Office">
+      <a:fillStyleLst>
+        <a:solidFill>
+          <a:schemeClr val="phClr"/>
+        </a:solidFill>
+        <a:gradFill rotWithShape="1">
+          <a:gsLst>
+            <a:gs pos="0">
+              <a:schemeClr val="phClr">
+                <a:lumMod val="110000"/>
+                <a:satMod val="105000"/>
+                <a:tint val="67000"/>
+              </a:schemeClr>
+            </a:gs>
+            <a:gs pos="50000">
+              <a:schemeClr val="phClr">
+                <a:lumMod val="105000"/>
+                <a:satMod val="103000"/>
+                <a:tint val="73000"/>
+              </a:schemeClr>
+            </a:gs>
+            <a:gs pos="100000">
+              <a:schemeClr val="phClr">
+                <a:lumMod val="105000"/>
+                <a:satMod val="109000"/>
+                <a:tint val="81000"/>
+              </a:schemeClr>
+            </a:gs>
+          </a:gsLst>
+          <a:lin ang="5400000" scaled="0"/>
+        </a:gradFill>
+        <a:gradFill rotWithShape="1">
+          <a:gsLst>
+            <a:gs pos="0">
+              <a:schemeClr val="phClr">
+                <a:satMod val="103000"/>
+                <a:lumMod val="102000"/>
+                <a:tint val="94000"/>
+              </a:schemeClr>
+            </a:gs>
+            <a:gs pos="50000">
+              <a:schemeClr val="phClr">
+                <a:satMod val="110000"/>
+                <a:lumMod val="100000"/>
+                <a:shade val="100000"/>
+              </a:schemeClr>
+            </a:gs>
+            <a:gs pos="100000">
+              <a:schemeClr val="phClr">
+                <a:lumMod val="99000"/>
+                <a:satMod val="120000"/>
+                <a:shade val="78000"/>
+              </a:schemeClr>
+            </a:gs>
+          </a:gsLst>
+          <a:lin ang="5400000" scaled="0"/>
+        </a:gradFill>
+      </a:fillStyleLst>
+      <a:lnStyleLst>
+        <a:ln w="12700" cap="flat" cmpd="sng" algn="ctr">
+          <a:solidFill>
+            <a:schemeClr val="phClr"/>
+          </a:solidFill>
+          <a:prstDash val="solid"/>
+          <a:miter lim="800000"/>
+        </a:ln>
+        <a:ln w="19050" cap="flat" cmpd="sng" algn="ctr">
+          <a:solidFill>
+            <a:schemeClr val="phClr"/>
+          </a:solidFill>
+          <a:prstDash val="solid"/>
+          <a:miter lim="800000"/>
+        </a:ln>
+        <a:ln w="25400" cap="flat" cmpd="sng" algn="ctr">
+          <a:solidFill>
+            <a:schemeClr val="phClr"/>
+          </a:solidFill>
+          <a:prstDash val="solid"/>
+          <a:miter lim="800000"/>
+        </a:ln>
+      </a:lnStyleLst>
+      <a:effectStyleLst>
+        <a:effectStyle>
+          <a:effectLst/>
+        </a:effectStyle>
+        <a:effectStyle>
+          <a:effectLst/>
+        </a:effectStyle>
+        <a:effectStyle>
+          <a:effectLst>
+            <a:outerShdw blurRad="57150" dist="19050" dir="5400000" algn="ctr" rotWithShape="0">
+              <a:srgbClr val="000000">
+                <a:alpha val="63000"/>
+              </a:srgbClr>
+            </a:outerShdw>
+          </a:effectLst>
+        </a:effectStyle>
+      </a:effectStyleLst>
+      <a:bgFillStyleLst>
+        <a:solidFill>
+          <a:schemeClr val="phClr"/>
+        </a:solidFill>
+        <a:solidFill>
+          <a:schemeClr val="phClr">
+            <a:tint val="95000"/>
+            <a:satMod val="170000"/>
+          </a:schemeClr>
+        </a:solidFill>
+        <a:gradFill rotWithShape="1">
+          <a:gsLst>
+            <a:gs pos="0">
+              <a:schemeClr val="phClr">
+                <a:tint val="93000"/>
+                <a:satMod val="150000"/>
+                <a:shade val="98000"/>
+                <a:lumMod val="102000"/>
+              </a:schemeClr>
+            </a:gs>
+            <a:gs pos="50000">
+              <a:schemeClr val="phClr">
+                <a:tint val="98000"/>
+                <a:satMod val="130000"/>
+                <a:shade val="90000"/>
+                <a:lumMod val="103000"/>
+              </a:schemeClr>
+            </a:gs>
+            <a:gs pos="100000">
+              <a:schemeClr val="phClr">
+                <a:shade val="63000"/>
+                <a:satMod val="120000"/>
+              </a:schemeClr>
+            </a:gs>
+          </a:gsLst>
+          <a:lin ang="5400000" scaled="0"/>
+        </a:gradFill>
+      </a:bgFillStyleLst>
+    </a:fmtScheme>
+  </a:themeElements>
+  <a:objectDefaults>
+    <a:lnDef>
+      <a:spPr/>
+      <a:bodyPr/>
+      <a:lstStyle/>
+      <a:style>
+        <a:lnRef idx="2">
+          <a:schemeClr val="accent1"/>
+        </a:lnRef>
+        <a:fillRef idx="0">
+          <a:schemeClr val="accent1"/>
+        </a:fillRef>
+        <a:effectRef idx="1">
+          <a:schemeClr val="accent1"/>
+        </a:effectRef>
+        <a:fontRef idx="minor">
+          <a:schemeClr val="tx1"/>
+        </a:fontRef>
+      </a:style>
+    </a:lnDef>
+  </a:objectDefaults>
+  <a:extraClrSchemeLst/>
+  <a:extLst>
+    <a:ext uri="{05A4C25C-085E-4340-85A3-A5531E510DB2}">
+      <thm15:themeFamily xmlns:thm15="http://schemas.microsoft.com/office/thememl/2012/main" name="Office Theme" id="{2E142A2C-CD16-42D6-873A-C26D2A0506FA}" vid="{1BDDFF52-6CD6-40A5-AB3C-68EB2F1E4D0A}"/>
+    </a:ext>
+  </a:extLst>
+</a:theme>
 </file>
--- a/Ppt/Optimization.pptx
+++ b/Ppt/Optimization.pptx
@@ -2092,7 +2092,7 @@
                 <a:latin typeface="Arial Black"/>
                 <a:cs typeface="Arial Black"/>
               </a:rPr>
-              <a:t>2024/2025</a:t>
+              <a:t>A.Y. 2024/2025</a:t>
             </a:r>
             <a:endParaRPr lang="en-GB" sz="2400" noProof="0" dirty="0">
               <a:latin typeface="Arial Black"/>
@@ -5829,8 +5829,8 @@
           </a:prstGeom>
         </p:spPr>
       </p:pic>
-      <mc:AlternateContent xmlns:mc="http://schemas.openxmlformats.org/markup-compatibility/2006">
-        <mc:Choice xmlns:a14="http://schemas.microsoft.com/office/drawing/2010/main" Requires="a14">
+      <mc:AlternateContent xmlns:mc="http://schemas.openxmlformats.org/markup-compatibility/2006" xmlns:a14="http://schemas.microsoft.com/office/drawing/2010/main">
+        <mc:Choice Requires="a14">
           <p:sp>
             <p:nvSpPr>
               <p:cNvPr id="8" name="CasellaDiTesto 7">
@@ -5959,7 +5959,7 @@
             </p:txBody>
           </p:sp>
         </mc:Choice>
-        <mc:Fallback>
+        <mc:Fallback xmlns="">
           <p:sp>
             <p:nvSpPr>
               <p:cNvPr id="8" name="CasellaDiTesto 7">
@@ -6078,8 +6078,8 @@
           </a:p>
         </p:txBody>
       </p:sp>
-      <mc:AlternateContent xmlns:mc="http://schemas.openxmlformats.org/markup-compatibility/2006">
-        <mc:Choice xmlns:a14="http://schemas.microsoft.com/office/drawing/2010/main" Requires="a14">
+      <mc:AlternateContent xmlns:mc="http://schemas.openxmlformats.org/markup-compatibility/2006" xmlns:a14="http://schemas.microsoft.com/office/drawing/2010/main">
+        <mc:Choice Requires="a14">
           <p:sp>
             <p:nvSpPr>
               <p:cNvPr id="8" name="CasellaDiTesto 7">
@@ -6122,6 +6122,7 @@
                 </a:r>
               </a:p>
               <a:p>
+                <a:pPr/>
                 <a14:m>
                   <m:oMathPara xmlns:m="http://schemas.openxmlformats.org/officeDocument/2006/math">
                     <m:oMathParaPr>
@@ -6326,7 +6327,7 @@
             </p:txBody>
           </p:sp>
         </mc:Choice>
-        <mc:Fallback>
+        <mc:Fallback xmlns="">
           <p:sp>
             <p:nvSpPr>
               <p:cNvPr id="8" name="CasellaDiTesto 7">
@@ -6638,8 +6639,8 @@
           </a:p>
         </p:txBody>
       </p:sp>
-      <mc:AlternateContent xmlns:mc="http://schemas.openxmlformats.org/markup-compatibility/2006">
-        <mc:Choice xmlns:a14="http://schemas.microsoft.com/office/drawing/2010/main" Requires="a14">
+      <mc:AlternateContent xmlns:mc="http://schemas.openxmlformats.org/markup-compatibility/2006" xmlns:a14="http://schemas.microsoft.com/office/drawing/2010/main">
+        <mc:Choice Requires="a14">
           <p:sp>
             <p:nvSpPr>
               <p:cNvPr id="2" name="CasellaDiTesto 1">
@@ -6853,7 +6854,7 @@
             </p:txBody>
           </p:sp>
         </mc:Choice>
-        <mc:Fallback>
+        <mc:Fallback xmlns="">
           <p:sp>
             <p:nvSpPr>
               <p:cNvPr id="2" name="CasellaDiTesto 1">
@@ -7005,8 +7006,8 @@
           </a:p>
         </p:txBody>
       </p:sp>
-      <mc:AlternateContent xmlns:mc="http://schemas.openxmlformats.org/markup-compatibility/2006">
-        <mc:Choice xmlns:a14="http://schemas.microsoft.com/office/drawing/2010/main" Requires="a14">
+      <mc:AlternateContent xmlns:mc="http://schemas.openxmlformats.org/markup-compatibility/2006" xmlns:a14="http://schemas.microsoft.com/office/drawing/2010/main">
+        <mc:Choice Requires="a14">
           <p:sp>
             <p:nvSpPr>
               <p:cNvPr id="8" name="CasellaDiTesto 7">
@@ -7111,7 +7112,7 @@
             </p:txBody>
           </p:sp>
         </mc:Choice>
-        <mc:Fallback>
+        <mc:Fallback xmlns="">
           <p:sp>
             <p:nvSpPr>
               <p:cNvPr id="8" name="CasellaDiTesto 7">
@@ -7260,8 +7261,8 @@
           </a:p>
         </p:txBody>
       </p:sp>
-      <mc:AlternateContent xmlns:mc="http://schemas.openxmlformats.org/markup-compatibility/2006">
-        <mc:Choice xmlns:a14="http://schemas.microsoft.com/office/drawing/2010/main" Requires="a14">
+      <mc:AlternateContent xmlns:mc="http://schemas.openxmlformats.org/markup-compatibility/2006" xmlns:a14="http://schemas.microsoft.com/office/drawing/2010/main">
+        <mc:Choice Requires="a14">
           <p:sp>
             <p:nvSpPr>
               <p:cNvPr id="2" name="CasellaDiTesto 1">
@@ -7460,7 +7461,7 @@
             </p:txBody>
           </p:sp>
         </mc:Choice>
-        <mc:Fallback>
+        <mc:Fallback xmlns="">
           <p:sp>
             <p:nvSpPr>
               <p:cNvPr id="2" name="CasellaDiTesto 1">
@@ -7579,8 +7580,8 @@
           </a:p>
         </p:txBody>
       </p:sp>
-      <mc:AlternateContent xmlns:mc="http://schemas.openxmlformats.org/markup-compatibility/2006">
-        <mc:Choice xmlns:a14="http://schemas.microsoft.com/office/drawing/2010/main" Requires="a14">
+      <mc:AlternateContent xmlns:mc="http://schemas.openxmlformats.org/markup-compatibility/2006" xmlns:a14="http://schemas.microsoft.com/office/drawing/2010/main">
+        <mc:Choice Requires="a14">
           <p:sp>
             <p:nvSpPr>
               <p:cNvPr id="2" name="CasellaDiTesto 1">
@@ -7663,7 +7664,7 @@
             </p:txBody>
           </p:sp>
         </mc:Choice>
-        <mc:Fallback>
+        <mc:Fallback xmlns="">
           <p:sp>
             <p:nvSpPr>
               <p:cNvPr id="2" name="CasellaDiTesto 1">
@@ -8889,8 +8890,8 @@
           </a:p>
         </p:txBody>
       </p:sp>
-      <mc:AlternateContent xmlns:mc="http://schemas.openxmlformats.org/markup-compatibility/2006">
-        <mc:Choice xmlns:a14="http://schemas.microsoft.com/office/drawing/2010/main" Requires="a14">
+      <mc:AlternateContent xmlns:mc="http://schemas.openxmlformats.org/markup-compatibility/2006" xmlns:a14="http://schemas.microsoft.com/office/drawing/2010/main">
+        <mc:Choice Requires="a14">
           <p:sp>
             <p:nvSpPr>
               <p:cNvPr id="4" name="CasellaDiTesto 3">
@@ -9002,7 +9003,7 @@
             </p:txBody>
           </p:sp>
         </mc:Choice>
-        <mc:Fallback>
+        <mc:Fallback xmlns="">
           <p:sp>
             <p:nvSpPr>
               <p:cNvPr id="4" name="CasellaDiTesto 3">
@@ -9130,8 +9131,8 @@
           </a:p>
         </p:txBody>
       </p:sp>
-      <mc:AlternateContent xmlns:mc="http://schemas.openxmlformats.org/markup-compatibility/2006">
-        <mc:Choice xmlns:a14="http://schemas.microsoft.com/office/drawing/2010/main" Requires="a14">
+      <mc:AlternateContent xmlns:mc="http://schemas.openxmlformats.org/markup-compatibility/2006" xmlns:a14="http://schemas.microsoft.com/office/drawing/2010/main">
+        <mc:Choice Requires="a14">
           <p:sp>
             <p:nvSpPr>
               <p:cNvPr id="4" name="CasellaDiTesto 3">
@@ -9206,7 +9207,7 @@
             </p:txBody>
           </p:sp>
         </mc:Choice>
-        <mc:Fallback>
+        <mc:Fallback xmlns="">
           <p:sp>
             <p:nvSpPr>
               <p:cNvPr id="4" name="CasellaDiTesto 3">
@@ -9406,8 +9407,8 @@
           </a:p>
         </p:txBody>
       </p:sp>
-      <mc:AlternateContent xmlns:mc="http://schemas.openxmlformats.org/markup-compatibility/2006">
-        <mc:Choice xmlns:a14="http://schemas.microsoft.com/office/drawing/2010/main" Requires="a14">
+      <mc:AlternateContent xmlns:mc="http://schemas.openxmlformats.org/markup-compatibility/2006" xmlns:a14="http://schemas.microsoft.com/office/drawing/2010/main">
+        <mc:Choice Requires="a14">
           <p:sp>
             <p:nvSpPr>
               <p:cNvPr id="2" name="CasellaDiTesto 1">
@@ -9679,11 +9680,9 @@
                 <a:endParaRPr lang="en-US" sz="2800" dirty="0"/>
               </a:p>
               <a:p>
-                <a:pPr/>
                 <a:endParaRPr lang="en-US" sz="2800" dirty="0"/>
               </a:p>
               <a:p>
-                <a:pPr/>
                 <a:r>
                   <a:rPr lang="en-US" sz="2800" dirty="0"/>
                   <a:t>With the choice being still randomized, the number of steps necessary for reaching the optimum change at every execution.</a:t>
@@ -9692,7 +9691,7 @@
             </p:txBody>
           </p:sp>
         </mc:Choice>
-        <mc:Fallback>
+        <mc:Fallback xmlns="">
           <p:sp>
             <p:nvSpPr>
               <p:cNvPr id="2" name="CasellaDiTesto 1">
@@ -9820,8 +9819,8 @@
           </a:p>
         </p:txBody>
       </p:sp>
-      <mc:AlternateContent xmlns:mc="http://schemas.openxmlformats.org/markup-compatibility/2006">
-        <mc:Choice xmlns:a14="http://schemas.microsoft.com/office/drawing/2010/main" Requires="a14">
+      <mc:AlternateContent xmlns:mc="http://schemas.openxmlformats.org/markup-compatibility/2006" xmlns:a14="http://schemas.microsoft.com/office/drawing/2010/main">
+        <mc:Choice Requires="a14">
           <p:sp>
             <p:nvSpPr>
               <p:cNvPr id="4" name="CasellaDiTesto 3">
@@ -10036,11 +10035,9 @@
                 <a:endParaRPr lang="en-US" sz="2800" dirty="0"/>
               </a:p>
               <a:p>
-                <a:pPr/>
                 <a:endParaRPr lang="en-US" sz="2800" dirty="0"/>
               </a:p>
               <a:p>
-                <a:pPr/>
                 <a:r>
                   <a:rPr lang="en-US" sz="2800" dirty="0"/>
                   <a:t>In this problem, the optimum value with this method is always reached in about 26 steps.</a:t>
@@ -10055,7 +10052,7 @@
             </p:txBody>
           </p:sp>
         </mc:Choice>
-        <mc:Fallback>
+        <mc:Fallback xmlns="">
           <p:sp>
             <p:nvSpPr>
               <p:cNvPr id="4" name="CasellaDiTesto 3">

--- a/Ppt/Optimization.pptx
+++ b/Ppt/Optimization.pptx
@@ -5,7 +5,7 @@
     <p:sldMasterId id="2147483648" r:id="rId1"/>
   </p:sldMasterIdLst>
   <p:notesMasterIdLst>
-    <p:notesMasterId r:id="rId39"/>
+    <p:notesMasterId r:id="rId52"/>
   </p:notesMasterIdLst>
   <p:sldIdLst>
     <p:sldId id="256" r:id="rId2"/>
@@ -27,24 +27,37 @@
     <p:sldId id="279" r:id="rId18"/>
     <p:sldId id="280" r:id="rId19"/>
     <p:sldId id="281" r:id="rId20"/>
-    <p:sldId id="282" r:id="rId21"/>
-    <p:sldId id="284" r:id="rId22"/>
-    <p:sldId id="285" r:id="rId23"/>
-    <p:sldId id="286" r:id="rId24"/>
-    <p:sldId id="287" r:id="rId25"/>
-    <p:sldId id="288" r:id="rId26"/>
-    <p:sldId id="289" r:id="rId27"/>
-    <p:sldId id="290" r:id="rId28"/>
-    <p:sldId id="295" r:id="rId29"/>
-    <p:sldId id="291" r:id="rId30"/>
-    <p:sldId id="292" r:id="rId31"/>
-    <p:sldId id="293" r:id="rId32"/>
-    <p:sldId id="294" r:id="rId33"/>
-    <p:sldId id="296" r:id="rId34"/>
-    <p:sldId id="297" r:id="rId35"/>
-    <p:sldId id="298" r:id="rId36"/>
-    <p:sldId id="299" r:id="rId37"/>
-    <p:sldId id="300" r:id="rId38"/>
+    <p:sldId id="301" r:id="rId21"/>
+    <p:sldId id="302" r:id="rId22"/>
+    <p:sldId id="303" r:id="rId23"/>
+    <p:sldId id="305" r:id="rId24"/>
+    <p:sldId id="306" r:id="rId25"/>
+    <p:sldId id="307" r:id="rId26"/>
+    <p:sldId id="304" r:id="rId27"/>
+    <p:sldId id="308" r:id="rId28"/>
+    <p:sldId id="309" r:id="rId29"/>
+    <p:sldId id="284" r:id="rId30"/>
+    <p:sldId id="285" r:id="rId31"/>
+    <p:sldId id="286" r:id="rId32"/>
+    <p:sldId id="287" r:id="rId33"/>
+    <p:sldId id="288" r:id="rId34"/>
+    <p:sldId id="289" r:id="rId35"/>
+    <p:sldId id="290" r:id="rId36"/>
+    <p:sldId id="295" r:id="rId37"/>
+    <p:sldId id="291" r:id="rId38"/>
+    <p:sldId id="292" r:id="rId39"/>
+    <p:sldId id="293" r:id="rId40"/>
+    <p:sldId id="294" r:id="rId41"/>
+    <p:sldId id="296" r:id="rId42"/>
+    <p:sldId id="297" r:id="rId43"/>
+    <p:sldId id="298" r:id="rId44"/>
+    <p:sldId id="299" r:id="rId45"/>
+    <p:sldId id="300" r:id="rId46"/>
+    <p:sldId id="310" r:id="rId47"/>
+    <p:sldId id="311" r:id="rId48"/>
+    <p:sldId id="312" r:id="rId49"/>
+    <p:sldId id="313" r:id="rId50"/>
+    <p:sldId id="314" r:id="rId51"/>
   </p:sldIdLst>
   <p:sldSz cx="12192000" cy="6858000"/>
   <p:notesSz cx="12192000" cy="6858000"/>
@@ -486,7 +499,7 @@
           <a:p>
             <a:fld id="{6218F9A5-25D9-4BE4-92E4-0A5AF102D313}" type="slidenum">
               <a:rPr lang="it-IT" smtClean="0"/>
-              <a:t>37</a:t>
+              <a:t>45</a:t>
             </a:fld>
             <a:endParaRPr lang="it-IT"/>
           </a:p>
@@ -5174,7 +5187,13 @@
   <p:cSld>
     <p:spTree>
       <p:nvGrpSpPr>
-        <p:cNvPr id="1" name=""/>
+        <p:cNvPr id="1" name="">
+          <a:extLst>
+            <a:ext uri="{FF2B5EF4-FFF2-40B4-BE49-F238E27FC236}">
+              <a16:creationId xmlns:a16="http://schemas.microsoft.com/office/drawing/2014/main" id="{3DE2A119-4ABC-3C8B-5484-D7473DB17C2A}"/>
+            </a:ext>
+          </a:extLst>
+        </p:cNvPr>
         <p:cNvGrpSpPr/>
         <p:nvPr/>
       </p:nvGrpSpPr>
@@ -5188,10 +5207,10 @@
       </p:grpSpPr>
       <p:sp>
         <p:nvSpPr>
-          <p:cNvPr id="2" name="Titolo 1">
+          <p:cNvPr id="10" name="Titolo 9">
             <a:extLst>
               <a:ext uri="{FF2B5EF4-FFF2-40B4-BE49-F238E27FC236}">
-                <a16:creationId xmlns:a16="http://schemas.microsoft.com/office/drawing/2014/main" id="{2E0CC293-8CDD-53FD-70B5-44E77F8B96F3}"/>
+                <a16:creationId xmlns:a16="http://schemas.microsoft.com/office/drawing/2014/main" id="{A61263EB-85B4-5FC6-D83E-7780957056CE}"/>
               </a:ext>
             </a:extLst>
           </p:cNvPr>
@@ -5204,55 +5223,417 @@
         </p:nvSpPr>
         <p:spPr>
           <a:xfrm>
-            <a:off x="1651547" y="65532"/>
-            <a:ext cx="7619763" cy="538609"/>
+            <a:off x="762000" y="457200"/>
+            <a:ext cx="10820400" cy="538609"/>
           </a:xfrm>
         </p:spPr>
         <p:txBody>
           <a:bodyPr/>
           <a:lstStyle/>
           <a:p>
-            <a:endParaRPr lang="en-GB" noProof="0" dirty="0"/>
+            <a:r>
+              <a:rPr lang="en-GB" dirty="0">
+                <a:latin typeface="Arial Black" panose="020B0A04020102020204" pitchFamily="34" charset="0"/>
+              </a:rPr>
+              <a:t>Second</a:t>
+            </a:r>
+            <a:r>
+              <a:rPr lang="en-GB" noProof="0" dirty="0">
+                <a:latin typeface="Arial Black" panose="020B0A04020102020204" pitchFamily="34" charset="0"/>
+              </a:rPr>
+              <a:t> variant: Smoothness‑Based Step</a:t>
+            </a:r>
           </a:p>
         </p:txBody>
       </p:sp>
-      <p:sp>
-        <p:nvSpPr>
-          <p:cNvPr id="3" name="Segnaposto testo 2">
+      <mc:AlternateContent xmlns:mc="http://schemas.openxmlformats.org/markup-compatibility/2006" xmlns:a14="http://schemas.microsoft.com/office/drawing/2010/main">
+        <mc:Choice Requires="a14">
+          <p:sp>
+            <p:nvSpPr>
+              <p:cNvPr id="4" name="CasellaDiTesto 3">
+                <a:extLst>
+                  <a:ext uri="{FF2B5EF4-FFF2-40B4-BE49-F238E27FC236}">
+                    <a16:creationId xmlns:a16="http://schemas.microsoft.com/office/drawing/2014/main" id="{439AC60F-624F-E52A-D173-93081528CFF2}"/>
+                  </a:ext>
+                </a:extLst>
+              </p:cNvPr>
+              <p:cNvSpPr txBox="1"/>
+              <p:nvPr/>
+            </p:nvSpPr>
+            <p:spPr>
+              <a:xfrm>
+                <a:off x="762000" y="1133326"/>
+                <a:ext cx="10515600" cy="523220"/>
+              </a:xfrm>
+              <a:prstGeom prst="rect">
+                <a:avLst/>
+              </a:prstGeom>
+              <a:noFill/>
+            </p:spPr>
+            <p:txBody>
+              <a:bodyPr wrap="square">
+                <a:spAutoFit/>
+              </a:bodyPr>
+              <a:lstStyle/>
+              <a:p>
+                <a:r>
+                  <a:rPr lang="en-GB" sz="2800" noProof="0" dirty="0">
+                    <a:latin typeface="Arial" panose="020B0604020202020204" pitchFamily="34" charset="0"/>
+                    <a:cs typeface="Arial" panose="020B0604020202020204" pitchFamily="34" charset="0"/>
+                  </a:rPr>
+                  <a:t>We compute once the </a:t>
+                </a:r>
+                <a:r>
+                  <a:rPr lang="en-GB" sz="2800" b="1" noProof="0" dirty="0">
+                    <a:solidFill>
+                      <a:srgbClr val="FF0000"/>
+                    </a:solidFill>
+                    <a:latin typeface="Arial" panose="020B0604020202020204" pitchFamily="34" charset="0"/>
+                    <a:cs typeface="Arial" panose="020B0604020202020204" pitchFamily="34" charset="0"/>
+                  </a:rPr>
+                  <a:t>Lipschitz constant </a:t>
+                </a:r>
+                <a:r>
+                  <a:rPr lang="en-GB" sz="2800" noProof="0" dirty="0">
+                    <a:latin typeface="Arial" panose="020B0604020202020204" pitchFamily="34" charset="0"/>
+                    <a:cs typeface="Arial" panose="020B0604020202020204" pitchFamily="34" charset="0"/>
+                  </a:rPr>
+                  <a:t> </a:t>
+                </a:r>
+                <a14:m>
+                  <m:oMath xmlns:m="http://schemas.openxmlformats.org/officeDocument/2006/math">
+                    <m:r>
+                      <a:rPr lang="it-IT" sz="2800" b="0" i="1" noProof="0" smtClean="0">
+                        <a:latin typeface="Cambria Math" panose="02040503050406030204" pitchFamily="18" charset="0"/>
+                        <a:ea typeface="Cambria Math" panose="02040503050406030204" pitchFamily="18" charset="0"/>
+                        <a:cs typeface="Arial" panose="020B0604020202020204" pitchFamily="34" charset="0"/>
+                      </a:rPr>
+                      <m:t>𝐿</m:t>
+                    </m:r>
+                    <m:r>
+                      <a:rPr lang="it-IT" sz="2800" b="0" i="1" noProof="0" smtClean="0">
+                        <a:latin typeface="Cambria Math" panose="02040503050406030204" pitchFamily="18" charset="0"/>
+                        <a:ea typeface="Cambria Math" panose="02040503050406030204" pitchFamily="18" charset="0"/>
+                        <a:cs typeface="Arial" panose="020B0604020202020204" pitchFamily="34" charset="0"/>
+                      </a:rPr>
+                      <m:t>= </m:t>
+                    </m:r>
+                    <m:d>
+                      <m:dPr>
+                        <m:begChr m:val="‖"/>
+                        <m:endChr m:val="‖"/>
+                        <m:ctrlPr>
+                          <a:rPr lang="en-GB" sz="2800" i="1" noProof="0" dirty="0" smtClean="0">
+                            <a:solidFill>
+                              <a:schemeClr val="tx1"/>
+                            </a:solidFill>
+                            <a:latin typeface="Cambria Math" panose="02040503050406030204" pitchFamily="18" charset="0"/>
+                          </a:rPr>
+                        </m:ctrlPr>
+                      </m:dPr>
+                      <m:e>
+                        <m:sSup>
+                          <m:sSupPr>
+                            <m:ctrlPr>
+                              <a:rPr lang="en-GB" sz="2800" i="1" noProof="0" dirty="0">
+                                <a:solidFill>
+                                  <a:schemeClr val="tx1"/>
+                                </a:solidFill>
+                                <a:latin typeface="Cambria Math" panose="02040503050406030204" pitchFamily="18" charset="0"/>
+                              </a:rPr>
+                            </m:ctrlPr>
+                          </m:sSupPr>
+                          <m:e>
+                            <m:r>
+                              <a:rPr lang="en-GB" sz="2800" i="1" noProof="0" dirty="0">
+                                <a:solidFill>
+                                  <a:schemeClr val="tx1"/>
+                                </a:solidFill>
+                                <a:latin typeface="Cambria Math" panose="02040503050406030204" pitchFamily="18" charset="0"/>
+                              </a:rPr>
+                              <m:t>𝐴</m:t>
+                            </m:r>
+                          </m:e>
+                          <m:sup>
+                            <m:r>
+                              <a:rPr lang="en-GB" sz="2800" i="1" noProof="0" dirty="0">
+                                <a:solidFill>
+                                  <a:schemeClr val="tx1"/>
+                                </a:solidFill>
+                                <a:latin typeface="Cambria Math" panose="02040503050406030204" pitchFamily="18" charset="0"/>
+                              </a:rPr>
+                              <m:t>𝑇</m:t>
+                            </m:r>
+                          </m:sup>
+                        </m:sSup>
+                        <m:r>
+                          <a:rPr lang="en-GB" sz="2800" i="1" noProof="0" dirty="0">
+                            <a:solidFill>
+                              <a:schemeClr val="tx1"/>
+                            </a:solidFill>
+                            <a:latin typeface="Cambria Math" panose="02040503050406030204" pitchFamily="18" charset="0"/>
+                          </a:rPr>
+                          <m:t>𝐴</m:t>
+                        </m:r>
+                      </m:e>
+                    </m:d>
+                  </m:oMath>
+                </a14:m>
+                <a:endParaRPr lang="en-GB" sz="2800" noProof="0" dirty="0">
+                  <a:latin typeface="Arial" panose="020B0604020202020204" pitchFamily="34" charset="0"/>
+                  <a:cs typeface="Arial" panose="020B0604020202020204" pitchFamily="34" charset="0"/>
+                </a:endParaRPr>
+              </a:p>
+            </p:txBody>
+          </p:sp>
+        </mc:Choice>
+        <mc:Fallback xmlns="">
+          <p:sp>
+            <p:nvSpPr>
+              <p:cNvPr id="4" name="CasellaDiTesto 3">
+                <a:extLst>
+                  <a:ext uri="{FF2B5EF4-FFF2-40B4-BE49-F238E27FC236}">
+                    <a16:creationId xmlns:a16="http://schemas.microsoft.com/office/drawing/2014/main" id="{439AC60F-624F-E52A-D173-93081528CFF2}"/>
+                  </a:ext>
+                </a:extLst>
+              </p:cNvPr>
+              <p:cNvSpPr txBox="1">
+                <a:spLocks noRot="1" noChangeAspect="1" noMove="1" noResize="1" noEditPoints="1" noAdjustHandles="1" noChangeArrowheads="1" noChangeShapeType="1" noTextEdit="1"/>
+              </p:cNvSpPr>
+              <p:nvPr/>
+            </p:nvSpPr>
+            <p:spPr>
+              <a:xfrm>
+                <a:off x="762000" y="1133326"/>
+                <a:ext cx="10515600" cy="523220"/>
+              </a:xfrm>
+              <a:prstGeom prst="rect">
+                <a:avLst/>
+              </a:prstGeom>
+              <a:blipFill>
+                <a:blip r:embed="rId2"/>
+                <a:stretch>
+                  <a:fillRect l="-1159" t="-12791" b="-31395"/>
+                </a:stretch>
+              </a:blipFill>
+            </p:spPr>
+            <p:txBody>
+              <a:bodyPr/>
+              <a:lstStyle/>
+              <a:p>
+                <a:r>
+                  <a:rPr lang="it-IT">
+                    <a:noFill/>
+                  </a:rPr>
+                  <a:t> </a:t>
+                </a:r>
+              </a:p>
+            </p:txBody>
+          </p:sp>
+        </mc:Fallback>
+      </mc:AlternateContent>
+      <mc:AlternateContent xmlns:mc="http://schemas.openxmlformats.org/markup-compatibility/2006" xmlns:a14="http://schemas.microsoft.com/office/drawing/2010/main">
+        <mc:Choice Requires="a14">
+          <p:sp>
+            <p:nvSpPr>
+              <p:cNvPr id="6" name="CasellaDiTesto 5">
+                <a:extLst>
+                  <a:ext uri="{FF2B5EF4-FFF2-40B4-BE49-F238E27FC236}">
+                    <a16:creationId xmlns:a16="http://schemas.microsoft.com/office/drawing/2014/main" id="{8C6E3EFE-F20C-97AE-1F36-F86E54BD45CD}"/>
+                  </a:ext>
+                </a:extLst>
+              </p:cNvPr>
+              <p:cNvSpPr txBox="1"/>
+              <p:nvPr/>
+            </p:nvSpPr>
+            <p:spPr>
+              <a:xfrm>
+                <a:off x="762000" y="1656546"/>
+                <a:ext cx="5105400" cy="700705"/>
+              </a:xfrm>
+              <a:prstGeom prst="rect">
+                <a:avLst/>
+              </a:prstGeom>
+              <a:noFill/>
+            </p:spPr>
+            <p:txBody>
+              <a:bodyPr wrap="square">
+                <a:spAutoFit/>
+              </a:bodyPr>
+              <a:lstStyle/>
+              <a:p>
+                <a:r>
+                  <a:rPr lang="en-GB" sz="2800" noProof="0" dirty="0">
+                    <a:ea typeface="Cambria Math" panose="02040503050406030204" pitchFamily="18" charset="0"/>
+                    <a:cs typeface="Arial" panose="020B0604020202020204" pitchFamily="34" charset="0"/>
+                  </a:rPr>
+                  <a:t>And then we used </a:t>
+                </a:r>
+                <a14:m>
+                  <m:oMath xmlns:m="http://schemas.openxmlformats.org/officeDocument/2006/math">
+                    <m:r>
+                      <a:rPr lang="en-GB" sz="2800" i="1" noProof="0" smtClean="0">
+                        <a:latin typeface="Cambria Math" panose="02040503050406030204" pitchFamily="18" charset="0"/>
+                        <a:ea typeface="Cambria Math" panose="02040503050406030204" pitchFamily="18" charset="0"/>
+                        <a:cs typeface="Arial" panose="020B0604020202020204" pitchFamily="34" charset="0"/>
+                      </a:rPr>
+                      <m:t>𝛾</m:t>
+                    </m:r>
+                    <m:r>
+                      <a:rPr lang="en-GB" sz="2800" b="0" i="1" noProof="0" smtClean="0">
+                        <a:latin typeface="Cambria Math" panose="02040503050406030204" pitchFamily="18" charset="0"/>
+                        <a:ea typeface="Cambria Math" panose="02040503050406030204" pitchFamily="18" charset="0"/>
+                        <a:cs typeface="Arial" panose="020B0604020202020204" pitchFamily="34" charset="0"/>
+                      </a:rPr>
+                      <m:t>=</m:t>
+                    </m:r>
+                    <m:r>
+                      <a:rPr lang="it-IT" sz="2800" b="0" i="1" noProof="0" smtClean="0">
+                        <a:latin typeface="Cambria Math" panose="02040503050406030204" pitchFamily="18" charset="0"/>
+                        <a:ea typeface="Cambria Math" panose="02040503050406030204" pitchFamily="18" charset="0"/>
+                        <a:cs typeface="Arial" panose="020B0604020202020204" pitchFamily="34" charset="0"/>
+                      </a:rPr>
+                      <m:t> </m:t>
+                    </m:r>
+                    <m:f>
+                      <m:fPr>
+                        <m:ctrlPr>
+                          <a:rPr lang="en-GB" sz="2800" i="1" noProof="0" dirty="0" smtClean="0">
+                            <a:solidFill>
+                              <a:srgbClr val="836967"/>
+                            </a:solidFill>
+                            <a:latin typeface="Cambria Math" panose="02040503050406030204" pitchFamily="18" charset="0"/>
+                          </a:rPr>
+                        </m:ctrlPr>
+                      </m:fPr>
+                      <m:num>
+                        <m:r>
+                          <a:rPr lang="en-GB" sz="2800" noProof="0" dirty="0">
+                            <a:latin typeface="Cambria Math" panose="02040503050406030204" pitchFamily="18" charset="0"/>
+                          </a:rPr>
+                          <m:t>1</m:t>
+                        </m:r>
+                      </m:num>
+                      <m:den>
+                        <m:r>
+                          <a:rPr lang="en-GB" sz="2800" i="1" noProof="0" dirty="0">
+                            <a:latin typeface="Cambria Math" panose="02040503050406030204" pitchFamily="18" charset="0"/>
+                          </a:rPr>
+                          <m:t>𝐿</m:t>
+                        </m:r>
+                      </m:den>
+                    </m:f>
+                  </m:oMath>
+                </a14:m>
+                <a:r>
+                  <a:rPr lang="en-GB" sz="2800" noProof="0" dirty="0">
+                    <a:latin typeface="Arial" panose="020B0604020202020204" pitchFamily="34" charset="0"/>
+                    <a:cs typeface="Arial" panose="020B0604020202020204" pitchFamily="34" charset="0"/>
+                  </a:rPr>
+                  <a:t> </a:t>
+                </a:r>
+                <a:r>
+                  <a:rPr lang="en-GB" sz="2800" noProof="0" dirty="0">
+                    <a:latin typeface="Arial" panose="020B0604020202020204" pitchFamily="34" charset="0"/>
+                    <a:cs typeface="Arial" panose="020B0604020202020204" pitchFamily="34" charset="0"/>
+                    <a:sym typeface="Wingdings" panose="05000000000000000000" pitchFamily="2" charset="2"/>
+                  </a:rPr>
+                  <a:t></a:t>
+                </a:r>
+                <a:endParaRPr lang="en-GB" sz="2800" noProof="0" dirty="0">
+                  <a:latin typeface="Arial" panose="020B0604020202020204" pitchFamily="34" charset="0"/>
+                  <a:cs typeface="Arial" panose="020B0604020202020204" pitchFamily="34" charset="0"/>
+                </a:endParaRPr>
+              </a:p>
+            </p:txBody>
+          </p:sp>
+        </mc:Choice>
+        <mc:Fallback xmlns="">
+          <p:sp>
+            <p:nvSpPr>
+              <p:cNvPr id="6" name="CasellaDiTesto 5">
+                <a:extLst>
+                  <a:ext uri="{FF2B5EF4-FFF2-40B4-BE49-F238E27FC236}">
+                    <a16:creationId xmlns:a16="http://schemas.microsoft.com/office/drawing/2014/main" id="{8C6E3EFE-F20C-97AE-1F36-F86E54BD45CD}"/>
+                  </a:ext>
+                </a:extLst>
+              </p:cNvPr>
+              <p:cNvSpPr txBox="1">
+                <a:spLocks noRot="1" noChangeAspect="1" noMove="1" noResize="1" noEditPoints="1" noAdjustHandles="1" noChangeArrowheads="1" noChangeShapeType="1" noTextEdit="1"/>
+              </p:cNvSpPr>
+              <p:nvPr/>
+            </p:nvSpPr>
+            <p:spPr>
+              <a:xfrm>
+                <a:off x="762000" y="1656546"/>
+                <a:ext cx="5105400" cy="700705"/>
+              </a:xfrm>
+              <a:prstGeom prst="rect">
+                <a:avLst/>
+              </a:prstGeom>
+              <a:blipFill>
+                <a:blip r:embed="rId3"/>
+                <a:stretch>
+                  <a:fillRect l="-2387" b="-9565"/>
+                </a:stretch>
+              </a:blipFill>
+            </p:spPr>
+            <p:txBody>
+              <a:bodyPr/>
+              <a:lstStyle/>
+              <a:p>
+                <a:r>
+                  <a:rPr lang="it-IT">
+                    <a:noFill/>
+                  </a:rPr>
+                  <a:t> </a:t>
+                </a:r>
+              </a:p>
+            </p:txBody>
+          </p:sp>
+        </mc:Fallback>
+      </mc:AlternateContent>
+      <p:pic>
+        <p:nvPicPr>
+          <p:cNvPr id="3" name="Immagine 2" descr="Immagine che contiene testo, schermata, Carattere&#10;&#10;Il contenuto generato dall'IA potrebbe non essere corretto.">
             <a:extLst>
               <a:ext uri="{FF2B5EF4-FFF2-40B4-BE49-F238E27FC236}">
-                <a16:creationId xmlns:a16="http://schemas.microsoft.com/office/drawing/2014/main" id="{A34AEE52-9308-0F7E-A4DF-D28FCFC82612}"/>
+                <a16:creationId xmlns:a16="http://schemas.microsoft.com/office/drawing/2014/main" id="{E17B57FB-C4C3-D7A5-0125-A888F6BBE3D7}"/>
               </a:ext>
             </a:extLst>
           </p:cNvPr>
-          <p:cNvSpPr>
-            <a:spLocks noGrp="1"/>
-          </p:cNvSpPr>
-          <p:nvPr>
-            <p:ph type="body" idx="1"/>
-          </p:nvPr>
-        </p:nvSpPr>
+          <p:cNvPicPr>
+            <a:picLocks noChangeAspect="1"/>
+          </p:cNvPicPr>
+          <p:nvPr/>
+        </p:nvPicPr>
+        <p:blipFill>
+          <a:blip r:embed="rId4">
+            <a:extLst>
+              <a:ext uri="{28A0092B-C50C-407E-A947-70E740481C1C}">
+                <a14:useLocalDpi xmlns:a14="http://schemas.microsoft.com/office/drawing/2010/main" val="0"/>
+              </a:ext>
+            </a:extLst>
+          </a:blip>
+          <a:srcRect b="3475"/>
+          <a:stretch>
+            <a:fillRect/>
+          </a:stretch>
+        </p:blipFill>
         <p:spPr>
           <a:xfrm>
-            <a:off x="1284024" y="2064003"/>
-            <a:ext cx="9448165" cy="430887"/>
+            <a:off x="838200" y="2514600"/>
+            <a:ext cx="11125200" cy="3505964"/>
           </a:xfrm>
+          <a:prstGeom prst="rect">
+            <a:avLst/>
+          </a:prstGeom>
         </p:spPr>
-        <p:txBody>
-          <a:bodyPr/>
-          <a:lstStyle/>
-          <a:p>
-            <a:r>
-              <a:rPr lang="en-GB" noProof="0" dirty="0"/>
-              <a:t>SLIDE VUOTA DI SPAZIO</a:t>
-            </a:r>
-          </a:p>
-        </p:txBody>
-      </p:sp>
+      </p:pic>
     </p:spTree>
     <p:extLst>
       <p:ext uri="{BB962C8B-B14F-4D97-AF65-F5344CB8AC3E}">
-        <p14:creationId xmlns:p14="http://schemas.microsoft.com/office/powerpoint/2010/main" val="2857122030"/>
+        <p14:creationId xmlns:p14="http://schemas.microsoft.com/office/powerpoint/2010/main" val="142519750"/>
       </p:ext>
     </p:extLst>
   </p:cSld>
@@ -5263,6 +5644,3371 @@
 </file>
 
 <file path=ppt/slides/slide21.xml><?xml version="1.0" encoding="utf-8"?>
+<p:sld xmlns:a="http://schemas.openxmlformats.org/drawingml/2006/main" xmlns:r="http://schemas.openxmlformats.org/officeDocument/2006/relationships" xmlns:p="http://schemas.openxmlformats.org/presentationml/2006/main">
+  <p:cSld>
+    <p:spTree>
+      <p:nvGrpSpPr>
+        <p:cNvPr id="1" name="">
+          <a:extLst>
+            <a:ext uri="{FF2B5EF4-FFF2-40B4-BE49-F238E27FC236}">
+              <a16:creationId xmlns:a16="http://schemas.microsoft.com/office/drawing/2014/main" id="{1F0BF028-CA1B-019A-D2CB-7E9027A0E206}"/>
+            </a:ext>
+          </a:extLst>
+        </p:cNvPr>
+        <p:cNvGrpSpPr/>
+        <p:nvPr/>
+      </p:nvGrpSpPr>
+      <p:grpSpPr>
+        <a:xfrm>
+          <a:off x="0" y="0"/>
+          <a:ext cx="0" cy="0"/>
+          <a:chOff x="0" y="0"/>
+          <a:chExt cx="0" cy="0"/>
+        </a:xfrm>
+      </p:grpSpPr>
+      <p:sp>
+        <p:nvSpPr>
+          <p:cNvPr id="10" name="Titolo 9">
+            <a:extLst>
+              <a:ext uri="{FF2B5EF4-FFF2-40B4-BE49-F238E27FC236}">
+                <a16:creationId xmlns:a16="http://schemas.microsoft.com/office/drawing/2014/main" id="{4229D3AB-5678-28D0-4275-0A1F92C3C19B}"/>
+              </a:ext>
+            </a:extLst>
+          </p:cNvPr>
+          <p:cNvSpPr>
+            <a:spLocks noGrp="1"/>
+          </p:cNvSpPr>
+          <p:nvPr>
+            <p:ph type="title"/>
+          </p:nvPr>
+        </p:nvSpPr>
+        <p:spPr>
+          <a:xfrm>
+            <a:off x="762000" y="457200"/>
+            <a:ext cx="10820400" cy="538609"/>
+          </a:xfrm>
+        </p:spPr>
+        <p:txBody>
+          <a:bodyPr/>
+          <a:lstStyle/>
+          <a:p>
+            <a:r>
+              <a:rPr lang="en-GB" dirty="0">
+                <a:latin typeface="Arial Black" panose="020B0A04020102020204" pitchFamily="34" charset="0"/>
+              </a:rPr>
+              <a:t>Third</a:t>
+            </a:r>
+            <a:r>
+              <a:rPr lang="en-GB" noProof="0" dirty="0">
+                <a:latin typeface="Arial Black" panose="020B0A04020102020204" pitchFamily="34" charset="0"/>
+              </a:rPr>
+              <a:t> variant: Bounded‑Gradient</a:t>
+            </a:r>
+          </a:p>
+        </p:txBody>
+      </p:sp>
+      <mc:AlternateContent xmlns:mc="http://schemas.openxmlformats.org/markup-compatibility/2006" xmlns:a14="http://schemas.microsoft.com/office/drawing/2010/main">
+        <mc:Choice Requires="a14">
+          <p:sp>
+            <p:nvSpPr>
+              <p:cNvPr id="4" name="CasellaDiTesto 3">
+                <a:extLst>
+                  <a:ext uri="{FF2B5EF4-FFF2-40B4-BE49-F238E27FC236}">
+                    <a16:creationId xmlns:a16="http://schemas.microsoft.com/office/drawing/2014/main" id="{33DC173E-56D7-E275-2260-9950304DE133}"/>
+                  </a:ext>
+                </a:extLst>
+              </p:cNvPr>
+              <p:cNvSpPr txBox="1"/>
+              <p:nvPr/>
+            </p:nvSpPr>
+            <p:spPr>
+              <a:xfrm>
+                <a:off x="768485" y="1717996"/>
+                <a:ext cx="10515600" cy="523220"/>
+              </a:xfrm>
+              <a:prstGeom prst="rect">
+                <a:avLst/>
+              </a:prstGeom>
+              <a:noFill/>
+            </p:spPr>
+            <p:txBody>
+              <a:bodyPr wrap="square">
+                <a:spAutoFit/>
+              </a:bodyPr>
+              <a:lstStyle/>
+              <a:p>
+                <a:r>
+                  <a:rPr lang="en-GB" sz="2800" noProof="0" dirty="0">
+                    <a:latin typeface="Arial" panose="020B0604020202020204" pitchFamily="34" charset="0"/>
+                    <a:cs typeface="Arial" panose="020B0604020202020204" pitchFamily="34" charset="0"/>
+                  </a:rPr>
+                  <a:t>We </a:t>
+                </a:r>
+                <a:r>
+                  <a:rPr lang="en-GB" sz="2800" b="1" noProof="0" dirty="0">
+                    <a:solidFill>
+                      <a:srgbClr val="FF0000"/>
+                    </a:solidFill>
+                    <a:latin typeface="Arial" panose="020B0604020202020204" pitchFamily="34" charset="0"/>
+                    <a:cs typeface="Arial" panose="020B0604020202020204" pitchFamily="34" charset="0"/>
+                  </a:rPr>
+                  <a:t>empirical</a:t>
+                </a:r>
+                <a:r>
+                  <a:rPr lang="en-GB" sz="2800" noProof="0" dirty="0">
+                    <a:latin typeface="Arial" panose="020B0604020202020204" pitchFamily="34" charset="0"/>
+                    <a:cs typeface="Arial" panose="020B0604020202020204" pitchFamily="34" charset="0"/>
+                  </a:rPr>
+                  <a:t> assumed </a:t>
+                </a:r>
+                <a:r>
+                  <a:rPr lang="en-US" sz="2800" dirty="0">
+                    <a:latin typeface="Arial" panose="020B0604020202020204" pitchFamily="34" charset="0"/>
+                    <a:cs typeface="Arial" panose="020B0604020202020204" pitchFamily="34" charset="0"/>
+                  </a:rPr>
+                  <a:t>parameters lie in a </a:t>
+                </a:r>
+                <a:r>
+                  <a:rPr lang="en-US" sz="2800" b="1" dirty="0">
+                    <a:solidFill>
+                      <a:srgbClr val="FF0000"/>
+                    </a:solidFill>
+                    <a:latin typeface="Arial" panose="020B0604020202020204" pitchFamily="34" charset="0"/>
+                    <a:cs typeface="Arial" panose="020B0604020202020204" pitchFamily="34" charset="0"/>
+                  </a:rPr>
+                  <a:t>radius </a:t>
+                </a:r>
+                <a14:m>
+                  <m:oMath xmlns:m="http://schemas.openxmlformats.org/officeDocument/2006/math">
+                    <m:r>
+                      <a:rPr lang="it-IT" sz="2800" b="1" i="0" noProof="0" smtClean="0">
+                        <a:solidFill>
+                          <a:srgbClr val="FF0000"/>
+                        </a:solidFill>
+                        <a:latin typeface="Cambria Math" panose="02040503050406030204" pitchFamily="18" charset="0"/>
+                        <a:ea typeface="Cambria Math" panose="02040503050406030204" pitchFamily="18" charset="0"/>
+                        <a:cs typeface="Arial" panose="020B0604020202020204" pitchFamily="34" charset="0"/>
+                      </a:rPr>
+                      <m:t>𝐑</m:t>
+                    </m:r>
+                    <m:r>
+                      <a:rPr lang="it-IT" sz="2800" b="1" i="1" noProof="0" smtClean="0">
+                        <a:solidFill>
+                          <a:srgbClr val="FF0000"/>
+                        </a:solidFill>
+                        <a:latin typeface="Cambria Math" panose="02040503050406030204" pitchFamily="18" charset="0"/>
+                        <a:ea typeface="Cambria Math" panose="02040503050406030204" pitchFamily="18" charset="0"/>
+                        <a:cs typeface="Arial" panose="020B0604020202020204" pitchFamily="34" charset="0"/>
+                      </a:rPr>
+                      <m:t>=</m:t>
+                    </m:r>
+                    <m:r>
+                      <a:rPr lang="it-IT" sz="2800" b="1" i="1" noProof="0" smtClean="0">
+                        <a:solidFill>
+                          <a:srgbClr val="FF0000"/>
+                        </a:solidFill>
+                        <a:latin typeface="Cambria Math" panose="02040503050406030204" pitchFamily="18" charset="0"/>
+                        <a:ea typeface="Cambria Math" panose="02040503050406030204" pitchFamily="18" charset="0"/>
+                        <a:cs typeface="Arial" panose="020B0604020202020204" pitchFamily="34" charset="0"/>
+                      </a:rPr>
+                      <m:t>𝟐𝟓</m:t>
+                    </m:r>
+                  </m:oMath>
+                </a14:m>
+                <a:r>
+                  <a:rPr lang="en-GB" sz="2800" b="1" noProof="0" dirty="0">
+                    <a:solidFill>
+                      <a:srgbClr val="FF0000"/>
+                    </a:solidFill>
+                    <a:latin typeface="Arial" panose="020B0604020202020204" pitchFamily="34" charset="0"/>
+                    <a:cs typeface="Arial" panose="020B0604020202020204" pitchFamily="34" charset="0"/>
+                  </a:rPr>
+                  <a:t> </a:t>
+                </a:r>
+                <a:r>
+                  <a:rPr lang="en-GB" sz="2800" b="1" dirty="0">
+                    <a:solidFill>
+                      <a:srgbClr val="FF0000"/>
+                    </a:solidFill>
+                    <a:latin typeface="Arial" panose="020B0604020202020204" pitchFamily="34" charset="0"/>
+                    <a:cs typeface="Arial" panose="020B0604020202020204" pitchFamily="34" charset="0"/>
+                  </a:rPr>
+                  <a:t>ball.</a:t>
+                </a:r>
+                <a:endParaRPr lang="en-GB" sz="2800" b="1" noProof="0" dirty="0">
+                  <a:latin typeface="Arial" panose="020B0604020202020204" pitchFamily="34" charset="0"/>
+                  <a:cs typeface="Arial" panose="020B0604020202020204" pitchFamily="34" charset="0"/>
+                </a:endParaRPr>
+              </a:p>
+            </p:txBody>
+          </p:sp>
+        </mc:Choice>
+        <mc:Fallback xmlns="">
+          <p:sp>
+            <p:nvSpPr>
+              <p:cNvPr id="4" name="CasellaDiTesto 3">
+                <a:extLst>
+                  <a:ext uri="{FF2B5EF4-FFF2-40B4-BE49-F238E27FC236}">
+                    <a16:creationId xmlns:a16="http://schemas.microsoft.com/office/drawing/2014/main" id="{33DC173E-56D7-E275-2260-9950304DE133}"/>
+                  </a:ext>
+                </a:extLst>
+              </p:cNvPr>
+              <p:cNvSpPr txBox="1">
+                <a:spLocks noRot="1" noChangeAspect="1" noMove="1" noResize="1" noEditPoints="1" noAdjustHandles="1" noChangeArrowheads="1" noChangeShapeType="1" noTextEdit="1"/>
+              </p:cNvSpPr>
+              <p:nvPr/>
+            </p:nvSpPr>
+            <p:spPr>
+              <a:xfrm>
+                <a:off x="768485" y="1717996"/>
+                <a:ext cx="10515600" cy="523220"/>
+              </a:xfrm>
+              <a:prstGeom prst="rect">
+                <a:avLst/>
+              </a:prstGeom>
+              <a:blipFill>
+                <a:blip r:embed="rId2"/>
+                <a:stretch>
+                  <a:fillRect l="-1159" t="-12791" b="-31395"/>
+                </a:stretch>
+              </a:blipFill>
+            </p:spPr>
+            <p:txBody>
+              <a:bodyPr/>
+              <a:lstStyle/>
+              <a:p>
+                <a:r>
+                  <a:rPr lang="it-IT">
+                    <a:noFill/>
+                  </a:rPr>
+                  <a:t> </a:t>
+                </a:r>
+              </a:p>
+            </p:txBody>
+          </p:sp>
+        </mc:Fallback>
+      </mc:AlternateContent>
+      <p:sp>
+        <p:nvSpPr>
+          <p:cNvPr id="6" name="CasellaDiTesto 5">
+            <a:extLst>
+              <a:ext uri="{FF2B5EF4-FFF2-40B4-BE49-F238E27FC236}">
+                <a16:creationId xmlns:a16="http://schemas.microsoft.com/office/drawing/2014/main" id="{92AB8939-7B88-67E8-2756-030628486C06}"/>
+              </a:ext>
+            </a:extLst>
+          </p:cNvPr>
+          <p:cNvSpPr txBox="1"/>
+          <p:nvPr/>
+        </p:nvSpPr>
+        <p:spPr>
+          <a:xfrm>
+            <a:off x="770106" y="2602309"/>
+            <a:ext cx="7924800" cy="523220"/>
+          </a:xfrm>
+          <a:prstGeom prst="rect">
+            <a:avLst/>
+          </a:prstGeom>
+          <a:noFill/>
+        </p:spPr>
+        <p:txBody>
+          <a:bodyPr wrap="square">
+            <a:spAutoFit/>
+          </a:bodyPr>
+          <a:lstStyle/>
+          <a:p>
+            <a:r>
+              <a:rPr lang="en-US" sz="2800" dirty="0">
+                <a:ea typeface="Cambria Math" panose="02040503050406030204" pitchFamily="18" charset="0"/>
+                <a:cs typeface="Arial" panose="020B0604020202020204" pitchFamily="34" charset="0"/>
+              </a:rPr>
+              <a:t>Then we bound the gradient norm and set: </a:t>
+            </a:r>
+            <a:endParaRPr lang="en-GB" sz="2800" noProof="0" dirty="0">
+              <a:latin typeface="Arial" panose="020B0604020202020204" pitchFamily="34" charset="0"/>
+              <a:cs typeface="Arial" panose="020B0604020202020204" pitchFamily="34" charset="0"/>
+            </a:endParaRPr>
+          </a:p>
+        </p:txBody>
+      </p:sp>
+      <mc:AlternateContent xmlns:mc="http://schemas.openxmlformats.org/markup-compatibility/2006" xmlns:a14="http://schemas.microsoft.com/office/drawing/2010/main">
+        <mc:Choice Requires="a14">
+          <p:sp>
+            <p:nvSpPr>
+              <p:cNvPr id="2" name="CasellaDiTesto 1">
+                <a:extLst>
+                  <a:ext uri="{FF2B5EF4-FFF2-40B4-BE49-F238E27FC236}">
+                    <a16:creationId xmlns:a16="http://schemas.microsoft.com/office/drawing/2014/main" id="{08E068F3-AB4D-1BC7-A30D-4A64EAC6B625}"/>
+                  </a:ext>
+                </a:extLst>
+              </p:cNvPr>
+              <p:cNvSpPr txBox="1"/>
+              <p:nvPr/>
+            </p:nvSpPr>
+            <p:spPr>
+              <a:xfrm>
+                <a:off x="7315200" y="2374169"/>
+                <a:ext cx="3200400" cy="979499"/>
+              </a:xfrm>
+              <a:prstGeom prst="rect">
+                <a:avLst/>
+              </a:prstGeom>
+              <a:noFill/>
+            </p:spPr>
+            <p:txBody>
+              <a:bodyPr wrap="square">
+                <a:spAutoFit/>
+              </a:bodyPr>
+              <a:lstStyle/>
+              <a:p>
+                <a:pPr/>
+                <a14:m>
+                  <m:oMathPara xmlns:m="http://schemas.openxmlformats.org/officeDocument/2006/math">
+                    <m:oMathParaPr>
+                      <m:jc m:val="centerGroup"/>
+                    </m:oMathParaPr>
+                    <m:oMath xmlns:m="http://schemas.openxmlformats.org/officeDocument/2006/math">
+                      <m:r>
+                        <a:rPr lang="en-GB" sz="2800" b="1" i="1" noProof="0" smtClean="0">
+                          <a:latin typeface="Cambria Math" panose="02040503050406030204" pitchFamily="18" charset="0"/>
+                        </a:rPr>
+                        <m:t>𝜸</m:t>
+                      </m:r>
+                      <m:r>
+                        <a:rPr lang="en-GB" sz="2800" b="1" i="1" noProof="0" smtClean="0">
+                          <a:latin typeface="Cambria Math" panose="02040503050406030204" pitchFamily="18" charset="0"/>
+                        </a:rPr>
+                        <m:t>=</m:t>
+                      </m:r>
+                      <m:f>
+                        <m:fPr>
+                          <m:ctrlPr>
+                            <a:rPr lang="en-GB" sz="2800" b="1" i="1" noProof="0" smtClean="0">
+                              <a:solidFill>
+                                <a:srgbClr val="836967"/>
+                              </a:solidFill>
+                              <a:latin typeface="Cambria Math" panose="02040503050406030204" pitchFamily="18" charset="0"/>
+                            </a:rPr>
+                          </m:ctrlPr>
+                        </m:fPr>
+                        <m:num>
+                          <m:r>
+                            <a:rPr lang="en-GB" sz="2800" b="1" i="1" noProof="0" smtClean="0">
+                              <a:latin typeface="Cambria Math" panose="02040503050406030204" pitchFamily="18" charset="0"/>
+                            </a:rPr>
+                            <m:t>𝑹</m:t>
+                          </m:r>
+                        </m:num>
+                        <m:den>
+                          <m:r>
+                            <a:rPr lang="en-GB" sz="2800" b="1" i="1" noProof="0" smtClean="0">
+                              <a:latin typeface="Cambria Math" panose="02040503050406030204" pitchFamily="18" charset="0"/>
+                            </a:rPr>
+                            <m:t>𝑩</m:t>
+                          </m:r>
+                          <m:rad>
+                            <m:radPr>
+                              <m:degHide m:val="on"/>
+                              <m:ctrlPr>
+                                <a:rPr lang="en-GB" sz="2800" b="1" i="1" noProof="0" smtClean="0">
+                                  <a:solidFill>
+                                    <a:srgbClr val="836967"/>
+                                  </a:solidFill>
+                                  <a:latin typeface="Cambria Math" panose="02040503050406030204" pitchFamily="18" charset="0"/>
+                                </a:rPr>
+                              </m:ctrlPr>
+                            </m:radPr>
+                            <m:deg/>
+                            <m:e>
+                              <m:r>
+                                <a:rPr lang="en-GB" sz="2800" b="1" i="1" noProof="0" smtClean="0">
+                                  <a:latin typeface="Cambria Math" panose="02040503050406030204" pitchFamily="18" charset="0"/>
+                                </a:rPr>
+                                <m:t>𝑻</m:t>
+                              </m:r>
+                            </m:e>
+                          </m:rad>
+                        </m:den>
+                      </m:f>
+                    </m:oMath>
+                  </m:oMathPara>
+                </a14:m>
+                <a:endParaRPr lang="en-GB" sz="2800" b="1" noProof="0" dirty="0">
+                  <a:latin typeface="Arial" panose="020B0604020202020204" pitchFamily="34" charset="0"/>
+                  <a:cs typeface="Arial" panose="020B0604020202020204" pitchFamily="34" charset="0"/>
+                </a:endParaRPr>
+              </a:p>
+            </p:txBody>
+          </p:sp>
+        </mc:Choice>
+        <mc:Fallback xmlns="">
+          <p:sp>
+            <p:nvSpPr>
+              <p:cNvPr id="2" name="CasellaDiTesto 1">
+                <a:extLst>
+                  <a:ext uri="{FF2B5EF4-FFF2-40B4-BE49-F238E27FC236}">
+                    <a16:creationId xmlns:a16="http://schemas.microsoft.com/office/drawing/2014/main" id="{08E068F3-AB4D-1BC7-A30D-4A64EAC6B625}"/>
+                  </a:ext>
+                </a:extLst>
+              </p:cNvPr>
+              <p:cNvSpPr txBox="1">
+                <a:spLocks noRot="1" noChangeAspect="1" noMove="1" noResize="1" noEditPoints="1" noAdjustHandles="1" noChangeArrowheads="1" noChangeShapeType="1" noTextEdit="1"/>
+              </p:cNvSpPr>
+              <p:nvPr/>
+            </p:nvSpPr>
+            <p:spPr>
+              <a:xfrm>
+                <a:off x="7315200" y="2374169"/>
+                <a:ext cx="3200400" cy="979499"/>
+              </a:xfrm>
+              <a:prstGeom prst="rect">
+                <a:avLst/>
+              </a:prstGeom>
+              <a:blipFill>
+                <a:blip r:embed="rId3"/>
+                <a:stretch>
+                  <a:fillRect/>
+                </a:stretch>
+              </a:blipFill>
+            </p:spPr>
+            <p:txBody>
+              <a:bodyPr/>
+              <a:lstStyle/>
+              <a:p>
+                <a:r>
+                  <a:rPr lang="it-IT">
+                    <a:noFill/>
+                  </a:rPr>
+                  <a:t> </a:t>
+                </a:r>
+              </a:p>
+            </p:txBody>
+          </p:sp>
+        </mc:Fallback>
+      </mc:AlternateContent>
+      <mc:AlternateContent xmlns:mc="http://schemas.openxmlformats.org/markup-compatibility/2006" xmlns:a14="http://schemas.microsoft.com/office/drawing/2010/main">
+        <mc:Choice Requires="a14">
+          <p:sp>
+            <p:nvSpPr>
+              <p:cNvPr id="5" name="CasellaDiTesto 4">
+                <a:extLst>
+                  <a:ext uri="{FF2B5EF4-FFF2-40B4-BE49-F238E27FC236}">
+                    <a16:creationId xmlns:a16="http://schemas.microsoft.com/office/drawing/2014/main" id="{02CE26DB-A66C-C303-12D7-7F69058B7806}"/>
+                  </a:ext>
+                </a:extLst>
+              </p:cNvPr>
+              <p:cNvSpPr txBox="1"/>
+              <p:nvPr/>
+            </p:nvSpPr>
+            <p:spPr>
+              <a:xfrm>
+                <a:off x="768484" y="3450954"/>
+                <a:ext cx="6165715" cy="2246769"/>
+              </a:xfrm>
+              <a:prstGeom prst="rect">
+                <a:avLst/>
+              </a:prstGeom>
+              <a:noFill/>
+            </p:spPr>
+            <p:txBody>
+              <a:bodyPr wrap="square">
+                <a:spAutoFit/>
+              </a:bodyPr>
+              <a:lstStyle/>
+              <a:p>
+                <a:r>
+                  <a:rPr lang="en-GB" sz="2800" noProof="0" dirty="0"/>
+                  <a:t>With:</a:t>
+                </a:r>
+              </a:p>
+              <a:p>
+                <a:endParaRPr lang="en-GB" sz="2800" noProof="0" dirty="0"/>
+              </a:p>
+              <a:p>
+                <a:pPr marL="457200" indent="-457200">
+                  <a:buFont typeface="Arial" panose="020B0604020202020204" pitchFamily="34" charset="0"/>
+                  <a:buChar char="•"/>
+                </a:pPr>
+                <a14:m>
+                  <m:oMath xmlns:m="http://schemas.openxmlformats.org/officeDocument/2006/math">
+                    <m:r>
+                      <a:rPr lang="en-GB" sz="2800" i="1" noProof="0" smtClean="0">
+                        <a:solidFill>
+                          <a:schemeClr val="tx1"/>
+                        </a:solidFill>
+                        <a:latin typeface="Cambria Math" panose="02040503050406030204" pitchFamily="18" charset="0"/>
+                      </a:rPr>
+                      <m:t>𝐵</m:t>
+                    </m:r>
+                    <m:r>
+                      <a:rPr lang="en-GB" sz="2800" i="1" noProof="0" smtClean="0">
+                        <a:solidFill>
+                          <a:schemeClr val="tx1"/>
+                        </a:solidFill>
+                        <a:latin typeface="Cambria Math" panose="02040503050406030204" pitchFamily="18" charset="0"/>
+                      </a:rPr>
+                      <m:t>=</m:t>
+                    </m:r>
+                    <m:r>
+                      <a:rPr lang="en-GB" sz="2800" i="1" noProof="0" smtClean="0">
+                        <a:solidFill>
+                          <a:schemeClr val="tx1"/>
+                        </a:solidFill>
+                        <a:latin typeface="Cambria Math" panose="02040503050406030204" pitchFamily="18" charset="0"/>
+                      </a:rPr>
+                      <m:t>𝑅</m:t>
+                    </m:r>
+                    <m:r>
+                      <a:rPr lang="it-IT" sz="2800" b="0" i="1" noProof="0" smtClean="0">
+                        <a:solidFill>
+                          <a:schemeClr val="tx1"/>
+                        </a:solidFill>
+                        <a:latin typeface="Cambria Math" panose="02040503050406030204" pitchFamily="18" charset="0"/>
+                      </a:rPr>
+                      <m:t> </m:t>
+                    </m:r>
+                    <m:d>
+                      <m:dPr>
+                        <m:begChr m:val="‖"/>
+                        <m:endChr m:val="‖"/>
+                        <m:ctrlPr>
+                          <a:rPr lang="en-GB" sz="2800" i="1" noProof="0" smtClean="0">
+                            <a:solidFill>
+                              <a:schemeClr val="tx1"/>
+                            </a:solidFill>
+                            <a:latin typeface="Cambria Math" panose="02040503050406030204" pitchFamily="18" charset="0"/>
+                          </a:rPr>
+                        </m:ctrlPr>
+                      </m:dPr>
+                      <m:e>
+                        <m:sSup>
+                          <m:sSupPr>
+                            <m:ctrlPr>
+                              <a:rPr lang="en-GB" sz="2800" i="1" noProof="0" smtClean="0">
+                                <a:solidFill>
+                                  <a:schemeClr val="tx1"/>
+                                </a:solidFill>
+                                <a:latin typeface="Cambria Math" panose="02040503050406030204" pitchFamily="18" charset="0"/>
+                              </a:rPr>
+                            </m:ctrlPr>
+                          </m:sSupPr>
+                          <m:e>
+                            <m:r>
+                              <a:rPr lang="en-GB" sz="2800" i="1" noProof="0" smtClean="0">
+                                <a:solidFill>
+                                  <a:schemeClr val="tx1"/>
+                                </a:solidFill>
+                                <a:latin typeface="Cambria Math" panose="02040503050406030204" pitchFamily="18" charset="0"/>
+                              </a:rPr>
+                              <m:t>𝐴</m:t>
+                            </m:r>
+                          </m:e>
+                          <m:sup>
+                            <m:r>
+                              <a:rPr lang="en-GB" sz="2800" i="1" noProof="0" smtClean="0">
+                                <a:solidFill>
+                                  <a:schemeClr val="tx1"/>
+                                </a:solidFill>
+                                <a:latin typeface="Cambria Math" panose="02040503050406030204" pitchFamily="18" charset="0"/>
+                              </a:rPr>
+                              <m:t>𝑇</m:t>
+                            </m:r>
+                          </m:sup>
+                        </m:sSup>
+                        <m:r>
+                          <a:rPr lang="en-GB" sz="2800" i="1" noProof="0" smtClean="0">
+                            <a:solidFill>
+                              <a:schemeClr val="tx1"/>
+                            </a:solidFill>
+                            <a:latin typeface="Cambria Math" panose="02040503050406030204" pitchFamily="18" charset="0"/>
+                          </a:rPr>
+                          <m:t>𝐴</m:t>
+                        </m:r>
+                      </m:e>
+                    </m:d>
+                    <m:r>
+                      <a:rPr lang="en-GB" sz="2800" i="1" noProof="0" smtClean="0">
+                        <a:solidFill>
+                          <a:schemeClr val="tx1"/>
+                        </a:solidFill>
+                        <a:latin typeface="Cambria Math" panose="02040503050406030204" pitchFamily="18" charset="0"/>
+                      </a:rPr>
+                      <m:t>+</m:t>
+                    </m:r>
+                    <m:d>
+                      <m:dPr>
+                        <m:begChr m:val="‖"/>
+                        <m:endChr m:val="‖"/>
+                        <m:ctrlPr>
+                          <a:rPr lang="en-GB" sz="2800" i="1" noProof="0" smtClean="0">
+                            <a:solidFill>
+                              <a:schemeClr val="tx1"/>
+                            </a:solidFill>
+                            <a:latin typeface="Cambria Math" panose="02040503050406030204" pitchFamily="18" charset="0"/>
+                          </a:rPr>
+                        </m:ctrlPr>
+                      </m:dPr>
+                      <m:e>
+                        <m:sSup>
+                          <m:sSupPr>
+                            <m:ctrlPr>
+                              <a:rPr lang="it-IT" sz="2800" b="0" i="1" noProof="0" smtClean="0">
+                                <a:solidFill>
+                                  <a:schemeClr val="tx1"/>
+                                </a:solidFill>
+                                <a:latin typeface="Cambria Math" panose="02040503050406030204" pitchFamily="18" charset="0"/>
+                              </a:rPr>
+                            </m:ctrlPr>
+                          </m:sSupPr>
+                          <m:e>
+                            <m:r>
+                              <a:rPr lang="it-IT" sz="2800" b="0" i="1" noProof="0" smtClean="0">
+                                <a:solidFill>
+                                  <a:schemeClr val="tx1"/>
+                                </a:solidFill>
+                                <a:latin typeface="Cambria Math" panose="02040503050406030204" pitchFamily="18" charset="0"/>
+                              </a:rPr>
+                              <m:t>𝐴</m:t>
+                            </m:r>
+                          </m:e>
+                          <m:sup>
+                            <m:r>
+                              <a:rPr lang="it-IT" sz="2800" b="0" i="1" noProof="0" smtClean="0">
+                                <a:solidFill>
+                                  <a:schemeClr val="tx1"/>
+                                </a:solidFill>
+                                <a:latin typeface="Cambria Math" panose="02040503050406030204" pitchFamily="18" charset="0"/>
+                              </a:rPr>
+                              <m:t>𝑇</m:t>
+                            </m:r>
+                          </m:sup>
+                        </m:sSup>
+                        <m:r>
+                          <a:rPr lang="it-IT" sz="2800" b="0" i="1" noProof="0" smtClean="0">
+                            <a:solidFill>
+                              <a:schemeClr val="tx1"/>
+                            </a:solidFill>
+                            <a:latin typeface="Cambria Math" panose="02040503050406030204" pitchFamily="18" charset="0"/>
+                          </a:rPr>
+                          <m:t>𝑏</m:t>
+                        </m:r>
+                      </m:e>
+                    </m:d>
+                  </m:oMath>
+                </a14:m>
+                <a:endParaRPr lang="en-GB" sz="2800" noProof="0" dirty="0">
+                  <a:solidFill>
+                    <a:schemeClr val="tx1"/>
+                  </a:solidFill>
+                  <a:latin typeface="Arial" panose="020B0604020202020204" pitchFamily="34" charset="0"/>
+                  <a:cs typeface="Arial" panose="020B0604020202020204" pitchFamily="34" charset="0"/>
+                </a:endParaRPr>
+              </a:p>
+              <a:p>
+                <a:pPr marL="457200" indent="-457200">
+                  <a:buFont typeface="Arial" panose="020B0604020202020204" pitchFamily="34" charset="0"/>
+                  <a:buChar char="•"/>
+                </a:pPr>
+                <a:endParaRPr lang="en-GB" sz="2800" noProof="0" dirty="0">
+                  <a:solidFill>
+                    <a:schemeClr val="tx1"/>
+                  </a:solidFill>
+                  <a:latin typeface="Arial" panose="020B0604020202020204" pitchFamily="34" charset="0"/>
+                  <a:cs typeface="Arial" panose="020B0604020202020204" pitchFamily="34" charset="0"/>
+                </a:endParaRPr>
+              </a:p>
+              <a:p>
+                <a:pPr marL="457200" indent="-457200">
+                  <a:buFont typeface="Arial" panose="020B0604020202020204" pitchFamily="34" charset="0"/>
+                  <a:buChar char="•"/>
+                </a:pPr>
+                <a14:m>
+                  <m:oMath xmlns:m="http://schemas.openxmlformats.org/officeDocument/2006/math">
+                    <m:r>
+                      <a:rPr lang="it-IT" sz="2800" b="0" i="1" noProof="0" smtClean="0">
+                        <a:solidFill>
+                          <a:schemeClr val="tx1"/>
+                        </a:solidFill>
+                        <a:latin typeface="Cambria Math" panose="02040503050406030204" pitchFamily="18" charset="0"/>
+                      </a:rPr>
+                      <m:t>𝑇</m:t>
+                    </m:r>
+                    <m:r>
+                      <a:rPr lang="it-IT" sz="2800" b="0" i="1" noProof="0" smtClean="0">
+                        <a:solidFill>
+                          <a:schemeClr val="tx1"/>
+                        </a:solidFill>
+                        <a:latin typeface="Cambria Math" panose="02040503050406030204" pitchFamily="18" charset="0"/>
+                      </a:rPr>
+                      <m:t>=110</m:t>
+                    </m:r>
+                  </m:oMath>
+                </a14:m>
+                <a:r>
+                  <a:rPr lang="en-GB" sz="2800" i="1" noProof="0" dirty="0">
+                    <a:solidFill>
+                      <a:schemeClr val="tx1"/>
+                    </a:solidFill>
+                    <a:latin typeface="Arial" panose="020B0604020202020204" pitchFamily="34" charset="0"/>
+                    <a:cs typeface="Arial" panose="020B0604020202020204" pitchFamily="34" charset="0"/>
+                  </a:rPr>
+                  <a:t>  </a:t>
+                </a:r>
+                <a:r>
+                  <a:rPr lang="en-GB" sz="1600" i="1" dirty="0">
+                    <a:solidFill>
+                      <a:schemeClr val="tx1"/>
+                    </a:solidFill>
+                    <a:latin typeface="Arial" panose="020B0604020202020204" pitchFamily="34" charset="0"/>
+                    <a:cs typeface="Arial" panose="020B0604020202020204" pitchFamily="34" charset="0"/>
+                  </a:rPr>
+                  <a:t>(Appear to be the </a:t>
+                </a:r>
+                <a:r>
+                  <a:rPr lang="en-GB" sz="1600" i="1" noProof="0" dirty="0">
+                    <a:solidFill>
+                      <a:schemeClr val="tx1"/>
+                    </a:solidFill>
+                    <a:latin typeface="Arial" panose="020B0604020202020204" pitchFamily="34" charset="0"/>
+                    <a:cs typeface="Arial" panose="020B0604020202020204" pitchFamily="34" charset="0"/>
+                  </a:rPr>
+                  <a:t>best empirical value)</a:t>
+                </a:r>
+              </a:p>
+            </p:txBody>
+          </p:sp>
+        </mc:Choice>
+        <mc:Fallback xmlns="">
+          <p:sp>
+            <p:nvSpPr>
+              <p:cNvPr id="5" name="CasellaDiTesto 4">
+                <a:extLst>
+                  <a:ext uri="{FF2B5EF4-FFF2-40B4-BE49-F238E27FC236}">
+                    <a16:creationId xmlns:a16="http://schemas.microsoft.com/office/drawing/2014/main" id="{02CE26DB-A66C-C303-12D7-7F69058B7806}"/>
+                  </a:ext>
+                </a:extLst>
+              </p:cNvPr>
+              <p:cNvSpPr txBox="1">
+                <a:spLocks noRot="1" noChangeAspect="1" noMove="1" noResize="1" noEditPoints="1" noAdjustHandles="1" noChangeArrowheads="1" noChangeShapeType="1" noTextEdit="1"/>
+              </p:cNvSpPr>
+              <p:nvPr/>
+            </p:nvSpPr>
+            <p:spPr>
+              <a:xfrm>
+                <a:off x="768484" y="3450954"/>
+                <a:ext cx="6165715" cy="2246769"/>
+              </a:xfrm>
+              <a:prstGeom prst="rect">
+                <a:avLst/>
+              </a:prstGeom>
+              <a:blipFill>
+                <a:blip r:embed="rId4"/>
+                <a:stretch>
+                  <a:fillRect l="-1978" t="-2710" b="-1084"/>
+                </a:stretch>
+              </a:blipFill>
+            </p:spPr>
+            <p:txBody>
+              <a:bodyPr/>
+              <a:lstStyle/>
+              <a:p>
+                <a:r>
+                  <a:rPr lang="it-IT">
+                    <a:noFill/>
+                  </a:rPr>
+                  <a:t> </a:t>
+                </a:r>
+              </a:p>
+            </p:txBody>
+          </p:sp>
+        </mc:Fallback>
+      </mc:AlternateContent>
+    </p:spTree>
+    <p:extLst>
+      <p:ext uri="{BB962C8B-B14F-4D97-AF65-F5344CB8AC3E}">
+        <p14:creationId xmlns:p14="http://schemas.microsoft.com/office/powerpoint/2010/main" val="445103212"/>
+      </p:ext>
+    </p:extLst>
+  </p:cSld>
+  <p:clrMapOvr>
+    <a:masterClrMapping/>
+  </p:clrMapOvr>
+</p:sld>
+</file>
+
+<file path=ppt/slides/slide22.xml><?xml version="1.0" encoding="utf-8"?>
+<p:sld xmlns:a="http://schemas.openxmlformats.org/drawingml/2006/main" xmlns:r="http://schemas.openxmlformats.org/officeDocument/2006/relationships" xmlns:p="http://schemas.openxmlformats.org/presentationml/2006/main">
+  <p:cSld>
+    <p:spTree>
+      <p:nvGrpSpPr>
+        <p:cNvPr id="1" name="">
+          <a:extLst>
+            <a:ext uri="{FF2B5EF4-FFF2-40B4-BE49-F238E27FC236}">
+              <a16:creationId xmlns:a16="http://schemas.microsoft.com/office/drawing/2014/main" id="{69C69CD5-A5AE-5B38-D90A-AA016B1EE1CD}"/>
+            </a:ext>
+          </a:extLst>
+        </p:cNvPr>
+        <p:cNvGrpSpPr/>
+        <p:nvPr/>
+      </p:nvGrpSpPr>
+      <p:grpSpPr>
+        <a:xfrm>
+          <a:off x="0" y="0"/>
+          <a:ext cx="0" cy="0"/>
+          <a:chOff x="0" y="0"/>
+          <a:chExt cx="0" cy="0"/>
+        </a:xfrm>
+      </p:grpSpPr>
+      <p:sp>
+        <p:nvSpPr>
+          <p:cNvPr id="7" name="Titolo 9">
+            <a:extLst>
+              <a:ext uri="{FF2B5EF4-FFF2-40B4-BE49-F238E27FC236}">
+                <a16:creationId xmlns:a16="http://schemas.microsoft.com/office/drawing/2014/main" id="{D5301DD7-6F83-9632-58DF-4576F685D0C4}"/>
+              </a:ext>
+            </a:extLst>
+          </p:cNvPr>
+          <p:cNvSpPr txBox="1">
+            <a:spLocks/>
+          </p:cNvSpPr>
+          <p:nvPr/>
+        </p:nvSpPr>
+        <p:spPr>
+          <a:xfrm>
+            <a:off x="762000" y="457200"/>
+            <a:ext cx="10820400" cy="538609"/>
+          </a:xfrm>
+          <a:prstGeom prst="rect">
+            <a:avLst/>
+          </a:prstGeom>
+        </p:spPr>
+        <p:txBody>
+          <a:bodyPr wrap="square" lIns="0" tIns="0" rIns="0" bIns="0">
+            <a:spAutoFit/>
+          </a:bodyPr>
+          <a:lstStyle>
+            <a:lvl1pPr>
+              <a:defRPr sz="3500" b="1" i="0">
+                <a:solidFill>
+                  <a:schemeClr val="tx1"/>
+                </a:solidFill>
+                <a:latin typeface="Trebuchet MS"/>
+                <a:ea typeface="+mj-ea"/>
+                <a:cs typeface="Trebuchet MS"/>
+              </a:defRPr>
+            </a:lvl1pPr>
+          </a:lstStyle>
+          <a:p>
+            <a:r>
+              <a:rPr lang="en-GB" dirty="0">
+                <a:latin typeface="Arial Black" panose="020B0A04020102020204" pitchFamily="34" charset="0"/>
+              </a:rPr>
+              <a:t>Third variant: Bounded‑Gradient</a:t>
+            </a:r>
+          </a:p>
+        </p:txBody>
+      </p:sp>
+      <p:pic>
+        <p:nvPicPr>
+          <p:cNvPr id="9" name="Immagine 8" descr="Immagine che contiene testo, schermata, Carattere, menu&#10;&#10;Il contenuto generato dall'IA potrebbe non essere corretto.">
+            <a:extLst>
+              <a:ext uri="{FF2B5EF4-FFF2-40B4-BE49-F238E27FC236}">
+                <a16:creationId xmlns:a16="http://schemas.microsoft.com/office/drawing/2014/main" id="{E55565FA-28F2-1892-F78D-5DCD76CB6990}"/>
+              </a:ext>
+            </a:extLst>
+          </p:cNvPr>
+          <p:cNvPicPr>
+            <a:picLocks noChangeAspect="1"/>
+          </p:cNvPicPr>
+          <p:nvPr/>
+        </p:nvPicPr>
+        <p:blipFill>
+          <a:blip r:embed="rId2">
+            <a:extLst>
+              <a:ext uri="{28A0092B-C50C-407E-A947-70E740481C1C}">
+                <a14:useLocalDpi xmlns:a14="http://schemas.microsoft.com/office/drawing/2010/main" val="0"/>
+              </a:ext>
+            </a:extLst>
+          </a:blip>
+          <a:srcRect t="1633"/>
+          <a:stretch>
+            <a:fillRect/>
+          </a:stretch>
+        </p:blipFill>
+        <p:spPr>
+          <a:xfrm>
+            <a:off x="762000" y="1524000"/>
+            <a:ext cx="11125200" cy="4272795"/>
+          </a:xfrm>
+          <a:prstGeom prst="rect">
+            <a:avLst/>
+          </a:prstGeom>
+        </p:spPr>
+      </p:pic>
+    </p:spTree>
+    <p:extLst>
+      <p:ext uri="{BB962C8B-B14F-4D97-AF65-F5344CB8AC3E}">
+        <p14:creationId xmlns:p14="http://schemas.microsoft.com/office/powerpoint/2010/main" val="3225930379"/>
+      </p:ext>
+    </p:extLst>
+  </p:cSld>
+  <p:clrMapOvr>
+    <a:masterClrMapping/>
+  </p:clrMapOvr>
+</p:sld>
+</file>
+
+<file path=ppt/slides/slide23.xml><?xml version="1.0" encoding="utf-8"?>
+<p:sld xmlns:a="http://schemas.openxmlformats.org/drawingml/2006/main" xmlns:r="http://schemas.openxmlformats.org/officeDocument/2006/relationships" xmlns:p="http://schemas.openxmlformats.org/presentationml/2006/main">
+  <p:cSld>
+    <p:spTree>
+      <p:nvGrpSpPr>
+        <p:cNvPr id="1" name="">
+          <a:extLst>
+            <a:ext uri="{FF2B5EF4-FFF2-40B4-BE49-F238E27FC236}">
+              <a16:creationId xmlns:a16="http://schemas.microsoft.com/office/drawing/2014/main" id="{4FCA887C-E5CA-61B5-101C-221BBACAE8F1}"/>
+            </a:ext>
+          </a:extLst>
+        </p:cNvPr>
+        <p:cNvGrpSpPr/>
+        <p:nvPr/>
+      </p:nvGrpSpPr>
+      <p:grpSpPr>
+        <a:xfrm>
+          <a:off x="0" y="0"/>
+          <a:ext cx="0" cy="0"/>
+          <a:chOff x="0" y="0"/>
+          <a:chExt cx="0" cy="0"/>
+        </a:xfrm>
+      </p:grpSpPr>
+      <p:sp>
+        <p:nvSpPr>
+          <p:cNvPr id="7" name="Titolo 9">
+            <a:extLst>
+              <a:ext uri="{FF2B5EF4-FFF2-40B4-BE49-F238E27FC236}">
+                <a16:creationId xmlns:a16="http://schemas.microsoft.com/office/drawing/2014/main" id="{62D88B21-0E1A-0E95-B835-24995543D2F6}"/>
+              </a:ext>
+            </a:extLst>
+          </p:cNvPr>
+          <p:cNvSpPr txBox="1">
+            <a:spLocks/>
+          </p:cNvSpPr>
+          <p:nvPr/>
+        </p:nvSpPr>
+        <p:spPr>
+          <a:xfrm>
+            <a:off x="762000" y="457200"/>
+            <a:ext cx="10820400" cy="538609"/>
+          </a:xfrm>
+          <a:prstGeom prst="rect">
+            <a:avLst/>
+          </a:prstGeom>
+        </p:spPr>
+        <p:txBody>
+          <a:bodyPr wrap="square" lIns="0" tIns="0" rIns="0" bIns="0">
+            <a:spAutoFit/>
+          </a:bodyPr>
+          <a:lstStyle>
+            <a:lvl1pPr>
+              <a:defRPr sz="3500" b="1" i="0">
+                <a:solidFill>
+                  <a:schemeClr val="tx1"/>
+                </a:solidFill>
+                <a:latin typeface="Trebuchet MS"/>
+                <a:ea typeface="+mj-ea"/>
+                <a:cs typeface="Trebuchet MS"/>
+              </a:defRPr>
+            </a:lvl1pPr>
+          </a:lstStyle>
+          <a:p>
+            <a:r>
+              <a:rPr lang="en-GB" dirty="0">
+                <a:latin typeface="Arial Black" panose="020B0A04020102020204" pitchFamily="34" charset="0"/>
+              </a:rPr>
+              <a:t>Third variant: Bounded‑Gradient</a:t>
+            </a:r>
+          </a:p>
+        </p:txBody>
+      </p:sp>
+      <mc:AlternateContent xmlns:mc="http://schemas.openxmlformats.org/markup-compatibility/2006" xmlns:a14="http://schemas.microsoft.com/office/drawing/2010/main">
+        <mc:Choice Requires="a14">
+          <p:sp>
+            <p:nvSpPr>
+              <p:cNvPr id="2" name="CasellaDiTesto 1">
+                <a:extLst>
+                  <a:ext uri="{FF2B5EF4-FFF2-40B4-BE49-F238E27FC236}">
+                    <a16:creationId xmlns:a16="http://schemas.microsoft.com/office/drawing/2014/main" id="{4C288CD1-04C5-7CB1-1BE3-E2F14B1DF7E5}"/>
+                  </a:ext>
+                </a:extLst>
+              </p:cNvPr>
+              <p:cNvSpPr txBox="1"/>
+              <p:nvPr/>
+            </p:nvSpPr>
+            <p:spPr>
+              <a:xfrm>
+                <a:off x="762000" y="1752600"/>
+                <a:ext cx="10515600" cy="3307829"/>
+              </a:xfrm>
+              <a:prstGeom prst="rect">
+                <a:avLst/>
+              </a:prstGeom>
+              <a:noFill/>
+            </p:spPr>
+            <p:txBody>
+              <a:bodyPr wrap="square">
+                <a:spAutoFit/>
+              </a:bodyPr>
+              <a:lstStyle/>
+              <a:p>
+                <a:r>
+                  <a:rPr lang="en-GB" sz="2800" noProof="0" dirty="0">
+                    <a:latin typeface="Arial" panose="020B0604020202020204" pitchFamily="34" charset="0"/>
+                    <a:cs typeface="Arial" panose="020B0604020202020204" pitchFamily="34" charset="0"/>
+                  </a:rPr>
+                  <a:t>We </a:t>
+                </a:r>
+                <a:r>
+                  <a:rPr lang="en-US" sz="2800" dirty="0">
+                    <a:latin typeface="Arial" panose="020B0604020202020204" pitchFamily="34" charset="0"/>
+                    <a:cs typeface="Arial" panose="020B0604020202020204" pitchFamily="34" charset="0"/>
+                  </a:rPr>
+                  <a:t>realize that since the </a:t>
+                </a:r>
+                <a:r>
+                  <a:rPr lang="en-US" sz="2800" b="1" dirty="0">
+                    <a:latin typeface="Arial" panose="020B0604020202020204" pitchFamily="34" charset="0"/>
+                    <a:cs typeface="Arial" panose="020B0604020202020204" pitchFamily="34" charset="0"/>
+                  </a:rPr>
+                  <a:t>step size</a:t>
+                </a:r>
+                <a:r>
+                  <a:rPr lang="en-US" sz="2800" dirty="0">
+                    <a:latin typeface="Arial" panose="020B0604020202020204" pitchFamily="34" charset="0"/>
+                    <a:cs typeface="Arial" panose="020B0604020202020204" pitchFamily="34" charset="0"/>
+                  </a:rPr>
+                  <a:t> used is </a:t>
+                </a:r>
+                <a:r>
+                  <a:rPr lang="en-US" sz="2800" b="1" dirty="0">
+                    <a:latin typeface="Arial" panose="020B0604020202020204" pitchFamily="34" charset="0"/>
+                    <a:cs typeface="Arial" panose="020B0604020202020204" pitchFamily="34" charset="0"/>
+                  </a:rPr>
+                  <a:t>significantly smaller </a:t>
+                </a:r>
+                <a:r>
+                  <a:rPr lang="en-US" sz="2800" dirty="0">
+                    <a:latin typeface="Arial" panose="020B0604020202020204" pitchFamily="34" charset="0"/>
+                    <a:cs typeface="Arial" panose="020B0604020202020204" pitchFamily="34" charset="0"/>
+                  </a:rPr>
+                  <a:t>than the typical </a:t>
+                </a:r>
+                <a14:m>
+                  <m:oMath xmlns:m="http://schemas.openxmlformats.org/officeDocument/2006/math">
+                    <m:r>
+                      <a:rPr lang="en-US" sz="2800" i="1" smtClean="0">
+                        <a:latin typeface="Cambria Math" panose="02040503050406030204" pitchFamily="18" charset="0"/>
+                      </a:rPr>
+                      <m:t>𝛾</m:t>
+                    </m:r>
+                    <m:r>
+                      <a:rPr lang="en-US" sz="2800" i="1" smtClean="0">
+                        <a:latin typeface="Cambria Math" panose="02040503050406030204" pitchFamily="18" charset="0"/>
+                      </a:rPr>
+                      <m:t>=</m:t>
+                    </m:r>
+                    <m:f>
+                      <m:fPr>
+                        <m:ctrlPr>
+                          <a:rPr lang="en-US" sz="2800" i="1" smtClean="0">
+                            <a:solidFill>
+                              <a:srgbClr val="836967"/>
+                            </a:solidFill>
+                            <a:latin typeface="Cambria Math" panose="02040503050406030204" pitchFamily="18" charset="0"/>
+                          </a:rPr>
+                        </m:ctrlPr>
+                      </m:fPr>
+                      <m:num>
+                        <m:r>
+                          <a:rPr lang="en-US" sz="2800" i="1" smtClean="0">
+                            <a:latin typeface="Cambria Math" panose="02040503050406030204" pitchFamily="18" charset="0"/>
+                          </a:rPr>
+                          <m:t>1</m:t>
+                        </m:r>
+                      </m:num>
+                      <m:den>
+                        <m:r>
+                          <a:rPr lang="en-US" sz="2800" i="1" smtClean="0">
+                            <a:latin typeface="Cambria Math" panose="02040503050406030204" pitchFamily="18" charset="0"/>
+                          </a:rPr>
+                          <m:t>𝐿</m:t>
+                        </m:r>
+                      </m:den>
+                    </m:f>
+                  </m:oMath>
+                </a14:m>
+                <a:r>
+                  <a:rPr lang="en-US" sz="2800" dirty="0">
+                    <a:latin typeface="Arial" panose="020B0604020202020204" pitchFamily="34" charset="0"/>
+                    <a:cs typeface="Arial" panose="020B0604020202020204" pitchFamily="34" charset="0"/>
+                  </a:rPr>
+                  <a:t> choice due to its dependency on </a:t>
+                </a:r>
+                <a14:m>
+                  <m:oMath xmlns:m="http://schemas.openxmlformats.org/officeDocument/2006/math">
+                    <m:f>
+                      <m:fPr>
+                        <m:ctrlPr>
+                          <a:rPr lang="en-US" sz="2800" i="1" smtClean="0">
+                            <a:solidFill>
+                              <a:schemeClr val="tx1"/>
+                            </a:solidFill>
+                            <a:latin typeface="Cambria Math" panose="02040503050406030204" pitchFamily="18" charset="0"/>
+                          </a:rPr>
+                        </m:ctrlPr>
+                      </m:fPr>
+                      <m:num>
+                        <m:r>
+                          <a:rPr lang="en-US" sz="2800" i="1" smtClean="0">
+                            <a:solidFill>
+                              <a:schemeClr val="tx1"/>
+                            </a:solidFill>
+                            <a:latin typeface="Cambria Math" panose="02040503050406030204" pitchFamily="18" charset="0"/>
+                          </a:rPr>
+                          <m:t>1</m:t>
+                        </m:r>
+                      </m:num>
+                      <m:den>
+                        <m:rad>
+                          <m:radPr>
+                            <m:degHide m:val="on"/>
+                            <m:ctrlPr>
+                              <a:rPr lang="en-US" sz="2800" i="1" smtClean="0">
+                                <a:solidFill>
+                                  <a:schemeClr val="tx1"/>
+                                </a:solidFill>
+                                <a:latin typeface="Cambria Math" panose="02040503050406030204" pitchFamily="18" charset="0"/>
+                              </a:rPr>
+                            </m:ctrlPr>
+                          </m:radPr>
+                          <m:deg/>
+                          <m:e>
+                            <m:r>
+                              <m:rPr>
+                                <m:sty m:val="p"/>
+                              </m:rPr>
+                              <a:rPr lang="it-IT" sz="2800" b="0" i="0" smtClean="0">
+                                <a:solidFill>
+                                  <a:schemeClr val="tx1"/>
+                                </a:solidFill>
+                                <a:latin typeface="Cambria Math" panose="02040503050406030204" pitchFamily="18" charset="0"/>
+                              </a:rPr>
+                              <m:t>T</m:t>
+                            </m:r>
+                          </m:e>
+                        </m:rad>
+                      </m:den>
+                    </m:f>
+                  </m:oMath>
+                </a14:m>
+                <a:r>
+                  <a:rPr lang="en-US" sz="2800" dirty="0">
+                    <a:latin typeface="Arial" panose="020B0604020202020204" pitchFamily="34" charset="0"/>
+                    <a:cs typeface="Arial" panose="020B0604020202020204" pitchFamily="34" charset="0"/>
+                  </a:rPr>
+                  <a:t>, this results in </a:t>
+                </a:r>
+                <a:r>
+                  <a:rPr lang="en-US" sz="2800" b="1" dirty="0">
+                    <a:latin typeface="Arial" panose="020B0604020202020204" pitchFamily="34" charset="0"/>
+                    <a:cs typeface="Arial" panose="020B0604020202020204" pitchFamily="34" charset="0"/>
+                  </a:rPr>
+                  <a:t>slower but more stable convergence</a:t>
+                </a:r>
+                <a:r>
+                  <a:rPr lang="en-US" sz="2800" dirty="0">
+                    <a:latin typeface="Arial" panose="020B0604020202020204" pitchFamily="34" charset="0"/>
+                    <a:cs typeface="Arial" panose="020B0604020202020204" pitchFamily="34" charset="0"/>
+                  </a:rPr>
+                  <a:t>, requiring many more iterations (around 105) to reach the optimum. </a:t>
+                </a:r>
+              </a:p>
+              <a:p>
+                <a:endParaRPr lang="en-US" sz="2800" dirty="0">
+                  <a:latin typeface="Arial" panose="020B0604020202020204" pitchFamily="34" charset="0"/>
+                  <a:cs typeface="Arial" panose="020B0604020202020204" pitchFamily="34" charset="0"/>
+                </a:endParaRPr>
+              </a:p>
+              <a:p>
+                <a:r>
+                  <a:rPr lang="en-US" sz="2800" dirty="0">
+                    <a:latin typeface="Arial" panose="020B0604020202020204" pitchFamily="34" charset="0"/>
+                    <a:cs typeface="Arial" panose="020B0604020202020204" pitchFamily="34" charset="0"/>
+                  </a:rPr>
+                  <a:t>This show the </a:t>
+                </a:r>
+                <a:r>
+                  <a:rPr lang="en-US" sz="2800" b="1" dirty="0">
+                    <a:solidFill>
+                      <a:srgbClr val="FF0000"/>
+                    </a:solidFill>
+                    <a:latin typeface="Arial" panose="020B0604020202020204" pitchFamily="34" charset="0"/>
+                    <a:cs typeface="Arial" panose="020B0604020202020204" pitchFamily="34" charset="0"/>
+                  </a:rPr>
+                  <a:t>trade-off</a:t>
+                </a:r>
+                <a:r>
+                  <a:rPr lang="en-US" sz="2800" dirty="0">
+                    <a:latin typeface="Arial" panose="020B0604020202020204" pitchFamily="34" charset="0"/>
+                    <a:cs typeface="Arial" panose="020B0604020202020204" pitchFamily="34" charset="0"/>
+                  </a:rPr>
+                  <a:t> between stability and speed in our approach.</a:t>
+                </a:r>
+              </a:p>
+            </p:txBody>
+          </p:sp>
+        </mc:Choice>
+        <mc:Fallback xmlns="">
+          <p:sp>
+            <p:nvSpPr>
+              <p:cNvPr id="2" name="CasellaDiTesto 1">
+                <a:extLst>
+                  <a:ext uri="{FF2B5EF4-FFF2-40B4-BE49-F238E27FC236}">
+                    <a16:creationId xmlns:a16="http://schemas.microsoft.com/office/drawing/2014/main" id="{4C288CD1-04C5-7CB1-1BE3-E2F14B1DF7E5}"/>
+                  </a:ext>
+                </a:extLst>
+              </p:cNvPr>
+              <p:cNvSpPr txBox="1">
+                <a:spLocks noRot="1" noChangeAspect="1" noMove="1" noResize="1" noEditPoints="1" noAdjustHandles="1" noChangeArrowheads="1" noChangeShapeType="1" noTextEdit="1"/>
+              </p:cNvSpPr>
+              <p:nvPr/>
+            </p:nvSpPr>
+            <p:spPr>
+              <a:xfrm>
+                <a:off x="762000" y="1752600"/>
+                <a:ext cx="10515600" cy="3307829"/>
+              </a:xfrm>
+              <a:prstGeom prst="rect">
+                <a:avLst/>
+              </a:prstGeom>
+              <a:blipFill>
+                <a:blip r:embed="rId2"/>
+                <a:stretch>
+                  <a:fillRect l="-1159" t="-2030" r="-1333" b="-4059"/>
+                </a:stretch>
+              </a:blipFill>
+            </p:spPr>
+            <p:txBody>
+              <a:bodyPr/>
+              <a:lstStyle/>
+              <a:p>
+                <a:r>
+                  <a:rPr lang="it-IT">
+                    <a:noFill/>
+                  </a:rPr>
+                  <a:t> </a:t>
+                </a:r>
+              </a:p>
+            </p:txBody>
+          </p:sp>
+        </mc:Fallback>
+      </mc:AlternateContent>
+    </p:spTree>
+    <p:extLst>
+      <p:ext uri="{BB962C8B-B14F-4D97-AF65-F5344CB8AC3E}">
+        <p14:creationId xmlns:p14="http://schemas.microsoft.com/office/powerpoint/2010/main" val="4214181701"/>
+      </p:ext>
+    </p:extLst>
+  </p:cSld>
+  <p:clrMapOvr>
+    <a:masterClrMapping/>
+  </p:clrMapOvr>
+</p:sld>
+</file>
+
+<file path=ppt/slides/slide24.xml><?xml version="1.0" encoding="utf-8"?>
+<p:sld xmlns:a="http://schemas.openxmlformats.org/drawingml/2006/main" xmlns:r="http://schemas.openxmlformats.org/officeDocument/2006/relationships" xmlns:p="http://schemas.openxmlformats.org/presentationml/2006/main">
+  <p:cSld>
+    <p:spTree>
+      <p:nvGrpSpPr>
+        <p:cNvPr id="1" name="">
+          <a:extLst>
+            <a:ext uri="{FF2B5EF4-FFF2-40B4-BE49-F238E27FC236}">
+              <a16:creationId xmlns:a16="http://schemas.microsoft.com/office/drawing/2014/main" id="{00552512-4BC4-91C0-2554-A122A2481C0E}"/>
+            </a:ext>
+          </a:extLst>
+        </p:cNvPr>
+        <p:cNvGrpSpPr/>
+        <p:nvPr/>
+      </p:nvGrpSpPr>
+      <p:grpSpPr>
+        <a:xfrm>
+          <a:off x="0" y="0"/>
+          <a:ext cx="0" cy="0"/>
+          <a:chOff x="0" y="0"/>
+          <a:chExt cx="0" cy="0"/>
+        </a:xfrm>
+      </p:grpSpPr>
+      <p:sp>
+        <p:nvSpPr>
+          <p:cNvPr id="7" name="Titolo 9">
+            <a:extLst>
+              <a:ext uri="{FF2B5EF4-FFF2-40B4-BE49-F238E27FC236}">
+                <a16:creationId xmlns:a16="http://schemas.microsoft.com/office/drawing/2014/main" id="{CAB85F8E-6365-C73B-88BE-3F6C103C0B9F}"/>
+              </a:ext>
+            </a:extLst>
+          </p:cNvPr>
+          <p:cNvSpPr txBox="1">
+            <a:spLocks/>
+          </p:cNvSpPr>
+          <p:nvPr/>
+        </p:nvSpPr>
+        <p:spPr>
+          <a:xfrm>
+            <a:off x="762000" y="457200"/>
+            <a:ext cx="10820400" cy="538609"/>
+          </a:xfrm>
+          <a:prstGeom prst="rect">
+            <a:avLst/>
+          </a:prstGeom>
+        </p:spPr>
+        <p:txBody>
+          <a:bodyPr wrap="square" lIns="0" tIns="0" rIns="0" bIns="0">
+            <a:spAutoFit/>
+          </a:bodyPr>
+          <a:lstStyle>
+            <a:lvl1pPr>
+              <a:defRPr sz="3500" b="1" i="0">
+                <a:solidFill>
+                  <a:schemeClr val="tx1"/>
+                </a:solidFill>
+                <a:latin typeface="Trebuchet MS"/>
+                <a:ea typeface="+mj-ea"/>
+                <a:cs typeface="Trebuchet MS"/>
+              </a:defRPr>
+            </a:lvl1pPr>
+          </a:lstStyle>
+          <a:p>
+            <a:r>
+              <a:rPr lang="en-GB" dirty="0">
+                <a:latin typeface="Arial Black" panose="020B0A04020102020204" pitchFamily="34" charset="0"/>
+              </a:rPr>
+              <a:t>Third variant: Bounded‑Gradient</a:t>
+            </a:r>
+          </a:p>
+        </p:txBody>
+      </p:sp>
+      <mc:AlternateContent xmlns:mc="http://schemas.openxmlformats.org/markup-compatibility/2006" xmlns:a14="http://schemas.microsoft.com/office/drawing/2010/main">
+        <mc:Choice Requires="a14">
+          <p:sp>
+            <p:nvSpPr>
+              <p:cNvPr id="2" name="CasellaDiTesto 1">
+                <a:extLst>
+                  <a:ext uri="{FF2B5EF4-FFF2-40B4-BE49-F238E27FC236}">
+                    <a16:creationId xmlns:a16="http://schemas.microsoft.com/office/drawing/2014/main" id="{6E1E1749-D784-C156-982D-290A8083507D}"/>
+                  </a:ext>
+                </a:extLst>
+              </p:cNvPr>
+              <p:cNvSpPr txBox="1"/>
+              <p:nvPr/>
+            </p:nvSpPr>
+            <p:spPr>
+              <a:xfrm>
+                <a:off x="762000" y="1447800"/>
+                <a:ext cx="10515600" cy="1815882"/>
+              </a:xfrm>
+              <a:prstGeom prst="rect">
+                <a:avLst/>
+              </a:prstGeom>
+              <a:noFill/>
+            </p:spPr>
+            <p:txBody>
+              <a:bodyPr wrap="square">
+                <a:spAutoFit/>
+              </a:bodyPr>
+              <a:lstStyle/>
+              <a:p>
+                <a:r>
+                  <a:rPr lang="en-US" sz="2800" dirty="0">
+                    <a:latin typeface="Arial" panose="020B0604020202020204" pitchFamily="34" charset="0"/>
+                    <a:cs typeface="Arial" panose="020B0604020202020204" pitchFamily="34" charset="0"/>
+                  </a:rPr>
+                  <a:t>Furthermore, we attempted to incorporate the </a:t>
+                </a:r>
+                <a:r>
+                  <a:rPr lang="en-US" sz="2800" b="1" dirty="0">
+                    <a:latin typeface="Arial" panose="020B0604020202020204" pitchFamily="34" charset="0"/>
+                    <a:cs typeface="Arial" panose="020B0604020202020204" pitchFamily="34" charset="0"/>
+                  </a:rPr>
+                  <a:t>theoretical formula </a:t>
+                </a:r>
+                <a:r>
+                  <a:rPr lang="en-US" sz="2800" dirty="0">
+                    <a:latin typeface="Arial" panose="020B0604020202020204" pitchFamily="34" charset="0"/>
+                    <a:cs typeface="Arial" panose="020B0604020202020204" pitchFamily="34" charset="0"/>
+                  </a:rPr>
+                  <a:t>for the minimum number of iterations required to reach a target accuracy </a:t>
+                </a:r>
+                <a14:m>
+                  <m:oMath xmlns:m="http://schemas.openxmlformats.org/officeDocument/2006/math">
+                    <m:r>
+                      <a:rPr lang="en-US" sz="2800" i="1" smtClean="0">
+                        <a:latin typeface="Cambria Math" panose="02040503050406030204" pitchFamily="18" charset="0"/>
+                      </a:rPr>
+                      <m:t>𝜀</m:t>
+                    </m:r>
+                    <m:r>
+                      <a:rPr lang="en-US" sz="2800" i="1" smtClean="0">
+                        <a:latin typeface="Cambria Math" panose="02040503050406030204" pitchFamily="18" charset="0"/>
+                      </a:rPr>
+                      <m:t>=1⋅</m:t>
+                    </m:r>
+                    <m:sSup>
+                      <m:sSupPr>
+                        <m:ctrlPr>
+                          <a:rPr lang="en-US" sz="2800" i="1" smtClean="0">
+                            <a:solidFill>
+                              <a:srgbClr val="836967"/>
+                            </a:solidFill>
+                            <a:latin typeface="Cambria Math" panose="02040503050406030204" pitchFamily="18" charset="0"/>
+                          </a:rPr>
+                        </m:ctrlPr>
+                      </m:sSupPr>
+                      <m:e>
+                        <m:r>
+                          <a:rPr lang="en-US" sz="2800" i="1" smtClean="0">
+                            <a:latin typeface="Cambria Math" panose="02040503050406030204" pitchFamily="18" charset="0"/>
+                          </a:rPr>
+                          <m:t>10</m:t>
+                        </m:r>
+                      </m:e>
+                      <m:sup>
+                        <m:r>
+                          <a:rPr lang="en-US" sz="2800" i="1" smtClean="0">
+                            <a:latin typeface="Cambria Math" panose="02040503050406030204" pitchFamily="18" charset="0"/>
+                          </a:rPr>
+                          <m:t>−6</m:t>
+                        </m:r>
+                      </m:sup>
+                    </m:sSup>
+                  </m:oMath>
+                </a14:m>
+                <a:r>
+                  <a:rPr lang="en-US" sz="2800" dirty="0">
+                    <a:latin typeface="Arial" panose="020B0604020202020204" pitchFamily="34" charset="0"/>
+                    <a:cs typeface="Arial" panose="020B0604020202020204" pitchFamily="34" charset="0"/>
+                  </a:rPr>
+                  <a:t>, using the bound:</a:t>
+                </a:r>
+              </a:p>
+              <a:p>
+                <a:r>
+                  <a:rPr lang="en-US" sz="2800" dirty="0">
+                    <a:latin typeface="Arial" panose="020B0604020202020204" pitchFamily="34" charset="0"/>
+                    <a:cs typeface="Arial" panose="020B0604020202020204" pitchFamily="34" charset="0"/>
+                  </a:rPr>
+                  <a:t> </a:t>
+                </a:r>
+              </a:p>
+            </p:txBody>
+          </p:sp>
+        </mc:Choice>
+        <mc:Fallback xmlns="">
+          <p:sp>
+            <p:nvSpPr>
+              <p:cNvPr id="2" name="CasellaDiTesto 1">
+                <a:extLst>
+                  <a:ext uri="{FF2B5EF4-FFF2-40B4-BE49-F238E27FC236}">
+                    <a16:creationId xmlns:a16="http://schemas.microsoft.com/office/drawing/2014/main" id="{6E1E1749-D784-C156-982D-290A8083507D}"/>
+                  </a:ext>
+                </a:extLst>
+              </p:cNvPr>
+              <p:cNvSpPr txBox="1">
+                <a:spLocks noRot="1" noChangeAspect="1" noMove="1" noResize="1" noEditPoints="1" noAdjustHandles="1" noChangeArrowheads="1" noChangeShapeType="1" noTextEdit="1"/>
+              </p:cNvSpPr>
+              <p:nvPr/>
+            </p:nvSpPr>
+            <p:spPr>
+              <a:xfrm>
+                <a:off x="762000" y="1447800"/>
+                <a:ext cx="10515600" cy="1815882"/>
+              </a:xfrm>
+              <a:prstGeom prst="rect">
+                <a:avLst/>
+              </a:prstGeom>
+              <a:blipFill>
+                <a:blip r:embed="rId2"/>
+                <a:stretch>
+                  <a:fillRect l="-1159" t="-3704" r="-1739"/>
+                </a:stretch>
+              </a:blipFill>
+            </p:spPr>
+            <p:txBody>
+              <a:bodyPr/>
+              <a:lstStyle/>
+              <a:p>
+                <a:r>
+                  <a:rPr lang="it-IT">
+                    <a:noFill/>
+                  </a:rPr>
+                  <a:t> </a:t>
+                </a:r>
+              </a:p>
+            </p:txBody>
+          </p:sp>
+        </mc:Fallback>
+      </mc:AlternateContent>
+      <mc:AlternateContent xmlns:mc="http://schemas.openxmlformats.org/markup-compatibility/2006" xmlns:a14="http://schemas.microsoft.com/office/drawing/2010/main">
+        <mc:Choice Requires="a14">
+          <p:sp>
+            <p:nvSpPr>
+              <p:cNvPr id="6" name="CasellaDiTesto 5">
+                <a:extLst>
+                  <a:ext uri="{FF2B5EF4-FFF2-40B4-BE49-F238E27FC236}">
+                    <a16:creationId xmlns:a16="http://schemas.microsoft.com/office/drawing/2014/main" id="{3910E653-893C-9004-ECE9-A19E8573BC83}"/>
+                  </a:ext>
+                </a:extLst>
+              </p:cNvPr>
+              <p:cNvSpPr txBox="1"/>
+              <p:nvPr/>
+            </p:nvSpPr>
+            <p:spPr>
+              <a:xfrm>
+                <a:off x="762000" y="3810000"/>
+                <a:ext cx="10515600" cy="2246769"/>
+              </a:xfrm>
+              <a:prstGeom prst="rect">
+                <a:avLst/>
+              </a:prstGeom>
+              <a:noFill/>
+            </p:spPr>
+            <p:txBody>
+              <a:bodyPr wrap="square">
+                <a:spAutoFit/>
+              </a:bodyPr>
+              <a:lstStyle/>
+              <a:p>
+                <a:r>
+                  <a:rPr lang="en-US" sz="2800" dirty="0">
+                    <a:latin typeface="Arial" panose="020B0604020202020204" pitchFamily="34" charset="0"/>
+                    <a:cs typeface="Arial" panose="020B0604020202020204" pitchFamily="34" charset="0"/>
+                  </a:rPr>
+                  <a:t>However, in practice, this leads to an </a:t>
+                </a:r>
+                <a:r>
+                  <a:rPr lang="en-US" sz="2800" b="1" dirty="0">
+                    <a:solidFill>
+                      <a:schemeClr val="tx1"/>
+                    </a:solidFill>
+                    <a:latin typeface="Arial" panose="020B0604020202020204" pitchFamily="34" charset="0"/>
+                    <a:cs typeface="Arial" panose="020B0604020202020204" pitchFamily="34" charset="0"/>
+                  </a:rPr>
+                  <a:t>extremely large value for </a:t>
+                </a:r>
+                <a14:m>
+                  <m:oMath xmlns:m="http://schemas.openxmlformats.org/officeDocument/2006/math">
+                    <m:r>
+                      <a:rPr lang="en-US" sz="2800" b="1" i="1" dirty="0" smtClean="0">
+                        <a:solidFill>
+                          <a:schemeClr val="tx1"/>
+                        </a:solidFill>
+                        <a:latin typeface="Cambria Math" panose="02040503050406030204" pitchFamily="18" charset="0"/>
+                      </a:rPr>
+                      <m:t>𝑻</m:t>
+                    </m:r>
+                  </m:oMath>
+                </a14:m>
+                <a:r>
+                  <a:rPr lang="en-US" sz="2800" b="1" dirty="0">
+                    <a:solidFill>
+                      <a:srgbClr val="FF0000"/>
+                    </a:solidFill>
+                    <a:latin typeface="Arial" panose="020B0604020202020204" pitchFamily="34" charset="0"/>
+                    <a:cs typeface="Arial" panose="020B0604020202020204" pitchFamily="34" charset="0"/>
+                  </a:rPr>
+                  <a:t> </a:t>
+                </a:r>
+                <a:r>
+                  <a:rPr lang="en-US" sz="2800" dirty="0">
+                    <a:latin typeface="Arial" panose="020B0604020202020204" pitchFamily="34" charset="0"/>
+                    <a:cs typeface="Arial" panose="020B0604020202020204" pitchFamily="34" charset="0"/>
+                  </a:rPr>
+                  <a:t>(on the order of </a:t>
+                </a:r>
+                <a14:m>
+                  <m:oMath xmlns:m="http://schemas.openxmlformats.org/officeDocument/2006/math">
+                    <m:r>
+                      <a:rPr lang="en-US" sz="2800" i="1" smtClean="0">
+                        <a:latin typeface="Cambria Math" panose="02040503050406030204" pitchFamily="18" charset="0"/>
+                      </a:rPr>
+                      <m:t>1⋅</m:t>
+                    </m:r>
+                    <m:sSup>
+                      <m:sSupPr>
+                        <m:ctrlPr>
+                          <a:rPr lang="en-US" sz="2800" i="1" smtClean="0">
+                            <a:solidFill>
+                              <a:srgbClr val="836967"/>
+                            </a:solidFill>
+                            <a:latin typeface="Cambria Math" panose="02040503050406030204" pitchFamily="18" charset="0"/>
+                          </a:rPr>
+                        </m:ctrlPr>
+                      </m:sSupPr>
+                      <m:e>
+                        <m:r>
+                          <a:rPr lang="en-US" sz="2800" i="1" smtClean="0">
+                            <a:latin typeface="Cambria Math" panose="02040503050406030204" pitchFamily="18" charset="0"/>
+                          </a:rPr>
+                          <m:t>10</m:t>
+                        </m:r>
+                      </m:e>
+                      <m:sup>
+                        <m:r>
+                          <a:rPr lang="en-US" sz="2800" i="1" smtClean="0">
+                            <a:latin typeface="Cambria Math" panose="02040503050406030204" pitchFamily="18" charset="0"/>
+                          </a:rPr>
+                          <m:t>18</m:t>
+                        </m:r>
+                      </m:sup>
+                    </m:sSup>
+                  </m:oMath>
+                </a14:m>
+                <a:r>
+                  <a:rPr lang="en-US" sz="2800" dirty="0">
+                    <a:latin typeface="Arial" panose="020B0604020202020204" pitchFamily="34" charset="0"/>
+                    <a:cs typeface="Arial" panose="020B0604020202020204" pitchFamily="34" charset="0"/>
+                  </a:rPr>
+                  <a:t>) As a consequence, the computed learning rate 𝛾 being inversely proportional to </a:t>
+                </a:r>
+                <a14:m>
+                  <m:oMath xmlns:m="http://schemas.openxmlformats.org/officeDocument/2006/math">
+                    <m:r>
+                      <a:rPr lang="en-US" sz="2800" b="0" i="1" dirty="0" smtClean="0">
+                        <a:latin typeface="Cambria Math" panose="02040503050406030204" pitchFamily="18" charset="0"/>
+                      </a:rPr>
+                      <m:t>𝑇</m:t>
+                    </m:r>
+                  </m:oMath>
+                </a14:m>
+                <a:r>
+                  <a:rPr lang="en-US" sz="2800" dirty="0">
+                    <a:latin typeface="Arial" panose="020B0604020202020204" pitchFamily="34" charset="0"/>
+                    <a:cs typeface="Arial" panose="020B0604020202020204" pitchFamily="34" charset="0"/>
+                  </a:rPr>
+                  <a:t> becomes </a:t>
+                </a:r>
+                <a:r>
+                  <a:rPr lang="en-US" sz="2800" b="1" dirty="0">
+                    <a:solidFill>
+                      <a:schemeClr val="tx1"/>
+                    </a:solidFill>
+                    <a:latin typeface="Arial" panose="020B0604020202020204" pitchFamily="34" charset="0"/>
+                    <a:cs typeface="Arial" panose="020B0604020202020204" pitchFamily="34" charset="0"/>
+                  </a:rPr>
+                  <a:t>incredibly small</a:t>
+                </a:r>
+                <a:r>
+                  <a:rPr lang="en-US" sz="2800" dirty="0">
+                    <a:latin typeface="Arial" panose="020B0604020202020204" pitchFamily="34" charset="0"/>
+                    <a:cs typeface="Arial" panose="020B0604020202020204" pitchFamily="34" charset="0"/>
+                  </a:rPr>
+                  <a:t>, resulting in practically </a:t>
+                </a:r>
+                <a:r>
+                  <a:rPr lang="en-US" sz="2800" b="1" dirty="0">
+                    <a:solidFill>
+                      <a:srgbClr val="FF0000"/>
+                    </a:solidFill>
+                    <a:latin typeface="Arial" panose="020B0604020202020204" pitchFamily="34" charset="0"/>
+                    <a:cs typeface="Arial" panose="020B0604020202020204" pitchFamily="34" charset="0"/>
+                  </a:rPr>
+                  <a:t>zero updates at each step.</a:t>
+                </a:r>
+                <a:r>
+                  <a:rPr lang="en-US" sz="2800" dirty="0">
+                    <a:latin typeface="Arial" panose="020B0604020202020204" pitchFamily="34" charset="0"/>
+                    <a:cs typeface="Arial" panose="020B0604020202020204" pitchFamily="34" charset="0"/>
+                  </a:rPr>
+                  <a:t> </a:t>
+                </a:r>
+                <a:endParaRPr lang="en-GB" sz="2800" b="1" noProof="0" dirty="0">
+                  <a:latin typeface="Arial" panose="020B0604020202020204" pitchFamily="34" charset="0"/>
+                  <a:cs typeface="Arial" panose="020B0604020202020204" pitchFamily="34" charset="0"/>
+                </a:endParaRPr>
+              </a:p>
+            </p:txBody>
+          </p:sp>
+        </mc:Choice>
+        <mc:Fallback xmlns="">
+          <p:sp>
+            <p:nvSpPr>
+              <p:cNvPr id="6" name="CasellaDiTesto 5">
+                <a:extLst>
+                  <a:ext uri="{FF2B5EF4-FFF2-40B4-BE49-F238E27FC236}">
+                    <a16:creationId xmlns:a16="http://schemas.microsoft.com/office/drawing/2014/main" id="{3910E653-893C-9004-ECE9-A19E8573BC83}"/>
+                  </a:ext>
+                </a:extLst>
+              </p:cNvPr>
+              <p:cNvSpPr txBox="1">
+                <a:spLocks noRot="1" noChangeAspect="1" noMove="1" noResize="1" noEditPoints="1" noAdjustHandles="1" noChangeArrowheads="1" noChangeShapeType="1" noTextEdit="1"/>
+              </p:cNvSpPr>
+              <p:nvPr/>
+            </p:nvSpPr>
+            <p:spPr>
+              <a:xfrm>
+                <a:off x="762000" y="3810000"/>
+                <a:ext cx="10515600" cy="2246769"/>
+              </a:xfrm>
+              <a:prstGeom prst="rect">
+                <a:avLst/>
+              </a:prstGeom>
+              <a:blipFill>
+                <a:blip r:embed="rId3"/>
+                <a:stretch>
+                  <a:fillRect l="-1159" t="-2710" b="-6504"/>
+                </a:stretch>
+              </a:blipFill>
+            </p:spPr>
+            <p:txBody>
+              <a:bodyPr/>
+              <a:lstStyle/>
+              <a:p>
+                <a:r>
+                  <a:rPr lang="it-IT">
+                    <a:noFill/>
+                  </a:rPr>
+                  <a:t> </a:t>
+                </a:r>
+              </a:p>
+            </p:txBody>
+          </p:sp>
+        </mc:Fallback>
+      </mc:AlternateContent>
+      <mc:AlternateContent xmlns:mc="http://schemas.openxmlformats.org/markup-compatibility/2006" xmlns:a14="http://schemas.microsoft.com/office/drawing/2010/main">
+        <mc:Choice Requires="a14">
+          <p:sp>
+            <p:nvSpPr>
+              <p:cNvPr id="8" name="CasellaDiTesto 7">
+                <a:extLst>
+                  <a:ext uri="{FF2B5EF4-FFF2-40B4-BE49-F238E27FC236}">
+                    <a16:creationId xmlns:a16="http://schemas.microsoft.com/office/drawing/2014/main" id="{F2EEC858-56B2-EB9B-880C-DEB183008C59}"/>
+                  </a:ext>
+                </a:extLst>
+              </p:cNvPr>
+              <p:cNvSpPr txBox="1"/>
+              <p:nvPr/>
+            </p:nvSpPr>
+            <p:spPr>
+              <a:xfrm>
+                <a:off x="4494179" y="2917463"/>
+                <a:ext cx="1676400" cy="778996"/>
+              </a:xfrm>
+              <a:prstGeom prst="rect">
+                <a:avLst/>
+              </a:prstGeom>
+              <a:noFill/>
+            </p:spPr>
+            <p:txBody>
+              <a:bodyPr wrap="square">
+                <a:spAutoFit/>
+              </a:bodyPr>
+              <a:lstStyle/>
+              <a:p>
+                <a14:m>
+                  <m:oMath xmlns:m="http://schemas.openxmlformats.org/officeDocument/2006/math">
+                    <m:r>
+                      <a:rPr lang="en-US" sz="2800" b="0" i="1" dirty="0" smtClean="0">
+                        <a:latin typeface="Cambria Math" panose="02040503050406030204" pitchFamily="18" charset="0"/>
+                      </a:rPr>
+                      <m:t>𝑇</m:t>
+                    </m:r>
+                    <m:r>
+                      <a:rPr lang="en-US" sz="2800" b="0" i="0" dirty="0" smtClean="0">
+                        <a:latin typeface="Cambria Math" panose="02040503050406030204" pitchFamily="18" charset="0"/>
+                      </a:rPr>
+                      <m:t>≥</m:t>
+                    </m:r>
+                    <m:f>
+                      <m:fPr>
+                        <m:ctrlPr>
+                          <a:rPr lang="en-US" sz="2800" i="1" dirty="0" smtClean="0">
+                            <a:solidFill>
+                              <a:srgbClr val="836967"/>
+                            </a:solidFill>
+                            <a:latin typeface="Cambria Math" panose="02040503050406030204" pitchFamily="18" charset="0"/>
+                          </a:rPr>
+                        </m:ctrlPr>
+                      </m:fPr>
+                      <m:num>
+                        <m:sSup>
+                          <m:sSupPr>
+                            <m:ctrlPr>
+                              <a:rPr lang="en-US" sz="2800" i="1" dirty="0" smtClean="0">
+                                <a:solidFill>
+                                  <a:srgbClr val="836967"/>
+                                </a:solidFill>
+                                <a:latin typeface="Cambria Math" panose="02040503050406030204" pitchFamily="18" charset="0"/>
+                              </a:rPr>
+                            </m:ctrlPr>
+                          </m:sSupPr>
+                          <m:e>
+                            <m:r>
+                              <a:rPr lang="en-US" sz="2800" b="0" i="1" dirty="0" smtClean="0">
+                                <a:latin typeface="Cambria Math" panose="02040503050406030204" pitchFamily="18" charset="0"/>
+                              </a:rPr>
+                              <m:t>𝐵</m:t>
+                            </m:r>
+                          </m:e>
+                          <m:sup>
+                            <m:r>
+                              <a:rPr lang="en-US" sz="2800" b="0" i="0" dirty="0" smtClean="0">
+                                <a:latin typeface="Cambria Math" panose="02040503050406030204" pitchFamily="18" charset="0"/>
+                              </a:rPr>
+                              <m:t>2</m:t>
+                            </m:r>
+                          </m:sup>
+                        </m:sSup>
+                        <m:sSup>
+                          <m:sSupPr>
+                            <m:ctrlPr>
+                              <a:rPr lang="en-US" sz="2800" i="1" dirty="0" smtClean="0">
+                                <a:solidFill>
+                                  <a:srgbClr val="836967"/>
+                                </a:solidFill>
+                                <a:latin typeface="Cambria Math" panose="02040503050406030204" pitchFamily="18" charset="0"/>
+                              </a:rPr>
+                            </m:ctrlPr>
+                          </m:sSupPr>
+                          <m:e>
+                            <m:r>
+                              <a:rPr lang="en-US" sz="2800" b="0" i="1" dirty="0" smtClean="0">
+                                <a:latin typeface="Cambria Math" panose="02040503050406030204" pitchFamily="18" charset="0"/>
+                              </a:rPr>
+                              <m:t>𝑅</m:t>
+                            </m:r>
+                          </m:e>
+                          <m:sup>
+                            <m:r>
+                              <a:rPr lang="en-US" sz="2800" b="0" i="0" dirty="0" smtClean="0">
+                                <a:latin typeface="Cambria Math" panose="02040503050406030204" pitchFamily="18" charset="0"/>
+                              </a:rPr>
+                              <m:t>2</m:t>
+                            </m:r>
+                          </m:sup>
+                        </m:sSup>
+                      </m:num>
+                      <m:den>
+                        <m:sSup>
+                          <m:sSupPr>
+                            <m:ctrlPr>
+                              <a:rPr lang="en-US" sz="2800" i="1" dirty="0" smtClean="0">
+                                <a:solidFill>
+                                  <a:srgbClr val="836967"/>
+                                </a:solidFill>
+                                <a:latin typeface="Cambria Math" panose="02040503050406030204" pitchFamily="18" charset="0"/>
+                              </a:rPr>
+                            </m:ctrlPr>
+                          </m:sSupPr>
+                          <m:e>
+                            <m:r>
+                              <a:rPr lang="en-US" sz="2800" b="0" i="1" dirty="0" smtClean="0">
+                                <a:latin typeface="Cambria Math" panose="02040503050406030204" pitchFamily="18" charset="0"/>
+                              </a:rPr>
+                              <m:t>𝜀</m:t>
+                            </m:r>
+                          </m:e>
+                          <m:sup>
+                            <m:r>
+                              <a:rPr lang="en-US" sz="2800" b="0" i="0" dirty="0" smtClean="0">
+                                <a:latin typeface="Cambria Math" panose="02040503050406030204" pitchFamily="18" charset="0"/>
+                              </a:rPr>
+                              <m:t>2</m:t>
+                            </m:r>
+                          </m:sup>
+                        </m:sSup>
+                      </m:den>
+                    </m:f>
+                  </m:oMath>
+                </a14:m>
+                <a:r>
+                  <a:rPr lang="en-US" sz="2800" dirty="0">
+                    <a:latin typeface="Arial" panose="020B0604020202020204" pitchFamily="34" charset="0"/>
+                    <a:cs typeface="Arial" panose="020B0604020202020204" pitchFamily="34" charset="0"/>
+                  </a:rPr>
+                  <a:t>​</a:t>
+                </a:r>
+              </a:p>
+            </p:txBody>
+          </p:sp>
+        </mc:Choice>
+        <mc:Fallback xmlns="">
+          <p:sp>
+            <p:nvSpPr>
+              <p:cNvPr id="8" name="CasellaDiTesto 7">
+                <a:extLst>
+                  <a:ext uri="{FF2B5EF4-FFF2-40B4-BE49-F238E27FC236}">
+                    <a16:creationId xmlns:a16="http://schemas.microsoft.com/office/drawing/2014/main" id="{F2EEC858-56B2-EB9B-880C-DEB183008C59}"/>
+                  </a:ext>
+                </a:extLst>
+              </p:cNvPr>
+              <p:cNvSpPr txBox="1">
+                <a:spLocks noRot="1" noChangeAspect="1" noMove="1" noResize="1" noEditPoints="1" noAdjustHandles="1" noChangeArrowheads="1" noChangeShapeType="1" noTextEdit="1"/>
+              </p:cNvSpPr>
+              <p:nvPr/>
+            </p:nvSpPr>
+            <p:spPr>
+              <a:xfrm>
+                <a:off x="4494179" y="2917463"/>
+                <a:ext cx="1676400" cy="778996"/>
+              </a:xfrm>
+              <a:prstGeom prst="rect">
+                <a:avLst/>
+              </a:prstGeom>
+              <a:blipFill>
+                <a:blip r:embed="rId4"/>
+                <a:stretch>
+                  <a:fillRect b="-6299"/>
+                </a:stretch>
+              </a:blipFill>
+            </p:spPr>
+            <p:txBody>
+              <a:bodyPr/>
+              <a:lstStyle/>
+              <a:p>
+                <a:r>
+                  <a:rPr lang="it-IT">
+                    <a:noFill/>
+                  </a:rPr>
+                  <a:t> </a:t>
+                </a:r>
+              </a:p>
+            </p:txBody>
+          </p:sp>
+        </mc:Fallback>
+      </mc:AlternateContent>
+    </p:spTree>
+    <p:extLst>
+      <p:ext uri="{BB962C8B-B14F-4D97-AF65-F5344CB8AC3E}">
+        <p14:creationId xmlns:p14="http://schemas.microsoft.com/office/powerpoint/2010/main" val="3753437363"/>
+      </p:ext>
+    </p:extLst>
+  </p:cSld>
+  <p:clrMapOvr>
+    <a:masterClrMapping/>
+  </p:clrMapOvr>
+</p:sld>
+</file>
+
+<file path=ppt/slides/slide25.xml><?xml version="1.0" encoding="utf-8"?>
+<p:sld xmlns:a="http://schemas.openxmlformats.org/drawingml/2006/main" xmlns:r="http://schemas.openxmlformats.org/officeDocument/2006/relationships" xmlns:p="http://schemas.openxmlformats.org/presentationml/2006/main">
+  <p:cSld>
+    <p:spTree>
+      <p:nvGrpSpPr>
+        <p:cNvPr id="1" name="">
+          <a:extLst>
+            <a:ext uri="{FF2B5EF4-FFF2-40B4-BE49-F238E27FC236}">
+              <a16:creationId xmlns:a16="http://schemas.microsoft.com/office/drawing/2014/main" id="{6369AA21-FBE4-DC53-03CD-8D0373595584}"/>
+            </a:ext>
+          </a:extLst>
+        </p:cNvPr>
+        <p:cNvGrpSpPr/>
+        <p:nvPr/>
+      </p:nvGrpSpPr>
+      <p:grpSpPr>
+        <a:xfrm>
+          <a:off x="0" y="0"/>
+          <a:ext cx="0" cy="0"/>
+          <a:chOff x="0" y="0"/>
+          <a:chExt cx="0" cy="0"/>
+        </a:xfrm>
+      </p:grpSpPr>
+      <p:sp>
+        <p:nvSpPr>
+          <p:cNvPr id="10" name="Titolo 9">
+            <a:extLst>
+              <a:ext uri="{FF2B5EF4-FFF2-40B4-BE49-F238E27FC236}">
+                <a16:creationId xmlns:a16="http://schemas.microsoft.com/office/drawing/2014/main" id="{DA3038F0-820A-688B-07F3-CCAE8BA06800}"/>
+              </a:ext>
+            </a:extLst>
+          </p:cNvPr>
+          <p:cNvSpPr>
+            <a:spLocks noGrp="1"/>
+          </p:cNvSpPr>
+          <p:nvPr>
+            <p:ph type="title"/>
+          </p:nvPr>
+        </p:nvSpPr>
+        <p:spPr>
+          <a:xfrm>
+            <a:off x="762000" y="457200"/>
+            <a:ext cx="10820400" cy="538609"/>
+          </a:xfrm>
+        </p:spPr>
+        <p:txBody>
+          <a:bodyPr/>
+          <a:lstStyle/>
+          <a:p>
+            <a:r>
+              <a:rPr lang="en-GB" dirty="0">
+                <a:latin typeface="Arial Black" panose="020B0A04020102020204" pitchFamily="34" charset="0"/>
+              </a:rPr>
+              <a:t>Fourth</a:t>
+            </a:r>
+            <a:r>
+              <a:rPr lang="en-GB" noProof="0" dirty="0">
+                <a:latin typeface="Arial Black" panose="020B0A04020102020204" pitchFamily="34" charset="0"/>
+              </a:rPr>
+              <a:t> variant: Strongly‑Convex Step</a:t>
+            </a:r>
+          </a:p>
+        </p:txBody>
+      </p:sp>
+      <mc:AlternateContent xmlns:mc="http://schemas.openxmlformats.org/markup-compatibility/2006" xmlns:a14="http://schemas.microsoft.com/office/drawing/2010/main">
+        <mc:Choice Requires="a14">
+          <p:sp>
+            <p:nvSpPr>
+              <p:cNvPr id="4" name="CasellaDiTesto 3">
+                <a:extLst>
+                  <a:ext uri="{FF2B5EF4-FFF2-40B4-BE49-F238E27FC236}">
+                    <a16:creationId xmlns:a16="http://schemas.microsoft.com/office/drawing/2014/main" id="{DC353858-0A18-D4C1-3A84-958A42F84527}"/>
+                  </a:ext>
+                </a:extLst>
+              </p:cNvPr>
+              <p:cNvSpPr txBox="1"/>
+              <p:nvPr/>
+            </p:nvSpPr>
+            <p:spPr>
+              <a:xfrm>
+                <a:off x="762000" y="1133326"/>
+                <a:ext cx="10515600" cy="523220"/>
+              </a:xfrm>
+              <a:prstGeom prst="rect">
+                <a:avLst/>
+              </a:prstGeom>
+              <a:noFill/>
+            </p:spPr>
+            <p:txBody>
+              <a:bodyPr wrap="square">
+                <a:spAutoFit/>
+              </a:bodyPr>
+              <a:lstStyle/>
+              <a:p>
+                <a:r>
+                  <a:rPr lang="en-GB" sz="2800" noProof="0" dirty="0">
+                    <a:latin typeface="Arial" panose="020B0604020202020204" pitchFamily="34" charset="0"/>
+                    <a:cs typeface="Arial" panose="020B0604020202020204" pitchFamily="34" charset="0"/>
+                  </a:rPr>
+                  <a:t>We </a:t>
+                </a:r>
+                <a:r>
+                  <a:rPr lang="en-GB" sz="2800" dirty="0">
+                    <a:ea typeface="Cambria Math" panose="02040503050406030204" pitchFamily="18" charset="0"/>
+                    <a:cs typeface="Arial" panose="020B0604020202020204" pitchFamily="34" charset="0"/>
+                  </a:rPr>
+                  <a:t>calculated</a:t>
+                </a:r>
+                <a:r>
+                  <a:rPr lang="en-GB" sz="2800" noProof="0" dirty="0">
+                    <a:latin typeface="Arial" panose="020B0604020202020204" pitchFamily="34" charset="0"/>
+                    <a:cs typeface="Arial" panose="020B0604020202020204" pitchFamily="34" charset="0"/>
+                  </a:rPr>
+                  <a:t> </a:t>
+                </a:r>
+                <a14:m>
+                  <m:oMath xmlns:m="http://schemas.openxmlformats.org/officeDocument/2006/math">
+                    <m:r>
+                      <a:rPr lang="it-IT" sz="2800" b="0" i="1" noProof="0" smtClean="0">
+                        <a:solidFill>
+                          <a:schemeClr val="tx1"/>
+                        </a:solidFill>
+                        <a:latin typeface="Cambria Math" panose="02040503050406030204" pitchFamily="18" charset="0"/>
+                        <a:ea typeface="Cambria Math" panose="02040503050406030204" pitchFamily="18" charset="0"/>
+                      </a:rPr>
+                      <m:t>𝜇</m:t>
+                    </m:r>
+                    <m:r>
+                      <a:rPr lang="it-IT" sz="2800" b="0" i="1" noProof="0" smtClean="0">
+                        <a:solidFill>
+                          <a:schemeClr val="tx1"/>
+                        </a:solidFill>
+                        <a:latin typeface="Cambria Math" panose="02040503050406030204" pitchFamily="18" charset="0"/>
+                        <a:ea typeface="Cambria Math" panose="02040503050406030204" pitchFamily="18" charset="0"/>
+                      </a:rPr>
+                      <m:t>=</m:t>
+                    </m:r>
+                    <m:sSub>
+                      <m:sSubPr>
+                        <m:ctrlPr>
+                          <a:rPr lang="it-IT" sz="2800" b="0" i="1" noProof="0" smtClean="0">
+                            <a:solidFill>
+                              <a:schemeClr val="tx1"/>
+                            </a:solidFill>
+                            <a:latin typeface="Cambria Math" panose="02040503050406030204" pitchFamily="18" charset="0"/>
+                            <a:ea typeface="Cambria Math" panose="02040503050406030204" pitchFamily="18" charset="0"/>
+                          </a:rPr>
+                        </m:ctrlPr>
+                      </m:sSubPr>
+                      <m:e>
+                        <m:r>
+                          <a:rPr lang="it-IT" sz="2800" b="0" i="1" noProof="0" smtClean="0">
+                            <a:solidFill>
+                              <a:schemeClr val="tx1"/>
+                            </a:solidFill>
+                            <a:latin typeface="Cambria Math" panose="02040503050406030204" pitchFamily="18" charset="0"/>
+                            <a:ea typeface="Cambria Math" panose="02040503050406030204" pitchFamily="18" charset="0"/>
+                          </a:rPr>
+                          <m:t>𝜆</m:t>
+                        </m:r>
+                      </m:e>
+                      <m:sub>
+                        <m:r>
+                          <a:rPr lang="it-IT" sz="2800" b="0" i="1" noProof="0" smtClean="0">
+                            <a:solidFill>
+                              <a:schemeClr val="tx1"/>
+                            </a:solidFill>
+                            <a:latin typeface="Cambria Math" panose="02040503050406030204" pitchFamily="18" charset="0"/>
+                            <a:ea typeface="Cambria Math" panose="02040503050406030204" pitchFamily="18" charset="0"/>
+                          </a:rPr>
+                          <m:t>−</m:t>
+                        </m:r>
+                        <m:r>
+                          <a:rPr lang="it-IT" sz="2800" b="0" i="1" noProof="0" smtClean="0">
+                            <a:solidFill>
+                              <a:schemeClr val="tx1"/>
+                            </a:solidFill>
+                            <a:latin typeface="Cambria Math" panose="02040503050406030204" pitchFamily="18" charset="0"/>
+                            <a:ea typeface="Cambria Math" panose="02040503050406030204" pitchFamily="18" charset="0"/>
+                          </a:rPr>
+                          <m:t>𝑚𝑖𝑛</m:t>
+                        </m:r>
+                      </m:sub>
+                    </m:sSub>
+                    <m:d>
+                      <m:dPr>
+                        <m:ctrlPr>
+                          <a:rPr lang="it-IT" sz="2800" b="0" i="1" noProof="0" smtClean="0">
+                            <a:solidFill>
+                              <a:schemeClr val="tx1"/>
+                            </a:solidFill>
+                            <a:latin typeface="Cambria Math" panose="02040503050406030204" pitchFamily="18" charset="0"/>
+                            <a:ea typeface="Cambria Math" panose="02040503050406030204" pitchFamily="18" charset="0"/>
+                          </a:rPr>
+                        </m:ctrlPr>
+                      </m:dPr>
+                      <m:e>
+                        <m:sSup>
+                          <m:sSupPr>
+                            <m:ctrlPr>
+                              <a:rPr lang="it-IT" sz="2800" b="0" i="1" noProof="0" smtClean="0">
+                                <a:solidFill>
+                                  <a:schemeClr val="tx1"/>
+                                </a:solidFill>
+                                <a:latin typeface="Cambria Math" panose="02040503050406030204" pitchFamily="18" charset="0"/>
+                                <a:ea typeface="Cambria Math" panose="02040503050406030204" pitchFamily="18" charset="0"/>
+                              </a:rPr>
+                            </m:ctrlPr>
+                          </m:sSupPr>
+                          <m:e>
+                            <m:r>
+                              <a:rPr lang="it-IT" sz="2800" b="0" i="1" noProof="0" smtClean="0">
+                                <a:solidFill>
+                                  <a:schemeClr val="tx1"/>
+                                </a:solidFill>
+                                <a:latin typeface="Cambria Math" panose="02040503050406030204" pitchFamily="18" charset="0"/>
+                                <a:ea typeface="Cambria Math" panose="02040503050406030204" pitchFamily="18" charset="0"/>
+                              </a:rPr>
+                              <m:t>𝐴</m:t>
+                            </m:r>
+                          </m:e>
+                          <m:sup>
+                            <m:r>
+                              <a:rPr lang="it-IT" sz="2800" b="0" i="1" noProof="0" smtClean="0">
+                                <a:solidFill>
+                                  <a:schemeClr val="tx1"/>
+                                </a:solidFill>
+                                <a:latin typeface="Cambria Math" panose="02040503050406030204" pitchFamily="18" charset="0"/>
+                                <a:ea typeface="Cambria Math" panose="02040503050406030204" pitchFamily="18" charset="0"/>
+                              </a:rPr>
+                              <m:t>𝑇</m:t>
+                            </m:r>
+                          </m:sup>
+                        </m:sSup>
+                        <m:r>
+                          <a:rPr lang="it-IT" sz="2800" b="0" i="1" noProof="0" smtClean="0">
+                            <a:solidFill>
+                              <a:schemeClr val="tx1"/>
+                            </a:solidFill>
+                            <a:latin typeface="Cambria Math" panose="02040503050406030204" pitchFamily="18" charset="0"/>
+                            <a:ea typeface="Cambria Math" panose="02040503050406030204" pitchFamily="18" charset="0"/>
+                          </a:rPr>
+                          <m:t>𝐴</m:t>
+                        </m:r>
+                      </m:e>
+                    </m:d>
+                  </m:oMath>
+                </a14:m>
+                <a:r>
+                  <a:rPr lang="en-GB" sz="2800" noProof="0" dirty="0">
+                    <a:latin typeface="Arial" panose="020B0604020202020204" pitchFamily="34" charset="0"/>
+                    <a:cs typeface="Arial" panose="020B0604020202020204" pitchFamily="34" charset="0"/>
+                  </a:rPr>
+                  <a:t> and reused the same </a:t>
+                </a:r>
+                <a14:m>
+                  <m:oMath xmlns:m="http://schemas.openxmlformats.org/officeDocument/2006/math">
+                    <m:r>
+                      <a:rPr lang="it-IT" sz="2800" b="0" i="1" noProof="0" smtClean="0">
+                        <a:latin typeface="Cambria Math" panose="02040503050406030204" pitchFamily="18" charset="0"/>
+                        <a:cs typeface="Arial" panose="020B0604020202020204" pitchFamily="34" charset="0"/>
+                      </a:rPr>
+                      <m:t>𝐿</m:t>
+                    </m:r>
+                  </m:oMath>
+                </a14:m>
+                <a:r>
+                  <a:rPr lang="en-GB" sz="2800" noProof="0" dirty="0">
+                    <a:latin typeface="Arial" panose="020B0604020202020204" pitchFamily="34" charset="0"/>
+                    <a:cs typeface="Arial" panose="020B0604020202020204" pitchFamily="34" charset="0"/>
+                  </a:rPr>
+                  <a:t> as before. </a:t>
+                </a:r>
+              </a:p>
+            </p:txBody>
+          </p:sp>
+        </mc:Choice>
+        <mc:Fallback xmlns="">
+          <p:sp>
+            <p:nvSpPr>
+              <p:cNvPr id="4" name="CasellaDiTesto 3">
+                <a:extLst>
+                  <a:ext uri="{FF2B5EF4-FFF2-40B4-BE49-F238E27FC236}">
+                    <a16:creationId xmlns:a16="http://schemas.microsoft.com/office/drawing/2014/main" id="{DC353858-0A18-D4C1-3A84-958A42F84527}"/>
+                  </a:ext>
+                </a:extLst>
+              </p:cNvPr>
+              <p:cNvSpPr txBox="1">
+                <a:spLocks noRot="1" noChangeAspect="1" noMove="1" noResize="1" noEditPoints="1" noAdjustHandles="1" noChangeArrowheads="1" noChangeShapeType="1" noTextEdit="1"/>
+              </p:cNvSpPr>
+              <p:nvPr/>
+            </p:nvSpPr>
+            <p:spPr>
+              <a:xfrm>
+                <a:off x="762000" y="1133326"/>
+                <a:ext cx="10515600" cy="523220"/>
+              </a:xfrm>
+              <a:prstGeom prst="rect">
+                <a:avLst/>
+              </a:prstGeom>
+              <a:blipFill>
+                <a:blip r:embed="rId2"/>
+                <a:stretch>
+                  <a:fillRect l="-1159" t="-12791" r="-1275" b="-31395"/>
+                </a:stretch>
+              </a:blipFill>
+            </p:spPr>
+            <p:txBody>
+              <a:bodyPr/>
+              <a:lstStyle/>
+              <a:p>
+                <a:r>
+                  <a:rPr lang="it-IT">
+                    <a:noFill/>
+                  </a:rPr>
+                  <a:t> </a:t>
+                </a:r>
+              </a:p>
+            </p:txBody>
+          </p:sp>
+        </mc:Fallback>
+      </mc:AlternateContent>
+      <mc:AlternateContent xmlns:mc="http://schemas.openxmlformats.org/markup-compatibility/2006" xmlns:a14="http://schemas.microsoft.com/office/drawing/2010/main">
+        <mc:Choice Requires="a14">
+          <p:sp>
+            <p:nvSpPr>
+              <p:cNvPr id="6" name="CasellaDiTesto 5">
+                <a:extLst>
+                  <a:ext uri="{FF2B5EF4-FFF2-40B4-BE49-F238E27FC236}">
+                    <a16:creationId xmlns:a16="http://schemas.microsoft.com/office/drawing/2014/main" id="{9454ABAB-E31B-8D11-96BA-A25BDC9C5601}"/>
+                  </a:ext>
+                </a:extLst>
+              </p:cNvPr>
+              <p:cNvSpPr txBox="1"/>
+              <p:nvPr/>
+            </p:nvSpPr>
+            <p:spPr>
+              <a:xfrm>
+                <a:off x="762000" y="1656546"/>
+                <a:ext cx="11430000" cy="752707"/>
+              </a:xfrm>
+              <a:prstGeom prst="rect">
+                <a:avLst/>
+              </a:prstGeom>
+              <a:noFill/>
+            </p:spPr>
+            <p:txBody>
+              <a:bodyPr wrap="square">
+                <a:spAutoFit/>
+              </a:bodyPr>
+              <a:lstStyle/>
+              <a:p>
+                <a:r>
+                  <a:rPr lang="en-GB" sz="2800" dirty="0">
+                    <a:ea typeface="Cambria Math" panose="02040503050406030204" pitchFamily="18" charset="0"/>
+                    <a:cs typeface="Arial" panose="020B0604020202020204" pitchFamily="34" charset="0"/>
+                  </a:rPr>
+                  <a:t>We calculated</a:t>
+                </a:r>
+                <a:r>
+                  <a:rPr lang="en-GB" sz="2800" noProof="0" dirty="0">
+                    <a:ea typeface="Cambria Math" panose="02040503050406030204" pitchFamily="18" charset="0"/>
+                    <a:cs typeface="Arial" panose="020B0604020202020204" pitchFamily="34" charset="0"/>
+                  </a:rPr>
+                  <a:t> </a:t>
+                </a:r>
+                <a14:m>
+                  <m:oMath xmlns:m="http://schemas.openxmlformats.org/officeDocument/2006/math">
+                    <m:r>
+                      <a:rPr lang="en-GB" sz="2800" i="1" noProof="0" smtClean="0">
+                        <a:latin typeface="Cambria Math" panose="02040503050406030204" pitchFamily="18" charset="0"/>
+                        <a:ea typeface="Cambria Math" panose="02040503050406030204" pitchFamily="18" charset="0"/>
+                        <a:cs typeface="Arial" panose="020B0604020202020204" pitchFamily="34" charset="0"/>
+                      </a:rPr>
+                      <m:t>𝛾</m:t>
+                    </m:r>
+                    <m:r>
+                      <a:rPr lang="en-GB" sz="2800" b="0" i="1" noProof="0" smtClean="0">
+                        <a:latin typeface="Cambria Math" panose="02040503050406030204" pitchFamily="18" charset="0"/>
+                        <a:ea typeface="Cambria Math" panose="02040503050406030204" pitchFamily="18" charset="0"/>
+                        <a:cs typeface="Arial" panose="020B0604020202020204" pitchFamily="34" charset="0"/>
+                      </a:rPr>
+                      <m:t>=</m:t>
+                    </m:r>
+                    <m:r>
+                      <a:rPr lang="it-IT" sz="2800" b="0" i="1" noProof="0" smtClean="0">
+                        <a:latin typeface="Cambria Math" panose="02040503050406030204" pitchFamily="18" charset="0"/>
+                        <a:ea typeface="Cambria Math" panose="02040503050406030204" pitchFamily="18" charset="0"/>
+                        <a:cs typeface="Arial" panose="020B0604020202020204" pitchFamily="34" charset="0"/>
+                      </a:rPr>
+                      <m:t> </m:t>
+                    </m:r>
+                    <m:f>
+                      <m:fPr>
+                        <m:ctrlPr>
+                          <a:rPr lang="en-GB" sz="2800" i="1" noProof="0" dirty="0" smtClean="0">
+                            <a:solidFill>
+                              <a:schemeClr val="tx1"/>
+                            </a:solidFill>
+                            <a:latin typeface="Cambria Math" panose="02040503050406030204" pitchFamily="18" charset="0"/>
+                          </a:rPr>
+                        </m:ctrlPr>
+                      </m:fPr>
+                      <m:num>
+                        <m:r>
+                          <a:rPr lang="it-IT" sz="2800" b="0" i="1" noProof="0" dirty="0" smtClean="0">
+                            <a:solidFill>
+                              <a:schemeClr val="tx1"/>
+                            </a:solidFill>
+                            <a:latin typeface="Cambria Math" panose="02040503050406030204" pitchFamily="18" charset="0"/>
+                          </a:rPr>
+                          <m:t>2</m:t>
+                        </m:r>
+                      </m:num>
+                      <m:den>
+                        <m:r>
+                          <a:rPr lang="en-GB" sz="2800" i="1" noProof="0" dirty="0">
+                            <a:solidFill>
+                              <a:schemeClr val="tx1"/>
+                            </a:solidFill>
+                            <a:latin typeface="Cambria Math" panose="02040503050406030204" pitchFamily="18" charset="0"/>
+                          </a:rPr>
+                          <m:t>𝐿</m:t>
+                        </m:r>
+                        <m:r>
+                          <a:rPr lang="it-IT" sz="2800" b="0" i="1" noProof="0" dirty="0" smtClean="0">
+                            <a:solidFill>
+                              <a:schemeClr val="tx1"/>
+                            </a:solidFill>
+                            <a:latin typeface="Cambria Math" panose="02040503050406030204" pitchFamily="18" charset="0"/>
+                          </a:rPr>
+                          <m:t>+</m:t>
+                        </m:r>
+                        <m:r>
+                          <a:rPr lang="it-IT" sz="2800" i="1" dirty="0">
+                            <a:solidFill>
+                              <a:schemeClr val="tx1"/>
+                            </a:solidFill>
+                            <a:latin typeface="Cambria Math" panose="02040503050406030204" pitchFamily="18" charset="0"/>
+                          </a:rPr>
+                          <m:t>𝜇</m:t>
+                        </m:r>
+                      </m:den>
+                    </m:f>
+                    <m:r>
+                      <a:rPr lang="it-IT" sz="2800" b="0" i="1" noProof="0" dirty="0" smtClean="0">
+                        <a:solidFill>
+                          <a:schemeClr val="tx1"/>
+                        </a:solidFill>
+                        <a:latin typeface="Cambria Math" panose="02040503050406030204" pitchFamily="18" charset="0"/>
+                      </a:rPr>
+                      <m:t> </m:t>
+                    </m:r>
+                  </m:oMath>
+                </a14:m>
+                <a:r>
+                  <a:rPr lang="en-GB" sz="2800" noProof="0" dirty="0">
+                    <a:latin typeface="Arial" panose="020B0604020202020204" pitchFamily="34" charset="0"/>
+                    <a:cs typeface="Arial" panose="020B0604020202020204" pitchFamily="34" charset="0"/>
+                  </a:rPr>
+                  <a:t> </a:t>
+                </a:r>
+                <a:r>
+                  <a:rPr lang="en-GB" sz="2000" noProof="0" dirty="0">
+                    <a:latin typeface="Arial" panose="020B0604020202020204" pitchFamily="34" charset="0"/>
+                    <a:cs typeface="Arial" panose="020B0604020202020204" pitchFamily="34" charset="0"/>
+                  </a:rPr>
+                  <a:t>(if </a:t>
+                </a:r>
+                <a14:m>
+                  <m:oMath xmlns:m="http://schemas.openxmlformats.org/officeDocument/2006/math">
+                    <m:r>
+                      <a:rPr lang="it-IT" sz="2000" b="0" i="1" noProof="0" smtClean="0">
+                        <a:solidFill>
+                          <a:schemeClr val="tx1"/>
+                        </a:solidFill>
+                        <a:latin typeface="Cambria Math" panose="02040503050406030204" pitchFamily="18" charset="0"/>
+                        <a:ea typeface="Cambria Math" panose="02040503050406030204" pitchFamily="18" charset="0"/>
+                      </a:rPr>
+                      <m:t>𝜇</m:t>
+                    </m:r>
+                  </m:oMath>
+                </a14:m>
+                <a:r>
+                  <a:rPr lang="en-GB" sz="2000" noProof="0" dirty="0">
+                    <a:latin typeface="Arial" panose="020B0604020202020204" pitchFamily="34" charset="0"/>
+                    <a:cs typeface="Arial" panose="020B0604020202020204" pitchFamily="34" charset="0"/>
+                  </a:rPr>
+                  <a:t> were </a:t>
+                </a:r>
+                <a:r>
+                  <a:rPr lang="it-IT" sz="2000" dirty="0" err="1"/>
+                  <a:t>unknown</a:t>
+                </a:r>
+                <a:r>
+                  <a:rPr lang="en-GB" sz="2000" noProof="0" dirty="0">
+                    <a:latin typeface="Arial" panose="020B0604020202020204" pitchFamily="34" charset="0"/>
+                    <a:cs typeface="Arial" panose="020B0604020202020204" pitchFamily="34" charset="0"/>
+                  </a:rPr>
+                  <a:t> we </a:t>
+                </a:r>
+                <a:r>
+                  <a:rPr lang="it-IT" sz="2000" dirty="0" err="1"/>
+                  <a:t>would</a:t>
+                </a:r>
+                <a:r>
+                  <a:rPr lang="it-IT" sz="2000" dirty="0"/>
+                  <a:t> </a:t>
+                </a:r>
+                <a:r>
+                  <a:rPr lang="it-IT" sz="2000" dirty="0" err="1"/>
+                  <a:t>have</a:t>
+                </a:r>
+                <a:r>
+                  <a:rPr lang="en-GB" sz="2000" noProof="0" dirty="0">
+                    <a:latin typeface="Arial" panose="020B0604020202020204" pitchFamily="34" charset="0"/>
+                    <a:cs typeface="Arial" panose="020B0604020202020204" pitchFamily="34" charset="0"/>
+                  </a:rPr>
+                  <a:t> used </a:t>
+                </a:r>
+                <a14:m>
+                  <m:oMath xmlns:m="http://schemas.openxmlformats.org/officeDocument/2006/math">
+                    <m:r>
+                      <a:rPr lang="en-GB" sz="2000" i="1" noProof="0" smtClean="0">
+                        <a:latin typeface="Cambria Math" panose="02040503050406030204" pitchFamily="18" charset="0"/>
+                        <a:ea typeface="Cambria Math" panose="02040503050406030204" pitchFamily="18" charset="0"/>
+                        <a:cs typeface="Arial" panose="020B0604020202020204" pitchFamily="34" charset="0"/>
+                      </a:rPr>
+                      <m:t>𝛾</m:t>
+                    </m:r>
+                    <m:r>
+                      <a:rPr lang="en-GB" sz="2000" b="0" i="1" noProof="0" smtClean="0">
+                        <a:latin typeface="Cambria Math" panose="02040503050406030204" pitchFamily="18" charset="0"/>
+                        <a:ea typeface="Cambria Math" panose="02040503050406030204" pitchFamily="18" charset="0"/>
+                        <a:cs typeface="Arial" panose="020B0604020202020204" pitchFamily="34" charset="0"/>
+                      </a:rPr>
+                      <m:t>=</m:t>
+                    </m:r>
+                    <m:r>
+                      <a:rPr lang="it-IT" sz="2000" b="0" i="1" noProof="0" smtClean="0">
+                        <a:latin typeface="Cambria Math" panose="02040503050406030204" pitchFamily="18" charset="0"/>
+                        <a:ea typeface="Cambria Math" panose="02040503050406030204" pitchFamily="18" charset="0"/>
+                        <a:cs typeface="Arial" panose="020B0604020202020204" pitchFamily="34" charset="0"/>
+                      </a:rPr>
+                      <m:t> </m:t>
+                    </m:r>
+                    <m:f>
+                      <m:fPr>
+                        <m:ctrlPr>
+                          <a:rPr lang="en-GB" sz="2000" i="1" noProof="0" dirty="0" smtClean="0">
+                            <a:solidFill>
+                              <a:schemeClr val="tx1"/>
+                            </a:solidFill>
+                            <a:latin typeface="Cambria Math" panose="02040503050406030204" pitchFamily="18" charset="0"/>
+                          </a:rPr>
+                        </m:ctrlPr>
+                      </m:fPr>
+                      <m:num>
+                        <m:r>
+                          <a:rPr lang="it-IT" sz="2000" b="0" i="1" noProof="0" dirty="0" smtClean="0">
+                            <a:solidFill>
+                              <a:schemeClr val="tx1"/>
+                            </a:solidFill>
+                            <a:latin typeface="Cambria Math" panose="02040503050406030204" pitchFamily="18" charset="0"/>
+                          </a:rPr>
+                          <m:t>1</m:t>
+                        </m:r>
+                      </m:num>
+                      <m:den>
+                        <m:r>
+                          <a:rPr lang="en-GB" sz="2000" i="1" noProof="0" dirty="0">
+                            <a:solidFill>
+                              <a:schemeClr val="tx1"/>
+                            </a:solidFill>
+                            <a:latin typeface="Cambria Math" panose="02040503050406030204" pitchFamily="18" charset="0"/>
+                          </a:rPr>
+                          <m:t>𝐿</m:t>
+                        </m:r>
+                      </m:den>
+                    </m:f>
+                  </m:oMath>
+                </a14:m>
+                <a:r>
+                  <a:rPr lang="en-GB" sz="2000" noProof="0" dirty="0">
+                    <a:latin typeface="Arial" panose="020B0604020202020204" pitchFamily="34" charset="0"/>
+                    <a:cs typeface="Arial" panose="020B0604020202020204" pitchFamily="34" charset="0"/>
+                  </a:rPr>
+                  <a:t>)</a:t>
+                </a:r>
+              </a:p>
+            </p:txBody>
+          </p:sp>
+        </mc:Choice>
+        <mc:Fallback xmlns="">
+          <p:sp>
+            <p:nvSpPr>
+              <p:cNvPr id="6" name="CasellaDiTesto 5">
+                <a:extLst>
+                  <a:ext uri="{FF2B5EF4-FFF2-40B4-BE49-F238E27FC236}">
+                    <a16:creationId xmlns:a16="http://schemas.microsoft.com/office/drawing/2014/main" id="{9454ABAB-E31B-8D11-96BA-A25BDC9C5601}"/>
+                  </a:ext>
+                </a:extLst>
+              </p:cNvPr>
+              <p:cNvSpPr txBox="1">
+                <a:spLocks noRot="1" noChangeAspect="1" noMove="1" noResize="1" noEditPoints="1" noAdjustHandles="1" noChangeArrowheads="1" noChangeShapeType="1" noTextEdit="1"/>
+              </p:cNvSpPr>
+              <p:nvPr/>
+            </p:nvSpPr>
+            <p:spPr>
+              <a:xfrm>
+                <a:off x="762000" y="1656546"/>
+                <a:ext cx="11430000" cy="752707"/>
+              </a:xfrm>
+              <a:prstGeom prst="rect">
+                <a:avLst/>
+              </a:prstGeom>
+              <a:blipFill>
+                <a:blip r:embed="rId3"/>
+                <a:stretch>
+                  <a:fillRect l="-1067" b="-2439"/>
+                </a:stretch>
+              </a:blipFill>
+            </p:spPr>
+            <p:txBody>
+              <a:bodyPr/>
+              <a:lstStyle/>
+              <a:p>
+                <a:r>
+                  <a:rPr lang="it-IT">
+                    <a:noFill/>
+                  </a:rPr>
+                  <a:t> </a:t>
+                </a:r>
+              </a:p>
+            </p:txBody>
+          </p:sp>
+        </mc:Fallback>
+      </mc:AlternateContent>
+      <p:pic>
+        <p:nvPicPr>
+          <p:cNvPr id="7" name="Immagine 6" descr="Immagine che contiene testo, schermata, Carattere&#10;&#10;Il contenuto generato dall'IA potrebbe non essere corretto.">
+            <a:extLst>
+              <a:ext uri="{FF2B5EF4-FFF2-40B4-BE49-F238E27FC236}">
+                <a16:creationId xmlns:a16="http://schemas.microsoft.com/office/drawing/2014/main" id="{57495877-57FD-45C1-8552-AD1A8766E7B0}"/>
+              </a:ext>
+            </a:extLst>
+          </p:cNvPr>
+          <p:cNvPicPr>
+            <a:picLocks noChangeAspect="1"/>
+          </p:cNvPicPr>
+          <p:nvPr/>
+        </p:nvPicPr>
+        <p:blipFill>
+          <a:blip r:embed="rId4">
+            <a:extLst>
+              <a:ext uri="{28A0092B-C50C-407E-A947-70E740481C1C}">
+                <a14:useLocalDpi xmlns:a14="http://schemas.microsoft.com/office/drawing/2010/main" val="0"/>
+              </a:ext>
+            </a:extLst>
+          </a:blip>
+          <a:stretch>
+            <a:fillRect/>
+          </a:stretch>
+        </p:blipFill>
+        <p:spPr>
+          <a:xfrm>
+            <a:off x="762000" y="2417359"/>
+            <a:ext cx="10363200" cy="3679242"/>
+          </a:xfrm>
+          <a:prstGeom prst="rect">
+            <a:avLst/>
+          </a:prstGeom>
+        </p:spPr>
+      </p:pic>
+    </p:spTree>
+    <p:extLst>
+      <p:ext uri="{BB962C8B-B14F-4D97-AF65-F5344CB8AC3E}">
+        <p14:creationId xmlns:p14="http://schemas.microsoft.com/office/powerpoint/2010/main" val="3457998040"/>
+      </p:ext>
+    </p:extLst>
+  </p:cSld>
+  <p:clrMapOvr>
+    <a:masterClrMapping/>
+  </p:clrMapOvr>
+</p:sld>
+</file>
+
+<file path=ppt/slides/slide26.xml><?xml version="1.0" encoding="utf-8"?>
+<p:sld xmlns:a="http://schemas.openxmlformats.org/drawingml/2006/main" xmlns:r="http://schemas.openxmlformats.org/officeDocument/2006/relationships" xmlns:p="http://schemas.openxmlformats.org/presentationml/2006/main">
+  <p:cSld>
+    <p:spTree>
+      <p:nvGrpSpPr>
+        <p:cNvPr id="1" name="">
+          <a:extLst>
+            <a:ext uri="{FF2B5EF4-FFF2-40B4-BE49-F238E27FC236}">
+              <a16:creationId xmlns:a16="http://schemas.microsoft.com/office/drawing/2014/main" id="{C8C7052A-341D-96AF-50CF-31AD837D997B}"/>
+            </a:ext>
+          </a:extLst>
+        </p:cNvPr>
+        <p:cNvGrpSpPr/>
+        <p:nvPr/>
+      </p:nvGrpSpPr>
+      <p:grpSpPr>
+        <a:xfrm>
+          <a:off x="0" y="0"/>
+          <a:ext cx="0" cy="0"/>
+          <a:chOff x="0" y="0"/>
+          <a:chExt cx="0" cy="0"/>
+        </a:xfrm>
+      </p:grpSpPr>
+      <p:pic>
+        <p:nvPicPr>
+          <p:cNvPr id="11" name="Immagine 10">
+            <a:extLst>
+              <a:ext uri="{FF2B5EF4-FFF2-40B4-BE49-F238E27FC236}">
+                <a16:creationId xmlns:a16="http://schemas.microsoft.com/office/drawing/2014/main" id="{4945721D-5387-32AF-A891-B3779402B917}"/>
+              </a:ext>
+            </a:extLst>
+          </p:cNvPr>
+          <p:cNvPicPr>
+            <a:picLocks noChangeAspect="1"/>
+          </p:cNvPicPr>
+          <p:nvPr/>
+        </p:nvPicPr>
+        <p:blipFill>
+          <a:blip r:embed="rId2"/>
+          <a:stretch>
+            <a:fillRect/>
+          </a:stretch>
+        </p:blipFill>
+        <p:spPr>
+          <a:xfrm>
+            <a:off x="1089481" y="995809"/>
+            <a:ext cx="10340519" cy="5023991"/>
+          </a:xfrm>
+          <a:prstGeom prst="rect">
+            <a:avLst/>
+          </a:prstGeom>
+        </p:spPr>
+      </p:pic>
+      <p:sp>
+        <p:nvSpPr>
+          <p:cNvPr id="10" name="Titolo 9">
+            <a:extLst>
+              <a:ext uri="{FF2B5EF4-FFF2-40B4-BE49-F238E27FC236}">
+                <a16:creationId xmlns:a16="http://schemas.microsoft.com/office/drawing/2014/main" id="{AE8702AE-EE2F-5A69-A921-F8B02554E37F}"/>
+              </a:ext>
+            </a:extLst>
+          </p:cNvPr>
+          <p:cNvSpPr>
+            <a:spLocks noGrp="1"/>
+          </p:cNvSpPr>
+          <p:nvPr>
+            <p:ph type="title"/>
+          </p:nvPr>
+        </p:nvSpPr>
+        <p:spPr>
+          <a:xfrm>
+            <a:off x="762000" y="457200"/>
+            <a:ext cx="10820400" cy="538609"/>
+          </a:xfrm>
+        </p:spPr>
+        <p:txBody>
+          <a:bodyPr/>
+          <a:lstStyle/>
+          <a:p>
+            <a:r>
+              <a:rPr lang="en-GB" dirty="0">
+                <a:latin typeface="Arial Black" panose="020B0A04020102020204" pitchFamily="34" charset="0"/>
+              </a:rPr>
+              <a:t>Regression Line Overlays</a:t>
+            </a:r>
+            <a:endParaRPr lang="en-GB" noProof="0" dirty="0">
+              <a:latin typeface="Arial Black" panose="020B0A04020102020204" pitchFamily="34" charset="0"/>
+            </a:endParaRPr>
+          </a:p>
+        </p:txBody>
+      </p:sp>
+    </p:spTree>
+    <p:extLst>
+      <p:ext uri="{BB962C8B-B14F-4D97-AF65-F5344CB8AC3E}">
+        <p14:creationId xmlns:p14="http://schemas.microsoft.com/office/powerpoint/2010/main" val="1177141799"/>
+      </p:ext>
+    </p:extLst>
+  </p:cSld>
+  <p:clrMapOvr>
+    <a:masterClrMapping/>
+  </p:clrMapOvr>
+</p:sld>
+</file>
+
+<file path=ppt/slides/slide27.xml><?xml version="1.0" encoding="utf-8"?>
+<p:sld xmlns:a="http://schemas.openxmlformats.org/drawingml/2006/main" xmlns:r="http://schemas.openxmlformats.org/officeDocument/2006/relationships" xmlns:p="http://schemas.openxmlformats.org/presentationml/2006/main">
+  <p:cSld>
+    <p:spTree>
+      <p:nvGrpSpPr>
+        <p:cNvPr id="1" name="">
+          <a:extLst>
+            <a:ext uri="{FF2B5EF4-FFF2-40B4-BE49-F238E27FC236}">
+              <a16:creationId xmlns:a16="http://schemas.microsoft.com/office/drawing/2014/main" id="{88027045-0E56-09E3-80C1-D9EBE3EA4025}"/>
+            </a:ext>
+          </a:extLst>
+        </p:cNvPr>
+        <p:cNvGrpSpPr/>
+        <p:nvPr/>
+      </p:nvGrpSpPr>
+      <p:grpSpPr>
+        <a:xfrm>
+          <a:off x="0" y="0"/>
+          <a:ext cx="0" cy="0"/>
+          <a:chOff x="0" y="0"/>
+          <a:chExt cx="0" cy="0"/>
+        </a:xfrm>
+      </p:grpSpPr>
+      <p:sp>
+        <p:nvSpPr>
+          <p:cNvPr id="10" name="Titolo 9">
+            <a:extLst>
+              <a:ext uri="{FF2B5EF4-FFF2-40B4-BE49-F238E27FC236}">
+                <a16:creationId xmlns:a16="http://schemas.microsoft.com/office/drawing/2014/main" id="{82470A38-90F1-AEE2-7278-C9E53A7649EB}"/>
+              </a:ext>
+            </a:extLst>
+          </p:cNvPr>
+          <p:cNvSpPr>
+            <a:spLocks noGrp="1"/>
+          </p:cNvSpPr>
+          <p:nvPr>
+            <p:ph type="title"/>
+          </p:nvPr>
+        </p:nvSpPr>
+        <p:spPr>
+          <a:xfrm>
+            <a:off x="762000" y="457200"/>
+            <a:ext cx="10820400" cy="538609"/>
+          </a:xfrm>
+        </p:spPr>
+        <p:txBody>
+          <a:bodyPr/>
+          <a:lstStyle/>
+          <a:p>
+            <a:r>
+              <a:rPr lang="en-GB" dirty="0">
+                <a:latin typeface="Arial Black" panose="020B0A04020102020204" pitchFamily="34" charset="0"/>
+              </a:rPr>
+              <a:t>Convergence Comparison</a:t>
+            </a:r>
+            <a:endParaRPr lang="en-GB" noProof="0" dirty="0">
+              <a:latin typeface="Arial Black" panose="020B0A04020102020204" pitchFamily="34" charset="0"/>
+            </a:endParaRPr>
+          </a:p>
+        </p:txBody>
+      </p:sp>
+      <p:pic>
+        <p:nvPicPr>
+          <p:cNvPr id="3" name="Immagine 2">
+            <a:extLst>
+              <a:ext uri="{FF2B5EF4-FFF2-40B4-BE49-F238E27FC236}">
+                <a16:creationId xmlns:a16="http://schemas.microsoft.com/office/drawing/2014/main" id="{959682A0-9BD9-E30A-3D7D-49BB1593BFC0}"/>
+              </a:ext>
+            </a:extLst>
+          </p:cNvPr>
+          <p:cNvPicPr>
+            <a:picLocks noChangeAspect="1"/>
+          </p:cNvPicPr>
+          <p:nvPr/>
+        </p:nvPicPr>
+        <p:blipFill>
+          <a:blip r:embed="rId2"/>
+          <a:stretch>
+            <a:fillRect/>
+          </a:stretch>
+        </p:blipFill>
+        <p:spPr>
+          <a:xfrm>
+            <a:off x="731336" y="995809"/>
+            <a:ext cx="4900980" cy="4929187"/>
+          </a:xfrm>
+          <a:prstGeom prst="rect">
+            <a:avLst/>
+          </a:prstGeom>
+        </p:spPr>
+      </p:pic>
+      <p:pic>
+        <p:nvPicPr>
+          <p:cNvPr id="5" name="Immagine 4">
+            <a:extLst>
+              <a:ext uri="{FF2B5EF4-FFF2-40B4-BE49-F238E27FC236}">
+                <a16:creationId xmlns:a16="http://schemas.microsoft.com/office/drawing/2014/main" id="{A18399C5-09B5-B521-83E5-EA07E27F5F90}"/>
+              </a:ext>
+            </a:extLst>
+          </p:cNvPr>
+          <p:cNvPicPr>
+            <a:picLocks noChangeAspect="1"/>
+          </p:cNvPicPr>
+          <p:nvPr/>
+        </p:nvPicPr>
+        <p:blipFill>
+          <a:blip r:embed="rId3"/>
+          <a:stretch>
+            <a:fillRect/>
+          </a:stretch>
+        </p:blipFill>
+        <p:spPr>
+          <a:xfrm>
+            <a:off x="6843390" y="995809"/>
+            <a:ext cx="4769674" cy="4852987"/>
+          </a:xfrm>
+          <a:prstGeom prst="rect">
+            <a:avLst/>
+          </a:prstGeom>
+        </p:spPr>
+      </p:pic>
+    </p:spTree>
+    <p:extLst>
+      <p:ext uri="{BB962C8B-B14F-4D97-AF65-F5344CB8AC3E}">
+        <p14:creationId xmlns:p14="http://schemas.microsoft.com/office/powerpoint/2010/main" val="4068170424"/>
+      </p:ext>
+    </p:extLst>
+  </p:cSld>
+  <p:clrMapOvr>
+    <a:masterClrMapping/>
+  </p:clrMapOvr>
+</p:sld>
+</file>
+
+<file path=ppt/slides/slide28.xml><?xml version="1.0" encoding="utf-8"?>
+<p:sld xmlns:a="http://schemas.openxmlformats.org/drawingml/2006/main" xmlns:r="http://schemas.openxmlformats.org/officeDocument/2006/relationships" xmlns:p="http://schemas.openxmlformats.org/presentationml/2006/main">
+  <p:cSld>
+    <p:spTree>
+      <p:nvGrpSpPr>
+        <p:cNvPr id="1" name="">
+          <a:extLst>
+            <a:ext uri="{FF2B5EF4-FFF2-40B4-BE49-F238E27FC236}">
+              <a16:creationId xmlns:a16="http://schemas.microsoft.com/office/drawing/2014/main" id="{D8CFA8A8-7F9C-165D-9081-D4BC2D01CE80}"/>
+            </a:ext>
+          </a:extLst>
+        </p:cNvPr>
+        <p:cNvGrpSpPr/>
+        <p:nvPr/>
+      </p:nvGrpSpPr>
+      <p:grpSpPr>
+        <a:xfrm>
+          <a:off x="0" y="0"/>
+          <a:ext cx="0" cy="0"/>
+          <a:chOff x="0" y="0"/>
+          <a:chExt cx="0" cy="0"/>
+        </a:xfrm>
+      </p:grpSpPr>
+      <p:sp>
+        <p:nvSpPr>
+          <p:cNvPr id="10" name="Titolo 9">
+            <a:extLst>
+              <a:ext uri="{FF2B5EF4-FFF2-40B4-BE49-F238E27FC236}">
+                <a16:creationId xmlns:a16="http://schemas.microsoft.com/office/drawing/2014/main" id="{1724A9A2-F098-12E1-7A77-4BD17E08CC7C}"/>
+              </a:ext>
+            </a:extLst>
+          </p:cNvPr>
+          <p:cNvSpPr>
+            <a:spLocks noGrp="1"/>
+          </p:cNvSpPr>
+          <p:nvPr>
+            <p:ph type="title"/>
+          </p:nvPr>
+        </p:nvSpPr>
+        <p:spPr>
+          <a:xfrm>
+            <a:off x="762000" y="457200"/>
+            <a:ext cx="10820400" cy="538609"/>
+          </a:xfrm>
+        </p:spPr>
+        <p:txBody>
+          <a:bodyPr/>
+          <a:lstStyle/>
+          <a:p>
+            <a:r>
+              <a:rPr lang="en-GB" dirty="0">
+                <a:latin typeface="Arial Black" panose="020B0A04020102020204" pitchFamily="34" charset="0"/>
+              </a:rPr>
+              <a:t>Performance Comparison</a:t>
+            </a:r>
+            <a:endParaRPr lang="en-GB" noProof="0" dirty="0">
+              <a:latin typeface="Arial Black" panose="020B0A04020102020204" pitchFamily="34" charset="0"/>
+            </a:endParaRPr>
+          </a:p>
+        </p:txBody>
+      </p:sp>
+      <p:graphicFrame>
+        <p:nvGraphicFramePr>
+          <p:cNvPr id="4" name="Tabella 3">
+            <a:extLst>
+              <a:ext uri="{FF2B5EF4-FFF2-40B4-BE49-F238E27FC236}">
+                <a16:creationId xmlns:a16="http://schemas.microsoft.com/office/drawing/2014/main" id="{000F8059-62D9-BABD-5152-5B33455D1F2B}"/>
+              </a:ext>
+            </a:extLst>
+          </p:cNvPr>
+          <p:cNvGraphicFramePr>
+            <a:graphicFrameLocks noGrp="1"/>
+          </p:cNvGraphicFramePr>
+          <p:nvPr/>
+        </p:nvGraphicFramePr>
+        <p:xfrm>
+          <a:off x="3581400" y="2057400"/>
+          <a:ext cx="5181600" cy="2438399"/>
+        </p:xfrm>
+        <a:graphic>
+          <a:graphicData uri="http://schemas.openxmlformats.org/drawingml/2006/table">
+            <a:tbl>
+              <a:tblPr firstRow="1" bandRow="1">
+                <a:tableStyleId>{5C22544A-7EE6-4342-B048-85BDC9FD1C3A}</a:tableStyleId>
+              </a:tblPr>
+              <a:tblGrid>
+                <a:gridCol w="3342968">
+                  <a:extLst>
+                    <a:ext uri="{9D8B030D-6E8A-4147-A177-3AD203B41FA5}">
+                      <a16:colId xmlns:a16="http://schemas.microsoft.com/office/drawing/2014/main" val="1976432627"/>
+                    </a:ext>
+                  </a:extLst>
+                </a:gridCol>
+                <a:gridCol w="1838632">
+                  <a:extLst>
+                    <a:ext uri="{9D8B030D-6E8A-4147-A177-3AD203B41FA5}">
+                      <a16:colId xmlns:a16="http://schemas.microsoft.com/office/drawing/2014/main" val="3349849245"/>
+                    </a:ext>
+                  </a:extLst>
+                </a:gridCol>
+              </a:tblGrid>
+              <a:tr h="557171">
+                <a:tc>
+                  <a:txBody>
+                    <a:bodyPr/>
+                    <a:lstStyle/>
+                    <a:p>
+                      <a:pPr algn="ctr"/>
+                      <a:r>
+                        <a:rPr lang="it-IT" b="1" dirty="0" err="1">
+                          <a:solidFill>
+                            <a:schemeClr val="lt1"/>
+                          </a:solidFill>
+                          <a:latin typeface="Arial" panose="020B0604020202020204" pitchFamily="34" charset="0"/>
+                          <a:ea typeface="+mn-ea"/>
+                          <a:cs typeface="Arial" panose="020B0604020202020204" pitchFamily="34" charset="0"/>
+                        </a:rPr>
+                        <a:t>Gradient</a:t>
+                      </a:r>
+                      <a:r>
+                        <a:rPr lang="it-IT" b="1" dirty="0">
+                          <a:solidFill>
+                            <a:schemeClr val="lt1"/>
+                          </a:solidFill>
+                          <a:latin typeface="Arial" panose="020B0604020202020204" pitchFamily="34" charset="0"/>
+                          <a:ea typeface="+mn-ea"/>
+                          <a:cs typeface="Arial" panose="020B0604020202020204" pitchFamily="34" charset="0"/>
+                        </a:rPr>
+                        <a:t> </a:t>
+                      </a:r>
+                      <a:r>
+                        <a:rPr lang="it-IT" b="1" dirty="0" err="1">
+                          <a:solidFill>
+                            <a:schemeClr val="lt1"/>
+                          </a:solidFill>
+                          <a:latin typeface="Arial" panose="020B0604020202020204" pitchFamily="34" charset="0"/>
+                          <a:ea typeface="+mn-ea"/>
+                          <a:cs typeface="Arial" panose="020B0604020202020204" pitchFamily="34" charset="0"/>
+                        </a:rPr>
+                        <a:t>Descent</a:t>
+                      </a:r>
+                      <a:r>
+                        <a:rPr lang="it-IT" b="1" dirty="0">
+                          <a:solidFill>
+                            <a:schemeClr val="lt1"/>
+                          </a:solidFill>
+                          <a:latin typeface="Arial" panose="020B0604020202020204" pitchFamily="34" charset="0"/>
+                          <a:ea typeface="+mn-ea"/>
+                          <a:cs typeface="Arial" panose="020B0604020202020204" pitchFamily="34" charset="0"/>
+                        </a:rPr>
+                        <a:t> Setting</a:t>
+                      </a:r>
+                    </a:p>
+                  </a:txBody>
+                  <a:tcPr/>
+                </a:tc>
+                <a:tc>
+                  <a:txBody>
+                    <a:bodyPr/>
+                    <a:lstStyle/>
+                    <a:p>
+                      <a:pPr algn="ctr"/>
+                      <a:r>
+                        <a:rPr lang="it-IT" b="1" dirty="0">
+                          <a:solidFill>
+                            <a:schemeClr val="lt1"/>
+                          </a:solidFill>
+                          <a:latin typeface="Arial" panose="020B0604020202020204" pitchFamily="34" charset="0"/>
+                          <a:ea typeface="+mn-ea"/>
+                          <a:cs typeface="Arial" panose="020B0604020202020204" pitchFamily="34" charset="0"/>
+                        </a:rPr>
+                        <a:t>Time </a:t>
+                      </a:r>
+                      <a:r>
+                        <a:rPr lang="it-IT" b="1" dirty="0" err="1">
+                          <a:solidFill>
+                            <a:schemeClr val="lt1"/>
+                          </a:solidFill>
+                          <a:latin typeface="Arial" panose="020B0604020202020204" pitchFamily="34" charset="0"/>
+                          <a:ea typeface="+mn-ea"/>
+                          <a:cs typeface="Arial" panose="020B0604020202020204" pitchFamily="34" charset="0"/>
+                        </a:rPr>
+                        <a:t>needed</a:t>
+                      </a:r>
+                      <a:endParaRPr lang="it-IT" b="1" dirty="0">
+                        <a:solidFill>
+                          <a:schemeClr val="lt1"/>
+                        </a:solidFill>
+                        <a:latin typeface="Arial" panose="020B0604020202020204" pitchFamily="34" charset="0"/>
+                        <a:ea typeface="+mn-ea"/>
+                        <a:cs typeface="Arial" panose="020B0604020202020204" pitchFamily="34" charset="0"/>
+                      </a:endParaRPr>
+                    </a:p>
+                  </a:txBody>
+                  <a:tcPr/>
+                </a:tc>
+                <a:extLst>
+                  <a:ext uri="{0D108BD9-81ED-4DB2-BD59-A6C34878D82A}">
+                    <a16:rowId xmlns:a16="http://schemas.microsoft.com/office/drawing/2014/main" val="328097347"/>
+                  </a:ext>
+                </a:extLst>
+              </a:tr>
+              <a:tr h="470307">
+                <a:tc>
+                  <a:txBody>
+                    <a:bodyPr/>
+                    <a:lstStyle/>
+                    <a:p>
+                      <a:pPr marL="0" algn="r"/>
+                      <a:r>
+                        <a:rPr lang="en-US" b="0" i="1" u="none" dirty="0">
+                          <a:solidFill>
+                            <a:schemeClr val="tx1"/>
+                          </a:solidFill>
+                          <a:latin typeface="Arial" panose="020B0604020202020204" pitchFamily="34" charset="0"/>
+                          <a:ea typeface="+mn-ea"/>
+                          <a:cs typeface="Arial" panose="020B0604020202020204" pitchFamily="34" charset="0"/>
+                        </a:rPr>
+                        <a:t>Naive Test</a:t>
+                      </a:r>
+                      <a:endParaRPr lang="it-IT" b="0" i="1" u="none" dirty="0">
+                        <a:solidFill>
+                          <a:schemeClr val="tx1"/>
+                        </a:solidFill>
+                        <a:latin typeface="Arial" panose="020B0604020202020204" pitchFamily="34" charset="0"/>
+                        <a:ea typeface="+mn-ea"/>
+                        <a:cs typeface="Arial" panose="020B0604020202020204" pitchFamily="34" charset="0"/>
+                      </a:endParaRPr>
+                    </a:p>
+                  </a:txBody>
+                  <a:tcPr/>
+                </a:tc>
+                <a:tc>
+                  <a:txBody>
+                    <a:bodyPr/>
+                    <a:lstStyle/>
+                    <a:p>
+                      <a:pPr marL="0" algn="ctr"/>
+                      <a:r>
+                        <a:rPr lang="it-IT" b="0" dirty="0">
+                          <a:solidFill>
+                            <a:schemeClr val="tx1"/>
+                          </a:solidFill>
+                          <a:latin typeface="Arial" panose="020B0604020202020204" pitchFamily="34" charset="0"/>
+                          <a:ea typeface="+mn-ea"/>
+                          <a:cs typeface="Arial" panose="020B0604020202020204" pitchFamily="34" charset="0"/>
+                        </a:rPr>
+                        <a:t>7ms</a:t>
+                      </a:r>
+                    </a:p>
+                  </a:txBody>
+                  <a:tcPr/>
+                </a:tc>
+                <a:extLst>
+                  <a:ext uri="{0D108BD9-81ED-4DB2-BD59-A6C34878D82A}">
+                    <a16:rowId xmlns:a16="http://schemas.microsoft.com/office/drawing/2014/main" val="3700825046"/>
+                  </a:ext>
+                </a:extLst>
+              </a:tr>
+              <a:tr h="470307">
+                <a:tc>
+                  <a:txBody>
+                    <a:bodyPr/>
+                    <a:lstStyle/>
+                    <a:p>
+                      <a:pPr marL="0" algn="r"/>
+                      <a:r>
+                        <a:rPr lang="it-IT" b="0" i="1" u="none" dirty="0" err="1">
+                          <a:solidFill>
+                            <a:schemeClr val="tx1"/>
+                          </a:solidFill>
+                          <a:latin typeface="Arial" panose="020B0604020202020204" pitchFamily="34" charset="0"/>
+                          <a:ea typeface="+mn-ea"/>
+                          <a:cs typeface="Arial" panose="020B0604020202020204" pitchFamily="34" charset="0"/>
+                        </a:rPr>
+                        <a:t>Smooth</a:t>
+                      </a:r>
+                      <a:r>
+                        <a:rPr lang="it-IT" b="0" i="1" u="none" dirty="0">
+                          <a:solidFill>
+                            <a:schemeClr val="tx1"/>
+                          </a:solidFill>
+                          <a:latin typeface="Arial" panose="020B0604020202020204" pitchFamily="34" charset="0"/>
+                          <a:ea typeface="+mn-ea"/>
+                          <a:cs typeface="Arial" panose="020B0604020202020204" pitchFamily="34" charset="0"/>
+                        </a:rPr>
+                        <a:t> Constant</a:t>
+                      </a:r>
+                    </a:p>
+                  </a:txBody>
+                  <a:tcPr/>
+                </a:tc>
+                <a:tc>
+                  <a:txBody>
+                    <a:bodyPr/>
+                    <a:lstStyle/>
+                    <a:p>
+                      <a:pPr marL="0" algn="ctr"/>
+                      <a:r>
+                        <a:rPr lang="it-IT" b="0" dirty="0">
+                          <a:solidFill>
+                            <a:schemeClr val="tx1"/>
+                          </a:solidFill>
+                          <a:latin typeface="Arial" panose="020B0604020202020204" pitchFamily="34" charset="0"/>
+                          <a:ea typeface="+mn-ea"/>
+                          <a:cs typeface="Arial" panose="020B0604020202020204" pitchFamily="34" charset="0"/>
+                        </a:rPr>
+                        <a:t>5ms</a:t>
+                      </a:r>
+                    </a:p>
+                  </a:txBody>
+                  <a:tcPr/>
+                </a:tc>
+                <a:extLst>
+                  <a:ext uri="{0D108BD9-81ED-4DB2-BD59-A6C34878D82A}">
+                    <a16:rowId xmlns:a16="http://schemas.microsoft.com/office/drawing/2014/main" val="3112259662"/>
+                  </a:ext>
+                </a:extLst>
+              </a:tr>
+              <a:tr h="470307">
+                <a:tc>
+                  <a:txBody>
+                    <a:bodyPr/>
+                    <a:lstStyle/>
+                    <a:p>
+                      <a:pPr marL="0" algn="r"/>
+                      <a:r>
+                        <a:rPr lang="it-IT" b="0" i="1" u="none" dirty="0" err="1">
+                          <a:solidFill>
+                            <a:schemeClr val="tx1"/>
+                          </a:solidFill>
+                          <a:latin typeface="Arial" panose="020B0604020202020204" pitchFamily="34" charset="0"/>
+                          <a:ea typeface="+mn-ea"/>
+                          <a:cs typeface="Arial" panose="020B0604020202020204" pitchFamily="34" charset="0"/>
+                        </a:rPr>
+                        <a:t>Lipschitz</a:t>
+                      </a:r>
+                      <a:r>
+                        <a:rPr lang="it-IT" b="0" i="1" u="none" dirty="0">
+                          <a:solidFill>
+                            <a:schemeClr val="tx1"/>
+                          </a:solidFill>
+                          <a:latin typeface="Arial" panose="020B0604020202020204" pitchFamily="34" charset="0"/>
+                          <a:ea typeface="+mn-ea"/>
+                          <a:cs typeface="Arial" panose="020B0604020202020204" pitchFamily="34" charset="0"/>
+                        </a:rPr>
+                        <a:t> </a:t>
+                      </a:r>
+                      <a:r>
+                        <a:rPr lang="it-IT" b="0" i="1" u="none" dirty="0" err="1">
+                          <a:solidFill>
+                            <a:schemeClr val="tx1"/>
+                          </a:solidFill>
+                          <a:latin typeface="Arial" panose="020B0604020202020204" pitchFamily="34" charset="0"/>
+                          <a:ea typeface="+mn-ea"/>
+                          <a:cs typeface="Arial" panose="020B0604020202020204" pitchFamily="34" charset="0"/>
+                        </a:rPr>
+                        <a:t>function</a:t>
+                      </a:r>
+                      <a:endParaRPr lang="it-IT" b="0" i="1" u="none" dirty="0">
+                        <a:solidFill>
+                          <a:schemeClr val="tx1"/>
+                        </a:solidFill>
+                        <a:latin typeface="Arial" panose="020B0604020202020204" pitchFamily="34" charset="0"/>
+                        <a:ea typeface="+mn-ea"/>
+                        <a:cs typeface="Arial" panose="020B0604020202020204" pitchFamily="34" charset="0"/>
+                      </a:endParaRPr>
+                    </a:p>
+                  </a:txBody>
+                  <a:tcPr/>
+                </a:tc>
+                <a:tc>
+                  <a:txBody>
+                    <a:bodyPr/>
+                    <a:lstStyle/>
+                    <a:p>
+                      <a:pPr marL="0" algn="ctr"/>
+                      <a:r>
+                        <a:rPr lang="it-IT" b="0" dirty="0">
+                          <a:solidFill>
+                            <a:schemeClr val="tx1"/>
+                          </a:solidFill>
+                          <a:latin typeface="Arial" panose="020B0604020202020204" pitchFamily="34" charset="0"/>
+                          <a:ea typeface="+mn-ea"/>
+                          <a:cs typeface="Arial" panose="020B0604020202020204" pitchFamily="34" charset="0"/>
+                        </a:rPr>
+                        <a:t>55ms</a:t>
+                      </a:r>
+                    </a:p>
+                  </a:txBody>
+                  <a:tcPr/>
+                </a:tc>
+                <a:extLst>
+                  <a:ext uri="{0D108BD9-81ED-4DB2-BD59-A6C34878D82A}">
+                    <a16:rowId xmlns:a16="http://schemas.microsoft.com/office/drawing/2014/main" val="378449603"/>
+                  </a:ext>
+                </a:extLst>
+              </a:tr>
+              <a:tr h="470307">
+                <a:tc>
+                  <a:txBody>
+                    <a:bodyPr/>
+                    <a:lstStyle/>
+                    <a:p>
+                      <a:pPr marL="0" algn="r"/>
+                      <a:r>
+                        <a:rPr lang="it-IT" b="0" i="1" u="none" dirty="0">
+                          <a:solidFill>
+                            <a:schemeClr val="tx1"/>
+                          </a:solidFill>
+                          <a:latin typeface="Arial" panose="020B0604020202020204" pitchFamily="34" charset="0"/>
+                          <a:ea typeface="+mn-ea"/>
+                          <a:cs typeface="Arial" panose="020B0604020202020204" pitchFamily="34" charset="0"/>
+                        </a:rPr>
+                        <a:t>Strong </a:t>
+                      </a:r>
+                      <a:r>
+                        <a:rPr lang="it-IT" b="0" i="1" u="none" dirty="0" err="1">
+                          <a:solidFill>
+                            <a:schemeClr val="tx1"/>
+                          </a:solidFill>
+                          <a:latin typeface="Arial" panose="020B0604020202020204" pitchFamily="34" charset="0"/>
+                          <a:ea typeface="+mn-ea"/>
+                          <a:cs typeface="Arial" panose="020B0604020202020204" pitchFamily="34" charset="0"/>
+                        </a:rPr>
+                        <a:t>convexity</a:t>
+                      </a:r>
+                      <a:r>
+                        <a:rPr lang="it-IT" b="0" i="1" u="none" dirty="0">
+                          <a:solidFill>
+                            <a:schemeClr val="tx1"/>
+                          </a:solidFill>
+                          <a:latin typeface="Arial" panose="020B0604020202020204" pitchFamily="34" charset="0"/>
+                          <a:ea typeface="+mn-ea"/>
+                          <a:cs typeface="Arial" panose="020B0604020202020204" pitchFamily="34" charset="0"/>
+                        </a:rPr>
+                        <a:t> Test</a:t>
+                      </a:r>
+                    </a:p>
+                  </a:txBody>
+                  <a:tcPr/>
+                </a:tc>
+                <a:tc>
+                  <a:txBody>
+                    <a:bodyPr/>
+                    <a:lstStyle/>
+                    <a:p>
+                      <a:pPr marL="0" algn="ctr"/>
+                      <a:r>
+                        <a:rPr lang="it-IT" b="0" dirty="0">
+                          <a:solidFill>
+                            <a:schemeClr val="tx1"/>
+                          </a:solidFill>
+                          <a:latin typeface="Arial" panose="020B0604020202020204" pitchFamily="34" charset="0"/>
+                          <a:ea typeface="+mn-ea"/>
+                          <a:cs typeface="Arial" panose="020B0604020202020204" pitchFamily="34" charset="0"/>
+                        </a:rPr>
+                        <a:t>4ms</a:t>
+                      </a:r>
+                    </a:p>
+                  </a:txBody>
+                  <a:tcPr/>
+                </a:tc>
+                <a:extLst>
+                  <a:ext uri="{0D108BD9-81ED-4DB2-BD59-A6C34878D82A}">
+                    <a16:rowId xmlns:a16="http://schemas.microsoft.com/office/drawing/2014/main" val="2741163332"/>
+                  </a:ext>
+                </a:extLst>
+              </a:tr>
+            </a:tbl>
+          </a:graphicData>
+        </a:graphic>
+      </p:graphicFrame>
+    </p:spTree>
+    <p:extLst>
+      <p:ext uri="{BB962C8B-B14F-4D97-AF65-F5344CB8AC3E}">
+        <p14:creationId xmlns:p14="http://schemas.microsoft.com/office/powerpoint/2010/main" val="919831357"/>
+      </p:ext>
+    </p:extLst>
+  </p:cSld>
+  <p:clrMapOvr>
+    <a:masterClrMapping/>
+  </p:clrMapOvr>
+</p:sld>
+</file>
+
+<file path=ppt/slides/slide29.xml><?xml version="1.0" encoding="utf-8"?>
 <p:sld xmlns:a="http://schemas.openxmlformats.org/drawingml/2006/main" xmlns:r="http://schemas.openxmlformats.org/officeDocument/2006/relationships" xmlns:p="http://schemas.openxmlformats.org/presentationml/2006/main">
   <p:cSld>
     <p:spTree>
@@ -5386,7 +9132,422 @@
 </p:sld>
 </file>
 
-<file path=ppt/slides/slide22.xml><?xml version="1.0" encoding="utf-8"?>
+<file path=ppt/slides/slide3.xml><?xml version="1.0" encoding="utf-8"?>
+<p:sld xmlns:a="http://schemas.openxmlformats.org/drawingml/2006/main" xmlns:r="http://schemas.openxmlformats.org/officeDocument/2006/relationships" xmlns:p="http://schemas.openxmlformats.org/presentationml/2006/main">
+  <p:cSld>
+    <p:spTree>
+      <p:nvGrpSpPr>
+        <p:cNvPr id="1" name="">
+          <a:extLst>
+            <a:ext uri="{FF2B5EF4-FFF2-40B4-BE49-F238E27FC236}">
+              <a16:creationId xmlns:a16="http://schemas.microsoft.com/office/drawing/2014/main" id="{1B186DD7-CB4C-229A-B7FD-70BB9617A8E6}"/>
+            </a:ext>
+          </a:extLst>
+        </p:cNvPr>
+        <p:cNvGrpSpPr/>
+        <p:nvPr/>
+      </p:nvGrpSpPr>
+      <p:grpSpPr>
+        <a:xfrm>
+          <a:off x="0" y="0"/>
+          <a:ext cx="0" cy="0"/>
+          <a:chOff x="0" y="0"/>
+          <a:chExt cx="0" cy="0"/>
+        </a:xfrm>
+      </p:grpSpPr>
+      <p:sp>
+        <p:nvSpPr>
+          <p:cNvPr id="10" name="Titolo 9">
+            <a:extLst>
+              <a:ext uri="{FF2B5EF4-FFF2-40B4-BE49-F238E27FC236}">
+                <a16:creationId xmlns:a16="http://schemas.microsoft.com/office/drawing/2014/main" id="{99712B1D-EFE0-7CDD-E0AB-7BFE0B1B3790}"/>
+              </a:ext>
+            </a:extLst>
+          </p:cNvPr>
+          <p:cNvSpPr>
+            <a:spLocks noGrp="1"/>
+          </p:cNvSpPr>
+          <p:nvPr>
+            <p:ph type="title"/>
+          </p:nvPr>
+        </p:nvSpPr>
+        <p:spPr>
+          <a:xfrm>
+            <a:off x="762000" y="457200"/>
+            <a:ext cx="5181599" cy="609600"/>
+          </a:xfrm>
+        </p:spPr>
+        <p:txBody>
+          <a:bodyPr/>
+          <a:lstStyle/>
+          <a:p>
+            <a:r>
+              <a:rPr lang="en-GB" noProof="0" dirty="0">
+                <a:latin typeface="Arial Black" panose="020B0A04020102020204" pitchFamily="34" charset="0"/>
+              </a:rPr>
+              <a:t>Dataset presentation</a:t>
+            </a:r>
+          </a:p>
+        </p:txBody>
+      </p:sp>
+      <p:sp>
+        <p:nvSpPr>
+          <p:cNvPr id="2" name="CasellaDiTesto 1">
+            <a:extLst>
+              <a:ext uri="{FF2B5EF4-FFF2-40B4-BE49-F238E27FC236}">
+                <a16:creationId xmlns:a16="http://schemas.microsoft.com/office/drawing/2014/main" id="{941D8CD3-4F61-4A07-AA34-91E2331CD6F9}"/>
+              </a:ext>
+            </a:extLst>
+          </p:cNvPr>
+          <p:cNvSpPr txBox="1"/>
+          <p:nvPr/>
+        </p:nvSpPr>
+        <p:spPr>
+          <a:xfrm>
+            <a:off x="762000" y="1295400"/>
+            <a:ext cx="10287000" cy="523220"/>
+          </a:xfrm>
+          <a:prstGeom prst="rect">
+            <a:avLst/>
+          </a:prstGeom>
+          <a:noFill/>
+        </p:spPr>
+        <p:txBody>
+          <a:bodyPr wrap="square">
+            <a:spAutoFit/>
+          </a:bodyPr>
+          <a:lstStyle/>
+          <a:p>
+            <a:r>
+              <a:rPr lang="en-GB" sz="2800" noProof="0" dirty="0">
+                <a:latin typeface="Arial" panose="020B0604020202020204" pitchFamily="34" charset="0"/>
+                <a:cs typeface="Arial" panose="020B0604020202020204" pitchFamily="34" charset="0"/>
+              </a:rPr>
+              <a:t>The 7 </a:t>
+            </a:r>
+            <a:r>
+              <a:rPr lang="en-GB" sz="2800" b="1" noProof="0" dirty="0">
+                <a:solidFill>
+                  <a:srgbClr val="FF0000"/>
+                </a:solidFill>
+                <a:latin typeface="Arial" panose="020B0604020202020204" pitchFamily="34" charset="0"/>
+                <a:cs typeface="Arial" panose="020B0604020202020204" pitchFamily="34" charset="0"/>
+              </a:rPr>
+              <a:t>categorial</a:t>
+            </a:r>
+            <a:r>
+              <a:rPr lang="en-GB" sz="2800" noProof="0" dirty="0">
+                <a:latin typeface="Arial" panose="020B0604020202020204" pitchFamily="34" charset="0"/>
+                <a:cs typeface="Arial" panose="020B0604020202020204" pitchFamily="34" charset="0"/>
+              </a:rPr>
+              <a:t> are:</a:t>
+            </a:r>
+            <a:endParaRPr lang="en-GB" sz="2800" b="1" noProof="0" dirty="0">
+              <a:solidFill>
+                <a:srgbClr val="FF0000"/>
+              </a:solidFill>
+              <a:latin typeface="Arial" panose="020B0604020202020204" pitchFamily="34" charset="0"/>
+              <a:cs typeface="Arial" panose="020B0604020202020204" pitchFamily="34" charset="0"/>
+            </a:endParaRPr>
+          </a:p>
+        </p:txBody>
+      </p:sp>
+      <p:sp>
+        <p:nvSpPr>
+          <p:cNvPr id="3" name="CasellaDiTesto 2">
+            <a:extLst>
+              <a:ext uri="{FF2B5EF4-FFF2-40B4-BE49-F238E27FC236}">
+                <a16:creationId xmlns:a16="http://schemas.microsoft.com/office/drawing/2014/main" id="{D5484A2D-16B7-6415-0D06-5025D445072D}"/>
+              </a:ext>
+            </a:extLst>
+          </p:cNvPr>
+          <p:cNvSpPr txBox="1"/>
+          <p:nvPr/>
+        </p:nvSpPr>
+        <p:spPr>
+          <a:xfrm>
+            <a:off x="762000" y="2305615"/>
+            <a:ext cx="11277600" cy="3539430"/>
+          </a:xfrm>
+          <a:prstGeom prst="rect">
+            <a:avLst/>
+          </a:prstGeom>
+          <a:noFill/>
+        </p:spPr>
+        <p:txBody>
+          <a:bodyPr wrap="square">
+            <a:spAutoFit/>
+          </a:bodyPr>
+          <a:lstStyle/>
+          <a:p>
+            <a:pPr marL="514350" indent="-514350">
+              <a:buFont typeface="Arial" panose="020B0604020202020204" pitchFamily="34" charset="0"/>
+              <a:buChar char="•"/>
+            </a:pPr>
+            <a:r>
+              <a:rPr lang="en-GB" sz="2800" b="1" i="1" noProof="0" dirty="0" err="1">
+                <a:solidFill>
+                  <a:schemeClr val="tx1"/>
+                </a:solidFill>
+                <a:latin typeface="Arial" panose="020B0604020202020204" pitchFamily="34" charset="0"/>
+                <a:cs typeface="Arial" panose="020B0604020202020204" pitchFamily="34" charset="0"/>
+              </a:rPr>
+              <a:t>Student_id</a:t>
+            </a:r>
+            <a:r>
+              <a:rPr lang="en-GB" sz="2800" i="1" noProof="0" dirty="0">
+                <a:solidFill>
+                  <a:schemeClr val="tx1"/>
+                </a:solidFill>
+                <a:latin typeface="Arial" panose="020B0604020202020204" pitchFamily="34" charset="0"/>
+                <a:cs typeface="Arial" panose="020B0604020202020204" pitchFamily="34" charset="0"/>
+              </a:rPr>
+              <a:t>: </a:t>
+            </a:r>
+            <a:r>
+              <a:rPr lang="en-GB" sz="2800" noProof="0" dirty="0">
+                <a:latin typeface="Arial" panose="020B0604020202020204" pitchFamily="34" charset="0"/>
+                <a:cs typeface="Arial" panose="020B0604020202020204" pitchFamily="34" charset="0"/>
+              </a:rPr>
+              <a:t>Unique alphanumeric identifier for each student.</a:t>
+            </a:r>
+          </a:p>
+          <a:p>
+            <a:pPr marL="514350" indent="-514350">
+              <a:buFont typeface="Arial" panose="020B0604020202020204" pitchFamily="34" charset="0"/>
+              <a:buChar char="•"/>
+            </a:pPr>
+            <a:endParaRPr lang="en-GB" sz="2800" noProof="0" dirty="0">
+              <a:latin typeface="Arial" panose="020B0604020202020204" pitchFamily="34" charset="0"/>
+              <a:cs typeface="Arial" panose="020B0604020202020204" pitchFamily="34" charset="0"/>
+            </a:endParaRPr>
+          </a:p>
+          <a:p>
+            <a:pPr marL="514350" indent="-514350">
+              <a:buFont typeface="Arial" panose="020B0604020202020204" pitchFamily="34" charset="0"/>
+              <a:buChar char="•"/>
+            </a:pPr>
+            <a:r>
+              <a:rPr lang="en-GB" sz="2800" b="1" i="1" noProof="0" dirty="0">
+                <a:solidFill>
+                  <a:schemeClr val="tx1"/>
+                </a:solidFill>
+                <a:latin typeface="Arial" panose="020B0604020202020204" pitchFamily="34" charset="0"/>
+                <a:cs typeface="Arial" panose="020B0604020202020204" pitchFamily="34" charset="0"/>
+              </a:rPr>
+              <a:t>Gender</a:t>
+            </a:r>
+            <a:r>
+              <a:rPr lang="en-GB" sz="2800" i="1" noProof="0" dirty="0">
+                <a:solidFill>
+                  <a:schemeClr val="tx1"/>
+                </a:solidFill>
+                <a:latin typeface="Arial" panose="020B0604020202020204" pitchFamily="34" charset="0"/>
+                <a:cs typeface="Arial" panose="020B0604020202020204" pitchFamily="34" charset="0"/>
+              </a:rPr>
+              <a:t>: </a:t>
+            </a:r>
+            <a:r>
+              <a:rPr lang="en-GB" sz="2800" noProof="0" dirty="0">
+                <a:latin typeface="Arial" panose="020B0604020202020204" pitchFamily="34" charset="0"/>
+                <a:cs typeface="Arial" panose="020B0604020202020204" pitchFamily="34" charset="0"/>
+              </a:rPr>
+              <a:t>Student's gender {</a:t>
+            </a:r>
+            <a:r>
+              <a:rPr lang="en-GB" sz="2800" u="sng" noProof="0" dirty="0">
+                <a:latin typeface="Arial" panose="020B0604020202020204" pitchFamily="34" charset="0"/>
+                <a:cs typeface="Arial" panose="020B0604020202020204" pitchFamily="34" charset="0"/>
+              </a:rPr>
+              <a:t>Male</a:t>
+            </a:r>
+            <a:r>
+              <a:rPr lang="en-GB" sz="2800" noProof="0" dirty="0">
+                <a:latin typeface="Arial" panose="020B0604020202020204" pitchFamily="34" charset="0"/>
+                <a:cs typeface="Arial" panose="020B0604020202020204" pitchFamily="34" charset="0"/>
+              </a:rPr>
+              <a:t>, </a:t>
+            </a:r>
+            <a:r>
+              <a:rPr lang="en-GB" sz="2800" u="sng" noProof="0" dirty="0">
+                <a:latin typeface="Arial" panose="020B0604020202020204" pitchFamily="34" charset="0"/>
+                <a:cs typeface="Arial" panose="020B0604020202020204" pitchFamily="34" charset="0"/>
+              </a:rPr>
+              <a:t>Female</a:t>
+            </a:r>
+            <a:r>
+              <a:rPr lang="en-GB" sz="2800" noProof="0" dirty="0">
+                <a:latin typeface="Arial" panose="020B0604020202020204" pitchFamily="34" charset="0"/>
+                <a:cs typeface="Arial" panose="020B0604020202020204" pitchFamily="34" charset="0"/>
+              </a:rPr>
+              <a:t>}.</a:t>
+            </a:r>
+          </a:p>
+          <a:p>
+            <a:pPr marL="514350" indent="-514350">
+              <a:buFont typeface="Arial" panose="020B0604020202020204" pitchFamily="34" charset="0"/>
+              <a:buChar char="•"/>
+            </a:pPr>
+            <a:endParaRPr lang="en-GB" sz="2800" noProof="0" dirty="0">
+              <a:latin typeface="Arial" panose="020B0604020202020204" pitchFamily="34" charset="0"/>
+              <a:cs typeface="Arial" panose="020B0604020202020204" pitchFamily="34" charset="0"/>
+            </a:endParaRPr>
+          </a:p>
+          <a:p>
+            <a:pPr marL="514350" indent="-514350">
+              <a:buFont typeface="Arial" panose="020B0604020202020204" pitchFamily="34" charset="0"/>
+              <a:buChar char="•"/>
+            </a:pPr>
+            <a:r>
+              <a:rPr lang="en-GB" sz="2800" b="1" i="1" noProof="0" dirty="0">
+                <a:solidFill>
+                  <a:schemeClr val="tx1"/>
+                </a:solidFill>
+                <a:latin typeface="Arial" panose="020B0604020202020204" pitchFamily="34" charset="0"/>
+                <a:cs typeface="Arial" panose="020B0604020202020204" pitchFamily="34" charset="0"/>
+              </a:rPr>
+              <a:t>Part time job</a:t>
+            </a:r>
+            <a:r>
+              <a:rPr lang="en-GB" sz="2800" i="1" noProof="0" dirty="0">
+                <a:solidFill>
+                  <a:schemeClr val="tx1"/>
+                </a:solidFill>
+                <a:latin typeface="Arial" panose="020B0604020202020204" pitchFamily="34" charset="0"/>
+                <a:cs typeface="Arial" panose="020B0604020202020204" pitchFamily="34" charset="0"/>
+              </a:rPr>
+              <a:t>: </a:t>
+            </a:r>
+            <a:r>
+              <a:rPr lang="en-GB" sz="2800" noProof="0" dirty="0"/>
+              <a:t>Indicates whether the student has a job alongside studies {</a:t>
+            </a:r>
+            <a:r>
+              <a:rPr lang="en-GB" sz="2800" u="sng" noProof="0" dirty="0"/>
+              <a:t>Yes</a:t>
+            </a:r>
+            <a:r>
+              <a:rPr lang="en-GB" sz="2800" noProof="0" dirty="0"/>
+              <a:t>, </a:t>
+            </a:r>
+            <a:r>
+              <a:rPr lang="en-GB" sz="2800" u="sng" noProof="0" dirty="0"/>
+              <a:t>No</a:t>
+            </a:r>
+            <a:r>
+              <a:rPr lang="en-GB" sz="2800" noProof="0" dirty="0"/>
+              <a:t>}.</a:t>
+            </a:r>
+          </a:p>
+          <a:p>
+            <a:pPr marL="514350" indent="-514350">
+              <a:buFont typeface="Arial" panose="020B0604020202020204" pitchFamily="34" charset="0"/>
+              <a:buChar char="•"/>
+            </a:pPr>
+            <a:endParaRPr lang="en-GB" sz="2800" noProof="0" dirty="0"/>
+          </a:p>
+          <a:p>
+            <a:pPr marL="514350" indent="-514350">
+              <a:buFont typeface="Arial" panose="020B0604020202020204" pitchFamily="34" charset="0"/>
+              <a:buChar char="•"/>
+            </a:pPr>
+            <a:r>
+              <a:rPr lang="en-GB" sz="2800" b="1" i="1" noProof="0" dirty="0">
+                <a:solidFill>
+                  <a:schemeClr val="tx1"/>
+                </a:solidFill>
+                <a:latin typeface="Arial" panose="020B0604020202020204" pitchFamily="34" charset="0"/>
+                <a:cs typeface="Arial" panose="020B0604020202020204" pitchFamily="34" charset="0"/>
+              </a:rPr>
+              <a:t>Diet quality: </a:t>
+            </a:r>
+            <a:r>
+              <a:rPr lang="en-GB" sz="2800" noProof="0" dirty="0">
+                <a:solidFill>
+                  <a:schemeClr val="tx1"/>
+                </a:solidFill>
+                <a:latin typeface="Arial" panose="020B0604020202020204" pitchFamily="34" charset="0"/>
+                <a:cs typeface="Arial" panose="020B0604020202020204" pitchFamily="34" charset="0"/>
+              </a:rPr>
+              <a:t>observed dietary quality {</a:t>
+            </a:r>
+            <a:r>
+              <a:rPr lang="en-GB" sz="2800" u="sng" noProof="0" dirty="0">
+                <a:solidFill>
+                  <a:schemeClr val="tx1"/>
+                </a:solidFill>
+                <a:latin typeface="Arial" panose="020B0604020202020204" pitchFamily="34" charset="0"/>
+                <a:cs typeface="Arial" panose="020B0604020202020204" pitchFamily="34" charset="0"/>
+              </a:rPr>
+              <a:t>Poor</a:t>
+            </a:r>
+            <a:r>
+              <a:rPr lang="en-GB" sz="2800" noProof="0" dirty="0">
+                <a:solidFill>
+                  <a:schemeClr val="tx1"/>
+                </a:solidFill>
+                <a:latin typeface="Arial" panose="020B0604020202020204" pitchFamily="34" charset="0"/>
+                <a:cs typeface="Arial" panose="020B0604020202020204" pitchFamily="34" charset="0"/>
+              </a:rPr>
+              <a:t>, </a:t>
+            </a:r>
+            <a:r>
+              <a:rPr lang="en-GB" sz="2800" u="sng" noProof="0" dirty="0">
+                <a:solidFill>
+                  <a:schemeClr val="tx1"/>
+                </a:solidFill>
+                <a:latin typeface="Arial" panose="020B0604020202020204" pitchFamily="34" charset="0"/>
+                <a:cs typeface="Arial" panose="020B0604020202020204" pitchFamily="34" charset="0"/>
+              </a:rPr>
+              <a:t>Fair</a:t>
+            </a:r>
+            <a:r>
+              <a:rPr lang="en-GB" sz="2800" noProof="0" dirty="0">
+                <a:solidFill>
+                  <a:schemeClr val="tx1"/>
+                </a:solidFill>
+                <a:latin typeface="Arial" panose="020B0604020202020204" pitchFamily="34" charset="0"/>
+                <a:cs typeface="Arial" panose="020B0604020202020204" pitchFamily="34" charset="0"/>
+              </a:rPr>
+              <a:t>, </a:t>
+            </a:r>
+            <a:r>
+              <a:rPr lang="en-GB" sz="2800" u="sng" noProof="0" dirty="0">
+                <a:solidFill>
+                  <a:schemeClr val="tx1"/>
+                </a:solidFill>
+                <a:latin typeface="Arial" panose="020B0604020202020204" pitchFamily="34" charset="0"/>
+                <a:cs typeface="Arial" panose="020B0604020202020204" pitchFamily="34" charset="0"/>
+              </a:rPr>
+              <a:t>Good</a:t>
+            </a:r>
+            <a:r>
+              <a:rPr lang="en-GB" sz="2800" noProof="0" dirty="0">
+                <a:solidFill>
+                  <a:schemeClr val="tx1"/>
+                </a:solidFill>
+                <a:latin typeface="Arial" panose="020B0604020202020204" pitchFamily="34" charset="0"/>
+                <a:cs typeface="Arial" panose="020B0604020202020204" pitchFamily="34" charset="0"/>
+              </a:rPr>
+              <a:t>}.</a:t>
+            </a:r>
+          </a:p>
+        </p:txBody>
+      </p:sp>
+    </p:spTree>
+    <p:extLst>
+      <p:ext uri="{BB962C8B-B14F-4D97-AF65-F5344CB8AC3E}">
+        <p14:creationId xmlns:p14="http://schemas.microsoft.com/office/powerpoint/2010/main" val="3236379767"/>
+      </p:ext>
+    </p:extLst>
+  </p:cSld>
+  <p:clrMapOvr>
+    <a:masterClrMapping/>
+  </p:clrMapOvr>
+</p:sld>
+</file>
+
+<file path=ppt/slides/slide30.xml><?xml version="1.0" encoding="utf-8"?>
 <p:sld xmlns:a="http://schemas.openxmlformats.org/drawingml/2006/main" xmlns:r="http://schemas.openxmlformats.org/officeDocument/2006/relationships" xmlns:p="http://schemas.openxmlformats.org/presentationml/2006/main">
   <p:cSld>
     <p:spTree>
@@ -5741,7 +9902,7 @@
 </p:sld>
 </file>
 
-<file path=ppt/slides/slide23.xml><?xml version="1.0" encoding="utf-8"?>
+<file path=ppt/slides/slide31.xml><?xml version="1.0" encoding="utf-8"?>
 <p:sld xmlns:a="http://schemas.openxmlformats.org/drawingml/2006/main" xmlns:r="http://schemas.openxmlformats.org/officeDocument/2006/relationships" xmlns:p="http://schemas.openxmlformats.org/presentationml/2006/main">
   <p:cSld>
     <p:spTree>
@@ -6017,7 +10178,7 @@
 </p:sld>
 </file>
 
-<file path=ppt/slides/slide24.xml><?xml version="1.0" encoding="utf-8"?>
+<file path=ppt/slides/slide32.xml><?xml version="1.0" encoding="utf-8"?>
 <p:sld xmlns:a="http://schemas.openxmlformats.org/drawingml/2006/main" xmlns:r="http://schemas.openxmlformats.org/officeDocument/2006/relationships" xmlns:p="http://schemas.openxmlformats.org/presentationml/2006/main">
   <p:cSld>
     <p:spTree>
@@ -6421,7 +10582,7 @@
 </p:sld>
 </file>
 
-<file path=ppt/slides/slide25.xml><?xml version="1.0" encoding="utf-8"?>
+<file path=ppt/slides/slide33.xml><?xml version="1.0" encoding="utf-8"?>
 <p:sld xmlns:a="http://schemas.openxmlformats.org/drawingml/2006/main" xmlns:r="http://schemas.openxmlformats.org/officeDocument/2006/relationships" xmlns:p="http://schemas.openxmlformats.org/presentationml/2006/main">
   <p:cSld>
     <p:spTree>
@@ -6578,7 +10739,7 @@
 </p:sld>
 </file>
 
-<file path=ppt/slides/slide26.xml><?xml version="1.0" encoding="utf-8"?>
+<file path=ppt/slides/slide34.xml><?xml version="1.0" encoding="utf-8"?>
 <p:sld xmlns:a="http://schemas.openxmlformats.org/drawingml/2006/main" xmlns:r="http://schemas.openxmlformats.org/officeDocument/2006/relationships" xmlns:p="http://schemas.openxmlformats.org/presentationml/2006/main">
   <p:cSld>
     <p:spTree>
@@ -6948,7 +11109,7 @@
 </p:sld>
 </file>
 
-<file path=ppt/slides/slide27.xml><?xml version="1.0" encoding="utf-8"?>
+<file path=ppt/slides/slide35.xml><?xml version="1.0" encoding="utf-8"?>
 <p:sld xmlns:a="http://schemas.openxmlformats.org/drawingml/2006/main" xmlns:r="http://schemas.openxmlformats.org/officeDocument/2006/relationships" xmlns:p="http://schemas.openxmlformats.org/presentationml/2006/main">
   <p:cSld>
     <p:spTree>
@@ -7200,7 +11361,7 @@
 </p:sld>
 </file>
 
-<file path=ppt/slides/slide28.xml><?xml version="1.0" encoding="utf-8"?>
+<file path=ppt/slides/slide36.xml><?xml version="1.0" encoding="utf-8"?>
 <p:sld xmlns:a="http://schemas.openxmlformats.org/drawingml/2006/main" xmlns:r="http://schemas.openxmlformats.org/officeDocument/2006/relationships" xmlns:p="http://schemas.openxmlformats.org/presentationml/2006/main">
   <p:cSld>
     <p:spTree>
@@ -7519,7 +11680,7 @@
 </p:sld>
 </file>
 
-<file path=ppt/slides/slide29.xml><?xml version="1.0" encoding="utf-8"?>
+<file path=ppt/slides/slide37.xml><?xml version="1.0" encoding="utf-8"?>
 <p:sld xmlns:a="http://schemas.openxmlformats.org/drawingml/2006/main" xmlns:r="http://schemas.openxmlformats.org/officeDocument/2006/relationships" xmlns:p="http://schemas.openxmlformats.org/presentationml/2006/main">
   <p:cSld>
     <p:spTree>
@@ -7758,422 +11919,7 @@
 </p:sld>
 </file>
 
-<file path=ppt/slides/slide3.xml><?xml version="1.0" encoding="utf-8"?>
-<p:sld xmlns:a="http://schemas.openxmlformats.org/drawingml/2006/main" xmlns:r="http://schemas.openxmlformats.org/officeDocument/2006/relationships" xmlns:p="http://schemas.openxmlformats.org/presentationml/2006/main">
-  <p:cSld>
-    <p:spTree>
-      <p:nvGrpSpPr>
-        <p:cNvPr id="1" name="">
-          <a:extLst>
-            <a:ext uri="{FF2B5EF4-FFF2-40B4-BE49-F238E27FC236}">
-              <a16:creationId xmlns:a16="http://schemas.microsoft.com/office/drawing/2014/main" id="{1B186DD7-CB4C-229A-B7FD-70BB9617A8E6}"/>
-            </a:ext>
-          </a:extLst>
-        </p:cNvPr>
-        <p:cNvGrpSpPr/>
-        <p:nvPr/>
-      </p:nvGrpSpPr>
-      <p:grpSpPr>
-        <a:xfrm>
-          <a:off x="0" y="0"/>
-          <a:ext cx="0" cy="0"/>
-          <a:chOff x="0" y="0"/>
-          <a:chExt cx="0" cy="0"/>
-        </a:xfrm>
-      </p:grpSpPr>
-      <p:sp>
-        <p:nvSpPr>
-          <p:cNvPr id="10" name="Titolo 9">
-            <a:extLst>
-              <a:ext uri="{FF2B5EF4-FFF2-40B4-BE49-F238E27FC236}">
-                <a16:creationId xmlns:a16="http://schemas.microsoft.com/office/drawing/2014/main" id="{99712B1D-EFE0-7CDD-E0AB-7BFE0B1B3790}"/>
-              </a:ext>
-            </a:extLst>
-          </p:cNvPr>
-          <p:cNvSpPr>
-            <a:spLocks noGrp="1"/>
-          </p:cNvSpPr>
-          <p:nvPr>
-            <p:ph type="title"/>
-          </p:nvPr>
-        </p:nvSpPr>
-        <p:spPr>
-          <a:xfrm>
-            <a:off x="762000" y="457200"/>
-            <a:ext cx="5181599" cy="609600"/>
-          </a:xfrm>
-        </p:spPr>
-        <p:txBody>
-          <a:bodyPr/>
-          <a:lstStyle/>
-          <a:p>
-            <a:r>
-              <a:rPr lang="en-GB" noProof="0" dirty="0">
-                <a:latin typeface="Arial Black" panose="020B0A04020102020204" pitchFamily="34" charset="0"/>
-              </a:rPr>
-              <a:t>Dataset presentation</a:t>
-            </a:r>
-          </a:p>
-        </p:txBody>
-      </p:sp>
-      <p:sp>
-        <p:nvSpPr>
-          <p:cNvPr id="2" name="CasellaDiTesto 1">
-            <a:extLst>
-              <a:ext uri="{FF2B5EF4-FFF2-40B4-BE49-F238E27FC236}">
-                <a16:creationId xmlns:a16="http://schemas.microsoft.com/office/drawing/2014/main" id="{941D8CD3-4F61-4A07-AA34-91E2331CD6F9}"/>
-              </a:ext>
-            </a:extLst>
-          </p:cNvPr>
-          <p:cNvSpPr txBox="1"/>
-          <p:nvPr/>
-        </p:nvSpPr>
-        <p:spPr>
-          <a:xfrm>
-            <a:off x="762000" y="1295400"/>
-            <a:ext cx="10287000" cy="523220"/>
-          </a:xfrm>
-          <a:prstGeom prst="rect">
-            <a:avLst/>
-          </a:prstGeom>
-          <a:noFill/>
-        </p:spPr>
-        <p:txBody>
-          <a:bodyPr wrap="square">
-            <a:spAutoFit/>
-          </a:bodyPr>
-          <a:lstStyle/>
-          <a:p>
-            <a:r>
-              <a:rPr lang="en-GB" sz="2800" noProof="0" dirty="0">
-                <a:latin typeface="Arial" panose="020B0604020202020204" pitchFamily="34" charset="0"/>
-                <a:cs typeface="Arial" panose="020B0604020202020204" pitchFamily="34" charset="0"/>
-              </a:rPr>
-              <a:t>The 7 </a:t>
-            </a:r>
-            <a:r>
-              <a:rPr lang="en-GB" sz="2800" b="1" noProof="0" dirty="0">
-                <a:solidFill>
-                  <a:srgbClr val="FF0000"/>
-                </a:solidFill>
-                <a:latin typeface="Arial" panose="020B0604020202020204" pitchFamily="34" charset="0"/>
-                <a:cs typeface="Arial" panose="020B0604020202020204" pitchFamily="34" charset="0"/>
-              </a:rPr>
-              <a:t>categorial</a:t>
-            </a:r>
-            <a:r>
-              <a:rPr lang="en-GB" sz="2800" noProof="0" dirty="0">
-                <a:latin typeface="Arial" panose="020B0604020202020204" pitchFamily="34" charset="0"/>
-                <a:cs typeface="Arial" panose="020B0604020202020204" pitchFamily="34" charset="0"/>
-              </a:rPr>
-              <a:t> are:</a:t>
-            </a:r>
-            <a:endParaRPr lang="en-GB" sz="2800" b="1" noProof="0" dirty="0">
-              <a:solidFill>
-                <a:srgbClr val="FF0000"/>
-              </a:solidFill>
-              <a:latin typeface="Arial" panose="020B0604020202020204" pitchFamily="34" charset="0"/>
-              <a:cs typeface="Arial" panose="020B0604020202020204" pitchFamily="34" charset="0"/>
-            </a:endParaRPr>
-          </a:p>
-        </p:txBody>
-      </p:sp>
-      <p:sp>
-        <p:nvSpPr>
-          <p:cNvPr id="3" name="CasellaDiTesto 2">
-            <a:extLst>
-              <a:ext uri="{FF2B5EF4-FFF2-40B4-BE49-F238E27FC236}">
-                <a16:creationId xmlns:a16="http://schemas.microsoft.com/office/drawing/2014/main" id="{D5484A2D-16B7-6415-0D06-5025D445072D}"/>
-              </a:ext>
-            </a:extLst>
-          </p:cNvPr>
-          <p:cNvSpPr txBox="1"/>
-          <p:nvPr/>
-        </p:nvSpPr>
-        <p:spPr>
-          <a:xfrm>
-            <a:off x="762000" y="2305615"/>
-            <a:ext cx="11277600" cy="3539430"/>
-          </a:xfrm>
-          <a:prstGeom prst="rect">
-            <a:avLst/>
-          </a:prstGeom>
-          <a:noFill/>
-        </p:spPr>
-        <p:txBody>
-          <a:bodyPr wrap="square">
-            <a:spAutoFit/>
-          </a:bodyPr>
-          <a:lstStyle/>
-          <a:p>
-            <a:pPr marL="514350" indent="-514350">
-              <a:buFont typeface="Arial" panose="020B0604020202020204" pitchFamily="34" charset="0"/>
-              <a:buChar char="•"/>
-            </a:pPr>
-            <a:r>
-              <a:rPr lang="en-GB" sz="2800" b="1" i="1" noProof="0" dirty="0" err="1">
-                <a:solidFill>
-                  <a:schemeClr val="tx1"/>
-                </a:solidFill>
-                <a:latin typeface="Arial" panose="020B0604020202020204" pitchFamily="34" charset="0"/>
-                <a:cs typeface="Arial" panose="020B0604020202020204" pitchFamily="34" charset="0"/>
-              </a:rPr>
-              <a:t>Student_id</a:t>
-            </a:r>
-            <a:r>
-              <a:rPr lang="en-GB" sz="2800" i="1" noProof="0" dirty="0">
-                <a:solidFill>
-                  <a:schemeClr val="tx1"/>
-                </a:solidFill>
-                <a:latin typeface="Arial" panose="020B0604020202020204" pitchFamily="34" charset="0"/>
-                <a:cs typeface="Arial" panose="020B0604020202020204" pitchFamily="34" charset="0"/>
-              </a:rPr>
-              <a:t>: </a:t>
-            </a:r>
-            <a:r>
-              <a:rPr lang="en-GB" sz="2800" noProof="0" dirty="0">
-                <a:latin typeface="Arial" panose="020B0604020202020204" pitchFamily="34" charset="0"/>
-                <a:cs typeface="Arial" panose="020B0604020202020204" pitchFamily="34" charset="0"/>
-              </a:rPr>
-              <a:t>Unique alphanumeric identifier for each student.</a:t>
-            </a:r>
-          </a:p>
-          <a:p>
-            <a:pPr marL="514350" indent="-514350">
-              <a:buFont typeface="Arial" panose="020B0604020202020204" pitchFamily="34" charset="0"/>
-              <a:buChar char="•"/>
-            </a:pPr>
-            <a:endParaRPr lang="en-GB" sz="2800" noProof="0" dirty="0">
-              <a:latin typeface="Arial" panose="020B0604020202020204" pitchFamily="34" charset="0"/>
-              <a:cs typeface="Arial" panose="020B0604020202020204" pitchFamily="34" charset="0"/>
-            </a:endParaRPr>
-          </a:p>
-          <a:p>
-            <a:pPr marL="514350" indent="-514350">
-              <a:buFont typeface="Arial" panose="020B0604020202020204" pitchFamily="34" charset="0"/>
-              <a:buChar char="•"/>
-            </a:pPr>
-            <a:r>
-              <a:rPr lang="en-GB" sz="2800" b="1" i="1" noProof="0" dirty="0">
-                <a:solidFill>
-                  <a:schemeClr val="tx1"/>
-                </a:solidFill>
-                <a:latin typeface="Arial" panose="020B0604020202020204" pitchFamily="34" charset="0"/>
-                <a:cs typeface="Arial" panose="020B0604020202020204" pitchFamily="34" charset="0"/>
-              </a:rPr>
-              <a:t>Gender</a:t>
-            </a:r>
-            <a:r>
-              <a:rPr lang="en-GB" sz="2800" i="1" noProof="0" dirty="0">
-                <a:solidFill>
-                  <a:schemeClr val="tx1"/>
-                </a:solidFill>
-                <a:latin typeface="Arial" panose="020B0604020202020204" pitchFamily="34" charset="0"/>
-                <a:cs typeface="Arial" panose="020B0604020202020204" pitchFamily="34" charset="0"/>
-              </a:rPr>
-              <a:t>: </a:t>
-            </a:r>
-            <a:r>
-              <a:rPr lang="en-GB" sz="2800" noProof="0" dirty="0">
-                <a:latin typeface="Arial" panose="020B0604020202020204" pitchFamily="34" charset="0"/>
-                <a:cs typeface="Arial" panose="020B0604020202020204" pitchFamily="34" charset="0"/>
-              </a:rPr>
-              <a:t>Student's gender {</a:t>
-            </a:r>
-            <a:r>
-              <a:rPr lang="en-GB" sz="2800" u="sng" noProof="0" dirty="0">
-                <a:latin typeface="Arial" panose="020B0604020202020204" pitchFamily="34" charset="0"/>
-                <a:cs typeface="Arial" panose="020B0604020202020204" pitchFamily="34" charset="0"/>
-              </a:rPr>
-              <a:t>Male</a:t>
-            </a:r>
-            <a:r>
-              <a:rPr lang="en-GB" sz="2800" noProof="0" dirty="0">
-                <a:latin typeface="Arial" panose="020B0604020202020204" pitchFamily="34" charset="0"/>
-                <a:cs typeface="Arial" panose="020B0604020202020204" pitchFamily="34" charset="0"/>
-              </a:rPr>
-              <a:t>, </a:t>
-            </a:r>
-            <a:r>
-              <a:rPr lang="en-GB" sz="2800" u="sng" noProof="0" dirty="0">
-                <a:latin typeface="Arial" panose="020B0604020202020204" pitchFamily="34" charset="0"/>
-                <a:cs typeface="Arial" panose="020B0604020202020204" pitchFamily="34" charset="0"/>
-              </a:rPr>
-              <a:t>Female</a:t>
-            </a:r>
-            <a:r>
-              <a:rPr lang="en-GB" sz="2800" noProof="0" dirty="0">
-                <a:latin typeface="Arial" panose="020B0604020202020204" pitchFamily="34" charset="0"/>
-                <a:cs typeface="Arial" panose="020B0604020202020204" pitchFamily="34" charset="0"/>
-              </a:rPr>
-              <a:t>}.</a:t>
-            </a:r>
-          </a:p>
-          <a:p>
-            <a:pPr marL="514350" indent="-514350">
-              <a:buFont typeface="Arial" panose="020B0604020202020204" pitchFamily="34" charset="0"/>
-              <a:buChar char="•"/>
-            </a:pPr>
-            <a:endParaRPr lang="en-GB" sz="2800" noProof="0" dirty="0">
-              <a:latin typeface="Arial" panose="020B0604020202020204" pitchFamily="34" charset="0"/>
-              <a:cs typeface="Arial" panose="020B0604020202020204" pitchFamily="34" charset="0"/>
-            </a:endParaRPr>
-          </a:p>
-          <a:p>
-            <a:pPr marL="514350" indent="-514350">
-              <a:buFont typeface="Arial" panose="020B0604020202020204" pitchFamily="34" charset="0"/>
-              <a:buChar char="•"/>
-            </a:pPr>
-            <a:r>
-              <a:rPr lang="en-GB" sz="2800" b="1" i="1" noProof="0" dirty="0">
-                <a:solidFill>
-                  <a:schemeClr val="tx1"/>
-                </a:solidFill>
-                <a:latin typeface="Arial" panose="020B0604020202020204" pitchFamily="34" charset="0"/>
-                <a:cs typeface="Arial" panose="020B0604020202020204" pitchFamily="34" charset="0"/>
-              </a:rPr>
-              <a:t>Part time job</a:t>
-            </a:r>
-            <a:r>
-              <a:rPr lang="en-GB" sz="2800" i="1" noProof="0" dirty="0">
-                <a:solidFill>
-                  <a:schemeClr val="tx1"/>
-                </a:solidFill>
-                <a:latin typeface="Arial" panose="020B0604020202020204" pitchFamily="34" charset="0"/>
-                <a:cs typeface="Arial" panose="020B0604020202020204" pitchFamily="34" charset="0"/>
-              </a:rPr>
-              <a:t>: </a:t>
-            </a:r>
-            <a:r>
-              <a:rPr lang="en-GB" sz="2800" noProof="0" dirty="0"/>
-              <a:t>Indicates whether the student has a job alongside studies {</a:t>
-            </a:r>
-            <a:r>
-              <a:rPr lang="en-GB" sz="2800" u="sng" noProof="0" dirty="0"/>
-              <a:t>Yes</a:t>
-            </a:r>
-            <a:r>
-              <a:rPr lang="en-GB" sz="2800" noProof="0" dirty="0"/>
-              <a:t>, </a:t>
-            </a:r>
-            <a:r>
-              <a:rPr lang="en-GB" sz="2800" u="sng" noProof="0" dirty="0"/>
-              <a:t>No</a:t>
-            </a:r>
-            <a:r>
-              <a:rPr lang="en-GB" sz="2800" noProof="0" dirty="0"/>
-              <a:t>}.</a:t>
-            </a:r>
-          </a:p>
-          <a:p>
-            <a:pPr marL="514350" indent="-514350">
-              <a:buFont typeface="Arial" panose="020B0604020202020204" pitchFamily="34" charset="0"/>
-              <a:buChar char="•"/>
-            </a:pPr>
-            <a:endParaRPr lang="en-GB" sz="2800" noProof="0" dirty="0"/>
-          </a:p>
-          <a:p>
-            <a:pPr marL="514350" indent="-514350">
-              <a:buFont typeface="Arial" panose="020B0604020202020204" pitchFamily="34" charset="0"/>
-              <a:buChar char="•"/>
-            </a:pPr>
-            <a:r>
-              <a:rPr lang="en-GB" sz="2800" b="1" i="1" noProof="0" dirty="0">
-                <a:solidFill>
-                  <a:schemeClr val="tx1"/>
-                </a:solidFill>
-                <a:latin typeface="Arial" panose="020B0604020202020204" pitchFamily="34" charset="0"/>
-                <a:cs typeface="Arial" panose="020B0604020202020204" pitchFamily="34" charset="0"/>
-              </a:rPr>
-              <a:t>Diet quality: </a:t>
-            </a:r>
-            <a:r>
-              <a:rPr lang="en-GB" sz="2800" noProof="0" dirty="0">
-                <a:solidFill>
-                  <a:schemeClr val="tx1"/>
-                </a:solidFill>
-                <a:latin typeface="Arial" panose="020B0604020202020204" pitchFamily="34" charset="0"/>
-                <a:cs typeface="Arial" panose="020B0604020202020204" pitchFamily="34" charset="0"/>
-              </a:rPr>
-              <a:t>observed dietary quality {</a:t>
-            </a:r>
-            <a:r>
-              <a:rPr lang="en-GB" sz="2800" u="sng" noProof="0" dirty="0">
-                <a:solidFill>
-                  <a:schemeClr val="tx1"/>
-                </a:solidFill>
-                <a:latin typeface="Arial" panose="020B0604020202020204" pitchFamily="34" charset="0"/>
-                <a:cs typeface="Arial" panose="020B0604020202020204" pitchFamily="34" charset="0"/>
-              </a:rPr>
-              <a:t>Poor</a:t>
-            </a:r>
-            <a:r>
-              <a:rPr lang="en-GB" sz="2800" noProof="0" dirty="0">
-                <a:solidFill>
-                  <a:schemeClr val="tx1"/>
-                </a:solidFill>
-                <a:latin typeface="Arial" panose="020B0604020202020204" pitchFamily="34" charset="0"/>
-                <a:cs typeface="Arial" panose="020B0604020202020204" pitchFamily="34" charset="0"/>
-              </a:rPr>
-              <a:t>, </a:t>
-            </a:r>
-            <a:r>
-              <a:rPr lang="en-GB" sz="2800" u="sng" noProof="0" dirty="0">
-                <a:solidFill>
-                  <a:schemeClr val="tx1"/>
-                </a:solidFill>
-                <a:latin typeface="Arial" panose="020B0604020202020204" pitchFamily="34" charset="0"/>
-                <a:cs typeface="Arial" panose="020B0604020202020204" pitchFamily="34" charset="0"/>
-              </a:rPr>
-              <a:t>Fair</a:t>
-            </a:r>
-            <a:r>
-              <a:rPr lang="en-GB" sz="2800" noProof="0" dirty="0">
-                <a:solidFill>
-                  <a:schemeClr val="tx1"/>
-                </a:solidFill>
-                <a:latin typeface="Arial" panose="020B0604020202020204" pitchFamily="34" charset="0"/>
-                <a:cs typeface="Arial" panose="020B0604020202020204" pitchFamily="34" charset="0"/>
-              </a:rPr>
-              <a:t>, </a:t>
-            </a:r>
-            <a:r>
-              <a:rPr lang="en-GB" sz="2800" u="sng" noProof="0" dirty="0">
-                <a:solidFill>
-                  <a:schemeClr val="tx1"/>
-                </a:solidFill>
-                <a:latin typeface="Arial" panose="020B0604020202020204" pitchFamily="34" charset="0"/>
-                <a:cs typeface="Arial" panose="020B0604020202020204" pitchFamily="34" charset="0"/>
-              </a:rPr>
-              <a:t>Good</a:t>
-            </a:r>
-            <a:r>
-              <a:rPr lang="en-GB" sz="2800" noProof="0" dirty="0">
-                <a:solidFill>
-                  <a:schemeClr val="tx1"/>
-                </a:solidFill>
-                <a:latin typeface="Arial" panose="020B0604020202020204" pitchFamily="34" charset="0"/>
-                <a:cs typeface="Arial" panose="020B0604020202020204" pitchFamily="34" charset="0"/>
-              </a:rPr>
-              <a:t>}.</a:t>
-            </a:r>
-          </a:p>
-        </p:txBody>
-      </p:sp>
-    </p:spTree>
-    <p:extLst>
-      <p:ext uri="{BB962C8B-B14F-4D97-AF65-F5344CB8AC3E}">
-        <p14:creationId xmlns:p14="http://schemas.microsoft.com/office/powerpoint/2010/main" val="3236379767"/>
-      </p:ext>
-    </p:extLst>
-  </p:cSld>
-  <p:clrMapOvr>
-    <a:masterClrMapping/>
-  </p:clrMapOvr>
-</p:sld>
-</file>
-
-<file path=ppt/slides/slide30.xml><?xml version="1.0" encoding="utf-8"?>
+<file path=ppt/slides/slide38.xml><?xml version="1.0" encoding="utf-8"?>
 <p:sld xmlns:a="http://schemas.openxmlformats.org/drawingml/2006/main" xmlns:r="http://schemas.openxmlformats.org/officeDocument/2006/relationships" xmlns:p="http://schemas.openxmlformats.org/presentationml/2006/main">
   <p:cSld>
     <p:spTree>
@@ -8442,7 +12188,7 @@
 </p:sld>
 </file>
 
-<file path=ppt/slides/slide31.xml><?xml version="1.0" encoding="utf-8"?>
+<file path=ppt/slides/slide39.xml><?xml version="1.0" encoding="utf-8"?>
 <p:sld xmlns:a="http://schemas.openxmlformats.org/drawingml/2006/main" xmlns:r="http://schemas.openxmlformats.org/officeDocument/2006/relationships" xmlns:p="http://schemas.openxmlformats.org/presentationml/2006/main">
   <p:cSld>
     <p:spTree>
@@ -8621,7 +12367,409 @@
 </p:sld>
 </file>
 
-<file path=ppt/slides/slide32.xml><?xml version="1.0" encoding="utf-8"?>
+<file path=ppt/slides/slide4.xml><?xml version="1.0" encoding="utf-8"?>
+<p:sld xmlns:a="http://schemas.openxmlformats.org/drawingml/2006/main" xmlns:r="http://schemas.openxmlformats.org/officeDocument/2006/relationships" xmlns:p="http://schemas.openxmlformats.org/presentationml/2006/main">
+  <p:cSld>
+    <p:spTree>
+      <p:nvGrpSpPr>
+        <p:cNvPr id="1" name="">
+          <a:extLst>
+            <a:ext uri="{FF2B5EF4-FFF2-40B4-BE49-F238E27FC236}">
+              <a16:creationId xmlns:a16="http://schemas.microsoft.com/office/drawing/2014/main" id="{1FD0FCE6-4B42-BC86-47F0-7B27A62D6DAE}"/>
+            </a:ext>
+          </a:extLst>
+        </p:cNvPr>
+        <p:cNvGrpSpPr/>
+        <p:nvPr/>
+      </p:nvGrpSpPr>
+      <p:grpSpPr>
+        <a:xfrm>
+          <a:off x="0" y="0"/>
+          <a:ext cx="0" cy="0"/>
+          <a:chOff x="0" y="0"/>
+          <a:chExt cx="0" cy="0"/>
+        </a:xfrm>
+      </p:grpSpPr>
+      <p:sp>
+        <p:nvSpPr>
+          <p:cNvPr id="10" name="Titolo 9">
+            <a:extLst>
+              <a:ext uri="{FF2B5EF4-FFF2-40B4-BE49-F238E27FC236}">
+                <a16:creationId xmlns:a16="http://schemas.microsoft.com/office/drawing/2014/main" id="{D0E91C51-1B49-16F9-67F1-522B8F2A3E50}"/>
+              </a:ext>
+            </a:extLst>
+          </p:cNvPr>
+          <p:cNvSpPr>
+            <a:spLocks noGrp="1"/>
+          </p:cNvSpPr>
+          <p:nvPr>
+            <p:ph type="title"/>
+          </p:nvPr>
+        </p:nvSpPr>
+        <p:spPr>
+          <a:xfrm>
+            <a:off x="762000" y="457200"/>
+            <a:ext cx="5181599" cy="609600"/>
+          </a:xfrm>
+        </p:spPr>
+        <p:txBody>
+          <a:bodyPr/>
+          <a:lstStyle/>
+          <a:p>
+            <a:r>
+              <a:rPr lang="en-GB" noProof="0" dirty="0">
+                <a:latin typeface="Arial Black" panose="020B0A04020102020204" pitchFamily="34" charset="0"/>
+              </a:rPr>
+              <a:t>Dataset presentation</a:t>
+            </a:r>
+          </a:p>
+        </p:txBody>
+      </p:sp>
+      <p:sp>
+        <p:nvSpPr>
+          <p:cNvPr id="2" name="CasellaDiTesto 1">
+            <a:extLst>
+              <a:ext uri="{FF2B5EF4-FFF2-40B4-BE49-F238E27FC236}">
+                <a16:creationId xmlns:a16="http://schemas.microsoft.com/office/drawing/2014/main" id="{1EC86045-0568-9261-04B4-8A930EEDDE22}"/>
+              </a:ext>
+            </a:extLst>
+          </p:cNvPr>
+          <p:cNvSpPr txBox="1"/>
+          <p:nvPr/>
+        </p:nvSpPr>
+        <p:spPr>
+          <a:xfrm>
+            <a:off x="762000" y="1295400"/>
+            <a:ext cx="10287000" cy="523220"/>
+          </a:xfrm>
+          <a:prstGeom prst="rect">
+            <a:avLst/>
+          </a:prstGeom>
+          <a:noFill/>
+        </p:spPr>
+        <p:txBody>
+          <a:bodyPr wrap="square">
+            <a:spAutoFit/>
+          </a:bodyPr>
+          <a:lstStyle/>
+          <a:p>
+            <a:r>
+              <a:rPr lang="en-GB" sz="2800" noProof="0" dirty="0">
+                <a:latin typeface="Arial" panose="020B0604020202020204" pitchFamily="34" charset="0"/>
+                <a:cs typeface="Arial" panose="020B0604020202020204" pitchFamily="34" charset="0"/>
+              </a:rPr>
+              <a:t>The 7 </a:t>
+            </a:r>
+            <a:r>
+              <a:rPr lang="en-GB" sz="2800" b="1" noProof="0" dirty="0">
+                <a:solidFill>
+                  <a:srgbClr val="FF0000"/>
+                </a:solidFill>
+                <a:latin typeface="Arial" panose="020B0604020202020204" pitchFamily="34" charset="0"/>
+                <a:cs typeface="Arial" panose="020B0604020202020204" pitchFamily="34" charset="0"/>
+              </a:rPr>
+              <a:t>categorial</a:t>
+            </a:r>
+            <a:r>
+              <a:rPr lang="en-GB" sz="2800" noProof="0" dirty="0">
+                <a:latin typeface="Arial" panose="020B0604020202020204" pitchFamily="34" charset="0"/>
+                <a:cs typeface="Arial" panose="020B0604020202020204" pitchFamily="34" charset="0"/>
+              </a:rPr>
+              <a:t> are:</a:t>
+            </a:r>
+            <a:endParaRPr lang="en-GB" sz="2800" b="1" noProof="0" dirty="0">
+              <a:solidFill>
+                <a:srgbClr val="FF0000"/>
+              </a:solidFill>
+              <a:latin typeface="Arial" panose="020B0604020202020204" pitchFamily="34" charset="0"/>
+              <a:cs typeface="Arial" panose="020B0604020202020204" pitchFamily="34" charset="0"/>
+            </a:endParaRPr>
+          </a:p>
+        </p:txBody>
+      </p:sp>
+      <p:sp>
+        <p:nvSpPr>
+          <p:cNvPr id="4" name="CasellaDiTesto 3">
+            <a:extLst>
+              <a:ext uri="{FF2B5EF4-FFF2-40B4-BE49-F238E27FC236}">
+                <a16:creationId xmlns:a16="http://schemas.microsoft.com/office/drawing/2014/main" id="{D0F7065E-3178-3366-BB54-AAE51D54C035}"/>
+              </a:ext>
+            </a:extLst>
+          </p:cNvPr>
+          <p:cNvSpPr txBox="1"/>
+          <p:nvPr/>
+        </p:nvSpPr>
+        <p:spPr>
+          <a:xfrm>
+            <a:off x="762000" y="2305615"/>
+            <a:ext cx="11277600" cy="3539430"/>
+          </a:xfrm>
+          <a:prstGeom prst="rect">
+            <a:avLst/>
+          </a:prstGeom>
+          <a:noFill/>
+        </p:spPr>
+        <p:txBody>
+          <a:bodyPr wrap="square">
+            <a:spAutoFit/>
+          </a:bodyPr>
+          <a:lstStyle/>
+          <a:p>
+            <a:pPr marL="457200" indent="-457200">
+              <a:buFont typeface="Arial" panose="020B0604020202020204" pitchFamily="34" charset="0"/>
+              <a:buChar char="•"/>
+            </a:pPr>
+            <a:r>
+              <a:rPr lang="en-GB" sz="2800" b="1" i="1" noProof="0" dirty="0">
+                <a:solidFill>
+                  <a:schemeClr val="tx1"/>
+                </a:solidFill>
+                <a:latin typeface="Arial" panose="020B0604020202020204" pitchFamily="34" charset="0"/>
+                <a:cs typeface="Arial" panose="020B0604020202020204" pitchFamily="34" charset="0"/>
+              </a:rPr>
+              <a:t>Parental education level: </a:t>
+            </a:r>
+            <a:r>
+              <a:rPr lang="en-GB" sz="2800" noProof="0" dirty="0">
+                <a:latin typeface="Arial" panose="020B0604020202020204" pitchFamily="34" charset="0"/>
+                <a:cs typeface="Arial" panose="020B0604020202020204" pitchFamily="34" charset="0"/>
+              </a:rPr>
+              <a:t>Highest level of education attained by the student’s parents {</a:t>
+            </a:r>
+            <a:r>
+              <a:rPr lang="en-GB" sz="2800" u="sng" noProof="0" dirty="0">
+                <a:latin typeface="Arial" panose="020B0604020202020204" pitchFamily="34" charset="0"/>
+                <a:cs typeface="Arial" panose="020B0604020202020204" pitchFamily="34" charset="0"/>
+              </a:rPr>
+              <a:t>High School</a:t>
+            </a:r>
+            <a:r>
+              <a:rPr lang="en-GB" sz="2800" noProof="0" dirty="0">
+                <a:latin typeface="Arial" panose="020B0604020202020204" pitchFamily="34" charset="0"/>
+                <a:cs typeface="Arial" panose="020B0604020202020204" pitchFamily="34" charset="0"/>
+              </a:rPr>
+              <a:t>, </a:t>
+            </a:r>
+            <a:r>
+              <a:rPr lang="en-GB" sz="2800" u="sng" noProof="0" dirty="0">
+                <a:latin typeface="Arial" panose="020B0604020202020204" pitchFamily="34" charset="0"/>
+                <a:cs typeface="Arial" panose="020B0604020202020204" pitchFamily="34" charset="0"/>
+              </a:rPr>
+              <a:t>Bachelor</a:t>
+            </a:r>
+            <a:r>
+              <a:rPr lang="en-GB" sz="2800" noProof="0" dirty="0">
+                <a:latin typeface="Arial" panose="020B0604020202020204" pitchFamily="34" charset="0"/>
+                <a:cs typeface="Arial" panose="020B0604020202020204" pitchFamily="34" charset="0"/>
+              </a:rPr>
+              <a:t>, </a:t>
+            </a:r>
+            <a:r>
+              <a:rPr lang="en-GB" sz="2800" u="sng" noProof="0" dirty="0">
+                <a:latin typeface="Arial" panose="020B0604020202020204" pitchFamily="34" charset="0"/>
+                <a:cs typeface="Arial" panose="020B0604020202020204" pitchFamily="34" charset="0"/>
+              </a:rPr>
+              <a:t>Master</a:t>
+            </a:r>
+            <a:r>
+              <a:rPr lang="en-GB" sz="2800" noProof="0" dirty="0">
+                <a:latin typeface="Arial" panose="020B0604020202020204" pitchFamily="34" charset="0"/>
+                <a:cs typeface="Arial" panose="020B0604020202020204" pitchFamily="34" charset="0"/>
+              </a:rPr>
+              <a:t>, </a:t>
+            </a:r>
+            <a:r>
+              <a:rPr lang="en-GB" sz="2800" u="sng" noProof="0" dirty="0">
+                <a:latin typeface="Arial" panose="020B0604020202020204" pitchFamily="34" charset="0"/>
+                <a:cs typeface="Arial" panose="020B0604020202020204" pitchFamily="34" charset="0"/>
+              </a:rPr>
+              <a:t>PhD</a:t>
+            </a:r>
+            <a:r>
+              <a:rPr lang="en-GB" sz="2800" noProof="0" dirty="0">
+                <a:latin typeface="Arial" panose="020B0604020202020204" pitchFamily="34" charset="0"/>
+                <a:cs typeface="Arial" panose="020B0604020202020204" pitchFamily="34" charset="0"/>
+              </a:rPr>
+              <a:t>}.</a:t>
+            </a:r>
+          </a:p>
+          <a:p>
+            <a:pPr marL="457200" indent="-457200">
+              <a:buFont typeface="Arial" panose="020B0604020202020204" pitchFamily="34" charset="0"/>
+              <a:buChar char="•"/>
+            </a:pPr>
+            <a:endParaRPr lang="en-GB" sz="2800" noProof="0" dirty="0">
+              <a:latin typeface="Arial" panose="020B0604020202020204" pitchFamily="34" charset="0"/>
+              <a:cs typeface="Arial" panose="020B0604020202020204" pitchFamily="34" charset="0"/>
+            </a:endParaRPr>
+          </a:p>
+          <a:p>
+            <a:pPr marL="514350" indent="-514350">
+              <a:buFont typeface="Arial" panose="020B0604020202020204" pitchFamily="34" charset="0"/>
+              <a:buChar char="•"/>
+            </a:pPr>
+            <a:r>
+              <a:rPr lang="en-GB" sz="2800" b="1" i="1" noProof="0" dirty="0">
+                <a:solidFill>
+                  <a:schemeClr val="tx1"/>
+                </a:solidFill>
+                <a:latin typeface="Arial" panose="020B0604020202020204" pitchFamily="34" charset="0"/>
+                <a:cs typeface="Arial" panose="020B0604020202020204" pitchFamily="34" charset="0"/>
+              </a:rPr>
+              <a:t>Internet quality: </a:t>
+            </a:r>
+            <a:r>
+              <a:rPr lang="en-GB" sz="2800" noProof="0" dirty="0">
+                <a:latin typeface="Arial" panose="020B0604020202020204" pitchFamily="34" charset="0"/>
+                <a:cs typeface="Arial" panose="020B0604020202020204" pitchFamily="34" charset="0"/>
+              </a:rPr>
+              <a:t>Perceived internet connection quality at home {</a:t>
+            </a:r>
+            <a:r>
+              <a:rPr lang="en-GB" sz="2800" u="sng" noProof="0" dirty="0">
+                <a:latin typeface="Arial" panose="020B0604020202020204" pitchFamily="34" charset="0"/>
+                <a:cs typeface="Arial" panose="020B0604020202020204" pitchFamily="34" charset="0"/>
+              </a:rPr>
+              <a:t>Poor</a:t>
+            </a:r>
+            <a:r>
+              <a:rPr lang="en-GB" sz="2800" noProof="0" dirty="0">
+                <a:latin typeface="Arial" panose="020B0604020202020204" pitchFamily="34" charset="0"/>
+                <a:cs typeface="Arial" panose="020B0604020202020204" pitchFamily="34" charset="0"/>
+              </a:rPr>
+              <a:t>, </a:t>
+            </a:r>
+            <a:r>
+              <a:rPr lang="en-GB" sz="2800" u="sng" noProof="0" dirty="0">
+                <a:latin typeface="Arial" panose="020B0604020202020204" pitchFamily="34" charset="0"/>
+                <a:cs typeface="Arial" panose="020B0604020202020204" pitchFamily="34" charset="0"/>
+              </a:rPr>
+              <a:t>Average</a:t>
+            </a:r>
+            <a:r>
+              <a:rPr lang="en-GB" sz="2800" noProof="0" dirty="0">
+                <a:latin typeface="Arial" panose="020B0604020202020204" pitchFamily="34" charset="0"/>
+                <a:cs typeface="Arial" panose="020B0604020202020204" pitchFamily="34" charset="0"/>
+              </a:rPr>
+              <a:t>, </a:t>
+            </a:r>
+            <a:r>
+              <a:rPr lang="en-GB" sz="2800" u="sng" noProof="0" dirty="0">
+                <a:latin typeface="Arial" panose="020B0604020202020204" pitchFamily="34" charset="0"/>
+                <a:cs typeface="Arial" panose="020B0604020202020204" pitchFamily="34" charset="0"/>
+              </a:rPr>
+              <a:t>Good</a:t>
+            </a:r>
+            <a:r>
+              <a:rPr lang="en-GB" sz="2800" noProof="0" dirty="0">
+                <a:latin typeface="Arial" panose="020B0604020202020204" pitchFamily="34" charset="0"/>
+                <a:cs typeface="Arial" panose="020B0604020202020204" pitchFamily="34" charset="0"/>
+              </a:rPr>
+              <a:t>}.</a:t>
+            </a:r>
+          </a:p>
+          <a:p>
+            <a:pPr marL="514350" indent="-514350">
+              <a:buFont typeface="Arial" panose="020B0604020202020204" pitchFamily="34" charset="0"/>
+              <a:buChar char="•"/>
+            </a:pPr>
+            <a:endParaRPr lang="en-GB" sz="2800" noProof="0" dirty="0">
+              <a:latin typeface="Arial" panose="020B0604020202020204" pitchFamily="34" charset="0"/>
+              <a:cs typeface="Arial" panose="020B0604020202020204" pitchFamily="34" charset="0"/>
+            </a:endParaRPr>
+          </a:p>
+          <a:p>
+            <a:pPr marL="514350" indent="-514350">
+              <a:buFont typeface="Arial" panose="020B0604020202020204" pitchFamily="34" charset="0"/>
+              <a:buChar char="•"/>
+            </a:pPr>
+            <a:r>
+              <a:rPr lang="en-GB" sz="2800" b="1" i="1" noProof="0" dirty="0">
+                <a:solidFill>
+                  <a:schemeClr val="tx1"/>
+                </a:solidFill>
+                <a:latin typeface="Arial" panose="020B0604020202020204" pitchFamily="34" charset="0"/>
+                <a:cs typeface="Arial" panose="020B0604020202020204" pitchFamily="34" charset="0"/>
+              </a:rPr>
+              <a:t>Extracurricular participation:</a:t>
+            </a:r>
+            <a:r>
+              <a:rPr lang="en-GB" sz="2800" i="1" noProof="0" dirty="0">
+                <a:solidFill>
+                  <a:schemeClr val="tx1"/>
+                </a:solidFill>
+                <a:latin typeface="Arial" panose="020B0604020202020204" pitchFamily="34" charset="0"/>
+                <a:cs typeface="Arial" panose="020B0604020202020204" pitchFamily="34" charset="0"/>
+              </a:rPr>
+              <a:t> </a:t>
+            </a:r>
+            <a:r>
+              <a:rPr lang="en-GB" sz="2800" noProof="0" dirty="0">
+                <a:solidFill>
+                  <a:schemeClr val="tx1"/>
+                </a:solidFill>
+                <a:latin typeface="Arial" panose="020B0604020202020204" pitchFamily="34" charset="0"/>
+                <a:cs typeface="Arial" panose="020B0604020202020204" pitchFamily="34" charset="0"/>
+              </a:rPr>
+              <a:t>Whether the student participates in extracurricular activities {</a:t>
+            </a:r>
+            <a:r>
+              <a:rPr lang="en-GB" sz="2800" u="sng" noProof="0" dirty="0">
+                <a:solidFill>
+                  <a:schemeClr val="tx1"/>
+                </a:solidFill>
+                <a:latin typeface="Arial" panose="020B0604020202020204" pitchFamily="34" charset="0"/>
+                <a:cs typeface="Arial" panose="020B0604020202020204" pitchFamily="34" charset="0"/>
+              </a:rPr>
+              <a:t>Yes</a:t>
+            </a:r>
+            <a:r>
+              <a:rPr lang="en-GB" sz="2800" noProof="0" dirty="0">
+                <a:solidFill>
+                  <a:schemeClr val="tx1"/>
+                </a:solidFill>
+                <a:latin typeface="Arial" panose="020B0604020202020204" pitchFamily="34" charset="0"/>
+                <a:cs typeface="Arial" panose="020B0604020202020204" pitchFamily="34" charset="0"/>
+              </a:rPr>
+              <a:t>, </a:t>
+            </a:r>
+            <a:r>
+              <a:rPr lang="en-GB" sz="2800" u="sng" noProof="0" dirty="0">
+                <a:solidFill>
+                  <a:schemeClr val="tx1"/>
+                </a:solidFill>
+                <a:latin typeface="Arial" panose="020B0604020202020204" pitchFamily="34" charset="0"/>
+                <a:cs typeface="Arial" panose="020B0604020202020204" pitchFamily="34" charset="0"/>
+              </a:rPr>
+              <a:t>No</a:t>
+            </a:r>
+            <a:r>
+              <a:rPr lang="en-GB" sz="2800" noProof="0" dirty="0">
+                <a:solidFill>
+                  <a:schemeClr val="tx1"/>
+                </a:solidFill>
+                <a:latin typeface="Arial" panose="020B0604020202020204" pitchFamily="34" charset="0"/>
+                <a:cs typeface="Arial" panose="020B0604020202020204" pitchFamily="34" charset="0"/>
+              </a:rPr>
+              <a:t>}.</a:t>
+            </a:r>
+          </a:p>
+        </p:txBody>
+      </p:sp>
+    </p:spTree>
+    <p:extLst>
+      <p:ext uri="{BB962C8B-B14F-4D97-AF65-F5344CB8AC3E}">
+        <p14:creationId xmlns:p14="http://schemas.microsoft.com/office/powerpoint/2010/main" val="1551060574"/>
+      </p:ext>
+    </p:extLst>
+  </p:cSld>
+  <p:clrMapOvr>
+    <a:masterClrMapping/>
+  </p:clrMapOvr>
+</p:sld>
+</file>
+
+<file path=ppt/slides/slide40.xml><?xml version="1.0" encoding="utf-8"?>
 <p:sld xmlns:a="http://schemas.openxmlformats.org/drawingml/2006/main" xmlns:r="http://schemas.openxmlformats.org/officeDocument/2006/relationships" xmlns:p="http://schemas.openxmlformats.org/presentationml/2006/main">
   <p:cSld>
     <p:spTree>
@@ -8832,7 +12980,7 @@
 </p:sld>
 </file>
 
-<file path=ppt/slides/slide33.xml><?xml version="1.0" encoding="utf-8"?>
+<file path=ppt/slides/slide41.xml><?xml version="1.0" encoding="utf-8"?>
 <p:sld xmlns:a="http://schemas.openxmlformats.org/drawingml/2006/main" xmlns:r="http://schemas.openxmlformats.org/officeDocument/2006/relationships" xmlns:p="http://schemas.openxmlformats.org/presentationml/2006/main">
   <p:cSld>
     <p:spTree>
@@ -9061,7 +13209,7 @@
 </p:sld>
 </file>
 
-<file path=ppt/slides/slide34.xml><?xml version="1.0" encoding="utf-8"?>
+<file path=ppt/slides/slide42.xml><?xml version="1.0" encoding="utf-8"?>
 <p:sld xmlns:a="http://schemas.openxmlformats.org/drawingml/2006/main" xmlns:r="http://schemas.openxmlformats.org/officeDocument/2006/relationships" xmlns:p="http://schemas.openxmlformats.org/presentationml/2006/main">
   <p:cSld>
     <p:spTree>
@@ -9337,7 +13485,7 @@
 </p:sld>
 </file>
 
-<file path=ppt/slides/slide35.xml><?xml version="1.0" encoding="utf-8"?>
+<file path=ppt/slides/slide43.xml><?xml version="1.0" encoding="utf-8"?>
 <p:sld xmlns:a="http://schemas.openxmlformats.org/drawingml/2006/main" xmlns:r="http://schemas.openxmlformats.org/officeDocument/2006/relationships" xmlns:p="http://schemas.openxmlformats.org/presentationml/2006/main">
   <p:cSld>
     <p:spTree>
@@ -9749,7 +13897,7 @@
 </p:sld>
 </file>
 
-<file path=ppt/slides/slide36.xml><?xml version="1.0" encoding="utf-8"?>
+<file path=ppt/slides/slide44.xml><?xml version="1.0" encoding="utf-8"?>
 <p:sld xmlns:a="http://schemas.openxmlformats.org/drawingml/2006/main" xmlns:r="http://schemas.openxmlformats.org/officeDocument/2006/relationships" xmlns:p="http://schemas.openxmlformats.org/presentationml/2006/main">
   <p:cSld>
     <p:spTree>
@@ -10110,7 +14258,7 @@
 </p:sld>
 </file>
 
-<file path=ppt/slides/slide37.xml><?xml version="1.0" encoding="utf-8"?>
+<file path=ppt/slides/slide45.xml><?xml version="1.0" encoding="utf-8"?>
 <p:sld xmlns:a="http://schemas.openxmlformats.org/drawingml/2006/main" xmlns:r="http://schemas.openxmlformats.org/officeDocument/2006/relationships" xmlns:p="http://schemas.openxmlformats.org/presentationml/2006/main">
   <p:cSld>
     <p:spTree>
@@ -10303,7 +14451,7 @@
 </p:sld>
 </file>
 
-<file path=ppt/slides/slide4.xml><?xml version="1.0" encoding="utf-8"?>
+<file path=ppt/slides/slide46.xml><?xml version="1.0" encoding="utf-8"?>
 <p:sld xmlns:a="http://schemas.openxmlformats.org/drawingml/2006/main" xmlns:r="http://schemas.openxmlformats.org/officeDocument/2006/relationships" xmlns:p="http://schemas.openxmlformats.org/presentationml/2006/main">
   <p:cSld>
     <p:spTree>
@@ -10311,7 +14459,7 @@
         <p:cNvPr id="1" name="">
           <a:extLst>
             <a:ext uri="{FF2B5EF4-FFF2-40B4-BE49-F238E27FC236}">
-              <a16:creationId xmlns:a16="http://schemas.microsoft.com/office/drawing/2014/main" id="{1FD0FCE6-4B42-BC86-47F0-7B27A62D6DAE}"/>
+              <a16:creationId xmlns:a16="http://schemas.microsoft.com/office/drawing/2014/main" id="{1A1F7207-9ECF-91B6-6599-832C9B4BE256}"/>
             </a:ext>
           </a:extLst>
         </p:cNvPr>
@@ -10331,7 +14479,7 @@
           <p:cNvPr id="10" name="Titolo 9">
             <a:extLst>
               <a:ext uri="{FF2B5EF4-FFF2-40B4-BE49-F238E27FC236}">
-                <a16:creationId xmlns:a16="http://schemas.microsoft.com/office/drawing/2014/main" id="{D0E91C51-1B49-16F9-67F1-522B8F2A3E50}"/>
+                <a16:creationId xmlns:a16="http://schemas.microsoft.com/office/drawing/2014/main" id="{BECAB554-D32E-2101-13FC-E60626C635C7}"/>
               </a:ext>
             </a:extLst>
           </p:cNvPr>
@@ -10345,7 +14493,7 @@
         <p:spPr>
           <a:xfrm>
             <a:off x="762000" y="457200"/>
-            <a:ext cx="5181599" cy="609600"/>
+            <a:ext cx="6400800" cy="538609"/>
           </a:xfrm>
         </p:spPr>
         <p:txBody>
@@ -10356,17 +14504,17 @@
               <a:rPr lang="en-GB" noProof="0" dirty="0">
                 <a:latin typeface="Arial Black" panose="020B0A04020102020204" pitchFamily="34" charset="0"/>
               </a:rPr>
-              <a:t>Dataset presentation</a:t>
+              <a:t>Newton method</a:t>
             </a:r>
           </a:p>
         </p:txBody>
       </p:sp>
       <p:sp>
         <p:nvSpPr>
-          <p:cNvPr id="2" name="CasellaDiTesto 1">
+          <p:cNvPr id="4" name="CasellaDiTesto 3">
             <a:extLst>
               <a:ext uri="{FF2B5EF4-FFF2-40B4-BE49-F238E27FC236}">
-                <a16:creationId xmlns:a16="http://schemas.microsoft.com/office/drawing/2014/main" id="{1EC86045-0568-9261-04B4-8A930EEDDE22}"/>
+                <a16:creationId xmlns:a16="http://schemas.microsoft.com/office/drawing/2014/main" id="{C3AE637D-0A70-FF7F-D6D1-91819CEFFD52}"/>
               </a:ext>
             </a:extLst>
           </p:cNvPr>
@@ -10375,8 +14523,8 @@
         </p:nvSpPr>
         <p:spPr>
           <a:xfrm>
-            <a:off x="762000" y="1295400"/>
-            <a:ext cx="10287000" cy="523220"/>
+            <a:off x="762000" y="2057400"/>
+            <a:ext cx="10515600" cy="954107"/>
           </a:xfrm>
           <a:prstGeom prst="rect">
             <a:avLst/>
@@ -10390,45 +14538,590 @@
           <a:lstStyle/>
           <a:p>
             <a:r>
-              <a:rPr lang="en-GB" sz="2800" noProof="0" dirty="0">
+              <a:rPr lang="en-GB" sz="2800" dirty="0">
                 <a:latin typeface="Arial" panose="020B0604020202020204" pitchFamily="34" charset="0"/>
                 <a:cs typeface="Arial" panose="020B0604020202020204" pitchFamily="34" charset="0"/>
               </a:rPr>
-              <a:t>The 7 </a:t>
-            </a:r>
-            <a:r>
-              <a:rPr lang="en-GB" sz="2800" b="1" noProof="0" dirty="0">
-                <a:solidFill>
-                  <a:srgbClr val="FF0000"/>
-                </a:solidFill>
+              <a:t>Finally we </a:t>
+            </a:r>
+            <a:r>
+              <a:rPr lang="en-US" sz="2800" dirty="0">
                 <a:latin typeface="Arial" panose="020B0604020202020204" pitchFamily="34" charset="0"/>
                 <a:cs typeface="Arial" panose="020B0604020202020204" pitchFamily="34" charset="0"/>
               </a:rPr>
-              <a:t>categorial</a:t>
-            </a:r>
-            <a:r>
-              <a:rPr lang="en-GB" sz="2800" noProof="0" dirty="0">
+              <a:t>Implement multivariate linear regression via the </a:t>
+            </a:r>
+            <a:r>
+              <a:rPr lang="en-US" sz="2800" i="1" dirty="0">
                 <a:latin typeface="Arial" panose="020B0604020202020204" pitchFamily="34" charset="0"/>
                 <a:cs typeface="Arial" panose="020B0604020202020204" pitchFamily="34" charset="0"/>
               </a:rPr>
-              <a:t> are:</a:t>
-            </a:r>
-            <a:endParaRPr lang="en-GB" sz="2800" b="1" noProof="0" dirty="0">
-              <a:solidFill>
-                <a:srgbClr val="FF0000"/>
-              </a:solidFill>
+              <a:t>Newton method </a:t>
+            </a:r>
+            <a:endParaRPr lang="en-GB" sz="2800" i="1" noProof="0" dirty="0">
               <a:latin typeface="Arial" panose="020B0604020202020204" pitchFamily="34" charset="0"/>
               <a:cs typeface="Arial" panose="020B0604020202020204" pitchFamily="34" charset="0"/>
             </a:endParaRPr>
+          </a:p>
+        </p:txBody>
+      </p:sp>
+      <mc:AlternateContent xmlns:mc="http://schemas.openxmlformats.org/markup-compatibility/2006" xmlns:a14="http://schemas.microsoft.com/office/drawing/2010/main">
+        <mc:Choice Requires="a14">
+          <p:sp>
+            <p:nvSpPr>
+              <p:cNvPr id="2" name="CasellaDiTesto 1">
+                <a:extLst>
+                  <a:ext uri="{FF2B5EF4-FFF2-40B4-BE49-F238E27FC236}">
+                    <a16:creationId xmlns:a16="http://schemas.microsoft.com/office/drawing/2014/main" id="{DE369922-B0AF-1E9C-395E-A2BEB8C55074}"/>
+                  </a:ext>
+                </a:extLst>
+              </p:cNvPr>
+              <p:cNvSpPr txBox="1"/>
+              <p:nvPr/>
+            </p:nvSpPr>
+            <p:spPr>
+              <a:xfrm>
+                <a:off x="762000" y="3733800"/>
+                <a:ext cx="10515600" cy="523220"/>
+              </a:xfrm>
+              <a:prstGeom prst="rect">
+                <a:avLst/>
+              </a:prstGeom>
+              <a:noFill/>
+            </p:spPr>
+            <p:txBody>
+              <a:bodyPr wrap="square">
+                <a:spAutoFit/>
+              </a:bodyPr>
+              <a:lstStyle/>
+              <a:p>
+                <a:r>
+                  <a:rPr lang="en-GB" sz="2800" dirty="0">
+                    <a:latin typeface="Arial" panose="020B0604020202020204" pitchFamily="34" charset="0"/>
+                    <a:cs typeface="Arial" panose="020B0604020202020204" pitchFamily="34" charset="0"/>
+                  </a:rPr>
+                  <a:t>We first compute the </a:t>
+                </a:r>
+                <a:r>
+                  <a:rPr lang="en-US" sz="2800" dirty="0">
+                    <a:latin typeface="Arial" panose="020B0604020202020204" pitchFamily="34" charset="0"/>
+                    <a:cs typeface="Arial" panose="020B0604020202020204" pitchFamily="34" charset="0"/>
+                  </a:rPr>
+                  <a:t>Hessian matrix:  </a:t>
+                </a:r>
+                <a14:m>
+                  <m:oMath xmlns:m="http://schemas.openxmlformats.org/officeDocument/2006/math">
+                    <m:sSup>
+                      <m:sSupPr>
+                        <m:ctrlPr>
+                          <a:rPr lang="en-US" sz="2800" i="1" smtClean="0">
+                            <a:solidFill>
+                              <a:schemeClr val="tx1"/>
+                            </a:solidFill>
+                            <a:latin typeface="Cambria Math" panose="02040503050406030204" pitchFamily="18" charset="0"/>
+                          </a:rPr>
+                        </m:ctrlPr>
+                      </m:sSupPr>
+                      <m:e>
+                        <m:r>
+                          <m:rPr>
+                            <m:sty m:val="p"/>
+                          </m:rPr>
+                          <a:rPr lang="en-US" sz="2800" i="1" smtClean="0">
+                            <a:solidFill>
+                              <a:schemeClr val="tx1"/>
+                            </a:solidFill>
+                            <a:latin typeface="Cambria Math" panose="02040503050406030204" pitchFamily="18" charset="0"/>
+                          </a:rPr>
+                          <m:t>∇</m:t>
+                        </m:r>
+                      </m:e>
+                      <m:sup>
+                        <m:r>
+                          <a:rPr lang="en-US" sz="2800" i="1" smtClean="0">
+                            <a:solidFill>
+                              <a:schemeClr val="tx1"/>
+                            </a:solidFill>
+                            <a:latin typeface="Cambria Math" panose="02040503050406030204" pitchFamily="18" charset="0"/>
+                          </a:rPr>
+                          <m:t>2</m:t>
+                        </m:r>
+                      </m:sup>
+                    </m:sSup>
+                    <m:r>
+                      <a:rPr lang="en-US" sz="2800" i="1" smtClean="0">
+                        <a:solidFill>
+                          <a:schemeClr val="tx1"/>
+                        </a:solidFill>
+                        <a:latin typeface="Cambria Math" panose="02040503050406030204" pitchFamily="18" charset="0"/>
+                      </a:rPr>
+                      <m:t>𝑓</m:t>
+                    </m:r>
+                    <m:d>
+                      <m:dPr>
+                        <m:ctrlPr>
+                          <a:rPr lang="en-US" sz="2800" i="1" smtClean="0">
+                            <a:solidFill>
+                              <a:schemeClr val="tx1"/>
+                            </a:solidFill>
+                            <a:latin typeface="Cambria Math" panose="02040503050406030204" pitchFamily="18" charset="0"/>
+                          </a:rPr>
+                        </m:ctrlPr>
+                      </m:dPr>
+                      <m:e>
+                        <m:r>
+                          <a:rPr lang="en-US" sz="2800" i="1" smtClean="0">
+                            <a:solidFill>
+                              <a:schemeClr val="tx1"/>
+                            </a:solidFill>
+                            <a:latin typeface="Cambria Math" panose="02040503050406030204" pitchFamily="18" charset="0"/>
+                          </a:rPr>
+                          <m:t>𝑥</m:t>
+                        </m:r>
+                      </m:e>
+                    </m:d>
+                    <m:r>
+                      <a:rPr lang="en-US" sz="2800" i="1" smtClean="0">
+                        <a:solidFill>
+                          <a:schemeClr val="tx1"/>
+                        </a:solidFill>
+                        <a:latin typeface="Cambria Math" panose="02040503050406030204" pitchFamily="18" charset="0"/>
+                      </a:rPr>
+                      <m:t>=</m:t>
+                    </m:r>
+                    <m:sSup>
+                      <m:sSupPr>
+                        <m:ctrlPr>
+                          <a:rPr lang="en-US" sz="2800" i="1" smtClean="0">
+                            <a:solidFill>
+                              <a:schemeClr val="tx1"/>
+                            </a:solidFill>
+                            <a:latin typeface="Cambria Math" panose="02040503050406030204" pitchFamily="18" charset="0"/>
+                          </a:rPr>
+                        </m:ctrlPr>
+                      </m:sSupPr>
+                      <m:e>
+                        <m:r>
+                          <a:rPr lang="en-US" sz="2800" i="1" smtClean="0">
+                            <a:solidFill>
+                              <a:schemeClr val="tx1"/>
+                            </a:solidFill>
+                            <a:latin typeface="Cambria Math" panose="02040503050406030204" pitchFamily="18" charset="0"/>
+                          </a:rPr>
+                          <m:t>𝐴</m:t>
+                        </m:r>
+                      </m:e>
+                      <m:sup>
+                        <m:r>
+                          <a:rPr lang="en-US" sz="2800" i="1" smtClean="0">
+                            <a:solidFill>
+                              <a:schemeClr val="tx1"/>
+                            </a:solidFill>
+                            <a:latin typeface="Cambria Math" panose="02040503050406030204" pitchFamily="18" charset="0"/>
+                          </a:rPr>
+                          <m:t>𝑇</m:t>
+                        </m:r>
+                      </m:sup>
+                    </m:sSup>
+                    <m:r>
+                      <a:rPr lang="en-US" sz="2800" i="1" smtClean="0">
+                        <a:solidFill>
+                          <a:schemeClr val="tx1"/>
+                        </a:solidFill>
+                        <a:latin typeface="Cambria Math" panose="02040503050406030204" pitchFamily="18" charset="0"/>
+                      </a:rPr>
+                      <m:t>𝐴</m:t>
+                    </m:r>
+                  </m:oMath>
+                </a14:m>
+                <a:endParaRPr lang="en-GB" sz="2800" i="1" noProof="0" dirty="0">
+                  <a:latin typeface="Arial" panose="020B0604020202020204" pitchFamily="34" charset="0"/>
+                  <a:cs typeface="Arial" panose="020B0604020202020204" pitchFamily="34" charset="0"/>
+                </a:endParaRPr>
+              </a:p>
+            </p:txBody>
+          </p:sp>
+        </mc:Choice>
+        <mc:Fallback xmlns="">
+          <p:sp>
+            <p:nvSpPr>
+              <p:cNvPr id="2" name="CasellaDiTesto 1">
+                <a:extLst>
+                  <a:ext uri="{FF2B5EF4-FFF2-40B4-BE49-F238E27FC236}">
+                    <a16:creationId xmlns:a16="http://schemas.microsoft.com/office/drawing/2014/main" id="{DE369922-B0AF-1E9C-395E-A2BEB8C55074}"/>
+                  </a:ext>
+                </a:extLst>
+              </p:cNvPr>
+              <p:cNvSpPr txBox="1">
+                <a:spLocks noRot="1" noChangeAspect="1" noMove="1" noResize="1" noEditPoints="1" noAdjustHandles="1" noChangeArrowheads="1" noChangeShapeType="1" noTextEdit="1"/>
+              </p:cNvSpPr>
+              <p:nvPr/>
+            </p:nvSpPr>
+            <p:spPr>
+              <a:xfrm>
+                <a:off x="762000" y="3733800"/>
+                <a:ext cx="10515600" cy="523220"/>
+              </a:xfrm>
+              <a:prstGeom prst="rect">
+                <a:avLst/>
+              </a:prstGeom>
+              <a:blipFill>
+                <a:blip r:embed="rId2"/>
+                <a:stretch>
+                  <a:fillRect l="-1159" t="-12941" b="-31765"/>
+                </a:stretch>
+              </a:blipFill>
+            </p:spPr>
+            <p:txBody>
+              <a:bodyPr/>
+              <a:lstStyle/>
+              <a:p>
+                <a:r>
+                  <a:rPr lang="it-IT">
+                    <a:noFill/>
+                  </a:rPr>
+                  <a:t> </a:t>
+                </a:r>
+              </a:p>
+            </p:txBody>
+          </p:sp>
+        </mc:Fallback>
+      </mc:AlternateContent>
+    </p:spTree>
+    <p:extLst>
+      <p:ext uri="{BB962C8B-B14F-4D97-AF65-F5344CB8AC3E}">
+        <p14:creationId xmlns:p14="http://schemas.microsoft.com/office/powerpoint/2010/main" val="3661902505"/>
+      </p:ext>
+    </p:extLst>
+  </p:cSld>
+  <p:clrMapOvr>
+    <a:masterClrMapping/>
+  </p:clrMapOvr>
+</p:sld>
+</file>
+
+<file path=ppt/slides/slide47.xml><?xml version="1.0" encoding="utf-8"?>
+<p:sld xmlns:a="http://schemas.openxmlformats.org/drawingml/2006/main" xmlns:r="http://schemas.openxmlformats.org/officeDocument/2006/relationships" xmlns:p="http://schemas.openxmlformats.org/presentationml/2006/main">
+  <p:cSld>
+    <p:spTree>
+      <p:nvGrpSpPr>
+        <p:cNvPr id="1" name="">
+          <a:extLst>
+            <a:ext uri="{FF2B5EF4-FFF2-40B4-BE49-F238E27FC236}">
+              <a16:creationId xmlns:a16="http://schemas.microsoft.com/office/drawing/2014/main" id="{7EB16C53-5287-D416-D9D9-73945F606126}"/>
+            </a:ext>
+          </a:extLst>
+        </p:cNvPr>
+        <p:cNvGrpSpPr/>
+        <p:nvPr/>
+      </p:nvGrpSpPr>
+      <p:grpSpPr>
+        <a:xfrm>
+          <a:off x="0" y="0"/>
+          <a:ext cx="0" cy="0"/>
+          <a:chOff x="0" y="0"/>
+          <a:chExt cx="0" cy="0"/>
+        </a:xfrm>
+      </p:grpSpPr>
+      <p:sp>
+        <p:nvSpPr>
+          <p:cNvPr id="10" name="Titolo 9">
+            <a:extLst>
+              <a:ext uri="{FF2B5EF4-FFF2-40B4-BE49-F238E27FC236}">
+                <a16:creationId xmlns:a16="http://schemas.microsoft.com/office/drawing/2014/main" id="{01A26ABE-0366-9522-4665-684850E365B1}"/>
+              </a:ext>
+            </a:extLst>
+          </p:cNvPr>
+          <p:cNvSpPr>
+            <a:spLocks noGrp="1"/>
+          </p:cNvSpPr>
+          <p:nvPr>
+            <p:ph type="title"/>
+          </p:nvPr>
+        </p:nvSpPr>
+        <p:spPr>
+          <a:xfrm>
+            <a:off x="762000" y="457200"/>
+            <a:ext cx="6400800" cy="538609"/>
+          </a:xfrm>
+        </p:spPr>
+        <p:txBody>
+          <a:bodyPr/>
+          <a:lstStyle/>
+          <a:p>
+            <a:r>
+              <a:rPr lang="en-GB" noProof="0" dirty="0">
+                <a:latin typeface="Arial Black" panose="020B0A04020102020204" pitchFamily="34" charset="0"/>
+              </a:rPr>
+              <a:t>Hessian Diagnostics</a:t>
+            </a:r>
+          </a:p>
+        </p:txBody>
+      </p:sp>
+      <p:pic>
+        <p:nvPicPr>
+          <p:cNvPr id="5" name="Immagine 4">
+            <a:extLst>
+              <a:ext uri="{FF2B5EF4-FFF2-40B4-BE49-F238E27FC236}">
+                <a16:creationId xmlns:a16="http://schemas.microsoft.com/office/drawing/2014/main" id="{86B7ECDB-A206-FCE2-560E-E22373020FCC}"/>
+              </a:ext>
+            </a:extLst>
+          </p:cNvPr>
+          <p:cNvPicPr>
+            <a:picLocks noChangeAspect="1"/>
+          </p:cNvPicPr>
+          <p:nvPr/>
+        </p:nvPicPr>
+        <p:blipFill>
+          <a:blip r:embed="rId2"/>
+          <a:stretch>
+            <a:fillRect/>
+          </a:stretch>
+        </p:blipFill>
+        <p:spPr>
+          <a:xfrm>
+            <a:off x="762000" y="1295400"/>
+            <a:ext cx="11172448" cy="3692351"/>
+          </a:xfrm>
+          <a:prstGeom prst="rect">
+            <a:avLst/>
+          </a:prstGeom>
+        </p:spPr>
+      </p:pic>
+      <mc:AlternateContent xmlns:mc="http://schemas.openxmlformats.org/markup-compatibility/2006" xmlns:a14="http://schemas.microsoft.com/office/drawing/2010/main">
+        <mc:Choice Requires="a14">
+          <p:sp>
+            <p:nvSpPr>
+              <p:cNvPr id="6" name="CasellaDiTesto 5">
+                <a:extLst>
+                  <a:ext uri="{FF2B5EF4-FFF2-40B4-BE49-F238E27FC236}">
+                    <a16:creationId xmlns:a16="http://schemas.microsoft.com/office/drawing/2014/main" id="{65C2AE1B-1F9F-4D45-A4BE-3323E56B025F}"/>
+                  </a:ext>
+                </a:extLst>
+              </p:cNvPr>
+              <p:cNvSpPr txBox="1"/>
+              <p:nvPr/>
+            </p:nvSpPr>
+            <p:spPr>
+              <a:xfrm>
+                <a:off x="762000" y="4987751"/>
+                <a:ext cx="10515600" cy="523220"/>
+              </a:xfrm>
+              <a:prstGeom prst="rect">
+                <a:avLst/>
+              </a:prstGeom>
+              <a:noFill/>
+            </p:spPr>
+            <p:txBody>
+              <a:bodyPr wrap="square">
+                <a:spAutoFit/>
+              </a:bodyPr>
+              <a:lstStyle/>
+              <a:p>
+                <a:r>
+                  <a:rPr lang="en-US" sz="2800" dirty="0">
+                    <a:latin typeface="Arial" panose="020B0604020202020204" pitchFamily="34" charset="0"/>
+                    <a:cs typeface="Arial" panose="020B0604020202020204" pitchFamily="34" charset="0"/>
+                  </a:rPr>
+                  <a:t>Determinant of Hessian: </a:t>
+                </a:r>
+                <a14:m>
+                  <m:oMath xmlns:m="http://schemas.openxmlformats.org/officeDocument/2006/math">
+                    <m:r>
+                      <a:rPr lang="it-IT" sz="2800" b="0" i="1" smtClean="0">
+                        <a:latin typeface="Cambria Math" panose="02040503050406030204" pitchFamily="18" charset="0"/>
+                        <a:cs typeface="Arial" panose="020B0604020202020204" pitchFamily="34" charset="0"/>
+                      </a:rPr>
+                      <m:t>4,17</m:t>
+                    </m:r>
+                    <m:r>
+                      <a:rPr lang="en-US" sz="2800" i="1" smtClean="0">
+                        <a:latin typeface="Cambria Math" panose="02040503050406030204" pitchFamily="18" charset="0"/>
+                      </a:rPr>
+                      <m:t>⋅</m:t>
+                    </m:r>
+                    <m:sSup>
+                      <m:sSupPr>
+                        <m:ctrlPr>
+                          <a:rPr lang="en-US" sz="2800" i="1" smtClean="0">
+                            <a:solidFill>
+                              <a:srgbClr val="836967"/>
+                            </a:solidFill>
+                            <a:latin typeface="Cambria Math" panose="02040503050406030204" pitchFamily="18" charset="0"/>
+                          </a:rPr>
+                        </m:ctrlPr>
+                      </m:sSupPr>
+                      <m:e>
+                        <m:r>
+                          <a:rPr lang="en-US" sz="2800" i="1" smtClean="0">
+                            <a:latin typeface="Cambria Math" panose="02040503050406030204" pitchFamily="18" charset="0"/>
+                          </a:rPr>
+                          <m:t>10</m:t>
+                        </m:r>
+                      </m:e>
+                      <m:sup>
+                        <m:r>
+                          <a:rPr lang="en-US" sz="2800" i="1" smtClean="0">
+                            <a:latin typeface="Cambria Math" panose="02040503050406030204" pitchFamily="18" charset="0"/>
+                          </a:rPr>
+                          <m:t>26</m:t>
+                        </m:r>
+                      </m:sup>
+                    </m:sSup>
+                  </m:oMath>
+                </a14:m>
+                <a:r>
+                  <a:rPr lang="en-US" sz="2800" dirty="0">
+                    <a:latin typeface="Arial" panose="020B0604020202020204" pitchFamily="34" charset="0"/>
+                    <a:cs typeface="Arial" panose="020B0604020202020204" pitchFamily="34" charset="0"/>
+                  </a:rPr>
+                  <a:t> </a:t>
+                </a:r>
+                <a:r>
+                  <a:rPr lang="en-US" sz="2800" dirty="0">
+                    <a:latin typeface="Arial" panose="020B0604020202020204" pitchFamily="34" charset="0"/>
+                    <a:cs typeface="Arial" panose="020B0604020202020204" pitchFamily="34" charset="0"/>
+                    <a:sym typeface="Wingdings" panose="05000000000000000000" pitchFamily="2" charset="2"/>
+                  </a:rPr>
+                  <a:t> </a:t>
+                </a:r>
+                <a:r>
+                  <a:rPr lang="en-US" sz="2800" b="1" dirty="0">
+                    <a:latin typeface="Arial" panose="020B0604020202020204" pitchFamily="34" charset="0"/>
+                    <a:cs typeface="Arial" panose="020B0604020202020204" pitchFamily="34" charset="0"/>
+                  </a:rPr>
+                  <a:t>Hessian is invertible</a:t>
+                </a:r>
+                <a:endParaRPr lang="en-GB" sz="2800" b="1" i="1" noProof="0" dirty="0">
+                  <a:latin typeface="Arial" panose="020B0604020202020204" pitchFamily="34" charset="0"/>
+                  <a:cs typeface="Arial" panose="020B0604020202020204" pitchFamily="34" charset="0"/>
+                </a:endParaRPr>
+              </a:p>
+            </p:txBody>
+          </p:sp>
+        </mc:Choice>
+        <mc:Fallback xmlns="">
+          <p:sp>
+            <p:nvSpPr>
+              <p:cNvPr id="6" name="CasellaDiTesto 5">
+                <a:extLst>
+                  <a:ext uri="{FF2B5EF4-FFF2-40B4-BE49-F238E27FC236}">
+                    <a16:creationId xmlns:a16="http://schemas.microsoft.com/office/drawing/2014/main" id="{65C2AE1B-1F9F-4D45-A4BE-3323E56B025F}"/>
+                  </a:ext>
+                </a:extLst>
+              </p:cNvPr>
+              <p:cNvSpPr txBox="1">
+                <a:spLocks noRot="1" noChangeAspect="1" noMove="1" noResize="1" noEditPoints="1" noAdjustHandles="1" noChangeArrowheads="1" noChangeShapeType="1" noTextEdit="1"/>
+              </p:cNvSpPr>
+              <p:nvPr/>
+            </p:nvSpPr>
+            <p:spPr>
+              <a:xfrm>
+                <a:off x="762000" y="4987751"/>
+                <a:ext cx="10515600" cy="523220"/>
+              </a:xfrm>
+              <a:prstGeom prst="rect">
+                <a:avLst/>
+              </a:prstGeom>
+              <a:blipFill>
+                <a:blip r:embed="rId3"/>
+                <a:stretch>
+                  <a:fillRect l="-1159" t="-11628" b="-31395"/>
+                </a:stretch>
+              </a:blipFill>
+            </p:spPr>
+            <p:txBody>
+              <a:bodyPr/>
+              <a:lstStyle/>
+              <a:p>
+                <a:r>
+                  <a:rPr lang="it-IT">
+                    <a:noFill/>
+                  </a:rPr>
+                  <a:t> </a:t>
+                </a:r>
+              </a:p>
+            </p:txBody>
+          </p:sp>
+        </mc:Fallback>
+      </mc:AlternateContent>
+    </p:spTree>
+    <p:extLst>
+      <p:ext uri="{BB962C8B-B14F-4D97-AF65-F5344CB8AC3E}">
+        <p14:creationId xmlns:p14="http://schemas.microsoft.com/office/powerpoint/2010/main" val="3523497510"/>
+      </p:ext>
+    </p:extLst>
+  </p:cSld>
+  <p:clrMapOvr>
+    <a:masterClrMapping/>
+  </p:clrMapOvr>
+</p:sld>
+</file>
+
+<file path=ppt/slides/slide48.xml><?xml version="1.0" encoding="utf-8"?>
+<p:sld xmlns:a="http://schemas.openxmlformats.org/drawingml/2006/main" xmlns:r="http://schemas.openxmlformats.org/officeDocument/2006/relationships" xmlns:p="http://schemas.openxmlformats.org/presentationml/2006/main">
+  <p:cSld>
+    <p:spTree>
+      <p:nvGrpSpPr>
+        <p:cNvPr id="1" name="">
+          <a:extLst>
+            <a:ext uri="{FF2B5EF4-FFF2-40B4-BE49-F238E27FC236}">
+              <a16:creationId xmlns:a16="http://schemas.microsoft.com/office/drawing/2014/main" id="{B04C777C-EC61-6464-4DC3-E2CBE77C4A75}"/>
+            </a:ext>
+          </a:extLst>
+        </p:cNvPr>
+        <p:cNvGrpSpPr/>
+        <p:nvPr/>
+      </p:nvGrpSpPr>
+      <p:grpSpPr>
+        <a:xfrm>
+          <a:off x="0" y="0"/>
+          <a:ext cx="0" cy="0"/>
+          <a:chOff x="0" y="0"/>
+          <a:chExt cx="0" cy="0"/>
+        </a:xfrm>
+      </p:grpSpPr>
+      <p:sp>
+        <p:nvSpPr>
+          <p:cNvPr id="10" name="Titolo 9">
+            <a:extLst>
+              <a:ext uri="{FF2B5EF4-FFF2-40B4-BE49-F238E27FC236}">
+                <a16:creationId xmlns:a16="http://schemas.microsoft.com/office/drawing/2014/main" id="{1A7C0BF2-97C4-F572-69C8-677F01E82DF6}"/>
+              </a:ext>
+            </a:extLst>
+          </p:cNvPr>
+          <p:cNvSpPr>
+            <a:spLocks noGrp="1"/>
+          </p:cNvSpPr>
+          <p:nvPr>
+            <p:ph type="title"/>
+          </p:nvPr>
+        </p:nvSpPr>
+        <p:spPr>
+          <a:xfrm>
+            <a:off x="762000" y="457200"/>
+            <a:ext cx="7848600" cy="1077218"/>
+          </a:xfrm>
+        </p:spPr>
+        <p:txBody>
+          <a:bodyPr/>
+          <a:lstStyle/>
+          <a:p>
+            <a:r>
+              <a:rPr lang="en-GB" noProof="0" dirty="0">
+                <a:latin typeface="Arial Black" panose="020B0A04020102020204" pitchFamily="34" charset="0"/>
+              </a:rPr>
+              <a:t>Newton converge in one step</a:t>
+            </a:r>
           </a:p>
         </p:txBody>
       </p:sp>
       <p:sp>
         <p:nvSpPr>
-          <p:cNvPr id="4" name="CasellaDiTesto 3">
+          <p:cNvPr id="6" name="CasellaDiTesto 5">
             <a:extLst>
               <a:ext uri="{FF2B5EF4-FFF2-40B4-BE49-F238E27FC236}">
-                <a16:creationId xmlns:a16="http://schemas.microsoft.com/office/drawing/2014/main" id="{D0F7065E-3178-3366-BB54-AAE51D54C035}"/>
+                <a16:creationId xmlns:a16="http://schemas.microsoft.com/office/drawing/2014/main" id="{41CF13B2-1CBE-2E8F-3531-E7DD249CCC9A}"/>
               </a:ext>
             </a:extLst>
           </p:cNvPr>
@@ -10437,8 +15130,8 @@
         </p:nvSpPr>
         <p:spPr>
           <a:xfrm>
-            <a:off x="762000" y="2305615"/>
-            <a:ext cx="11277600" cy="3539430"/>
+            <a:off x="762000" y="1447800"/>
+            <a:ext cx="10515600" cy="2677656"/>
           </a:xfrm>
           <a:prstGeom prst="rect">
             <a:avLst/>
@@ -10451,243 +15144,595 @@
           </a:bodyPr>
           <a:lstStyle/>
           <a:p>
-            <a:pPr marL="457200" indent="-457200">
-              <a:buFont typeface="Arial" panose="020B0604020202020204" pitchFamily="34" charset="0"/>
-              <a:buChar char="•"/>
-            </a:pPr>
-            <a:r>
-              <a:rPr lang="en-GB" sz="2800" b="1" i="1" noProof="0" dirty="0">
+            <a:r>
+              <a:rPr lang="en-US" sz="2800" dirty="0">
+                <a:latin typeface="Arial" panose="020B0604020202020204" pitchFamily="34" charset="0"/>
+                <a:cs typeface="Arial" panose="020B0604020202020204" pitchFamily="34" charset="0"/>
+              </a:rPr>
+              <a:t>Since our objective function is </a:t>
+            </a:r>
+            <a:r>
+              <a:rPr lang="en-US" sz="2800" b="1" dirty="0">
+                <a:solidFill>
+                  <a:srgbClr val="FF0000"/>
+                </a:solidFill>
+                <a:latin typeface="Arial" panose="020B0604020202020204" pitchFamily="34" charset="0"/>
+                <a:cs typeface="Arial" panose="020B0604020202020204" pitchFamily="34" charset="0"/>
+              </a:rPr>
+              <a:t>quadratic</a:t>
+            </a:r>
+            <a:r>
+              <a:rPr lang="en-US" sz="2800" dirty="0">
+                <a:latin typeface="Arial" panose="020B0604020202020204" pitchFamily="34" charset="0"/>
+                <a:cs typeface="Arial" panose="020B0604020202020204" pitchFamily="34" charset="0"/>
+              </a:rPr>
+              <a:t>:</a:t>
+            </a:r>
+          </a:p>
+          <a:p>
+            <a:endParaRPr lang="en-US" sz="2800" dirty="0">
+              <a:latin typeface="Arial" panose="020B0604020202020204" pitchFamily="34" charset="0"/>
+              <a:cs typeface="Arial" panose="020B0604020202020204" pitchFamily="34" charset="0"/>
+            </a:endParaRPr>
+          </a:p>
+          <a:p>
+            <a:endParaRPr lang="en-US" sz="2800" dirty="0">
+              <a:latin typeface="Arial" panose="020B0604020202020204" pitchFamily="34" charset="0"/>
+              <a:cs typeface="Arial" panose="020B0604020202020204" pitchFamily="34" charset="0"/>
+            </a:endParaRPr>
+          </a:p>
+          <a:p>
+            <a:endParaRPr lang="en-US" sz="2800" dirty="0">
+              <a:latin typeface="Arial" panose="020B0604020202020204" pitchFamily="34" charset="0"/>
+              <a:cs typeface="Arial" panose="020B0604020202020204" pitchFamily="34" charset="0"/>
+            </a:endParaRPr>
+          </a:p>
+          <a:p>
+            <a:endParaRPr lang="en-US" sz="2800" dirty="0">
+              <a:latin typeface="Arial" panose="020B0604020202020204" pitchFamily="34" charset="0"/>
+              <a:cs typeface="Arial" panose="020B0604020202020204" pitchFamily="34" charset="0"/>
+            </a:endParaRPr>
+          </a:p>
+          <a:p>
+            <a:r>
+              <a:rPr lang="en-US" sz="2800" dirty="0">
+                <a:latin typeface="Arial" panose="020B0604020202020204" pitchFamily="34" charset="0"/>
+                <a:cs typeface="Arial" panose="020B0604020202020204" pitchFamily="34" charset="0"/>
+              </a:rPr>
+              <a:t>Newton's method is expected to converge in a </a:t>
+            </a:r>
+            <a:r>
+              <a:rPr lang="en-US" sz="2800" b="1" dirty="0">
+                <a:solidFill>
+                  <a:srgbClr val="FF0000"/>
+                </a:solidFill>
+                <a:latin typeface="Arial" panose="020B0604020202020204" pitchFamily="34" charset="0"/>
+                <a:cs typeface="Arial" panose="020B0604020202020204" pitchFamily="34" charset="0"/>
+              </a:rPr>
+              <a:t>single iteration</a:t>
+            </a:r>
+            <a:r>
+              <a:rPr lang="en-US" sz="2800" dirty="0">
+                <a:solidFill>
+                  <a:srgbClr val="FF0000"/>
+                </a:solidFill>
+                <a:latin typeface="Arial" panose="020B0604020202020204" pitchFamily="34" charset="0"/>
+                <a:cs typeface="Arial" panose="020B0604020202020204" pitchFamily="34" charset="0"/>
+              </a:rPr>
+              <a:t>.</a:t>
+            </a:r>
+            <a:r>
+              <a:rPr lang="en-US" sz="2800" dirty="0">
+                <a:latin typeface="Arial" panose="020B0604020202020204" pitchFamily="34" charset="0"/>
+                <a:cs typeface="Arial" panose="020B0604020202020204" pitchFamily="34" charset="0"/>
+              </a:rPr>
+              <a:t> </a:t>
+            </a:r>
+            <a:endParaRPr lang="en-GB" sz="2800" b="1" i="1" noProof="0" dirty="0">
+              <a:latin typeface="Arial" panose="020B0604020202020204" pitchFamily="34" charset="0"/>
+              <a:cs typeface="Arial" panose="020B0604020202020204" pitchFamily="34" charset="0"/>
+            </a:endParaRPr>
+          </a:p>
+        </p:txBody>
+      </p:sp>
+      <mc:AlternateContent xmlns:mc="http://schemas.openxmlformats.org/markup-compatibility/2006" xmlns:a14="http://schemas.microsoft.com/office/drawing/2010/main">
+        <mc:Choice Requires="a14">
+          <p:sp>
+            <p:nvSpPr>
+              <p:cNvPr id="2" name="CasellaDiTesto 1">
+                <a:extLst>
+                  <a:ext uri="{FF2B5EF4-FFF2-40B4-BE49-F238E27FC236}">
+                    <a16:creationId xmlns:a16="http://schemas.microsoft.com/office/drawing/2014/main" id="{69F256A0-199E-05DA-ADB4-6574444873DC}"/>
+                  </a:ext>
+                </a:extLst>
+              </p:cNvPr>
+              <p:cNvSpPr txBox="1"/>
+              <p:nvPr/>
+            </p:nvSpPr>
+            <p:spPr>
+              <a:xfrm>
+                <a:off x="4152900" y="2337146"/>
+                <a:ext cx="3886200" cy="898964"/>
+              </a:xfrm>
+              <a:prstGeom prst="rect">
+                <a:avLst/>
+              </a:prstGeom>
+              <a:noFill/>
+            </p:spPr>
+            <p:txBody>
+              <a:bodyPr wrap="square">
+                <a:spAutoFit/>
+              </a:bodyPr>
+              <a:lstStyle/>
+              <a:p>
+                <a:pPr/>
+                <a14:m>
+                  <m:oMathPara xmlns:m="http://schemas.openxmlformats.org/officeDocument/2006/math">
+                    <m:oMathParaPr>
+                      <m:jc m:val="centerGroup"/>
+                    </m:oMathParaPr>
+                    <m:oMath xmlns:m="http://schemas.openxmlformats.org/officeDocument/2006/math">
+                      <m:r>
+                        <a:rPr lang="en-GB" sz="2800" i="1" noProof="0" smtClean="0">
+                          <a:solidFill>
+                            <a:schemeClr val="tx1"/>
+                          </a:solidFill>
+                          <a:latin typeface="Cambria Math" panose="02040503050406030204" pitchFamily="18" charset="0"/>
+                        </a:rPr>
+                        <m:t>𝑓</m:t>
+                      </m:r>
+                      <m:d>
+                        <m:dPr>
+                          <m:ctrlPr>
+                            <a:rPr lang="en-GB" sz="2800" i="1" noProof="0" smtClean="0">
+                              <a:solidFill>
+                                <a:schemeClr val="tx1"/>
+                              </a:solidFill>
+                              <a:latin typeface="Cambria Math" panose="02040503050406030204" pitchFamily="18" charset="0"/>
+                            </a:rPr>
+                          </m:ctrlPr>
+                        </m:dPr>
+                        <m:e>
+                          <m:r>
+                            <a:rPr lang="en-GB" sz="2800" i="1" noProof="0" smtClean="0">
+                              <a:solidFill>
+                                <a:schemeClr val="tx1"/>
+                              </a:solidFill>
+                              <a:latin typeface="Cambria Math" panose="02040503050406030204" pitchFamily="18" charset="0"/>
+                            </a:rPr>
+                            <m:t>𝑥</m:t>
+                          </m:r>
+                        </m:e>
+                      </m:d>
+                      <m:r>
+                        <a:rPr lang="en-GB" sz="2800" i="0" noProof="0" smtClean="0">
+                          <a:solidFill>
+                            <a:schemeClr val="tx1"/>
+                          </a:solidFill>
+                          <a:latin typeface="Cambria Math" panose="02040503050406030204" pitchFamily="18" charset="0"/>
+                        </a:rPr>
+                        <m:t>=</m:t>
+                      </m:r>
+                      <m:f>
+                        <m:fPr>
+                          <m:ctrlPr>
+                            <a:rPr lang="en-GB" sz="2800" i="1" noProof="0" smtClean="0">
+                              <a:solidFill>
+                                <a:schemeClr val="tx1"/>
+                              </a:solidFill>
+                              <a:latin typeface="Cambria Math" panose="02040503050406030204" pitchFamily="18" charset="0"/>
+                            </a:rPr>
+                          </m:ctrlPr>
+                        </m:fPr>
+                        <m:num>
+                          <m:r>
+                            <a:rPr lang="en-GB" sz="2800" i="0" noProof="0" smtClean="0">
+                              <a:solidFill>
+                                <a:schemeClr val="tx1"/>
+                              </a:solidFill>
+                              <a:latin typeface="Cambria Math" panose="02040503050406030204" pitchFamily="18" charset="0"/>
+                            </a:rPr>
+                            <m:t>1</m:t>
+                          </m:r>
+                        </m:num>
+                        <m:den>
+                          <m:r>
+                            <a:rPr lang="en-GB" sz="2800" i="0" noProof="0" smtClean="0">
+                              <a:solidFill>
+                                <a:schemeClr val="tx1"/>
+                              </a:solidFill>
+                              <a:latin typeface="Cambria Math" panose="02040503050406030204" pitchFamily="18" charset="0"/>
+                            </a:rPr>
+                            <m:t>2</m:t>
+                          </m:r>
+                        </m:den>
+                      </m:f>
+                      <m:sSup>
+                        <m:sSupPr>
+                          <m:ctrlPr>
+                            <a:rPr lang="en-GB" sz="2800" i="1" noProof="0" smtClean="0">
+                              <a:solidFill>
+                                <a:schemeClr val="tx1"/>
+                              </a:solidFill>
+                              <a:latin typeface="Cambria Math" panose="02040503050406030204" pitchFamily="18" charset="0"/>
+                            </a:rPr>
+                          </m:ctrlPr>
+                        </m:sSupPr>
+                        <m:e>
+                          <m:d>
+                            <m:dPr>
+                              <m:begChr m:val="‖"/>
+                              <m:endChr m:val="‖"/>
+                              <m:ctrlPr>
+                                <a:rPr lang="en-GB" sz="2800" i="1" noProof="0" smtClean="0">
+                                  <a:solidFill>
+                                    <a:schemeClr val="tx1"/>
+                                  </a:solidFill>
+                                  <a:latin typeface="Cambria Math" panose="02040503050406030204" pitchFamily="18" charset="0"/>
+                                </a:rPr>
+                              </m:ctrlPr>
+                            </m:dPr>
+                            <m:e>
+                              <m:r>
+                                <a:rPr lang="en-GB" sz="2800" i="1" noProof="0" smtClean="0">
+                                  <a:solidFill>
+                                    <a:schemeClr val="tx1"/>
+                                  </a:solidFill>
+                                  <a:latin typeface="Cambria Math" panose="02040503050406030204" pitchFamily="18" charset="0"/>
+                                </a:rPr>
+                                <m:t>𝐴𝑥</m:t>
+                              </m:r>
+                              <m:r>
+                                <a:rPr lang="en-GB" sz="2800" i="0" noProof="0" smtClean="0">
+                                  <a:solidFill>
+                                    <a:schemeClr val="tx1"/>
+                                  </a:solidFill>
+                                  <a:latin typeface="Cambria Math" panose="02040503050406030204" pitchFamily="18" charset="0"/>
+                                </a:rPr>
+                                <m:t>−</m:t>
+                              </m:r>
+                              <m:r>
+                                <a:rPr lang="en-GB" sz="2800" b="0" i="1" noProof="0" smtClean="0">
+                                  <a:solidFill>
+                                    <a:schemeClr val="tx1"/>
+                                  </a:solidFill>
+                                  <a:latin typeface="Cambria Math" panose="02040503050406030204" pitchFamily="18" charset="0"/>
+                                </a:rPr>
+                                <m:t>𝑏</m:t>
+                              </m:r>
+                            </m:e>
+                          </m:d>
+                        </m:e>
+                        <m:sup>
+                          <m:r>
+                            <a:rPr lang="en-GB" sz="2800" i="0" noProof="0" smtClean="0">
+                              <a:solidFill>
+                                <a:schemeClr val="tx1"/>
+                              </a:solidFill>
+                              <a:latin typeface="Cambria Math" panose="02040503050406030204" pitchFamily="18" charset="0"/>
+                            </a:rPr>
+                            <m:t>2</m:t>
+                          </m:r>
+                        </m:sup>
+                      </m:sSup>
+                    </m:oMath>
+                  </m:oMathPara>
+                </a14:m>
+                <a:endParaRPr lang="en-GB" sz="2800" noProof="0" dirty="0">
+                  <a:solidFill>
+                    <a:schemeClr val="tx1"/>
+                  </a:solidFill>
+                  <a:latin typeface="Arial" panose="020B0604020202020204" pitchFamily="34" charset="0"/>
+                  <a:cs typeface="Arial" panose="020B0604020202020204" pitchFamily="34" charset="0"/>
+                </a:endParaRPr>
+              </a:p>
+            </p:txBody>
+          </p:sp>
+        </mc:Choice>
+        <mc:Fallback xmlns="">
+          <p:sp>
+            <p:nvSpPr>
+              <p:cNvPr id="2" name="CasellaDiTesto 1">
+                <a:extLst>
+                  <a:ext uri="{FF2B5EF4-FFF2-40B4-BE49-F238E27FC236}">
+                    <a16:creationId xmlns:a16="http://schemas.microsoft.com/office/drawing/2014/main" id="{69F256A0-199E-05DA-ADB4-6574444873DC}"/>
+                  </a:ext>
+                </a:extLst>
+              </p:cNvPr>
+              <p:cNvSpPr txBox="1">
+                <a:spLocks noRot="1" noChangeAspect="1" noMove="1" noResize="1" noEditPoints="1" noAdjustHandles="1" noChangeArrowheads="1" noChangeShapeType="1" noTextEdit="1"/>
+              </p:cNvSpPr>
+              <p:nvPr/>
+            </p:nvSpPr>
+            <p:spPr>
+              <a:xfrm>
+                <a:off x="4152900" y="2337146"/>
+                <a:ext cx="3886200" cy="898964"/>
+              </a:xfrm>
+              <a:prstGeom prst="rect">
+                <a:avLst/>
+              </a:prstGeom>
+              <a:blipFill>
+                <a:blip r:embed="rId2"/>
+                <a:stretch>
+                  <a:fillRect/>
+                </a:stretch>
+              </a:blipFill>
+            </p:spPr>
+            <p:txBody>
+              <a:bodyPr/>
+              <a:lstStyle/>
+              <a:p>
+                <a:r>
+                  <a:rPr lang="it-IT">
+                    <a:noFill/>
+                  </a:rPr>
+                  <a:t> </a:t>
+                </a:r>
+              </a:p>
+            </p:txBody>
+          </p:sp>
+        </mc:Fallback>
+      </mc:AlternateContent>
+      <p:sp>
+        <p:nvSpPr>
+          <p:cNvPr id="3" name="CasellaDiTesto 2">
+            <a:extLst>
+              <a:ext uri="{FF2B5EF4-FFF2-40B4-BE49-F238E27FC236}">
+                <a16:creationId xmlns:a16="http://schemas.microsoft.com/office/drawing/2014/main" id="{78B27F5C-4DD1-5BCE-0ABD-0FDB199CF6A8}"/>
+              </a:ext>
+            </a:extLst>
+          </p:cNvPr>
+          <p:cNvSpPr txBox="1"/>
+          <p:nvPr/>
+        </p:nvSpPr>
+        <p:spPr>
+          <a:xfrm>
+            <a:off x="752272" y="4890223"/>
+            <a:ext cx="3048000" cy="523220"/>
+          </a:xfrm>
+          <a:prstGeom prst="rect">
+            <a:avLst/>
+          </a:prstGeom>
+          <a:noFill/>
+        </p:spPr>
+        <p:txBody>
+          <a:bodyPr wrap="square">
+            <a:spAutoFit/>
+          </a:bodyPr>
+          <a:lstStyle/>
+          <a:p>
+            <a:r>
+              <a:rPr lang="en-US" sz="2800" dirty="0">
+                <a:latin typeface="Arial" panose="020B0604020202020204" pitchFamily="34" charset="0"/>
+                <a:cs typeface="Arial" panose="020B0604020202020204" pitchFamily="34" charset="0"/>
+              </a:rPr>
+              <a:t>And as expected: </a:t>
+            </a:r>
+          </a:p>
+        </p:txBody>
+      </p:sp>
+      <p:pic>
+        <p:nvPicPr>
+          <p:cNvPr id="4" name="Immagine 3" descr="Immagine che contiene testo, Carattere, schermata, design&#10;&#10;Il contenuto generato dall'IA potrebbe non essere corretto.">
+            <a:extLst>
+              <a:ext uri="{FF2B5EF4-FFF2-40B4-BE49-F238E27FC236}">
+                <a16:creationId xmlns:a16="http://schemas.microsoft.com/office/drawing/2014/main" id="{FFFED8CE-A169-152B-649C-B2EB7B688644}"/>
+              </a:ext>
+            </a:extLst>
+          </p:cNvPr>
+          <p:cNvPicPr>
+            <a:picLocks noChangeAspect="1"/>
+          </p:cNvPicPr>
+          <p:nvPr/>
+        </p:nvPicPr>
+        <p:blipFill>
+          <a:blip r:embed="rId3">
+            <a:extLst>
+              <a:ext uri="{28A0092B-C50C-407E-A947-70E740481C1C}">
+                <a14:useLocalDpi xmlns:a14="http://schemas.microsoft.com/office/drawing/2010/main" val="0"/>
+              </a:ext>
+            </a:extLst>
+          </a:blip>
+          <a:srcRect b="41387"/>
+          <a:stretch>
+            <a:fillRect/>
+          </a:stretch>
+        </p:blipFill>
+        <p:spPr>
+          <a:xfrm>
+            <a:off x="3962400" y="4648200"/>
+            <a:ext cx="4898614" cy="1332237"/>
+          </a:xfrm>
+          <a:prstGeom prst="rect">
+            <a:avLst/>
+          </a:prstGeom>
+        </p:spPr>
+      </p:pic>
+    </p:spTree>
+    <p:extLst>
+      <p:ext uri="{BB962C8B-B14F-4D97-AF65-F5344CB8AC3E}">
+        <p14:creationId xmlns:p14="http://schemas.microsoft.com/office/powerpoint/2010/main" val="618148189"/>
+      </p:ext>
+    </p:extLst>
+  </p:cSld>
+  <p:clrMapOvr>
+    <a:masterClrMapping/>
+  </p:clrMapOvr>
+</p:sld>
+</file>
+
+<file path=ppt/slides/slide49.xml><?xml version="1.0" encoding="utf-8"?>
+<p:sld xmlns:a="http://schemas.openxmlformats.org/drawingml/2006/main" xmlns:r="http://schemas.openxmlformats.org/officeDocument/2006/relationships" xmlns:p="http://schemas.openxmlformats.org/presentationml/2006/main">
+  <p:cSld>
+    <p:spTree>
+      <p:nvGrpSpPr>
+        <p:cNvPr id="1" name="">
+          <a:extLst>
+            <a:ext uri="{FF2B5EF4-FFF2-40B4-BE49-F238E27FC236}">
+              <a16:creationId xmlns:a16="http://schemas.microsoft.com/office/drawing/2014/main" id="{EE0FDA22-BB85-D98A-887D-B48CB48AB583}"/>
+            </a:ext>
+          </a:extLst>
+        </p:cNvPr>
+        <p:cNvGrpSpPr/>
+        <p:nvPr/>
+      </p:nvGrpSpPr>
+      <p:grpSpPr>
+        <a:xfrm>
+          <a:off x="0" y="0"/>
+          <a:ext cx="0" cy="0"/>
+          <a:chOff x="0" y="0"/>
+          <a:chExt cx="0" cy="0"/>
+        </a:xfrm>
+      </p:grpSpPr>
+      <p:sp>
+        <p:nvSpPr>
+          <p:cNvPr id="10" name="Titolo 9">
+            <a:extLst>
+              <a:ext uri="{FF2B5EF4-FFF2-40B4-BE49-F238E27FC236}">
+                <a16:creationId xmlns:a16="http://schemas.microsoft.com/office/drawing/2014/main" id="{AEFB8022-4819-7253-F448-133EB73C2DB4}"/>
+              </a:ext>
+            </a:extLst>
+          </p:cNvPr>
+          <p:cNvSpPr>
+            <a:spLocks noGrp="1"/>
+          </p:cNvSpPr>
+          <p:nvPr>
+            <p:ph type="title"/>
+          </p:nvPr>
+        </p:nvSpPr>
+        <p:spPr>
+          <a:xfrm>
+            <a:off x="762000" y="457200"/>
+            <a:ext cx="7391400" cy="538609"/>
+          </a:xfrm>
+        </p:spPr>
+        <p:txBody>
+          <a:bodyPr/>
+          <a:lstStyle/>
+          <a:p>
+            <a:r>
+              <a:rPr lang="en-GB" dirty="0">
+                <a:latin typeface="Arial Black" panose="020B0A04020102020204" pitchFamily="34" charset="0"/>
+              </a:rPr>
+              <a:t>Newton performance</a:t>
+            </a:r>
+            <a:endParaRPr lang="en-GB" noProof="0" dirty="0">
+              <a:latin typeface="Arial Black" panose="020B0A04020102020204" pitchFamily="34" charset="0"/>
+            </a:endParaRPr>
+          </a:p>
+        </p:txBody>
+      </p:sp>
+      <p:sp>
+        <p:nvSpPr>
+          <p:cNvPr id="8" name="CasellaDiTesto 7">
+            <a:extLst>
+              <a:ext uri="{FF2B5EF4-FFF2-40B4-BE49-F238E27FC236}">
+                <a16:creationId xmlns:a16="http://schemas.microsoft.com/office/drawing/2014/main" id="{50668F35-0D2E-3650-127D-396FACF997B3}"/>
+              </a:ext>
+            </a:extLst>
+          </p:cNvPr>
+          <p:cNvSpPr txBox="1"/>
+          <p:nvPr/>
+        </p:nvSpPr>
+        <p:spPr>
+          <a:xfrm>
+            <a:off x="762000" y="1524000"/>
+            <a:ext cx="10210800" cy="3970318"/>
+          </a:xfrm>
+          <a:prstGeom prst="rect">
+            <a:avLst/>
+          </a:prstGeom>
+          <a:noFill/>
+        </p:spPr>
+        <p:txBody>
+          <a:bodyPr wrap="square">
+            <a:spAutoFit/>
+          </a:bodyPr>
+          <a:lstStyle/>
+          <a:p>
+            <a:r>
+              <a:rPr lang="en-US" sz="2800" dirty="0">
+                <a:latin typeface="Arial" panose="020B0604020202020204" pitchFamily="34" charset="0"/>
+                <a:cs typeface="Arial" panose="020B0604020202020204" pitchFamily="34" charset="0"/>
+              </a:rPr>
+              <a:t>In general, computing the inverse of the Hessian can be computationally expensive. However, in our case, the Hessian was computed in </a:t>
+            </a:r>
+            <a:r>
+              <a:rPr lang="en-US" sz="2800" b="1" dirty="0">
                 <a:solidFill>
                   <a:schemeClr val="tx1"/>
                 </a:solidFill>
                 <a:latin typeface="Arial" panose="020B0604020202020204" pitchFamily="34" charset="0"/>
                 <a:cs typeface="Arial" panose="020B0604020202020204" pitchFamily="34" charset="0"/>
               </a:rPr>
-              <a:t>Parental education level: </a:t>
-            </a:r>
-            <a:r>
-              <a:rPr lang="en-GB" sz="2800" noProof="0" dirty="0">
-                <a:latin typeface="Arial" panose="020B0604020202020204" pitchFamily="34" charset="0"/>
-                <a:cs typeface="Arial" panose="020B0604020202020204" pitchFamily="34" charset="0"/>
-              </a:rPr>
-              <a:t>Highest level of education attained by the student’s parents {</a:t>
-            </a:r>
-            <a:r>
-              <a:rPr lang="en-GB" sz="2800" u="sng" noProof="0" dirty="0">
-                <a:latin typeface="Arial" panose="020B0604020202020204" pitchFamily="34" charset="0"/>
-                <a:cs typeface="Arial" panose="020B0604020202020204" pitchFamily="34" charset="0"/>
-              </a:rPr>
-              <a:t>High School</a:t>
-            </a:r>
-            <a:r>
-              <a:rPr lang="en-GB" sz="2800" noProof="0" dirty="0">
-                <a:latin typeface="Arial" panose="020B0604020202020204" pitchFamily="34" charset="0"/>
-                <a:cs typeface="Arial" panose="020B0604020202020204" pitchFamily="34" charset="0"/>
-              </a:rPr>
-              <a:t>, </a:t>
-            </a:r>
-            <a:r>
-              <a:rPr lang="en-GB" sz="2800" u="sng" noProof="0" dirty="0">
-                <a:latin typeface="Arial" panose="020B0604020202020204" pitchFamily="34" charset="0"/>
-                <a:cs typeface="Arial" panose="020B0604020202020204" pitchFamily="34" charset="0"/>
-              </a:rPr>
-              <a:t>Bachelor</a:t>
-            </a:r>
-            <a:r>
-              <a:rPr lang="en-GB" sz="2800" noProof="0" dirty="0">
-                <a:latin typeface="Arial" panose="020B0604020202020204" pitchFamily="34" charset="0"/>
-                <a:cs typeface="Arial" panose="020B0604020202020204" pitchFamily="34" charset="0"/>
-              </a:rPr>
-              <a:t>, </a:t>
-            </a:r>
-            <a:r>
-              <a:rPr lang="en-GB" sz="2800" u="sng" noProof="0" dirty="0">
-                <a:latin typeface="Arial" panose="020B0604020202020204" pitchFamily="34" charset="0"/>
-                <a:cs typeface="Arial" panose="020B0604020202020204" pitchFamily="34" charset="0"/>
-              </a:rPr>
-              <a:t>Master</a:t>
-            </a:r>
-            <a:r>
-              <a:rPr lang="en-GB" sz="2800" noProof="0" dirty="0">
-                <a:latin typeface="Arial" panose="020B0604020202020204" pitchFamily="34" charset="0"/>
-                <a:cs typeface="Arial" panose="020B0604020202020204" pitchFamily="34" charset="0"/>
-              </a:rPr>
-              <a:t>, </a:t>
-            </a:r>
-            <a:r>
-              <a:rPr lang="en-GB" sz="2800" u="sng" noProof="0" dirty="0">
-                <a:latin typeface="Arial" panose="020B0604020202020204" pitchFamily="34" charset="0"/>
-                <a:cs typeface="Arial" panose="020B0604020202020204" pitchFamily="34" charset="0"/>
-              </a:rPr>
-              <a:t>PhD</a:t>
-            </a:r>
-            <a:r>
-              <a:rPr lang="en-GB" sz="2800" noProof="0" dirty="0">
-                <a:latin typeface="Arial" panose="020B0604020202020204" pitchFamily="34" charset="0"/>
-                <a:cs typeface="Arial" panose="020B0604020202020204" pitchFamily="34" charset="0"/>
-              </a:rPr>
-              <a:t>}.</a:t>
-            </a:r>
-          </a:p>
-          <a:p>
-            <a:pPr marL="457200" indent="-457200">
-              <a:buFont typeface="Arial" panose="020B0604020202020204" pitchFamily="34" charset="0"/>
-              <a:buChar char="•"/>
-            </a:pPr>
-            <a:endParaRPr lang="en-GB" sz="2800" noProof="0" dirty="0">
-              <a:latin typeface="Arial" panose="020B0604020202020204" pitchFamily="34" charset="0"/>
-              <a:cs typeface="Arial" panose="020B0604020202020204" pitchFamily="34" charset="0"/>
-            </a:endParaRPr>
-          </a:p>
-          <a:p>
-            <a:pPr marL="514350" indent="-514350">
-              <a:buFont typeface="Arial" panose="020B0604020202020204" pitchFamily="34" charset="0"/>
-              <a:buChar char="•"/>
-            </a:pPr>
-            <a:r>
-              <a:rPr lang="en-GB" sz="2800" b="1" i="1" noProof="0" dirty="0">
+              <a:t>approximately 11 </a:t>
+            </a:r>
+            <a:r>
+              <a:rPr lang="en-US" sz="2800" b="1" dirty="0" err="1">
                 <a:solidFill>
                   <a:schemeClr val="tx1"/>
                 </a:solidFill>
                 <a:latin typeface="Arial" panose="020B0604020202020204" pitchFamily="34" charset="0"/>
                 <a:cs typeface="Arial" panose="020B0604020202020204" pitchFamily="34" charset="0"/>
               </a:rPr>
-              <a:t>Internet quality: </a:t>
-            </a:r>
-            <a:r>
-              <a:rPr lang="en-GB" sz="2800" noProof="0" dirty="0">
+              <a:t>ms</a:t>
+            </a:r>
+            <a:r>
+              <a:rPr lang="en-US" sz="2800" dirty="0">
                 <a:latin typeface="Arial" panose="020B0604020202020204" pitchFamily="34" charset="0"/>
                 <a:cs typeface="Arial" panose="020B0604020202020204" pitchFamily="34" charset="0"/>
               </a:rPr>
-              <a:t>Perceived internet connection quality at home {</a:t>
-            </a:r>
-            <a:r>
-              <a:rPr lang="en-GB" sz="2800" u="sng" noProof="0" dirty="0">
-                <a:latin typeface="Arial" panose="020B0604020202020204" pitchFamily="34" charset="0"/>
-                <a:cs typeface="Arial" panose="020B0604020202020204" pitchFamily="34" charset="0"/>
-              </a:rPr>
-              <a:t>Poor</a:t>
-            </a:r>
-            <a:r>
-              <a:rPr lang="en-GB" sz="2800" noProof="0" dirty="0">
-                <a:latin typeface="Arial" panose="020B0604020202020204" pitchFamily="34" charset="0"/>
-                <a:cs typeface="Arial" panose="020B0604020202020204" pitchFamily="34" charset="0"/>
-              </a:rPr>
-              <a:t>, </a:t>
-            </a:r>
-            <a:r>
-              <a:rPr lang="en-GB" sz="2800" u="sng" noProof="0" dirty="0">
-                <a:latin typeface="Arial" panose="020B0604020202020204" pitchFamily="34" charset="0"/>
-                <a:cs typeface="Arial" panose="020B0604020202020204" pitchFamily="34" charset="0"/>
-              </a:rPr>
-              <a:t>Average</a:t>
-            </a:r>
-            <a:r>
-              <a:rPr lang="en-GB" sz="2800" noProof="0" dirty="0">
-                <a:latin typeface="Arial" panose="020B0604020202020204" pitchFamily="34" charset="0"/>
-                <a:cs typeface="Arial" panose="020B0604020202020204" pitchFamily="34" charset="0"/>
-              </a:rPr>
-              <a:t>, </a:t>
-            </a:r>
-            <a:r>
-              <a:rPr lang="en-GB" sz="2800" u="sng" noProof="0" dirty="0">
-                <a:latin typeface="Arial" panose="020B0604020202020204" pitchFamily="34" charset="0"/>
-                <a:cs typeface="Arial" panose="020B0604020202020204" pitchFamily="34" charset="0"/>
-              </a:rPr>
-              <a:t>Good</a:t>
-            </a:r>
-            <a:r>
-              <a:rPr lang="en-GB" sz="2800" noProof="0" dirty="0">
-                <a:latin typeface="Arial" panose="020B0604020202020204" pitchFamily="34" charset="0"/>
-                <a:cs typeface="Arial" panose="020B0604020202020204" pitchFamily="34" charset="0"/>
-              </a:rPr>
-              <a:t>}.</a:t>
-            </a:r>
-          </a:p>
-          <a:p>
-            <a:pPr marL="514350" indent="-514350">
-              <a:buFont typeface="Arial" panose="020B0604020202020204" pitchFamily="34" charset="0"/>
-              <a:buChar char="•"/>
-            </a:pPr>
-            <a:endParaRPr lang="en-GB" sz="2800" noProof="0" dirty="0">
-              <a:latin typeface="Arial" panose="020B0604020202020204" pitchFamily="34" charset="0"/>
-              <a:cs typeface="Arial" panose="020B0604020202020204" pitchFamily="34" charset="0"/>
-            </a:endParaRPr>
-          </a:p>
-          <a:p>
-            <a:pPr marL="514350" indent="-514350">
-              <a:buFont typeface="Arial" panose="020B0604020202020204" pitchFamily="34" charset="0"/>
-              <a:buChar char="•"/>
-            </a:pPr>
-            <a:r>
-              <a:rPr lang="en-GB" sz="2800" b="1" i="1" noProof="0" dirty="0">
+              <a:t>, and the optimal solution was found in an </a:t>
+            </a:r>
+            <a:r>
+              <a:rPr lang="en-US" sz="2800" b="1" dirty="0">
                 <a:solidFill>
                   <a:schemeClr val="tx1"/>
                 </a:solidFill>
                 <a:latin typeface="Arial" panose="020B0604020202020204" pitchFamily="34" charset="0"/>
                 <a:cs typeface="Arial" panose="020B0604020202020204" pitchFamily="34" charset="0"/>
               </a:rPr>
-              <a:t>Extracurricular participation:</a:t>
-            </a:r>
-            <a:r>
-              <a:rPr lang="en-GB" sz="2800" i="1" noProof="0" dirty="0">
+              <a:t>additional 6 </a:t>
+            </a:r>
+            <a:r>
+              <a:rPr lang="en-US" sz="2800" b="1" dirty="0" err="1">
                 <a:solidFill>
                   <a:schemeClr val="tx1"/>
                 </a:solidFill>
                 <a:latin typeface="Arial" panose="020B0604020202020204" pitchFamily="34" charset="0"/>
                 <a:cs typeface="Arial" panose="020B0604020202020204" pitchFamily="34" charset="0"/>
               </a:rPr>
-              <a:t> </a:t>
-            </a:r>
-            <a:r>
-              <a:rPr lang="en-GB" sz="2800" noProof="0" dirty="0">
-                <a:solidFill>
-                  <a:schemeClr val="tx1"/>
-                </a:solidFill>
+              <a:t>ms</a:t>
+            </a:r>
+            <a:r>
+              <a:rPr lang="en-US" sz="2800" dirty="0" err="1">
                 <a:latin typeface="Arial" panose="020B0604020202020204" pitchFamily="34" charset="0"/>
                 <a:cs typeface="Arial" panose="020B0604020202020204" pitchFamily="34" charset="0"/>
               </a:rPr>
-              <a:t>Whether the student participates in extracurricular activities {</a:t>
-            </a:r>
-            <a:r>
-              <a:rPr lang="en-GB" sz="2800" u="sng" noProof="0" dirty="0">
-                <a:solidFill>
-                  <a:schemeClr val="tx1"/>
-                </a:solidFill>
+              <a:t>.</a:t>
+            </a:r>
+            <a:r>
+              <a:rPr lang="en-US" sz="2800" dirty="0">
                 <a:latin typeface="Arial" panose="020B0604020202020204" pitchFamily="34" charset="0"/>
                 <a:cs typeface="Arial" panose="020B0604020202020204" pitchFamily="34" charset="0"/>
               </a:rPr>
-              <a:t>Yes</a:t>
-            </a:r>
-            <a:r>
-              <a:rPr lang="en-GB" sz="2800" noProof="0" dirty="0">
-                <a:solidFill>
-                  <a:schemeClr val="tx1"/>
-                </a:solidFill>
+              <a:t> </a:t>
+            </a:r>
+          </a:p>
+          <a:p>
+            <a:endParaRPr lang="en-US" sz="2800" dirty="0">
+              <a:latin typeface="Arial" panose="020B0604020202020204" pitchFamily="34" charset="0"/>
+              <a:cs typeface="Arial" panose="020B0604020202020204" pitchFamily="34" charset="0"/>
+            </a:endParaRPr>
+          </a:p>
+          <a:p>
+            <a:r>
+              <a:rPr lang="en-US" sz="2800" dirty="0">
                 <a:latin typeface="Arial" panose="020B0604020202020204" pitchFamily="34" charset="0"/>
                 <a:cs typeface="Arial" panose="020B0604020202020204" pitchFamily="34" charset="0"/>
               </a:rPr>
-              <a:t>, </a:t>
-            </a:r>
-            <a:r>
-              <a:rPr lang="en-GB" sz="2800" u="sng" noProof="0" dirty="0">
-                <a:solidFill>
-                  <a:schemeClr val="tx1"/>
-                </a:solidFill>
-                <a:latin typeface="Arial" panose="020B0604020202020204" pitchFamily="34" charset="0"/>
-                <a:cs typeface="Arial" panose="020B0604020202020204" pitchFamily="34" charset="0"/>
-              </a:rPr>
-              <a:t>No</a:t>
-            </a:r>
-            <a:r>
-              <a:rPr lang="en-GB" sz="2800" noProof="0" dirty="0">
-                <a:solidFill>
-                  <a:schemeClr val="tx1"/>
-                </a:solidFill>
-                <a:latin typeface="Arial" panose="020B0604020202020204" pitchFamily="34" charset="0"/>
-                <a:cs typeface="Arial" panose="020B0604020202020204" pitchFamily="34" charset="0"/>
-              </a:rPr>
-              <a:t>}.</a:t>
+              <a:t>We are satisfied with this performance, as it is comparable to other methods tested. Therefore, there is no need to explore quasi-Newton approaches, which estimate the inverse Hessian, for further speed-up in this scenario.</a:t>
             </a:r>
           </a:p>
         </p:txBody>
@@ -10695,7 +15740,7 @@
     </p:spTree>
     <p:extLst>
       <p:ext uri="{BB962C8B-B14F-4D97-AF65-F5344CB8AC3E}">
-        <p14:creationId xmlns:p14="http://schemas.microsoft.com/office/powerpoint/2010/main" val="1551060574"/>
+        <p14:creationId xmlns:p14="http://schemas.microsoft.com/office/powerpoint/2010/main" val="2714594247"/>
       </p:ext>
     </p:extLst>
   </p:cSld>
@@ -10974,6 +16019,937 @@
     <p:extLst>
       <p:ext uri="{BB962C8B-B14F-4D97-AF65-F5344CB8AC3E}">
         <p14:creationId xmlns:p14="http://schemas.microsoft.com/office/powerpoint/2010/main" val="2384164979"/>
+      </p:ext>
+    </p:extLst>
+  </p:cSld>
+  <p:clrMapOvr>
+    <a:masterClrMapping/>
+  </p:clrMapOvr>
+</p:sld>
+</file>
+
+<file path=ppt/slides/slide50.xml><?xml version="1.0" encoding="utf-8"?>
+<p:sld xmlns:a="http://schemas.openxmlformats.org/drawingml/2006/main" xmlns:r="http://schemas.openxmlformats.org/officeDocument/2006/relationships" xmlns:p="http://schemas.openxmlformats.org/presentationml/2006/main">
+  <p:cSld>
+    <p:spTree>
+      <p:nvGrpSpPr>
+        <p:cNvPr id="1" name="">
+          <a:extLst>
+            <a:ext uri="{FF2B5EF4-FFF2-40B4-BE49-F238E27FC236}">
+              <a16:creationId xmlns:a16="http://schemas.microsoft.com/office/drawing/2014/main" id="{6F2BEDFF-C5CA-0C95-175F-D7F507BCF87D}"/>
+            </a:ext>
+          </a:extLst>
+        </p:cNvPr>
+        <p:cNvGrpSpPr/>
+        <p:nvPr/>
+      </p:nvGrpSpPr>
+      <p:grpSpPr>
+        <a:xfrm>
+          <a:off x="0" y="0"/>
+          <a:ext cx="0" cy="0"/>
+          <a:chOff x="0" y="0"/>
+          <a:chExt cx="0" cy="0"/>
+        </a:xfrm>
+      </p:grpSpPr>
+      <p:sp>
+        <p:nvSpPr>
+          <p:cNvPr id="10" name="Titolo 9">
+            <a:extLst>
+              <a:ext uri="{FF2B5EF4-FFF2-40B4-BE49-F238E27FC236}">
+                <a16:creationId xmlns:a16="http://schemas.microsoft.com/office/drawing/2014/main" id="{A5A5E9EE-F2B2-0E41-44B0-93C73E4221D2}"/>
+              </a:ext>
+            </a:extLst>
+          </p:cNvPr>
+          <p:cNvSpPr>
+            <a:spLocks noGrp="1"/>
+          </p:cNvSpPr>
+          <p:nvPr>
+            <p:ph type="title"/>
+          </p:nvPr>
+        </p:nvSpPr>
+        <p:spPr>
+          <a:xfrm>
+            <a:off x="762000" y="457200"/>
+            <a:ext cx="7391400" cy="538609"/>
+          </a:xfrm>
+        </p:spPr>
+        <p:txBody>
+          <a:bodyPr/>
+          <a:lstStyle/>
+          <a:p>
+            <a:r>
+              <a:rPr lang="en-GB" dirty="0">
+                <a:latin typeface="Arial Black" panose="020B0A04020102020204" pitchFamily="34" charset="0"/>
+              </a:rPr>
+              <a:t>All performance compared</a:t>
+            </a:r>
+            <a:endParaRPr lang="en-GB" noProof="0" dirty="0">
+              <a:latin typeface="Arial Black" panose="020B0A04020102020204" pitchFamily="34" charset="0"/>
+            </a:endParaRPr>
+          </a:p>
+        </p:txBody>
+      </p:sp>
+      <p:graphicFrame>
+        <p:nvGraphicFramePr>
+          <p:cNvPr id="2" name="Tabella 1">
+            <a:extLst>
+              <a:ext uri="{FF2B5EF4-FFF2-40B4-BE49-F238E27FC236}">
+                <a16:creationId xmlns:a16="http://schemas.microsoft.com/office/drawing/2014/main" id="{AD0CEC5C-FF31-23FB-1B1D-82371FD6BABA}"/>
+              </a:ext>
+            </a:extLst>
+          </p:cNvPr>
+          <p:cNvGraphicFramePr>
+            <a:graphicFrameLocks noGrp="1"/>
+          </p:cNvGraphicFramePr>
+          <p:nvPr/>
+        </p:nvGraphicFramePr>
+        <p:xfrm>
+          <a:off x="2286000" y="1143000"/>
+          <a:ext cx="7619999" cy="4789934"/>
+        </p:xfrm>
+        <a:graphic>
+          <a:graphicData uri="http://schemas.openxmlformats.org/drawingml/2006/table">
+            <a:tbl>
+              <a:tblPr firstRow="1" bandRow="1">
+                <a:tableStyleId>{5C22544A-7EE6-4342-B048-85BDC9FD1C3A}</a:tableStyleId>
+              </a:tblPr>
+              <a:tblGrid>
+                <a:gridCol w="3628571">
+                  <a:extLst>
+                    <a:ext uri="{9D8B030D-6E8A-4147-A177-3AD203B41FA5}">
+                      <a16:colId xmlns:a16="http://schemas.microsoft.com/office/drawing/2014/main" val="1976432627"/>
+                    </a:ext>
+                  </a:extLst>
+                </a:gridCol>
+                <a:gridCol w="1995714">
+                  <a:extLst>
+                    <a:ext uri="{9D8B030D-6E8A-4147-A177-3AD203B41FA5}">
+                      <a16:colId xmlns:a16="http://schemas.microsoft.com/office/drawing/2014/main" val="3349849245"/>
+                    </a:ext>
+                  </a:extLst>
+                </a:gridCol>
+                <a:gridCol w="1995714">
+                  <a:extLst>
+                    <a:ext uri="{9D8B030D-6E8A-4147-A177-3AD203B41FA5}">
+                      <a16:colId xmlns:a16="http://schemas.microsoft.com/office/drawing/2014/main" val="1757108676"/>
+                    </a:ext>
+                  </a:extLst>
+                </a:gridCol>
+              </a:tblGrid>
+              <a:tr h="557171">
+                <a:tc>
+                  <a:txBody>
+                    <a:bodyPr/>
+                    <a:lstStyle/>
+                    <a:p>
+                      <a:pPr algn="ctr"/>
+                      <a:r>
+                        <a:rPr lang="it-IT" b="1" dirty="0" err="1">
+                          <a:solidFill>
+                            <a:schemeClr val="lt1"/>
+                          </a:solidFill>
+                          <a:latin typeface="Arial" panose="020B0604020202020204" pitchFamily="34" charset="0"/>
+                          <a:ea typeface="+mn-ea"/>
+                          <a:cs typeface="Arial" panose="020B0604020202020204" pitchFamily="34" charset="0"/>
+                        </a:rPr>
+                        <a:t>Gradient</a:t>
+                      </a:r>
+                      <a:r>
+                        <a:rPr lang="it-IT" b="1" dirty="0">
+                          <a:solidFill>
+                            <a:schemeClr val="lt1"/>
+                          </a:solidFill>
+                          <a:latin typeface="Arial" panose="020B0604020202020204" pitchFamily="34" charset="0"/>
+                          <a:ea typeface="+mn-ea"/>
+                          <a:cs typeface="Arial" panose="020B0604020202020204" pitchFamily="34" charset="0"/>
+                        </a:rPr>
+                        <a:t> </a:t>
+                      </a:r>
+                      <a:r>
+                        <a:rPr lang="it-IT" b="1" dirty="0" err="1">
+                          <a:solidFill>
+                            <a:schemeClr val="lt1"/>
+                          </a:solidFill>
+                          <a:latin typeface="Arial" panose="020B0604020202020204" pitchFamily="34" charset="0"/>
+                          <a:ea typeface="+mn-ea"/>
+                          <a:cs typeface="Arial" panose="020B0604020202020204" pitchFamily="34" charset="0"/>
+                        </a:rPr>
+                        <a:t>Descent</a:t>
+                      </a:r>
+                      <a:r>
+                        <a:rPr lang="it-IT" b="1" dirty="0">
+                          <a:solidFill>
+                            <a:schemeClr val="lt1"/>
+                          </a:solidFill>
+                          <a:latin typeface="Arial" panose="020B0604020202020204" pitchFamily="34" charset="0"/>
+                          <a:ea typeface="+mn-ea"/>
+                          <a:cs typeface="Arial" panose="020B0604020202020204" pitchFamily="34" charset="0"/>
+                        </a:rPr>
+                        <a:t> Setting</a:t>
+                      </a:r>
+                    </a:p>
+                  </a:txBody>
+                  <a:tcPr/>
+                </a:tc>
+                <a:tc>
+                  <a:txBody>
+                    <a:bodyPr/>
+                    <a:lstStyle/>
+                    <a:p>
+                      <a:pPr algn="ctr"/>
+                      <a:r>
+                        <a:rPr lang="it-IT" b="1" dirty="0">
+                          <a:solidFill>
+                            <a:schemeClr val="lt1"/>
+                          </a:solidFill>
+                          <a:latin typeface="Arial" panose="020B0604020202020204" pitchFamily="34" charset="0"/>
+                          <a:ea typeface="+mn-ea"/>
+                          <a:cs typeface="Arial" panose="020B0604020202020204" pitchFamily="34" charset="0"/>
+                        </a:rPr>
+                        <a:t>Time </a:t>
+                      </a:r>
+                      <a:r>
+                        <a:rPr lang="it-IT" b="1" dirty="0" err="1">
+                          <a:solidFill>
+                            <a:schemeClr val="lt1"/>
+                          </a:solidFill>
+                          <a:latin typeface="Arial" panose="020B0604020202020204" pitchFamily="34" charset="0"/>
+                          <a:ea typeface="+mn-ea"/>
+                          <a:cs typeface="Arial" panose="020B0604020202020204" pitchFamily="34" charset="0"/>
+                        </a:rPr>
+                        <a:t>needed</a:t>
+                      </a:r>
+                      <a:endParaRPr lang="it-IT" b="1" dirty="0">
+                        <a:solidFill>
+                          <a:schemeClr val="lt1"/>
+                        </a:solidFill>
+                        <a:latin typeface="Arial" panose="020B0604020202020204" pitchFamily="34" charset="0"/>
+                        <a:ea typeface="+mn-ea"/>
+                        <a:cs typeface="Arial" panose="020B0604020202020204" pitchFamily="34" charset="0"/>
+                      </a:endParaRPr>
+                    </a:p>
+                  </a:txBody>
+                  <a:tcPr/>
+                </a:tc>
+                <a:tc>
+                  <a:txBody>
+                    <a:bodyPr/>
+                    <a:lstStyle/>
+                    <a:p>
+                      <a:pPr algn="ctr"/>
+                      <a:r>
+                        <a:rPr lang="it-IT" b="1" dirty="0">
+                          <a:solidFill>
+                            <a:schemeClr val="lt1"/>
+                          </a:solidFill>
+                          <a:latin typeface="Arial" panose="020B0604020202020204" pitchFamily="34" charset="0"/>
+                          <a:ea typeface="+mn-ea"/>
+                          <a:cs typeface="Arial" panose="020B0604020202020204" pitchFamily="34" charset="0"/>
+                        </a:rPr>
+                        <a:t>Step </a:t>
+                      </a:r>
+                      <a:r>
+                        <a:rPr lang="it-IT" b="1" dirty="0" err="1">
+                          <a:solidFill>
+                            <a:schemeClr val="lt1"/>
+                          </a:solidFill>
+                          <a:latin typeface="Arial" panose="020B0604020202020204" pitchFamily="34" charset="0"/>
+                          <a:ea typeface="+mn-ea"/>
+                          <a:cs typeface="Arial" panose="020B0604020202020204" pitchFamily="34" charset="0"/>
+                        </a:rPr>
+                        <a:t>needed</a:t>
+                      </a:r>
+                      <a:endParaRPr lang="it-IT" b="1" dirty="0">
+                        <a:solidFill>
+                          <a:schemeClr val="lt1"/>
+                        </a:solidFill>
+                        <a:latin typeface="Arial" panose="020B0604020202020204" pitchFamily="34" charset="0"/>
+                        <a:ea typeface="+mn-ea"/>
+                        <a:cs typeface="Arial" panose="020B0604020202020204" pitchFamily="34" charset="0"/>
+                      </a:endParaRPr>
+                    </a:p>
+                  </a:txBody>
+                  <a:tcPr/>
+                </a:tc>
+                <a:extLst>
+                  <a:ext uri="{0D108BD9-81ED-4DB2-BD59-A6C34878D82A}">
+                    <a16:rowId xmlns:a16="http://schemas.microsoft.com/office/drawing/2014/main" val="328097347"/>
+                  </a:ext>
+                </a:extLst>
+              </a:tr>
+              <a:tr h="470307">
+                <a:tc>
+                  <a:txBody>
+                    <a:bodyPr/>
+                    <a:lstStyle/>
+                    <a:p>
+                      <a:pPr marL="0" algn="r"/>
+                      <a:r>
+                        <a:rPr lang="en-US" b="0" i="1" u="none" dirty="0">
+                          <a:solidFill>
+                            <a:schemeClr val="tx1"/>
+                          </a:solidFill>
+                          <a:latin typeface="Arial" panose="020B0604020202020204" pitchFamily="34" charset="0"/>
+                          <a:ea typeface="+mn-ea"/>
+                          <a:cs typeface="Arial" panose="020B0604020202020204" pitchFamily="34" charset="0"/>
+                        </a:rPr>
+                        <a:t>Naive Test</a:t>
+                      </a:r>
+                      <a:endParaRPr lang="it-IT" b="0" i="1" u="none" dirty="0">
+                        <a:solidFill>
+                          <a:schemeClr val="tx1"/>
+                        </a:solidFill>
+                        <a:latin typeface="Arial" panose="020B0604020202020204" pitchFamily="34" charset="0"/>
+                        <a:ea typeface="+mn-ea"/>
+                        <a:cs typeface="Arial" panose="020B0604020202020204" pitchFamily="34" charset="0"/>
+                      </a:endParaRPr>
+                    </a:p>
+                  </a:txBody>
+                  <a:tcPr/>
+                </a:tc>
+                <a:tc>
+                  <a:txBody>
+                    <a:bodyPr/>
+                    <a:lstStyle/>
+                    <a:p>
+                      <a:pPr marL="0" algn="ctr"/>
+                      <a:r>
+                        <a:rPr lang="it-IT" b="0" dirty="0">
+                          <a:solidFill>
+                            <a:schemeClr val="tx1"/>
+                          </a:solidFill>
+                          <a:latin typeface="Arial" panose="020B0604020202020204" pitchFamily="34" charset="0"/>
+                          <a:ea typeface="+mn-ea"/>
+                          <a:cs typeface="Arial" panose="020B0604020202020204" pitchFamily="34" charset="0"/>
+                        </a:rPr>
+                        <a:t>7ms</a:t>
+                      </a:r>
+                    </a:p>
+                  </a:txBody>
+                  <a:tcPr/>
+                </a:tc>
+                <a:tc>
+                  <a:txBody>
+                    <a:bodyPr/>
+                    <a:lstStyle/>
+                    <a:p>
+                      <a:pPr marL="0" algn="ctr"/>
+                      <a:r>
+                        <a:rPr lang="it-IT" b="0" dirty="0">
+                          <a:solidFill>
+                            <a:schemeClr val="tx1"/>
+                          </a:solidFill>
+                          <a:latin typeface="Arial" panose="020B0604020202020204" pitchFamily="34" charset="0"/>
+                          <a:ea typeface="+mn-ea"/>
+                          <a:cs typeface="Arial" panose="020B0604020202020204" pitchFamily="34" charset="0"/>
+                        </a:rPr>
+                        <a:t>5</a:t>
+                      </a:r>
+                    </a:p>
+                  </a:txBody>
+                  <a:tcPr/>
+                </a:tc>
+                <a:extLst>
+                  <a:ext uri="{0D108BD9-81ED-4DB2-BD59-A6C34878D82A}">
+                    <a16:rowId xmlns:a16="http://schemas.microsoft.com/office/drawing/2014/main" val="3700825046"/>
+                  </a:ext>
+                </a:extLst>
+              </a:tr>
+              <a:tr h="470307">
+                <a:tc>
+                  <a:txBody>
+                    <a:bodyPr/>
+                    <a:lstStyle/>
+                    <a:p>
+                      <a:pPr marL="0" algn="r"/>
+                      <a:r>
+                        <a:rPr lang="it-IT" b="0" i="1" u="none" dirty="0" err="1">
+                          <a:solidFill>
+                            <a:schemeClr val="tx1"/>
+                          </a:solidFill>
+                          <a:latin typeface="Arial" panose="020B0604020202020204" pitchFamily="34" charset="0"/>
+                          <a:ea typeface="+mn-ea"/>
+                          <a:cs typeface="Arial" panose="020B0604020202020204" pitchFamily="34" charset="0"/>
+                        </a:rPr>
+                        <a:t>Smooth</a:t>
+                      </a:r>
+                      <a:r>
+                        <a:rPr lang="it-IT" b="0" i="1" u="none" dirty="0">
+                          <a:solidFill>
+                            <a:schemeClr val="tx1"/>
+                          </a:solidFill>
+                          <a:latin typeface="Arial" panose="020B0604020202020204" pitchFamily="34" charset="0"/>
+                          <a:ea typeface="+mn-ea"/>
+                          <a:cs typeface="Arial" panose="020B0604020202020204" pitchFamily="34" charset="0"/>
+                        </a:rPr>
+                        <a:t> Constant</a:t>
+                      </a:r>
+                    </a:p>
+                  </a:txBody>
+                  <a:tcPr/>
+                </a:tc>
+                <a:tc>
+                  <a:txBody>
+                    <a:bodyPr/>
+                    <a:lstStyle/>
+                    <a:p>
+                      <a:pPr marL="0" algn="ctr"/>
+                      <a:r>
+                        <a:rPr lang="it-IT" b="0" dirty="0">
+                          <a:solidFill>
+                            <a:schemeClr val="tx1"/>
+                          </a:solidFill>
+                          <a:latin typeface="Arial" panose="020B0604020202020204" pitchFamily="34" charset="0"/>
+                          <a:ea typeface="+mn-ea"/>
+                          <a:cs typeface="Arial" panose="020B0604020202020204" pitchFamily="34" charset="0"/>
+                        </a:rPr>
+                        <a:t>5ms</a:t>
+                      </a:r>
+                    </a:p>
+                  </a:txBody>
+                  <a:tcPr/>
+                </a:tc>
+                <a:tc>
+                  <a:txBody>
+                    <a:bodyPr/>
+                    <a:lstStyle/>
+                    <a:p>
+                      <a:pPr marL="0" algn="ctr"/>
+                      <a:r>
+                        <a:rPr lang="it-IT" b="0" dirty="0">
+                          <a:solidFill>
+                            <a:schemeClr val="tx1"/>
+                          </a:solidFill>
+                          <a:latin typeface="Arial" panose="020B0604020202020204" pitchFamily="34" charset="0"/>
+                          <a:ea typeface="+mn-ea"/>
+                          <a:cs typeface="Arial" panose="020B0604020202020204" pitchFamily="34" charset="0"/>
+                        </a:rPr>
+                        <a:t>5</a:t>
+                      </a:r>
+                    </a:p>
+                  </a:txBody>
+                  <a:tcPr/>
+                </a:tc>
+                <a:extLst>
+                  <a:ext uri="{0D108BD9-81ED-4DB2-BD59-A6C34878D82A}">
+                    <a16:rowId xmlns:a16="http://schemas.microsoft.com/office/drawing/2014/main" val="3112259662"/>
+                  </a:ext>
+                </a:extLst>
+              </a:tr>
+              <a:tr h="470307">
+                <a:tc>
+                  <a:txBody>
+                    <a:bodyPr/>
+                    <a:lstStyle/>
+                    <a:p>
+                      <a:pPr marL="0" algn="r"/>
+                      <a:r>
+                        <a:rPr lang="it-IT" b="0" i="1" u="none" dirty="0" err="1">
+                          <a:solidFill>
+                            <a:schemeClr val="tx1"/>
+                          </a:solidFill>
+                          <a:latin typeface="Arial" panose="020B0604020202020204" pitchFamily="34" charset="0"/>
+                          <a:ea typeface="+mn-ea"/>
+                          <a:cs typeface="Arial" panose="020B0604020202020204" pitchFamily="34" charset="0"/>
+                        </a:rPr>
+                        <a:t>Lipschitz</a:t>
+                      </a:r>
+                      <a:r>
+                        <a:rPr lang="it-IT" b="0" i="1" u="none" dirty="0">
+                          <a:solidFill>
+                            <a:schemeClr val="tx1"/>
+                          </a:solidFill>
+                          <a:latin typeface="Arial" panose="020B0604020202020204" pitchFamily="34" charset="0"/>
+                          <a:ea typeface="+mn-ea"/>
+                          <a:cs typeface="Arial" panose="020B0604020202020204" pitchFamily="34" charset="0"/>
+                        </a:rPr>
+                        <a:t> </a:t>
+                      </a:r>
+                      <a:r>
+                        <a:rPr lang="it-IT" b="0" i="1" u="none" dirty="0" err="1">
+                          <a:solidFill>
+                            <a:schemeClr val="tx1"/>
+                          </a:solidFill>
+                          <a:latin typeface="Arial" panose="020B0604020202020204" pitchFamily="34" charset="0"/>
+                          <a:ea typeface="+mn-ea"/>
+                          <a:cs typeface="Arial" panose="020B0604020202020204" pitchFamily="34" charset="0"/>
+                        </a:rPr>
+                        <a:t>function</a:t>
+                      </a:r>
+                      <a:endParaRPr lang="it-IT" b="0" i="1" u="none" dirty="0">
+                        <a:solidFill>
+                          <a:schemeClr val="tx1"/>
+                        </a:solidFill>
+                        <a:latin typeface="Arial" panose="020B0604020202020204" pitchFamily="34" charset="0"/>
+                        <a:ea typeface="+mn-ea"/>
+                        <a:cs typeface="Arial" panose="020B0604020202020204" pitchFamily="34" charset="0"/>
+                      </a:endParaRPr>
+                    </a:p>
+                  </a:txBody>
+                  <a:tcPr/>
+                </a:tc>
+                <a:tc>
+                  <a:txBody>
+                    <a:bodyPr/>
+                    <a:lstStyle/>
+                    <a:p>
+                      <a:pPr marL="0" algn="ctr"/>
+                      <a:r>
+                        <a:rPr lang="it-IT" b="0" dirty="0">
+                          <a:solidFill>
+                            <a:schemeClr val="tx1"/>
+                          </a:solidFill>
+                          <a:latin typeface="Arial" panose="020B0604020202020204" pitchFamily="34" charset="0"/>
+                          <a:ea typeface="+mn-ea"/>
+                          <a:cs typeface="Arial" panose="020B0604020202020204" pitchFamily="34" charset="0"/>
+                        </a:rPr>
+                        <a:t>55ms</a:t>
+                      </a:r>
+                    </a:p>
+                  </a:txBody>
+                  <a:tcPr/>
+                </a:tc>
+                <a:tc>
+                  <a:txBody>
+                    <a:bodyPr/>
+                    <a:lstStyle/>
+                    <a:p>
+                      <a:pPr marL="0" algn="ctr"/>
+                      <a:r>
+                        <a:rPr lang="it-IT" b="0" dirty="0">
+                          <a:solidFill>
+                            <a:schemeClr val="tx1"/>
+                          </a:solidFill>
+                          <a:latin typeface="Arial" panose="020B0604020202020204" pitchFamily="34" charset="0"/>
+                          <a:ea typeface="+mn-ea"/>
+                          <a:cs typeface="Arial" panose="020B0604020202020204" pitchFamily="34" charset="0"/>
+                        </a:rPr>
+                        <a:t>105</a:t>
+                      </a:r>
+                    </a:p>
+                  </a:txBody>
+                  <a:tcPr/>
+                </a:tc>
+                <a:extLst>
+                  <a:ext uri="{0D108BD9-81ED-4DB2-BD59-A6C34878D82A}">
+                    <a16:rowId xmlns:a16="http://schemas.microsoft.com/office/drawing/2014/main" val="378449603"/>
+                  </a:ext>
+                </a:extLst>
+              </a:tr>
+              <a:tr h="470307">
+                <a:tc>
+                  <a:txBody>
+                    <a:bodyPr/>
+                    <a:lstStyle/>
+                    <a:p>
+                      <a:pPr marL="0" algn="r"/>
+                      <a:r>
+                        <a:rPr lang="it-IT" b="0" i="1" u="none" dirty="0">
+                          <a:solidFill>
+                            <a:schemeClr val="tx1"/>
+                          </a:solidFill>
+                          <a:latin typeface="Arial" panose="020B0604020202020204" pitchFamily="34" charset="0"/>
+                          <a:ea typeface="+mn-ea"/>
+                          <a:cs typeface="Arial" panose="020B0604020202020204" pitchFamily="34" charset="0"/>
+                        </a:rPr>
+                        <a:t>Strong </a:t>
+                      </a:r>
+                      <a:r>
+                        <a:rPr lang="it-IT" b="0" i="1" u="none" dirty="0" err="1">
+                          <a:solidFill>
+                            <a:schemeClr val="tx1"/>
+                          </a:solidFill>
+                          <a:latin typeface="Arial" panose="020B0604020202020204" pitchFamily="34" charset="0"/>
+                          <a:ea typeface="+mn-ea"/>
+                          <a:cs typeface="Arial" panose="020B0604020202020204" pitchFamily="34" charset="0"/>
+                        </a:rPr>
+                        <a:t>convexity</a:t>
+                      </a:r>
+                      <a:r>
+                        <a:rPr lang="it-IT" b="0" i="1" u="none" dirty="0">
+                          <a:solidFill>
+                            <a:schemeClr val="tx1"/>
+                          </a:solidFill>
+                          <a:latin typeface="Arial" panose="020B0604020202020204" pitchFamily="34" charset="0"/>
+                          <a:ea typeface="+mn-ea"/>
+                          <a:cs typeface="Arial" panose="020B0604020202020204" pitchFamily="34" charset="0"/>
+                        </a:rPr>
+                        <a:t> Test</a:t>
+                      </a:r>
+                    </a:p>
+                  </a:txBody>
+                  <a:tcPr/>
+                </a:tc>
+                <a:tc>
+                  <a:txBody>
+                    <a:bodyPr/>
+                    <a:lstStyle/>
+                    <a:p>
+                      <a:pPr marL="0" algn="ctr"/>
+                      <a:r>
+                        <a:rPr lang="it-IT" b="0" dirty="0">
+                          <a:solidFill>
+                            <a:schemeClr val="tx1"/>
+                          </a:solidFill>
+                          <a:latin typeface="Arial" panose="020B0604020202020204" pitchFamily="34" charset="0"/>
+                          <a:ea typeface="+mn-ea"/>
+                          <a:cs typeface="Arial" panose="020B0604020202020204" pitchFamily="34" charset="0"/>
+                        </a:rPr>
+                        <a:t>4ms</a:t>
+                      </a:r>
+                    </a:p>
+                  </a:txBody>
+                  <a:tcPr/>
+                </a:tc>
+                <a:tc>
+                  <a:txBody>
+                    <a:bodyPr/>
+                    <a:lstStyle/>
+                    <a:p>
+                      <a:pPr marL="0" algn="ctr"/>
+                      <a:r>
+                        <a:rPr lang="it-IT" b="0" dirty="0">
+                          <a:solidFill>
+                            <a:schemeClr val="tx1"/>
+                          </a:solidFill>
+                          <a:latin typeface="Arial" panose="020B0604020202020204" pitchFamily="34" charset="0"/>
+                          <a:ea typeface="+mn-ea"/>
+                          <a:cs typeface="Arial" panose="020B0604020202020204" pitchFamily="34" charset="0"/>
+                        </a:rPr>
+                        <a:t>4</a:t>
+                      </a:r>
+                    </a:p>
+                  </a:txBody>
+                  <a:tcPr/>
+                </a:tc>
+                <a:extLst>
+                  <a:ext uri="{0D108BD9-81ED-4DB2-BD59-A6C34878D82A}">
+                    <a16:rowId xmlns:a16="http://schemas.microsoft.com/office/drawing/2014/main" val="2741163332"/>
+                  </a:ext>
+                </a:extLst>
+              </a:tr>
+              <a:tr h="470307">
+                <a:tc>
+                  <a:txBody>
+                    <a:bodyPr/>
+                    <a:lstStyle/>
+                    <a:p>
+                      <a:pPr marL="0" algn="r"/>
+                      <a:endParaRPr lang="it-IT" b="0" i="1" u="none" dirty="0">
+                        <a:solidFill>
+                          <a:schemeClr val="tx1"/>
+                        </a:solidFill>
+                        <a:latin typeface="Arial" panose="020B0604020202020204" pitchFamily="34" charset="0"/>
+                        <a:ea typeface="+mn-ea"/>
+                        <a:cs typeface="Arial" panose="020B0604020202020204" pitchFamily="34" charset="0"/>
+                      </a:endParaRPr>
+                    </a:p>
+                  </a:txBody>
+                  <a:tcPr/>
+                </a:tc>
+                <a:tc>
+                  <a:txBody>
+                    <a:bodyPr/>
+                    <a:lstStyle/>
+                    <a:p>
+                      <a:pPr marL="0" algn="ctr"/>
+                      <a:endParaRPr lang="it-IT" b="0" dirty="0">
+                        <a:solidFill>
+                          <a:schemeClr val="tx1"/>
+                        </a:solidFill>
+                        <a:latin typeface="Arial" panose="020B0604020202020204" pitchFamily="34" charset="0"/>
+                        <a:ea typeface="+mn-ea"/>
+                        <a:cs typeface="Arial" panose="020B0604020202020204" pitchFamily="34" charset="0"/>
+                      </a:endParaRPr>
+                    </a:p>
+                  </a:txBody>
+                  <a:tcPr/>
+                </a:tc>
+                <a:tc>
+                  <a:txBody>
+                    <a:bodyPr/>
+                    <a:lstStyle/>
+                    <a:p>
+                      <a:pPr marL="0" algn="ctr"/>
+                      <a:endParaRPr lang="it-IT" b="0" dirty="0">
+                        <a:solidFill>
+                          <a:schemeClr val="tx1"/>
+                        </a:solidFill>
+                        <a:latin typeface="Arial" panose="020B0604020202020204" pitchFamily="34" charset="0"/>
+                        <a:ea typeface="+mn-ea"/>
+                        <a:cs typeface="Arial" panose="020B0604020202020204" pitchFamily="34" charset="0"/>
+                      </a:endParaRPr>
+                    </a:p>
+                  </a:txBody>
+                  <a:tcPr/>
+                </a:tc>
+                <a:extLst>
+                  <a:ext uri="{0D108BD9-81ED-4DB2-BD59-A6C34878D82A}">
+                    <a16:rowId xmlns:a16="http://schemas.microsoft.com/office/drawing/2014/main" val="288623853"/>
+                  </a:ext>
+                </a:extLst>
+              </a:tr>
+              <a:tr h="470307">
+                <a:tc>
+                  <a:txBody>
+                    <a:bodyPr/>
+                    <a:lstStyle/>
+                    <a:p>
+                      <a:pPr marL="0" algn="r"/>
+                      <a:endParaRPr lang="it-IT" b="0" i="1" u="none" dirty="0">
+                        <a:solidFill>
+                          <a:schemeClr val="tx1"/>
+                        </a:solidFill>
+                        <a:latin typeface="Arial" panose="020B0604020202020204" pitchFamily="34" charset="0"/>
+                        <a:ea typeface="+mn-ea"/>
+                        <a:cs typeface="Arial" panose="020B0604020202020204" pitchFamily="34" charset="0"/>
+                      </a:endParaRPr>
+                    </a:p>
+                  </a:txBody>
+                  <a:tcPr/>
+                </a:tc>
+                <a:tc>
+                  <a:txBody>
+                    <a:bodyPr/>
+                    <a:lstStyle/>
+                    <a:p>
+                      <a:pPr marL="0" algn="ctr"/>
+                      <a:endParaRPr lang="it-IT" b="0" dirty="0">
+                        <a:solidFill>
+                          <a:schemeClr val="tx1"/>
+                        </a:solidFill>
+                        <a:latin typeface="Arial" panose="020B0604020202020204" pitchFamily="34" charset="0"/>
+                        <a:ea typeface="+mn-ea"/>
+                        <a:cs typeface="Arial" panose="020B0604020202020204" pitchFamily="34" charset="0"/>
+                      </a:endParaRPr>
+                    </a:p>
+                  </a:txBody>
+                  <a:tcPr/>
+                </a:tc>
+                <a:tc>
+                  <a:txBody>
+                    <a:bodyPr/>
+                    <a:lstStyle/>
+                    <a:p>
+                      <a:pPr marL="0" algn="ctr"/>
+                      <a:endParaRPr lang="it-IT" b="0" dirty="0">
+                        <a:solidFill>
+                          <a:schemeClr val="tx1"/>
+                        </a:solidFill>
+                        <a:latin typeface="Arial" panose="020B0604020202020204" pitchFamily="34" charset="0"/>
+                        <a:ea typeface="+mn-ea"/>
+                        <a:cs typeface="Arial" panose="020B0604020202020204" pitchFamily="34" charset="0"/>
+                      </a:endParaRPr>
+                    </a:p>
+                  </a:txBody>
+                  <a:tcPr/>
+                </a:tc>
+                <a:extLst>
+                  <a:ext uri="{0D108BD9-81ED-4DB2-BD59-A6C34878D82A}">
+                    <a16:rowId xmlns:a16="http://schemas.microsoft.com/office/drawing/2014/main" val="2060404606"/>
+                  </a:ext>
+                </a:extLst>
+              </a:tr>
+              <a:tr h="470307">
+                <a:tc>
+                  <a:txBody>
+                    <a:bodyPr/>
+                    <a:lstStyle/>
+                    <a:p>
+                      <a:pPr marL="0" algn="r"/>
+                      <a:endParaRPr lang="it-IT" b="0" i="1" u="none" dirty="0">
+                        <a:solidFill>
+                          <a:schemeClr val="tx1"/>
+                        </a:solidFill>
+                        <a:latin typeface="Arial" panose="020B0604020202020204" pitchFamily="34" charset="0"/>
+                        <a:ea typeface="+mn-ea"/>
+                        <a:cs typeface="Arial" panose="020B0604020202020204" pitchFamily="34" charset="0"/>
+                      </a:endParaRPr>
+                    </a:p>
+                  </a:txBody>
+                  <a:tcPr/>
+                </a:tc>
+                <a:tc>
+                  <a:txBody>
+                    <a:bodyPr/>
+                    <a:lstStyle/>
+                    <a:p>
+                      <a:pPr marL="0" algn="ctr"/>
+                      <a:endParaRPr lang="it-IT" b="0" dirty="0">
+                        <a:solidFill>
+                          <a:schemeClr val="tx1"/>
+                        </a:solidFill>
+                        <a:latin typeface="Arial" panose="020B0604020202020204" pitchFamily="34" charset="0"/>
+                        <a:ea typeface="+mn-ea"/>
+                        <a:cs typeface="Arial" panose="020B0604020202020204" pitchFamily="34" charset="0"/>
+                      </a:endParaRPr>
+                    </a:p>
+                  </a:txBody>
+                  <a:tcPr/>
+                </a:tc>
+                <a:tc>
+                  <a:txBody>
+                    <a:bodyPr/>
+                    <a:lstStyle/>
+                    <a:p>
+                      <a:pPr marL="0" algn="ctr"/>
+                      <a:endParaRPr lang="it-IT" b="0" dirty="0">
+                        <a:solidFill>
+                          <a:schemeClr val="tx1"/>
+                        </a:solidFill>
+                        <a:latin typeface="Arial" panose="020B0604020202020204" pitchFamily="34" charset="0"/>
+                        <a:ea typeface="+mn-ea"/>
+                        <a:cs typeface="Arial" panose="020B0604020202020204" pitchFamily="34" charset="0"/>
+                      </a:endParaRPr>
+                    </a:p>
+                  </a:txBody>
+                  <a:tcPr/>
+                </a:tc>
+                <a:extLst>
+                  <a:ext uri="{0D108BD9-81ED-4DB2-BD59-A6C34878D82A}">
+                    <a16:rowId xmlns:a16="http://schemas.microsoft.com/office/drawing/2014/main" val="4239845344"/>
+                  </a:ext>
+                </a:extLst>
+              </a:tr>
+              <a:tr h="470307">
+                <a:tc>
+                  <a:txBody>
+                    <a:bodyPr/>
+                    <a:lstStyle/>
+                    <a:p>
+                      <a:pPr marL="0" algn="r"/>
+                      <a:endParaRPr lang="it-IT" b="0" i="1" u="none" dirty="0">
+                        <a:solidFill>
+                          <a:schemeClr val="tx1"/>
+                        </a:solidFill>
+                        <a:latin typeface="Arial" panose="020B0604020202020204" pitchFamily="34" charset="0"/>
+                        <a:ea typeface="+mn-ea"/>
+                        <a:cs typeface="Arial" panose="020B0604020202020204" pitchFamily="34" charset="0"/>
+                      </a:endParaRPr>
+                    </a:p>
+                  </a:txBody>
+                  <a:tcPr/>
+                </a:tc>
+                <a:tc>
+                  <a:txBody>
+                    <a:bodyPr/>
+                    <a:lstStyle/>
+                    <a:p>
+                      <a:pPr marL="0" algn="ctr"/>
+                      <a:endParaRPr lang="it-IT" b="0" dirty="0">
+                        <a:solidFill>
+                          <a:schemeClr val="tx1"/>
+                        </a:solidFill>
+                        <a:latin typeface="Arial" panose="020B0604020202020204" pitchFamily="34" charset="0"/>
+                        <a:ea typeface="+mn-ea"/>
+                        <a:cs typeface="Arial" panose="020B0604020202020204" pitchFamily="34" charset="0"/>
+                      </a:endParaRPr>
+                    </a:p>
+                  </a:txBody>
+                  <a:tcPr/>
+                </a:tc>
+                <a:tc>
+                  <a:txBody>
+                    <a:bodyPr/>
+                    <a:lstStyle/>
+                    <a:p>
+                      <a:pPr marL="0" algn="ctr"/>
+                      <a:endParaRPr lang="it-IT" b="0" dirty="0">
+                        <a:solidFill>
+                          <a:schemeClr val="tx1"/>
+                        </a:solidFill>
+                        <a:latin typeface="Arial" panose="020B0604020202020204" pitchFamily="34" charset="0"/>
+                        <a:ea typeface="+mn-ea"/>
+                        <a:cs typeface="Arial" panose="020B0604020202020204" pitchFamily="34" charset="0"/>
+                      </a:endParaRPr>
+                    </a:p>
+                  </a:txBody>
+                  <a:tcPr/>
+                </a:tc>
+                <a:extLst>
+                  <a:ext uri="{0D108BD9-81ED-4DB2-BD59-A6C34878D82A}">
+                    <a16:rowId xmlns:a16="http://schemas.microsoft.com/office/drawing/2014/main" val="1999372708"/>
+                  </a:ext>
+                </a:extLst>
+              </a:tr>
+              <a:tr h="470307">
+                <a:tc>
+                  <a:txBody>
+                    <a:bodyPr/>
+                    <a:lstStyle/>
+                    <a:p>
+                      <a:pPr marL="0" algn="r"/>
+                      <a:r>
+                        <a:rPr lang="it-IT" b="0" i="1" u="none" dirty="0">
+                          <a:solidFill>
+                            <a:schemeClr val="tx1"/>
+                          </a:solidFill>
+                          <a:latin typeface="Arial" panose="020B0604020202020204" pitchFamily="34" charset="0"/>
+                          <a:ea typeface="+mn-ea"/>
+                          <a:cs typeface="Arial" panose="020B0604020202020204" pitchFamily="34" charset="0"/>
+                        </a:rPr>
+                        <a:t>Newton</a:t>
+                      </a:r>
+                    </a:p>
+                  </a:txBody>
+                  <a:tcPr/>
+                </a:tc>
+                <a:tc>
+                  <a:txBody>
+                    <a:bodyPr/>
+                    <a:lstStyle/>
+                    <a:p>
+                      <a:pPr marL="0" algn="ctr"/>
+                      <a:r>
+                        <a:rPr lang="it-IT" b="0" dirty="0">
+                          <a:solidFill>
+                            <a:schemeClr val="tx1"/>
+                          </a:solidFill>
+                          <a:latin typeface="Arial" panose="020B0604020202020204" pitchFamily="34" charset="0"/>
+                          <a:ea typeface="+mn-ea"/>
+                          <a:cs typeface="Arial" panose="020B0604020202020204" pitchFamily="34" charset="0"/>
+                        </a:rPr>
+                        <a:t>11+6ms</a:t>
+                      </a:r>
+                    </a:p>
+                  </a:txBody>
+                  <a:tcPr/>
+                </a:tc>
+                <a:tc>
+                  <a:txBody>
+                    <a:bodyPr/>
+                    <a:lstStyle/>
+                    <a:p>
+                      <a:pPr marL="0" algn="ctr"/>
+                      <a:r>
+                        <a:rPr lang="it-IT" b="0" dirty="0">
+                          <a:solidFill>
+                            <a:schemeClr val="tx1"/>
+                          </a:solidFill>
+                          <a:latin typeface="Arial" panose="020B0604020202020204" pitchFamily="34" charset="0"/>
+                          <a:ea typeface="+mn-ea"/>
+                          <a:cs typeface="Arial" panose="020B0604020202020204" pitchFamily="34" charset="0"/>
+                        </a:rPr>
+                        <a:t>1</a:t>
+                      </a:r>
+                    </a:p>
+                  </a:txBody>
+                  <a:tcPr/>
+                </a:tc>
+                <a:extLst>
+                  <a:ext uri="{0D108BD9-81ED-4DB2-BD59-A6C34878D82A}">
+                    <a16:rowId xmlns:a16="http://schemas.microsoft.com/office/drawing/2014/main" val="2376153918"/>
+                  </a:ext>
+                </a:extLst>
+              </a:tr>
+            </a:tbl>
+          </a:graphicData>
+        </a:graphic>
+      </p:graphicFrame>
+    </p:spTree>
+    <p:extLst>
+      <p:ext uri="{BB962C8B-B14F-4D97-AF65-F5344CB8AC3E}">
+        <p14:creationId xmlns:p14="http://schemas.microsoft.com/office/powerpoint/2010/main" val="250821435"/>
       </p:ext>
     </p:extLst>
   </p:cSld>

--- a/Ppt/Optimization.pptx
+++ b/Ppt/Optimization.pptx
@@ -5,7 +5,7 @@
     <p:sldMasterId id="2147483648" r:id="rId1"/>
   </p:sldMasterIdLst>
   <p:notesMasterIdLst>
-    <p:notesMasterId r:id="rId52"/>
+    <p:notesMasterId r:id="rId53"/>
   </p:notesMasterIdLst>
   <p:sldIdLst>
     <p:sldId id="256" r:id="rId2"/>
@@ -58,6 +58,7 @@
     <p:sldId id="312" r:id="rId49"/>
     <p:sldId id="313" r:id="rId50"/>
     <p:sldId id="314" r:id="rId51"/>
+    <p:sldId id="315" r:id="rId52"/>
   </p:sldIdLst>
   <p:sldSz cx="12192000" cy="6858000"/>
   <p:notesSz cx="12192000" cy="6858000"/>
@@ -167,7 +168,7 @@
           <a:p>
             <a:fld id="{52CF3C78-BFF9-4137-8833-13E3D0B09D8B}" type="datetimeFigureOut">
               <a:rPr lang="it-IT" smtClean="0"/>
-              <a:t>14/06/2025</a:t>
+              <a:t>15/06/2025</a:t>
             </a:fld>
             <a:endParaRPr lang="it-IT"/>
           </a:p>
@@ -669,7 +670,7 @@
           <a:p>
             <a:fld id="{1D8BD707-D9CF-40AE-B4C6-C98DA3205C09}" type="datetimeFigureOut">
               <a:rPr lang="en-US"/>
-              <a:t>6/14/2025</a:t>
+              <a:t>6/15/2025</a:t>
             </a:fld>
             <a:endParaRPr lang="en-US"/>
           </a:p>
@@ -846,7 +847,7 @@
           <a:p>
             <a:fld id="{1D8BD707-D9CF-40AE-B4C6-C98DA3205C09}" type="datetimeFigureOut">
               <a:rPr lang="en-US"/>
-              <a:t>6/14/2025</a:t>
+              <a:t>6/15/2025</a:t>
             </a:fld>
             <a:endParaRPr lang="en-US"/>
           </a:p>
@@ -1060,7 +1061,7 @@
           <a:p>
             <a:fld id="{1D8BD707-D9CF-40AE-B4C6-C98DA3205C09}" type="datetimeFigureOut">
               <a:rPr lang="en-US"/>
-              <a:t>6/14/2025</a:t>
+              <a:t>6/15/2025</a:t>
             </a:fld>
             <a:endParaRPr lang="en-US"/>
           </a:p>
@@ -1208,7 +1209,7 @@
           <a:p>
             <a:fld id="{1D8BD707-D9CF-40AE-B4C6-C98DA3205C09}" type="datetimeFigureOut">
               <a:rPr lang="en-US"/>
-              <a:t>6/14/2025</a:t>
+              <a:t>6/15/2025</a:t>
             </a:fld>
             <a:endParaRPr lang="en-US"/>
           </a:p>
@@ -1327,7 +1328,7 @@
           <a:p>
             <a:fld id="{1D8BD707-D9CF-40AE-B4C6-C98DA3205C09}" type="datetimeFigureOut">
               <a:rPr lang="en-US"/>
-              <a:t>6/14/2025</a:t>
+              <a:t>6/15/2025</a:t>
             </a:fld>
             <a:endParaRPr lang="en-US"/>
           </a:p>
@@ -1624,7 +1625,7 @@
           <a:p>
             <a:fld id="{1D8BD707-D9CF-40AE-B4C6-C98DA3205C09}" type="datetimeFigureOut">
               <a:rPr lang="en-US"/>
-              <a:t>6/14/2025</a:t>
+              <a:t>6/15/2025</a:t>
             </a:fld>
             <a:endParaRPr lang="en-US"/>
           </a:p>
@@ -5707,8 +5708,8 @@
           </a:p>
         </p:txBody>
       </p:sp>
-      <mc:AlternateContent xmlns:mc="http://schemas.openxmlformats.org/markup-compatibility/2006" xmlns:a14="http://schemas.microsoft.com/office/drawing/2010/main">
-        <mc:Choice Requires="a14">
+      <mc:AlternateContent xmlns:mc="http://schemas.openxmlformats.org/markup-compatibility/2006">
+        <mc:Choice xmlns:a14="http://schemas.microsoft.com/office/drawing/2010/main" Requires="a14">
           <p:sp>
             <p:nvSpPr>
               <p:cNvPr id="4" name="CasellaDiTesto 3">
@@ -5752,7 +5753,7 @@
                     <a:latin typeface="Arial" panose="020B0604020202020204" pitchFamily="34" charset="0"/>
                     <a:cs typeface="Arial" panose="020B0604020202020204" pitchFamily="34" charset="0"/>
                   </a:rPr>
-                  <a:t>empirical</a:t>
+                  <a:t>empirically</a:t>
                 </a:r>
                 <a:r>
                   <a:rPr lang="en-GB" sz="2800" noProof="0" dirty="0">
@@ -5843,7 +5844,7 @@
             </p:txBody>
           </p:sp>
         </mc:Choice>
-        <mc:Fallback xmlns="">
+        <mc:Fallback>
           <p:sp>
             <p:nvSpPr>
               <p:cNvPr id="4" name="CasellaDiTesto 3">
@@ -5869,7 +5870,7 @@
               <a:blipFill>
                 <a:blip r:embed="rId2"/>
                 <a:stretch>
-                  <a:fillRect l="-1159" t="-12791" b="-31395"/>
+                  <a:fillRect l="-1159" t="-12791" r="-522" b="-31395"/>
                 </a:stretch>
               </a:blipFill>
             </p:spPr>
@@ -10239,8 +10240,8 @@
           </a:p>
         </p:txBody>
       </p:sp>
-      <mc:AlternateContent xmlns:mc="http://schemas.openxmlformats.org/markup-compatibility/2006" xmlns:a14="http://schemas.microsoft.com/office/drawing/2010/main">
-        <mc:Choice Requires="a14">
+      <mc:AlternateContent xmlns:mc="http://schemas.openxmlformats.org/markup-compatibility/2006">
+        <mc:Choice xmlns:a14="http://schemas.microsoft.com/office/drawing/2010/main" Requires="a14">
           <p:sp>
             <p:nvSpPr>
               <p:cNvPr id="8" name="CasellaDiTesto 7">
@@ -10287,7 +10288,7 @@
                 <a14:m>
                   <m:oMathPara xmlns:m="http://schemas.openxmlformats.org/officeDocument/2006/math">
                     <m:oMathParaPr>
-                      <m:jc m:val="centerGroup"/>
+                      <m:jc m:val="left"/>
                     </m:oMathParaPr>
                     <m:oMath xmlns:m="http://schemas.openxmlformats.org/officeDocument/2006/math">
                       <m:d>
@@ -10488,7 +10489,7 @@
             </p:txBody>
           </p:sp>
         </mc:Choice>
-        <mc:Fallback xmlns="">
+        <mc:Fallback>
           <p:sp>
             <p:nvSpPr>
               <p:cNvPr id="8" name="CasellaDiTesto 7">
@@ -13262,19 +13263,13 @@
               <a:rPr lang="en-GB" dirty="0">
                 <a:latin typeface="Arial Black" panose="020B0A04020102020204" pitchFamily="34" charset="0"/>
               </a:rPr>
-              <a:t>Random c</a:t>
-            </a:r>
-            <a:r>
-              <a:rPr lang="en-GB" noProof="0" dirty="0" err="1">
-                <a:latin typeface="Arial Black" panose="020B0A04020102020204" pitchFamily="34" charset="0"/>
-              </a:rPr>
-              <a:t>oordinate</a:t>
+              <a:t>Random coordinate </a:t>
             </a:r>
             <a:r>
               <a:rPr lang="en-GB" noProof="0" dirty="0">
                 <a:latin typeface="Arial Black" panose="020B0A04020102020204" pitchFamily="34" charset="0"/>
               </a:rPr>
-              <a:t> descent</a:t>
+              <a:t>descent</a:t>
             </a:r>
           </a:p>
         </p:txBody>
@@ -14349,7 +14344,7 @@
           <a:p>
             <a:r>
               <a:rPr lang="en-US" sz="2800" dirty="0"/>
-              <a:t>All three converge in less than 40 steps.</a:t>
+              <a:t>All three converge in less than 50 steps.</a:t>
             </a:r>
           </a:p>
           <a:p>
@@ -16101,7 +16096,13 @@
           <p:cNvGraphicFramePr>
             <a:graphicFrameLocks noGrp="1"/>
           </p:cNvGraphicFramePr>
-          <p:nvPr/>
+          <p:nvPr>
+            <p:extLst>
+              <p:ext uri="{D42A27DB-BD31-4B8C-83A1-F6EECF244321}">
+                <p14:modId xmlns:p14="http://schemas.microsoft.com/office/powerpoint/2010/main" val="1630033602"/>
+              </p:ext>
+            </p:extLst>
+          </p:nvPr>
         </p:nvGraphicFramePr>
         <p:xfrm>
           <a:off x="2286000" y="1143000"/>
@@ -16246,7 +16247,7 @@
                           <a:ea typeface="+mn-ea"/>
                           <a:cs typeface="Arial" panose="020B0604020202020204" pitchFamily="34" charset="0"/>
                         </a:rPr>
-                        <a:t>Step </a:t>
+                        <a:t>Steps </a:t>
                       </a:r>
                       <a:r>
                         <a:rPr lang="it-IT" b="1" dirty="0" err="1">
@@ -16283,7 +16284,7 @@
                     <a:bodyPr/>
                     <a:lstStyle/>
                     <a:p>
-                      <a:pPr marL="0" algn="r"/>
+                      <a:pPr marL="0" algn="ctr"/>
                       <a:r>
                         <a:rPr lang="en-US" b="0" i="1" u="none" dirty="0">
                           <a:solidFill>
@@ -16361,7 +16362,7 @@
                     <a:bodyPr/>
                     <a:lstStyle/>
                     <a:p>
-                      <a:pPr marL="0" algn="r"/>
+                      <a:pPr marL="0" algn="ctr"/>
                       <a:r>
                         <a:rPr lang="it-IT" b="0" i="1" u="none" dirty="0" err="1">
                           <a:solidFill>
@@ -16442,7 +16443,7 @@
                     <a:bodyPr/>
                     <a:lstStyle/>
                     <a:p>
-                      <a:pPr marL="0" algn="r"/>
+                      <a:pPr marL="0" algn="ctr"/>
                       <a:r>
                         <a:rPr lang="it-IT" b="0" i="1" u="none" dirty="0" err="1">
                           <a:solidFill>
@@ -16542,7 +16543,7 @@
                     <a:bodyPr/>
                     <a:lstStyle/>
                     <a:p>
-                      <a:pPr marL="0" algn="r"/>
+                      <a:pPr marL="0" algn="ctr"/>
                       <a:r>
                         <a:rPr lang="it-IT" b="0" i="1" u="none" dirty="0">
                           <a:solidFill>
@@ -16634,7 +16635,62 @@
                     <a:bodyPr/>
                     <a:lstStyle/>
                     <a:p>
-                      <a:pPr marL="0" algn="r"/>
+                      <a:pPr marL="0" algn="ctr"/>
+                      <a:r>
+                        <a:rPr lang="it-IT" b="0" i="1" u="none" dirty="0" err="1">
+                          <a:solidFill>
+                            <a:schemeClr val="tx1"/>
+                          </a:solidFill>
+                          <a:latin typeface="Arial" panose="020B0604020202020204" pitchFamily="34" charset="0"/>
+                          <a:ea typeface="+mn-ea"/>
+                          <a:cs typeface="Arial" panose="020B0604020202020204" pitchFamily="34" charset="0"/>
+                        </a:rPr>
+                        <a:t>Minibatch</a:t>
+                      </a:r>
+                      <a:r>
+                        <a:rPr lang="it-IT" b="0" i="1" u="none" dirty="0">
+                          <a:solidFill>
+                            <a:schemeClr val="tx1"/>
+                          </a:solidFill>
+                          <a:latin typeface="Arial" panose="020B0604020202020204" pitchFamily="34" charset="0"/>
+                          <a:ea typeface="+mn-ea"/>
+                          <a:cs typeface="Arial" panose="020B0604020202020204" pitchFamily="34" charset="0"/>
+                        </a:rPr>
+                        <a:t> </a:t>
+                      </a:r>
+                      <a:r>
+                        <a:rPr lang="it-IT" b="0" i="1" u="none" dirty="0" err="1">
+                          <a:solidFill>
+                            <a:schemeClr val="tx1"/>
+                          </a:solidFill>
+                          <a:latin typeface="Arial" panose="020B0604020202020204" pitchFamily="34" charset="0"/>
+                          <a:ea typeface="+mn-ea"/>
+                          <a:cs typeface="Arial" panose="020B0604020202020204" pitchFamily="34" charset="0"/>
+                        </a:rPr>
+                        <a:t>Stochastic</a:t>
+                      </a:r>
+                      <a:r>
+                        <a:rPr lang="it-IT" b="0" i="1" u="none" dirty="0">
+                          <a:solidFill>
+                            <a:schemeClr val="tx1"/>
+                          </a:solidFill>
+                          <a:latin typeface="Arial" panose="020B0604020202020204" pitchFamily="34" charset="0"/>
+                          <a:ea typeface="+mn-ea"/>
+                          <a:cs typeface="Arial" panose="020B0604020202020204" pitchFamily="34" charset="0"/>
+                        </a:rPr>
+                        <a:t> </a:t>
+                      </a:r>
+                      <a:r>
+                        <a:rPr lang="it-IT" b="0" i="1" u="none" dirty="0" err="1">
+                          <a:solidFill>
+                            <a:schemeClr val="tx1"/>
+                          </a:solidFill>
+                          <a:latin typeface="Arial" panose="020B0604020202020204" pitchFamily="34" charset="0"/>
+                          <a:ea typeface="+mn-ea"/>
+                          <a:cs typeface="Arial" panose="020B0604020202020204" pitchFamily="34" charset="0"/>
+                        </a:rPr>
+                        <a:t>Gradient</a:t>
+                      </a:r>
                       <a:endParaRPr lang="it-IT" b="0" i="1" u="none" dirty="0">
                         <a:solidFill>
                           <a:schemeClr val="tx1"/>
@@ -16653,14 +16709,17 @@
                     <a:lstStyle/>
                     <a:p>
                       <a:pPr marL="0" algn="ctr"/>
-                      <a:endParaRPr lang="it-IT" b="0" dirty="0">
-                        <a:solidFill>
-                          <a:schemeClr val="tx1"/>
-                        </a:solidFill>
-                        <a:latin typeface="Arial" panose="020B0604020202020204" pitchFamily="34" charset="0"/>
-                        <a:ea typeface="+mn-ea"/>
-                        <a:cs typeface="Arial" panose="020B0604020202020204" pitchFamily="34" charset="0"/>
-                      </a:endParaRPr>
+                      <a:r>
+                        <a:rPr lang="it-IT" b="0" dirty="0">
+                          <a:solidFill>
+                            <a:schemeClr val="tx1"/>
+                          </a:solidFill>
+                          <a:latin typeface="Arial" panose="020B0604020202020204" pitchFamily="34" charset="0"/>
+                          <a:ea typeface="+mn-ea"/>
+                          <a:cs typeface="Arial" panose="020B0604020202020204" pitchFamily="34" charset="0"/>
+                        </a:rPr>
+                        <a:t>203ms</a:t>
+                      </a:r>
                     </a:p>
                   </a:txBody>
                   <a:tcPr/>
@@ -16671,14 +16730,17 @@
                     <a:lstStyle/>
                     <a:p>
                       <a:pPr marL="0" algn="ctr"/>
-                      <a:endParaRPr lang="it-IT" b="0" dirty="0">
-                        <a:solidFill>
-                          <a:schemeClr val="tx1"/>
-                        </a:solidFill>
-                        <a:latin typeface="Arial" panose="020B0604020202020204" pitchFamily="34" charset="0"/>
-                        <a:ea typeface="+mn-ea"/>
-                        <a:cs typeface="Arial" panose="020B0604020202020204" pitchFamily="34" charset="0"/>
-                      </a:endParaRPr>
+                      <a:r>
+                        <a:rPr lang="it-IT" b="0" dirty="0">
+                          <a:solidFill>
+                            <a:schemeClr val="tx1"/>
+                          </a:solidFill>
+                          <a:latin typeface="Arial" panose="020B0604020202020204" pitchFamily="34" charset="0"/>
+                          <a:ea typeface="+mn-ea"/>
+                          <a:cs typeface="Arial" panose="020B0604020202020204" pitchFamily="34" charset="0"/>
+                        </a:rPr>
+                        <a:t>/</a:t>
+                      </a:r>
                     </a:p>
                   </a:txBody>
                   <a:tcPr/>
@@ -16695,7 +16757,191 @@
                     <a:bodyPr/>
                     <a:lstStyle/>
                     <a:p>
-                      <a:pPr marL="0" algn="r"/>
+                      <a:pPr marL="0" algn="ctr"/>
+                      <a:r>
+                        <a:rPr lang="it-IT" b="0" i="1" u="none" dirty="0">
+                          <a:solidFill>
+                            <a:schemeClr val="tx1"/>
+                          </a:solidFill>
+                          <a:latin typeface="Arial" panose="020B0604020202020204" pitchFamily="34" charset="0"/>
+                          <a:ea typeface="+mn-ea"/>
+                          <a:cs typeface="Arial" panose="020B0604020202020204" pitchFamily="34" charset="0"/>
+                        </a:rPr>
+                        <a:t>ADAGRAD</a:t>
+                      </a:r>
+                    </a:p>
+                  </a:txBody>
+                  <a:tcPr/>
+                </a:tc>
+                <a:tc>
+                  <a:txBody>
+                    <a:bodyPr/>
+                    <a:lstStyle/>
+                    <a:p>
+                      <a:pPr marL="0" algn="ctr"/>
+                      <a:r>
+                        <a:rPr lang="it-IT" b="0" dirty="0">
+                          <a:solidFill>
+                            <a:schemeClr val="tx1"/>
+                          </a:solidFill>
+                          <a:latin typeface="Arial" panose="020B0604020202020204" pitchFamily="34" charset="0"/>
+                          <a:ea typeface="+mn-ea"/>
+                          <a:cs typeface="Arial" panose="020B0604020202020204" pitchFamily="34" charset="0"/>
+                        </a:rPr>
+                        <a:t>215ms</a:t>
+                      </a:r>
+                    </a:p>
+                  </a:txBody>
+                  <a:tcPr/>
+                </a:tc>
+                <a:tc>
+                  <a:txBody>
+                    <a:bodyPr/>
+                    <a:lstStyle/>
+                    <a:p>
+                      <a:pPr marL="0" algn="ctr"/>
+                      <a:r>
+                        <a:rPr lang="it-IT" b="0" dirty="0">
+                          <a:solidFill>
+                            <a:schemeClr val="tx1"/>
+                          </a:solidFill>
+                          <a:latin typeface="Arial" panose="020B0604020202020204" pitchFamily="34" charset="0"/>
+                          <a:ea typeface="+mn-ea"/>
+                          <a:cs typeface="Arial" panose="020B0604020202020204" pitchFamily="34" charset="0"/>
+                        </a:rPr>
+                        <a:t>/</a:t>
+                      </a:r>
+                    </a:p>
+                  </a:txBody>
+                  <a:tcPr/>
+                </a:tc>
+                <a:extLst>
+                  <a:ext uri="{0D108BD9-81ED-4DB2-BD59-A6C34878D82A}">
+                    <a16:rowId xmlns:a16="http://schemas.microsoft.com/office/drawing/2014/main" val="2060404606"/>
+                  </a:ext>
+                </a:extLst>
+              </a:tr>
+              <a:tr h="470307">
+                <a:tc>
+                  <a:txBody>
+                    <a:bodyPr/>
+                    <a:lstStyle/>
+                    <a:p>
+                      <a:pPr marL="0" algn="ctr"/>
+                      <a:r>
+                        <a:rPr lang="it-IT" b="0" i="1" u="none" dirty="0">
+                          <a:solidFill>
+                            <a:schemeClr val="tx1"/>
+                          </a:solidFill>
+                          <a:latin typeface="Arial" panose="020B0604020202020204" pitchFamily="34" charset="0"/>
+                          <a:ea typeface="+mn-ea"/>
+                          <a:cs typeface="Arial" panose="020B0604020202020204" pitchFamily="34" charset="0"/>
+                        </a:rPr>
+                        <a:t>ADAM</a:t>
+                      </a:r>
+                    </a:p>
+                  </a:txBody>
+                  <a:tcPr/>
+                </a:tc>
+                <a:tc>
+                  <a:txBody>
+                    <a:bodyPr/>
+                    <a:lstStyle/>
+                    <a:p>
+                      <a:pPr marL="0" algn="ctr"/>
+                      <a:r>
+                        <a:rPr lang="it-IT" b="0" dirty="0">
+                          <a:solidFill>
+                            <a:schemeClr val="tx1"/>
+                          </a:solidFill>
+                          <a:latin typeface="Arial" panose="020B0604020202020204" pitchFamily="34" charset="0"/>
+                          <a:ea typeface="+mn-ea"/>
+                          <a:cs typeface="Arial" panose="020B0604020202020204" pitchFamily="34" charset="0"/>
+                        </a:rPr>
+                        <a:t>245ms</a:t>
+                      </a:r>
+                    </a:p>
+                  </a:txBody>
+                  <a:tcPr/>
+                </a:tc>
+                <a:tc>
+                  <a:txBody>
+                    <a:bodyPr/>
+                    <a:lstStyle/>
+                    <a:p>
+                      <a:pPr marL="0" algn="ctr"/>
+                      <a:r>
+                        <a:rPr lang="it-IT" b="0" dirty="0">
+                          <a:solidFill>
+                            <a:schemeClr val="tx1"/>
+                          </a:solidFill>
+                          <a:latin typeface="Arial" panose="020B0604020202020204" pitchFamily="34" charset="0"/>
+                          <a:ea typeface="+mn-ea"/>
+                          <a:cs typeface="Arial" panose="020B0604020202020204" pitchFamily="34" charset="0"/>
+                        </a:rPr>
+                        <a:t>/</a:t>
+                      </a:r>
+                    </a:p>
+                  </a:txBody>
+                  <a:tcPr/>
+                </a:tc>
+                <a:extLst>
+                  <a:ext uri="{0D108BD9-81ED-4DB2-BD59-A6C34878D82A}">
+                    <a16:rowId xmlns:a16="http://schemas.microsoft.com/office/drawing/2014/main" val="4239845344"/>
+                  </a:ext>
+                </a:extLst>
+              </a:tr>
+              <a:tr h="470307">
+                <a:tc>
+                  <a:txBody>
+                    <a:bodyPr/>
+                    <a:lstStyle/>
+                    <a:p>
+                      <a:pPr marL="0" algn="ctr"/>
+                      <a:r>
+                        <a:rPr lang="it-IT" b="0" i="1" u="none" dirty="0">
+                          <a:solidFill>
+                            <a:schemeClr val="tx1"/>
+                          </a:solidFill>
+                          <a:latin typeface="Arial" panose="020B0604020202020204" pitchFamily="34" charset="0"/>
+                          <a:ea typeface="+mn-ea"/>
+                          <a:cs typeface="Arial" panose="020B0604020202020204" pitchFamily="34" charset="0"/>
+                        </a:rPr>
+                        <a:t>Sign </a:t>
+                      </a:r>
+                      <a:r>
+                        <a:rPr lang="it-IT" b="0" i="1" u="none" dirty="0" err="1">
+                          <a:solidFill>
+                            <a:schemeClr val="tx1"/>
+                          </a:solidFill>
+                          <a:latin typeface="Arial" panose="020B0604020202020204" pitchFamily="34" charset="0"/>
+                          <a:ea typeface="+mn-ea"/>
+                          <a:cs typeface="Arial" panose="020B0604020202020204" pitchFamily="34" charset="0"/>
+                        </a:rPr>
+                        <a:t>Stochastic</a:t>
+                      </a:r>
+                      <a:r>
+                        <a:rPr lang="it-IT" b="0" i="1" u="none" dirty="0">
+                          <a:solidFill>
+                            <a:schemeClr val="tx1"/>
+                          </a:solidFill>
+                          <a:latin typeface="Arial" panose="020B0604020202020204" pitchFamily="34" charset="0"/>
+                          <a:ea typeface="+mn-ea"/>
+                          <a:cs typeface="Arial" panose="020B0604020202020204" pitchFamily="34" charset="0"/>
+                        </a:rPr>
+                        <a:t> </a:t>
+                      </a:r>
+                      <a:r>
+                        <a:rPr lang="it-IT" b="0" i="1" u="none" dirty="0" err="1">
+                          <a:solidFill>
+                            <a:schemeClr val="tx1"/>
+                          </a:solidFill>
+                          <a:latin typeface="Arial" panose="020B0604020202020204" pitchFamily="34" charset="0"/>
+                          <a:ea typeface="+mn-ea"/>
+                          <a:cs typeface="Arial" panose="020B0604020202020204" pitchFamily="34" charset="0"/>
+                        </a:rPr>
+                        <a:t>gradient</a:t>
+                      </a:r>
                       <a:endParaRPr lang="it-IT" b="0" i="1" u="none" dirty="0">
                         <a:solidFill>
                           <a:schemeClr val="tx1"/>
@@ -16714,14 +16960,17 @@
                     <a:lstStyle/>
                     <a:p>
                       <a:pPr marL="0" algn="ctr"/>
-                      <a:endParaRPr lang="it-IT" b="0" dirty="0">
-                        <a:solidFill>
-                          <a:schemeClr val="tx1"/>
-                        </a:solidFill>
-                        <a:latin typeface="Arial" panose="020B0604020202020204" pitchFamily="34" charset="0"/>
-                        <a:ea typeface="+mn-ea"/>
-                        <a:cs typeface="Arial" panose="020B0604020202020204" pitchFamily="34" charset="0"/>
-                      </a:endParaRPr>
+                      <a:r>
+                        <a:rPr lang="it-IT" b="0" dirty="0">
+                          <a:solidFill>
+                            <a:schemeClr val="tx1"/>
+                          </a:solidFill>
+                          <a:latin typeface="Arial" panose="020B0604020202020204" pitchFamily="34" charset="0"/>
+                          <a:ea typeface="+mn-ea"/>
+                          <a:cs typeface="Arial" panose="020B0604020202020204" pitchFamily="34" charset="0"/>
+                        </a:rPr>
+                        <a:t>180ms</a:t>
+                      </a:r>
                     </a:p>
                   </a:txBody>
                   <a:tcPr/>
@@ -16732,136 +16981,17 @@
                     <a:lstStyle/>
                     <a:p>
                       <a:pPr marL="0" algn="ctr"/>
-                      <a:endParaRPr lang="it-IT" b="0" dirty="0">
-                        <a:solidFill>
-                          <a:schemeClr val="tx1"/>
-                        </a:solidFill>
-                        <a:latin typeface="Arial" panose="020B0604020202020204" pitchFamily="34" charset="0"/>
-                        <a:ea typeface="+mn-ea"/>
-                        <a:cs typeface="Arial" panose="020B0604020202020204" pitchFamily="34" charset="0"/>
-                      </a:endParaRPr>
-                    </a:p>
-                  </a:txBody>
-                  <a:tcPr/>
-                </a:tc>
-                <a:extLst>
-                  <a:ext uri="{0D108BD9-81ED-4DB2-BD59-A6C34878D82A}">
-                    <a16:rowId xmlns:a16="http://schemas.microsoft.com/office/drawing/2014/main" val="2060404606"/>
-                  </a:ext>
-                </a:extLst>
-              </a:tr>
-              <a:tr h="470307">
-                <a:tc>
-                  <a:txBody>
-                    <a:bodyPr/>
-                    <a:lstStyle/>
-                    <a:p>
-                      <a:pPr marL="0" algn="r"/>
-                      <a:endParaRPr lang="it-IT" b="0" i="1" u="none" dirty="0">
-                        <a:solidFill>
-                          <a:schemeClr val="tx1"/>
-                        </a:solidFill>
-                        <a:latin typeface="Arial" panose="020B0604020202020204" pitchFamily="34" charset="0"/>
-                        <a:ea typeface="+mn-ea"/>
-                        <a:cs typeface="Arial" panose="020B0604020202020204" pitchFamily="34" charset="0"/>
-                      </a:endParaRPr>
-                    </a:p>
-                  </a:txBody>
-                  <a:tcPr/>
-                </a:tc>
-                <a:tc>
-                  <a:txBody>
-                    <a:bodyPr/>
-                    <a:lstStyle/>
-                    <a:p>
-                      <a:pPr marL="0" algn="ctr"/>
-                      <a:endParaRPr lang="it-IT" b="0" dirty="0">
-                        <a:solidFill>
-                          <a:schemeClr val="tx1"/>
-                        </a:solidFill>
-                        <a:latin typeface="Arial" panose="020B0604020202020204" pitchFamily="34" charset="0"/>
-                        <a:ea typeface="+mn-ea"/>
-                        <a:cs typeface="Arial" panose="020B0604020202020204" pitchFamily="34" charset="0"/>
-                      </a:endParaRPr>
-                    </a:p>
-                  </a:txBody>
-                  <a:tcPr/>
-                </a:tc>
-                <a:tc>
-                  <a:txBody>
-                    <a:bodyPr/>
-                    <a:lstStyle/>
-                    <a:p>
-                      <a:pPr marL="0" algn="ctr"/>
-                      <a:endParaRPr lang="it-IT" b="0" dirty="0">
-                        <a:solidFill>
-                          <a:schemeClr val="tx1"/>
-                        </a:solidFill>
-                        <a:latin typeface="Arial" panose="020B0604020202020204" pitchFamily="34" charset="0"/>
-                        <a:ea typeface="+mn-ea"/>
-                        <a:cs typeface="Arial" panose="020B0604020202020204" pitchFamily="34" charset="0"/>
-                      </a:endParaRPr>
-                    </a:p>
-                  </a:txBody>
-                  <a:tcPr/>
-                </a:tc>
-                <a:extLst>
-                  <a:ext uri="{0D108BD9-81ED-4DB2-BD59-A6C34878D82A}">
-                    <a16:rowId xmlns:a16="http://schemas.microsoft.com/office/drawing/2014/main" val="4239845344"/>
-                  </a:ext>
-                </a:extLst>
-              </a:tr>
-              <a:tr h="470307">
-                <a:tc>
-                  <a:txBody>
-                    <a:bodyPr/>
-                    <a:lstStyle/>
-                    <a:p>
-                      <a:pPr marL="0" algn="r"/>
-                      <a:endParaRPr lang="it-IT" b="0" i="1" u="none" dirty="0">
-                        <a:solidFill>
-                          <a:schemeClr val="tx1"/>
-                        </a:solidFill>
-                        <a:latin typeface="Arial" panose="020B0604020202020204" pitchFamily="34" charset="0"/>
-                        <a:ea typeface="+mn-ea"/>
-                        <a:cs typeface="Arial" panose="020B0604020202020204" pitchFamily="34" charset="0"/>
-                      </a:endParaRPr>
-                    </a:p>
-                  </a:txBody>
-                  <a:tcPr/>
-                </a:tc>
-                <a:tc>
-                  <a:txBody>
-                    <a:bodyPr/>
-                    <a:lstStyle/>
-                    <a:p>
-                      <a:pPr marL="0" algn="ctr"/>
-                      <a:endParaRPr lang="it-IT" b="0" dirty="0">
-                        <a:solidFill>
-                          <a:schemeClr val="tx1"/>
-                        </a:solidFill>
-                        <a:latin typeface="Arial" panose="020B0604020202020204" pitchFamily="34" charset="0"/>
-                        <a:ea typeface="+mn-ea"/>
-                        <a:cs typeface="Arial" panose="020B0604020202020204" pitchFamily="34" charset="0"/>
-                      </a:endParaRPr>
-                    </a:p>
-                  </a:txBody>
-                  <a:tcPr/>
-                </a:tc>
-                <a:tc>
-                  <a:txBody>
-                    <a:bodyPr/>
-                    <a:lstStyle/>
-                    <a:p>
-                      <a:pPr marL="0" algn="ctr"/>
-                      <a:endParaRPr lang="it-IT" b="0" dirty="0">
-                        <a:solidFill>
-                          <a:schemeClr val="tx1"/>
-                        </a:solidFill>
-                        <a:latin typeface="Arial" panose="020B0604020202020204" pitchFamily="34" charset="0"/>
-                        <a:ea typeface="+mn-ea"/>
-                        <a:cs typeface="Arial" panose="020B0604020202020204" pitchFamily="34" charset="0"/>
-                      </a:endParaRPr>
+                      <a:r>
+                        <a:rPr lang="it-IT" b="0" dirty="0">
+                          <a:solidFill>
+                            <a:schemeClr val="tx1"/>
+                          </a:solidFill>
+                          <a:latin typeface="Arial" panose="020B0604020202020204" pitchFamily="34" charset="0"/>
+                          <a:ea typeface="+mn-ea"/>
+                          <a:cs typeface="Arial" panose="020B0604020202020204" pitchFamily="34" charset="0"/>
+                        </a:rPr>
+                        <a:t>/</a:t>
+                      </a:r>
                     </a:p>
                   </a:txBody>
                   <a:tcPr/>
@@ -16878,7 +17008,7 @@
                     <a:bodyPr/>
                     <a:lstStyle/>
                     <a:p>
-                      <a:pPr marL="0" algn="r"/>
+                      <a:pPr marL="0" algn="ctr"/>
                       <a:r>
                         <a:rPr lang="it-IT" b="0" i="1" u="none" dirty="0">
                           <a:solidFill>
@@ -16950,6 +17080,507 @@
     <p:extLst>
       <p:ext uri="{BB962C8B-B14F-4D97-AF65-F5344CB8AC3E}">
         <p14:creationId xmlns:p14="http://schemas.microsoft.com/office/powerpoint/2010/main" val="250821435"/>
+      </p:ext>
+    </p:extLst>
+  </p:cSld>
+  <p:clrMapOvr>
+    <a:masterClrMapping/>
+  </p:clrMapOvr>
+</p:sld>
+</file>
+
+<file path=ppt/slides/slide51.xml><?xml version="1.0" encoding="utf-8"?>
+<p:sld xmlns:a="http://schemas.openxmlformats.org/drawingml/2006/main" xmlns:r="http://schemas.openxmlformats.org/officeDocument/2006/relationships" xmlns:p="http://schemas.openxmlformats.org/presentationml/2006/main">
+  <p:cSld>
+    <p:spTree>
+      <p:nvGrpSpPr>
+        <p:cNvPr id="1" name="">
+          <a:extLst>
+            <a:ext uri="{FF2B5EF4-FFF2-40B4-BE49-F238E27FC236}">
+              <a16:creationId xmlns:a16="http://schemas.microsoft.com/office/drawing/2014/main" id="{B682C048-A946-ADD7-597E-6DAB6DF77F84}"/>
+            </a:ext>
+          </a:extLst>
+        </p:cNvPr>
+        <p:cNvGrpSpPr/>
+        <p:nvPr/>
+      </p:nvGrpSpPr>
+      <p:grpSpPr>
+        <a:xfrm>
+          <a:off x="0" y="0"/>
+          <a:ext cx="0" cy="0"/>
+          <a:chOff x="0" y="0"/>
+          <a:chExt cx="0" cy="0"/>
+        </a:xfrm>
+      </p:grpSpPr>
+      <p:sp>
+        <p:nvSpPr>
+          <p:cNvPr id="10" name="Titolo 9">
+            <a:extLst>
+              <a:ext uri="{FF2B5EF4-FFF2-40B4-BE49-F238E27FC236}">
+                <a16:creationId xmlns:a16="http://schemas.microsoft.com/office/drawing/2014/main" id="{22878303-8A4F-ED39-31CB-0D8138E4A3F8}"/>
+              </a:ext>
+            </a:extLst>
+          </p:cNvPr>
+          <p:cNvSpPr>
+            <a:spLocks noGrp="1"/>
+          </p:cNvSpPr>
+          <p:nvPr>
+            <p:ph type="title"/>
+          </p:nvPr>
+        </p:nvSpPr>
+        <p:spPr>
+          <a:xfrm>
+            <a:off x="762000" y="457200"/>
+            <a:ext cx="7391400" cy="538609"/>
+          </a:xfrm>
+        </p:spPr>
+        <p:txBody>
+          <a:bodyPr/>
+          <a:lstStyle/>
+          <a:p>
+            <a:r>
+              <a:rPr lang="en-GB" dirty="0">
+                <a:latin typeface="Arial Black" panose="020B0A04020102020204" pitchFamily="34" charset="0"/>
+              </a:rPr>
+              <a:t>All performance compared</a:t>
+            </a:r>
+            <a:endParaRPr lang="en-GB" noProof="0" dirty="0">
+              <a:latin typeface="Arial Black" panose="020B0A04020102020204" pitchFamily="34" charset="0"/>
+            </a:endParaRPr>
+          </a:p>
+        </p:txBody>
+      </p:sp>
+      <p:graphicFrame>
+        <p:nvGraphicFramePr>
+          <p:cNvPr id="2" name="Tabella 1">
+            <a:extLst>
+              <a:ext uri="{FF2B5EF4-FFF2-40B4-BE49-F238E27FC236}">
+                <a16:creationId xmlns:a16="http://schemas.microsoft.com/office/drawing/2014/main" id="{D76073EB-E032-0E04-2444-1F9CEBE7D22D}"/>
+              </a:ext>
+            </a:extLst>
+          </p:cNvPr>
+          <p:cNvGraphicFramePr>
+            <a:graphicFrameLocks noGrp="1"/>
+          </p:cNvGraphicFramePr>
+          <p:nvPr>
+            <p:extLst>
+              <p:ext uri="{D42A27DB-BD31-4B8C-83A1-F6EECF244321}">
+                <p14:modId xmlns:p14="http://schemas.microsoft.com/office/powerpoint/2010/main" val="818747880"/>
+              </p:ext>
+            </p:extLst>
+          </p:nvPr>
+        </p:nvGraphicFramePr>
+        <p:xfrm>
+          <a:off x="2286000" y="1371600"/>
+          <a:ext cx="7619999" cy="2209800"/>
+        </p:xfrm>
+        <a:graphic>
+          <a:graphicData uri="http://schemas.openxmlformats.org/drawingml/2006/table">
+            <a:tbl>
+              <a:tblPr firstRow="1" bandRow="1">
+                <a:tableStyleId>{5C22544A-7EE6-4342-B048-85BDC9FD1C3A}</a:tableStyleId>
+              </a:tblPr>
+              <a:tblGrid>
+                <a:gridCol w="3628571">
+                  <a:extLst>
+                    <a:ext uri="{9D8B030D-6E8A-4147-A177-3AD203B41FA5}">
+                      <a16:colId xmlns:a16="http://schemas.microsoft.com/office/drawing/2014/main" val="1976432627"/>
+                    </a:ext>
+                  </a:extLst>
+                </a:gridCol>
+                <a:gridCol w="1995714">
+                  <a:extLst>
+                    <a:ext uri="{9D8B030D-6E8A-4147-A177-3AD203B41FA5}">
+                      <a16:colId xmlns:a16="http://schemas.microsoft.com/office/drawing/2014/main" val="3349849245"/>
+                    </a:ext>
+                  </a:extLst>
+                </a:gridCol>
+                <a:gridCol w="1995714">
+                  <a:extLst>
+                    <a:ext uri="{9D8B030D-6E8A-4147-A177-3AD203B41FA5}">
+                      <a16:colId xmlns:a16="http://schemas.microsoft.com/office/drawing/2014/main" val="1757108676"/>
+                    </a:ext>
+                  </a:extLst>
+                </a:gridCol>
+              </a:tblGrid>
+              <a:tr h="625599">
+                <a:tc>
+                  <a:txBody>
+                    <a:bodyPr/>
+                    <a:lstStyle/>
+                    <a:p>
+                      <a:pPr algn="ctr"/>
+                      <a:r>
+                        <a:rPr lang="it-IT" b="1" dirty="0">
+                          <a:solidFill>
+                            <a:schemeClr val="lt1"/>
+                          </a:solidFill>
+                          <a:latin typeface="Arial" panose="020B0604020202020204" pitchFamily="34" charset="0"/>
+                          <a:ea typeface="+mn-ea"/>
+                          <a:cs typeface="Arial" panose="020B0604020202020204" pitchFamily="34" charset="0"/>
+                        </a:rPr>
+                        <a:t>Coordinate </a:t>
+                      </a:r>
+                      <a:r>
+                        <a:rPr lang="it-IT" b="1" dirty="0" err="1">
+                          <a:solidFill>
+                            <a:schemeClr val="lt1"/>
+                          </a:solidFill>
+                          <a:latin typeface="Arial" panose="020B0604020202020204" pitchFamily="34" charset="0"/>
+                          <a:ea typeface="+mn-ea"/>
+                          <a:cs typeface="Arial" panose="020B0604020202020204" pitchFamily="34" charset="0"/>
+                        </a:rPr>
+                        <a:t>Descent</a:t>
+                      </a:r>
+                      <a:r>
+                        <a:rPr lang="it-IT" b="1" dirty="0">
+                          <a:solidFill>
+                            <a:schemeClr val="lt1"/>
+                          </a:solidFill>
+                          <a:latin typeface="Arial" panose="020B0604020202020204" pitchFamily="34" charset="0"/>
+                          <a:ea typeface="+mn-ea"/>
+                          <a:cs typeface="Arial" panose="020B0604020202020204" pitchFamily="34" charset="0"/>
+                        </a:rPr>
+                        <a:t> Setting</a:t>
+                      </a:r>
+                    </a:p>
+                  </a:txBody>
+                  <a:tcPr/>
+                </a:tc>
+                <a:tc>
+                  <a:txBody>
+                    <a:bodyPr/>
+                    <a:lstStyle/>
+                    <a:p>
+                      <a:pPr algn="ctr"/>
+                      <a:r>
+                        <a:rPr lang="it-IT" b="1" dirty="0">
+                          <a:solidFill>
+                            <a:schemeClr val="lt1"/>
+                          </a:solidFill>
+                          <a:latin typeface="Arial" panose="020B0604020202020204" pitchFamily="34" charset="0"/>
+                          <a:ea typeface="+mn-ea"/>
+                          <a:cs typeface="Arial" panose="020B0604020202020204" pitchFamily="34" charset="0"/>
+                        </a:rPr>
+                        <a:t>Time </a:t>
+                      </a:r>
+                      <a:r>
+                        <a:rPr lang="it-IT" b="1" dirty="0" err="1">
+                          <a:solidFill>
+                            <a:schemeClr val="lt1"/>
+                          </a:solidFill>
+                          <a:latin typeface="Arial" panose="020B0604020202020204" pitchFamily="34" charset="0"/>
+                          <a:ea typeface="+mn-ea"/>
+                          <a:cs typeface="Arial" panose="020B0604020202020204" pitchFamily="34" charset="0"/>
+                        </a:rPr>
+                        <a:t>needed</a:t>
+                      </a:r>
+                      <a:endParaRPr lang="it-IT" b="1" dirty="0">
+                        <a:solidFill>
+                          <a:schemeClr val="lt1"/>
+                        </a:solidFill>
+                        <a:latin typeface="Arial" panose="020B0604020202020204" pitchFamily="34" charset="0"/>
+                        <a:ea typeface="+mn-ea"/>
+                        <a:cs typeface="Arial" panose="020B0604020202020204" pitchFamily="34" charset="0"/>
+                      </a:endParaRPr>
+                    </a:p>
+                  </a:txBody>
+                  <a:tcPr/>
+                </a:tc>
+                <a:tc>
+                  <a:txBody>
+                    <a:bodyPr/>
+                    <a:lstStyle/>
+                    <a:p>
+                      <a:pPr algn="ctr"/>
+                      <a:r>
+                        <a:rPr lang="it-IT" b="1" dirty="0">
+                          <a:solidFill>
+                            <a:schemeClr val="lt1"/>
+                          </a:solidFill>
+                          <a:latin typeface="Arial" panose="020B0604020202020204" pitchFamily="34" charset="0"/>
+                          <a:ea typeface="+mn-ea"/>
+                          <a:cs typeface="Arial" panose="020B0604020202020204" pitchFamily="34" charset="0"/>
+                        </a:rPr>
+                        <a:t>Steps </a:t>
+                      </a:r>
+                      <a:r>
+                        <a:rPr lang="it-IT" b="1" dirty="0" err="1">
+                          <a:solidFill>
+                            <a:schemeClr val="lt1"/>
+                          </a:solidFill>
+                          <a:latin typeface="Arial" panose="020B0604020202020204" pitchFamily="34" charset="0"/>
+                          <a:ea typeface="+mn-ea"/>
+                          <a:cs typeface="Arial" panose="020B0604020202020204" pitchFamily="34" charset="0"/>
+                        </a:rPr>
+                        <a:t>needed</a:t>
+                      </a:r>
+                      <a:endParaRPr lang="it-IT" b="1" dirty="0">
+                        <a:solidFill>
+                          <a:schemeClr val="lt1"/>
+                        </a:solidFill>
+                        <a:latin typeface="Arial" panose="020B0604020202020204" pitchFamily="34" charset="0"/>
+                        <a:ea typeface="+mn-ea"/>
+                        <a:cs typeface="Arial" panose="020B0604020202020204" pitchFamily="34" charset="0"/>
+                      </a:endParaRPr>
+                    </a:p>
+                  </a:txBody>
+                  <a:tcPr/>
+                </a:tc>
+                <a:extLst>
+                  <a:ext uri="{0D108BD9-81ED-4DB2-BD59-A6C34878D82A}">
+                    <a16:rowId xmlns:a16="http://schemas.microsoft.com/office/drawing/2014/main" val="328097347"/>
+                  </a:ext>
+                </a:extLst>
+              </a:tr>
+              <a:tr h="528067">
+                <a:tc>
+                  <a:txBody>
+                    <a:bodyPr/>
+                    <a:lstStyle/>
+                    <a:p>
+                      <a:pPr marL="0" algn="ctr"/>
+                      <a:r>
+                        <a:rPr lang="en-US" b="0" i="1" u="none" dirty="0">
+                          <a:solidFill>
+                            <a:schemeClr val="tx1"/>
+                          </a:solidFill>
+                          <a:latin typeface="Arial" panose="020B0604020202020204" pitchFamily="34" charset="0"/>
+                          <a:ea typeface="+mn-ea"/>
+                          <a:cs typeface="Arial" panose="020B0604020202020204" pitchFamily="34" charset="0"/>
+                        </a:rPr>
+                        <a:t>Random coordinate</a:t>
+                      </a:r>
+                      <a:endParaRPr lang="it-IT" b="0" i="1" u="none" dirty="0">
+                        <a:solidFill>
+                          <a:schemeClr val="tx1"/>
+                        </a:solidFill>
+                        <a:latin typeface="Arial" panose="020B0604020202020204" pitchFamily="34" charset="0"/>
+                        <a:ea typeface="+mn-ea"/>
+                        <a:cs typeface="Arial" panose="020B0604020202020204" pitchFamily="34" charset="0"/>
+                      </a:endParaRPr>
+                    </a:p>
+                  </a:txBody>
+                  <a:tcPr/>
+                </a:tc>
+                <a:tc>
+                  <a:txBody>
+                    <a:bodyPr/>
+                    <a:lstStyle/>
+                    <a:p>
+                      <a:pPr marL="0" algn="ctr"/>
+                      <a:r>
+                        <a:rPr lang="it-IT" b="0" dirty="0">
+                          <a:solidFill>
+                            <a:schemeClr val="tx1"/>
+                          </a:solidFill>
+                          <a:latin typeface="Arial" panose="020B0604020202020204" pitchFamily="34" charset="0"/>
+                          <a:ea typeface="+mn-ea"/>
+                          <a:cs typeface="Arial" panose="020B0604020202020204" pitchFamily="34" charset="0"/>
+                        </a:rPr>
+                        <a:t>8ms</a:t>
+                      </a:r>
+                    </a:p>
+                  </a:txBody>
+                  <a:tcPr/>
+                </a:tc>
+                <a:tc>
+                  <a:txBody>
+                    <a:bodyPr/>
+                    <a:lstStyle/>
+                    <a:p>
+                      <a:pPr marL="0" algn="ctr"/>
+                      <a:r>
+                        <a:rPr lang="it-IT" b="0" dirty="0">
+                          <a:solidFill>
+                            <a:schemeClr val="tx1"/>
+                          </a:solidFill>
+                          <a:latin typeface="Arial" panose="020B0604020202020204" pitchFamily="34" charset="0"/>
+                          <a:ea typeface="+mn-ea"/>
+                          <a:cs typeface="Arial" panose="020B0604020202020204" pitchFamily="34" charset="0"/>
+                        </a:rPr>
+                        <a:t>About 50</a:t>
+                      </a:r>
+                    </a:p>
+                  </a:txBody>
+                  <a:tcPr/>
+                </a:tc>
+                <a:extLst>
+                  <a:ext uri="{0D108BD9-81ED-4DB2-BD59-A6C34878D82A}">
+                    <a16:rowId xmlns:a16="http://schemas.microsoft.com/office/drawing/2014/main" val="3700825046"/>
+                  </a:ext>
+                </a:extLst>
+              </a:tr>
+              <a:tr h="528067">
+                <a:tc>
+                  <a:txBody>
+                    <a:bodyPr/>
+                    <a:lstStyle/>
+                    <a:p>
+                      <a:pPr marL="0" algn="ctr"/>
+                      <a:r>
+                        <a:rPr lang="it-IT" b="0" i="1" u="none" dirty="0" err="1">
+                          <a:solidFill>
+                            <a:schemeClr val="tx1"/>
+                          </a:solidFill>
+                          <a:latin typeface="Arial" panose="020B0604020202020204" pitchFamily="34" charset="0"/>
+                          <a:ea typeface="+mn-ea"/>
+                          <a:cs typeface="Arial" panose="020B0604020202020204" pitchFamily="34" charset="0"/>
+                        </a:rPr>
+                        <a:t>Importance</a:t>
+                      </a:r>
+                      <a:r>
+                        <a:rPr lang="it-IT" b="0" i="1" u="none" dirty="0">
+                          <a:solidFill>
+                            <a:schemeClr val="tx1"/>
+                          </a:solidFill>
+                          <a:latin typeface="Arial" panose="020B0604020202020204" pitchFamily="34" charset="0"/>
+                          <a:ea typeface="+mn-ea"/>
+                          <a:cs typeface="Arial" panose="020B0604020202020204" pitchFamily="34" charset="0"/>
+                        </a:rPr>
+                        <a:t> sampling</a:t>
+                      </a:r>
+                    </a:p>
+                  </a:txBody>
+                  <a:tcPr/>
+                </a:tc>
+                <a:tc>
+                  <a:txBody>
+                    <a:bodyPr/>
+                    <a:lstStyle/>
+                    <a:p>
+                      <a:pPr marL="0" algn="ctr"/>
+                      <a:r>
+                        <a:rPr lang="it-IT" b="0" dirty="0">
+                          <a:solidFill>
+                            <a:schemeClr val="tx1"/>
+                          </a:solidFill>
+                          <a:latin typeface="Arial" panose="020B0604020202020204" pitchFamily="34" charset="0"/>
+                          <a:ea typeface="+mn-ea"/>
+                          <a:cs typeface="Arial" panose="020B0604020202020204" pitchFamily="34" charset="0"/>
+                        </a:rPr>
+                        <a:t>12ms</a:t>
+                      </a:r>
+                    </a:p>
+                  </a:txBody>
+                  <a:tcPr/>
+                </a:tc>
+                <a:tc>
+                  <a:txBody>
+                    <a:bodyPr/>
+                    <a:lstStyle/>
+                    <a:p>
+                      <a:pPr marL="0" algn="ctr"/>
+                      <a:r>
+                        <a:rPr lang="it-IT" b="0" dirty="0">
+                          <a:solidFill>
+                            <a:schemeClr val="tx1"/>
+                          </a:solidFill>
+                          <a:latin typeface="Arial" panose="020B0604020202020204" pitchFamily="34" charset="0"/>
+                          <a:ea typeface="+mn-ea"/>
+                          <a:cs typeface="Arial" panose="020B0604020202020204" pitchFamily="34" charset="0"/>
+                        </a:rPr>
+                        <a:t>About 50</a:t>
+                      </a:r>
+                    </a:p>
+                  </a:txBody>
+                  <a:tcPr/>
+                </a:tc>
+                <a:extLst>
+                  <a:ext uri="{0D108BD9-81ED-4DB2-BD59-A6C34878D82A}">
+                    <a16:rowId xmlns:a16="http://schemas.microsoft.com/office/drawing/2014/main" val="3112259662"/>
+                  </a:ext>
+                </a:extLst>
+              </a:tr>
+              <a:tr h="528067">
+                <a:tc>
+                  <a:txBody>
+                    <a:bodyPr/>
+                    <a:lstStyle/>
+                    <a:p>
+                      <a:pPr marL="0" algn="ctr"/>
+                      <a:r>
+                        <a:rPr lang="it-IT" b="0" i="1" u="none" dirty="0" err="1">
+                          <a:solidFill>
+                            <a:schemeClr val="tx1"/>
+                          </a:solidFill>
+                          <a:latin typeface="Arial" panose="020B0604020202020204" pitchFamily="34" charset="0"/>
+                          <a:ea typeface="+mn-ea"/>
+                          <a:cs typeface="Arial" panose="020B0604020202020204" pitchFamily="34" charset="0"/>
+                        </a:rPr>
+                        <a:t>Steepest</a:t>
+                      </a:r>
+                      <a:r>
+                        <a:rPr lang="it-IT" b="0" i="1" u="none" dirty="0">
+                          <a:solidFill>
+                            <a:schemeClr val="tx1"/>
+                          </a:solidFill>
+                          <a:latin typeface="Arial" panose="020B0604020202020204" pitchFamily="34" charset="0"/>
+                          <a:ea typeface="+mn-ea"/>
+                          <a:cs typeface="Arial" panose="020B0604020202020204" pitchFamily="34" charset="0"/>
+                        </a:rPr>
+                        <a:t> coordinate</a:t>
+                      </a:r>
+                    </a:p>
+                  </a:txBody>
+                  <a:tcPr/>
+                </a:tc>
+                <a:tc>
+                  <a:txBody>
+                    <a:bodyPr/>
+                    <a:lstStyle/>
+                    <a:p>
+                      <a:pPr marL="0" algn="ctr"/>
+                      <a:r>
+                        <a:rPr lang="it-IT" b="0" dirty="0">
+                          <a:solidFill>
+                            <a:schemeClr val="tx1"/>
+                          </a:solidFill>
+                          <a:latin typeface="Arial" panose="020B0604020202020204" pitchFamily="34" charset="0"/>
+                          <a:ea typeface="+mn-ea"/>
+                          <a:cs typeface="Arial" panose="020B0604020202020204" pitchFamily="34" charset="0"/>
+                        </a:rPr>
+                        <a:t>7ms</a:t>
+                      </a:r>
+                    </a:p>
+                  </a:txBody>
+                  <a:tcPr/>
+                </a:tc>
+                <a:tc>
+                  <a:txBody>
+                    <a:bodyPr/>
+                    <a:lstStyle/>
+                    <a:p>
+                      <a:pPr marL="0" algn="ctr"/>
+                      <a:r>
+                        <a:rPr lang="it-IT" b="0" dirty="0">
+                          <a:solidFill>
+                            <a:schemeClr val="tx1"/>
+                          </a:solidFill>
+                          <a:latin typeface="Arial" panose="020B0604020202020204" pitchFamily="34" charset="0"/>
+                          <a:ea typeface="+mn-ea"/>
+                          <a:cs typeface="Arial" panose="020B0604020202020204" pitchFamily="34" charset="0"/>
+                        </a:rPr>
+                        <a:t>20</a:t>
+                      </a:r>
+                    </a:p>
+                  </a:txBody>
+                  <a:tcPr/>
+                </a:tc>
+                <a:extLst>
+                  <a:ext uri="{0D108BD9-81ED-4DB2-BD59-A6C34878D82A}">
+                    <a16:rowId xmlns:a16="http://schemas.microsoft.com/office/drawing/2014/main" val="378449603"/>
+                  </a:ext>
+                </a:extLst>
+              </a:tr>
+            </a:tbl>
+          </a:graphicData>
+        </a:graphic>
+      </p:graphicFrame>
+    </p:spTree>
+    <p:extLst>
+      <p:ext uri="{BB962C8B-B14F-4D97-AF65-F5344CB8AC3E}">
+        <p14:creationId xmlns:p14="http://schemas.microsoft.com/office/powerpoint/2010/main" val="3852013349"/>
       </p:ext>
     </p:extLst>
   </p:cSld>

--- a/Ppt/Optimization.pptx
+++ b/Ppt/Optimization.pptx
@@ -5,7 +5,7 @@
     <p:sldMasterId id="2147483648" r:id="rId1"/>
   </p:sldMasterIdLst>
   <p:notesMasterIdLst>
-    <p:notesMasterId r:id="rId53"/>
+    <p:notesMasterId r:id="rId54"/>
   </p:notesMasterIdLst>
   <p:sldIdLst>
     <p:sldId id="256" r:id="rId2"/>
@@ -59,6 +59,7 @@
     <p:sldId id="313" r:id="rId50"/>
     <p:sldId id="314" r:id="rId51"/>
     <p:sldId id="315" r:id="rId52"/>
+    <p:sldId id="316" r:id="rId53"/>
   </p:sldIdLst>
   <p:sldSz cx="12192000" cy="6858000"/>
   <p:notesSz cx="12192000" cy="6858000"/>
@@ -3338,8 +3339,8 @@
           </a:p>
         </p:txBody>
       </p:sp>
-      <mc:AlternateContent xmlns:mc="http://schemas.openxmlformats.org/markup-compatibility/2006" xmlns:a14="http://schemas.microsoft.com/office/drawing/2010/main">
-        <mc:Choice Requires="a14">
+      <mc:AlternateContent xmlns:mc="http://schemas.openxmlformats.org/markup-compatibility/2006">
+        <mc:Choice xmlns:a14="http://schemas.microsoft.com/office/drawing/2010/main" Requires="a14">
           <p:sp>
             <p:nvSpPr>
               <p:cNvPr id="4" name="CasellaDiTesto 3">
@@ -3653,7 +3654,7 @@
             </p:txBody>
           </p:sp>
         </mc:Choice>
-        <mc:Fallback xmlns="">
+        <mc:Fallback>
           <p:sp>
             <p:nvSpPr>
               <p:cNvPr id="4" name="CasellaDiTesto 3">
@@ -3698,8 +3699,8 @@
           </p:sp>
         </mc:Fallback>
       </mc:AlternateContent>
-      <mc:AlternateContent xmlns:mc="http://schemas.openxmlformats.org/markup-compatibility/2006" xmlns:a14="http://schemas.microsoft.com/office/drawing/2010/main">
-        <mc:Choice Requires="a14">
+      <mc:AlternateContent xmlns:mc="http://schemas.openxmlformats.org/markup-compatibility/2006">
+        <mc:Choice xmlns:a14="http://schemas.microsoft.com/office/drawing/2010/main" Requires="a14">
           <p:sp>
             <p:nvSpPr>
               <p:cNvPr id="2" name="CasellaDiTesto 1">
@@ -3845,7 +3846,7 @@
             </p:txBody>
           </p:sp>
         </mc:Choice>
-        <mc:Fallback xmlns="">
+        <mc:Fallback>
           <p:sp>
             <p:nvSpPr>
               <p:cNvPr id="2" name="CasellaDiTesto 1">
@@ -4188,8 +4189,8 @@
           </a:p>
         </p:txBody>
       </p:sp>
-      <mc:AlternateContent xmlns:mc="http://schemas.openxmlformats.org/markup-compatibility/2006" xmlns:a14="http://schemas.microsoft.com/office/drawing/2010/main">
-        <mc:Choice Requires="a14">
+      <mc:AlternateContent xmlns:mc="http://schemas.openxmlformats.org/markup-compatibility/2006">
+        <mc:Choice xmlns:a14="http://schemas.microsoft.com/office/drawing/2010/main" Requires="a14">
           <p:sp>
             <p:nvSpPr>
               <p:cNvPr id="2" name="CasellaDiTesto 1">
@@ -4382,7 +4383,7 @@
             </p:txBody>
           </p:sp>
         </mc:Choice>
-        <mc:Fallback xmlns="">
+        <mc:Fallback>
           <p:sp>
             <p:nvSpPr>
               <p:cNvPr id="2" name="CasellaDiTesto 1">
@@ -4498,8 +4499,8 @@
           </a:p>
         </p:txBody>
       </p:sp>
-      <mc:AlternateContent xmlns:mc="http://schemas.openxmlformats.org/markup-compatibility/2006" xmlns:a14="http://schemas.microsoft.com/office/drawing/2010/main">
-        <mc:Choice Requires="a14">
+      <mc:AlternateContent xmlns:mc="http://schemas.openxmlformats.org/markup-compatibility/2006">
+        <mc:Choice xmlns:a14="http://schemas.microsoft.com/office/drawing/2010/main" Requires="a14">
           <p:sp>
             <p:nvSpPr>
               <p:cNvPr id="4" name="CasellaDiTesto 3">
@@ -4572,7 +4573,7 @@
             </p:txBody>
           </p:sp>
         </mc:Choice>
-        <mc:Fallback xmlns="">
+        <mc:Fallback>
           <p:sp>
             <p:nvSpPr>
               <p:cNvPr id="4" name="CasellaDiTesto 3">
@@ -4617,8 +4618,8 @@
           </p:sp>
         </mc:Fallback>
       </mc:AlternateContent>
-      <mc:AlternateContent xmlns:mc="http://schemas.openxmlformats.org/markup-compatibility/2006" xmlns:a14="http://schemas.microsoft.com/office/drawing/2010/main">
-        <mc:Choice Requires="a14">
+      <mc:AlternateContent xmlns:mc="http://schemas.openxmlformats.org/markup-compatibility/2006">
+        <mc:Choice xmlns:a14="http://schemas.microsoft.com/office/drawing/2010/main" Requires="a14">
           <p:sp>
             <p:nvSpPr>
               <p:cNvPr id="6" name="CasellaDiTesto 5">
@@ -4698,7 +4699,7 @@
             </p:txBody>
           </p:sp>
         </mc:Choice>
-        <mc:Fallback xmlns="">
+        <mc:Fallback>
           <p:sp>
             <p:nvSpPr>
               <p:cNvPr id="6" name="CasellaDiTesto 5">
@@ -4743,8 +4744,8 @@
           </p:sp>
         </mc:Fallback>
       </mc:AlternateContent>
-      <mc:AlternateContent xmlns:mc="http://schemas.openxmlformats.org/markup-compatibility/2006" xmlns:a14="http://schemas.microsoft.com/office/drawing/2010/main">
-        <mc:Choice Requires="a14">
+      <mc:AlternateContent xmlns:mc="http://schemas.openxmlformats.org/markup-compatibility/2006">
+        <mc:Choice xmlns:a14="http://schemas.microsoft.com/office/drawing/2010/main" Requires="a14">
           <p:sp>
             <p:nvSpPr>
               <p:cNvPr id="7" name="CasellaDiTesto 6">
@@ -4840,7 +4841,7 @@
             </p:txBody>
           </p:sp>
         </mc:Choice>
-        <mc:Fallback xmlns="">
+        <mc:Fallback>
           <p:sp>
             <p:nvSpPr>
               <p:cNvPr id="7" name="CasellaDiTesto 6">
@@ -5233,22 +5234,16 @@
           <a:lstStyle/>
           <a:p>
             <a:r>
-              <a:rPr lang="en-GB" dirty="0">
-                <a:latin typeface="Arial Black" panose="020B0A04020102020204" pitchFamily="34" charset="0"/>
-              </a:rPr>
-              <a:t>Second</a:t>
-            </a:r>
-            <a:r>
               <a:rPr lang="en-GB" noProof="0" dirty="0">
                 <a:latin typeface="Arial Black" panose="020B0A04020102020204" pitchFamily="34" charset="0"/>
               </a:rPr>
-              <a:t> variant: Smoothness‑Based Step</a:t>
+              <a:t>Second variant: Smoothness‑Based Step</a:t>
             </a:r>
           </a:p>
         </p:txBody>
       </p:sp>
-      <mc:AlternateContent xmlns:mc="http://schemas.openxmlformats.org/markup-compatibility/2006" xmlns:a14="http://schemas.microsoft.com/office/drawing/2010/main">
-        <mc:Choice Requires="a14">
+      <mc:AlternateContent xmlns:mc="http://schemas.openxmlformats.org/markup-compatibility/2006">
+        <mc:Choice xmlns:a14="http://schemas.microsoft.com/office/drawing/2010/main" Requires="a14">
           <p:sp>
             <p:nvSpPr>
               <p:cNvPr id="4" name="CasellaDiTesto 3">
@@ -5282,7 +5277,7 @@
                     <a:latin typeface="Arial" panose="020B0604020202020204" pitchFamily="34" charset="0"/>
                     <a:cs typeface="Arial" panose="020B0604020202020204" pitchFamily="34" charset="0"/>
                   </a:rPr>
-                  <a:t>We compute once the </a:t>
+                  <a:t>We computed the </a:t>
                 </a:r>
                 <a:r>
                   <a:rPr lang="en-GB" sz="2800" b="1" noProof="0" dirty="0">
@@ -5304,7 +5299,7 @@
                 <a14:m>
                   <m:oMath xmlns:m="http://schemas.openxmlformats.org/officeDocument/2006/math">
                     <m:r>
-                      <a:rPr lang="it-IT" sz="2800" b="0" i="1" noProof="0" smtClean="0">
+                      <a:rPr lang="en-GB" sz="2800" b="0" i="1" noProof="0" smtClean="0">
                         <a:latin typeface="Cambria Math" panose="02040503050406030204" pitchFamily="18" charset="0"/>
                         <a:ea typeface="Cambria Math" panose="02040503050406030204" pitchFamily="18" charset="0"/>
                         <a:cs typeface="Arial" panose="020B0604020202020204" pitchFamily="34" charset="0"/>
@@ -5312,7 +5307,7 @@
                       <m:t>𝐿</m:t>
                     </m:r>
                     <m:r>
-                      <a:rPr lang="it-IT" sz="2800" b="0" i="1" noProof="0" smtClean="0">
+                      <a:rPr lang="en-GB" sz="2800" b="0" i="1" noProof="0" smtClean="0">
                         <a:latin typeface="Cambria Math" panose="02040503050406030204" pitchFamily="18" charset="0"/>
                         <a:ea typeface="Cambria Math" panose="02040503050406030204" pitchFamily="18" charset="0"/>
                         <a:cs typeface="Arial" panose="020B0604020202020204" pitchFamily="34" charset="0"/>
@@ -5324,7 +5319,7 @@
                         <m:begChr m:val="‖"/>
                         <m:endChr m:val="‖"/>
                         <m:ctrlPr>
-                          <a:rPr lang="en-GB" sz="2800" i="1" noProof="0" dirty="0" smtClean="0">
+                          <a:rPr lang="en-GB" sz="2800" i="1" noProof="0" smtClean="0">
                             <a:solidFill>
                               <a:schemeClr val="tx1"/>
                             </a:solidFill>
@@ -5336,7 +5331,7 @@
                         <m:sSup>
                           <m:sSupPr>
                             <m:ctrlPr>
-                              <a:rPr lang="en-GB" sz="2800" i="1" noProof="0" dirty="0">
+                              <a:rPr lang="en-GB" sz="2800" i="1" noProof="0">
                                 <a:solidFill>
                                   <a:schemeClr val="tx1"/>
                                 </a:solidFill>
@@ -5346,7 +5341,7 @@
                           </m:sSupPr>
                           <m:e>
                             <m:r>
-                              <a:rPr lang="en-GB" sz="2800" i="1" noProof="0" dirty="0">
+                              <a:rPr lang="en-GB" sz="2800" i="1" noProof="0">
                                 <a:solidFill>
                                   <a:schemeClr val="tx1"/>
                                 </a:solidFill>
@@ -5357,7 +5352,7 @@
                           </m:e>
                           <m:sup>
                             <m:r>
-                              <a:rPr lang="en-GB" sz="2800" i="1" noProof="0" dirty="0">
+                              <a:rPr lang="en-GB" sz="2800" i="1" noProof="0">
                                 <a:solidFill>
                                   <a:schemeClr val="tx1"/>
                                 </a:solidFill>
@@ -5368,7 +5363,7 @@
                           </m:sup>
                         </m:sSup>
                         <m:r>
-                          <a:rPr lang="en-GB" sz="2800" i="1" noProof="0" dirty="0">
+                          <a:rPr lang="en-GB" sz="2800" i="1" noProof="0">
                             <a:solidFill>
                               <a:schemeClr val="tx1"/>
                             </a:solidFill>
@@ -5388,7 +5383,7 @@
             </p:txBody>
           </p:sp>
         </mc:Choice>
-        <mc:Fallback xmlns="">
+        <mc:Fallback>
           <p:sp>
             <p:nvSpPr>
               <p:cNvPr id="4" name="CasellaDiTesto 3">
@@ -5433,8 +5428,8 @@
           </p:sp>
         </mc:Fallback>
       </mc:AlternateContent>
-      <mc:AlternateContent xmlns:mc="http://schemas.openxmlformats.org/markup-compatibility/2006" xmlns:a14="http://schemas.microsoft.com/office/drawing/2010/main">
-        <mc:Choice Requires="a14">
+      <mc:AlternateContent xmlns:mc="http://schemas.openxmlformats.org/markup-compatibility/2006">
+        <mc:Choice xmlns:a14="http://schemas.microsoft.com/office/drawing/2010/main" Requires="a14">
           <p:sp>
             <p:nvSpPr>
               <p:cNvPr id="6" name="CasellaDiTesto 5">
@@ -5489,7 +5484,7 @@
                       <m:t>=</m:t>
                     </m:r>
                     <m:r>
-                      <a:rPr lang="it-IT" sz="2800" b="0" i="1" noProof="0" smtClean="0">
+                      <a:rPr lang="en-GB" sz="2800" b="0" i="1" noProof="0" smtClean="0">
                         <a:latin typeface="Cambria Math" panose="02040503050406030204" pitchFamily="18" charset="0"/>
                         <a:ea typeface="Cambria Math" panose="02040503050406030204" pitchFamily="18" charset="0"/>
                         <a:cs typeface="Arial" panose="020B0604020202020204" pitchFamily="34" charset="0"/>
@@ -5499,7 +5494,7 @@
                     <m:f>
                       <m:fPr>
                         <m:ctrlPr>
-                          <a:rPr lang="en-GB" sz="2800" i="1" noProof="0" dirty="0" smtClean="0">
+                          <a:rPr lang="en-GB" sz="2800" i="1" noProof="0" smtClean="0">
                             <a:solidFill>
                               <a:srgbClr val="836967"/>
                             </a:solidFill>
@@ -5509,7 +5504,7 @@
                       </m:fPr>
                       <m:num>
                         <m:r>
-                          <a:rPr lang="en-GB" sz="2800" noProof="0" dirty="0">
+                          <a:rPr lang="en-GB" sz="2800" noProof="0">
                             <a:latin typeface="Cambria Math" panose="02040503050406030204" pitchFamily="18" charset="0"/>
                           </a:rPr>
                           <m:t>1</m:t>
@@ -5517,7 +5512,7 @@
                       </m:num>
                       <m:den>
                         <m:r>
-                          <a:rPr lang="en-GB" sz="2800" i="1" noProof="0" dirty="0">
+                          <a:rPr lang="en-GB" sz="2800" i="1" noProof="0">
                             <a:latin typeface="Cambria Math" panose="02040503050406030204" pitchFamily="18" charset="0"/>
                           </a:rPr>
                           <m:t>𝐿</m:t>
@@ -5549,7 +5544,7 @@
             </p:txBody>
           </p:sp>
         </mc:Choice>
-        <mc:Fallback xmlns="">
+        <mc:Fallback>
           <p:sp>
             <p:nvSpPr>
               <p:cNvPr id="6" name="CasellaDiTesto 5">
@@ -5694,16 +5689,10 @@
           <a:lstStyle/>
           <a:p>
             <a:r>
-              <a:rPr lang="en-GB" dirty="0">
-                <a:latin typeface="Arial Black" panose="020B0A04020102020204" pitchFamily="34" charset="0"/>
-              </a:rPr>
-              <a:t>Third</a:t>
-            </a:r>
-            <a:r>
               <a:rPr lang="en-GB" noProof="0" dirty="0">
                 <a:latin typeface="Arial Black" panose="020B0A04020102020204" pitchFamily="34" charset="0"/>
               </a:rPr>
-              <a:t> variant: Bounded‑Gradient</a:t>
+              <a:t>Third variant: Bounded‑Gradient</a:t>
             </a:r>
           </a:p>
         </p:txBody>
@@ -5760,17 +5749,10 @@
                     <a:latin typeface="Arial" panose="020B0604020202020204" pitchFamily="34" charset="0"/>
                     <a:cs typeface="Arial" panose="020B0604020202020204" pitchFamily="34" charset="0"/>
                   </a:rPr>
-                  <a:t> assumed </a:t>
-                </a:r>
-                <a:r>
-                  <a:rPr lang="en-US" sz="2800" dirty="0">
-                    <a:latin typeface="Arial" panose="020B0604020202020204" pitchFamily="34" charset="0"/>
-                    <a:cs typeface="Arial" panose="020B0604020202020204" pitchFamily="34" charset="0"/>
-                  </a:rPr>
-                  <a:t>parameters lie in a </a:t>
-                </a:r>
-                <a:r>
-                  <a:rPr lang="en-US" sz="2800" b="1" dirty="0">
+                  <a:t> assumed parameters lie in a </a:t>
+                </a:r>
+                <a:r>
+                  <a:rPr lang="en-GB" sz="2800" b="1" noProof="0" dirty="0">
                     <a:solidFill>
                       <a:srgbClr val="FF0000"/>
                     </a:solidFill>
@@ -5782,7 +5764,7 @@
                 <a14:m>
                   <m:oMath xmlns:m="http://schemas.openxmlformats.org/officeDocument/2006/math">
                     <m:r>
-                      <a:rPr lang="it-IT" sz="2800" b="1" i="0" noProof="0" smtClean="0">
+                      <a:rPr lang="en-GB" sz="2800" b="1" i="0" noProof="0" smtClean="0">
                         <a:solidFill>
                           <a:srgbClr val="FF0000"/>
                         </a:solidFill>
@@ -5793,7 +5775,7 @@
                       <m:t>𝐑</m:t>
                     </m:r>
                     <m:r>
-                      <a:rPr lang="it-IT" sz="2800" b="1" i="1" noProof="0" smtClean="0">
+                      <a:rPr lang="en-GB" sz="2800" b="1" i="1" noProof="0" smtClean="0">
                         <a:solidFill>
                           <a:srgbClr val="FF0000"/>
                         </a:solidFill>
@@ -5804,7 +5786,7 @@
                       <m:t>=</m:t>
                     </m:r>
                     <m:r>
-                      <a:rPr lang="it-IT" sz="2800" b="1" i="1" noProof="0" smtClean="0">
+                      <a:rPr lang="en-GB" sz="2800" b="1" i="1" noProof="0" smtClean="0">
                         <a:solidFill>
                           <a:srgbClr val="FF0000"/>
                         </a:solidFill>
@@ -5824,17 +5806,7 @@
                     <a:latin typeface="Arial" panose="020B0604020202020204" pitchFamily="34" charset="0"/>
                     <a:cs typeface="Arial" panose="020B0604020202020204" pitchFamily="34" charset="0"/>
                   </a:rPr>
-                  <a:t> </a:t>
-                </a:r>
-                <a:r>
-                  <a:rPr lang="en-GB" sz="2800" b="1" dirty="0">
-                    <a:solidFill>
-                      <a:srgbClr val="FF0000"/>
-                    </a:solidFill>
-                    <a:latin typeface="Arial" panose="020B0604020202020204" pitchFamily="34" charset="0"/>
-                    <a:cs typeface="Arial" panose="020B0604020202020204" pitchFamily="34" charset="0"/>
-                  </a:rPr>
-                  <a:t>ball.</a:t>
+                  <a:t> ball.</a:t>
                 </a:r>
                 <a:endParaRPr lang="en-GB" sz="2800" b="1" noProof="0" dirty="0">
                   <a:latin typeface="Arial" panose="020B0604020202020204" pitchFamily="34" charset="0"/>
@@ -5918,7 +5890,7 @@
           <a:lstStyle/>
           <a:p>
             <a:r>
-              <a:rPr lang="en-US" sz="2800" dirty="0">
+              <a:rPr lang="en-GB" sz="2800" noProof="0" dirty="0">
                 <a:ea typeface="Cambria Math" panose="02040503050406030204" pitchFamily="18" charset="0"/>
                 <a:cs typeface="Arial" panose="020B0604020202020204" pitchFamily="34" charset="0"/>
               </a:rPr>
@@ -5931,8 +5903,8 @@
           </a:p>
         </p:txBody>
       </p:sp>
-      <mc:AlternateContent xmlns:mc="http://schemas.openxmlformats.org/markup-compatibility/2006" xmlns:a14="http://schemas.microsoft.com/office/drawing/2010/main">
-        <mc:Choice Requires="a14">
+      <mc:AlternateContent xmlns:mc="http://schemas.openxmlformats.org/markup-compatibility/2006">
+        <mc:Choice xmlns:a14="http://schemas.microsoft.com/office/drawing/2010/main" Requires="a14">
           <p:sp>
             <p:nvSpPr>
               <p:cNvPr id="2" name="CasellaDiTesto 1">
@@ -6041,7 +6013,7 @@
             </p:txBody>
           </p:sp>
         </mc:Choice>
-        <mc:Fallback xmlns="">
+        <mc:Fallback>
           <p:sp>
             <p:nvSpPr>
               <p:cNvPr id="2" name="CasellaDiTesto 1">
@@ -6086,8 +6058,8 @@
           </p:sp>
         </mc:Fallback>
       </mc:AlternateContent>
-      <mc:AlternateContent xmlns:mc="http://schemas.openxmlformats.org/markup-compatibility/2006" xmlns:a14="http://schemas.microsoft.com/office/drawing/2010/main">
-        <mc:Choice Requires="a14">
+      <mc:AlternateContent xmlns:mc="http://schemas.openxmlformats.org/markup-compatibility/2006">
+        <mc:Choice xmlns:a14="http://schemas.microsoft.com/office/drawing/2010/main" Requires="a14">
           <p:sp>
             <p:nvSpPr>
               <p:cNvPr id="5" name="CasellaDiTesto 4">
@@ -6159,7 +6131,7 @@
                       <m:t>𝑅</m:t>
                     </m:r>
                     <m:r>
-                      <a:rPr lang="it-IT" sz="2800" b="0" i="1" noProof="0" smtClean="0">
+                      <a:rPr lang="en-GB" sz="2800" b="0" i="1" noProof="0" smtClean="0">
                         <a:solidFill>
                           <a:schemeClr val="tx1"/>
                         </a:solidFill>
@@ -6252,7 +6224,7 @@
                         <m:sSup>
                           <m:sSupPr>
                             <m:ctrlPr>
-                              <a:rPr lang="it-IT" sz="2800" b="0" i="1" noProof="0" smtClean="0">
+                              <a:rPr lang="en-GB" sz="2800" b="0" i="1" noProof="0" smtClean="0">
                                 <a:solidFill>
                                   <a:schemeClr val="tx1"/>
                                 </a:solidFill>
@@ -6262,7 +6234,7 @@
                           </m:sSupPr>
                           <m:e>
                             <m:r>
-                              <a:rPr lang="it-IT" sz="2800" b="0" i="1" noProof="0" smtClean="0">
+                              <a:rPr lang="en-GB" sz="2800" b="0" i="1" noProof="0" smtClean="0">
                                 <a:solidFill>
                                   <a:schemeClr val="tx1"/>
                                 </a:solidFill>
@@ -6273,7 +6245,7 @@
                           </m:e>
                           <m:sup>
                             <m:r>
-                              <a:rPr lang="it-IT" sz="2800" b="0" i="1" noProof="0" smtClean="0">
+                              <a:rPr lang="en-GB" sz="2800" b="0" i="1" noProof="0" smtClean="0">
                                 <a:solidFill>
                                   <a:schemeClr val="tx1"/>
                                 </a:solidFill>
@@ -6284,7 +6256,7 @@
                           </m:sup>
                         </m:sSup>
                         <m:r>
-                          <a:rPr lang="it-IT" sz="2800" b="0" i="1" noProof="0" smtClean="0">
+                          <a:rPr lang="en-GB" sz="2800" b="0" i="1" noProof="0" smtClean="0">
                             <a:solidFill>
                               <a:schemeClr val="tx1"/>
                             </a:solidFill>
@@ -6325,7 +6297,7 @@
                 <a14:m>
                   <m:oMath xmlns:m="http://schemas.openxmlformats.org/officeDocument/2006/math">
                     <m:r>
-                      <a:rPr lang="it-IT" sz="2800" b="0" i="1" noProof="0" smtClean="0">
+                      <a:rPr lang="en-GB" sz="2800" b="0" i="1" noProof="0" smtClean="0">
                         <a:solidFill>
                           <a:schemeClr val="tx1"/>
                         </a:solidFill>
@@ -6334,7 +6306,7 @@
                       <m:t>𝑇</m:t>
                     </m:r>
                     <m:r>
-                      <a:rPr lang="it-IT" sz="2800" b="0" i="1" noProof="0" smtClean="0">
+                      <a:rPr lang="en-GB" sz="2800" b="0" i="1" noProof="0" smtClean="0">
                         <a:solidFill>
                           <a:schemeClr val="tx1"/>
                         </a:solidFill>
@@ -6355,16 +6327,6 @@
                   <a:t>  </a:t>
                 </a:r>
                 <a:r>
-                  <a:rPr lang="en-GB" sz="1600" i="1" dirty="0">
-                    <a:solidFill>
-                      <a:schemeClr val="tx1"/>
-                    </a:solidFill>
-                    <a:latin typeface="Arial" panose="020B0604020202020204" pitchFamily="34" charset="0"/>
-                    <a:cs typeface="Arial" panose="020B0604020202020204" pitchFamily="34" charset="0"/>
-                  </a:rPr>
-                  <a:t>(Appear to be the </a:t>
-                </a:r>
-                <a:r>
                   <a:rPr lang="en-GB" sz="1600" i="1" noProof="0" dirty="0">
                     <a:solidFill>
                       <a:schemeClr val="tx1"/>
@@ -6372,13 +6334,13 @@
                     <a:latin typeface="Arial" panose="020B0604020202020204" pitchFamily="34" charset="0"/>
                     <a:cs typeface="Arial" panose="020B0604020202020204" pitchFamily="34" charset="0"/>
                   </a:rPr>
-                  <a:t>best empirical value)</a:t>
+                  <a:t>(Appear to be the best empirical value)</a:t>
                 </a:r>
               </a:p>
             </p:txBody>
           </p:sp>
         </mc:Choice>
-        <mc:Fallback xmlns="">
+        <mc:Fallback>
           <p:sp>
             <p:nvSpPr>
               <p:cNvPr id="5" name="CasellaDiTesto 4">
@@ -6500,7 +6462,7 @@
           </a:lstStyle>
           <a:p>
             <a:r>
-              <a:rPr lang="en-GB" dirty="0">
+              <a:rPr lang="en-GB" noProof="0" dirty="0">
                 <a:latin typeface="Arial Black" panose="020B0A04020102020204" pitchFamily="34" charset="0"/>
               </a:rPr>
               <a:t>Third variant: Bounded‑Gradient</a:t>
@@ -6622,7 +6584,7 @@
           </a:lstStyle>
           <a:p>
             <a:r>
-              <a:rPr lang="en-GB" dirty="0">
+              <a:rPr lang="en-GB" noProof="0" dirty="0">
                 <a:latin typeface="Arial Black" panose="020B0A04020102020204" pitchFamily="34" charset="0"/>
               </a:rPr>
               <a:t>Third variant: Bounded‑Gradient</a:t>
@@ -6630,8 +6592,8 @@
           </a:p>
         </p:txBody>
       </p:sp>
-      <mc:AlternateContent xmlns:mc="http://schemas.openxmlformats.org/markup-compatibility/2006" xmlns:a14="http://schemas.microsoft.com/office/drawing/2010/main">
-        <mc:Choice Requires="a14">
+      <mc:AlternateContent xmlns:mc="http://schemas.openxmlformats.org/markup-compatibility/2006">
+        <mc:Choice xmlns:a14="http://schemas.microsoft.com/office/drawing/2010/main" Requires="a14">
           <p:sp>
             <p:nvSpPr>
               <p:cNvPr id="2" name="CasellaDiTesto 1">
@@ -6647,7 +6609,7 @@
             <p:spPr>
               <a:xfrm>
                 <a:off x="762000" y="1752600"/>
-                <a:ext cx="10515600" cy="3307829"/>
+                <a:ext cx="10515600" cy="3916200"/>
               </a:xfrm>
               <a:prstGeom prst="rect">
                 <a:avLst/>
@@ -6665,38 +6627,31 @@
                     <a:latin typeface="Arial" panose="020B0604020202020204" pitchFamily="34" charset="0"/>
                     <a:cs typeface="Arial" panose="020B0604020202020204" pitchFamily="34" charset="0"/>
                   </a:rPr>
-                  <a:t>We </a:t>
-                </a:r>
-                <a:r>
-                  <a:rPr lang="en-US" sz="2800" dirty="0">
-                    <a:latin typeface="Arial" panose="020B0604020202020204" pitchFamily="34" charset="0"/>
-                    <a:cs typeface="Arial" panose="020B0604020202020204" pitchFamily="34" charset="0"/>
-                  </a:rPr>
-                  <a:t>realize that since the </a:t>
-                </a:r>
-                <a:r>
-                  <a:rPr lang="en-US" sz="2800" b="1" dirty="0">
+                  <a:t>We realized that since the </a:t>
+                </a:r>
+                <a:r>
+                  <a:rPr lang="en-GB" sz="2800" b="1" noProof="0" dirty="0">
                     <a:latin typeface="Arial" panose="020B0604020202020204" pitchFamily="34" charset="0"/>
                     <a:cs typeface="Arial" panose="020B0604020202020204" pitchFamily="34" charset="0"/>
                   </a:rPr>
                   <a:t>step size</a:t>
                 </a:r>
                 <a:r>
-                  <a:rPr lang="en-US" sz="2800" dirty="0">
+                  <a:rPr lang="en-GB" sz="2800" noProof="0" dirty="0">
                     <a:latin typeface="Arial" panose="020B0604020202020204" pitchFamily="34" charset="0"/>
                     <a:cs typeface="Arial" panose="020B0604020202020204" pitchFamily="34" charset="0"/>
                   </a:rPr>
                   <a:t> used is </a:t>
                 </a:r>
                 <a:r>
-                  <a:rPr lang="en-US" sz="2800" b="1" dirty="0">
+                  <a:rPr lang="en-GB" sz="2800" b="1" noProof="0" dirty="0">
                     <a:latin typeface="Arial" panose="020B0604020202020204" pitchFamily="34" charset="0"/>
                     <a:cs typeface="Arial" panose="020B0604020202020204" pitchFamily="34" charset="0"/>
                   </a:rPr>
                   <a:t>significantly smaller </a:t>
                 </a:r>
                 <a:r>
-                  <a:rPr lang="en-US" sz="2800" dirty="0">
+                  <a:rPr lang="en-GB" sz="2800" noProof="0" dirty="0">
                     <a:latin typeface="Arial" panose="020B0604020202020204" pitchFamily="34" charset="0"/>
                     <a:cs typeface="Arial" panose="020B0604020202020204" pitchFamily="34" charset="0"/>
                   </a:rPr>
@@ -6705,13 +6660,13 @@
                 <a14:m>
                   <m:oMath xmlns:m="http://schemas.openxmlformats.org/officeDocument/2006/math">
                     <m:r>
-                      <a:rPr lang="en-US" sz="2800" i="1" smtClean="0">
+                      <a:rPr lang="en-GB" sz="2800" i="1" noProof="0" smtClean="0">
                         <a:latin typeface="Cambria Math" panose="02040503050406030204" pitchFamily="18" charset="0"/>
                       </a:rPr>
                       <m:t>𝛾</m:t>
                     </m:r>
                     <m:r>
-                      <a:rPr lang="en-US" sz="2800" i="1" smtClean="0">
+                      <a:rPr lang="en-GB" sz="2800" i="1" noProof="0" smtClean="0">
                         <a:latin typeface="Cambria Math" panose="02040503050406030204" pitchFamily="18" charset="0"/>
                       </a:rPr>
                       <m:t>=</m:t>
@@ -6719,7 +6674,7 @@
                     <m:f>
                       <m:fPr>
                         <m:ctrlPr>
-                          <a:rPr lang="en-US" sz="2800" i="1" smtClean="0">
+                          <a:rPr lang="en-GB" sz="2800" i="1" noProof="0" smtClean="0">
                             <a:solidFill>
                               <a:srgbClr val="836967"/>
                             </a:solidFill>
@@ -6729,7 +6684,7 @@
                       </m:fPr>
                       <m:num>
                         <m:r>
-                          <a:rPr lang="en-US" sz="2800" i="1" smtClean="0">
+                          <a:rPr lang="en-GB" sz="2800" i="1" noProof="0" smtClean="0">
                             <a:latin typeface="Cambria Math" panose="02040503050406030204" pitchFamily="18" charset="0"/>
                           </a:rPr>
                           <m:t>1</m:t>
@@ -6737,7 +6692,7 @@
                       </m:num>
                       <m:den>
                         <m:r>
-                          <a:rPr lang="en-US" sz="2800" i="1" smtClean="0">
+                          <a:rPr lang="en-GB" sz="2800" i="1" noProof="0" smtClean="0">
                             <a:latin typeface="Cambria Math" panose="02040503050406030204" pitchFamily="18" charset="0"/>
                           </a:rPr>
                           <m:t>𝐿</m:t>
@@ -6747,7 +6702,7 @@
                   </m:oMath>
                 </a14:m>
                 <a:r>
-                  <a:rPr lang="en-US" sz="2800" dirty="0">
+                  <a:rPr lang="en-GB" sz="2800" noProof="0" dirty="0">
                     <a:latin typeface="Arial" panose="020B0604020202020204" pitchFamily="34" charset="0"/>
                     <a:cs typeface="Arial" panose="020B0604020202020204" pitchFamily="34" charset="0"/>
                   </a:rPr>
@@ -6758,7 +6713,7 @@
                     <m:f>
                       <m:fPr>
                         <m:ctrlPr>
-                          <a:rPr lang="en-US" sz="2800" i="1" smtClean="0">
+                          <a:rPr lang="en-GB" sz="2800" i="1" noProof="0" smtClean="0">
                             <a:solidFill>
                               <a:schemeClr val="tx1"/>
                             </a:solidFill>
@@ -6768,7 +6723,7 @@
                       </m:fPr>
                       <m:num>
                         <m:r>
-                          <a:rPr lang="en-US" sz="2800" i="1" smtClean="0">
+                          <a:rPr lang="en-GB" sz="2800" i="1" noProof="0" smtClean="0">
                             <a:solidFill>
                               <a:schemeClr val="tx1"/>
                             </a:solidFill>
@@ -6782,7 +6737,7 @@
                           <m:radPr>
                             <m:degHide m:val="on"/>
                             <m:ctrlPr>
-                              <a:rPr lang="en-US" sz="2800" i="1" smtClean="0">
+                              <a:rPr lang="en-GB" sz="2800" i="1" noProof="0" smtClean="0">
                                 <a:solidFill>
                                   <a:schemeClr val="tx1"/>
                                 </a:solidFill>
@@ -6796,7 +6751,7 @@
                               <m:rPr>
                                 <m:sty m:val="p"/>
                               </m:rPr>
-                              <a:rPr lang="it-IT" sz="2800" b="0" i="0" smtClean="0">
+                              <a:rPr lang="en-GB" sz="2800" b="0" i="0" noProof="0" smtClean="0">
                                 <a:solidFill>
                                   <a:schemeClr val="tx1"/>
                                 </a:solidFill>
@@ -6811,21 +6766,21 @@
                   </m:oMath>
                 </a14:m>
                 <a:r>
-                  <a:rPr lang="en-US" sz="2800" dirty="0">
+                  <a:rPr lang="en-GB" sz="2800" noProof="0" dirty="0">
                     <a:latin typeface="Arial" panose="020B0604020202020204" pitchFamily="34" charset="0"/>
                     <a:cs typeface="Arial" panose="020B0604020202020204" pitchFamily="34" charset="0"/>
                   </a:rPr>
                   <a:t>, this results in </a:t>
                 </a:r>
                 <a:r>
-                  <a:rPr lang="en-US" sz="2800" b="1" dirty="0">
+                  <a:rPr lang="en-GB" sz="2800" b="1" noProof="0" dirty="0">
                     <a:latin typeface="Arial" panose="020B0604020202020204" pitchFamily="34" charset="0"/>
                     <a:cs typeface="Arial" panose="020B0604020202020204" pitchFamily="34" charset="0"/>
                   </a:rPr>
                   <a:t>slower but more stable convergence</a:t>
                 </a:r>
                 <a:r>
-                  <a:rPr lang="en-US" sz="2800" dirty="0">
+                  <a:rPr lang="en-GB" sz="2800" noProof="0" dirty="0">
                     <a:latin typeface="Arial" panose="020B0604020202020204" pitchFamily="34" charset="0"/>
                     <a:cs typeface="Arial" panose="020B0604020202020204" pitchFamily="34" charset="0"/>
                   </a:rPr>
@@ -6833,21 +6788,21 @@
                 </a:r>
               </a:p>
               <a:p>
-                <a:endParaRPr lang="en-US" sz="2800" dirty="0">
+                <a:endParaRPr lang="en-GB" sz="2800" noProof="0" dirty="0">
                   <a:latin typeface="Arial" panose="020B0604020202020204" pitchFamily="34" charset="0"/>
                   <a:cs typeface="Arial" panose="020B0604020202020204" pitchFamily="34" charset="0"/>
                 </a:endParaRPr>
               </a:p>
               <a:p>
                 <a:r>
-                  <a:rPr lang="en-US" sz="2800" dirty="0">
+                  <a:rPr lang="en-GB" sz="2800" noProof="0" dirty="0">
                     <a:latin typeface="Arial" panose="020B0604020202020204" pitchFamily="34" charset="0"/>
                     <a:cs typeface="Arial" panose="020B0604020202020204" pitchFamily="34" charset="0"/>
                   </a:rPr>
                   <a:t>This show the </a:t>
                 </a:r>
                 <a:r>
-                  <a:rPr lang="en-US" sz="2800" b="1" dirty="0">
+                  <a:rPr lang="en-GB" sz="2800" b="1" noProof="0" dirty="0">
                     <a:solidFill>
                       <a:srgbClr val="FF0000"/>
                     </a:solidFill>
@@ -6857,7 +6812,7 @@
                   <a:t>trade-off</a:t>
                 </a:r>
                 <a:r>
-                  <a:rPr lang="en-US" sz="2800" dirty="0">
+                  <a:rPr lang="en-GB" sz="2800" noProof="0" dirty="0">
                     <a:latin typeface="Arial" panose="020B0604020202020204" pitchFamily="34" charset="0"/>
                     <a:cs typeface="Arial" panose="020B0604020202020204" pitchFamily="34" charset="0"/>
                   </a:rPr>
@@ -6867,7 +6822,7 @@
             </p:txBody>
           </p:sp>
         </mc:Choice>
-        <mc:Fallback xmlns="">
+        <mc:Fallback>
           <p:sp>
             <p:nvSpPr>
               <p:cNvPr id="2" name="CasellaDiTesto 1">
@@ -6885,7 +6840,7 @@
             <p:spPr>
               <a:xfrm>
                 <a:off x="762000" y="1752600"/>
-                <a:ext cx="10515600" cy="3307829"/>
+                <a:ext cx="10515600" cy="3916200"/>
               </a:xfrm>
               <a:prstGeom prst="rect">
                 <a:avLst/>
@@ -6893,7 +6848,7 @@
               <a:blipFill>
                 <a:blip r:embed="rId2"/>
                 <a:stretch>
-                  <a:fillRect l="-1159" t="-2030" r="-1333" b="-4059"/>
+                  <a:fillRect l="-1159" t="-1713" b="-3271"/>
                 </a:stretch>
               </a:blipFill>
             </p:spPr>
@@ -6989,7 +6944,7 @@
           </a:lstStyle>
           <a:p>
             <a:r>
-              <a:rPr lang="en-GB" dirty="0">
+              <a:rPr lang="en-GB" noProof="0" dirty="0">
                 <a:latin typeface="Arial Black" panose="020B0A04020102020204" pitchFamily="34" charset="0"/>
               </a:rPr>
               <a:t>Third variant: Bounded‑Gradient</a:t>
@@ -6997,8 +6952,8 @@
           </a:p>
         </p:txBody>
       </p:sp>
-      <mc:AlternateContent xmlns:mc="http://schemas.openxmlformats.org/markup-compatibility/2006" xmlns:a14="http://schemas.microsoft.com/office/drawing/2010/main">
-        <mc:Choice Requires="a14">
+      <mc:AlternateContent xmlns:mc="http://schemas.openxmlformats.org/markup-compatibility/2006">
+        <mc:Choice xmlns:a14="http://schemas.microsoft.com/office/drawing/2010/main" Requires="a14">
           <p:sp>
             <p:nvSpPr>
               <p:cNvPr id="2" name="CasellaDiTesto 1">
@@ -7028,21 +6983,21 @@
               <a:lstStyle/>
               <a:p>
                 <a:r>
-                  <a:rPr lang="en-US" sz="2800" dirty="0">
+                  <a:rPr lang="en-GB" sz="2800" noProof="0" dirty="0">
                     <a:latin typeface="Arial" panose="020B0604020202020204" pitchFamily="34" charset="0"/>
                     <a:cs typeface="Arial" panose="020B0604020202020204" pitchFamily="34" charset="0"/>
                   </a:rPr>
                   <a:t>Furthermore, we attempted to incorporate the </a:t>
                 </a:r>
                 <a:r>
-                  <a:rPr lang="en-US" sz="2800" b="1" dirty="0">
+                  <a:rPr lang="en-GB" sz="2800" b="1" noProof="0" dirty="0">
                     <a:latin typeface="Arial" panose="020B0604020202020204" pitchFamily="34" charset="0"/>
                     <a:cs typeface="Arial" panose="020B0604020202020204" pitchFamily="34" charset="0"/>
                   </a:rPr>
                   <a:t>theoretical formula </a:t>
                 </a:r>
                 <a:r>
-                  <a:rPr lang="en-US" sz="2800" dirty="0">
+                  <a:rPr lang="en-GB" sz="2800" noProof="0" dirty="0">
                     <a:latin typeface="Arial" panose="020B0604020202020204" pitchFamily="34" charset="0"/>
                     <a:cs typeface="Arial" panose="020B0604020202020204" pitchFamily="34" charset="0"/>
                   </a:rPr>
@@ -7051,13 +7006,13 @@
                 <a14:m>
                   <m:oMath xmlns:m="http://schemas.openxmlformats.org/officeDocument/2006/math">
                     <m:r>
-                      <a:rPr lang="en-US" sz="2800" i="1" smtClean="0">
+                      <a:rPr lang="en-GB" sz="2800" i="1" noProof="0" smtClean="0">
                         <a:latin typeface="Cambria Math" panose="02040503050406030204" pitchFamily="18" charset="0"/>
                       </a:rPr>
                       <m:t>𝜀</m:t>
                     </m:r>
                     <m:r>
-                      <a:rPr lang="en-US" sz="2800" i="1" smtClean="0">
+                      <a:rPr lang="en-GB" sz="2800" i="1" noProof="0" smtClean="0">
                         <a:latin typeface="Cambria Math" panose="02040503050406030204" pitchFamily="18" charset="0"/>
                       </a:rPr>
                       <m:t>=1⋅</m:t>
@@ -7065,7 +7020,7 @@
                     <m:sSup>
                       <m:sSupPr>
                         <m:ctrlPr>
-                          <a:rPr lang="en-US" sz="2800" i="1" smtClean="0">
+                          <a:rPr lang="en-GB" sz="2800" i="1" noProof="0" smtClean="0">
                             <a:solidFill>
                               <a:srgbClr val="836967"/>
                             </a:solidFill>
@@ -7075,7 +7030,7 @@
                       </m:sSupPr>
                       <m:e>
                         <m:r>
-                          <a:rPr lang="en-US" sz="2800" i="1" smtClean="0">
+                          <a:rPr lang="en-GB" sz="2800" i="1" noProof="0" smtClean="0">
                             <a:latin typeface="Cambria Math" panose="02040503050406030204" pitchFamily="18" charset="0"/>
                           </a:rPr>
                           <m:t>10</m:t>
@@ -7083,7 +7038,7 @@
                       </m:e>
                       <m:sup>
                         <m:r>
-                          <a:rPr lang="en-US" sz="2800" i="1" smtClean="0">
+                          <a:rPr lang="en-GB" sz="2800" i="1" noProof="0" smtClean="0">
                             <a:latin typeface="Cambria Math" panose="02040503050406030204" pitchFamily="18" charset="0"/>
                           </a:rPr>
                           <m:t>−6</m:t>
@@ -7093,7 +7048,7 @@
                   </m:oMath>
                 </a14:m>
                 <a:r>
-                  <a:rPr lang="en-US" sz="2800" dirty="0">
+                  <a:rPr lang="en-GB" sz="2800" noProof="0" dirty="0">
                     <a:latin typeface="Arial" panose="020B0604020202020204" pitchFamily="34" charset="0"/>
                     <a:cs typeface="Arial" panose="020B0604020202020204" pitchFamily="34" charset="0"/>
                   </a:rPr>
@@ -7102,7 +7057,7 @@
               </a:p>
               <a:p>
                 <a:r>
-                  <a:rPr lang="en-US" sz="2800" dirty="0">
+                  <a:rPr lang="en-GB" sz="2800" noProof="0" dirty="0">
                     <a:latin typeface="Arial" panose="020B0604020202020204" pitchFamily="34" charset="0"/>
                     <a:cs typeface="Arial" panose="020B0604020202020204" pitchFamily="34" charset="0"/>
                   </a:rPr>
@@ -7112,7 +7067,7 @@
             </p:txBody>
           </p:sp>
         </mc:Choice>
-        <mc:Fallback xmlns="">
+        <mc:Fallback>
           <p:sp>
             <p:nvSpPr>
               <p:cNvPr id="2" name="CasellaDiTesto 1">
@@ -7157,8 +7112,8 @@
           </p:sp>
         </mc:Fallback>
       </mc:AlternateContent>
-      <mc:AlternateContent xmlns:mc="http://schemas.openxmlformats.org/markup-compatibility/2006" xmlns:a14="http://schemas.microsoft.com/office/drawing/2010/main">
-        <mc:Choice Requires="a14">
+      <mc:AlternateContent xmlns:mc="http://schemas.openxmlformats.org/markup-compatibility/2006">
+        <mc:Choice xmlns:a14="http://schemas.microsoft.com/office/drawing/2010/main" Requires="a14">
           <p:sp>
             <p:nvSpPr>
               <p:cNvPr id="6" name="CasellaDiTesto 5">
@@ -7174,7 +7129,7 @@
             <p:spPr>
               <a:xfrm>
                 <a:off x="762000" y="3810000"/>
-                <a:ext cx="10515600" cy="2246769"/>
+                <a:ext cx="10515600" cy="1815882"/>
               </a:xfrm>
               <a:prstGeom prst="rect">
                 <a:avLst/>
@@ -7188,14 +7143,14 @@
               <a:lstStyle/>
               <a:p>
                 <a:r>
-                  <a:rPr lang="en-US" sz="2800" dirty="0">
+                  <a:rPr lang="en-GB" sz="2800" noProof="0" dirty="0">
                     <a:latin typeface="Arial" panose="020B0604020202020204" pitchFamily="34" charset="0"/>
                     <a:cs typeface="Arial" panose="020B0604020202020204" pitchFamily="34" charset="0"/>
                   </a:rPr>
                   <a:t>However, in practice, this leads to an </a:t>
                 </a:r>
                 <a:r>
-                  <a:rPr lang="en-US" sz="2800" b="1" dirty="0">
+                  <a:rPr lang="en-GB" sz="2800" b="1" noProof="0" dirty="0">
                     <a:solidFill>
                       <a:schemeClr val="tx1"/>
                     </a:solidFill>
@@ -7207,7 +7162,7 @@
                 <a14:m>
                   <m:oMath xmlns:m="http://schemas.openxmlformats.org/officeDocument/2006/math">
                     <m:r>
-                      <a:rPr lang="en-US" sz="2800" b="1" i="1" dirty="0" smtClean="0">
+                      <a:rPr lang="en-GB" sz="2800" b="1" i="1" noProof="0" smtClean="0">
                         <a:solidFill>
                           <a:schemeClr val="tx1"/>
                         </a:solidFill>
@@ -7218,7 +7173,7 @@
                   </m:oMath>
                 </a14:m>
                 <a:r>
-                  <a:rPr lang="en-US" sz="2800" b="1" dirty="0">
+                  <a:rPr lang="en-GB" sz="2800" b="1" noProof="0" dirty="0">
                     <a:solidFill>
                       <a:srgbClr val="FF0000"/>
                     </a:solidFill>
@@ -7228,7 +7183,7 @@
                   <a:t> </a:t>
                 </a:r>
                 <a:r>
-                  <a:rPr lang="en-US" sz="2800" dirty="0">
+                  <a:rPr lang="en-GB" sz="2800" noProof="0" dirty="0">
                     <a:latin typeface="Arial" panose="020B0604020202020204" pitchFamily="34" charset="0"/>
                     <a:cs typeface="Arial" panose="020B0604020202020204" pitchFamily="34" charset="0"/>
                   </a:rPr>
@@ -7237,7 +7192,7 @@
                 <a14:m>
                   <m:oMath xmlns:m="http://schemas.openxmlformats.org/officeDocument/2006/math">
                     <m:r>
-                      <a:rPr lang="en-US" sz="2800" i="1" smtClean="0">
+                      <a:rPr lang="en-GB" sz="2800" i="1" noProof="0" smtClean="0">
                         <a:latin typeface="Cambria Math" panose="02040503050406030204" pitchFamily="18" charset="0"/>
                       </a:rPr>
                       <m:t>1⋅</m:t>
@@ -7245,7 +7200,7 @@
                     <m:sSup>
                       <m:sSupPr>
                         <m:ctrlPr>
-                          <a:rPr lang="en-US" sz="2800" i="1" smtClean="0">
+                          <a:rPr lang="en-GB" sz="2800" i="1" noProof="0" smtClean="0">
                             <a:solidFill>
                               <a:srgbClr val="836967"/>
                             </a:solidFill>
@@ -7255,7 +7210,7 @@
                       </m:sSupPr>
                       <m:e>
                         <m:r>
-                          <a:rPr lang="en-US" sz="2800" i="1" smtClean="0">
+                          <a:rPr lang="en-GB" sz="2800" i="1" noProof="0" smtClean="0">
                             <a:latin typeface="Cambria Math" panose="02040503050406030204" pitchFamily="18" charset="0"/>
                           </a:rPr>
                           <m:t>10</m:t>
@@ -7263,7 +7218,7 @@
                       </m:e>
                       <m:sup>
                         <m:r>
-                          <a:rPr lang="en-US" sz="2800" i="1" smtClean="0">
+                          <a:rPr lang="en-GB" sz="2800" i="1" noProof="0" smtClean="0">
                             <a:latin typeface="Cambria Math" panose="02040503050406030204" pitchFamily="18" charset="0"/>
                           </a:rPr>
                           <m:t>18</m:t>
@@ -7273,16 +7228,16 @@
                   </m:oMath>
                 </a14:m>
                 <a:r>
-                  <a:rPr lang="en-US" sz="2800" dirty="0">
+                  <a:rPr lang="en-GB" sz="2800" noProof="0" dirty="0">
                     <a:latin typeface="Arial" panose="020B0604020202020204" pitchFamily="34" charset="0"/>
                     <a:cs typeface="Arial" panose="020B0604020202020204" pitchFamily="34" charset="0"/>
                   </a:rPr>
-                  <a:t>) As a consequence, the computed learning rate 𝛾 being inversely proportional to </a:t>
+                  <a:t>). Consequently, the computed learning rate 𝛾, being inversely proportional to </a:t>
                 </a:r>
                 <a14:m>
                   <m:oMath xmlns:m="http://schemas.openxmlformats.org/officeDocument/2006/math">
                     <m:r>
-                      <a:rPr lang="en-US" sz="2800" b="0" i="1" dirty="0" smtClean="0">
+                      <a:rPr lang="en-GB" sz="2800" b="0" i="1" noProof="0" smtClean="0">
                         <a:latin typeface="Cambria Math" panose="02040503050406030204" pitchFamily="18" charset="0"/>
                       </a:rPr>
                       <m:t>𝑇</m:t>
@@ -7290,14 +7245,14 @@
                   </m:oMath>
                 </a14:m>
                 <a:r>
-                  <a:rPr lang="en-US" sz="2800" dirty="0">
+                  <a:rPr lang="en-GB" sz="2800" noProof="0" dirty="0">
                     <a:latin typeface="Arial" panose="020B0604020202020204" pitchFamily="34" charset="0"/>
                     <a:cs typeface="Arial" panose="020B0604020202020204" pitchFamily="34" charset="0"/>
                   </a:rPr>
-                  <a:t> becomes </a:t>
-                </a:r>
-                <a:r>
-                  <a:rPr lang="en-US" sz="2800" b="1" dirty="0">
+                  <a:t>, becomes </a:t>
+                </a:r>
+                <a:r>
+                  <a:rPr lang="en-GB" sz="2800" b="1" noProof="0" dirty="0">
                     <a:solidFill>
                       <a:schemeClr val="tx1"/>
                     </a:solidFill>
@@ -7307,14 +7262,14 @@
                   <a:t>incredibly small</a:t>
                 </a:r>
                 <a:r>
-                  <a:rPr lang="en-US" sz="2800" dirty="0">
+                  <a:rPr lang="en-GB" sz="2800" noProof="0" dirty="0">
                     <a:latin typeface="Arial" panose="020B0604020202020204" pitchFamily="34" charset="0"/>
                     <a:cs typeface="Arial" panose="020B0604020202020204" pitchFamily="34" charset="0"/>
                   </a:rPr>
                   <a:t>, resulting in practically </a:t>
                 </a:r>
                 <a:r>
-                  <a:rPr lang="en-US" sz="2800" b="1" dirty="0">
+                  <a:rPr lang="en-GB" sz="2800" b="1" noProof="0" dirty="0">
                     <a:solidFill>
                       <a:srgbClr val="FF0000"/>
                     </a:solidFill>
@@ -7324,7 +7279,7 @@
                   <a:t>zero updates at each step.</a:t>
                 </a:r>
                 <a:r>
-                  <a:rPr lang="en-US" sz="2800" dirty="0">
+                  <a:rPr lang="en-GB" sz="2800" noProof="0" dirty="0">
                     <a:latin typeface="Arial" panose="020B0604020202020204" pitchFamily="34" charset="0"/>
                     <a:cs typeface="Arial" panose="020B0604020202020204" pitchFamily="34" charset="0"/>
                   </a:rPr>
@@ -7338,7 +7293,7 @@
             </p:txBody>
           </p:sp>
         </mc:Choice>
-        <mc:Fallback xmlns="">
+        <mc:Fallback>
           <p:sp>
             <p:nvSpPr>
               <p:cNvPr id="6" name="CasellaDiTesto 5">
@@ -7356,7 +7311,7 @@
             <p:spPr>
               <a:xfrm>
                 <a:off x="762000" y="3810000"/>
-                <a:ext cx="10515600" cy="2246769"/>
+                <a:ext cx="10515600" cy="1815882"/>
               </a:xfrm>
               <a:prstGeom prst="rect">
                 <a:avLst/>
@@ -7364,7 +7319,7 @@
               <a:blipFill>
                 <a:blip r:embed="rId3"/>
                 <a:stretch>
-                  <a:fillRect l="-1159" t="-2710" b="-6504"/>
+                  <a:fillRect l="-1159" t="-3356" r="-1101" b="-8389"/>
                 </a:stretch>
               </a:blipFill>
             </p:spPr>
@@ -7383,8 +7338,8 @@
           </p:sp>
         </mc:Fallback>
       </mc:AlternateContent>
-      <mc:AlternateContent xmlns:mc="http://schemas.openxmlformats.org/markup-compatibility/2006" xmlns:a14="http://schemas.microsoft.com/office/drawing/2010/main">
-        <mc:Choice Requires="a14">
+      <mc:AlternateContent xmlns:mc="http://schemas.openxmlformats.org/markup-compatibility/2006">
+        <mc:Choice xmlns:a14="http://schemas.microsoft.com/office/drawing/2010/main" Requires="a14">
           <p:sp>
             <p:nvSpPr>
               <p:cNvPr id="8" name="CasellaDiTesto 7">
@@ -7416,13 +7371,13 @@
                 <a14:m>
                   <m:oMath xmlns:m="http://schemas.openxmlformats.org/officeDocument/2006/math">
                     <m:r>
-                      <a:rPr lang="en-US" sz="2800" b="0" i="1" dirty="0" smtClean="0">
+                      <a:rPr lang="en-GB" sz="2800" b="0" i="1" noProof="0" smtClean="0">
                         <a:latin typeface="Cambria Math" panose="02040503050406030204" pitchFamily="18" charset="0"/>
                       </a:rPr>
                       <m:t>𝑇</m:t>
                     </m:r>
                     <m:r>
-                      <a:rPr lang="en-US" sz="2800" b="0" i="0" dirty="0" smtClean="0">
+                      <a:rPr lang="en-GB" sz="2800" b="0" i="0" noProof="0" smtClean="0">
                         <a:latin typeface="Cambria Math" panose="02040503050406030204" pitchFamily="18" charset="0"/>
                       </a:rPr>
                       <m:t>≥</m:t>
@@ -7430,7 +7385,7 @@
                     <m:f>
                       <m:fPr>
                         <m:ctrlPr>
-                          <a:rPr lang="en-US" sz="2800" i="1" dirty="0" smtClean="0">
+                          <a:rPr lang="en-GB" sz="2800" i="1" noProof="0" smtClean="0">
                             <a:solidFill>
                               <a:srgbClr val="836967"/>
                             </a:solidFill>
@@ -7442,7 +7397,7 @@
                         <m:sSup>
                           <m:sSupPr>
                             <m:ctrlPr>
-                              <a:rPr lang="en-US" sz="2800" i="1" dirty="0" smtClean="0">
+                              <a:rPr lang="en-GB" sz="2800" i="1" noProof="0" smtClean="0">
                                 <a:solidFill>
                                   <a:srgbClr val="836967"/>
                                 </a:solidFill>
@@ -7452,7 +7407,7 @@
                           </m:sSupPr>
                           <m:e>
                             <m:r>
-                              <a:rPr lang="en-US" sz="2800" b="0" i="1" dirty="0" smtClean="0">
+                              <a:rPr lang="en-GB" sz="2800" b="0" i="1" noProof="0" smtClean="0">
                                 <a:latin typeface="Cambria Math" panose="02040503050406030204" pitchFamily="18" charset="0"/>
                               </a:rPr>
                               <m:t>𝐵</m:t>
@@ -7460,7 +7415,7 @@
                           </m:e>
                           <m:sup>
                             <m:r>
-                              <a:rPr lang="en-US" sz="2800" b="0" i="0" dirty="0" smtClean="0">
+                              <a:rPr lang="en-GB" sz="2800" b="0" i="0" noProof="0" smtClean="0">
                                 <a:latin typeface="Cambria Math" panose="02040503050406030204" pitchFamily="18" charset="0"/>
                               </a:rPr>
                               <m:t>2</m:t>
@@ -7470,7 +7425,7 @@
                         <m:sSup>
                           <m:sSupPr>
                             <m:ctrlPr>
-                              <a:rPr lang="en-US" sz="2800" i="1" dirty="0" smtClean="0">
+                              <a:rPr lang="en-GB" sz="2800" i="1" noProof="0" smtClean="0">
                                 <a:solidFill>
                                   <a:srgbClr val="836967"/>
                                 </a:solidFill>
@@ -7480,7 +7435,7 @@
                           </m:sSupPr>
                           <m:e>
                             <m:r>
-                              <a:rPr lang="en-US" sz="2800" b="0" i="1" dirty="0" smtClean="0">
+                              <a:rPr lang="en-GB" sz="2800" b="0" i="1" noProof="0" smtClean="0">
                                 <a:latin typeface="Cambria Math" panose="02040503050406030204" pitchFamily="18" charset="0"/>
                               </a:rPr>
                               <m:t>𝑅</m:t>
@@ -7488,7 +7443,7 @@
                           </m:e>
                           <m:sup>
                             <m:r>
-                              <a:rPr lang="en-US" sz="2800" b="0" i="0" dirty="0" smtClean="0">
+                              <a:rPr lang="en-GB" sz="2800" b="0" i="0" noProof="0" smtClean="0">
                                 <a:latin typeface="Cambria Math" panose="02040503050406030204" pitchFamily="18" charset="0"/>
                               </a:rPr>
                               <m:t>2</m:t>
@@ -7500,7 +7455,7 @@
                         <m:sSup>
                           <m:sSupPr>
                             <m:ctrlPr>
-                              <a:rPr lang="en-US" sz="2800" i="1" dirty="0" smtClean="0">
+                              <a:rPr lang="en-GB" sz="2800" i="1" noProof="0" smtClean="0">
                                 <a:solidFill>
                                   <a:srgbClr val="836967"/>
                                 </a:solidFill>
@@ -7510,7 +7465,7 @@
                           </m:sSupPr>
                           <m:e>
                             <m:r>
-                              <a:rPr lang="en-US" sz="2800" b="0" i="1" dirty="0" smtClean="0">
+                              <a:rPr lang="en-GB" sz="2800" b="0" i="1" noProof="0" smtClean="0">
                                 <a:latin typeface="Cambria Math" panose="02040503050406030204" pitchFamily="18" charset="0"/>
                               </a:rPr>
                               <m:t>𝜀</m:t>
@@ -7518,7 +7473,7 @@
                           </m:e>
                           <m:sup>
                             <m:r>
-                              <a:rPr lang="en-US" sz="2800" b="0" i="0" dirty="0" smtClean="0">
+                              <a:rPr lang="en-GB" sz="2800" b="0" i="0" noProof="0" smtClean="0">
                                 <a:latin typeface="Cambria Math" panose="02040503050406030204" pitchFamily="18" charset="0"/>
                               </a:rPr>
                               <m:t>2</m:t>
@@ -7530,7 +7485,7 @@
                   </m:oMath>
                 </a14:m>
                 <a:r>
-                  <a:rPr lang="en-US" sz="2800" dirty="0">
+                  <a:rPr lang="en-GB" sz="2800" noProof="0" dirty="0">
                     <a:latin typeface="Arial" panose="020B0604020202020204" pitchFamily="34" charset="0"/>
                     <a:cs typeface="Arial" panose="020B0604020202020204" pitchFamily="34" charset="0"/>
                   </a:rPr>
@@ -7540,7 +7495,7 @@
             </p:txBody>
           </p:sp>
         </mc:Choice>
-        <mc:Fallback xmlns="">
+        <mc:Fallback>
           <p:sp>
             <p:nvSpPr>
               <p:cNvPr id="8" name="CasellaDiTesto 7">
@@ -7648,22 +7603,16 @@
           <a:lstStyle/>
           <a:p>
             <a:r>
-              <a:rPr lang="en-GB" dirty="0">
-                <a:latin typeface="Arial Black" panose="020B0A04020102020204" pitchFamily="34" charset="0"/>
-              </a:rPr>
-              <a:t>Fourth</a:t>
-            </a:r>
-            <a:r>
               <a:rPr lang="en-GB" noProof="0" dirty="0">
                 <a:latin typeface="Arial Black" panose="020B0A04020102020204" pitchFamily="34" charset="0"/>
               </a:rPr>
-              <a:t> variant: Strongly‑Convex Step</a:t>
+              <a:t>Fourth variant: Strongly‑Convex Step</a:t>
             </a:r>
           </a:p>
         </p:txBody>
       </p:sp>
-      <mc:AlternateContent xmlns:mc="http://schemas.openxmlformats.org/markup-compatibility/2006" xmlns:a14="http://schemas.microsoft.com/office/drawing/2010/main">
-        <mc:Choice Requires="a14">
+      <mc:AlternateContent xmlns:mc="http://schemas.openxmlformats.org/markup-compatibility/2006">
+        <mc:Choice xmlns:a14="http://schemas.microsoft.com/office/drawing/2010/main" Requires="a14">
           <p:sp>
             <p:nvSpPr>
               <p:cNvPr id="4" name="CasellaDiTesto 3">
@@ -7700,7 +7649,7 @@
                   <a:t>We </a:t>
                 </a:r>
                 <a:r>
-                  <a:rPr lang="en-GB" sz="2800" dirty="0">
+                  <a:rPr lang="en-GB" sz="2800" noProof="0" dirty="0">
                     <a:ea typeface="Cambria Math" panose="02040503050406030204" pitchFamily="18" charset="0"/>
                     <a:cs typeface="Arial" panose="020B0604020202020204" pitchFamily="34" charset="0"/>
                   </a:rPr>
@@ -7716,7 +7665,7 @@
                 <a14:m>
                   <m:oMath xmlns:m="http://schemas.openxmlformats.org/officeDocument/2006/math">
                     <m:r>
-                      <a:rPr lang="it-IT" sz="2800" b="0" i="1" noProof="0" smtClean="0">
+                      <a:rPr lang="en-GB" sz="2800" b="0" i="1" noProof="0" smtClean="0">
                         <a:solidFill>
                           <a:schemeClr val="tx1"/>
                         </a:solidFill>
@@ -7726,7 +7675,7 @@
                       <m:t>𝜇</m:t>
                     </m:r>
                     <m:r>
-                      <a:rPr lang="it-IT" sz="2800" b="0" i="1" noProof="0" smtClean="0">
+                      <a:rPr lang="en-GB" sz="2800" b="0" i="1" noProof="0" smtClean="0">
                         <a:solidFill>
                           <a:schemeClr val="tx1"/>
                         </a:solidFill>
@@ -7738,7 +7687,7 @@
                     <m:sSub>
                       <m:sSubPr>
                         <m:ctrlPr>
-                          <a:rPr lang="it-IT" sz="2800" b="0" i="1" noProof="0" smtClean="0">
+                          <a:rPr lang="en-GB" sz="2800" b="0" i="1" noProof="0" smtClean="0">
                             <a:solidFill>
                               <a:schemeClr val="tx1"/>
                             </a:solidFill>
@@ -7749,7 +7698,7 @@
                       </m:sSubPr>
                       <m:e>
                         <m:r>
-                          <a:rPr lang="it-IT" sz="2800" b="0" i="1" noProof="0" smtClean="0">
+                          <a:rPr lang="en-GB" sz="2800" b="0" i="1" noProof="0" smtClean="0">
                             <a:solidFill>
                               <a:schemeClr val="tx1"/>
                             </a:solidFill>
@@ -7761,7 +7710,7 @@
                       </m:e>
                       <m:sub>
                         <m:r>
-                          <a:rPr lang="it-IT" sz="2800" b="0" i="1" noProof="0" smtClean="0">
+                          <a:rPr lang="en-GB" sz="2800" b="0" i="1" noProof="0" smtClean="0">
                             <a:solidFill>
                               <a:schemeClr val="tx1"/>
                             </a:solidFill>
@@ -7771,7 +7720,7 @@
                           <m:t>−</m:t>
                         </m:r>
                         <m:r>
-                          <a:rPr lang="it-IT" sz="2800" b="0" i="1" noProof="0" smtClean="0">
+                          <a:rPr lang="en-GB" sz="2800" b="0" i="1" noProof="0" smtClean="0">
                             <a:solidFill>
                               <a:schemeClr val="tx1"/>
                             </a:solidFill>
@@ -7785,7 +7734,7 @@
                     <m:d>
                       <m:dPr>
                         <m:ctrlPr>
-                          <a:rPr lang="it-IT" sz="2800" b="0" i="1" noProof="0" smtClean="0">
+                          <a:rPr lang="en-GB" sz="2800" b="0" i="1" noProof="0" smtClean="0">
                             <a:solidFill>
                               <a:schemeClr val="tx1"/>
                             </a:solidFill>
@@ -7798,7 +7747,7 @@
                         <m:sSup>
                           <m:sSupPr>
                             <m:ctrlPr>
-                              <a:rPr lang="it-IT" sz="2800" b="0" i="1" noProof="0" smtClean="0">
+                              <a:rPr lang="en-GB" sz="2800" b="0" i="1" noProof="0" smtClean="0">
                                 <a:solidFill>
                                   <a:schemeClr val="tx1"/>
                                 </a:solidFill>
@@ -7809,7 +7758,7 @@
                           </m:sSupPr>
                           <m:e>
                             <m:r>
-                              <a:rPr lang="it-IT" sz="2800" b="0" i="1" noProof="0" smtClean="0">
+                              <a:rPr lang="en-GB" sz="2800" b="0" i="1" noProof="0" smtClean="0">
                                 <a:solidFill>
                                   <a:schemeClr val="tx1"/>
                                 </a:solidFill>
@@ -7821,7 +7770,7 @@
                           </m:e>
                           <m:sup>
                             <m:r>
-                              <a:rPr lang="it-IT" sz="2800" b="0" i="1" noProof="0" smtClean="0">
+                              <a:rPr lang="en-GB" sz="2800" b="0" i="1" noProof="0" smtClean="0">
                                 <a:solidFill>
                                   <a:schemeClr val="tx1"/>
                                 </a:solidFill>
@@ -7833,7 +7782,7 @@
                           </m:sup>
                         </m:sSup>
                         <m:r>
-                          <a:rPr lang="it-IT" sz="2800" b="0" i="1" noProof="0" smtClean="0">
+                          <a:rPr lang="en-GB" sz="2800" b="0" i="1" noProof="0" smtClean="0">
                             <a:solidFill>
                               <a:schemeClr val="tx1"/>
                             </a:solidFill>
@@ -7856,7 +7805,7 @@
                 <a14:m>
                   <m:oMath xmlns:m="http://schemas.openxmlformats.org/officeDocument/2006/math">
                     <m:r>
-                      <a:rPr lang="it-IT" sz="2800" b="0" i="1" noProof="0" smtClean="0">
+                      <a:rPr lang="en-GB" sz="2800" b="0" i="1" noProof="0" smtClean="0">
                         <a:latin typeface="Cambria Math" panose="02040503050406030204" pitchFamily="18" charset="0"/>
                         <a:cs typeface="Arial" panose="020B0604020202020204" pitchFamily="34" charset="0"/>
                       </a:rPr>
@@ -7875,7 +7824,7 @@
             </p:txBody>
           </p:sp>
         </mc:Choice>
-        <mc:Fallback xmlns="">
+        <mc:Fallback>
           <p:sp>
             <p:nvSpPr>
               <p:cNvPr id="4" name="CasellaDiTesto 3">
@@ -7920,8 +7869,8 @@
           </p:sp>
         </mc:Fallback>
       </mc:AlternateContent>
-      <mc:AlternateContent xmlns:mc="http://schemas.openxmlformats.org/markup-compatibility/2006" xmlns:a14="http://schemas.microsoft.com/office/drawing/2010/main">
-        <mc:Choice Requires="a14">
+      <mc:AlternateContent xmlns:mc="http://schemas.openxmlformats.org/markup-compatibility/2006">
+        <mc:Choice xmlns:a14="http://schemas.microsoft.com/office/drawing/2010/main" Requires="a14">
           <p:sp>
             <p:nvSpPr>
               <p:cNvPr id="6" name="CasellaDiTesto 5">
@@ -7951,18 +7900,11 @@
               <a:lstStyle/>
               <a:p>
                 <a:r>
-                  <a:rPr lang="en-GB" sz="2800" dirty="0">
-                    <a:ea typeface="Cambria Math" panose="02040503050406030204" pitchFamily="18" charset="0"/>
-                    <a:cs typeface="Arial" panose="020B0604020202020204" pitchFamily="34" charset="0"/>
-                  </a:rPr>
-                  <a:t>We calculated</a:t>
-                </a:r>
-                <a:r>
                   <a:rPr lang="en-GB" sz="2800" noProof="0" dirty="0">
                     <a:ea typeface="Cambria Math" panose="02040503050406030204" pitchFamily="18" charset="0"/>
                     <a:cs typeface="Arial" panose="020B0604020202020204" pitchFamily="34" charset="0"/>
                   </a:rPr>
-                  <a:t> </a:t>
+                  <a:t>We calculated </a:t>
                 </a:r>
                 <a14:m>
                   <m:oMath xmlns:m="http://schemas.openxmlformats.org/officeDocument/2006/math">
@@ -7983,7 +7925,7 @@
                       <m:t>=</m:t>
                     </m:r>
                     <m:r>
-                      <a:rPr lang="it-IT" sz="2800" b="0" i="1" noProof="0" smtClean="0">
+                      <a:rPr lang="en-GB" sz="2800" b="0" i="1" noProof="0" smtClean="0">
                         <a:latin typeface="Cambria Math" panose="02040503050406030204" pitchFamily="18" charset="0"/>
                         <a:ea typeface="Cambria Math" panose="02040503050406030204" pitchFamily="18" charset="0"/>
                         <a:cs typeface="Arial" panose="020B0604020202020204" pitchFamily="34" charset="0"/>
@@ -7993,7 +7935,7 @@
                     <m:f>
                       <m:fPr>
                         <m:ctrlPr>
-                          <a:rPr lang="en-GB" sz="2800" i="1" noProof="0" dirty="0" smtClean="0">
+                          <a:rPr lang="en-GB" sz="2800" i="1" noProof="0" smtClean="0">
                             <a:solidFill>
                               <a:schemeClr val="tx1"/>
                             </a:solidFill>
@@ -8003,7 +7945,7 @@
                       </m:fPr>
                       <m:num>
                         <m:r>
-                          <a:rPr lang="it-IT" sz="2800" b="0" i="1" noProof="0" dirty="0" smtClean="0">
+                          <a:rPr lang="en-GB" sz="2800" b="0" i="1" noProof="0" smtClean="0">
                             <a:solidFill>
                               <a:schemeClr val="tx1"/>
                             </a:solidFill>
@@ -8014,7 +7956,7 @@
                       </m:num>
                       <m:den>
                         <m:r>
-                          <a:rPr lang="en-GB" sz="2800" i="1" noProof="0" dirty="0">
+                          <a:rPr lang="en-GB" sz="2800" i="1" noProof="0">
                             <a:solidFill>
                               <a:schemeClr val="tx1"/>
                             </a:solidFill>
@@ -8023,7 +7965,7 @@
                           <m:t>𝐿</m:t>
                         </m:r>
                         <m:r>
-                          <a:rPr lang="it-IT" sz="2800" b="0" i="1" noProof="0" dirty="0" smtClean="0">
+                          <a:rPr lang="en-GB" sz="2800" b="0" i="1" noProof="0" smtClean="0">
                             <a:solidFill>
                               <a:schemeClr val="tx1"/>
                             </a:solidFill>
@@ -8032,7 +7974,7 @@
                           <m:t>+</m:t>
                         </m:r>
                         <m:r>
-                          <a:rPr lang="it-IT" sz="2800" i="1" dirty="0">
+                          <a:rPr lang="en-GB" sz="2800" i="1" noProof="0" smtClean="0">
                             <a:solidFill>
                               <a:schemeClr val="tx1"/>
                             </a:solidFill>
@@ -8043,7 +7985,7 @@
                       </m:den>
                     </m:f>
                     <m:r>
-                      <a:rPr lang="it-IT" sz="2800" b="0" i="1" noProof="0" dirty="0" smtClean="0">
+                      <a:rPr lang="en-GB" sz="2800" b="0" i="1" noProof="0" smtClean="0">
                         <a:solidFill>
                           <a:schemeClr val="tx1"/>
                         </a:solidFill>
@@ -8070,7 +8012,7 @@
                 <a14:m>
                   <m:oMath xmlns:m="http://schemas.openxmlformats.org/officeDocument/2006/math">
                     <m:r>
-                      <a:rPr lang="it-IT" sz="2000" b="0" i="1" noProof="0" smtClean="0">
+                      <a:rPr lang="en-GB" sz="2000" b="0" i="1" noProof="0" smtClean="0">
                         <a:solidFill>
                           <a:schemeClr val="tx1"/>
                         </a:solidFill>
@@ -8089,7 +8031,7 @@
                   <a:t> were </a:t>
                 </a:r>
                 <a:r>
-                  <a:rPr lang="it-IT" sz="2000" dirty="0" err="1"/>
+                  <a:rPr lang="en-GB" sz="2000" noProof="0" dirty="0"/>
                   <a:t>unknown</a:t>
                 </a:r>
                 <a:r>
@@ -8100,16 +8042,8 @@
                   <a:t> we </a:t>
                 </a:r>
                 <a:r>
-                  <a:rPr lang="it-IT" sz="2000" dirty="0" err="1"/>
-                  <a:t>would</a:t>
-                </a:r>
-                <a:r>
-                  <a:rPr lang="it-IT" sz="2000" dirty="0"/>
-                  <a:t> </a:t>
-                </a:r>
-                <a:r>
-                  <a:rPr lang="it-IT" sz="2000" dirty="0" err="1"/>
-                  <a:t>have</a:t>
+                  <a:rPr lang="en-GB" sz="2000" noProof="0" dirty="0"/>
+                  <a:t>would have</a:t>
                 </a:r>
                 <a:r>
                   <a:rPr lang="en-GB" sz="2000" noProof="0" dirty="0">
@@ -8137,7 +8071,7 @@
                       <m:t>=</m:t>
                     </m:r>
                     <m:r>
-                      <a:rPr lang="it-IT" sz="2000" b="0" i="1" noProof="0" smtClean="0">
+                      <a:rPr lang="en-GB" sz="2000" b="0" i="1" noProof="0" smtClean="0">
                         <a:latin typeface="Cambria Math" panose="02040503050406030204" pitchFamily="18" charset="0"/>
                         <a:ea typeface="Cambria Math" panose="02040503050406030204" pitchFamily="18" charset="0"/>
                         <a:cs typeface="Arial" panose="020B0604020202020204" pitchFamily="34" charset="0"/>
@@ -8147,7 +8081,7 @@
                     <m:f>
                       <m:fPr>
                         <m:ctrlPr>
-                          <a:rPr lang="en-GB" sz="2000" i="1" noProof="0" dirty="0" smtClean="0">
+                          <a:rPr lang="en-GB" sz="2000" i="1" noProof="0" smtClean="0">
                             <a:solidFill>
                               <a:schemeClr val="tx1"/>
                             </a:solidFill>
@@ -8157,7 +8091,7 @@
                       </m:fPr>
                       <m:num>
                         <m:r>
-                          <a:rPr lang="it-IT" sz="2000" b="0" i="1" noProof="0" dirty="0" smtClean="0">
+                          <a:rPr lang="en-GB" sz="2000" b="0" i="1" noProof="0" smtClean="0">
                             <a:solidFill>
                               <a:schemeClr val="tx1"/>
                             </a:solidFill>
@@ -8168,7 +8102,7 @@
                       </m:num>
                       <m:den>
                         <m:r>
-                          <a:rPr lang="en-GB" sz="2000" i="1" noProof="0" dirty="0">
+                          <a:rPr lang="en-GB" sz="2000" i="1" noProof="0">
                             <a:solidFill>
                               <a:schemeClr val="tx1"/>
                             </a:solidFill>
@@ -8191,7 +8125,7 @@
             </p:txBody>
           </p:sp>
         </mc:Choice>
-        <mc:Fallback xmlns="">
+        <mc:Fallback>
           <p:sp>
             <p:nvSpPr>
               <p:cNvPr id="6" name="CasellaDiTesto 5">
@@ -8365,14 +8299,11 @@
           <a:lstStyle/>
           <a:p>
             <a:r>
-              <a:rPr lang="en-GB" dirty="0">
+              <a:rPr lang="en-GB" noProof="0" dirty="0">
                 <a:latin typeface="Arial Black" panose="020B0A04020102020204" pitchFamily="34" charset="0"/>
               </a:rPr>
               <a:t>Regression Line Overlays</a:t>
             </a:r>
-            <a:endParaRPr lang="en-GB" noProof="0" dirty="0">
-              <a:latin typeface="Arial Black" panose="020B0A04020102020204" pitchFamily="34" charset="0"/>
-            </a:endParaRPr>
           </a:p>
         </p:txBody>
       </p:sp>
@@ -8439,14 +8370,11 @@
           <a:lstStyle/>
           <a:p>
             <a:r>
-              <a:rPr lang="en-GB" dirty="0">
+              <a:rPr lang="en-GB" noProof="0" dirty="0">
                 <a:latin typeface="Arial Black" panose="020B0A04020102020204" pitchFamily="34" charset="0"/>
               </a:rPr>
               <a:t>Convergence Comparison</a:t>
             </a:r>
-            <a:endParaRPr lang="en-GB" noProof="0" dirty="0">
-              <a:latin typeface="Arial Black" panose="020B0A04020102020204" pitchFamily="34" charset="0"/>
-            </a:endParaRPr>
           </a:p>
         </p:txBody>
       </p:sp>
@@ -8573,14 +8501,11 @@
           <a:lstStyle/>
           <a:p>
             <a:r>
-              <a:rPr lang="en-GB" dirty="0">
+              <a:rPr lang="en-GB" noProof="0" dirty="0">
                 <a:latin typeface="Arial Black" panose="020B0A04020102020204" pitchFamily="34" charset="0"/>
               </a:rPr>
               <a:t>Performance Comparison</a:t>
             </a:r>
-            <a:endParaRPr lang="en-GB" noProof="0" dirty="0">
-              <a:latin typeface="Arial Black" panose="020B0A04020102020204" pitchFamily="34" charset="0"/>
-            </a:endParaRPr>
           </a:p>
         </p:txBody>
       </p:sp>
@@ -8596,7 +8521,13 @@
           <p:cNvGraphicFramePr>
             <a:graphicFrameLocks noGrp="1"/>
           </p:cNvGraphicFramePr>
-          <p:nvPr/>
+          <p:nvPr>
+            <p:extLst>
+              <p:ext uri="{D42A27DB-BD31-4B8C-83A1-F6EECF244321}">
+                <p14:modId xmlns:p14="http://schemas.microsoft.com/office/powerpoint/2010/main" val="1184289768"/>
+              </p:ext>
+            </p:extLst>
+          </p:nvPr>
         </p:nvGraphicFramePr>
         <p:xfrm>
           <a:off x="3581400" y="2057400"/>
@@ -8632,7 +8563,7 @@
                     <a:p>
                       <a:pPr algn="ctr"/>
                       <a:r>
-                        <a:rPr lang="it-IT" b="1" dirty="0" err="1">
+                        <a:rPr lang="en-GB" b="1" noProof="0" dirty="0">
                           <a:solidFill>
                             <a:schemeClr val="lt1"/>
                           </a:solidFill>
@@ -8640,40 +8571,7 @@
                           <a:ea typeface="+mn-ea"/>
                           <a:cs typeface="Arial" panose="020B0604020202020204" pitchFamily="34" charset="0"/>
                         </a:rPr>
-                        <a:t>Gradient</a:t>
-                      </a:r>
-                      <a:r>
-                        <a:rPr lang="it-IT" b="1" dirty="0">
-                          <a:solidFill>
-                            <a:schemeClr val="lt1"/>
-                          </a:solidFill>
-                          <a:latin typeface="Arial" panose="020B0604020202020204" pitchFamily="34" charset="0"/>
-                          <a:ea typeface="+mn-ea"/>
-                          <a:cs typeface="Arial" panose="020B0604020202020204" pitchFamily="34" charset="0"/>
-                        </a:rPr>
-                        <a:t> </a:t>
-                      </a:r>
-                      <a:r>
-                        <a:rPr lang="it-IT" b="1" dirty="0" err="1">
-                          <a:solidFill>
-                            <a:schemeClr val="lt1"/>
-                          </a:solidFill>
-                          <a:latin typeface="Arial" panose="020B0604020202020204" pitchFamily="34" charset="0"/>
-                          <a:ea typeface="+mn-ea"/>
-                          <a:cs typeface="Arial" panose="020B0604020202020204" pitchFamily="34" charset="0"/>
-                        </a:rPr>
-                        <a:t>Descent</a:t>
-                      </a:r>
-                      <a:r>
-                        <a:rPr lang="it-IT" b="1" dirty="0">
-                          <a:solidFill>
-                            <a:schemeClr val="lt1"/>
-                          </a:solidFill>
-                          <a:latin typeface="Arial" panose="020B0604020202020204" pitchFamily="34" charset="0"/>
-                          <a:ea typeface="+mn-ea"/>
-                          <a:cs typeface="Arial" panose="020B0604020202020204" pitchFamily="34" charset="0"/>
-                        </a:rPr>
-                        <a:t> Setting</a:t>
+                        <a:t>Gradient Descent Setting</a:t>
                       </a:r>
                     </a:p>
                   </a:txBody>
@@ -8686,7 +8584,7 @@
                     <a:p>
                       <a:pPr algn="ctr"/>
                       <a:r>
-                        <a:rPr lang="it-IT" b="1" dirty="0">
+                        <a:rPr lang="en-GB" b="1" noProof="0" dirty="0">
                           <a:solidFill>
                             <a:schemeClr val="lt1"/>
                           </a:solidFill>
@@ -8694,27 +8592,8 @@
                           <a:ea typeface="+mn-ea"/>
                           <a:cs typeface="Arial" panose="020B0604020202020204" pitchFamily="34" charset="0"/>
                         </a:rPr>
-                        <a:t>Time </a:t>
+                        <a:t>Time needed</a:t>
                       </a:r>
-                      <a:r>
-                        <a:rPr lang="it-IT" b="1" dirty="0" err="1">
-                          <a:solidFill>
-                            <a:schemeClr val="lt1"/>
-                          </a:solidFill>
-                          <a:latin typeface="Arial" panose="020B0604020202020204" pitchFamily="34" charset="0"/>
-                          <a:ea typeface="+mn-ea"/>
-                          <a:cs typeface="Arial" panose="020B0604020202020204" pitchFamily="34" charset="0"/>
-                        </a:rPr>
-                        <a:t>needed</a:t>
-                      </a:r>
-                      <a:endParaRPr lang="it-IT" b="1" dirty="0">
-                        <a:solidFill>
-                          <a:schemeClr val="lt1"/>
-                        </a:solidFill>
-                        <a:latin typeface="Arial" panose="020B0604020202020204" pitchFamily="34" charset="0"/>
-                        <a:ea typeface="+mn-ea"/>
-                        <a:cs typeface="Arial" panose="020B0604020202020204" pitchFamily="34" charset="0"/>
-                      </a:endParaRPr>
                     </a:p>
                   </a:txBody>
                   <a:tcPr/>
@@ -8733,7 +8612,7 @@
                     <a:p>
                       <a:pPr marL="0" algn="r"/>
                       <a:r>
-                        <a:rPr lang="en-US" b="0" i="1" u="none" dirty="0">
+                        <a:rPr lang="en-GB" b="0" i="1" u="none" noProof="0" dirty="0">
                           <a:solidFill>
                             <a:schemeClr val="tx1"/>
                           </a:solidFill>
@@ -8743,14 +8622,6 @@
                         </a:rPr>
                         <a:t>Naive Test</a:t>
                       </a:r>
-                      <a:endParaRPr lang="it-IT" b="0" i="1" u="none" dirty="0">
-                        <a:solidFill>
-                          <a:schemeClr val="tx1"/>
-                        </a:solidFill>
-                        <a:latin typeface="Arial" panose="020B0604020202020204" pitchFamily="34" charset="0"/>
-                        <a:ea typeface="+mn-ea"/>
-                        <a:cs typeface="Arial" panose="020B0604020202020204" pitchFamily="34" charset="0"/>
-                      </a:endParaRPr>
                     </a:p>
                   </a:txBody>
                   <a:tcPr/>
@@ -8762,7 +8633,7 @@
                     <a:p>
                       <a:pPr marL="0" algn="ctr"/>
                       <a:r>
-                        <a:rPr lang="it-IT" b="0" dirty="0">
+                        <a:rPr lang="en-GB" b="0" noProof="0" dirty="0">
                           <a:solidFill>
                             <a:schemeClr val="tx1"/>
                           </a:solidFill>
@@ -8790,7 +8661,7 @@
                     <a:p>
                       <a:pPr marL="0" algn="r"/>
                       <a:r>
-                        <a:rPr lang="it-IT" b="0" i="1" u="none" dirty="0" err="1">
+                        <a:rPr lang="en-GB" b="0" i="1" u="none" noProof="0" dirty="0">
                           <a:solidFill>
                             <a:schemeClr val="tx1"/>
                           </a:solidFill>
@@ -8798,18 +8669,7 @@
                           <a:ea typeface="+mn-ea"/>
                           <a:cs typeface="Arial" panose="020B0604020202020204" pitchFamily="34" charset="0"/>
                         </a:rPr>
-                        <a:t>Smooth</a:t>
-                      </a:r>
-                      <a:r>
-                        <a:rPr lang="it-IT" b="0" i="1" u="none" dirty="0">
-                          <a:solidFill>
-                            <a:schemeClr val="tx1"/>
-                          </a:solidFill>
-                          <a:latin typeface="Arial" panose="020B0604020202020204" pitchFamily="34" charset="0"/>
-                          <a:ea typeface="+mn-ea"/>
-                          <a:cs typeface="Arial" panose="020B0604020202020204" pitchFamily="34" charset="0"/>
-                        </a:rPr>
-                        <a:t> Constant</a:t>
+                        <a:t>Smooth Constant</a:t>
                       </a:r>
                     </a:p>
                   </a:txBody>
@@ -8822,7 +8682,7 @@
                     <a:p>
                       <a:pPr marL="0" algn="ctr"/>
                       <a:r>
-                        <a:rPr lang="it-IT" b="0" dirty="0">
+                        <a:rPr lang="en-GB" b="0" noProof="0" dirty="0">
                           <a:solidFill>
                             <a:schemeClr val="tx1"/>
                           </a:solidFill>
@@ -8850,7 +8710,7 @@
                     <a:p>
                       <a:pPr marL="0" algn="r"/>
                       <a:r>
-                        <a:rPr lang="it-IT" b="0" i="1" u="none" dirty="0" err="1">
+                        <a:rPr lang="en-GB" b="0" i="1" u="none" noProof="0" dirty="0">
                           <a:solidFill>
                             <a:schemeClr val="tx1"/>
                           </a:solidFill>
@@ -8858,38 +8718,8 @@
                           <a:ea typeface="+mn-ea"/>
                           <a:cs typeface="Arial" panose="020B0604020202020204" pitchFamily="34" charset="0"/>
                         </a:rPr>
-                        <a:t>Lipschitz</a:t>
+                        <a:t>Lipschitz function</a:t>
                       </a:r>
-                      <a:r>
-                        <a:rPr lang="it-IT" b="0" i="1" u="none" dirty="0">
-                          <a:solidFill>
-                            <a:schemeClr val="tx1"/>
-                          </a:solidFill>
-                          <a:latin typeface="Arial" panose="020B0604020202020204" pitchFamily="34" charset="0"/>
-                          <a:ea typeface="+mn-ea"/>
-                          <a:cs typeface="Arial" panose="020B0604020202020204" pitchFamily="34" charset="0"/>
-                        </a:rPr>
-                        <a:t> </a:t>
-                      </a:r>
-                      <a:r>
-                        <a:rPr lang="it-IT" b="0" i="1" u="none" dirty="0" err="1">
-                          <a:solidFill>
-                            <a:schemeClr val="tx1"/>
-                          </a:solidFill>
-                          <a:latin typeface="Arial" panose="020B0604020202020204" pitchFamily="34" charset="0"/>
-                          <a:ea typeface="+mn-ea"/>
-                          <a:cs typeface="Arial" panose="020B0604020202020204" pitchFamily="34" charset="0"/>
-                        </a:rPr>
-                        <a:t>function</a:t>
-                      </a:r>
-                      <a:endParaRPr lang="it-IT" b="0" i="1" u="none" dirty="0">
-                        <a:solidFill>
-                          <a:schemeClr val="tx1"/>
-                        </a:solidFill>
-                        <a:latin typeface="Arial" panose="020B0604020202020204" pitchFamily="34" charset="0"/>
-                        <a:ea typeface="+mn-ea"/>
-                        <a:cs typeface="Arial" panose="020B0604020202020204" pitchFamily="34" charset="0"/>
-                      </a:endParaRPr>
                     </a:p>
                   </a:txBody>
                   <a:tcPr/>
@@ -8901,7 +8731,7 @@
                     <a:p>
                       <a:pPr marL="0" algn="ctr"/>
                       <a:r>
-                        <a:rPr lang="it-IT" b="0" dirty="0">
+                        <a:rPr lang="en-GB" b="0" noProof="0" dirty="0">
                           <a:solidFill>
                             <a:schemeClr val="tx1"/>
                           </a:solidFill>
@@ -8929,7 +8759,7 @@
                     <a:p>
                       <a:pPr marL="0" algn="r"/>
                       <a:r>
-                        <a:rPr lang="it-IT" b="0" i="1" u="none" dirty="0">
+                        <a:rPr lang="en-GB" b="0" i="1" u="none" noProof="0" dirty="0">
                           <a:solidFill>
                             <a:schemeClr val="tx1"/>
                           </a:solidFill>
@@ -8937,29 +8767,7 @@
                           <a:ea typeface="+mn-ea"/>
                           <a:cs typeface="Arial" panose="020B0604020202020204" pitchFamily="34" charset="0"/>
                         </a:rPr>
-                        <a:t>Strong </a:t>
-                      </a:r>
-                      <a:r>
-                        <a:rPr lang="it-IT" b="0" i="1" u="none" dirty="0" err="1">
-                          <a:solidFill>
-                            <a:schemeClr val="tx1"/>
-                          </a:solidFill>
-                          <a:latin typeface="Arial" panose="020B0604020202020204" pitchFamily="34" charset="0"/>
-                          <a:ea typeface="+mn-ea"/>
-                          <a:cs typeface="Arial" panose="020B0604020202020204" pitchFamily="34" charset="0"/>
-                        </a:rPr>
-                        <a:t>convexity</a:t>
-                      </a:r>
-                      <a:r>
-                        <a:rPr lang="it-IT" b="0" i="1" u="none" dirty="0">
-                          <a:solidFill>
-                            <a:schemeClr val="tx1"/>
-                          </a:solidFill>
-                          <a:latin typeface="Arial" panose="020B0604020202020204" pitchFamily="34" charset="0"/>
-                          <a:ea typeface="+mn-ea"/>
-                          <a:cs typeface="Arial" panose="020B0604020202020204" pitchFamily="34" charset="0"/>
-                        </a:rPr>
-                        <a:t> Test</a:t>
+                        <a:t>Strong convexity Test</a:t>
                       </a:r>
                     </a:p>
                   </a:txBody>
@@ -8972,7 +8780,7 @@
                     <a:p>
                       <a:pPr marL="0" algn="ctr"/>
                       <a:r>
-                        <a:rPr lang="it-IT" b="0" dirty="0">
+                        <a:rPr lang="en-GB" b="0" noProof="0" dirty="0">
                           <a:solidFill>
                             <a:schemeClr val="tx1"/>
                           </a:solidFill>
@@ -9606,8 +9414,8 @@
           </a:p>
         </p:txBody>
       </p:sp>
-      <mc:AlternateContent xmlns:mc="http://schemas.openxmlformats.org/markup-compatibility/2006" xmlns:a14="http://schemas.microsoft.com/office/drawing/2010/main">
-        <mc:Choice Requires="a14">
+      <mc:AlternateContent xmlns:mc="http://schemas.openxmlformats.org/markup-compatibility/2006">
+        <mc:Choice xmlns:a14="http://schemas.microsoft.com/office/drawing/2010/main" Requires="a14">
           <p:sp>
             <p:nvSpPr>
               <p:cNvPr id="2" name="CasellaDiTesto 1">
@@ -9683,7 +9491,7 @@
             </p:txBody>
           </p:sp>
         </mc:Choice>
-        <mc:Fallback xmlns="">
+        <mc:Fallback>
           <p:sp>
             <p:nvSpPr>
               <p:cNvPr id="2" name="CasellaDiTesto 1">
@@ -9728,8 +9536,8 @@
           </p:sp>
         </mc:Fallback>
       </mc:AlternateContent>
-      <mc:AlternateContent xmlns:mc="http://schemas.openxmlformats.org/markup-compatibility/2006" xmlns:a14="http://schemas.microsoft.com/office/drawing/2010/main">
-        <mc:Choice Requires="a14">
+      <mc:AlternateContent xmlns:mc="http://schemas.openxmlformats.org/markup-compatibility/2006">
+        <mc:Choice xmlns:a14="http://schemas.microsoft.com/office/drawing/2010/main" Requires="a14">
           <p:sp>
             <p:nvSpPr>
               <p:cNvPr id="3" name="CasellaDiTesto 2">
@@ -9809,7 +9617,7 @@
             </p:txBody>
           </p:sp>
         </mc:Choice>
-        <mc:Fallback xmlns="">
+        <mc:Fallback>
           <p:sp>
             <p:nvSpPr>
               <p:cNvPr id="3" name="CasellaDiTesto 2">
@@ -9991,8 +9799,8 @@
           </a:prstGeom>
         </p:spPr>
       </p:pic>
-      <mc:AlternateContent xmlns:mc="http://schemas.openxmlformats.org/markup-compatibility/2006" xmlns:a14="http://schemas.microsoft.com/office/drawing/2010/main">
-        <mc:Choice Requires="a14">
+      <mc:AlternateContent xmlns:mc="http://schemas.openxmlformats.org/markup-compatibility/2006">
+        <mc:Choice xmlns:a14="http://schemas.microsoft.com/office/drawing/2010/main" Requires="a14">
           <p:sp>
             <p:nvSpPr>
               <p:cNvPr id="8" name="CasellaDiTesto 7">
@@ -10074,18 +9882,11 @@
               <a:p>
                 <a:pPr algn="l"/>
                 <a:r>
-                  <a:rPr lang="en-GB" sz="2800" dirty="0">
-                    <a:latin typeface="Arial" panose="020B0604020202020204" pitchFamily="34" charset="0"/>
-                    <a:cs typeface="Arial" panose="020B0604020202020204" pitchFamily="34" charset="0"/>
-                  </a:rPr>
-                  <a:t>This is not too surprising, as with this value of</a:t>
-                </a:r>
-                <a:r>
                   <a:rPr lang="en-GB" sz="2800" noProof="0" dirty="0">
                     <a:latin typeface="Arial" panose="020B0604020202020204" pitchFamily="34" charset="0"/>
                     <a:cs typeface="Arial" panose="020B0604020202020204" pitchFamily="34" charset="0"/>
                   </a:rPr>
-                  <a:t> </a:t>
+                  <a:t>This is not too surprising, as with this value of </a:t>
                 </a:r>
                 <a14:m>
                   <m:oMath xmlns:m="http://schemas.openxmlformats.org/officeDocument/2006/math">
@@ -10104,24 +9905,13 @@
                     <a:latin typeface="Arial" panose="020B0604020202020204" pitchFamily="34" charset="0"/>
                     <a:cs typeface="Arial" panose="020B0604020202020204" pitchFamily="34" charset="0"/>
                   </a:rPr>
-                  <a:t> </a:t>
-                </a:r>
-                <a:r>
-                  <a:rPr lang="en-GB" sz="2800" dirty="0">
-                    <a:latin typeface="Arial" panose="020B0604020202020204" pitchFamily="34" charset="0"/>
-                    <a:cs typeface="Arial" panose="020B0604020202020204" pitchFamily="34" charset="0"/>
-                  </a:rPr>
-                  <a:t>not even core gradient descent reached convergence.</a:t>
-                </a:r>
-                <a:endParaRPr lang="en-GB" sz="2800" noProof="0" dirty="0">
-                  <a:latin typeface="Arial" panose="020B0604020202020204" pitchFamily="34" charset="0"/>
-                  <a:cs typeface="Arial" panose="020B0604020202020204" pitchFamily="34" charset="0"/>
-                </a:endParaRPr>
+                  <a:t> not even core gradient descent reached convergence.</a:t>
+                </a:r>
               </a:p>
             </p:txBody>
           </p:sp>
         </mc:Choice>
-        <mc:Fallback xmlns="">
+        <mc:Fallback>
           <p:sp>
             <p:nvSpPr>
               <p:cNvPr id="8" name="CasellaDiTesto 7">
@@ -10229,14 +10019,11 @@
           <a:lstStyle/>
           <a:p>
             <a:r>
-              <a:rPr lang="en-US" noProof="0" dirty="0">
+              <a:rPr lang="en-GB" noProof="0" dirty="0">
                 <a:latin typeface="Arial Black" panose="020B0A04020102020204" pitchFamily="34" charset="0"/>
               </a:rPr>
               <a:t>SGD assuming bounded gradients</a:t>
             </a:r>
-            <a:endParaRPr lang="en-GB" noProof="0" dirty="0">
-              <a:latin typeface="Arial Black" panose="020B0A04020102020204" pitchFamily="34" charset="0"/>
-            </a:endParaRPr>
           </a:p>
         </p:txBody>
       </p:sp>
@@ -10271,11 +10058,11 @@
               <a:lstStyle/>
               <a:p>
                 <a:r>
-                  <a:rPr lang="en-US" sz="2800" dirty="0"/>
+                  <a:rPr lang="en-GB" sz="2800" noProof="0" dirty="0"/>
                   <a:t>Under the assumption that we had </a:t>
                 </a:r>
                 <a:r>
-                  <a:rPr lang="en-US" sz="2800" b="1" dirty="0">
+                  <a:rPr lang="en-GB" sz="2800" b="1" noProof="0" dirty="0">
                     <a:solidFill>
                       <a:srgbClr val="FF0000"/>
                     </a:solidFill>
@@ -10296,7 +10083,7 @@
                           <m:begChr m:val="‖"/>
                           <m:endChr m:val="‖"/>
                           <m:ctrlPr>
-                            <a:rPr lang="en-US" sz="2800" i="1" smtClean="0">
+                            <a:rPr lang="en-GB" sz="2800" i="1" noProof="0" smtClean="0">
                               <a:latin typeface="Cambria Math" panose="02040503050406030204" pitchFamily="18" charset="0"/>
                             </a:rPr>
                           </m:ctrlPr>
@@ -10306,35 +10093,35 @@
                             <m:rPr>
                               <m:sty m:val="p"/>
                             </m:rPr>
-                            <a:rPr lang="en-US" sz="2800" i="1" smtClean="0">
+                            <a:rPr lang="en-GB" sz="2800" i="1" noProof="0" smtClean="0">
                               <a:latin typeface="Cambria Math" panose="02040503050406030204" pitchFamily="18" charset="0"/>
                               <a:ea typeface="Cambria Math" panose="02040503050406030204" pitchFamily="18" charset="0"/>
                             </a:rPr>
                             <m:t>∇</m:t>
                           </m:r>
                           <m:r>
-                            <a:rPr lang="it-IT" sz="2800" b="0" i="1" smtClean="0">
+                            <a:rPr lang="en-GB" sz="2800" b="0" i="1" noProof="0" smtClean="0">
                               <a:latin typeface="Cambria Math" panose="02040503050406030204" pitchFamily="18" charset="0"/>
                               <a:ea typeface="Cambria Math" panose="02040503050406030204" pitchFamily="18" charset="0"/>
                             </a:rPr>
                             <m:t>𝑓</m:t>
                           </m:r>
                           <m:r>
-                            <a:rPr lang="it-IT" sz="2800" b="0" i="1" smtClean="0">
+                            <a:rPr lang="en-GB" sz="2800" b="0" i="1" noProof="0" smtClean="0">
                               <a:latin typeface="Cambria Math" panose="02040503050406030204" pitchFamily="18" charset="0"/>
                               <a:ea typeface="Cambria Math" panose="02040503050406030204" pitchFamily="18" charset="0"/>
                             </a:rPr>
                             <m:t>(</m:t>
                           </m:r>
                           <m:r>
-                            <a:rPr lang="it-IT" sz="2800" b="0" i="1" smtClean="0">
+                            <a:rPr lang="en-GB" sz="2800" b="0" i="1" noProof="0" smtClean="0">
                               <a:latin typeface="Cambria Math" panose="02040503050406030204" pitchFamily="18" charset="0"/>
                               <a:ea typeface="Cambria Math" panose="02040503050406030204" pitchFamily="18" charset="0"/>
                             </a:rPr>
                             <m:t>𝑥</m:t>
                           </m:r>
                           <m:r>
-                            <a:rPr lang="it-IT" sz="2800" b="0" i="1" smtClean="0">
+                            <a:rPr lang="en-GB" sz="2800" b="0" i="1" noProof="0" smtClean="0">
                               <a:latin typeface="Cambria Math" panose="02040503050406030204" pitchFamily="18" charset="0"/>
                               <a:ea typeface="Cambria Math" panose="02040503050406030204" pitchFamily="18" charset="0"/>
                             </a:rPr>
@@ -10343,14 +10130,14 @@
                         </m:e>
                       </m:d>
                       <m:r>
-                        <a:rPr lang="en-US" sz="2800" i="1" smtClean="0">
+                        <a:rPr lang="en-GB" sz="2800" i="1" noProof="0" smtClean="0">
                           <a:latin typeface="Cambria Math" panose="02040503050406030204" pitchFamily="18" charset="0"/>
                           <a:ea typeface="Cambria Math" panose="02040503050406030204" pitchFamily="18" charset="0"/>
                         </a:rPr>
                         <m:t>≤</m:t>
                       </m:r>
                       <m:r>
-                        <a:rPr lang="it-IT" sz="2800" b="0" i="1" smtClean="0">
+                        <a:rPr lang="en-GB" sz="2800" b="0" i="1" noProof="0" smtClean="0">
                           <a:latin typeface="Cambria Math" panose="02040503050406030204" pitchFamily="18" charset="0"/>
                           <a:ea typeface="Cambria Math" panose="02040503050406030204" pitchFamily="18" charset="0"/>
                         </a:rPr>
@@ -10359,16 +10146,16 @@
                     </m:oMath>
                   </m:oMathPara>
                 </a14:m>
-                <a:endParaRPr lang="it-IT" sz="2800" dirty="0">
+                <a:endParaRPr lang="en-GB" sz="2800" noProof="0" dirty="0">
                   <a:ea typeface="Cambria Math" panose="02040503050406030204" pitchFamily="18" charset="0"/>
                 </a:endParaRPr>
               </a:p>
               <a:p>
-                <a:endParaRPr lang="en-US" sz="2800" dirty="0"/>
+                <a:endParaRPr lang="en-GB" sz="2800" noProof="0" dirty="0"/>
               </a:p>
               <a:p>
                 <a:r>
-                  <a:rPr lang="en-US" sz="2800" dirty="0"/>
+                  <a:rPr lang="en-GB" sz="2800" noProof="0" dirty="0"/>
                   <a:t>we considered:</a:t>
                 </a:r>
               </a:p>
@@ -10378,15 +10165,15 @@
                   <a:buChar char="•"/>
                 </a:pPr>
                 <a:r>
-                  <a:rPr lang="en-US" sz="2800" dirty="0"/>
+                  <a:rPr lang="en-GB" sz="2800" noProof="0" dirty="0"/>
                   <a:t>|| x</a:t>
                 </a:r>
                 <a:r>
-                  <a:rPr lang="en-US" sz="1200" dirty="0"/>
+                  <a:rPr lang="en-GB" sz="1200" noProof="0" dirty="0"/>
                   <a:t>0</a:t>
                 </a:r>
                 <a:r>
-                  <a:rPr lang="en-US" sz="2800" dirty="0"/>
+                  <a:rPr lang="en-GB" sz="2800" noProof="0" dirty="0"/>
                   <a:t> – x*||&lt;R  = 25</a:t>
                 </a:r>
               </a:p>
@@ -10396,7 +10183,7 @@
                   <a:buChar char="•"/>
                 </a:pPr>
                 <a:r>
-                  <a:rPr lang="en-US" sz="2800" dirty="0"/>
+                  <a:rPr lang="en-GB" sz="2800" noProof="0" dirty="0"/>
                   <a:t>B = Lipschitz constant (the same one used in GD)</a:t>
                 </a:r>
               </a:p>
@@ -10406,7 +10193,7 @@
                   <a:buChar char="•"/>
                 </a:pPr>
                 <a:r>
-                  <a:rPr lang="en-US" sz="2800" dirty="0"/>
+                  <a:rPr lang="en-GB" sz="2800" noProof="0" dirty="0"/>
                   <a:t>T = total iterations</a:t>
                 </a:r>
               </a:p>
@@ -10428,7 +10215,7 @@
                   </m:oMath>
                 </a14:m>
                 <a:r>
-                  <a:rPr lang="en-US" sz="2800" dirty="0"/>
+                  <a:rPr lang="en-GB" sz="2800" noProof="0" dirty="0"/>
                   <a:t> = </a:t>
                 </a:r>
                 <a14:m>
@@ -10436,14 +10223,14 @@
                     <m:f>
                       <m:fPr>
                         <m:ctrlPr>
-                          <a:rPr lang="it-IT" sz="2800" b="0" i="1" smtClean="0">
+                          <a:rPr lang="en-GB" sz="2800" b="0" i="1" noProof="0" smtClean="0">
                             <a:latin typeface="Cambria Math" panose="02040503050406030204" pitchFamily="18" charset="0"/>
                           </a:rPr>
                         </m:ctrlPr>
                       </m:fPr>
                       <m:num>
                         <m:r>
-                          <a:rPr lang="it-IT" sz="2800" b="0" i="1" smtClean="0">
+                          <a:rPr lang="en-GB" sz="2800" b="0" i="1" noProof="0" smtClean="0">
                             <a:latin typeface="Cambria Math" panose="02040503050406030204" pitchFamily="18" charset="0"/>
                           </a:rPr>
                           <m:t>𝑅</m:t>
@@ -10451,20 +10238,20 @@
                       </m:num>
                       <m:den>
                         <m:r>
-                          <a:rPr lang="it-IT" sz="2800" b="0" i="1" smtClean="0">
+                          <a:rPr lang="en-GB" sz="2800" b="0" i="1" noProof="0" smtClean="0">
                             <a:latin typeface="Cambria Math" panose="02040503050406030204" pitchFamily="18" charset="0"/>
                           </a:rPr>
                           <m:t>𝐵</m:t>
                         </m:r>
                         <m:r>
-                          <a:rPr lang="it-IT" sz="2800" b="0" i="1" smtClean="0">
+                          <a:rPr lang="en-GB" sz="2800" b="0" i="1" noProof="0" smtClean="0">
                             <a:latin typeface="Cambria Math" panose="02040503050406030204" pitchFamily="18" charset="0"/>
                             <a:ea typeface="Cambria Math" panose="02040503050406030204" pitchFamily="18" charset="0"/>
                           </a:rPr>
                           <m:t>√</m:t>
                         </m:r>
                         <m:r>
-                          <a:rPr lang="it-IT" sz="2800" b="0" i="1" smtClean="0">
+                          <a:rPr lang="en-GB" sz="2800" b="0" i="1" noProof="0" smtClean="0">
                             <a:latin typeface="Cambria Math" panose="02040503050406030204" pitchFamily="18" charset="0"/>
                             <a:ea typeface="Cambria Math" panose="02040503050406030204" pitchFamily="18" charset="0"/>
                           </a:rPr>
@@ -10474,17 +10261,17 @@
                     </m:f>
                   </m:oMath>
                 </a14:m>
-                <a:endParaRPr lang="en-US" sz="2800" dirty="0"/>
+                <a:endParaRPr lang="en-GB" sz="2800" noProof="0" dirty="0"/>
               </a:p>
               <a:p>
                 <a:pPr marL="457200" indent="-457200">
                   <a:buFont typeface="Arial" panose="020B0604020202020204" pitchFamily="34" charset="0"/>
                   <a:buChar char="•"/>
                 </a:pPr>
-                <a:endParaRPr lang="en-US" sz="2800" dirty="0"/>
+                <a:endParaRPr lang="en-GB" sz="2800" noProof="0" dirty="0"/>
               </a:p>
               <a:p>
-                <a:endParaRPr lang="en-US" sz="2800" dirty="0"/>
+                <a:endParaRPr lang="en-GB" sz="2800" noProof="0" dirty="0"/>
               </a:p>
             </p:txBody>
           </p:sp>
@@ -10790,19 +10577,16 @@
           <a:lstStyle/>
           <a:p>
             <a:r>
-              <a:rPr lang="en-US" noProof="0" dirty="0">
+              <a:rPr lang="en-GB" noProof="0" dirty="0">
                 <a:latin typeface="Arial Black" panose="020B0A04020102020204" pitchFamily="34" charset="0"/>
               </a:rPr>
               <a:t>SGD using Strong Convexity</a:t>
             </a:r>
-            <a:endParaRPr lang="en-GB" noProof="0" dirty="0">
-              <a:latin typeface="Arial Black" panose="020B0A04020102020204" pitchFamily="34" charset="0"/>
-            </a:endParaRPr>
           </a:p>
         </p:txBody>
       </p:sp>
-      <mc:AlternateContent xmlns:mc="http://schemas.openxmlformats.org/markup-compatibility/2006" xmlns:a14="http://schemas.microsoft.com/office/drawing/2010/main">
-        <mc:Choice Requires="a14">
+      <mc:AlternateContent xmlns:mc="http://schemas.openxmlformats.org/markup-compatibility/2006">
+        <mc:Choice xmlns:a14="http://schemas.microsoft.com/office/drawing/2010/main" Requires="a14">
           <p:sp>
             <p:nvSpPr>
               <p:cNvPr id="2" name="CasellaDiTesto 1">
@@ -10832,11 +10616,11 @@
               <a:lstStyle/>
               <a:p>
                 <a:r>
-                  <a:rPr lang="en-US" sz="2800" dirty="0"/>
+                  <a:rPr lang="en-GB" sz="2800" noProof="0" dirty="0"/>
                   <a:t>We recalled the fact that the chosen objective function is </a:t>
                 </a:r>
                 <a:r>
-                  <a:rPr lang="en-US" sz="2800" b="1" dirty="0">
+                  <a:rPr lang="en-GB" sz="2800" b="1" noProof="0" dirty="0">
                     <a:solidFill>
                       <a:srgbClr val="FF0000"/>
                     </a:solidFill>
@@ -10844,20 +10628,20 @@
                   <a:t>strongly convex </a:t>
                 </a:r>
                 <a:r>
-                  <a:rPr lang="en-US" sz="2800" dirty="0"/>
+                  <a:rPr lang="en-GB" sz="2800" noProof="0" dirty="0"/>
                   <a:t>w. parameter </a:t>
                 </a:r>
                 <a14:m>
                   <m:oMath xmlns:m="http://schemas.openxmlformats.org/officeDocument/2006/math">
                     <m:r>
-                      <a:rPr lang="it-IT" sz="2800" b="0" i="1" smtClean="0">
+                      <a:rPr lang="en-GB" sz="2800" b="0" i="1" noProof="0" smtClean="0">
                         <a:latin typeface="Cambria Math" panose="02040503050406030204" pitchFamily="18" charset="0"/>
                         <a:ea typeface="Cambria Math" panose="02040503050406030204" pitchFamily="18" charset="0"/>
                       </a:rPr>
                       <m:t>𝜇</m:t>
                     </m:r>
                     <m:r>
-                      <a:rPr lang="it-IT" sz="2800" b="0" i="0" smtClean="0">
+                      <a:rPr lang="en-GB" sz="2800" b="0" i="0" noProof="0" smtClean="0">
                         <a:latin typeface="Cambria Math" panose="02040503050406030204" pitchFamily="18" charset="0"/>
                         <a:ea typeface="Cambria Math" panose="02040503050406030204" pitchFamily="18" charset="0"/>
                       </a:rPr>
@@ -10865,16 +10649,16 @@
                     </m:r>
                   </m:oMath>
                 </a14:m>
-                <a:endParaRPr lang="it-IT" sz="2800" b="0" dirty="0">
+                <a:endParaRPr lang="en-GB" sz="2800" b="0" noProof="0" dirty="0">
                   <a:ea typeface="Cambria Math" panose="02040503050406030204" pitchFamily="18" charset="0"/>
                 </a:endParaRPr>
               </a:p>
               <a:p>
-                <a:endParaRPr lang="en-US" sz="2800" dirty="0"/>
+                <a:endParaRPr lang="en-GB" sz="2800" noProof="0" dirty="0"/>
               </a:p>
               <a:p>
                 <a:r>
-                  <a:rPr lang="en-US" sz="2800" dirty="0"/>
+                  <a:rPr lang="en-GB" sz="2800" noProof="0" dirty="0"/>
                   <a:t>In this case, we could have used</a:t>
                 </a:r>
               </a:p>
@@ -10882,14 +10666,14 @@
                 <a14:m>
                   <m:oMath xmlns:m="http://schemas.openxmlformats.org/officeDocument/2006/math">
                     <m:r>
-                      <a:rPr lang="en-US" sz="2800" i="1" smtClean="0">
+                      <a:rPr lang="en-GB" sz="2800" i="1" noProof="0" smtClean="0">
                         <a:latin typeface="Cambria Math" panose="02040503050406030204" pitchFamily="18" charset="0"/>
                         <a:ea typeface="Cambria Math" panose="02040503050406030204" pitchFamily="18" charset="0"/>
                       </a:rPr>
                       <m:t>𝛾</m:t>
                     </m:r>
                     <m:r>
-                      <a:rPr lang="it-IT" sz="2800" b="0" i="1" smtClean="0">
+                      <a:rPr lang="en-GB" sz="2800" b="0" i="1" noProof="0" smtClean="0">
                         <a:latin typeface="Cambria Math" panose="02040503050406030204" pitchFamily="18" charset="0"/>
                         <a:ea typeface="Cambria Math" panose="02040503050406030204" pitchFamily="18" charset="0"/>
                       </a:rPr>
@@ -10898,7 +10682,7 @@
                     <m:f>
                       <m:fPr>
                         <m:ctrlPr>
-                          <a:rPr lang="it-IT" sz="2800" b="0" i="1" smtClean="0">
+                          <a:rPr lang="en-GB" sz="2800" b="0" i="1" noProof="0" smtClean="0">
                             <a:latin typeface="Cambria Math" panose="02040503050406030204" pitchFamily="18" charset="0"/>
                             <a:ea typeface="Cambria Math" panose="02040503050406030204" pitchFamily="18" charset="0"/>
                           </a:rPr>
@@ -10906,7 +10690,7 @@
                       </m:fPr>
                       <m:num>
                         <m:r>
-                          <a:rPr lang="it-IT" sz="2800" b="0" i="1" smtClean="0">
+                          <a:rPr lang="en-GB" sz="2800" b="0" i="1" noProof="0" smtClean="0">
                             <a:latin typeface="Cambria Math" panose="02040503050406030204" pitchFamily="18" charset="0"/>
                             <a:ea typeface="Cambria Math" panose="02040503050406030204" pitchFamily="18" charset="0"/>
                           </a:rPr>
@@ -10915,28 +10699,28 @@
                       </m:num>
                       <m:den>
                         <m:r>
-                          <a:rPr lang="it-IT" sz="2800" b="0" i="1" smtClean="0">
+                          <a:rPr lang="en-GB" sz="2800" b="0" i="1" noProof="0" smtClean="0">
                             <a:latin typeface="Cambria Math" panose="02040503050406030204" pitchFamily="18" charset="0"/>
                             <a:ea typeface="Cambria Math" panose="02040503050406030204" pitchFamily="18" charset="0"/>
                           </a:rPr>
                           <m:t>𝜇</m:t>
                         </m:r>
                         <m:r>
-                          <a:rPr lang="it-IT" sz="2800" b="0" i="1" smtClean="0">
+                          <a:rPr lang="en-GB" sz="2800" b="0" i="1" noProof="0" smtClean="0">
                             <a:latin typeface="Cambria Math" panose="02040503050406030204" pitchFamily="18" charset="0"/>
                             <a:ea typeface="Cambria Math" panose="02040503050406030204" pitchFamily="18" charset="0"/>
                           </a:rPr>
                           <m:t>∗(</m:t>
                         </m:r>
                         <m:r>
-                          <a:rPr lang="it-IT" sz="2800" b="0" i="1" smtClean="0">
+                          <a:rPr lang="en-GB" sz="2800" b="0" i="1" noProof="0" smtClean="0">
                             <a:latin typeface="Cambria Math" panose="02040503050406030204" pitchFamily="18" charset="0"/>
                             <a:ea typeface="Cambria Math" panose="02040503050406030204" pitchFamily="18" charset="0"/>
                           </a:rPr>
                           <m:t>𝑡</m:t>
                         </m:r>
                         <m:r>
-                          <a:rPr lang="it-IT" sz="2800" b="0" i="1" smtClean="0">
+                          <a:rPr lang="en-GB" sz="2800" b="0" i="1" noProof="0" smtClean="0">
                             <a:latin typeface="Cambria Math" panose="02040503050406030204" pitchFamily="18" charset="0"/>
                             <a:ea typeface="Cambria Math" panose="02040503050406030204" pitchFamily="18" charset="0"/>
                           </a:rPr>
@@ -10947,32 +10731,32 @@
                   </m:oMath>
                 </a14:m>
                 <a:r>
-                  <a:rPr lang="en-US" sz="2800" dirty="0"/>
+                  <a:rPr lang="en-GB" sz="2800" noProof="0" dirty="0"/>
                   <a:t>  </a:t>
                 </a:r>
               </a:p>
               <a:p>
                 <a:r>
-                  <a:rPr lang="en-US" sz="2800" dirty="0"/>
+                  <a:rPr lang="en-GB" sz="2800" noProof="0" dirty="0"/>
                   <a:t>but the resulting step size would have been too small.</a:t>
                 </a:r>
               </a:p>
               <a:p>
                 <a:r>
-                  <a:rPr lang="en-US" sz="2800" dirty="0"/>
+                  <a:rPr lang="en-GB" sz="2800" noProof="0" dirty="0"/>
                   <a:t>We chose to apply </a:t>
                 </a:r>
                 <a14:m>
                   <m:oMath xmlns:m="http://schemas.openxmlformats.org/officeDocument/2006/math">
                     <m:r>
-                      <a:rPr lang="en-US" sz="2800" i="1" smtClean="0">
+                      <a:rPr lang="en-GB" sz="2800" i="1" noProof="0" smtClean="0">
                         <a:latin typeface="Cambria Math" panose="02040503050406030204" pitchFamily="18" charset="0"/>
                         <a:ea typeface="Cambria Math" panose="02040503050406030204" pitchFamily="18" charset="0"/>
                       </a:rPr>
                       <m:t>𝛾</m:t>
                     </m:r>
                     <m:r>
-                      <a:rPr lang="it-IT" sz="2800" b="0" i="1" smtClean="0">
+                      <a:rPr lang="en-GB" sz="2800" b="0" i="1" noProof="0" smtClean="0">
                         <a:latin typeface="Cambria Math" panose="02040503050406030204" pitchFamily="18" charset="0"/>
                         <a:ea typeface="Cambria Math" panose="02040503050406030204" pitchFamily="18" charset="0"/>
                       </a:rPr>
@@ -10981,7 +10765,7 @@
                     <m:f>
                       <m:fPr>
                         <m:ctrlPr>
-                          <a:rPr lang="it-IT" sz="2800" b="0" i="1" smtClean="0">
+                          <a:rPr lang="en-GB" sz="2800" b="0" i="1" noProof="0" smtClean="0">
                             <a:latin typeface="Cambria Math" panose="02040503050406030204" pitchFamily="18" charset="0"/>
                             <a:ea typeface="Cambria Math" panose="02040503050406030204" pitchFamily="18" charset="0"/>
                           </a:rPr>
@@ -10989,7 +10773,7 @@
                       </m:fPr>
                       <m:num>
                         <m:r>
-                          <a:rPr lang="it-IT" sz="2800" b="0" i="1" smtClean="0">
+                          <a:rPr lang="en-GB" sz="2800" b="0" i="1" noProof="0" smtClean="0">
                             <a:latin typeface="Cambria Math" panose="02040503050406030204" pitchFamily="18" charset="0"/>
                             <a:ea typeface="Cambria Math" panose="02040503050406030204" pitchFamily="18" charset="0"/>
                           </a:rPr>
@@ -10998,7 +10782,7 @@
                       </m:num>
                       <m:den>
                         <m:r>
-                          <a:rPr lang="it-IT" sz="2800" b="0" i="1" smtClean="0">
+                          <a:rPr lang="en-GB" sz="2800" b="0" i="1" noProof="0" smtClean="0">
                             <a:latin typeface="Cambria Math" panose="02040503050406030204" pitchFamily="18" charset="0"/>
                             <a:ea typeface="Cambria Math" panose="02040503050406030204" pitchFamily="18" charset="0"/>
                           </a:rPr>
@@ -11008,15 +10792,15 @@
                     </m:f>
                   </m:oMath>
                 </a14:m>
-                <a:endParaRPr lang="en-US" sz="2800" dirty="0"/>
+                <a:endParaRPr lang="en-GB" sz="2800" noProof="0" dirty="0"/>
               </a:p>
               <a:p>
-                <a:endParaRPr lang="en-US" sz="2800" dirty="0"/>
+                <a:endParaRPr lang="en-GB" sz="2800" noProof="0" dirty="0"/>
               </a:p>
             </p:txBody>
           </p:sp>
         </mc:Choice>
-        <mc:Fallback xmlns="">
+        <mc:Fallback>
           <p:sp>
             <p:nvSpPr>
               <p:cNvPr id="2" name="CasellaDiTesto 1">
@@ -11168,8 +10952,8 @@
           </a:p>
         </p:txBody>
       </p:sp>
-      <mc:AlternateContent xmlns:mc="http://schemas.openxmlformats.org/markup-compatibility/2006" xmlns:a14="http://schemas.microsoft.com/office/drawing/2010/main">
-        <mc:Choice Requires="a14">
+      <mc:AlternateContent xmlns:mc="http://schemas.openxmlformats.org/markup-compatibility/2006">
+        <mc:Choice xmlns:a14="http://schemas.microsoft.com/office/drawing/2010/main" Requires="a14">
           <p:sp>
             <p:nvSpPr>
               <p:cNvPr id="8" name="CasellaDiTesto 7">
@@ -11199,11 +10983,11 @@
               <a:lstStyle/>
               <a:p>
                 <a:r>
-                  <a:rPr lang="en-US" sz="2800" dirty="0"/>
+                  <a:rPr lang="en-GB" sz="2800" noProof="0" dirty="0"/>
                   <a:t>The distance from the optimal objective is </a:t>
                 </a:r>
                 <a:r>
-                  <a:rPr lang="en-US" sz="2800" b="1" dirty="0">
+                  <a:rPr lang="en-GB" sz="2800" b="1" noProof="0" dirty="0">
                     <a:solidFill>
                       <a:srgbClr val="FF0000"/>
                     </a:solidFill>
@@ -11211,10 +10995,10 @@
                   <a:t>much smaller </a:t>
                 </a:r>
                 <a:r>
-                  <a:rPr lang="en-US" sz="2800" dirty="0"/>
+                  <a:rPr lang="en-GB" sz="2800" noProof="0" dirty="0"/>
                   <a:t>using step size </a:t>
                 </a:r>
-                <a:endParaRPr lang="it-IT" sz="2800" i="1" dirty="0">
+                <a:endParaRPr lang="en-GB" sz="2800" i="1" noProof="0" dirty="0">
                   <a:latin typeface="Cambria Math" panose="02040503050406030204" pitchFamily="18" charset="0"/>
                   <a:ea typeface="Cambria Math" panose="02040503050406030204" pitchFamily="18" charset="0"/>
                 </a:endParaRPr>
@@ -11223,14 +11007,14 @@
                 <a14:m>
                   <m:oMath xmlns:m="http://schemas.openxmlformats.org/officeDocument/2006/math">
                     <m:r>
-                      <a:rPr lang="en-US" sz="2800" i="1" smtClean="0">
+                      <a:rPr lang="en-GB" sz="2800" i="1" noProof="0" smtClean="0">
                         <a:latin typeface="Cambria Math" panose="02040503050406030204" pitchFamily="18" charset="0"/>
                         <a:ea typeface="Cambria Math" panose="02040503050406030204" pitchFamily="18" charset="0"/>
                       </a:rPr>
                       <m:t>𝛾</m:t>
                     </m:r>
                     <m:r>
-                      <a:rPr lang="it-IT" sz="2800" b="0" i="1" smtClean="0">
+                      <a:rPr lang="en-GB" sz="2800" b="0" i="1" noProof="0" smtClean="0">
                         <a:latin typeface="Cambria Math" panose="02040503050406030204" pitchFamily="18" charset="0"/>
                         <a:ea typeface="Cambria Math" panose="02040503050406030204" pitchFamily="18" charset="0"/>
                       </a:rPr>
@@ -11239,7 +11023,7 @@
                     <m:f>
                       <m:fPr>
                         <m:ctrlPr>
-                          <a:rPr lang="it-IT" sz="2800" b="0" i="1" smtClean="0">
+                          <a:rPr lang="en-GB" sz="2800" b="0" i="1" noProof="0" smtClean="0">
                             <a:latin typeface="Cambria Math" panose="02040503050406030204" pitchFamily="18" charset="0"/>
                             <a:ea typeface="Cambria Math" panose="02040503050406030204" pitchFamily="18" charset="0"/>
                           </a:rPr>
@@ -11247,7 +11031,7 @@
                       </m:fPr>
                       <m:num>
                         <m:r>
-                          <a:rPr lang="it-IT" sz="2800" b="0" i="1" smtClean="0">
+                          <a:rPr lang="en-GB" sz="2800" b="0" i="1" noProof="0" smtClean="0">
                             <a:latin typeface="Cambria Math" panose="02040503050406030204" pitchFamily="18" charset="0"/>
                             <a:ea typeface="Cambria Math" panose="02040503050406030204" pitchFamily="18" charset="0"/>
                           </a:rPr>
@@ -11256,7 +11040,7 @@
                       </m:num>
                       <m:den>
                         <m:r>
-                          <a:rPr lang="it-IT" sz="2800" b="0" i="1" smtClean="0">
+                          <a:rPr lang="en-GB" sz="2800" b="0" i="1" noProof="0" smtClean="0">
                             <a:latin typeface="Cambria Math" panose="02040503050406030204" pitchFamily="18" charset="0"/>
                             <a:ea typeface="Cambria Math" panose="02040503050406030204" pitchFamily="18" charset="0"/>
                           </a:rPr>
@@ -11267,14 +11051,14 @@
                   </m:oMath>
                 </a14:m>
                 <a:r>
-                  <a:rPr lang="en-US" sz="2800" dirty="0"/>
+                  <a:rPr lang="en-GB" sz="2800" noProof="0" dirty="0"/>
                   <a:t>, even though the rate of convergence is slightly slower compared to the other two methods used.</a:t>
                 </a:r>
               </a:p>
             </p:txBody>
           </p:sp>
         </mc:Choice>
-        <mc:Fallback xmlns="">
+        <mc:Fallback>
           <p:sp>
             <p:nvSpPr>
               <p:cNvPr id="8" name="CasellaDiTesto 7">
@@ -11412,19 +11196,16 @@
           <a:lstStyle/>
           <a:p>
             <a:r>
-              <a:rPr lang="en-US" dirty="0">
+              <a:rPr lang="en-GB" noProof="0" dirty="0">
                 <a:latin typeface="Arial Black" panose="020B0A04020102020204" pitchFamily="34" charset="0"/>
               </a:rPr>
               <a:t>Other stochastic gradient based methods</a:t>
             </a:r>
-            <a:endParaRPr lang="en-GB" noProof="0" dirty="0">
-              <a:latin typeface="Arial Black" panose="020B0A04020102020204" pitchFamily="34" charset="0"/>
-            </a:endParaRPr>
           </a:p>
         </p:txBody>
       </p:sp>
-      <mc:AlternateContent xmlns:mc="http://schemas.openxmlformats.org/markup-compatibility/2006" xmlns:a14="http://schemas.microsoft.com/office/drawing/2010/main">
-        <mc:Choice Requires="a14">
+      <mc:AlternateContent xmlns:mc="http://schemas.openxmlformats.org/markup-compatibility/2006">
+        <mc:Choice xmlns:a14="http://schemas.microsoft.com/office/drawing/2010/main" Requires="a14">
           <p:sp>
             <p:nvSpPr>
               <p:cNvPr id="2" name="CasellaDiTesto 1">
@@ -11454,14 +11235,14 @@
               <a:lstStyle/>
               <a:p>
                 <a:r>
-                  <a:rPr lang="en-US" sz="2800" dirty="0">
+                  <a:rPr lang="en-GB" sz="2800" noProof="0" dirty="0">
                     <a:latin typeface="Arial" panose="020B0604020202020204" pitchFamily="34" charset="0"/>
                     <a:cs typeface="Arial" panose="020B0604020202020204" pitchFamily="34" charset="0"/>
                   </a:rPr>
                   <a:t>We then computed other stochastic gradient based optimization methods: </a:t>
                 </a:r>
                 <a:r>
-                  <a:rPr lang="en-US" sz="2800" b="1" dirty="0">
+                  <a:rPr lang="en-GB" sz="2800" b="1" noProof="0" dirty="0">
                     <a:solidFill>
                       <a:srgbClr val="FF0000"/>
                     </a:solidFill>
@@ -11471,14 +11252,14 @@
                   <a:t>ADAGRAD</a:t>
                 </a:r>
                 <a:r>
-                  <a:rPr lang="en-US" sz="2800" dirty="0">
+                  <a:rPr lang="en-GB" sz="2800" noProof="0" dirty="0">
                     <a:latin typeface="Arial" panose="020B0604020202020204" pitchFamily="34" charset="0"/>
                     <a:cs typeface="Arial" panose="020B0604020202020204" pitchFamily="34" charset="0"/>
                   </a:rPr>
                   <a:t>, </a:t>
                 </a:r>
                 <a:r>
-                  <a:rPr lang="en-US" sz="2800" b="1" dirty="0">
+                  <a:rPr lang="en-GB" sz="2800" b="1" noProof="0" dirty="0">
                     <a:solidFill>
                       <a:srgbClr val="FF0000"/>
                     </a:solidFill>
@@ -11488,14 +11269,14 @@
                   <a:t>ADAM</a:t>
                 </a:r>
                 <a:r>
-                  <a:rPr lang="en-US" sz="2800" dirty="0">
+                  <a:rPr lang="en-GB" sz="2800" noProof="0" dirty="0">
                     <a:latin typeface="Arial" panose="020B0604020202020204" pitchFamily="34" charset="0"/>
                     <a:cs typeface="Arial" panose="020B0604020202020204" pitchFamily="34" charset="0"/>
                   </a:rPr>
                   <a:t> and </a:t>
                 </a:r>
                 <a:r>
-                  <a:rPr lang="en-US" sz="2800" b="1" dirty="0">
+                  <a:rPr lang="en-GB" sz="2800" b="1" noProof="0" dirty="0">
                     <a:solidFill>
                       <a:srgbClr val="FF0000"/>
                     </a:solidFill>
@@ -11505,7 +11286,7 @@
                   <a:t>Sign SGD</a:t>
                 </a:r>
                 <a:r>
-                  <a:rPr lang="en-US" sz="2800" dirty="0">
+                  <a:rPr lang="en-GB" sz="2800" noProof="0" dirty="0">
                     <a:latin typeface="Arial" panose="020B0604020202020204" pitchFamily="34" charset="0"/>
                     <a:cs typeface="Arial" panose="020B0604020202020204" pitchFamily="34" charset="0"/>
                   </a:rPr>
@@ -11513,14 +11294,14 @@
                 </a:r>
               </a:p>
               <a:p>
-                <a:endParaRPr lang="en-US" sz="2800" dirty="0">
+                <a:endParaRPr lang="en-GB" sz="2800" noProof="0" dirty="0">
                   <a:latin typeface="Arial" panose="020B0604020202020204" pitchFamily="34" charset="0"/>
                   <a:cs typeface="Arial" panose="020B0604020202020204" pitchFamily="34" charset="0"/>
                 </a:endParaRPr>
               </a:p>
               <a:p>
                 <a:r>
-                  <a:rPr lang="en-US" sz="2800" dirty="0">
+                  <a:rPr lang="en-GB" sz="2800" noProof="0" dirty="0">
                     <a:latin typeface="Arial" panose="020B0604020202020204" pitchFamily="34" charset="0"/>
                     <a:cs typeface="Arial" panose="020B0604020202020204" pitchFamily="34" charset="0"/>
                   </a:rPr>
@@ -11529,14 +11310,14 @@
                 <a14:m>
                   <m:oMath xmlns:m="http://schemas.openxmlformats.org/officeDocument/2006/math">
                     <m:r>
-                      <a:rPr lang="en-US" sz="2800" i="1" smtClean="0">
+                      <a:rPr lang="en-GB" sz="2800" i="1" noProof="0" smtClean="0">
                         <a:latin typeface="Cambria Math" panose="02040503050406030204" pitchFamily="18" charset="0"/>
                         <a:ea typeface="Cambria Math" panose="02040503050406030204" pitchFamily="18" charset="0"/>
                       </a:rPr>
                       <m:t>𝛾</m:t>
                     </m:r>
                     <m:r>
-                      <a:rPr lang="it-IT" sz="2800" b="0" i="1" smtClean="0">
+                      <a:rPr lang="en-GB" sz="2800" b="0" i="1" noProof="0" smtClean="0">
                         <a:latin typeface="Cambria Math" panose="02040503050406030204" pitchFamily="18" charset="0"/>
                         <a:ea typeface="Cambria Math" panose="02040503050406030204" pitchFamily="18" charset="0"/>
                       </a:rPr>
@@ -11545,7 +11326,7 @@
                     <m:f>
                       <m:fPr>
                         <m:ctrlPr>
-                          <a:rPr lang="it-IT" sz="2800" b="0" i="1" smtClean="0">
+                          <a:rPr lang="en-GB" sz="2800" b="0" i="1" noProof="0" smtClean="0">
                             <a:latin typeface="Cambria Math" panose="02040503050406030204" pitchFamily="18" charset="0"/>
                             <a:ea typeface="Cambria Math" panose="02040503050406030204" pitchFamily="18" charset="0"/>
                           </a:rPr>
@@ -11553,7 +11334,7 @@
                       </m:fPr>
                       <m:num>
                         <m:r>
-                          <a:rPr lang="it-IT" sz="2800" b="0" i="1" smtClean="0">
+                          <a:rPr lang="en-GB" sz="2800" b="0" i="1" noProof="0" smtClean="0">
                             <a:latin typeface="Cambria Math" panose="02040503050406030204" pitchFamily="18" charset="0"/>
                             <a:ea typeface="Cambria Math" panose="02040503050406030204" pitchFamily="18" charset="0"/>
                           </a:rPr>
@@ -11562,7 +11343,7 @@
                       </m:num>
                       <m:den>
                         <m:r>
-                          <a:rPr lang="it-IT" sz="2800" b="0" i="1" smtClean="0">
+                          <a:rPr lang="en-GB" sz="2800" b="0" i="1" noProof="0" smtClean="0">
                             <a:latin typeface="Cambria Math" panose="02040503050406030204" pitchFamily="18" charset="0"/>
                             <a:ea typeface="Cambria Math" panose="02040503050406030204" pitchFamily="18" charset="0"/>
                           </a:rPr>
@@ -11573,14 +11354,14 @@
                   </m:oMath>
                 </a14:m>
                 <a:r>
-                  <a:rPr lang="en-US" sz="2800" dirty="0">
+                  <a:rPr lang="en-GB" sz="2800" noProof="0" dirty="0">
                     <a:latin typeface="Arial" panose="020B0604020202020204" pitchFamily="34" charset="0"/>
                     <a:cs typeface="Arial" panose="020B0604020202020204" pitchFamily="34" charset="0"/>
                   </a:rPr>
                   <a:t> , this time extending the max number of iterations to 100 and utilizing a </a:t>
                 </a:r>
                 <a:r>
-                  <a:rPr lang="en-US" sz="2800" b="1" dirty="0">
+                  <a:rPr lang="en-GB" sz="2800" b="1" noProof="0" dirty="0">
                     <a:solidFill>
                       <a:srgbClr val="FF0000"/>
                     </a:solidFill>
@@ -11590,14 +11371,14 @@
                   <a:t>minibatch size</a:t>
                 </a:r>
                 <a:r>
-                  <a:rPr lang="en-US" sz="2800" dirty="0">
+                  <a:rPr lang="en-GB" sz="2800" noProof="0" dirty="0">
                     <a:latin typeface="Arial" panose="020B0604020202020204" pitchFamily="34" charset="0"/>
                     <a:cs typeface="Arial" panose="020B0604020202020204" pitchFamily="34" charset="0"/>
                   </a:rPr>
                   <a:t> of </a:t>
                 </a:r>
                 <a:r>
-                  <a:rPr lang="en-US" sz="2800" b="1" dirty="0">
+                  <a:rPr lang="en-GB" sz="2800" b="1" noProof="0" dirty="0">
                     <a:solidFill>
                       <a:srgbClr val="FF0000"/>
                     </a:solidFill>
@@ -11607,7 +11388,7 @@
                   <a:t>32</a:t>
                 </a:r>
                 <a:r>
-                  <a:rPr lang="en-US" sz="2800" dirty="0">
+                  <a:rPr lang="en-GB" sz="2800" noProof="0" dirty="0">
                     <a:latin typeface="Arial" panose="020B0604020202020204" pitchFamily="34" charset="0"/>
                     <a:cs typeface="Arial" panose="020B0604020202020204" pitchFamily="34" charset="0"/>
                   </a:rPr>
@@ -11615,15 +11396,15 @@
                 </a:r>
               </a:p>
               <a:p>
-                <a:endParaRPr lang="en-US" sz="2800" dirty="0"/>
+                <a:endParaRPr lang="en-GB" sz="2800" noProof="0" dirty="0"/>
               </a:p>
               <a:p>
-                <a:endParaRPr lang="en-US" sz="2800" dirty="0"/>
+                <a:endParaRPr lang="en-GB" sz="2800" noProof="0" dirty="0"/>
               </a:p>
             </p:txBody>
           </p:sp>
         </mc:Choice>
-        <mc:Fallback xmlns="">
+        <mc:Fallback>
           <p:sp>
             <p:nvSpPr>
               <p:cNvPr id="2" name="CasellaDiTesto 1">
@@ -11731,19 +11512,16 @@
           <a:lstStyle/>
           <a:p>
             <a:r>
-              <a:rPr lang="en-US" dirty="0">
+              <a:rPr lang="en-GB" noProof="0" dirty="0">
                 <a:latin typeface="Arial Black" panose="020B0A04020102020204" pitchFamily="34" charset="0"/>
               </a:rPr>
               <a:t>ADAGRAD</a:t>
             </a:r>
-            <a:endParaRPr lang="en-GB" noProof="0" dirty="0">
-              <a:latin typeface="Arial Black" panose="020B0A04020102020204" pitchFamily="34" charset="0"/>
-            </a:endParaRPr>
           </a:p>
         </p:txBody>
       </p:sp>
-      <mc:AlternateContent xmlns:mc="http://schemas.openxmlformats.org/markup-compatibility/2006" xmlns:a14="http://schemas.microsoft.com/office/drawing/2010/main">
-        <mc:Choice Requires="a14">
+      <mc:AlternateContent xmlns:mc="http://schemas.openxmlformats.org/markup-compatibility/2006">
+        <mc:Choice xmlns:a14="http://schemas.microsoft.com/office/drawing/2010/main" Requires="a14">
           <p:sp>
             <p:nvSpPr>
               <p:cNvPr id="2" name="CasellaDiTesto 1">
@@ -11773,11 +11551,11 @@
               <a:lstStyle/>
               <a:p>
                 <a:r>
-                  <a:rPr lang="en-US" sz="2800" dirty="0"/>
+                  <a:rPr lang="en-GB" sz="2800" noProof="0" dirty="0"/>
                   <a:t>ADAGRAD adapts the learning rate for each parameter based on the </a:t>
                 </a:r>
                 <a:r>
-                  <a:rPr lang="en-US" sz="2800" b="1" dirty="0">
+                  <a:rPr lang="en-GB" sz="2800" b="1" noProof="0" dirty="0">
                     <a:solidFill>
                       <a:srgbClr val="FF0000"/>
                     </a:solidFill>
@@ -11785,26 +11563,26 @@
                   <a:t>accumulated squared gradients</a:t>
                 </a:r>
                 <a:r>
-                  <a:rPr lang="en-US" sz="2800" dirty="0"/>
+                  <a:rPr lang="en-GB" sz="2800" noProof="0" dirty="0"/>
                   <a:t>. Parameters with larger gradients in the past get smaller learning rates over time, while parameters with smaller gradients keep relatively higher learning rates.</a:t>
                 </a:r>
               </a:p>
               <a:p>
                 <a:r>
-                  <a:rPr lang="en-US" sz="2800" dirty="0"/>
+                  <a:rPr lang="en-GB" sz="2800" noProof="0" dirty="0"/>
                   <a:t>Using </a:t>
                 </a:r>
                 <a14:m>
                   <m:oMath xmlns:m="http://schemas.openxmlformats.org/officeDocument/2006/math">
                     <m:r>
-                      <a:rPr lang="en-US" sz="2800" i="1" smtClean="0">
+                      <a:rPr lang="en-GB" sz="2800" i="1" noProof="0" smtClean="0">
                         <a:latin typeface="Cambria Math" panose="02040503050406030204" pitchFamily="18" charset="0"/>
                         <a:ea typeface="Cambria Math" panose="02040503050406030204" pitchFamily="18" charset="0"/>
                       </a:rPr>
                       <m:t>𝛾</m:t>
                     </m:r>
                     <m:r>
-                      <a:rPr lang="it-IT" sz="2800" b="0" i="1" smtClean="0">
+                      <a:rPr lang="en-GB" sz="2800" b="0" i="1" noProof="0" smtClean="0">
                         <a:latin typeface="Cambria Math" panose="02040503050406030204" pitchFamily="18" charset="0"/>
                         <a:ea typeface="Cambria Math" panose="02040503050406030204" pitchFamily="18" charset="0"/>
                       </a:rPr>
@@ -11813,20 +11591,20 @@
                   </m:oMath>
                 </a14:m>
                 <a:r>
-                  <a:rPr lang="en-US" sz="2800" dirty="0"/>
+                  <a:rPr lang="en-GB" sz="2800" noProof="0" dirty="0"/>
                   <a:t>, we obtained:</a:t>
                 </a:r>
               </a:p>
               <a:p>
-                <a:endParaRPr lang="en-US" sz="2800" dirty="0"/>
+                <a:endParaRPr lang="en-GB" sz="2800" noProof="0" dirty="0"/>
               </a:p>
               <a:p>
-                <a:endParaRPr lang="en-US" sz="2800" dirty="0"/>
+                <a:endParaRPr lang="en-GB" sz="2800" noProof="0" dirty="0"/>
               </a:p>
             </p:txBody>
           </p:sp>
         </mc:Choice>
-        <mc:Fallback xmlns="">
+        <mc:Fallback>
           <p:sp>
             <p:nvSpPr>
               <p:cNvPr id="2" name="CasellaDiTesto 1">
@@ -11970,14 +11748,11 @@
           <a:lstStyle/>
           <a:p>
             <a:r>
-              <a:rPr lang="en-US" dirty="0">
+              <a:rPr lang="en-GB" noProof="0" dirty="0">
                 <a:latin typeface="Arial Black" panose="020B0A04020102020204" pitchFamily="34" charset="0"/>
               </a:rPr>
               <a:t>ADAM</a:t>
             </a:r>
-            <a:endParaRPr lang="en-GB" noProof="0" dirty="0">
-              <a:latin typeface="Arial Black" panose="020B0A04020102020204" pitchFamily="34" charset="0"/>
-            </a:endParaRPr>
           </a:p>
         </p:txBody>
       </p:sp>
@@ -12010,11 +11785,11 @@
           <a:lstStyle/>
           <a:p>
             <a:r>
-              <a:rPr lang="en-US" sz="2800" dirty="0"/>
+              <a:rPr lang="en-GB" sz="2800" noProof="0" dirty="0"/>
               <a:t>Adam is an </a:t>
             </a:r>
             <a:r>
-              <a:rPr lang="en-US" sz="2800" b="1" dirty="0">
+              <a:rPr lang="en-GB" sz="2800" b="1" noProof="0" dirty="0">
                 <a:solidFill>
                   <a:srgbClr val="FF0000"/>
                 </a:solidFill>
@@ -12022,121 +11797,83 @@
               <a:t>adaptive optimization </a:t>
             </a:r>
             <a:r>
-              <a:rPr lang="en-US" sz="2800" dirty="0"/>
+              <a:rPr lang="en-GB" sz="2800" noProof="0" dirty="0"/>
               <a:t>algorithm that maintains exponentially decaying averages of past gradients (first moment) and squared gradients (second moment), which are used to adapt the learning rate for each parameter individually.</a:t>
             </a:r>
             <a:br>
-              <a:rPr lang="en-US" sz="2800" dirty="0"/>
+              <a:rPr lang="en-GB" sz="2800" noProof="0" dirty="0"/>
             </a:br>
             <a:r>
-              <a:rPr lang="en-US" sz="2800" dirty="0"/>
+              <a:rPr lang="en-GB" sz="2800" noProof="0" dirty="0"/>
               <a:t>Using parameters (as commonly used, for example by </a:t>
             </a:r>
             <a:r>
-              <a:rPr lang="en-US" sz="2800" dirty="0" err="1"/>
+              <a:rPr lang="en-GB" sz="2800" noProof="0" dirty="0" err="1"/>
               <a:t>Keras</a:t>
             </a:r>
             <a:r>
-              <a:rPr lang="en-US" sz="2800" dirty="0"/>
+              <a:rPr lang="en-GB" sz="2800" noProof="0" dirty="0"/>
               <a:t>)</a:t>
             </a:r>
           </a:p>
           <a:p>
             <a:r>
-              <a:rPr lang="en-US" sz="2800" dirty="0"/>
+              <a:rPr lang="en-GB" sz="2800" noProof="0" dirty="0"/>
               <a:t>β</a:t>
             </a:r>
             <a:r>
-              <a:rPr lang="en-US" sz="1600" dirty="0"/>
+              <a:rPr lang="en-GB" sz="1600" noProof="0" dirty="0"/>
               <a:t>1 </a:t>
             </a:r>
             <a:r>
-              <a:rPr lang="en-US" sz="2800" dirty="0"/>
+              <a:rPr lang="en-GB" sz="2800" noProof="0" dirty="0"/>
               <a:t>=</a:t>
             </a:r>
             <a:r>
-              <a:rPr lang="en-US" sz="1600" dirty="0"/>
+              <a:rPr lang="en-GB" sz="1600" noProof="0" dirty="0"/>
+              <a:t>  </a:t>
+            </a:r>
+            <a:r>
+              <a:rPr lang="en-GB" sz="2800" noProof="0" dirty="0"/>
+              <a:t>0.9	(hyperparameter used for first moment)</a:t>
+            </a:r>
+          </a:p>
+          <a:p>
+            <a:r>
+              <a:rPr lang="en-GB" sz="2800" noProof="0" dirty="0"/>
+              <a:t>β</a:t>
+            </a:r>
+            <a:r>
+              <a:rPr lang="en-GB" sz="1600" noProof="0" dirty="0"/>
+              <a:t>2 </a:t>
+            </a:r>
+            <a:r>
+              <a:rPr lang="en-GB" sz="2800" noProof="0" dirty="0"/>
+              <a:t>=</a:t>
+            </a:r>
+            <a:r>
+              <a:rPr lang="en-GB" sz="1600" noProof="0" dirty="0"/>
               <a:t> </a:t>
             </a:r>
             <a:r>
-              <a:rPr lang="it-IT" sz="1600" dirty="0"/>
-              <a:t> </a:t>
-            </a:r>
-            <a:r>
-              <a:rPr lang="it-IT" sz="2800" dirty="0"/>
-              <a:t>0.9	(</a:t>
-            </a:r>
-            <a:r>
-              <a:rPr lang="it-IT" sz="2800" dirty="0" err="1"/>
-              <a:t>hyperparameter</a:t>
-            </a:r>
-            <a:r>
-              <a:rPr lang="it-IT" sz="2800" dirty="0"/>
-              <a:t> </a:t>
-            </a:r>
-            <a:r>
-              <a:rPr lang="it-IT" sz="2800" dirty="0" err="1"/>
-              <a:t>used</a:t>
-            </a:r>
-            <a:r>
-              <a:rPr lang="it-IT" sz="2800" dirty="0"/>
-              <a:t> for first moment)</a:t>
-            </a:r>
-            <a:endParaRPr lang="en-US" sz="2800" dirty="0"/>
-          </a:p>
-          <a:p>
-            <a:r>
-              <a:rPr lang="el-GR" sz="2800" dirty="0"/>
-              <a:t>β</a:t>
-            </a:r>
-            <a:r>
-              <a:rPr lang="en-US" sz="1600" dirty="0"/>
-              <a:t>2 </a:t>
-            </a:r>
-            <a:r>
-              <a:rPr lang="en-US" sz="2800" dirty="0"/>
-              <a:t>=</a:t>
-            </a:r>
-            <a:r>
-              <a:rPr lang="en-US" sz="1600" dirty="0"/>
-              <a:t> </a:t>
-            </a:r>
-            <a:r>
-              <a:rPr lang="it-IT" sz="2800" dirty="0"/>
-              <a:t>0.999	(</a:t>
-            </a:r>
-            <a:r>
-              <a:rPr lang="it-IT" sz="2800" dirty="0" err="1"/>
-              <a:t>hyperparameter</a:t>
-            </a:r>
-            <a:r>
-              <a:rPr lang="it-IT" sz="2800" dirty="0"/>
-              <a:t> </a:t>
-            </a:r>
-            <a:r>
-              <a:rPr lang="it-IT" sz="2800" dirty="0" err="1"/>
-              <a:t>used</a:t>
-            </a:r>
-            <a:r>
-              <a:rPr lang="it-IT" sz="2800" dirty="0"/>
-              <a:t> for second moment)</a:t>
-            </a:r>
-            <a:endParaRPr lang="en-US" sz="2800" dirty="0"/>
+              <a:rPr lang="en-GB" sz="2800" noProof="0" dirty="0"/>
+              <a:t>0.999	(hyperparameter used for second moment)</a:t>
+            </a:r>
           </a:p>
           <a:p>
             <a:br>
-              <a:rPr lang="en-US" sz="2800" dirty="0"/>
+              <a:rPr lang="en-GB" sz="2800" noProof="0" dirty="0"/>
             </a:br>
-            <a:endParaRPr lang="en-US" sz="2800" dirty="0"/>
-          </a:p>
-          <a:p>
-            <a:endParaRPr lang="en-US" sz="2800" dirty="0"/>
-          </a:p>
-          <a:p>
-            <a:endParaRPr lang="en-US" sz="2800" dirty="0"/>
-          </a:p>
-          <a:p>
-            <a:endParaRPr lang="en-US" sz="2800" dirty="0"/>
+            <a:endParaRPr lang="en-GB" sz="2800" noProof="0" dirty="0"/>
+          </a:p>
+          <a:p>
+            <a:endParaRPr lang="en-GB" sz="2800" noProof="0" dirty="0"/>
+          </a:p>
+          <a:p>
+            <a:endParaRPr lang="en-GB" sz="2800" noProof="0" dirty="0"/>
+          </a:p>
+          <a:p>
+            <a:endParaRPr lang="en-GB" sz="2800" noProof="0" dirty="0"/>
           </a:p>
         </p:txBody>
       </p:sp>
@@ -12239,14 +11976,11 @@
           <a:lstStyle/>
           <a:p>
             <a:r>
-              <a:rPr lang="en-US" dirty="0">
+              <a:rPr lang="en-GB" noProof="0" dirty="0">
                 <a:latin typeface="Arial Black" panose="020B0A04020102020204" pitchFamily="34" charset="0"/>
               </a:rPr>
               <a:t>Sign SGD</a:t>
             </a:r>
-            <a:endParaRPr lang="en-GB" noProof="0" dirty="0">
-              <a:latin typeface="Arial Black" panose="020B0A04020102020204" pitchFamily="34" charset="0"/>
-            </a:endParaRPr>
           </a:p>
         </p:txBody>
       </p:sp>
@@ -12279,11 +12013,11 @@
           <a:lstStyle/>
           <a:p>
             <a:r>
-              <a:rPr lang="en-US" sz="2800" dirty="0"/>
+              <a:rPr lang="en-GB" sz="2800" noProof="0" dirty="0"/>
               <a:t>Sign SGD operates in a much more similar way to basic SGD but uses the </a:t>
             </a:r>
             <a:r>
-              <a:rPr lang="en-US" sz="2800" b="1" dirty="0">
+              <a:rPr lang="en-GB" sz="2800" b="1" noProof="0" dirty="0">
                 <a:solidFill>
                   <a:srgbClr val="FF0000"/>
                 </a:solidFill>
@@ -12291,31 +12025,31 @@
               <a:t>sign of the gradient </a:t>
             </a:r>
             <a:r>
-              <a:rPr lang="en-US" sz="2800" dirty="0"/>
+              <a:rPr lang="en-GB" sz="2800" noProof="0" dirty="0"/>
               <a:t>for each parameter as step direction instead of its value.</a:t>
             </a:r>
           </a:p>
           <a:p>
-            <a:endParaRPr lang="en-US" sz="2800" dirty="0"/>
-          </a:p>
-          <a:p>
-            <a:r>
-              <a:rPr lang="en-US" sz="2800" dirty="0"/>
+            <a:endParaRPr lang="en-GB" sz="2800" noProof="0" dirty="0"/>
+          </a:p>
+          <a:p>
+            <a:r>
+              <a:rPr lang="en-GB" sz="2800" noProof="0" dirty="0"/>
               <a:t>As for ADAGRAD and ADAM we used step size 0.001.</a:t>
             </a:r>
           </a:p>
           <a:p>
-            <a:endParaRPr lang="en-US" sz="2800" dirty="0"/>
+            <a:endParaRPr lang="en-GB" sz="2800" noProof="0" dirty="0"/>
           </a:p>
           <a:p>
             <a:pPr marL="457200" indent="-457200">
               <a:buFont typeface="Arial" panose="020B0604020202020204" pitchFamily="34" charset="0"/>
               <a:buChar char="•"/>
             </a:pPr>
-            <a:endParaRPr lang="en-US" sz="2800" dirty="0"/>
-          </a:p>
-          <a:p>
-            <a:endParaRPr lang="en-US" sz="2800" dirty="0"/>
+            <a:endParaRPr lang="en-GB" sz="2800" noProof="0" dirty="0"/>
+          </a:p>
+          <a:p>
+            <a:endParaRPr lang="en-GB" sz="2800" noProof="0" dirty="0"/>
           </a:p>
         </p:txBody>
       </p:sp>
@@ -12861,7 +12595,7 @@
               <a:buChar char="•"/>
             </a:pPr>
             <a:r>
-              <a:rPr lang="en-US" sz="1600" b="1" dirty="0">
+              <a:rPr lang="en-GB" sz="1600" b="1" noProof="0" dirty="0">
                 <a:solidFill>
                   <a:srgbClr val="00B050"/>
                 </a:solidFill>
@@ -12869,12 +12603,12 @@
               <a:t>ADAM</a:t>
             </a:r>
             <a:r>
-              <a:rPr lang="en-US" sz="1600" dirty="0"/>
+              <a:rPr lang="en-GB" sz="1600" noProof="0" dirty="0"/>
               <a:t> is the fastest method out of the four, as it adapts the learning rate of each parameter using momentum, resulting in "smarter" adjustments;</a:t>
             </a:r>
           </a:p>
           <a:p>
-            <a:endParaRPr lang="en-US" sz="1600" dirty="0"/>
+            <a:endParaRPr lang="en-GB" sz="1600" noProof="0" dirty="0"/>
           </a:p>
           <a:p>
             <a:pPr marL="457200" indent="-457200">
@@ -12882,11 +12616,11 @@
               <a:buChar char="•"/>
             </a:pPr>
             <a:r>
-              <a:rPr lang="en-US" sz="1600" b="1" dirty="0"/>
+              <a:rPr lang="en-GB" sz="1600" b="1" noProof="0" dirty="0"/>
               <a:t>Sign SGD </a:t>
             </a:r>
             <a:r>
-              <a:rPr lang="en-US" sz="1600" dirty="0"/>
+              <a:rPr lang="en-GB" sz="1600" noProof="0" dirty="0"/>
               <a:t>is the second fastest, as it applies simple constant updates always in the same direction;</a:t>
             </a:r>
           </a:p>
@@ -12895,7 +12629,7 @@
               <a:buFont typeface="Arial" panose="020B0604020202020204" pitchFamily="34" charset="0"/>
               <a:buChar char="•"/>
             </a:pPr>
-            <a:endParaRPr lang="en-US" sz="1600" dirty="0"/>
+            <a:endParaRPr lang="en-GB" sz="1600" noProof="0" dirty="0"/>
           </a:p>
           <a:p>
             <a:pPr marL="457200" indent="-457200">
@@ -12903,7 +12637,7 @@
               <a:buChar char="•"/>
             </a:pPr>
             <a:r>
-              <a:rPr lang="en-US" sz="1600" b="1" dirty="0">
+              <a:rPr lang="en-GB" sz="1600" b="1" noProof="0" dirty="0">
                 <a:solidFill>
                   <a:srgbClr val="FF0000"/>
                 </a:solidFill>
@@ -12911,12 +12645,12 @@
               <a:t>Minibatch Gradient Descent </a:t>
             </a:r>
             <a:r>
-              <a:rPr lang="en-US" sz="1600" dirty="0"/>
+              <a:rPr lang="en-GB" sz="1600" noProof="0" dirty="0"/>
               <a:t>is relatively slower, as calculating the gradient stochastically may result in less decisive steps, requiring more iterations;</a:t>
             </a:r>
           </a:p>
           <a:p>
-            <a:endParaRPr lang="en-US" sz="1600" dirty="0"/>
+            <a:endParaRPr lang="en-GB" sz="1600" noProof="0" dirty="0"/>
           </a:p>
           <a:p>
             <a:pPr marL="457200" indent="-457200">
@@ -12924,7 +12658,7 @@
               <a:buChar char="•"/>
             </a:pPr>
             <a:r>
-              <a:rPr lang="en-US" sz="1600" b="1" dirty="0">
+              <a:rPr lang="en-GB" sz="1600" b="1" noProof="0" dirty="0">
                 <a:solidFill>
                   <a:srgbClr val="0070C0"/>
                 </a:solidFill>
@@ -12932,7 +12666,7 @@
               <a:t>ADAGRAD</a:t>
             </a:r>
             <a:r>
-              <a:rPr lang="en-US" sz="1600" dirty="0"/>
+              <a:rPr lang="en-GB" sz="1600" noProof="0" dirty="0"/>
               <a:t> is the slowest, as the step size is inversely proportional to the gradient values, resulting in small updates that get smaller and smaller.</a:t>
             </a:r>
           </a:p>
@@ -13039,8 +12773,8 @@
           </a:p>
         </p:txBody>
       </p:sp>
-      <mc:AlternateContent xmlns:mc="http://schemas.openxmlformats.org/markup-compatibility/2006" xmlns:a14="http://schemas.microsoft.com/office/drawing/2010/main">
-        <mc:Choice Requires="a14">
+      <mc:AlternateContent xmlns:mc="http://schemas.openxmlformats.org/markup-compatibility/2006">
+        <mc:Choice xmlns:a14="http://schemas.microsoft.com/office/drawing/2010/main" Requires="a14">
           <p:sp>
             <p:nvSpPr>
               <p:cNvPr id="4" name="CasellaDiTesto 3">
@@ -13070,45 +12804,45 @@
               <a:lstStyle/>
               <a:p>
                 <a:r>
-                  <a:rPr lang="en-US" sz="2800" dirty="0"/>
+                  <a:rPr lang="en-GB" sz="2800" noProof="0" dirty="0"/>
                   <a:t>The next step of the analysis was to compare the different possible techniques used for coordinate gradient descent, that consists in </a:t>
                 </a:r>
                 <a:r>
-                  <a:rPr lang="en-US" sz="2800" b="1" dirty="0"/>
+                  <a:rPr lang="en-GB" sz="2800" b="1" noProof="0" dirty="0"/>
                   <a:t>updating</a:t>
                 </a:r>
                 <a:r>
-                  <a:rPr lang="en-US" sz="2800" dirty="0"/>
+                  <a:rPr lang="en-GB" sz="2800" noProof="0" dirty="0"/>
                   <a:t> only </a:t>
                 </a:r>
                 <a:r>
-                  <a:rPr lang="en-US" sz="2800" b="1" dirty="0"/>
+                  <a:rPr lang="en-GB" sz="2800" b="1" noProof="0" dirty="0"/>
                   <a:t>one dimension </a:t>
                 </a:r>
                 <a:r>
-                  <a:rPr lang="en-US" sz="2800" dirty="0"/>
+                  <a:rPr lang="en-GB" sz="2800" noProof="0" dirty="0"/>
                   <a:t>of the feature array x  for each step.</a:t>
                 </a:r>
               </a:p>
               <a:p>
-                <a:endParaRPr lang="en-US" sz="2800" dirty="0"/>
+                <a:endParaRPr lang="en-GB" sz="2800" noProof="0" dirty="0"/>
               </a:p>
               <a:p>
                 <a:r>
-                  <a:rPr lang="en-US" sz="2800" dirty="0"/>
+                  <a:rPr lang="en-GB" sz="2800" noProof="0" dirty="0"/>
                   <a:t>For testing we will use step size </a:t>
                 </a:r>
                 <a14:m>
                   <m:oMath xmlns:m="http://schemas.openxmlformats.org/officeDocument/2006/math">
                     <m:r>
-                      <a:rPr lang="en-US" sz="2800" i="1" smtClean="0">
+                      <a:rPr lang="en-GB" sz="2800" i="1" noProof="0" smtClean="0">
                         <a:latin typeface="Cambria Math" panose="02040503050406030204" pitchFamily="18" charset="0"/>
                         <a:ea typeface="Cambria Math" panose="02040503050406030204" pitchFamily="18" charset="0"/>
                       </a:rPr>
                       <m:t>𝛾</m:t>
                     </m:r>
                     <m:r>
-                      <a:rPr lang="it-IT" sz="2800" b="0" i="1" smtClean="0">
+                      <a:rPr lang="en-GB" sz="2800" b="0" i="1" noProof="0" smtClean="0">
                         <a:latin typeface="Cambria Math" panose="02040503050406030204" pitchFamily="18" charset="0"/>
                         <a:ea typeface="Cambria Math" panose="02040503050406030204" pitchFamily="18" charset="0"/>
                       </a:rPr>
@@ -13117,7 +12851,7 @@
                     <m:f>
                       <m:fPr>
                         <m:ctrlPr>
-                          <a:rPr lang="it-IT" sz="2800" b="0" i="1" smtClean="0">
+                          <a:rPr lang="en-GB" sz="2800" b="0" i="1" noProof="0" smtClean="0">
                             <a:latin typeface="Cambria Math" panose="02040503050406030204" pitchFamily="18" charset="0"/>
                             <a:ea typeface="Cambria Math" panose="02040503050406030204" pitchFamily="18" charset="0"/>
                           </a:rPr>
@@ -13125,7 +12859,7 @@
                       </m:fPr>
                       <m:num>
                         <m:r>
-                          <a:rPr lang="it-IT" sz="2800" b="0" i="1" smtClean="0">
+                          <a:rPr lang="en-GB" sz="2800" b="0" i="1" noProof="0" smtClean="0">
                             <a:latin typeface="Cambria Math" panose="02040503050406030204" pitchFamily="18" charset="0"/>
                             <a:ea typeface="Cambria Math" panose="02040503050406030204" pitchFamily="18" charset="0"/>
                           </a:rPr>
@@ -13134,7 +12868,7 @@
                       </m:num>
                       <m:den>
                         <m:r>
-                          <a:rPr lang="it-IT" sz="2800" b="0" i="1" smtClean="0">
+                          <a:rPr lang="en-GB" sz="2800" b="0" i="1" noProof="0" smtClean="0">
                             <a:latin typeface="Cambria Math" panose="02040503050406030204" pitchFamily="18" charset="0"/>
                             <a:ea typeface="Cambria Math" panose="02040503050406030204" pitchFamily="18" charset="0"/>
                           </a:rPr>
@@ -13145,14 +12879,14 @@
                   </m:oMath>
                 </a14:m>
                 <a:r>
-                  <a:rPr lang="en-US" sz="2800" dirty="0"/>
+                  <a:rPr lang="en-GB" sz="2800" noProof="0" dirty="0"/>
                   <a:t>,with L being the Lipschitz constant. </a:t>
                 </a:r>
               </a:p>
             </p:txBody>
           </p:sp>
         </mc:Choice>
-        <mc:Fallback xmlns="">
+        <mc:Fallback>
           <p:sp>
             <p:nvSpPr>
               <p:cNvPr id="4" name="CasellaDiTesto 3">
@@ -13260,22 +12994,16 @@
           <a:lstStyle/>
           <a:p>
             <a:r>
-              <a:rPr lang="en-GB" dirty="0">
-                <a:latin typeface="Arial Black" panose="020B0A04020102020204" pitchFamily="34" charset="0"/>
-              </a:rPr>
-              <a:t>Random coordinate </a:t>
-            </a:r>
-            <a:r>
               <a:rPr lang="en-GB" noProof="0" dirty="0">
                 <a:latin typeface="Arial Black" panose="020B0A04020102020204" pitchFamily="34" charset="0"/>
               </a:rPr>
-              <a:t>descent</a:t>
+              <a:t>Random coordinate descent</a:t>
             </a:r>
           </a:p>
         </p:txBody>
       </p:sp>
-      <mc:AlternateContent xmlns:mc="http://schemas.openxmlformats.org/markup-compatibility/2006" xmlns:a14="http://schemas.microsoft.com/office/drawing/2010/main">
-        <mc:Choice Requires="a14">
+      <mc:AlternateContent xmlns:mc="http://schemas.openxmlformats.org/markup-compatibility/2006">
+        <mc:Choice xmlns:a14="http://schemas.microsoft.com/office/drawing/2010/main" Requires="a14">
           <p:sp>
             <p:nvSpPr>
               <p:cNvPr id="4" name="CasellaDiTesto 3">
@@ -13305,13 +13033,13 @@
               <a:lstStyle/>
               <a:p>
                 <a:r>
-                  <a:rPr lang="en-US" sz="2800" dirty="0"/>
+                  <a:rPr lang="en-GB" sz="2800" noProof="0" dirty="0"/>
                   <a:t>In this variation of coordinate descent, the direction picked at any given step, </a:t>
                 </a:r>
                 <a14:m>
                   <m:oMath xmlns:m="http://schemas.openxmlformats.org/officeDocument/2006/math">
                     <m:r>
-                      <a:rPr lang="it-IT" sz="2800" b="0" i="1" smtClean="0">
+                      <a:rPr lang="en-GB" sz="2800" b="0" i="1" noProof="0" smtClean="0">
                         <a:latin typeface="Cambria Math" panose="02040503050406030204" pitchFamily="18" charset="0"/>
                       </a:rPr>
                       <m:t>𝑖</m:t>
@@ -13319,11 +13047,11 @@
                   </m:oMath>
                 </a14:m>
                 <a:r>
-                  <a:rPr lang="en-US" sz="2800" dirty="0"/>
+                  <a:rPr lang="en-GB" sz="2800" noProof="0" dirty="0"/>
                   <a:t>, is </a:t>
                 </a:r>
                 <a:r>
-                  <a:rPr lang="en-US" sz="2800" b="1" dirty="0">
+                  <a:rPr lang="en-GB" sz="2800" b="1" noProof="0" dirty="0">
                     <a:solidFill>
                       <a:srgbClr val="FF0000"/>
                     </a:solidFill>
@@ -13331,26 +13059,26 @@
                   <a:t>completely random</a:t>
                 </a:r>
                 <a:r>
-                  <a:rPr lang="en-US" sz="2800" dirty="0"/>
+                  <a:rPr lang="en-GB" sz="2800" noProof="0" dirty="0"/>
                   <a:t>.</a:t>
                 </a:r>
               </a:p>
               <a:p>
-                <a:endParaRPr lang="en-US" sz="2800" dirty="0"/>
+                <a:endParaRPr lang="en-GB" sz="2800" noProof="0" dirty="0"/>
               </a:p>
               <a:p>
                 <a:r>
-                  <a:rPr lang="en-US" sz="2800" dirty="0"/>
+                  <a:rPr lang="en-GB" sz="2800" noProof="0" dirty="0"/>
                   <a:t>This results in the algorithm reaching the optimum, but with a different number of steps at each execution</a:t>
                 </a:r>
               </a:p>
               <a:p>
-                <a:endParaRPr lang="en-US" sz="2800" dirty="0"/>
+                <a:endParaRPr lang="en-GB" sz="2800" noProof="0" dirty="0"/>
               </a:p>
             </p:txBody>
           </p:sp>
         </mc:Choice>
-        <mc:Fallback xmlns="">
+        <mc:Fallback>
           <p:sp>
             <p:nvSpPr>
               <p:cNvPr id="4" name="CasellaDiTesto 3">
@@ -13461,7 +13189,7 @@
           <a:lstStyle/>
           <a:p>
             <a:r>
-              <a:rPr lang="en-US" sz="2800" dirty="0"/>
+              <a:rPr lang="en-GB" sz="2800" noProof="0" dirty="0"/>
               <a:t>The final steps are always the same, though, as convergence is eventually reached.</a:t>
             </a:r>
           </a:p>
@@ -13530,28 +13258,16 @@
           <a:lstStyle/>
           <a:p>
             <a:r>
-              <a:rPr lang="en-GB" dirty="0">
-                <a:latin typeface="Arial Black" panose="020B0A04020102020204" pitchFamily="34" charset="0"/>
-              </a:rPr>
-              <a:t>Importance sampling c</a:t>
-            </a:r>
-            <a:r>
-              <a:rPr lang="en-GB" noProof="0" dirty="0" err="1">
-                <a:latin typeface="Arial Black" panose="020B0A04020102020204" pitchFamily="34" charset="0"/>
-              </a:rPr>
-              <a:t>oordinate</a:t>
-            </a:r>
-            <a:r>
               <a:rPr lang="en-GB" noProof="0" dirty="0">
                 <a:latin typeface="Arial Black" panose="020B0A04020102020204" pitchFamily="34" charset="0"/>
               </a:rPr>
-              <a:t> descent</a:t>
+              <a:t>Importance sampling coordinate descent</a:t>
             </a:r>
           </a:p>
         </p:txBody>
       </p:sp>
-      <mc:AlternateContent xmlns:mc="http://schemas.openxmlformats.org/markup-compatibility/2006" xmlns:a14="http://schemas.microsoft.com/office/drawing/2010/main">
-        <mc:Choice Requires="a14">
+      <mc:AlternateContent xmlns:mc="http://schemas.openxmlformats.org/markup-compatibility/2006">
+        <mc:Choice xmlns:a14="http://schemas.microsoft.com/office/drawing/2010/main" Requires="a14">
           <p:sp>
             <p:nvSpPr>
               <p:cNvPr id="2" name="CasellaDiTesto 1">
@@ -13581,13 +13297,13 @@
               <a:lstStyle/>
               <a:p>
                 <a:r>
-                  <a:rPr lang="en-US" sz="2800" dirty="0"/>
+                  <a:rPr lang="en-GB" sz="2800" noProof="0" dirty="0"/>
                   <a:t>In this variation, the choice of which coordinate </a:t>
                 </a:r>
                 <a14:m>
                   <m:oMath xmlns:m="http://schemas.openxmlformats.org/officeDocument/2006/math">
                     <m:r>
-                      <a:rPr lang="it-IT" sz="2800" b="0" i="1" smtClean="0">
+                      <a:rPr lang="en-GB" sz="2800" b="0" i="1" noProof="0" smtClean="0">
                         <a:latin typeface="Cambria Math" panose="02040503050406030204" pitchFamily="18" charset="0"/>
                       </a:rPr>
                       <m:t>𝑖</m:t>
@@ -13595,11 +13311,11 @@
                   </m:oMath>
                 </a14:m>
                 <a:r>
-                  <a:rPr lang="en-US" sz="2800" dirty="0"/>
+                  <a:rPr lang="en-GB" sz="2800" noProof="0" dirty="0"/>
                   <a:t> will be used for each step is still </a:t>
                 </a:r>
                 <a:r>
-                  <a:rPr lang="en-US" sz="2800" b="1" dirty="0">
+                  <a:rPr lang="en-GB" sz="2800" b="1" noProof="0" dirty="0">
                     <a:solidFill>
                       <a:srgbClr val="FF0000"/>
                     </a:solidFill>
@@ -13607,19 +13323,19 @@
                   <a:t>random</a:t>
                 </a:r>
                 <a:r>
-                  <a:rPr lang="en-US" sz="2800" dirty="0"/>
+                  <a:rPr lang="en-GB" sz="2800" noProof="0" dirty="0"/>
                   <a:t>, but the probability distribution </a:t>
                 </a:r>
                 <a14:m>
                   <m:oMath xmlns:m="http://schemas.openxmlformats.org/officeDocument/2006/math">
                     <m:r>
-                      <a:rPr lang="it-IT" sz="2800" b="0" i="1" smtClean="0">
+                      <a:rPr lang="en-GB" sz="2800" b="0" i="1" noProof="0" smtClean="0">
                         <a:latin typeface="Cambria Math" panose="02040503050406030204" pitchFamily="18" charset="0"/>
                       </a:rPr>
                       <m:t>𝑝</m:t>
                     </m:r>
                     <m:r>
-                      <a:rPr lang="it-IT" sz="2800" b="0" i="1" smtClean="0">
+                      <a:rPr lang="en-GB" sz="2800" b="0" i="1" noProof="0" smtClean="0">
                         <a:latin typeface="Cambria Math" panose="02040503050406030204" pitchFamily="18" charset="0"/>
                       </a:rPr>
                       <m:t> </m:t>
@@ -13627,11 +13343,11 @@
                   </m:oMath>
                 </a14:m>
                 <a:r>
-                  <a:rPr lang="en-US" sz="2800" dirty="0"/>
+                  <a:rPr lang="en-GB" sz="2800" noProof="0" dirty="0"/>
                   <a:t>is based on the </a:t>
                 </a:r>
                 <a:r>
-                  <a:rPr lang="en-US" sz="2800" b="1" dirty="0">
+                  <a:rPr lang="en-GB" sz="2800" b="1" noProof="0" dirty="0">
                     <a:solidFill>
                       <a:srgbClr val="FF0000"/>
                     </a:solidFill>
@@ -13643,14 +13359,14 @@
                     <m:sSub>
                       <m:sSubPr>
                         <m:ctrlPr>
-                          <a:rPr lang="en-US" sz="2800" i="1" smtClean="0">
+                          <a:rPr lang="en-GB" sz="2800" i="1" noProof="0" smtClean="0">
                             <a:latin typeface="Cambria Math" panose="02040503050406030204" pitchFamily="18" charset="0"/>
                           </a:rPr>
                         </m:ctrlPr>
                       </m:sSubPr>
                       <m:e>
                         <m:r>
-                          <a:rPr lang="it-IT" sz="2800" b="0" i="1" smtClean="0">
+                          <a:rPr lang="en-GB" sz="2800" b="0" i="1" noProof="0" smtClean="0">
                             <a:latin typeface="Cambria Math" panose="02040503050406030204" pitchFamily="18" charset="0"/>
                           </a:rPr>
                           <m:t>𝐿</m:t>
@@ -13658,13 +13374,13 @@
                       </m:e>
                       <m:sub>
                         <m:r>
-                          <a:rPr lang="it-IT" sz="2800" b="0" i="1" smtClean="0">
+                          <a:rPr lang="en-GB" sz="2800" b="0" i="1" noProof="0" smtClean="0">
                             <a:latin typeface="Cambria Math" panose="02040503050406030204" pitchFamily="18" charset="0"/>
                           </a:rPr>
                           <m:t>𝑖</m:t>
                         </m:r>
                         <m:r>
-                          <a:rPr lang="it-IT" sz="2800" b="0" i="1" smtClean="0">
+                          <a:rPr lang="en-GB" sz="2800" b="0" i="1" noProof="0" smtClean="0">
                             <a:latin typeface="Cambria Math" panose="02040503050406030204" pitchFamily="18" charset="0"/>
                           </a:rPr>
                           <m:t> </m:t>
@@ -13674,7 +13390,7 @@
                   </m:oMath>
                 </a14:m>
                 <a:r>
-                  <a:rPr lang="en-US" sz="2800" dirty="0"/>
+                  <a:rPr lang="en-GB" sz="2800" noProof="0" dirty="0"/>
                   <a:t>associated with every coordinate:</a:t>
                 </a:r>
               </a:p>
@@ -13689,14 +13405,14 @@
                       <m:sSub>
                         <m:sSubPr>
                           <m:ctrlPr>
-                            <a:rPr lang="it-IT" sz="2800" b="0" i="1" smtClean="0">
+                            <a:rPr lang="en-GB" sz="2800" b="0" i="1" noProof="0" smtClean="0">
                               <a:latin typeface="Cambria Math" panose="02040503050406030204" pitchFamily="18" charset="0"/>
                             </a:rPr>
                           </m:ctrlPr>
                         </m:sSubPr>
                         <m:e>
                           <m:r>
-                            <a:rPr lang="it-IT" sz="2800" b="0" i="1" smtClean="0">
+                            <a:rPr lang="en-GB" sz="2800" b="0" i="1" noProof="0" smtClean="0">
                               <a:latin typeface="Cambria Math" panose="02040503050406030204" pitchFamily="18" charset="0"/>
                             </a:rPr>
                             <m:t>𝑝</m:t>
@@ -13704,7 +13420,7 @@
                         </m:e>
                         <m:sub>
                           <m:r>
-                            <a:rPr lang="it-IT" sz="2800" b="0" i="1" smtClean="0">
+                            <a:rPr lang="en-GB" sz="2800" b="0" i="1" noProof="0" smtClean="0">
                               <a:latin typeface="Cambria Math" panose="02040503050406030204" pitchFamily="18" charset="0"/>
                             </a:rPr>
                             <m:t>𝑖</m:t>
@@ -13712,7 +13428,7 @@
                         </m:sub>
                       </m:sSub>
                       <m:r>
-                        <a:rPr lang="it-IT" sz="2800" b="0" i="1" smtClean="0">
+                        <a:rPr lang="en-GB" sz="2800" b="0" i="1" noProof="0" smtClean="0">
                           <a:latin typeface="Cambria Math" panose="02040503050406030204" pitchFamily="18" charset="0"/>
                         </a:rPr>
                         <m:t>= </m:t>
@@ -13720,7 +13436,7 @@
                       <m:f>
                         <m:fPr>
                           <m:ctrlPr>
-                            <a:rPr lang="it-IT" sz="2800" b="0" i="1" smtClean="0">
+                            <a:rPr lang="en-GB" sz="2800" b="0" i="1" noProof="0" smtClean="0">
                               <a:latin typeface="Cambria Math" panose="02040503050406030204" pitchFamily="18" charset="0"/>
                             </a:rPr>
                           </m:ctrlPr>
@@ -13729,14 +13445,14 @@
                           <m:sSub>
                             <m:sSubPr>
                               <m:ctrlPr>
-                                <a:rPr lang="it-IT" sz="2800" b="0" i="1" smtClean="0">
+                                <a:rPr lang="en-GB" sz="2800" b="0" i="1" noProof="0" smtClean="0">
                                   <a:latin typeface="Cambria Math" panose="02040503050406030204" pitchFamily="18" charset="0"/>
                                 </a:rPr>
                               </m:ctrlPr>
                             </m:sSubPr>
                             <m:e>
                               <m:r>
-                                <a:rPr lang="it-IT" sz="2800" b="0" i="1" smtClean="0">
+                                <a:rPr lang="en-GB" sz="2800" b="0" i="1" noProof="0" smtClean="0">
                                   <a:latin typeface="Cambria Math" panose="02040503050406030204" pitchFamily="18" charset="0"/>
                                 </a:rPr>
                                 <m:t>𝐿</m:t>
@@ -13744,7 +13460,7 @@
                             </m:e>
                             <m:sub>
                               <m:r>
-                                <a:rPr lang="it-IT" sz="2800" b="0" i="1" smtClean="0">
+                                <a:rPr lang="en-GB" sz="2800" b="0" i="1" noProof="0" smtClean="0">
                                   <a:latin typeface="Cambria Math" panose="02040503050406030204" pitchFamily="18" charset="0"/>
                                 </a:rPr>
                                 <m:t>𝑖</m:t>
@@ -13757,7 +13473,7 @@
                             <m:naryPr>
                               <m:chr m:val="∑"/>
                               <m:ctrlPr>
-                                <a:rPr lang="it-IT" sz="2800" b="0" i="1" smtClean="0">
+                                <a:rPr lang="en-GB" sz="2800" b="0" i="1" noProof="0" smtClean="0">
                                   <a:latin typeface="Cambria Math" panose="02040503050406030204" pitchFamily="18" charset="0"/>
                                 </a:rPr>
                               </m:ctrlPr>
@@ -13767,13 +13483,13 @@
                                 <m:rPr>
                                   <m:brk m:alnAt="23"/>
                                 </m:rPr>
-                                <a:rPr lang="it-IT" sz="2800" b="0" i="1" smtClean="0">
+                                <a:rPr lang="en-GB" sz="2800" b="0" i="1" noProof="0" smtClean="0">
                                   <a:latin typeface="Cambria Math" panose="02040503050406030204" pitchFamily="18" charset="0"/>
                                 </a:rPr>
                                 <m:t>𝑗</m:t>
                               </m:r>
                               <m:r>
-                                <a:rPr lang="it-IT" sz="2800" b="0" i="1" smtClean="0">
+                                <a:rPr lang="en-GB" sz="2800" b="0" i="1" noProof="0" smtClean="0">
                                   <a:latin typeface="Cambria Math" panose="02040503050406030204" pitchFamily="18" charset="0"/>
                                 </a:rPr>
                                 <m:t>=1</m:t>
@@ -13781,7 +13497,7 @@
                             </m:sub>
                             <m:sup>
                               <m:r>
-                                <a:rPr lang="it-IT" sz="2800" b="0" i="1" smtClean="0">
+                                <a:rPr lang="en-GB" sz="2800" b="0" i="1" noProof="0" smtClean="0">
                                   <a:latin typeface="Cambria Math" panose="02040503050406030204" pitchFamily="18" charset="0"/>
                                 </a:rPr>
                                 <m:t>𝑛</m:t>
@@ -13791,14 +13507,14 @@
                               <m:sSub>
                                 <m:sSubPr>
                                   <m:ctrlPr>
-                                    <a:rPr lang="it-IT" sz="2800" b="0" i="1" smtClean="0">
+                                    <a:rPr lang="en-GB" sz="2800" b="0" i="1" noProof="0" smtClean="0">
                                       <a:latin typeface="Cambria Math" panose="02040503050406030204" pitchFamily="18" charset="0"/>
                                     </a:rPr>
                                   </m:ctrlPr>
                                 </m:sSubPr>
                                 <m:e>
                                   <m:r>
-                                    <a:rPr lang="it-IT" sz="2800" b="0" i="1" smtClean="0">
+                                    <a:rPr lang="en-GB" sz="2800" b="0" i="1" noProof="0" smtClean="0">
                                       <a:latin typeface="Cambria Math" panose="02040503050406030204" pitchFamily="18" charset="0"/>
                                     </a:rPr>
                                     <m:t>𝐿</m:t>
@@ -13806,7 +13522,7 @@
                                 </m:e>
                                 <m:sub>
                                   <m:r>
-                                    <a:rPr lang="it-IT" sz="2800" b="0" i="1" smtClean="0">
+                                    <a:rPr lang="en-GB" sz="2800" b="0" i="1" noProof="0" smtClean="0">
                                       <a:latin typeface="Cambria Math" panose="02040503050406030204" pitchFamily="18" charset="0"/>
                                     </a:rPr>
                                     <m:t>𝑗</m:t>
@@ -13820,21 +13536,21 @@
                     </m:oMath>
                   </m:oMathPara>
                 </a14:m>
-                <a:endParaRPr lang="en-US" sz="2800" dirty="0"/>
+                <a:endParaRPr lang="en-GB" sz="2800" noProof="0" dirty="0"/>
               </a:p>
               <a:p>
-                <a:endParaRPr lang="en-US" sz="2800" dirty="0"/>
+                <a:endParaRPr lang="en-GB" sz="2800" noProof="0" dirty="0"/>
               </a:p>
               <a:p>
                 <a:r>
-                  <a:rPr lang="en-US" sz="2800" dirty="0"/>
+                  <a:rPr lang="en-GB" sz="2800" noProof="0" dirty="0"/>
                   <a:t>With the choice being still randomized, the number of steps necessary for reaching the optimum change at every execution.</a:t>
                 </a:r>
               </a:p>
             </p:txBody>
           </p:sp>
         </mc:Choice>
-        <mc:Fallback xmlns="">
+        <mc:Fallback>
           <p:sp>
             <p:nvSpPr>
               <p:cNvPr id="2" name="CasellaDiTesto 1">
@@ -13942,28 +13658,16 @@
           <a:lstStyle/>
           <a:p>
             <a:r>
-              <a:rPr lang="en-GB" dirty="0">
-                <a:latin typeface="Arial Black" panose="020B0A04020102020204" pitchFamily="34" charset="0"/>
-              </a:rPr>
-              <a:t>Steepest c</a:t>
-            </a:r>
-            <a:r>
-              <a:rPr lang="en-GB" noProof="0" dirty="0" err="1">
-                <a:latin typeface="Arial Black" panose="020B0A04020102020204" pitchFamily="34" charset="0"/>
-              </a:rPr>
-              <a:t>oordinate</a:t>
-            </a:r>
-            <a:r>
               <a:rPr lang="en-GB" noProof="0" dirty="0">
                 <a:latin typeface="Arial Black" panose="020B0A04020102020204" pitchFamily="34" charset="0"/>
               </a:rPr>
-              <a:t> descent</a:t>
+              <a:t>Steepest coordinate descent</a:t>
             </a:r>
           </a:p>
         </p:txBody>
       </p:sp>
-      <mc:AlternateContent xmlns:mc="http://schemas.openxmlformats.org/markup-compatibility/2006" xmlns:a14="http://schemas.microsoft.com/office/drawing/2010/main">
-        <mc:Choice Requires="a14">
+      <mc:AlternateContent xmlns:mc="http://schemas.openxmlformats.org/markup-compatibility/2006">
+        <mc:Choice xmlns:a14="http://schemas.microsoft.com/office/drawing/2010/main" Requires="a14">
           <p:sp>
             <p:nvSpPr>
               <p:cNvPr id="4" name="CasellaDiTesto 3">
@@ -13993,11 +13697,11 @@
               <a:lstStyle/>
               <a:p>
                 <a:r>
-                  <a:rPr lang="en-US" sz="2800" dirty="0"/>
+                  <a:rPr lang="en-GB" sz="2800" noProof="0" dirty="0"/>
                   <a:t>This method, unlike the previous two, is </a:t>
                 </a:r>
                 <a:r>
-                  <a:rPr lang="en-US" sz="2800" b="1" dirty="0">
+                  <a:rPr lang="en-GB" sz="2800" b="1" noProof="0" dirty="0">
                     <a:solidFill>
                       <a:srgbClr val="FF0000"/>
                     </a:solidFill>
@@ -14005,11 +13709,11 @@
                   <a:t>deterministic</a:t>
                 </a:r>
                 <a:r>
-                  <a:rPr lang="en-US" sz="2800" dirty="0"/>
+                  <a:rPr lang="en-GB" sz="2800" noProof="0" dirty="0"/>
                   <a:t>: the direction chosen for each iteration is the one with the </a:t>
                 </a:r>
                 <a:r>
-                  <a:rPr lang="en-US" sz="2800" b="1" dirty="0">
+                  <a:rPr lang="en-GB" sz="2800" b="1" noProof="0" dirty="0">
                     <a:solidFill>
                       <a:srgbClr val="FF0000"/>
                     </a:solidFill>
@@ -14017,11 +13721,11 @@
                   <a:t>largest absolute value </a:t>
                 </a:r>
                 <a:r>
-                  <a:rPr lang="en-US" sz="2800" dirty="0"/>
+                  <a:rPr lang="en-GB" sz="2800" noProof="0" dirty="0"/>
                   <a:t>of the </a:t>
                 </a:r>
                 <a:r>
-                  <a:rPr lang="en-US" sz="2800" b="1" dirty="0">
+                  <a:rPr lang="en-GB" sz="2800" b="1" noProof="0" dirty="0">
                     <a:solidFill>
                       <a:srgbClr val="FF0000"/>
                     </a:solidFill>
@@ -14029,12 +13733,12 @@
                   <a:t>gradient</a:t>
                 </a:r>
                 <a:r>
-                  <a:rPr lang="en-US" sz="2800" dirty="0"/>
+                  <a:rPr lang="en-GB" sz="2800" noProof="0" dirty="0"/>
                   <a:t>.</a:t>
                 </a:r>
               </a:p>
               <a:p>
-                <a:endParaRPr lang="en-US" sz="2800" dirty="0"/>
+                <a:endParaRPr lang="en-GB" sz="2800" noProof="0" dirty="0"/>
               </a:p>
               <a:p>
                 <a:pPr/>
@@ -14047,14 +13751,14 @@
                       <m:sSub>
                         <m:sSubPr>
                           <m:ctrlPr>
-                            <a:rPr lang="it-IT" sz="2800" b="0" i="1" smtClean="0">
+                            <a:rPr lang="en-GB" sz="2800" b="0" i="1" noProof="0" smtClean="0">
                               <a:latin typeface="Cambria Math" panose="02040503050406030204" pitchFamily="18" charset="0"/>
                             </a:rPr>
                           </m:ctrlPr>
                         </m:sSubPr>
                         <m:e>
                           <m:r>
-                            <a:rPr lang="it-IT" sz="2800" b="0" i="1" smtClean="0">
+                            <a:rPr lang="en-GB" sz="2800" b="0" i="1" noProof="0" smtClean="0">
                               <a:latin typeface="Cambria Math" panose="02040503050406030204" pitchFamily="18" charset="0"/>
                             </a:rPr>
                             <m:t>𝑖</m:t>
@@ -14062,7 +13766,7 @@
                         </m:e>
                         <m:sub>
                           <m:r>
-                            <a:rPr lang="it-IT" sz="2800" b="0" i="1" smtClean="0">
+                            <a:rPr lang="en-GB" sz="2800" b="0" i="1" noProof="0" smtClean="0">
                               <a:latin typeface="Cambria Math" panose="02040503050406030204" pitchFamily="18" charset="0"/>
                             </a:rPr>
                             <m:t>𝑡</m:t>
@@ -14070,13 +13774,13 @@
                         </m:sub>
                       </m:sSub>
                       <m:r>
-                        <a:rPr lang="it-IT" sz="2800" b="0" i="1" smtClean="0">
+                        <a:rPr lang="en-GB" sz="2800" b="0" i="1" noProof="0" smtClean="0">
                           <a:latin typeface="Cambria Math" panose="02040503050406030204" pitchFamily="18" charset="0"/>
                         </a:rPr>
                         <m:t>=</m:t>
                       </m:r>
                       <m:r>
-                        <a:rPr lang="it-IT" sz="2800" b="0" i="1" smtClean="0">
+                        <a:rPr lang="en-GB" sz="2800" b="0" i="1" noProof="0" smtClean="0">
                           <a:latin typeface="Cambria Math" panose="02040503050406030204" pitchFamily="18" charset="0"/>
                         </a:rPr>
                         <m:t>𝑎𝑟𝑔𝑀𝑎𝑥</m:t>
@@ -14086,7 +13790,7 @@
                           <m:begChr m:val="|"/>
                           <m:endChr m:val="|"/>
                           <m:ctrlPr>
-                            <a:rPr lang="it-IT" sz="2800" b="0" i="1" smtClean="0">
+                            <a:rPr lang="en-GB" sz="2800" b="0" i="1" noProof="0" smtClean="0">
                               <a:latin typeface="Cambria Math" panose="02040503050406030204" pitchFamily="18" charset="0"/>
                             </a:rPr>
                           </m:ctrlPr>
@@ -14095,7 +13799,7 @@
                           <m:sSub>
                             <m:sSubPr>
                               <m:ctrlPr>
-                                <a:rPr lang="it-IT" sz="2800" b="0" i="1" smtClean="0">
+                                <a:rPr lang="en-GB" sz="2800" b="0" i="1" noProof="0" smtClean="0">
                                   <a:latin typeface="Cambria Math" panose="02040503050406030204" pitchFamily="18" charset="0"/>
                                 </a:rPr>
                               </m:ctrlPr>
@@ -14105,7 +13809,7 @@
                                 <m:rPr>
                                   <m:sty m:val="p"/>
                                 </m:rPr>
-                                <a:rPr lang="it-IT" sz="2800" b="0" i="1" smtClean="0">
+                                <a:rPr lang="en-GB" sz="2800" b="0" i="1" noProof="0" smtClean="0">
                                   <a:latin typeface="Cambria Math" panose="02040503050406030204" pitchFamily="18" charset="0"/>
                                   <a:ea typeface="Cambria Math" panose="02040503050406030204" pitchFamily="18" charset="0"/>
                                 </a:rPr>
@@ -14114,7 +13818,7 @@
                             </m:e>
                             <m:sub>
                               <m:r>
-                                <a:rPr lang="it-IT" sz="2800" b="0" i="1" smtClean="0">
+                                <a:rPr lang="en-GB" sz="2800" b="0" i="1" noProof="0" smtClean="0">
                                   <a:latin typeface="Cambria Math" panose="02040503050406030204" pitchFamily="18" charset="0"/>
                                 </a:rPr>
                                 <m:t>𝑖</m:t>
@@ -14122,14 +13826,14 @@
                             </m:sub>
                           </m:sSub>
                           <m:r>
-                            <a:rPr lang="it-IT" sz="2800" b="0" i="1" smtClean="0">
+                            <a:rPr lang="en-GB" sz="2800" b="0" i="1" noProof="0" smtClean="0">
                               <a:latin typeface="Cambria Math" panose="02040503050406030204" pitchFamily="18" charset="0"/>
                               <a:ea typeface="Cambria Math" panose="02040503050406030204" pitchFamily="18" charset="0"/>
                             </a:rPr>
                             <m:t>𝑓</m:t>
                           </m:r>
                           <m:r>
-                            <a:rPr lang="it-IT" sz="2800" b="0" i="1" smtClean="0">
+                            <a:rPr lang="en-GB" sz="2800" b="0" i="1" noProof="0" smtClean="0">
                               <a:latin typeface="Cambria Math" panose="02040503050406030204" pitchFamily="18" charset="0"/>
                               <a:ea typeface="Cambria Math" panose="02040503050406030204" pitchFamily="18" charset="0"/>
                             </a:rPr>
@@ -14138,7 +13842,7 @@
                           <m:sSub>
                             <m:sSubPr>
                               <m:ctrlPr>
-                                <a:rPr lang="it-IT" sz="2800" b="0" i="1" smtClean="0">
+                                <a:rPr lang="en-GB" sz="2800" b="0" i="1" noProof="0" smtClean="0">
                                   <a:latin typeface="Cambria Math" panose="02040503050406030204" pitchFamily="18" charset="0"/>
                                   <a:ea typeface="Cambria Math" panose="02040503050406030204" pitchFamily="18" charset="0"/>
                                 </a:rPr>
@@ -14146,7 +13850,7 @@
                             </m:sSubPr>
                             <m:e>
                               <m:r>
-                                <a:rPr lang="it-IT" sz="2800" b="0" i="1" smtClean="0">
+                                <a:rPr lang="en-GB" sz="2800" b="0" i="1" noProof="0" smtClean="0">
                                   <a:latin typeface="Cambria Math" panose="02040503050406030204" pitchFamily="18" charset="0"/>
                                   <a:ea typeface="Cambria Math" panose="02040503050406030204" pitchFamily="18" charset="0"/>
                                 </a:rPr>
@@ -14155,7 +13859,7 @@
                             </m:e>
                             <m:sub>
                               <m:r>
-                                <a:rPr lang="it-IT" sz="2800" b="0" i="1" smtClean="0">
+                                <a:rPr lang="en-GB" sz="2800" b="0" i="1" noProof="0" smtClean="0">
                                   <a:latin typeface="Cambria Math" panose="02040503050406030204" pitchFamily="18" charset="0"/>
                                   <a:ea typeface="Cambria Math" panose="02040503050406030204" pitchFamily="18" charset="0"/>
                                 </a:rPr>
@@ -14164,7 +13868,7 @@
                             </m:sub>
                           </m:sSub>
                           <m:r>
-                            <a:rPr lang="it-IT" sz="2800" b="0" i="1" smtClean="0">
+                            <a:rPr lang="en-GB" sz="2800" b="0" i="1" noProof="0" smtClean="0">
                               <a:latin typeface="Cambria Math" panose="02040503050406030204" pitchFamily="18" charset="0"/>
                               <a:ea typeface="Cambria Math" panose="02040503050406030204" pitchFamily="18" charset="0"/>
                             </a:rPr>
@@ -14175,27 +13879,27 @@
                     </m:oMath>
                   </m:oMathPara>
                 </a14:m>
-                <a:endParaRPr lang="en-US" sz="2800" dirty="0"/>
+                <a:endParaRPr lang="en-GB" sz="2800" noProof="0" dirty="0"/>
               </a:p>
               <a:p>
-                <a:endParaRPr lang="en-US" sz="2800" dirty="0"/>
+                <a:endParaRPr lang="en-GB" sz="2800" noProof="0" dirty="0"/>
               </a:p>
               <a:p>
                 <a:r>
-                  <a:rPr lang="en-US" sz="2800" dirty="0"/>
+                  <a:rPr lang="en-GB" sz="2800" noProof="0" dirty="0"/>
                   <a:t>In this problem, the optimum value with this method is always reached in about 26 steps.</a:t>
                 </a:r>
               </a:p>
               <a:p>
-                <a:endParaRPr lang="en-US" sz="2800" dirty="0"/>
+                <a:endParaRPr lang="en-GB" sz="2800" noProof="0" dirty="0"/>
               </a:p>
               <a:p>
-                <a:endParaRPr lang="en-US" sz="2800" dirty="0"/>
+                <a:endParaRPr lang="en-GB" sz="2800" noProof="0" dirty="0"/>
               </a:p>
             </p:txBody>
           </p:sp>
         </mc:Choice>
-        <mc:Fallback xmlns="">
+        <mc:Fallback>
           <p:sp>
             <p:nvSpPr>
               <p:cNvPr id="4" name="CasellaDiTesto 3">
@@ -14303,14 +14007,11 @@
           <a:lstStyle/>
           <a:p>
             <a:r>
-              <a:rPr lang="en-GB" dirty="0">
+              <a:rPr lang="en-GB" noProof="0" dirty="0">
                 <a:latin typeface="Arial Black" panose="020B0A04020102020204" pitchFamily="34" charset="0"/>
               </a:rPr>
               <a:t>Comparing the coordinate techniques</a:t>
             </a:r>
-            <a:endParaRPr lang="en-GB" noProof="0" dirty="0">
-              <a:latin typeface="Arial Black" panose="020B0A04020102020204" pitchFamily="34" charset="0"/>
-            </a:endParaRPr>
           </a:p>
         </p:txBody>
       </p:sp>
@@ -14343,7 +14044,7 @@
           <a:lstStyle/>
           <a:p>
             <a:r>
-              <a:rPr lang="en-US" sz="2800" dirty="0"/>
+              <a:rPr lang="en-GB" sz="2800" noProof="0" dirty="0"/>
               <a:t>All three converge in less than 50 steps.</a:t>
             </a:r>
           </a:p>
@@ -14353,7 +14054,7 @@
               <a:buChar char="•"/>
             </a:pPr>
             <a:r>
-              <a:rPr lang="en-US" sz="2800" b="1" dirty="0">
+              <a:rPr lang="en-GB" sz="2800" b="1" noProof="0" dirty="0">
                 <a:solidFill>
                   <a:srgbClr val="00B050"/>
                 </a:solidFill>
@@ -14361,7 +14062,7 @@
               <a:t>Steepest Coordinate</a:t>
             </a:r>
             <a:r>
-              <a:rPr lang="en-US" sz="2800" dirty="0"/>
+              <a:rPr lang="en-GB" sz="2800" noProof="0" dirty="0"/>
               <a:t> is by far the fastest method;</a:t>
             </a:r>
           </a:p>
@@ -14371,7 +14072,7 @@
               <a:buChar char="•"/>
             </a:pPr>
             <a:r>
-              <a:rPr lang="en-US" sz="2800" b="1" dirty="0">
+              <a:rPr lang="en-GB" sz="2800" b="1" noProof="0" dirty="0">
                 <a:solidFill>
                   <a:schemeClr val="tx2"/>
                 </a:solidFill>
@@ -14379,7 +14080,7 @@
               <a:t>Importance Sampling </a:t>
             </a:r>
             <a:r>
-              <a:rPr lang="en-US" sz="2800" dirty="0"/>
+              <a:rPr lang="en-GB" sz="2800" noProof="0" dirty="0"/>
               <a:t>is slower;</a:t>
             </a:r>
           </a:p>
@@ -14389,7 +14090,7 @@
               <a:buChar char="•"/>
             </a:pPr>
             <a:r>
-              <a:rPr lang="en-US" sz="2800" b="1" dirty="0">
+              <a:rPr lang="en-GB" sz="2800" b="1" noProof="0" dirty="0">
                 <a:solidFill>
                   <a:srgbClr val="FF0000"/>
                 </a:solidFill>
@@ -14397,7 +14098,7 @@
               <a:t>Random Coordinate </a:t>
             </a:r>
             <a:r>
-              <a:rPr lang="en-US" sz="2800" dirty="0"/>
+              <a:rPr lang="en-GB" sz="2800" noProof="0" dirty="0"/>
               <a:t>has the most variance in its results.</a:t>
             </a:r>
           </a:p>
@@ -14533,35 +14234,24 @@
           <a:lstStyle/>
           <a:p>
             <a:r>
-              <a:rPr lang="en-GB" sz="2800" dirty="0">
+              <a:rPr lang="en-GB" sz="2800" noProof="0" dirty="0">
                 <a:latin typeface="Arial" panose="020B0604020202020204" pitchFamily="34" charset="0"/>
                 <a:cs typeface="Arial" panose="020B0604020202020204" pitchFamily="34" charset="0"/>
               </a:rPr>
-              <a:t>Finally we </a:t>
-            </a:r>
-            <a:r>
-              <a:rPr lang="en-US" sz="2800" dirty="0">
+              <a:t>Finally we Implemented multivariate linear regression via the </a:t>
+            </a:r>
+            <a:r>
+              <a:rPr lang="en-GB" sz="2800" i="1" noProof="0" dirty="0">
                 <a:latin typeface="Arial" panose="020B0604020202020204" pitchFamily="34" charset="0"/>
                 <a:cs typeface="Arial" panose="020B0604020202020204" pitchFamily="34" charset="0"/>
               </a:rPr>
-              <a:t>Implement multivariate linear regression via the </a:t>
-            </a:r>
-            <a:r>
-              <a:rPr lang="en-US" sz="2800" i="1" dirty="0">
-                <a:latin typeface="Arial" panose="020B0604020202020204" pitchFamily="34" charset="0"/>
-                <a:cs typeface="Arial" panose="020B0604020202020204" pitchFamily="34" charset="0"/>
-              </a:rPr>
               <a:t>Newton method </a:t>
             </a:r>
-            <a:endParaRPr lang="en-GB" sz="2800" i="1" noProof="0" dirty="0">
-              <a:latin typeface="Arial" panose="020B0604020202020204" pitchFamily="34" charset="0"/>
-              <a:cs typeface="Arial" panose="020B0604020202020204" pitchFamily="34" charset="0"/>
-            </a:endParaRPr>
           </a:p>
         </p:txBody>
       </p:sp>
-      <mc:AlternateContent xmlns:mc="http://schemas.openxmlformats.org/markup-compatibility/2006" xmlns:a14="http://schemas.microsoft.com/office/drawing/2010/main">
-        <mc:Choice Requires="a14">
+      <mc:AlternateContent xmlns:mc="http://schemas.openxmlformats.org/markup-compatibility/2006">
+        <mc:Choice xmlns:a14="http://schemas.microsoft.com/office/drawing/2010/main" Requires="a14">
           <p:sp>
             <p:nvSpPr>
               <p:cNvPr id="2" name="CasellaDiTesto 1">
@@ -14591,25 +14281,18 @@
               <a:lstStyle/>
               <a:p>
                 <a:r>
-                  <a:rPr lang="en-GB" sz="2800" dirty="0">
+                  <a:rPr lang="en-GB" sz="2800" noProof="0" dirty="0">
                     <a:latin typeface="Arial" panose="020B0604020202020204" pitchFamily="34" charset="0"/>
                     <a:cs typeface="Arial" panose="020B0604020202020204" pitchFamily="34" charset="0"/>
                   </a:rPr>
-                  <a:t>We first compute the </a:t>
-                </a:r>
-                <a:r>
-                  <a:rPr lang="en-US" sz="2800" dirty="0">
-                    <a:latin typeface="Arial" panose="020B0604020202020204" pitchFamily="34" charset="0"/>
-                    <a:cs typeface="Arial" panose="020B0604020202020204" pitchFamily="34" charset="0"/>
-                  </a:rPr>
-                  <a:t>Hessian matrix:  </a:t>
+                  <a:t>We first computed the Hessian matrix:  </a:t>
                 </a:r>
                 <a14:m>
                   <m:oMath xmlns:m="http://schemas.openxmlformats.org/officeDocument/2006/math">
                     <m:sSup>
                       <m:sSupPr>
                         <m:ctrlPr>
-                          <a:rPr lang="en-US" sz="2800" i="1" smtClean="0">
+                          <a:rPr lang="en-GB" sz="2800" i="1" noProof="0" smtClean="0">
                             <a:solidFill>
                               <a:schemeClr val="tx1"/>
                             </a:solidFill>
@@ -14622,7 +14305,7 @@
                           <m:rPr>
                             <m:sty m:val="p"/>
                           </m:rPr>
-                          <a:rPr lang="en-US" sz="2800" i="1" smtClean="0">
+                          <a:rPr lang="en-GB" sz="2800" i="1" noProof="0" smtClean="0">
                             <a:solidFill>
                               <a:schemeClr val="tx1"/>
                             </a:solidFill>
@@ -14633,7 +14316,7 @@
                       </m:e>
                       <m:sup>
                         <m:r>
-                          <a:rPr lang="en-US" sz="2800" i="1" smtClean="0">
+                          <a:rPr lang="en-GB" sz="2800" i="1" noProof="0" smtClean="0">
                             <a:solidFill>
                               <a:schemeClr val="tx1"/>
                             </a:solidFill>
@@ -14644,7 +14327,7 @@
                       </m:sup>
                     </m:sSup>
                     <m:r>
-                      <a:rPr lang="en-US" sz="2800" i="1" smtClean="0">
+                      <a:rPr lang="en-GB" sz="2800" i="1" noProof="0" smtClean="0">
                         <a:solidFill>
                           <a:schemeClr val="tx1"/>
                         </a:solidFill>
@@ -14655,7 +14338,7 @@
                     <m:d>
                       <m:dPr>
                         <m:ctrlPr>
-                          <a:rPr lang="en-US" sz="2800" i="1" smtClean="0">
+                          <a:rPr lang="en-GB" sz="2800" i="1" noProof="0" smtClean="0">
                             <a:solidFill>
                               <a:schemeClr val="tx1"/>
                             </a:solidFill>
@@ -14665,7 +14348,7 @@
                       </m:dPr>
                       <m:e>
                         <m:r>
-                          <a:rPr lang="en-US" sz="2800" i="1" smtClean="0">
+                          <a:rPr lang="en-GB" sz="2800" i="1" noProof="0" smtClean="0">
                             <a:solidFill>
                               <a:schemeClr val="tx1"/>
                             </a:solidFill>
@@ -14676,7 +14359,7 @@
                       </m:e>
                     </m:d>
                     <m:r>
-                      <a:rPr lang="en-US" sz="2800" i="1" smtClean="0">
+                      <a:rPr lang="en-GB" sz="2800" i="1" noProof="0" smtClean="0">
                         <a:solidFill>
                           <a:schemeClr val="tx1"/>
                         </a:solidFill>
@@ -14687,7 +14370,7 @@
                     <m:sSup>
                       <m:sSupPr>
                         <m:ctrlPr>
-                          <a:rPr lang="en-US" sz="2800" i="1" smtClean="0">
+                          <a:rPr lang="en-GB" sz="2800" i="1" noProof="0" smtClean="0">
                             <a:solidFill>
                               <a:schemeClr val="tx1"/>
                             </a:solidFill>
@@ -14697,7 +14380,7 @@
                       </m:sSupPr>
                       <m:e>
                         <m:r>
-                          <a:rPr lang="en-US" sz="2800" i="1" smtClean="0">
+                          <a:rPr lang="en-GB" sz="2800" i="1" noProof="0" smtClean="0">
                             <a:solidFill>
                               <a:schemeClr val="tx1"/>
                             </a:solidFill>
@@ -14708,7 +14391,7 @@
                       </m:e>
                       <m:sup>
                         <m:r>
-                          <a:rPr lang="en-US" sz="2800" i="1" smtClean="0">
+                          <a:rPr lang="en-GB" sz="2800" i="1" noProof="0" smtClean="0">
                             <a:solidFill>
                               <a:schemeClr val="tx1"/>
                             </a:solidFill>
@@ -14719,7 +14402,7 @@
                       </m:sup>
                     </m:sSup>
                     <m:r>
-                      <a:rPr lang="en-US" sz="2800" i="1" smtClean="0">
+                      <a:rPr lang="en-GB" sz="2800" i="1" noProof="0" smtClean="0">
                         <a:solidFill>
                           <a:schemeClr val="tx1"/>
                         </a:solidFill>
@@ -14737,7 +14420,7 @@
             </p:txBody>
           </p:sp>
         </mc:Choice>
-        <mc:Fallback xmlns="">
+        <mc:Fallback>
           <p:sp>
             <p:nvSpPr>
               <p:cNvPr id="2" name="CasellaDiTesto 1">
@@ -14883,8 +14566,8 @@
           </a:prstGeom>
         </p:spPr>
       </p:pic>
-      <mc:AlternateContent xmlns:mc="http://schemas.openxmlformats.org/markup-compatibility/2006" xmlns:a14="http://schemas.microsoft.com/office/drawing/2010/main">
-        <mc:Choice Requires="a14">
+      <mc:AlternateContent xmlns:mc="http://schemas.openxmlformats.org/markup-compatibility/2006">
+        <mc:Choice xmlns:a14="http://schemas.microsoft.com/office/drawing/2010/main" Requires="a14">
           <p:sp>
             <p:nvSpPr>
               <p:cNvPr id="6" name="CasellaDiTesto 5">
@@ -14914,7 +14597,7 @@
               <a:lstStyle/>
               <a:p>
                 <a:r>
-                  <a:rPr lang="en-US" sz="2800" dirty="0">
+                  <a:rPr lang="en-GB" sz="2800" noProof="0" dirty="0">
                     <a:latin typeface="Arial" panose="020B0604020202020204" pitchFamily="34" charset="0"/>
                     <a:cs typeface="Arial" panose="020B0604020202020204" pitchFamily="34" charset="0"/>
                   </a:rPr>
@@ -14923,14 +14606,14 @@
                 <a14:m>
                   <m:oMath xmlns:m="http://schemas.openxmlformats.org/officeDocument/2006/math">
                     <m:r>
-                      <a:rPr lang="it-IT" sz="2800" b="0" i="1" smtClean="0">
+                      <a:rPr lang="en-GB" sz="2800" b="0" i="1" noProof="0" smtClean="0">
                         <a:latin typeface="Cambria Math" panose="02040503050406030204" pitchFamily="18" charset="0"/>
                         <a:cs typeface="Arial" panose="020B0604020202020204" pitchFamily="34" charset="0"/>
                       </a:rPr>
                       <m:t>4,17</m:t>
                     </m:r>
                     <m:r>
-                      <a:rPr lang="en-US" sz="2800" i="1" smtClean="0">
+                      <a:rPr lang="en-GB" sz="2800" i="1" noProof="0" smtClean="0">
                         <a:latin typeface="Cambria Math" panose="02040503050406030204" pitchFamily="18" charset="0"/>
                       </a:rPr>
                       <m:t>⋅</m:t>
@@ -14938,7 +14621,7 @@
                     <m:sSup>
                       <m:sSupPr>
                         <m:ctrlPr>
-                          <a:rPr lang="en-US" sz="2800" i="1" smtClean="0">
+                          <a:rPr lang="en-GB" sz="2800" i="1" noProof="0" smtClean="0">
                             <a:solidFill>
                               <a:srgbClr val="836967"/>
                             </a:solidFill>
@@ -14948,7 +14631,7 @@
                       </m:sSupPr>
                       <m:e>
                         <m:r>
-                          <a:rPr lang="en-US" sz="2800" i="1" smtClean="0">
+                          <a:rPr lang="en-GB" sz="2800" i="1" noProof="0" smtClean="0">
                             <a:latin typeface="Cambria Math" panose="02040503050406030204" pitchFamily="18" charset="0"/>
                           </a:rPr>
                           <m:t>10</m:t>
@@ -14956,7 +14639,7 @@
                       </m:e>
                       <m:sup>
                         <m:r>
-                          <a:rPr lang="en-US" sz="2800" i="1" smtClean="0">
+                          <a:rPr lang="en-GB" sz="2800" i="1" noProof="0" smtClean="0">
                             <a:latin typeface="Cambria Math" panose="02040503050406030204" pitchFamily="18" charset="0"/>
                           </a:rPr>
                           <m:t>26</m:t>
@@ -14966,14 +14649,14 @@
                   </m:oMath>
                 </a14:m>
                 <a:r>
-                  <a:rPr lang="en-US" sz="2800" dirty="0">
+                  <a:rPr lang="en-GB" sz="2800" noProof="0" dirty="0">
                     <a:latin typeface="Arial" panose="020B0604020202020204" pitchFamily="34" charset="0"/>
                     <a:cs typeface="Arial" panose="020B0604020202020204" pitchFamily="34" charset="0"/>
                   </a:rPr>
                   <a:t> </a:t>
                 </a:r>
                 <a:r>
-                  <a:rPr lang="en-US" sz="2800" dirty="0">
+                  <a:rPr lang="en-GB" sz="2800" noProof="0" dirty="0">
                     <a:latin typeface="Arial" panose="020B0604020202020204" pitchFamily="34" charset="0"/>
                     <a:cs typeface="Arial" panose="020B0604020202020204" pitchFamily="34" charset="0"/>
                     <a:sym typeface="Wingdings" panose="05000000000000000000" pitchFamily="2" charset="2"/>
@@ -14981,7 +14664,7 @@
                   <a:t> </a:t>
                 </a:r>
                 <a:r>
-                  <a:rPr lang="en-US" sz="2800" b="1" dirty="0">
+                  <a:rPr lang="en-GB" sz="2800" b="1" noProof="0" dirty="0">
                     <a:latin typeface="Arial" panose="020B0604020202020204" pitchFamily="34" charset="0"/>
                     <a:cs typeface="Arial" panose="020B0604020202020204" pitchFamily="34" charset="0"/>
                   </a:rPr>
@@ -14995,7 +14678,7 @@
             </p:txBody>
           </p:sp>
         </mc:Choice>
-        <mc:Fallback xmlns="">
+        <mc:Fallback>
           <p:sp>
             <p:nvSpPr>
               <p:cNvPr id="6" name="CasellaDiTesto 5">
@@ -15140,14 +14823,14 @@
           <a:lstStyle/>
           <a:p>
             <a:r>
-              <a:rPr lang="en-US" sz="2800" dirty="0">
+              <a:rPr lang="en-GB" sz="2800" noProof="0" dirty="0">
                 <a:latin typeface="Arial" panose="020B0604020202020204" pitchFamily="34" charset="0"/>
                 <a:cs typeface="Arial" panose="020B0604020202020204" pitchFamily="34" charset="0"/>
               </a:rPr>
               <a:t>Since our objective function is </a:t>
             </a:r>
             <a:r>
-              <a:rPr lang="en-US" sz="2800" b="1" dirty="0">
+              <a:rPr lang="en-GB" sz="2800" b="1" noProof="0" dirty="0">
                 <a:solidFill>
                   <a:srgbClr val="FF0000"/>
                 </a:solidFill>
@@ -15157,7 +14840,7 @@
               <a:t>quadratic</a:t>
             </a:r>
             <a:r>
-              <a:rPr lang="en-US" sz="2800" dirty="0">
+              <a:rPr lang="en-GB" sz="2800" noProof="0" dirty="0">
                 <a:latin typeface="Arial" panose="020B0604020202020204" pitchFamily="34" charset="0"/>
                 <a:cs typeface="Arial" panose="020B0604020202020204" pitchFamily="34" charset="0"/>
               </a:rPr>
@@ -15165,39 +14848,39 @@
             </a:r>
           </a:p>
           <a:p>
-            <a:endParaRPr lang="en-US" sz="2800" dirty="0">
+            <a:endParaRPr lang="en-GB" sz="2800" noProof="0" dirty="0">
               <a:latin typeface="Arial" panose="020B0604020202020204" pitchFamily="34" charset="0"/>
               <a:cs typeface="Arial" panose="020B0604020202020204" pitchFamily="34" charset="0"/>
             </a:endParaRPr>
           </a:p>
           <a:p>
-            <a:endParaRPr lang="en-US" sz="2800" dirty="0">
+            <a:endParaRPr lang="en-GB" sz="2800" noProof="0" dirty="0">
               <a:latin typeface="Arial" panose="020B0604020202020204" pitchFamily="34" charset="0"/>
               <a:cs typeface="Arial" panose="020B0604020202020204" pitchFamily="34" charset="0"/>
             </a:endParaRPr>
           </a:p>
           <a:p>
-            <a:endParaRPr lang="en-US" sz="2800" dirty="0">
+            <a:endParaRPr lang="en-GB" sz="2800" noProof="0" dirty="0">
               <a:latin typeface="Arial" panose="020B0604020202020204" pitchFamily="34" charset="0"/>
               <a:cs typeface="Arial" panose="020B0604020202020204" pitchFamily="34" charset="0"/>
             </a:endParaRPr>
           </a:p>
           <a:p>
-            <a:endParaRPr lang="en-US" sz="2800" dirty="0">
+            <a:endParaRPr lang="en-GB" sz="2800" noProof="0" dirty="0">
               <a:latin typeface="Arial" panose="020B0604020202020204" pitchFamily="34" charset="0"/>
               <a:cs typeface="Arial" panose="020B0604020202020204" pitchFamily="34" charset="0"/>
             </a:endParaRPr>
           </a:p>
           <a:p>
             <a:r>
-              <a:rPr lang="en-US" sz="2800" dirty="0">
+              <a:rPr lang="en-GB" sz="2800" noProof="0" dirty="0">
                 <a:latin typeface="Arial" panose="020B0604020202020204" pitchFamily="34" charset="0"/>
                 <a:cs typeface="Arial" panose="020B0604020202020204" pitchFamily="34" charset="0"/>
               </a:rPr>
               <a:t>Newton's method is expected to converge in a </a:t>
             </a:r>
             <a:r>
-              <a:rPr lang="en-US" sz="2800" b="1" dirty="0">
+              <a:rPr lang="en-GB" sz="2800" b="1" noProof="0" dirty="0">
                 <a:solidFill>
                   <a:srgbClr val="FF0000"/>
                 </a:solidFill>
@@ -15207,7 +14890,7 @@
               <a:t>single iteration</a:t>
             </a:r>
             <a:r>
-              <a:rPr lang="en-US" sz="2800" dirty="0">
+              <a:rPr lang="en-GB" sz="2800" noProof="0" dirty="0">
                 <a:solidFill>
                   <a:srgbClr val="FF0000"/>
                 </a:solidFill>
@@ -15217,7 +14900,7 @@
               <a:t>.</a:t>
             </a:r>
             <a:r>
-              <a:rPr lang="en-US" sz="2800" dirty="0">
+              <a:rPr lang="en-GB" sz="2800" noProof="0" dirty="0">
                 <a:latin typeface="Arial" panose="020B0604020202020204" pitchFamily="34" charset="0"/>
                 <a:cs typeface="Arial" panose="020B0604020202020204" pitchFamily="34" charset="0"/>
               </a:rPr>
@@ -15230,8 +14913,8 @@
           </a:p>
         </p:txBody>
       </p:sp>
-      <mc:AlternateContent xmlns:mc="http://schemas.openxmlformats.org/markup-compatibility/2006" xmlns:a14="http://schemas.microsoft.com/office/drawing/2010/main">
-        <mc:Choice Requires="a14">
+      <mc:AlternateContent xmlns:mc="http://schemas.openxmlformats.org/markup-compatibility/2006">
+        <mc:Choice xmlns:a14="http://schemas.microsoft.com/office/drawing/2010/main" Requires="a14">
           <p:sp>
             <p:nvSpPr>
               <p:cNvPr id="2" name="CasellaDiTesto 1">
@@ -15424,7 +15107,7 @@
             </p:txBody>
           </p:sp>
         </mc:Choice>
-        <mc:Fallback xmlns="">
+        <mc:Fallback>
           <p:sp>
             <p:nvSpPr>
               <p:cNvPr id="2" name="CasellaDiTesto 1">
@@ -15498,7 +15181,7 @@
           <a:lstStyle/>
           <a:p>
             <a:r>
-              <a:rPr lang="en-US" sz="2800" dirty="0">
+              <a:rPr lang="en-GB" sz="2800" noProof="0" dirty="0">
                 <a:latin typeface="Arial" panose="020B0604020202020204" pitchFamily="34" charset="0"/>
                 <a:cs typeface="Arial" panose="020B0604020202020204" pitchFamily="34" charset="0"/>
               </a:rPr>
@@ -15607,14 +15290,11 @@
           <a:lstStyle/>
           <a:p>
             <a:r>
-              <a:rPr lang="en-GB" dirty="0">
+              <a:rPr lang="en-GB" noProof="0" dirty="0">
                 <a:latin typeface="Arial Black" panose="020B0A04020102020204" pitchFamily="34" charset="0"/>
               </a:rPr>
               <a:t>Newton performance</a:t>
             </a:r>
-            <a:endParaRPr lang="en-GB" noProof="0" dirty="0">
-              <a:latin typeface="Arial Black" panose="020B0A04020102020204" pitchFamily="34" charset="0"/>
-            </a:endParaRPr>
           </a:p>
         </p:txBody>
       </p:sp>
@@ -15647,14 +15327,14 @@
           <a:lstStyle/>
           <a:p>
             <a:r>
-              <a:rPr lang="en-US" sz="2800" dirty="0">
+              <a:rPr lang="en-GB" sz="2800" noProof="0" dirty="0">
                 <a:latin typeface="Arial" panose="020B0604020202020204" pitchFamily="34" charset="0"/>
                 <a:cs typeface="Arial" panose="020B0604020202020204" pitchFamily="34" charset="0"/>
               </a:rPr>
               <a:t>In general, computing the inverse of the Hessian can be computationally expensive. However, in our case, the Hessian was computed in </a:t>
             </a:r>
             <a:r>
-              <a:rPr lang="en-US" sz="2800" b="1" dirty="0">
+              <a:rPr lang="en-GB" sz="2800" b="1" noProof="0" dirty="0">
                 <a:solidFill>
                   <a:schemeClr val="tx1"/>
                 </a:solidFill>
@@ -15664,7 +15344,7 @@
               <a:t>approximately 11 </a:t>
             </a:r>
             <a:r>
-              <a:rPr lang="en-US" sz="2800" b="1" dirty="0" err="1">
+              <a:rPr lang="en-GB" sz="2800" b="1" noProof="0" dirty="0" err="1">
                 <a:solidFill>
                   <a:schemeClr val="tx1"/>
                 </a:solidFill>
@@ -15674,14 +15354,14 @@
               <a:t>ms</a:t>
             </a:r>
             <a:r>
-              <a:rPr lang="en-US" sz="2800" dirty="0">
+              <a:rPr lang="en-GB" sz="2800" noProof="0" dirty="0">
                 <a:latin typeface="Arial" panose="020B0604020202020204" pitchFamily="34" charset="0"/>
                 <a:cs typeface="Arial" panose="020B0604020202020204" pitchFamily="34" charset="0"/>
               </a:rPr>
               <a:t>, and the optimal solution was found in an </a:t>
             </a:r>
             <a:r>
-              <a:rPr lang="en-US" sz="2800" b="1" dirty="0">
+              <a:rPr lang="en-GB" sz="2800" b="1" noProof="0" dirty="0">
                 <a:solidFill>
                   <a:schemeClr val="tx1"/>
                 </a:solidFill>
@@ -15691,7 +15371,7 @@
               <a:t>additional 6 </a:t>
             </a:r>
             <a:r>
-              <a:rPr lang="en-US" sz="2800" b="1" dirty="0" err="1">
+              <a:rPr lang="en-GB" sz="2800" b="1" noProof="0" dirty="0" err="1">
                 <a:solidFill>
                   <a:schemeClr val="tx1"/>
                 </a:solidFill>
@@ -15701,29 +15381,22 @@
               <a:t>ms</a:t>
             </a:r>
             <a:r>
-              <a:rPr lang="en-US" sz="2800" dirty="0" err="1">
+              <a:rPr lang="en-GB" sz="2800" noProof="0" dirty="0">
                 <a:latin typeface="Arial" panose="020B0604020202020204" pitchFamily="34" charset="0"/>
                 <a:cs typeface="Arial" panose="020B0604020202020204" pitchFamily="34" charset="0"/>
               </a:rPr>
-              <a:t>.</a:t>
-            </a:r>
-            <a:r>
-              <a:rPr lang="en-US" sz="2800" dirty="0">
-                <a:latin typeface="Arial" panose="020B0604020202020204" pitchFamily="34" charset="0"/>
-                <a:cs typeface="Arial" panose="020B0604020202020204" pitchFamily="34" charset="0"/>
-              </a:rPr>
-              <a:t> </a:t>
-            </a:r>
-          </a:p>
-          <a:p>
-            <a:endParaRPr lang="en-US" sz="2800" dirty="0">
+              <a:t>. </a:t>
+            </a:r>
+          </a:p>
+          <a:p>
+            <a:endParaRPr lang="en-GB" sz="2800" noProof="0" dirty="0">
               <a:latin typeface="Arial" panose="020B0604020202020204" pitchFamily="34" charset="0"/>
               <a:cs typeface="Arial" panose="020B0604020202020204" pitchFamily="34" charset="0"/>
             </a:endParaRPr>
           </a:p>
           <a:p>
             <a:r>
-              <a:rPr lang="en-US" sz="2800" dirty="0">
+              <a:rPr lang="en-GB" sz="2800" noProof="0" dirty="0">
                 <a:latin typeface="Arial" panose="020B0604020202020204" pitchFamily="34" charset="0"/>
                 <a:cs typeface="Arial" panose="020B0604020202020204" pitchFamily="34" charset="0"/>
               </a:rPr>
@@ -16073,14 +15746,11 @@
           <a:lstStyle/>
           <a:p>
             <a:r>
-              <a:rPr lang="en-GB" dirty="0">
+              <a:rPr lang="en-GB" noProof="0" dirty="0">
                 <a:latin typeface="Arial Black" panose="020B0A04020102020204" pitchFamily="34" charset="0"/>
               </a:rPr>
               <a:t>All performance compared</a:t>
             </a:r>
-            <a:endParaRPr lang="en-GB" noProof="0" dirty="0">
-              <a:latin typeface="Arial Black" panose="020B0A04020102020204" pitchFamily="34" charset="0"/>
-            </a:endParaRPr>
           </a:p>
         </p:txBody>
       </p:sp>
@@ -16099,7 +15769,7 @@
           <p:nvPr>
             <p:extLst>
               <p:ext uri="{D42A27DB-BD31-4B8C-83A1-F6EECF244321}">
-                <p14:modId xmlns:p14="http://schemas.microsoft.com/office/powerpoint/2010/main" val="1630033602"/>
+                <p14:modId xmlns:p14="http://schemas.microsoft.com/office/powerpoint/2010/main" val="9554130"/>
               </p:ext>
             </p:extLst>
           </p:nvPr>
@@ -16145,7 +15815,7 @@
                     <a:p>
                       <a:pPr algn="ctr"/>
                       <a:r>
-                        <a:rPr lang="it-IT" b="1" dirty="0" err="1">
+                        <a:rPr lang="en-GB" b="1" noProof="0" dirty="0">
                           <a:solidFill>
                             <a:schemeClr val="lt1"/>
                           </a:solidFill>
@@ -16153,40 +15823,7 @@
                           <a:ea typeface="+mn-ea"/>
                           <a:cs typeface="Arial" panose="020B0604020202020204" pitchFamily="34" charset="0"/>
                         </a:rPr>
-                        <a:t>Gradient</a:t>
-                      </a:r>
-                      <a:r>
-                        <a:rPr lang="it-IT" b="1" dirty="0">
-                          <a:solidFill>
-                            <a:schemeClr val="lt1"/>
-                          </a:solidFill>
-                          <a:latin typeface="Arial" panose="020B0604020202020204" pitchFamily="34" charset="0"/>
-                          <a:ea typeface="+mn-ea"/>
-                          <a:cs typeface="Arial" panose="020B0604020202020204" pitchFamily="34" charset="0"/>
-                        </a:rPr>
-                        <a:t> </a:t>
-                      </a:r>
-                      <a:r>
-                        <a:rPr lang="it-IT" b="1" dirty="0" err="1">
-                          <a:solidFill>
-                            <a:schemeClr val="lt1"/>
-                          </a:solidFill>
-                          <a:latin typeface="Arial" panose="020B0604020202020204" pitchFamily="34" charset="0"/>
-                          <a:ea typeface="+mn-ea"/>
-                          <a:cs typeface="Arial" panose="020B0604020202020204" pitchFamily="34" charset="0"/>
-                        </a:rPr>
-                        <a:t>Descent</a:t>
-                      </a:r>
-                      <a:r>
-                        <a:rPr lang="it-IT" b="1" dirty="0">
-                          <a:solidFill>
-                            <a:schemeClr val="lt1"/>
-                          </a:solidFill>
-                          <a:latin typeface="Arial" panose="020B0604020202020204" pitchFamily="34" charset="0"/>
-                          <a:ea typeface="+mn-ea"/>
-                          <a:cs typeface="Arial" panose="020B0604020202020204" pitchFamily="34" charset="0"/>
-                        </a:rPr>
-                        <a:t> Setting</a:t>
+                        <a:t>Gradient Descent Setting</a:t>
                       </a:r>
                     </a:p>
                   </a:txBody>
@@ -16199,7 +15836,7 @@
                     <a:p>
                       <a:pPr algn="ctr"/>
                       <a:r>
-                        <a:rPr lang="it-IT" b="1" dirty="0">
+                        <a:rPr lang="en-GB" b="1" noProof="0" dirty="0">
                           <a:solidFill>
                             <a:schemeClr val="lt1"/>
                           </a:solidFill>
@@ -16207,27 +15844,8 @@
                           <a:ea typeface="+mn-ea"/>
                           <a:cs typeface="Arial" panose="020B0604020202020204" pitchFamily="34" charset="0"/>
                         </a:rPr>
-                        <a:t>Time </a:t>
+                        <a:t>Time needed</a:t>
                       </a:r>
-                      <a:r>
-                        <a:rPr lang="it-IT" b="1" dirty="0" err="1">
-                          <a:solidFill>
-                            <a:schemeClr val="lt1"/>
-                          </a:solidFill>
-                          <a:latin typeface="Arial" panose="020B0604020202020204" pitchFamily="34" charset="0"/>
-                          <a:ea typeface="+mn-ea"/>
-                          <a:cs typeface="Arial" panose="020B0604020202020204" pitchFamily="34" charset="0"/>
-                        </a:rPr>
-                        <a:t>needed</a:t>
-                      </a:r>
-                      <a:endParaRPr lang="it-IT" b="1" dirty="0">
-                        <a:solidFill>
-                          <a:schemeClr val="lt1"/>
-                        </a:solidFill>
-                        <a:latin typeface="Arial" panose="020B0604020202020204" pitchFamily="34" charset="0"/>
-                        <a:ea typeface="+mn-ea"/>
-                        <a:cs typeface="Arial" panose="020B0604020202020204" pitchFamily="34" charset="0"/>
-                      </a:endParaRPr>
                     </a:p>
                   </a:txBody>
                   <a:tcPr/>
@@ -16239,7 +15857,7 @@
                     <a:p>
                       <a:pPr algn="ctr"/>
                       <a:r>
-                        <a:rPr lang="it-IT" b="1" dirty="0">
+                        <a:rPr lang="en-GB" b="1" noProof="0" dirty="0">
                           <a:solidFill>
                             <a:schemeClr val="lt1"/>
                           </a:solidFill>
@@ -16247,27 +15865,8 @@
                           <a:ea typeface="+mn-ea"/>
                           <a:cs typeface="Arial" panose="020B0604020202020204" pitchFamily="34" charset="0"/>
                         </a:rPr>
-                        <a:t>Steps </a:t>
+                        <a:t>Steps needed</a:t>
                       </a:r>
-                      <a:r>
-                        <a:rPr lang="it-IT" b="1" dirty="0" err="1">
-                          <a:solidFill>
-                            <a:schemeClr val="lt1"/>
-                          </a:solidFill>
-                          <a:latin typeface="Arial" panose="020B0604020202020204" pitchFamily="34" charset="0"/>
-                          <a:ea typeface="+mn-ea"/>
-                          <a:cs typeface="Arial" panose="020B0604020202020204" pitchFamily="34" charset="0"/>
-                        </a:rPr>
-                        <a:t>needed</a:t>
-                      </a:r>
-                      <a:endParaRPr lang="it-IT" b="1" dirty="0">
-                        <a:solidFill>
-                          <a:schemeClr val="lt1"/>
-                        </a:solidFill>
-                        <a:latin typeface="Arial" panose="020B0604020202020204" pitchFamily="34" charset="0"/>
-                        <a:ea typeface="+mn-ea"/>
-                        <a:cs typeface="Arial" panose="020B0604020202020204" pitchFamily="34" charset="0"/>
-                      </a:endParaRPr>
                     </a:p>
                   </a:txBody>
                   <a:tcPr/>
@@ -16286,7 +15885,7 @@
                     <a:p>
                       <a:pPr marL="0" algn="ctr"/>
                       <a:r>
-                        <a:rPr lang="en-US" b="0" i="1" u="none" dirty="0">
+                        <a:rPr lang="en-GB" b="0" i="1" u="none" noProof="0" dirty="0">
                           <a:solidFill>
                             <a:schemeClr val="tx1"/>
                           </a:solidFill>
@@ -16296,14 +15895,6 @@
                         </a:rPr>
                         <a:t>Naive Test</a:t>
                       </a:r>
-                      <a:endParaRPr lang="it-IT" b="0" i="1" u="none" dirty="0">
-                        <a:solidFill>
-                          <a:schemeClr val="tx1"/>
-                        </a:solidFill>
-                        <a:latin typeface="Arial" panose="020B0604020202020204" pitchFamily="34" charset="0"/>
-                        <a:ea typeface="+mn-ea"/>
-                        <a:cs typeface="Arial" panose="020B0604020202020204" pitchFamily="34" charset="0"/>
-                      </a:endParaRPr>
                     </a:p>
                   </a:txBody>
                   <a:tcPr/>
@@ -16315,7 +15906,7 @@
                     <a:p>
                       <a:pPr marL="0" algn="ctr"/>
                       <a:r>
-                        <a:rPr lang="it-IT" b="0" dirty="0">
+                        <a:rPr lang="en-GB" b="0" noProof="0" dirty="0">
                           <a:solidFill>
                             <a:schemeClr val="tx1"/>
                           </a:solidFill>
@@ -16336,7 +15927,7 @@
                     <a:p>
                       <a:pPr marL="0" algn="ctr"/>
                       <a:r>
-                        <a:rPr lang="it-IT" b="0" dirty="0">
+                        <a:rPr lang="en-GB" b="0" noProof="0" dirty="0">
                           <a:solidFill>
                             <a:schemeClr val="tx1"/>
                           </a:solidFill>
@@ -16364,7 +15955,7 @@
                     <a:p>
                       <a:pPr marL="0" algn="ctr"/>
                       <a:r>
-                        <a:rPr lang="it-IT" b="0" i="1" u="none" dirty="0" err="1">
+                        <a:rPr lang="en-GB" b="0" i="1" u="none" noProof="0" dirty="0">
                           <a:solidFill>
                             <a:schemeClr val="tx1"/>
                           </a:solidFill>
@@ -16372,18 +15963,7 @@
                           <a:ea typeface="+mn-ea"/>
                           <a:cs typeface="Arial" panose="020B0604020202020204" pitchFamily="34" charset="0"/>
                         </a:rPr>
-                        <a:t>Smooth</a:t>
-                      </a:r>
-                      <a:r>
-                        <a:rPr lang="it-IT" b="0" i="1" u="none" dirty="0">
-                          <a:solidFill>
-                            <a:schemeClr val="tx1"/>
-                          </a:solidFill>
-                          <a:latin typeface="Arial" panose="020B0604020202020204" pitchFamily="34" charset="0"/>
-                          <a:ea typeface="+mn-ea"/>
-                          <a:cs typeface="Arial" panose="020B0604020202020204" pitchFamily="34" charset="0"/>
-                        </a:rPr>
-                        <a:t> Constant</a:t>
+                        <a:t>Smooth Constant</a:t>
                       </a:r>
                     </a:p>
                   </a:txBody>
@@ -16396,7 +15976,7 @@
                     <a:p>
                       <a:pPr marL="0" algn="ctr"/>
                       <a:r>
-                        <a:rPr lang="it-IT" b="0" dirty="0">
+                        <a:rPr lang="en-GB" b="0" noProof="0" dirty="0">
                           <a:solidFill>
                             <a:schemeClr val="tx1"/>
                           </a:solidFill>
@@ -16417,7 +15997,7 @@
                     <a:p>
                       <a:pPr marL="0" algn="ctr"/>
                       <a:r>
-                        <a:rPr lang="it-IT" b="0" dirty="0">
+                        <a:rPr lang="en-GB" b="0" noProof="0" dirty="0">
                           <a:solidFill>
                             <a:schemeClr val="tx1"/>
                           </a:solidFill>
@@ -16445,7 +16025,7 @@
                     <a:p>
                       <a:pPr marL="0" algn="ctr"/>
                       <a:r>
-                        <a:rPr lang="it-IT" b="0" i="1" u="none" dirty="0" err="1">
+                        <a:rPr lang="en-GB" b="0" i="1" u="none" noProof="0" dirty="0">
                           <a:solidFill>
                             <a:schemeClr val="tx1"/>
                           </a:solidFill>
@@ -16453,38 +16033,8 @@
                           <a:ea typeface="+mn-ea"/>
                           <a:cs typeface="Arial" panose="020B0604020202020204" pitchFamily="34" charset="0"/>
                         </a:rPr>
-                        <a:t>Lipschitz</a:t>
+                        <a:t>Lipschitz function</a:t>
                       </a:r>
-                      <a:r>
-                        <a:rPr lang="it-IT" b="0" i="1" u="none" dirty="0">
-                          <a:solidFill>
-                            <a:schemeClr val="tx1"/>
-                          </a:solidFill>
-                          <a:latin typeface="Arial" panose="020B0604020202020204" pitchFamily="34" charset="0"/>
-                          <a:ea typeface="+mn-ea"/>
-                          <a:cs typeface="Arial" panose="020B0604020202020204" pitchFamily="34" charset="0"/>
-                        </a:rPr>
-                        <a:t> </a:t>
-                      </a:r>
-                      <a:r>
-                        <a:rPr lang="it-IT" b="0" i="1" u="none" dirty="0" err="1">
-                          <a:solidFill>
-                            <a:schemeClr val="tx1"/>
-                          </a:solidFill>
-                          <a:latin typeface="Arial" panose="020B0604020202020204" pitchFamily="34" charset="0"/>
-                          <a:ea typeface="+mn-ea"/>
-                          <a:cs typeface="Arial" panose="020B0604020202020204" pitchFamily="34" charset="0"/>
-                        </a:rPr>
-                        <a:t>function</a:t>
-                      </a:r>
-                      <a:endParaRPr lang="it-IT" b="0" i="1" u="none" dirty="0">
-                        <a:solidFill>
-                          <a:schemeClr val="tx1"/>
-                        </a:solidFill>
-                        <a:latin typeface="Arial" panose="020B0604020202020204" pitchFamily="34" charset="0"/>
-                        <a:ea typeface="+mn-ea"/>
-                        <a:cs typeface="Arial" panose="020B0604020202020204" pitchFamily="34" charset="0"/>
-                      </a:endParaRPr>
                     </a:p>
                   </a:txBody>
                   <a:tcPr/>
@@ -16496,7 +16046,7 @@
                     <a:p>
                       <a:pPr marL="0" algn="ctr"/>
                       <a:r>
-                        <a:rPr lang="it-IT" b="0" dirty="0">
+                        <a:rPr lang="en-GB" b="0" noProof="0" dirty="0">
                           <a:solidFill>
                             <a:schemeClr val="tx1"/>
                           </a:solidFill>
@@ -16517,7 +16067,7 @@
                     <a:p>
                       <a:pPr marL="0" algn="ctr"/>
                       <a:r>
-                        <a:rPr lang="it-IT" b="0" dirty="0">
+                        <a:rPr lang="en-GB" b="0" noProof="0" dirty="0">
                           <a:solidFill>
                             <a:schemeClr val="tx1"/>
                           </a:solidFill>
@@ -16545,7 +16095,7 @@
                     <a:p>
                       <a:pPr marL="0" algn="ctr"/>
                       <a:r>
-                        <a:rPr lang="it-IT" b="0" i="1" u="none" dirty="0">
+                        <a:rPr lang="en-GB" b="0" i="1" u="none" noProof="0" dirty="0">
                           <a:solidFill>
                             <a:schemeClr val="tx1"/>
                           </a:solidFill>
@@ -16553,29 +16103,7 @@
                           <a:ea typeface="+mn-ea"/>
                           <a:cs typeface="Arial" panose="020B0604020202020204" pitchFamily="34" charset="0"/>
                         </a:rPr>
-                        <a:t>Strong </a:t>
-                      </a:r>
-                      <a:r>
-                        <a:rPr lang="it-IT" b="0" i="1" u="none" dirty="0" err="1">
-                          <a:solidFill>
-                            <a:schemeClr val="tx1"/>
-                          </a:solidFill>
-                          <a:latin typeface="Arial" panose="020B0604020202020204" pitchFamily="34" charset="0"/>
-                          <a:ea typeface="+mn-ea"/>
-                          <a:cs typeface="Arial" panose="020B0604020202020204" pitchFamily="34" charset="0"/>
-                        </a:rPr>
-                        <a:t>convexity</a:t>
-                      </a:r>
-                      <a:r>
-                        <a:rPr lang="it-IT" b="0" i="1" u="none" dirty="0">
-                          <a:solidFill>
-                            <a:schemeClr val="tx1"/>
-                          </a:solidFill>
-                          <a:latin typeface="Arial" panose="020B0604020202020204" pitchFamily="34" charset="0"/>
-                          <a:ea typeface="+mn-ea"/>
-                          <a:cs typeface="Arial" panose="020B0604020202020204" pitchFamily="34" charset="0"/>
-                        </a:rPr>
-                        <a:t> Test</a:t>
+                        <a:t>Strong convexity Test</a:t>
                       </a:r>
                     </a:p>
                   </a:txBody>
@@ -16588,7 +16116,7 @@
                     <a:p>
                       <a:pPr marL="0" algn="ctr"/>
                       <a:r>
-                        <a:rPr lang="it-IT" b="0" dirty="0">
+                        <a:rPr lang="en-GB" b="0" noProof="0" dirty="0">
                           <a:solidFill>
                             <a:schemeClr val="tx1"/>
                           </a:solidFill>
@@ -16609,7 +16137,7 @@
                     <a:p>
                       <a:pPr marL="0" algn="ctr"/>
                       <a:r>
-                        <a:rPr lang="it-IT" b="0" dirty="0">
+                        <a:rPr lang="en-GB" b="0" noProof="0" dirty="0">
                           <a:solidFill>
                             <a:schemeClr val="tx1"/>
                           </a:solidFill>
@@ -16637,7 +16165,7 @@
                     <a:p>
                       <a:pPr marL="0" algn="ctr"/>
                       <a:r>
-                        <a:rPr lang="it-IT" b="0" i="1" u="none" dirty="0" err="1">
+                        <a:rPr lang="en-GB" b="0" i="1" u="none" noProof="0" dirty="0">
                           <a:solidFill>
                             <a:schemeClr val="tx1"/>
                           </a:solidFill>
@@ -16645,60 +16173,8 @@
                           <a:ea typeface="+mn-ea"/>
                           <a:cs typeface="Arial" panose="020B0604020202020204" pitchFamily="34" charset="0"/>
                         </a:rPr>
-                        <a:t>Minibatch</a:t>
+                        <a:t>Minibatch Stochastic Gradient</a:t>
                       </a:r>
-                      <a:r>
-                        <a:rPr lang="it-IT" b="0" i="1" u="none" dirty="0">
-                          <a:solidFill>
-                            <a:schemeClr val="tx1"/>
-                          </a:solidFill>
-                          <a:latin typeface="Arial" panose="020B0604020202020204" pitchFamily="34" charset="0"/>
-                          <a:ea typeface="+mn-ea"/>
-                          <a:cs typeface="Arial" panose="020B0604020202020204" pitchFamily="34" charset="0"/>
-                        </a:rPr>
-                        <a:t> </a:t>
-                      </a:r>
-                      <a:r>
-                        <a:rPr lang="it-IT" b="0" i="1" u="none" dirty="0" err="1">
-                          <a:solidFill>
-                            <a:schemeClr val="tx1"/>
-                          </a:solidFill>
-                          <a:latin typeface="Arial" panose="020B0604020202020204" pitchFamily="34" charset="0"/>
-                          <a:ea typeface="+mn-ea"/>
-                          <a:cs typeface="Arial" panose="020B0604020202020204" pitchFamily="34" charset="0"/>
-                        </a:rPr>
-                        <a:t>Stochastic</a:t>
-                      </a:r>
-                      <a:r>
-                        <a:rPr lang="it-IT" b="0" i="1" u="none" dirty="0">
-                          <a:solidFill>
-                            <a:schemeClr val="tx1"/>
-                          </a:solidFill>
-                          <a:latin typeface="Arial" panose="020B0604020202020204" pitchFamily="34" charset="0"/>
-                          <a:ea typeface="+mn-ea"/>
-                          <a:cs typeface="Arial" panose="020B0604020202020204" pitchFamily="34" charset="0"/>
-                        </a:rPr>
-                        <a:t> </a:t>
-                      </a:r>
-                      <a:r>
-                        <a:rPr lang="it-IT" b="0" i="1" u="none" dirty="0" err="1">
-                          <a:solidFill>
-                            <a:schemeClr val="tx1"/>
-                          </a:solidFill>
-                          <a:latin typeface="Arial" panose="020B0604020202020204" pitchFamily="34" charset="0"/>
-                          <a:ea typeface="+mn-ea"/>
-                          <a:cs typeface="Arial" panose="020B0604020202020204" pitchFamily="34" charset="0"/>
-                        </a:rPr>
-                        <a:t>Gradient</a:t>
-                      </a:r>
-                      <a:endParaRPr lang="it-IT" b="0" i="1" u="none" dirty="0">
-                        <a:solidFill>
-                          <a:schemeClr val="tx1"/>
-                        </a:solidFill>
-                        <a:latin typeface="Arial" panose="020B0604020202020204" pitchFamily="34" charset="0"/>
-                        <a:ea typeface="+mn-ea"/>
-                        <a:cs typeface="Arial" panose="020B0604020202020204" pitchFamily="34" charset="0"/>
-                      </a:endParaRPr>
                     </a:p>
                   </a:txBody>
                   <a:tcPr/>
@@ -16710,7 +16186,7 @@
                     <a:p>
                       <a:pPr marL="0" algn="ctr"/>
                       <a:r>
-                        <a:rPr lang="it-IT" b="0" dirty="0">
+                        <a:rPr lang="en-GB" b="0" noProof="0" dirty="0">
                           <a:solidFill>
                             <a:schemeClr val="tx1"/>
                           </a:solidFill>
@@ -16731,7 +16207,7 @@
                     <a:p>
                       <a:pPr marL="0" algn="ctr"/>
                       <a:r>
-                        <a:rPr lang="it-IT" b="0" dirty="0">
+                        <a:rPr lang="en-GB" b="0" noProof="0" dirty="0">
                           <a:solidFill>
                             <a:schemeClr val="tx1"/>
                           </a:solidFill>
@@ -16759,7 +16235,7 @@
                     <a:p>
                       <a:pPr marL="0" algn="ctr"/>
                       <a:r>
-                        <a:rPr lang="it-IT" b="0" i="1" u="none" dirty="0">
+                        <a:rPr lang="en-GB" b="0" i="1" u="none" noProof="0" dirty="0">
                           <a:solidFill>
                             <a:schemeClr val="tx1"/>
                           </a:solidFill>
@@ -16780,7 +16256,7 @@
                     <a:p>
                       <a:pPr marL="0" algn="ctr"/>
                       <a:r>
-                        <a:rPr lang="it-IT" b="0" dirty="0">
+                        <a:rPr lang="en-GB" b="0" noProof="0" dirty="0">
                           <a:solidFill>
                             <a:schemeClr val="tx1"/>
                           </a:solidFill>
@@ -16801,7 +16277,7 @@
                     <a:p>
                       <a:pPr marL="0" algn="ctr"/>
                       <a:r>
-                        <a:rPr lang="it-IT" b="0" dirty="0">
+                        <a:rPr lang="en-GB" b="0" noProof="0" dirty="0">
                           <a:solidFill>
                             <a:schemeClr val="tx1"/>
                           </a:solidFill>
@@ -16829,7 +16305,7 @@
                     <a:p>
                       <a:pPr marL="0" algn="ctr"/>
                       <a:r>
-                        <a:rPr lang="it-IT" b="0" i="1" u="none" dirty="0">
+                        <a:rPr lang="en-GB" b="0" i="1" u="none" noProof="0" dirty="0">
                           <a:solidFill>
                             <a:schemeClr val="tx1"/>
                           </a:solidFill>
@@ -16850,7 +16326,7 @@
                     <a:p>
                       <a:pPr marL="0" algn="ctr"/>
                       <a:r>
-                        <a:rPr lang="it-IT" b="0" dirty="0">
+                        <a:rPr lang="en-GB" b="0" noProof="0" dirty="0">
                           <a:solidFill>
                             <a:schemeClr val="tx1"/>
                           </a:solidFill>
@@ -16871,7 +16347,7 @@
                     <a:p>
                       <a:pPr marL="0" algn="ctr"/>
                       <a:r>
-                        <a:rPr lang="it-IT" b="0" dirty="0">
+                        <a:rPr lang="en-GB" b="0" noProof="0" dirty="0">
                           <a:solidFill>
                             <a:schemeClr val="tx1"/>
                           </a:solidFill>
@@ -16899,7 +16375,7 @@
                     <a:p>
                       <a:pPr marL="0" algn="ctr"/>
                       <a:r>
-                        <a:rPr lang="it-IT" b="0" i="1" u="none" dirty="0">
+                        <a:rPr lang="en-GB" b="0" i="1" u="none" noProof="0" dirty="0">
                           <a:solidFill>
                             <a:schemeClr val="tx1"/>
                           </a:solidFill>
@@ -16907,49 +16383,8 @@
                           <a:ea typeface="+mn-ea"/>
                           <a:cs typeface="Arial" panose="020B0604020202020204" pitchFamily="34" charset="0"/>
                         </a:rPr>
-                        <a:t>Sign </a:t>
+                        <a:t>Sign Stochastic gradient</a:t>
                       </a:r>
-                      <a:r>
-                        <a:rPr lang="it-IT" b="0" i="1" u="none" dirty="0" err="1">
-                          <a:solidFill>
-                            <a:schemeClr val="tx1"/>
-                          </a:solidFill>
-                          <a:latin typeface="Arial" panose="020B0604020202020204" pitchFamily="34" charset="0"/>
-                          <a:ea typeface="+mn-ea"/>
-                          <a:cs typeface="Arial" panose="020B0604020202020204" pitchFamily="34" charset="0"/>
-                        </a:rPr>
-                        <a:t>Stochastic</a:t>
-                      </a:r>
-                      <a:r>
-                        <a:rPr lang="it-IT" b="0" i="1" u="none" dirty="0">
-                          <a:solidFill>
-                            <a:schemeClr val="tx1"/>
-                          </a:solidFill>
-                          <a:latin typeface="Arial" panose="020B0604020202020204" pitchFamily="34" charset="0"/>
-                          <a:ea typeface="+mn-ea"/>
-                          <a:cs typeface="Arial" panose="020B0604020202020204" pitchFamily="34" charset="0"/>
-                        </a:rPr>
-                        <a:t> </a:t>
-                      </a:r>
-                      <a:r>
-                        <a:rPr lang="it-IT" b="0" i="1" u="none" dirty="0" err="1">
-                          <a:solidFill>
-                            <a:schemeClr val="tx1"/>
-                          </a:solidFill>
-                          <a:latin typeface="Arial" panose="020B0604020202020204" pitchFamily="34" charset="0"/>
-                          <a:ea typeface="+mn-ea"/>
-                          <a:cs typeface="Arial" panose="020B0604020202020204" pitchFamily="34" charset="0"/>
-                        </a:rPr>
-                        <a:t>gradient</a:t>
-                      </a:r>
-                      <a:endParaRPr lang="it-IT" b="0" i="1" u="none" dirty="0">
-                        <a:solidFill>
-                          <a:schemeClr val="tx1"/>
-                        </a:solidFill>
-                        <a:latin typeface="Arial" panose="020B0604020202020204" pitchFamily="34" charset="0"/>
-                        <a:ea typeface="+mn-ea"/>
-                        <a:cs typeface="Arial" panose="020B0604020202020204" pitchFamily="34" charset="0"/>
-                      </a:endParaRPr>
                     </a:p>
                   </a:txBody>
                   <a:tcPr/>
@@ -16961,7 +16396,7 @@
                     <a:p>
                       <a:pPr marL="0" algn="ctr"/>
                       <a:r>
-                        <a:rPr lang="it-IT" b="0" dirty="0">
+                        <a:rPr lang="en-GB" b="0" noProof="0" dirty="0">
                           <a:solidFill>
                             <a:schemeClr val="tx1"/>
                           </a:solidFill>
@@ -16982,7 +16417,7 @@
                     <a:p>
                       <a:pPr marL="0" algn="ctr"/>
                       <a:r>
-                        <a:rPr lang="it-IT" b="0" dirty="0">
+                        <a:rPr lang="en-GB" b="0" noProof="0" dirty="0">
                           <a:solidFill>
                             <a:schemeClr val="tx1"/>
                           </a:solidFill>
@@ -17010,7 +16445,7 @@
                     <a:p>
                       <a:pPr marL="0" algn="ctr"/>
                       <a:r>
-                        <a:rPr lang="it-IT" b="0" i="1" u="none" dirty="0">
+                        <a:rPr lang="en-GB" b="0" i="1" u="none" noProof="0" dirty="0">
                           <a:solidFill>
                             <a:schemeClr val="tx1"/>
                           </a:solidFill>
@@ -17031,7 +16466,7 @@
                     <a:p>
                       <a:pPr marL="0" algn="ctr"/>
                       <a:r>
-                        <a:rPr lang="it-IT" b="0" dirty="0">
+                        <a:rPr lang="en-GB" b="0" noProof="0" dirty="0">
                           <a:solidFill>
                             <a:schemeClr val="tx1"/>
                           </a:solidFill>
@@ -17052,7 +16487,7 @@
                     <a:p>
                       <a:pPr marL="0" algn="ctr"/>
                       <a:r>
-                        <a:rPr lang="it-IT" b="0" dirty="0">
+                        <a:rPr lang="en-GB" b="0" noProof="0" dirty="0">
                           <a:solidFill>
                             <a:schemeClr val="tx1"/>
                           </a:solidFill>
@@ -17139,14 +16574,11 @@
           <a:lstStyle/>
           <a:p>
             <a:r>
-              <a:rPr lang="en-GB" dirty="0">
+              <a:rPr lang="en-GB" noProof="0" dirty="0">
                 <a:latin typeface="Arial Black" panose="020B0A04020102020204" pitchFamily="34" charset="0"/>
               </a:rPr>
               <a:t>All performance compared</a:t>
             </a:r>
-            <a:endParaRPr lang="en-GB" noProof="0" dirty="0">
-              <a:latin typeface="Arial Black" panose="020B0A04020102020204" pitchFamily="34" charset="0"/>
-            </a:endParaRPr>
           </a:p>
         </p:txBody>
       </p:sp>
@@ -17165,13 +16597,13 @@
           <p:nvPr>
             <p:extLst>
               <p:ext uri="{D42A27DB-BD31-4B8C-83A1-F6EECF244321}">
-                <p14:modId xmlns:p14="http://schemas.microsoft.com/office/powerpoint/2010/main" val="818747880"/>
+                <p14:modId xmlns:p14="http://schemas.microsoft.com/office/powerpoint/2010/main" val="378510795"/>
               </p:ext>
             </p:extLst>
           </p:nvPr>
         </p:nvGraphicFramePr>
         <p:xfrm>
-          <a:off x="2286000" y="1371600"/>
+          <a:off x="2285999" y="1752600"/>
           <a:ext cx="7619999" cy="2209800"/>
         </p:xfrm>
         <a:graphic>
@@ -17211,7 +16643,7 @@
                     <a:p>
                       <a:pPr algn="ctr"/>
                       <a:r>
-                        <a:rPr lang="it-IT" b="1" dirty="0">
+                        <a:rPr lang="en-GB" b="1" noProof="0" dirty="0">
                           <a:solidFill>
                             <a:schemeClr val="lt1"/>
                           </a:solidFill>
@@ -17219,29 +16651,7 @@
                           <a:ea typeface="+mn-ea"/>
                           <a:cs typeface="Arial" panose="020B0604020202020204" pitchFamily="34" charset="0"/>
                         </a:rPr>
-                        <a:t>Coordinate </a:t>
-                      </a:r>
-                      <a:r>
-                        <a:rPr lang="it-IT" b="1" dirty="0" err="1">
-                          <a:solidFill>
-                            <a:schemeClr val="lt1"/>
-                          </a:solidFill>
-                          <a:latin typeface="Arial" panose="020B0604020202020204" pitchFamily="34" charset="0"/>
-                          <a:ea typeface="+mn-ea"/>
-                          <a:cs typeface="Arial" panose="020B0604020202020204" pitchFamily="34" charset="0"/>
-                        </a:rPr>
-                        <a:t>Descent</a:t>
-                      </a:r>
-                      <a:r>
-                        <a:rPr lang="it-IT" b="1" dirty="0">
-                          <a:solidFill>
-                            <a:schemeClr val="lt1"/>
-                          </a:solidFill>
-                          <a:latin typeface="Arial" panose="020B0604020202020204" pitchFamily="34" charset="0"/>
-                          <a:ea typeface="+mn-ea"/>
-                          <a:cs typeface="Arial" panose="020B0604020202020204" pitchFamily="34" charset="0"/>
-                        </a:rPr>
-                        <a:t> Setting</a:t>
+                        <a:t>Coordinate Descent Setting</a:t>
                       </a:r>
                     </a:p>
                   </a:txBody>
@@ -17254,7 +16664,7 @@
                     <a:p>
                       <a:pPr algn="ctr"/>
                       <a:r>
-                        <a:rPr lang="it-IT" b="1" dirty="0">
+                        <a:rPr lang="en-GB" b="1" noProof="0" dirty="0">
                           <a:solidFill>
                             <a:schemeClr val="lt1"/>
                           </a:solidFill>
@@ -17262,27 +16672,8 @@
                           <a:ea typeface="+mn-ea"/>
                           <a:cs typeface="Arial" panose="020B0604020202020204" pitchFamily="34" charset="0"/>
                         </a:rPr>
-                        <a:t>Time </a:t>
+                        <a:t>Time needed</a:t>
                       </a:r>
-                      <a:r>
-                        <a:rPr lang="it-IT" b="1" dirty="0" err="1">
-                          <a:solidFill>
-                            <a:schemeClr val="lt1"/>
-                          </a:solidFill>
-                          <a:latin typeface="Arial" panose="020B0604020202020204" pitchFamily="34" charset="0"/>
-                          <a:ea typeface="+mn-ea"/>
-                          <a:cs typeface="Arial" panose="020B0604020202020204" pitchFamily="34" charset="0"/>
-                        </a:rPr>
-                        <a:t>needed</a:t>
-                      </a:r>
-                      <a:endParaRPr lang="it-IT" b="1" dirty="0">
-                        <a:solidFill>
-                          <a:schemeClr val="lt1"/>
-                        </a:solidFill>
-                        <a:latin typeface="Arial" panose="020B0604020202020204" pitchFamily="34" charset="0"/>
-                        <a:ea typeface="+mn-ea"/>
-                        <a:cs typeface="Arial" panose="020B0604020202020204" pitchFamily="34" charset="0"/>
-                      </a:endParaRPr>
                     </a:p>
                   </a:txBody>
                   <a:tcPr/>
@@ -17294,7 +16685,7 @@
                     <a:p>
                       <a:pPr algn="ctr"/>
                       <a:r>
-                        <a:rPr lang="it-IT" b="1" dirty="0">
+                        <a:rPr lang="en-GB" b="1" noProof="0" dirty="0">
                           <a:solidFill>
                             <a:schemeClr val="lt1"/>
                           </a:solidFill>
@@ -17302,27 +16693,8 @@
                           <a:ea typeface="+mn-ea"/>
                           <a:cs typeface="Arial" panose="020B0604020202020204" pitchFamily="34" charset="0"/>
                         </a:rPr>
-                        <a:t>Steps </a:t>
+                        <a:t>Steps needed</a:t>
                       </a:r>
-                      <a:r>
-                        <a:rPr lang="it-IT" b="1" dirty="0" err="1">
-                          <a:solidFill>
-                            <a:schemeClr val="lt1"/>
-                          </a:solidFill>
-                          <a:latin typeface="Arial" panose="020B0604020202020204" pitchFamily="34" charset="0"/>
-                          <a:ea typeface="+mn-ea"/>
-                          <a:cs typeface="Arial" panose="020B0604020202020204" pitchFamily="34" charset="0"/>
-                        </a:rPr>
-                        <a:t>needed</a:t>
-                      </a:r>
-                      <a:endParaRPr lang="it-IT" b="1" dirty="0">
-                        <a:solidFill>
-                          <a:schemeClr val="lt1"/>
-                        </a:solidFill>
-                        <a:latin typeface="Arial" panose="020B0604020202020204" pitchFamily="34" charset="0"/>
-                        <a:ea typeface="+mn-ea"/>
-                        <a:cs typeface="Arial" panose="020B0604020202020204" pitchFamily="34" charset="0"/>
-                      </a:endParaRPr>
                     </a:p>
                   </a:txBody>
                   <a:tcPr/>
@@ -17341,7 +16713,7 @@
                     <a:p>
                       <a:pPr marL="0" algn="ctr"/>
                       <a:r>
-                        <a:rPr lang="en-US" b="0" i="1" u="none" dirty="0">
+                        <a:rPr lang="en-GB" b="0" i="1" u="none" noProof="0" dirty="0">
                           <a:solidFill>
                             <a:schemeClr val="tx1"/>
                           </a:solidFill>
@@ -17351,14 +16723,6 @@
                         </a:rPr>
                         <a:t>Random coordinate</a:t>
                       </a:r>
-                      <a:endParaRPr lang="it-IT" b="0" i="1" u="none" dirty="0">
-                        <a:solidFill>
-                          <a:schemeClr val="tx1"/>
-                        </a:solidFill>
-                        <a:latin typeface="Arial" panose="020B0604020202020204" pitchFamily="34" charset="0"/>
-                        <a:ea typeface="+mn-ea"/>
-                        <a:cs typeface="Arial" panose="020B0604020202020204" pitchFamily="34" charset="0"/>
-                      </a:endParaRPr>
                     </a:p>
                   </a:txBody>
                   <a:tcPr/>
@@ -17370,7 +16734,7 @@
                     <a:p>
                       <a:pPr marL="0" algn="ctr"/>
                       <a:r>
-                        <a:rPr lang="it-IT" b="0" dirty="0">
+                        <a:rPr lang="en-GB" b="0" noProof="0" dirty="0">
                           <a:solidFill>
                             <a:schemeClr val="tx1"/>
                           </a:solidFill>
@@ -17391,7 +16755,7 @@
                     <a:p>
                       <a:pPr marL="0" algn="ctr"/>
                       <a:r>
-                        <a:rPr lang="it-IT" b="0" dirty="0">
+                        <a:rPr lang="en-GB" b="0" noProof="0" dirty="0">
                           <a:solidFill>
                             <a:schemeClr val="tx1"/>
                           </a:solidFill>
@@ -17419,7 +16783,7 @@
                     <a:p>
                       <a:pPr marL="0" algn="ctr"/>
                       <a:r>
-                        <a:rPr lang="it-IT" b="0" i="1" u="none" dirty="0" err="1">
+                        <a:rPr lang="en-GB" b="0" i="1" u="none" noProof="0" dirty="0">
                           <a:solidFill>
                             <a:schemeClr val="tx1"/>
                           </a:solidFill>
@@ -17427,18 +16791,7 @@
                           <a:ea typeface="+mn-ea"/>
                           <a:cs typeface="Arial" panose="020B0604020202020204" pitchFamily="34" charset="0"/>
                         </a:rPr>
-                        <a:t>Importance</a:t>
-                      </a:r>
-                      <a:r>
-                        <a:rPr lang="it-IT" b="0" i="1" u="none" dirty="0">
-                          <a:solidFill>
-                            <a:schemeClr val="tx1"/>
-                          </a:solidFill>
-                          <a:latin typeface="Arial" panose="020B0604020202020204" pitchFamily="34" charset="0"/>
-                          <a:ea typeface="+mn-ea"/>
-                          <a:cs typeface="Arial" panose="020B0604020202020204" pitchFamily="34" charset="0"/>
-                        </a:rPr>
-                        <a:t> sampling</a:t>
+                        <a:t>Importance sampling</a:t>
                       </a:r>
                     </a:p>
                   </a:txBody>
@@ -17451,7 +16804,7 @@
                     <a:p>
                       <a:pPr marL="0" algn="ctr"/>
                       <a:r>
-                        <a:rPr lang="it-IT" b="0" dirty="0">
+                        <a:rPr lang="en-GB" b="0" noProof="0" dirty="0">
                           <a:solidFill>
                             <a:schemeClr val="tx1"/>
                           </a:solidFill>
@@ -17472,7 +16825,7 @@
                     <a:p>
                       <a:pPr marL="0" algn="ctr"/>
                       <a:r>
-                        <a:rPr lang="it-IT" b="0" dirty="0">
+                        <a:rPr lang="en-GB" b="0" noProof="0" dirty="0">
                           <a:solidFill>
                             <a:schemeClr val="tx1"/>
                           </a:solidFill>
@@ -17500,7 +16853,7 @@
                     <a:p>
                       <a:pPr marL="0" algn="ctr"/>
                       <a:r>
-                        <a:rPr lang="it-IT" b="0" i="1" u="none" dirty="0" err="1">
+                        <a:rPr lang="en-GB" b="0" i="1" u="none" noProof="0" dirty="0">
                           <a:solidFill>
                             <a:schemeClr val="tx1"/>
                           </a:solidFill>
@@ -17508,18 +16861,7 @@
                           <a:ea typeface="+mn-ea"/>
                           <a:cs typeface="Arial" panose="020B0604020202020204" pitchFamily="34" charset="0"/>
                         </a:rPr>
-                        <a:t>Steepest</a:t>
-                      </a:r>
-                      <a:r>
-                        <a:rPr lang="it-IT" b="0" i="1" u="none" dirty="0">
-                          <a:solidFill>
-                            <a:schemeClr val="tx1"/>
-                          </a:solidFill>
-                          <a:latin typeface="Arial" panose="020B0604020202020204" pitchFamily="34" charset="0"/>
-                          <a:ea typeface="+mn-ea"/>
-                          <a:cs typeface="Arial" panose="020B0604020202020204" pitchFamily="34" charset="0"/>
-                        </a:rPr>
-                        <a:t> coordinate</a:t>
+                        <a:t>Steepest coordinate</a:t>
                       </a:r>
                     </a:p>
                   </a:txBody>
@@ -17532,7 +16874,7 @@
                     <a:p>
                       <a:pPr marL="0" algn="ctr"/>
                       <a:r>
-                        <a:rPr lang="it-IT" b="0" dirty="0">
+                        <a:rPr lang="en-GB" b="0" noProof="0" dirty="0">
                           <a:solidFill>
                             <a:schemeClr val="tx1"/>
                           </a:solidFill>
@@ -17553,7 +16895,7 @@
                     <a:p>
                       <a:pPr marL="0" algn="ctr"/>
                       <a:r>
-                        <a:rPr lang="it-IT" b="0" dirty="0">
+                        <a:rPr lang="en-GB" b="0" noProof="0" dirty="0">
                           <a:solidFill>
                             <a:schemeClr val="tx1"/>
                           </a:solidFill>
@@ -17577,10 +16919,256 @@
           </a:graphicData>
         </a:graphic>
       </p:graphicFrame>
+      <p:pic>
+        <p:nvPicPr>
+          <p:cNvPr id="4" name="Immagine 3">
+            <a:extLst>
+              <a:ext uri="{FF2B5EF4-FFF2-40B4-BE49-F238E27FC236}">
+                <a16:creationId xmlns:a16="http://schemas.microsoft.com/office/drawing/2014/main" id="{D87A7626-4CFF-AC5F-AC87-17ACC842432E}"/>
+              </a:ext>
+            </a:extLst>
+          </p:cNvPr>
+          <p:cNvPicPr>
+            <a:picLocks noChangeAspect="1"/>
+          </p:cNvPicPr>
+          <p:nvPr/>
+        </p:nvPicPr>
+        <p:blipFill>
+          <a:blip r:embed="rId2">
+            <a:extLst>
+              <a:ext uri="{28A0092B-C50C-407E-A947-70E740481C1C}">
+                <a14:useLocalDpi xmlns:a14="http://schemas.microsoft.com/office/drawing/2010/main" val="0"/>
+              </a:ext>
+            </a:extLst>
+          </a:blip>
+          <a:stretch>
+            <a:fillRect/>
+          </a:stretch>
+        </p:blipFill>
+        <p:spPr>
+          <a:xfrm>
+            <a:off x="2286000" y="4960126"/>
+            <a:ext cx="7619999" cy="526274"/>
+          </a:xfrm>
+          <a:prstGeom prst="rect">
+            <a:avLst/>
+          </a:prstGeom>
+        </p:spPr>
+      </p:pic>
+      <p:sp>
+        <p:nvSpPr>
+          <p:cNvPr id="6" name="CasellaDiTesto 5">
+            <a:extLst>
+              <a:ext uri="{FF2B5EF4-FFF2-40B4-BE49-F238E27FC236}">
+                <a16:creationId xmlns:a16="http://schemas.microsoft.com/office/drawing/2014/main" id="{3836F725-2E4F-D201-3779-E41D93770599}"/>
+              </a:ext>
+            </a:extLst>
+          </p:cNvPr>
+          <p:cNvSpPr txBox="1"/>
+          <p:nvPr/>
+        </p:nvSpPr>
+        <p:spPr>
+          <a:xfrm>
+            <a:off x="2133600" y="4495800"/>
+            <a:ext cx="8178802" cy="369332"/>
+          </a:xfrm>
+          <a:prstGeom prst="rect">
+            <a:avLst/>
+          </a:prstGeom>
+          <a:noFill/>
+        </p:spPr>
+        <p:txBody>
+          <a:bodyPr wrap="square">
+            <a:spAutoFit/>
+          </a:bodyPr>
+          <a:lstStyle/>
+          <a:p>
+            <a:r>
+              <a:rPr lang="en-GB" sz="1800" noProof="0" dirty="0"/>
+              <a:t>The optimal objective function value and global minimum of the function are:</a:t>
+            </a:r>
+          </a:p>
+        </p:txBody>
+      </p:sp>
     </p:spTree>
     <p:extLst>
       <p:ext uri="{BB962C8B-B14F-4D97-AF65-F5344CB8AC3E}">
         <p14:creationId xmlns:p14="http://schemas.microsoft.com/office/powerpoint/2010/main" val="3852013349"/>
+      </p:ext>
+    </p:extLst>
+  </p:cSld>
+  <p:clrMapOvr>
+    <a:masterClrMapping/>
+  </p:clrMapOvr>
+</p:sld>
+</file>
+
+<file path=ppt/slides/slide52.xml><?xml version="1.0" encoding="utf-8"?>
+<p:sld xmlns:a="http://schemas.openxmlformats.org/drawingml/2006/main" xmlns:r="http://schemas.openxmlformats.org/officeDocument/2006/relationships" xmlns:p="http://schemas.openxmlformats.org/presentationml/2006/main">
+  <p:cSld>
+    <p:spTree>
+      <p:nvGrpSpPr>
+        <p:cNvPr id="1" name="">
+          <a:extLst>
+            <a:ext uri="{FF2B5EF4-FFF2-40B4-BE49-F238E27FC236}">
+              <a16:creationId xmlns:a16="http://schemas.microsoft.com/office/drawing/2014/main" id="{F739B2F0-8E35-D20C-C360-227116115721}"/>
+            </a:ext>
+          </a:extLst>
+        </p:cNvPr>
+        <p:cNvGrpSpPr/>
+        <p:nvPr/>
+      </p:nvGrpSpPr>
+      <p:grpSpPr>
+        <a:xfrm>
+          <a:off x="0" y="0"/>
+          <a:ext cx="0" cy="0"/>
+          <a:chOff x="0" y="0"/>
+          <a:chExt cx="0" cy="0"/>
+        </a:xfrm>
+      </p:grpSpPr>
+      <p:sp>
+        <p:nvSpPr>
+          <p:cNvPr id="10" name="Titolo 9">
+            <a:extLst>
+              <a:ext uri="{FF2B5EF4-FFF2-40B4-BE49-F238E27FC236}">
+                <a16:creationId xmlns:a16="http://schemas.microsoft.com/office/drawing/2014/main" id="{E08AF2D0-8B84-8A45-49D2-2D21E6A9B444}"/>
+              </a:ext>
+            </a:extLst>
+          </p:cNvPr>
+          <p:cNvSpPr>
+            <a:spLocks noGrp="1"/>
+          </p:cNvSpPr>
+          <p:nvPr>
+            <p:ph type="title"/>
+          </p:nvPr>
+        </p:nvSpPr>
+        <p:spPr>
+          <a:xfrm>
+            <a:off x="762000" y="457200"/>
+            <a:ext cx="7391400" cy="538609"/>
+          </a:xfrm>
+        </p:spPr>
+        <p:txBody>
+          <a:bodyPr/>
+          <a:lstStyle/>
+          <a:p>
+            <a:r>
+              <a:rPr lang="en-GB" noProof="0" dirty="0">
+                <a:latin typeface="Arial Black" panose="020B0A04020102020204" pitchFamily="34" charset="0"/>
+              </a:rPr>
+              <a:t>Conclusion</a:t>
+            </a:r>
+          </a:p>
+        </p:txBody>
+      </p:sp>
+      <p:sp>
+        <p:nvSpPr>
+          <p:cNvPr id="8" name="CasellaDiTesto 7">
+            <a:extLst>
+              <a:ext uri="{FF2B5EF4-FFF2-40B4-BE49-F238E27FC236}">
+                <a16:creationId xmlns:a16="http://schemas.microsoft.com/office/drawing/2014/main" id="{A1D77592-B6DE-071E-C6B6-3BEF82B512A8}"/>
+              </a:ext>
+            </a:extLst>
+          </p:cNvPr>
+          <p:cNvSpPr txBox="1"/>
+          <p:nvPr/>
+        </p:nvSpPr>
+        <p:spPr>
+          <a:xfrm>
+            <a:off x="762000" y="1524000"/>
+            <a:ext cx="10210800" cy="4401205"/>
+          </a:xfrm>
+          <a:prstGeom prst="rect">
+            <a:avLst/>
+          </a:prstGeom>
+          <a:noFill/>
+        </p:spPr>
+        <p:txBody>
+          <a:bodyPr wrap="square">
+            <a:spAutoFit/>
+          </a:bodyPr>
+          <a:lstStyle/>
+          <a:p>
+            <a:r>
+              <a:rPr lang="en-GB" sz="2800" dirty="0">
+                <a:latin typeface="Arial" panose="020B0604020202020204" pitchFamily="34" charset="0"/>
+                <a:cs typeface="Arial" panose="020B0604020202020204" pitchFamily="34" charset="0"/>
+              </a:rPr>
+              <a:t>Out of all the techniques used for this problem’s analysis, the ones that performed the best were </a:t>
+            </a:r>
+            <a:r>
+              <a:rPr lang="en-GB" sz="2800" noProof="0" dirty="0">
+                <a:latin typeface="Arial" panose="020B0604020202020204" pitchFamily="34" charset="0"/>
+                <a:cs typeface="Arial" panose="020B0604020202020204" pitchFamily="34" charset="0"/>
+              </a:rPr>
+              <a:t> </a:t>
+            </a:r>
+          </a:p>
+          <a:p>
+            <a:pPr marL="457200" indent="-457200">
+              <a:buFont typeface="Arial" panose="020B0604020202020204" pitchFamily="34" charset="0"/>
+              <a:buChar char="•"/>
+            </a:pPr>
+            <a:r>
+              <a:rPr lang="en-GB" sz="2800" noProof="0" dirty="0">
+                <a:latin typeface="Arial" panose="020B0604020202020204" pitchFamily="34" charset="0"/>
+                <a:cs typeface="Arial" panose="020B0604020202020204" pitchFamily="34" charset="0"/>
+              </a:rPr>
+              <a:t>Gradient Descent with strong convexity assumption, the fastest in terms of computational time;</a:t>
+            </a:r>
+          </a:p>
+          <a:p>
+            <a:pPr marL="457200" indent="-457200">
+              <a:buFont typeface="Arial" panose="020B0604020202020204" pitchFamily="34" charset="0"/>
+              <a:buChar char="•"/>
+            </a:pPr>
+            <a:r>
+              <a:rPr lang="en-GB" sz="2800" dirty="0">
+                <a:latin typeface="Arial" panose="020B0604020202020204" pitchFamily="34" charset="0"/>
+                <a:cs typeface="Arial" panose="020B0604020202020204" pitchFamily="34" charset="0"/>
+              </a:rPr>
+              <a:t>Newton Method, the fastest in term of number of steps.</a:t>
+            </a:r>
+          </a:p>
+          <a:p>
+            <a:pPr marL="457200" indent="-457200">
+              <a:buFont typeface="Arial" panose="020B0604020202020204" pitchFamily="34" charset="0"/>
+              <a:buChar char="•"/>
+            </a:pPr>
+            <a:endParaRPr lang="en-GB" sz="2800" noProof="0" dirty="0">
+              <a:latin typeface="Arial" panose="020B0604020202020204" pitchFamily="34" charset="0"/>
+              <a:cs typeface="Arial" panose="020B0604020202020204" pitchFamily="34" charset="0"/>
+            </a:endParaRPr>
+          </a:p>
+          <a:p>
+            <a:r>
+              <a:rPr lang="en-GB" sz="2800" noProof="0" dirty="0">
+                <a:latin typeface="Arial" panose="020B0604020202020204" pitchFamily="34" charset="0"/>
+                <a:cs typeface="Arial" panose="020B0604020202020204" pitchFamily="34" charset="0"/>
+              </a:rPr>
+              <a:t>The Stochastic gradient methods seem to be </a:t>
+            </a:r>
+            <a:r>
+              <a:rPr lang="en-GB" sz="2800" dirty="0">
+                <a:latin typeface="Arial" panose="020B0604020202020204" pitchFamily="34" charset="0"/>
+                <a:cs typeface="Arial" panose="020B0604020202020204" pitchFamily="34" charset="0"/>
+              </a:rPr>
+              <a:t>the </a:t>
+            </a:r>
+            <a:r>
+              <a:rPr lang="en-GB" sz="2800" noProof="0" dirty="0">
+                <a:latin typeface="Arial" panose="020B0604020202020204" pitchFamily="34" charset="0"/>
+                <a:cs typeface="Arial" panose="020B0604020202020204" pitchFamily="34" charset="0"/>
+              </a:rPr>
+              <a:t>least performative, but this is due to the relatively small size of the dataset, which results in the full gradient to be computable quickly at every iteration.</a:t>
+            </a:r>
+          </a:p>
+        </p:txBody>
+      </p:sp>
+    </p:spTree>
+    <p:extLst>
+      <p:ext uri="{BB962C8B-B14F-4D97-AF65-F5344CB8AC3E}">
+        <p14:creationId xmlns:p14="http://schemas.microsoft.com/office/powerpoint/2010/main" val="3078441105"/>
       </p:ext>
     </p:extLst>
   </p:cSld>
